--- a/Type Providers/Type Providers.pptx
+++ b/Type Providers/Type Providers.pptx
@@ -249,7 +249,7 @@
           <a:p>
             <a:fld id="{F81B89EF-20F4-41E1-849C-92F341F1F0A0}" type="datetimeFigureOut">
               <a:rPr lang="en-US" smtClean="0"/>
-              <a:t>4/15/2013</a:t>
+              <a:t>7/2/2013</a:t>
             </a:fld>
             <a:endParaRPr lang="en-US"/>
           </a:p>
@@ -1556,7 +1556,7 @@
             <a:fld id="{B61BEF0D-F0BB-DE4B-95CE-6DB70DBA9567}" type="datetimeFigureOut">
               <a:rPr lang="en-US"/>
               <a:pPr/>
-              <a:t>4/15/2013</a:t>
+              <a:t>7/2/2013</a:t>
             </a:fld>
             <a:endParaRPr lang="en-US" dirty="0"/>
           </a:p>
@@ -1915,7 +1915,7 @@
             <a:fld id="{B61BEF0D-F0BB-DE4B-95CE-6DB70DBA9567}" type="datetimeFigureOut">
               <a:rPr lang="en-US"/>
               <a:pPr/>
-              <a:t>4/15/2013</a:t>
+              <a:t>7/2/2013</a:t>
             </a:fld>
             <a:endParaRPr lang="en-US" dirty="0"/>
           </a:p>
@@ -2190,7 +2190,7 @@
             <a:fld id="{B61BEF0D-F0BB-DE4B-95CE-6DB70DBA9567}" type="datetimeFigureOut">
               <a:rPr lang="en-US"/>
               <a:pPr/>
-              <a:t>4/15/2013</a:t>
+              <a:t>7/2/2013</a:t>
             </a:fld>
             <a:endParaRPr lang="en-US" dirty="0"/>
           </a:p>
@@ -2512,7 +2512,7 @@
             <a:fld id="{B61BEF0D-F0BB-DE4B-95CE-6DB70DBA9567}" type="datetimeFigureOut">
               <a:rPr lang="en-US"/>
               <a:pPr/>
-              <a:t>4/15/2013</a:t>
+              <a:t>7/2/2013</a:t>
             </a:fld>
             <a:endParaRPr lang="en-US" dirty="0"/>
           </a:p>
@@ -3136,7 +3136,7 @@
             <a:fld id="{B61BEF0D-F0BB-DE4B-95CE-6DB70DBA9567}" type="datetimeFigureOut">
               <a:rPr lang="en-US"/>
               <a:pPr/>
-              <a:t>4/15/2013</a:t>
+              <a:t>7/2/2013</a:t>
             </a:fld>
             <a:endParaRPr lang="en-US" dirty="0"/>
           </a:p>
@@ -3420,7 +3420,7 @@
             <a:fld id="{B61BEF0D-F0BB-DE4B-95CE-6DB70DBA9567}" type="datetimeFigureOut">
               <a:rPr lang="en-US"/>
               <a:pPr/>
-              <a:t>4/15/2013</a:t>
+              <a:t>7/2/2013</a:t>
             </a:fld>
             <a:endParaRPr lang="en-US" dirty="0"/>
           </a:p>
@@ -4039,7 +4039,7 @@
             <a:fld id="{B61BEF0D-F0BB-DE4B-95CE-6DB70DBA9567}" type="datetimeFigureOut">
               <a:rPr lang="en-US"/>
               <a:pPr/>
-              <a:t>4/15/2013</a:t>
+              <a:t>7/2/2013</a:t>
             </a:fld>
             <a:endParaRPr lang="en-US" dirty="0"/>
           </a:p>
@@ -4333,7 +4333,7 @@
             <a:fld id="{B61BEF0D-F0BB-DE4B-95CE-6DB70DBA9567}" type="datetimeFigureOut">
               <a:rPr lang="en-US"/>
               <a:pPr/>
-              <a:t>4/15/2013</a:t>
+              <a:t>7/2/2013</a:t>
             </a:fld>
             <a:endParaRPr lang="en-US" dirty="0"/>
           </a:p>
@@ -4578,7 +4578,7 @@
             <a:fld id="{B61BEF0D-F0BB-DE4B-95CE-6DB70DBA9567}" type="datetimeFigureOut">
               <a:rPr lang="en-US"/>
               <a:pPr/>
-              <a:t>4/15/2013</a:t>
+              <a:t>7/2/2013</a:t>
             </a:fld>
             <a:endParaRPr lang="en-US" dirty="0"/>
           </a:p>
@@ -4813,7 +4813,7 @@
             <a:fld id="{B61BEF0D-F0BB-DE4B-95CE-6DB70DBA9567}" type="datetimeFigureOut">
               <a:rPr lang="en-US"/>
               <a:pPr/>
-              <a:t>4/15/2013</a:t>
+              <a:t>7/2/2013</a:t>
             </a:fld>
             <a:endParaRPr lang="en-US" dirty="0"/>
           </a:p>
@@ -5126,7 +5126,7 @@
             <a:fld id="{B61BEF0D-F0BB-DE4B-95CE-6DB70DBA9567}" type="datetimeFigureOut">
               <a:rPr lang="en-US"/>
               <a:pPr/>
-              <a:t>4/15/2013</a:t>
+              <a:t>7/2/2013</a:t>
             </a:fld>
             <a:endParaRPr lang="en-US" dirty="0"/>
           </a:p>
@@ -5483,7 +5483,7 @@
             <a:fld id="{B61BEF0D-F0BB-DE4B-95CE-6DB70DBA9567}" type="datetimeFigureOut">
               <a:rPr lang="en-US"/>
               <a:pPr/>
-              <a:t>4/15/2013</a:t>
+              <a:t>7/2/2013</a:t>
             </a:fld>
             <a:endParaRPr lang="en-US" dirty="0"/>
           </a:p>
@@ -5986,7 +5986,7 @@
             <a:fld id="{B61BEF0D-F0BB-DE4B-95CE-6DB70DBA9567}" type="datetimeFigureOut">
               <a:rPr lang="en-US"/>
               <a:pPr/>
-              <a:t>4/15/2013</a:t>
+              <a:t>7/2/2013</a:t>
             </a:fld>
             <a:endParaRPr lang="en-US" dirty="0"/>
           </a:p>
@@ -6169,7 +6169,7 @@
             <a:fld id="{B61BEF0D-F0BB-DE4B-95CE-6DB70DBA9567}" type="datetimeFigureOut">
               <a:rPr lang="en-US"/>
               <a:pPr/>
-              <a:t>4/15/2013</a:t>
+              <a:t>7/2/2013</a:t>
             </a:fld>
             <a:endParaRPr lang="en-US" dirty="0"/>
           </a:p>
@@ -6329,7 +6329,7 @@
             <a:fld id="{B61BEF0D-F0BB-DE4B-95CE-6DB70DBA9567}" type="datetimeFigureOut">
               <a:rPr lang="en-US"/>
               <a:pPr/>
-              <a:t>4/15/2013</a:t>
+              <a:t>7/2/2013</a:t>
             </a:fld>
             <a:endParaRPr lang="en-US" dirty="0"/>
           </a:p>
@@ -6639,7 +6639,7 @@
             <a:fld id="{B61BEF0D-F0BB-DE4B-95CE-6DB70DBA9567}" type="datetimeFigureOut">
               <a:rPr lang="en-US"/>
               <a:pPr/>
-              <a:t>4/15/2013</a:t>
+              <a:t>7/2/2013</a:t>
             </a:fld>
             <a:endParaRPr lang="en-US" dirty="0"/>
           </a:p>
@@ -6900,7 +6900,7 @@
             <a:fld id="{B61BEF0D-F0BB-DE4B-95CE-6DB70DBA9567}" type="datetimeFigureOut">
               <a:rPr lang="en-US"/>
               <a:pPr/>
-              <a:t>4/15/2013</a:t>
+              <a:t>7/2/2013</a:t>
             </a:fld>
             <a:endParaRPr lang="en-US" dirty="0"/>
           </a:p>
@@ -7204,7 +7204,7 @@
             <a:fld id="{B61BEF0D-F0BB-DE4B-95CE-6DB70DBA9567}" type="datetimeFigureOut">
               <a:rPr lang="en-US" smtClean="0"/>
               <a:pPr/>
-              <a:t>4/15/2013</a:t>
+              <a:t>7/2/2013</a:t>
             </a:fld>
             <a:endParaRPr lang="en-US" dirty="0"/>
           </a:p>
@@ -7847,14 +7847,22 @@
           </a:p>
           <a:p>
             <a:r>
-              <a:rPr lang="en-US" dirty="0" smtClean="0">
-                <a:hlinkClick r:id="rId5"/>
-              </a:rPr>
-              <a:t>Type Provider for .proto files</a:t>
-            </a:r>
-            <a:endParaRPr lang="en-US" dirty="0"/>
-          </a:p>
-          <a:p>
+              <a:rPr lang="en-US" dirty="0" err="1" smtClean="0"/>
+              <a:t>Matlab</a:t>
+            </a:r>
+            <a:r>
+              <a:rPr lang="en-US" dirty="0" smtClean="0"/>
+              <a:t> </a:t>
+            </a:r>
+            <a:r>
+              <a:rPr lang="en-US" smtClean="0"/>
+              <a:t>Type Provider</a:t>
+            </a:r>
+          </a:p>
+          <a:p>
+            <a:pPr marL="0" indent="0">
+              <a:buNone/>
+            </a:pPr>
             <a:endParaRPr lang="en-US" dirty="0"/>
           </a:p>
         </p:txBody>

--- a/Type Providers/Type Providers.pptx
+++ b/Type Providers/Type Providers.pptx
@@ -18991,7 +18991,33 @@
                 <a:ea typeface="+mj-ea"/>
                 <a:cs typeface="+mj-cs"/>
               </a:rPr>
-              <a:t>A mechanism to provide types to the compiler</a:t>
+              <a:t>A mechanism to </a:t>
+            </a:r>
+            <a:r>
+              <a:rPr lang="en-US" sz="2399" b="1" dirty="0" smtClean="0">
+                <a:solidFill>
+                  <a:schemeClr val="accent4">
+                    <a:lumMod val="50000"/>
+                  </a:schemeClr>
+                </a:solidFill>
+                <a:latin typeface="Calibri Light" panose="020F0302020204030204"/>
+                <a:ea typeface="+mj-ea"/>
+                <a:cs typeface="+mj-cs"/>
+              </a:rPr>
+              <a:t>provide types </a:t>
+            </a:r>
+            <a:r>
+              <a:rPr lang="en-US" sz="2399" b="1" dirty="0">
+                <a:solidFill>
+                  <a:schemeClr val="accent4">
+                    <a:lumMod val="50000"/>
+                  </a:schemeClr>
+                </a:solidFill>
+                <a:latin typeface="Calibri Light" panose="020F0302020204030204"/>
+                <a:ea typeface="+mj-ea"/>
+                <a:cs typeface="+mj-cs"/>
+              </a:rPr>
+              <a:t>to the compiler</a:t>
             </a:r>
             <a:r>
               <a:rPr lang="en-US" sz="2399" b="1" dirty="0" smtClean="0">

--- a/Type Providers/Type Providers.pptx
+++ b/Type Providers/Type Providers.pptx
@@ -167,6 +167,11 @@
     <p:ext uri="{EFAFB233-063F-42B5-8137-9DF3F51BA10A}">
       <p15:sldGuideLst xmlns:p15="http://schemas.microsoft.com/office/powerpoint/2012/main">
         <p15:guide id="1" pos="3383" userDrawn="1">
+          <p15:clr>
+            <a:srgbClr val="A4A3A4"/>
+          </p15:clr>
+        </p15:guide>
+        <p15:guide id="2" orient="horz" pos="2160">
           <p15:clr>
             <a:srgbClr val="A4A3A4"/>
           </p15:clr>
@@ -2847,8 +2852,8 @@
     <dgm:cxn modelId="{D56EB2D8-5FDF-4692-9920-FD79A3311815}" type="presOf" srcId="{0B1D3EB6-DDAD-4074-AD89-1328ED184427}" destId="{00C18325-64BA-4230-8D42-A8CBBE2E541A}" srcOrd="0" destOrd="0" presId="urn:microsoft.com/office/officeart/2008/layout/AlternatingPictureBlocks"/>
     <dgm:cxn modelId="{5605B05D-9DD7-4070-B3CE-BAEE4864C5BE}" type="presOf" srcId="{F48CB2E3-D8BE-404E-A0D2-EEB3E1242A50}" destId="{538C1F93-2633-4DB7-AA7D-A5DE4FC8CB5A}" srcOrd="0" destOrd="0" presId="urn:microsoft.com/office/officeart/2008/layout/AlternatingPictureBlocks"/>
     <dgm:cxn modelId="{9725BDCF-4BB2-42FD-A2FB-17C284C08CD7}" srcId="{4E1E4C3E-5D80-4250-A36F-E2D6F8CE2114}" destId="{0B1D3EB6-DDAD-4074-AD89-1328ED184427}" srcOrd="1" destOrd="0" parTransId="{A0B0BA24-7BBD-4169-A6E4-C30BE3C7D4C6}" sibTransId="{02B22490-15FC-4C3F-8863-8A3E5A29C80C}"/>
+    <dgm:cxn modelId="{DF629EDD-CDDD-4422-BD5A-CACB7A74E2A8}" srcId="{0B1D3EB6-DDAD-4074-AD89-1328ED184427}" destId="{B9CFF899-EA87-447F-8310-377F7EA336B9}" srcOrd="0" destOrd="0" parTransId="{516D0FCC-58B7-4A3F-875C-505C5BEE0B2A}" sibTransId="{DDC7F697-1D79-4A68-AD43-E40B28D1EE4E}"/>
     <dgm:cxn modelId="{B3060CEB-B955-4ABF-8714-857ED9A2A44F}" srcId="{0B1D3EB6-DDAD-4074-AD89-1328ED184427}" destId="{B5557B3C-A729-44E7-B06E-8E406FFFF1BD}" srcOrd="1" destOrd="0" parTransId="{9B0ACE6D-CF28-47A6-BE42-2EE8D0A3E2E5}" sibTransId="{138A8399-7FDA-4CA4-AB2B-D6D64FA5D682}"/>
-    <dgm:cxn modelId="{DF629EDD-CDDD-4422-BD5A-CACB7A74E2A8}" srcId="{0B1D3EB6-DDAD-4074-AD89-1328ED184427}" destId="{B9CFF899-EA87-447F-8310-377F7EA336B9}" srcOrd="0" destOrd="0" parTransId="{516D0FCC-58B7-4A3F-875C-505C5BEE0B2A}" sibTransId="{DDC7F697-1D79-4A68-AD43-E40B28D1EE4E}"/>
     <dgm:cxn modelId="{E1B13E87-781A-4F9F-97A0-C3B2392EABE4}" srcId="{4E1E4C3E-5D80-4250-A36F-E2D6F8CE2114}" destId="{F48CB2E3-D8BE-404E-A0D2-EEB3E1242A50}" srcOrd="0" destOrd="0" parTransId="{6CF4DB19-53FF-4B32-AC92-262597995234}" sibTransId="{82AB8F63-BF4E-41E3-9A9D-3BCBF2FE527C}"/>
     <dgm:cxn modelId="{3A6F834D-3602-42EA-AFA3-C4E4D706522C}" type="presOf" srcId="{B9CFF899-EA87-447F-8310-377F7EA336B9}" destId="{00C18325-64BA-4230-8D42-A8CBBE2E541A}" srcOrd="0" destOrd="1" presId="urn:microsoft.com/office/officeart/2008/layout/AlternatingPictureBlocks"/>
     <dgm:cxn modelId="{ACE51563-F509-4B08-90DE-35F8A1487771}" type="presOf" srcId="{1B025A62-D98E-488F-8749-BA0463D60F82}" destId="{00C18325-64BA-4230-8D42-A8CBBE2E541A}" srcOrd="0" destOrd="3" presId="urn:microsoft.com/office/officeart/2008/layout/AlternatingPictureBlocks"/>
@@ -3191,15 +3196,15 @@
     </dgm:pt>
   </dgm:ptLst>
   <dgm:cxnLst>
-    <dgm:cxn modelId="{D871FEB1-20AE-4F20-98A3-208C15A5DC9F}" srcId="{DD1801D1-E95C-435E-9A6B-BDB98AC6747C}" destId="{24454270-3559-47C5-882E-F0D320EC8AE3}" srcOrd="1" destOrd="0" parTransId="{E3957FDC-111F-47E2-8708-142B65842703}" sibTransId="{FA3D90DB-1FBC-4D3F-8837-0DA2EAB01539}"/>
+    <dgm:cxn modelId="{5723E59B-E7BF-4960-BCC2-11BAE55764D3}" srcId="{DD1801D1-E95C-435E-9A6B-BDB98AC6747C}" destId="{DB8B8884-907A-42CB-BA57-0748ACC33DA8}" srcOrd="0" destOrd="0" parTransId="{FC4CBBF5-2F3C-4D44-9E47-3454F3571AE2}" sibTransId="{BDF9A999-8106-4231-BE0B-5AE7BCCD01EF}"/>
     <dgm:cxn modelId="{BCA97E81-1C2C-4354-B2FA-C22A5C033259}" type="presOf" srcId="{DD1801D1-E95C-435E-9A6B-BDB98AC6747C}" destId="{F4EB06CD-2E69-4621-B27C-F32E83BFADA9}" srcOrd="0" destOrd="0" presId="urn:microsoft.com/office/officeart/2005/8/layout/hProcess9"/>
-    <dgm:cxn modelId="{DBFE924F-FB6C-4683-A204-30204396DCBA}" type="presOf" srcId="{51D6D775-156C-40B4-9D2D-10813F1F5ED1}" destId="{CD60A385-9B88-44DC-960E-2CDB3996E30E}" srcOrd="0" destOrd="0" presId="urn:microsoft.com/office/officeart/2005/8/layout/hProcess9"/>
-    <dgm:cxn modelId="{150E374A-A361-4A2B-9D4D-10FCE534835C}" srcId="{DD1801D1-E95C-435E-9A6B-BDB98AC6747C}" destId="{51D6D775-156C-40B4-9D2D-10813F1F5ED1}" srcOrd="2" destOrd="0" parTransId="{14B21A9C-6557-41E9-A03C-54A350C35567}" sibTransId="{3AF22C5B-C72C-4AE0-847E-720DCF7FC01B}"/>
-    <dgm:cxn modelId="{5723E59B-E7BF-4960-BCC2-11BAE55764D3}" srcId="{DD1801D1-E95C-435E-9A6B-BDB98AC6747C}" destId="{DB8B8884-907A-42CB-BA57-0748ACC33DA8}" srcOrd="0" destOrd="0" parTransId="{FC4CBBF5-2F3C-4D44-9E47-3454F3571AE2}" sibTransId="{BDF9A999-8106-4231-BE0B-5AE7BCCD01EF}"/>
-    <dgm:cxn modelId="{0A26BEBE-7497-4DF7-B076-601A70AA1DFA}" type="presOf" srcId="{DB8B8884-907A-42CB-BA57-0748ACC33DA8}" destId="{A5606B05-A0C0-4C29-8E8B-C69EB0594E2A}" srcOrd="0" destOrd="0" presId="urn:microsoft.com/office/officeart/2005/8/layout/hProcess9"/>
     <dgm:cxn modelId="{816C09A2-9B7B-4C81-97F9-263EE8AFF56A}" srcId="{DD1801D1-E95C-435E-9A6B-BDB98AC6747C}" destId="{F240BC77-B20F-47FF-8D53-E818EE8F11C9}" srcOrd="3" destOrd="0" parTransId="{4FF76796-F05C-410B-A5D7-1E54B8039411}" sibTransId="{3CEF9A96-025C-4780-B4E3-DE2F73BAB55D}"/>
     <dgm:cxn modelId="{D209AEDE-B67D-49B7-A09B-6A23FFD1A462}" type="presOf" srcId="{F240BC77-B20F-47FF-8D53-E818EE8F11C9}" destId="{A0DBA043-27DC-495C-B1C4-80BB13CF934D}" srcOrd="0" destOrd="0" presId="urn:microsoft.com/office/officeart/2005/8/layout/hProcess9"/>
     <dgm:cxn modelId="{64921933-5BBC-443E-8C71-B63D5E8584B9}" type="presOf" srcId="{24454270-3559-47C5-882E-F0D320EC8AE3}" destId="{64B1E964-3DC6-4415-9A5E-A83325ACA918}" srcOrd="0" destOrd="0" presId="urn:microsoft.com/office/officeart/2005/8/layout/hProcess9"/>
+    <dgm:cxn modelId="{0A26BEBE-7497-4DF7-B076-601A70AA1DFA}" type="presOf" srcId="{DB8B8884-907A-42CB-BA57-0748ACC33DA8}" destId="{A5606B05-A0C0-4C29-8E8B-C69EB0594E2A}" srcOrd="0" destOrd="0" presId="urn:microsoft.com/office/officeart/2005/8/layout/hProcess9"/>
+    <dgm:cxn modelId="{DBFE924F-FB6C-4683-A204-30204396DCBA}" type="presOf" srcId="{51D6D775-156C-40B4-9D2D-10813F1F5ED1}" destId="{CD60A385-9B88-44DC-960E-2CDB3996E30E}" srcOrd="0" destOrd="0" presId="urn:microsoft.com/office/officeart/2005/8/layout/hProcess9"/>
+    <dgm:cxn modelId="{150E374A-A361-4A2B-9D4D-10FCE534835C}" srcId="{DD1801D1-E95C-435E-9A6B-BDB98AC6747C}" destId="{51D6D775-156C-40B4-9D2D-10813F1F5ED1}" srcOrd="2" destOrd="0" parTransId="{14B21A9C-6557-41E9-A03C-54A350C35567}" sibTransId="{3AF22C5B-C72C-4AE0-847E-720DCF7FC01B}"/>
+    <dgm:cxn modelId="{D871FEB1-20AE-4F20-98A3-208C15A5DC9F}" srcId="{DD1801D1-E95C-435E-9A6B-BDB98AC6747C}" destId="{24454270-3559-47C5-882E-F0D320EC8AE3}" srcOrd="1" destOrd="0" parTransId="{E3957FDC-111F-47E2-8708-142B65842703}" sibTransId="{FA3D90DB-1FBC-4D3F-8837-0DA2EAB01539}"/>
     <dgm:cxn modelId="{0A1106E5-8F49-486F-81AE-77577FB291B6}" type="presParOf" srcId="{F4EB06CD-2E69-4621-B27C-F32E83BFADA9}" destId="{133D9D82-C18C-4E6C-BD78-CAC18A510840}" srcOrd="0" destOrd="0" presId="urn:microsoft.com/office/officeart/2005/8/layout/hProcess9"/>
     <dgm:cxn modelId="{1CC40E11-3F9D-4C54-BB0C-449D1628D561}" type="presParOf" srcId="{F4EB06CD-2E69-4621-B27C-F32E83BFADA9}" destId="{C0802C58-1B43-4D83-B2FB-B7051D0060F7}" srcOrd="1" destOrd="0" presId="urn:microsoft.com/office/officeart/2005/8/layout/hProcess9"/>
     <dgm:cxn modelId="{7D1B303D-0ECA-4B20-ACA3-C080027C4BA4}" type="presParOf" srcId="{C0802C58-1B43-4D83-B2FB-B7051D0060F7}" destId="{A5606B05-A0C0-4C29-8E8B-C69EB0594E2A}" srcOrd="0" destOrd="0" presId="urn:microsoft.com/office/officeart/2005/8/layout/hProcess9"/>
@@ -5328,417 +5333,6 @@
       <dsp:cNvGrpSpPr/>
     </dsp:nvGrpSpPr>
     <dsp:grpSpPr/>
-    <dsp:sp modelId="{538C1F93-2633-4DB7-AA7D-A5DE4FC8CB5A}">
-      <dsp:nvSpPr>
-        <dsp:cNvPr id="0" name=""/>
-        <dsp:cNvSpPr/>
-      </dsp:nvSpPr>
-      <dsp:spPr>
-        <a:xfrm>
-          <a:off x="2073862" y="315"/>
-          <a:ext cx="3748739" cy="1695495"/>
-        </a:xfrm>
-        <a:prstGeom prst="rect">
-          <a:avLst/>
-        </a:prstGeom>
-        <a:solidFill>
-          <a:schemeClr val="accent4">
-            <a:lumMod val="50000"/>
-          </a:schemeClr>
-        </a:solidFill>
-        <a:ln w="53975" cap="flat" cmpd="dbl" algn="ctr">
-          <a:solidFill>
-            <a:schemeClr val="lt1">
-              <a:hueOff val="0"/>
-              <a:satOff val="0"/>
-              <a:lumOff val="0"/>
-              <a:alphaOff val="0"/>
-            </a:schemeClr>
-          </a:solidFill>
-          <a:prstDash val="solid"/>
-        </a:ln>
-        <a:effectLst/>
-      </dsp:spPr>
-      <dsp:style>
-        <a:lnRef idx="3">
-          <a:scrgbClr r="0" g="0" b="0"/>
-        </a:lnRef>
-        <a:fillRef idx="1">
-          <a:scrgbClr r="0" g="0" b="0"/>
-        </a:fillRef>
-        <a:effectRef idx="1">
-          <a:scrgbClr r="0" g="0" b="0"/>
-        </a:effectRef>
-        <a:fontRef idx="minor">
-          <a:schemeClr val="lt1"/>
-        </a:fontRef>
-      </dsp:style>
-      <dsp:txBody>
-        <a:bodyPr spcFirstLastPara="0" vert="horz" wrap="square" lIns="76200" tIns="76200" rIns="76200" bIns="76200" numCol="1" spcCol="1270" anchor="t" anchorCtr="0">
-          <a:noAutofit/>
-        </a:bodyPr>
-        <a:lstStyle/>
-        <a:p>
-          <a:pPr lvl="0" algn="l" defTabSz="889000" rtl="0">
-            <a:lnSpc>
-              <a:spcPct val="90000"/>
-            </a:lnSpc>
-            <a:spcBef>
-              <a:spcPct val="0"/>
-            </a:spcBef>
-            <a:spcAft>
-              <a:spcPct val="35000"/>
-            </a:spcAft>
-          </a:pPr>
-          <a:r>
-            <a:rPr lang="en-US" sz="2000" b="1" kern="1200" dirty="0" smtClean="0"/>
-            <a:t>Intellisense, tooltips, &amp; other tooling available</a:t>
-          </a:r>
-          <a:endParaRPr lang="en-US" sz="2000" b="1" kern="1200" dirty="0"/>
-        </a:p>
-      </dsp:txBody>
-      <dsp:txXfrm>
-        <a:off x="2073862" y="315"/>
-        <a:ext cx="3748739" cy="1695495"/>
-      </dsp:txXfrm>
-    </dsp:sp>
-    <dsp:sp modelId="{754CBADF-7C1E-4197-9623-DE30F3C029AC}">
-      <dsp:nvSpPr>
-        <dsp:cNvPr id="0" name=""/>
-        <dsp:cNvSpPr/>
-      </dsp:nvSpPr>
-      <dsp:spPr>
-        <a:xfrm>
-          <a:off x="227468" y="315"/>
-          <a:ext cx="1678540" cy="1695495"/>
-        </a:xfrm>
-        <a:prstGeom prst="rect">
-          <a:avLst/>
-        </a:prstGeom>
-        <a:solidFill>
-          <a:schemeClr val="accent2"/>
-        </a:solidFill>
-        <a:ln w="53975" cap="flat" cmpd="dbl" algn="ctr">
-          <a:solidFill>
-            <a:schemeClr val="lt1">
-              <a:hueOff val="0"/>
-              <a:satOff val="0"/>
-              <a:lumOff val="0"/>
-              <a:alphaOff val="0"/>
-            </a:schemeClr>
-          </a:solidFill>
-          <a:prstDash val="solid"/>
-        </a:ln>
-        <a:effectLst/>
-      </dsp:spPr>
-      <dsp:style>
-        <a:lnRef idx="3">
-          <a:scrgbClr r="0" g="0" b="0"/>
-        </a:lnRef>
-        <a:fillRef idx="1">
-          <a:scrgbClr r="0" g="0" b="0"/>
-        </a:fillRef>
-        <a:effectRef idx="1">
-          <a:scrgbClr r="0" g="0" b="0"/>
-        </a:effectRef>
-        <a:fontRef idx="minor">
-          <a:schemeClr val="lt1"/>
-        </a:fontRef>
-      </dsp:style>
-    </dsp:sp>
-    <dsp:sp modelId="{00C18325-64BA-4230-8D42-A8CBBE2E541A}">
-      <dsp:nvSpPr>
-        <dsp:cNvPr id="0" name=""/>
-        <dsp:cNvSpPr/>
-      </dsp:nvSpPr>
-      <dsp:spPr>
-        <a:xfrm>
-          <a:off x="227468" y="1975566"/>
-          <a:ext cx="3748739" cy="1695495"/>
-        </a:xfrm>
-        <a:prstGeom prst="rect">
-          <a:avLst/>
-        </a:prstGeom>
-        <a:solidFill>
-          <a:schemeClr val="accent4">
-            <a:lumMod val="50000"/>
-          </a:schemeClr>
-        </a:solidFill>
-        <a:ln w="53975" cap="flat" cmpd="dbl" algn="ctr">
-          <a:solidFill>
-            <a:schemeClr val="lt1">
-              <a:hueOff val="0"/>
-              <a:satOff val="0"/>
-              <a:lumOff val="0"/>
-              <a:alphaOff val="0"/>
-            </a:schemeClr>
-          </a:solidFill>
-          <a:prstDash val="solid"/>
-        </a:ln>
-        <a:effectLst/>
-      </dsp:spPr>
-      <dsp:style>
-        <a:lnRef idx="3">
-          <a:scrgbClr r="0" g="0" b="0"/>
-        </a:lnRef>
-        <a:fillRef idx="1">
-          <a:scrgbClr r="0" g="0" b="0"/>
-        </a:fillRef>
-        <a:effectRef idx="1">
-          <a:scrgbClr r="0" g="0" b="0"/>
-        </a:effectRef>
-        <a:fontRef idx="minor">
-          <a:schemeClr val="lt1"/>
-        </a:fontRef>
-      </dsp:style>
-      <dsp:txBody>
-        <a:bodyPr spcFirstLastPara="0" vert="horz" wrap="square" lIns="76200" tIns="76200" rIns="76200" bIns="76200" numCol="1" spcCol="1270" anchor="t" anchorCtr="0">
-          <a:noAutofit/>
-        </a:bodyPr>
-        <a:lstStyle/>
-        <a:p>
-          <a:pPr lvl="0" algn="l" defTabSz="889000" rtl="0">
-            <a:lnSpc>
-              <a:spcPct val="90000"/>
-            </a:lnSpc>
-            <a:spcBef>
-              <a:spcPct val="0"/>
-            </a:spcBef>
-            <a:spcAft>
-              <a:spcPct val="35000"/>
-            </a:spcAft>
-          </a:pPr>
-          <a:r>
-            <a:rPr lang="en-US" sz="2000" b="1" kern="1200" dirty="0" smtClean="0"/>
-            <a:t>No code generation</a:t>
-          </a:r>
-          <a:endParaRPr lang="en-US" sz="2000" b="1" kern="1200" dirty="0"/>
-        </a:p>
-        <a:p>
-          <a:pPr marL="171450" lvl="1" indent="-171450" algn="l" defTabSz="800100" rtl="0">
-            <a:lnSpc>
-              <a:spcPct val="90000"/>
-            </a:lnSpc>
-            <a:spcBef>
-              <a:spcPct val="0"/>
-            </a:spcBef>
-            <a:spcAft>
-              <a:spcPct val="15000"/>
-            </a:spcAft>
-            <a:buChar char="••"/>
-          </a:pPr>
-          <a:r>
-            <a:rPr lang="en-US" sz="1800" kern="1200" dirty="0" smtClean="0"/>
-            <a:t>Always in sync with the source</a:t>
-          </a:r>
-          <a:endParaRPr lang="en-US" sz="1800" kern="1200" dirty="0"/>
-        </a:p>
-        <a:p>
-          <a:pPr marL="171450" lvl="1" indent="-171450" algn="l" defTabSz="800100" rtl="0">
-            <a:lnSpc>
-              <a:spcPct val="90000"/>
-            </a:lnSpc>
-            <a:spcBef>
-              <a:spcPct val="0"/>
-            </a:spcBef>
-            <a:spcAft>
-              <a:spcPct val="15000"/>
-            </a:spcAft>
-            <a:buChar char="••"/>
-          </a:pPr>
-          <a:r>
-            <a:rPr lang="en-US" sz="1800" kern="1200" dirty="0" smtClean="0"/>
-            <a:t>No extra bloated code</a:t>
-          </a:r>
-          <a:endParaRPr lang="en-US" sz="1800" kern="1200" dirty="0"/>
-        </a:p>
-        <a:p>
-          <a:pPr marL="171450" lvl="1" indent="-171450" algn="l" defTabSz="800100" rtl="0">
-            <a:lnSpc>
-              <a:spcPct val="90000"/>
-            </a:lnSpc>
-            <a:spcBef>
-              <a:spcPct val="0"/>
-            </a:spcBef>
-            <a:spcAft>
-              <a:spcPct val="15000"/>
-            </a:spcAft>
-            <a:buChar char="••"/>
-          </a:pPr>
-          <a:r>
-            <a:rPr lang="en-US" sz="1800" kern="1200" dirty="0" smtClean="0"/>
-            <a:t>Scalable to millions of types (e.g. - freebase)</a:t>
-          </a:r>
-          <a:endParaRPr lang="en-US" sz="1800" kern="1200" dirty="0"/>
-        </a:p>
-      </dsp:txBody>
-      <dsp:txXfrm>
-        <a:off x="227468" y="1975566"/>
-        <a:ext cx="3748739" cy="1695495"/>
-      </dsp:txXfrm>
-    </dsp:sp>
-    <dsp:sp modelId="{B732AFC3-CBCB-40BD-93FB-614BAC717596}">
-      <dsp:nvSpPr>
-        <dsp:cNvPr id="0" name=""/>
-        <dsp:cNvSpPr/>
-      </dsp:nvSpPr>
-      <dsp:spPr>
-        <a:xfrm>
-          <a:off x="4144062" y="1975566"/>
-          <a:ext cx="1678540" cy="1695495"/>
-        </a:xfrm>
-        <a:prstGeom prst="rect">
-          <a:avLst/>
-        </a:prstGeom>
-        <a:solidFill>
-          <a:schemeClr val="accent2"/>
-        </a:solidFill>
-        <a:ln w="53975" cap="flat" cmpd="dbl" algn="ctr">
-          <a:solidFill>
-            <a:schemeClr val="lt1">
-              <a:hueOff val="0"/>
-              <a:satOff val="0"/>
-              <a:lumOff val="0"/>
-              <a:alphaOff val="0"/>
-            </a:schemeClr>
-          </a:solidFill>
-          <a:prstDash val="solid"/>
-        </a:ln>
-        <a:effectLst/>
-      </dsp:spPr>
-      <dsp:style>
-        <a:lnRef idx="3">
-          <a:scrgbClr r="0" g="0" b="0"/>
-        </a:lnRef>
-        <a:fillRef idx="1">
-          <a:scrgbClr r="0" g="0" b="0"/>
-        </a:fillRef>
-        <a:effectRef idx="1">
-          <a:scrgbClr r="0" g="0" b="0"/>
-        </a:effectRef>
-        <a:fontRef idx="minor">
-          <a:schemeClr val="lt1"/>
-        </a:fontRef>
-      </dsp:style>
-    </dsp:sp>
-    <dsp:sp modelId="{056E0795-FEBC-41A8-9465-02461723C490}">
-      <dsp:nvSpPr>
-        <dsp:cNvPr id="0" name=""/>
-        <dsp:cNvSpPr/>
-      </dsp:nvSpPr>
-      <dsp:spPr>
-        <a:xfrm>
-          <a:off x="2073862" y="3950818"/>
-          <a:ext cx="3748739" cy="1695495"/>
-        </a:xfrm>
-        <a:prstGeom prst="rect">
-          <a:avLst/>
-        </a:prstGeom>
-        <a:solidFill>
-          <a:schemeClr val="accent4">
-            <a:lumMod val="50000"/>
-          </a:schemeClr>
-        </a:solidFill>
-        <a:ln w="53975" cap="flat" cmpd="dbl" algn="ctr">
-          <a:solidFill>
-            <a:schemeClr val="lt1">
-              <a:hueOff val="0"/>
-              <a:satOff val="0"/>
-              <a:lumOff val="0"/>
-              <a:alphaOff val="0"/>
-            </a:schemeClr>
-          </a:solidFill>
-          <a:prstDash val="solid"/>
-        </a:ln>
-        <a:effectLst/>
-      </dsp:spPr>
-      <dsp:style>
-        <a:lnRef idx="3">
-          <a:scrgbClr r="0" g="0" b="0"/>
-        </a:lnRef>
-        <a:fillRef idx="1">
-          <a:scrgbClr r="0" g="0" b="0"/>
-        </a:fillRef>
-        <a:effectRef idx="1">
-          <a:scrgbClr r="0" g="0" b="0"/>
-        </a:effectRef>
-        <a:fontRef idx="minor">
-          <a:schemeClr val="lt1"/>
-        </a:fontRef>
-      </dsp:style>
-      <dsp:txBody>
-        <a:bodyPr spcFirstLastPara="0" vert="horz" wrap="square" lIns="76200" tIns="76200" rIns="76200" bIns="76200" numCol="1" spcCol="1270" anchor="t" anchorCtr="0">
-          <a:noAutofit/>
-        </a:bodyPr>
-        <a:lstStyle/>
-        <a:p>
-          <a:pPr lvl="0" algn="ctr" defTabSz="889000" rtl="0">
-            <a:lnSpc>
-              <a:spcPct val="90000"/>
-            </a:lnSpc>
-            <a:spcBef>
-              <a:spcPct val="0"/>
-            </a:spcBef>
-            <a:spcAft>
-              <a:spcPct val="35000"/>
-            </a:spcAft>
-          </a:pPr>
-          <a:r>
-            <a:rPr lang="en-US" sz="2000" b="1" kern="1200" dirty="0" smtClean="0"/>
-            <a:t>More natural with REPL</a:t>
-          </a:r>
-          <a:endParaRPr lang="en-US" sz="2000" b="1" kern="1200" dirty="0"/>
-        </a:p>
-      </dsp:txBody>
-      <dsp:txXfrm>
-        <a:off x="2073862" y="3950818"/>
-        <a:ext cx="3748739" cy="1695495"/>
-      </dsp:txXfrm>
-    </dsp:sp>
-    <dsp:sp modelId="{9C693826-E8EF-40D9-9ACD-70564CCA445C}">
-      <dsp:nvSpPr>
-        <dsp:cNvPr id="0" name=""/>
-        <dsp:cNvSpPr/>
-      </dsp:nvSpPr>
-      <dsp:spPr>
-        <a:xfrm>
-          <a:off x="227468" y="3950818"/>
-          <a:ext cx="1678540" cy="1695495"/>
-        </a:xfrm>
-        <a:prstGeom prst="rect">
-          <a:avLst/>
-        </a:prstGeom>
-        <a:solidFill>
-          <a:schemeClr val="accent2"/>
-        </a:solidFill>
-        <a:ln w="53975" cap="flat" cmpd="dbl" algn="ctr">
-          <a:solidFill>
-            <a:schemeClr val="lt1">
-              <a:hueOff val="0"/>
-              <a:satOff val="0"/>
-              <a:lumOff val="0"/>
-              <a:alphaOff val="0"/>
-            </a:schemeClr>
-          </a:solidFill>
-          <a:prstDash val="solid"/>
-        </a:ln>
-        <a:effectLst/>
-      </dsp:spPr>
-      <dsp:style>
-        <a:lnRef idx="3">
-          <a:scrgbClr r="0" g="0" b="0"/>
-        </a:lnRef>
-        <a:fillRef idx="1">
-          <a:scrgbClr r="0" g="0" b="0"/>
-        </a:fillRef>
-        <a:effectRef idx="1">
-          <a:scrgbClr r="0" g="0" b="0"/>
-        </a:effectRef>
-        <a:fontRef idx="minor">
-          <a:schemeClr val="lt1"/>
-        </a:fontRef>
-      </dsp:style>
-    </dsp:sp>
   </dsp:spTree>
 </dsp:drawing>
 </file>
@@ -5751,513 +5345,6 @@
       <dsp:cNvGrpSpPr/>
     </dsp:nvGrpSpPr>
     <dsp:grpSpPr/>
-    <dsp:sp modelId="{133D9D82-C18C-4E6C-BD78-CAC18A510840}">
-      <dsp:nvSpPr>
-        <dsp:cNvPr id="0" name=""/>
-        <dsp:cNvSpPr/>
-      </dsp:nvSpPr>
-      <dsp:spPr>
-        <a:xfrm>
-          <a:off x="528168" y="0"/>
-          <a:ext cx="5985907" cy="2880424"/>
-        </a:xfrm>
-        <a:prstGeom prst="rightArrow">
-          <a:avLst/>
-        </a:prstGeom>
-        <a:gradFill rotWithShape="0">
-          <a:gsLst>
-            <a:gs pos="0">
-              <a:schemeClr val="accent2"/>
-            </a:gs>
-            <a:gs pos="11000">
-              <a:schemeClr val="accent4">
-                <a:lumMod val="50000"/>
-              </a:schemeClr>
-            </a:gs>
-            <a:gs pos="100000">
-              <a:schemeClr val="accent4">
-                <a:lumMod val="50000"/>
-              </a:schemeClr>
-            </a:gs>
-          </a:gsLst>
-          <a:path path="circle">
-            <a:fillToRect l="100000" t="100000" r="100000" b="100000"/>
-          </a:path>
-        </a:gradFill>
-        <a:ln>
-          <a:noFill/>
-        </a:ln>
-        <a:effectLst/>
-        <a:scene3d>
-          <a:camera prst="orthographicFront"/>
-          <a:lightRig rig="threePt" dir="t">
-            <a:rot lat="0" lon="0" rev="7500000"/>
-          </a:lightRig>
-        </a:scene3d>
-        <a:sp3d z="-152400" extrusionH="63500" prstMaterial="matte">
-          <a:bevelT w="144450" h="6350" prst="relaxedInset"/>
-          <a:contourClr>
-            <a:schemeClr val="bg1"/>
-          </a:contourClr>
-        </a:sp3d>
-      </dsp:spPr>
-      <dsp:style>
-        <a:lnRef idx="0">
-          <a:scrgbClr r="0" g="0" b="0"/>
-        </a:lnRef>
-        <a:fillRef idx="3">
-          <a:scrgbClr r="0" g="0" b="0"/>
-        </a:fillRef>
-        <a:effectRef idx="0">
-          <a:scrgbClr r="0" g="0" b="0"/>
-        </a:effectRef>
-        <a:fontRef idx="minor"/>
-      </dsp:style>
-    </dsp:sp>
-    <dsp:sp modelId="{A5606B05-A0C0-4C29-8E8B-C69EB0594E2A}">
-      <dsp:nvSpPr>
-        <dsp:cNvPr id="0" name=""/>
-        <dsp:cNvSpPr/>
-      </dsp:nvSpPr>
-      <dsp:spPr>
-        <a:xfrm>
-          <a:off x="62763" y="864127"/>
-          <a:ext cx="1582989" cy="1152169"/>
-        </a:xfrm>
-        <a:prstGeom prst="roundRect">
-          <a:avLst/>
-        </a:prstGeom>
-        <a:gradFill rotWithShape="0">
-          <a:gsLst>
-            <a:gs pos="0">
-              <a:schemeClr val="accent2">
-                <a:hueOff val="0"/>
-                <a:satOff val="0"/>
-                <a:lumOff val="0"/>
-                <a:alphaOff val="0"/>
-              </a:schemeClr>
-            </a:gs>
-            <a:gs pos="90000">
-              <a:schemeClr val="accent2">
-                <a:hueOff val="0"/>
-                <a:satOff val="0"/>
-                <a:lumOff val="0"/>
-                <a:alphaOff val="0"/>
-                <a:shade val="100000"/>
-                <a:satMod val="105000"/>
-              </a:schemeClr>
-            </a:gs>
-            <a:gs pos="100000">
-              <a:schemeClr val="accent2">
-                <a:hueOff val="0"/>
-                <a:satOff val="0"/>
-                <a:lumOff val="0"/>
-                <a:alphaOff val="0"/>
-                <a:shade val="80000"/>
-                <a:satMod val="120000"/>
-              </a:schemeClr>
-            </a:gs>
-          </a:gsLst>
-          <a:path path="circle">
-            <a:fillToRect l="100000" t="100000" r="100000" b="100000"/>
-          </a:path>
-        </a:gradFill>
-        <a:ln>
-          <a:noFill/>
-        </a:ln>
-        <a:effectLst>
-          <a:outerShdw blurRad="38100" dist="25400" dir="5400000" rotWithShape="0">
-            <a:srgbClr val="000000">
-              <a:alpha val="45000"/>
-            </a:srgbClr>
-          </a:outerShdw>
-        </a:effectLst>
-        <a:scene3d>
-          <a:camera prst="orthographicFront"/>
-          <a:lightRig rig="threePt" dir="t">
-            <a:rot lat="0" lon="0" rev="7500000"/>
-          </a:lightRig>
-        </a:scene3d>
-        <a:sp3d prstMaterial="plastic">
-          <a:bevelT w="127000" h="25400" prst="relaxedInset"/>
-        </a:sp3d>
-      </dsp:spPr>
-      <dsp:style>
-        <a:lnRef idx="0">
-          <a:scrgbClr r="0" g="0" b="0"/>
-        </a:lnRef>
-        <a:fillRef idx="3">
-          <a:scrgbClr r="0" g="0" b="0"/>
-        </a:fillRef>
-        <a:effectRef idx="2">
-          <a:scrgbClr r="0" g="0" b="0"/>
-        </a:effectRef>
-        <a:fontRef idx="minor">
-          <a:schemeClr val="lt1"/>
-        </a:fontRef>
-      </dsp:style>
-      <dsp:txBody>
-        <a:bodyPr spcFirstLastPara="0" vert="horz" wrap="square" lIns="76200" tIns="76200" rIns="76200" bIns="76200" numCol="1" spcCol="1270" anchor="ctr" anchorCtr="0">
-          <a:noAutofit/>
-        </a:bodyPr>
-        <a:lstStyle/>
-        <a:p>
-          <a:pPr lvl="0" algn="ctr" defTabSz="889000" rtl="0">
-            <a:lnSpc>
-              <a:spcPct val="90000"/>
-            </a:lnSpc>
-            <a:spcBef>
-              <a:spcPct val="0"/>
-            </a:spcBef>
-            <a:spcAft>
-              <a:spcPct val="35000"/>
-            </a:spcAft>
-          </a:pPr>
-          <a:r>
-            <a:rPr lang="en-US" sz="2000" b="1" kern="1200" dirty="0" smtClean="0"/>
-            <a:t>Set up connection</a:t>
-          </a:r>
-          <a:endParaRPr lang="en-US" sz="2000" b="1" kern="1200" dirty="0"/>
-        </a:p>
-      </dsp:txBody>
-      <dsp:txXfrm>
-        <a:off x="119007" y="920371"/>
-        <a:ext cx="1470501" cy="1039681"/>
-      </dsp:txXfrm>
-    </dsp:sp>
-    <dsp:sp modelId="{64B1E964-3DC6-4415-9A5E-A83325ACA918}">
-      <dsp:nvSpPr>
-        <dsp:cNvPr id="0" name=""/>
-        <dsp:cNvSpPr/>
-      </dsp:nvSpPr>
-      <dsp:spPr>
-        <a:xfrm>
-          <a:off x="1909584" y="864127"/>
-          <a:ext cx="1043861" cy="1152169"/>
-        </a:xfrm>
-        <a:prstGeom prst="roundRect">
-          <a:avLst/>
-        </a:prstGeom>
-        <a:gradFill rotWithShape="0">
-          <a:gsLst>
-            <a:gs pos="0">
-              <a:schemeClr val="accent2">
-                <a:hueOff val="0"/>
-                <a:satOff val="0"/>
-                <a:lumOff val="0"/>
-                <a:alphaOff val="0"/>
-              </a:schemeClr>
-            </a:gs>
-            <a:gs pos="90000">
-              <a:schemeClr val="accent2">
-                <a:hueOff val="0"/>
-                <a:satOff val="0"/>
-                <a:lumOff val="0"/>
-                <a:alphaOff val="0"/>
-                <a:shade val="100000"/>
-                <a:satMod val="105000"/>
-              </a:schemeClr>
-            </a:gs>
-            <a:gs pos="100000">
-              <a:schemeClr val="accent2">
-                <a:hueOff val="0"/>
-                <a:satOff val="0"/>
-                <a:lumOff val="0"/>
-                <a:alphaOff val="0"/>
-                <a:shade val="80000"/>
-                <a:satMod val="120000"/>
-              </a:schemeClr>
-            </a:gs>
-          </a:gsLst>
-          <a:path path="circle">
-            <a:fillToRect l="100000" t="100000" r="100000" b="100000"/>
-          </a:path>
-        </a:gradFill>
-        <a:ln>
-          <a:noFill/>
-        </a:ln>
-        <a:effectLst>
-          <a:outerShdw blurRad="38100" dist="25400" dir="5400000" rotWithShape="0">
-            <a:srgbClr val="000000">
-              <a:alpha val="45000"/>
-            </a:srgbClr>
-          </a:outerShdw>
-        </a:effectLst>
-        <a:scene3d>
-          <a:camera prst="orthographicFront"/>
-          <a:lightRig rig="threePt" dir="t">
-            <a:rot lat="0" lon="0" rev="7500000"/>
-          </a:lightRig>
-        </a:scene3d>
-        <a:sp3d prstMaterial="plastic">
-          <a:bevelT w="127000" h="25400" prst="relaxedInset"/>
-        </a:sp3d>
-      </dsp:spPr>
-      <dsp:style>
-        <a:lnRef idx="0">
-          <a:scrgbClr r="0" g="0" b="0"/>
-        </a:lnRef>
-        <a:fillRef idx="3">
-          <a:scrgbClr r="0" g="0" b="0"/>
-        </a:fillRef>
-        <a:effectRef idx="2">
-          <a:scrgbClr r="0" g="0" b="0"/>
-        </a:effectRef>
-        <a:fontRef idx="minor">
-          <a:schemeClr val="lt1"/>
-        </a:fontRef>
-      </dsp:style>
-      <dsp:txBody>
-        <a:bodyPr spcFirstLastPara="0" vert="horz" wrap="square" lIns="76200" tIns="76200" rIns="76200" bIns="76200" numCol="1" spcCol="1270" anchor="ctr" anchorCtr="0">
-          <a:noAutofit/>
-        </a:bodyPr>
-        <a:lstStyle/>
-        <a:p>
-          <a:pPr lvl="0" algn="ctr" defTabSz="889000" rtl="0">
-            <a:lnSpc>
-              <a:spcPct val="90000"/>
-            </a:lnSpc>
-            <a:spcBef>
-              <a:spcPct val="0"/>
-            </a:spcBef>
-            <a:spcAft>
-              <a:spcPct val="35000"/>
-            </a:spcAft>
-          </a:pPr>
-          <a:r>
-            <a:rPr lang="en-US" sz="2000" b="1" kern="1200" dirty="0" smtClean="0"/>
-            <a:t>Obtain data</a:t>
-          </a:r>
-          <a:endParaRPr lang="en-US" sz="2000" b="1" kern="1200" dirty="0"/>
-        </a:p>
-      </dsp:txBody>
-      <dsp:txXfrm>
-        <a:off x="1960541" y="915084"/>
-        <a:ext cx="941947" cy="1050255"/>
-      </dsp:txXfrm>
-    </dsp:sp>
-    <dsp:sp modelId="{CD60A385-9B88-44DC-960E-2CDB3996E30E}">
-      <dsp:nvSpPr>
-        <dsp:cNvPr id="0" name=""/>
-        <dsp:cNvSpPr/>
-      </dsp:nvSpPr>
-      <dsp:spPr>
-        <a:xfrm>
-          <a:off x="3217277" y="864127"/>
-          <a:ext cx="1859682" cy="1152169"/>
-        </a:xfrm>
-        <a:prstGeom prst="roundRect">
-          <a:avLst/>
-        </a:prstGeom>
-        <a:gradFill rotWithShape="0">
-          <a:gsLst>
-            <a:gs pos="0">
-              <a:schemeClr val="accent2">
-                <a:hueOff val="0"/>
-                <a:satOff val="0"/>
-                <a:lumOff val="0"/>
-                <a:alphaOff val="0"/>
-              </a:schemeClr>
-            </a:gs>
-            <a:gs pos="90000">
-              <a:schemeClr val="accent2">
-                <a:hueOff val="0"/>
-                <a:satOff val="0"/>
-                <a:lumOff val="0"/>
-                <a:alphaOff val="0"/>
-                <a:shade val="100000"/>
-                <a:satMod val="105000"/>
-              </a:schemeClr>
-            </a:gs>
-            <a:gs pos="100000">
-              <a:schemeClr val="accent2">
-                <a:hueOff val="0"/>
-                <a:satOff val="0"/>
-                <a:lumOff val="0"/>
-                <a:alphaOff val="0"/>
-                <a:shade val="80000"/>
-                <a:satMod val="120000"/>
-              </a:schemeClr>
-            </a:gs>
-          </a:gsLst>
-          <a:path path="circle">
-            <a:fillToRect l="100000" t="100000" r="100000" b="100000"/>
-          </a:path>
-        </a:gradFill>
-        <a:ln>
-          <a:noFill/>
-        </a:ln>
-        <a:effectLst>
-          <a:outerShdw blurRad="38100" dist="25400" dir="5400000" rotWithShape="0">
-            <a:srgbClr val="000000">
-              <a:alpha val="45000"/>
-            </a:srgbClr>
-          </a:outerShdw>
-        </a:effectLst>
-        <a:scene3d>
-          <a:camera prst="orthographicFront"/>
-          <a:lightRig rig="threePt" dir="t">
-            <a:rot lat="0" lon="0" rev="7500000"/>
-          </a:lightRig>
-        </a:scene3d>
-        <a:sp3d prstMaterial="plastic">
-          <a:bevelT w="127000" h="25400" prst="relaxedInset"/>
-        </a:sp3d>
-      </dsp:spPr>
-      <dsp:style>
-        <a:lnRef idx="0">
-          <a:scrgbClr r="0" g="0" b="0"/>
-        </a:lnRef>
-        <a:fillRef idx="3">
-          <a:scrgbClr r="0" g="0" b="0"/>
-        </a:fillRef>
-        <a:effectRef idx="2">
-          <a:scrgbClr r="0" g="0" b="0"/>
-        </a:effectRef>
-        <a:fontRef idx="minor">
-          <a:schemeClr val="lt1"/>
-        </a:fontRef>
-      </dsp:style>
-      <dsp:txBody>
-        <a:bodyPr spcFirstLastPara="0" vert="horz" wrap="square" lIns="76200" tIns="76200" rIns="76200" bIns="76200" numCol="1" spcCol="1270" anchor="ctr" anchorCtr="0">
-          <a:noAutofit/>
-        </a:bodyPr>
-        <a:lstStyle/>
-        <a:p>
-          <a:pPr lvl="0" algn="ctr" defTabSz="889000" rtl="0">
-            <a:lnSpc>
-              <a:spcPct val="90000"/>
-            </a:lnSpc>
-            <a:spcBef>
-              <a:spcPct val="0"/>
-            </a:spcBef>
-            <a:spcAft>
-              <a:spcPct val="35000"/>
-            </a:spcAft>
-          </a:pPr>
-          <a:r>
-            <a:rPr lang="en-US" sz="2000" b="1" kern="1200" dirty="0" smtClean="0"/>
-            <a:t>Create infrastructure</a:t>
-          </a:r>
-          <a:endParaRPr lang="en-US" sz="2000" b="1" kern="1200" dirty="0"/>
-        </a:p>
-      </dsp:txBody>
-      <dsp:txXfrm>
-        <a:off x="3273521" y="920371"/>
-        <a:ext cx="1747194" cy="1039681"/>
-      </dsp:txXfrm>
-    </dsp:sp>
-    <dsp:sp modelId="{A0DBA043-27DC-495C-B1C4-80BB13CF934D}">
-      <dsp:nvSpPr>
-        <dsp:cNvPr id="0" name=""/>
-        <dsp:cNvSpPr/>
-      </dsp:nvSpPr>
-      <dsp:spPr>
-        <a:xfrm>
-          <a:off x="5340791" y="864127"/>
-          <a:ext cx="1638688" cy="1152169"/>
-        </a:xfrm>
-        <a:prstGeom prst="roundRect">
-          <a:avLst/>
-        </a:prstGeom>
-        <a:gradFill rotWithShape="0">
-          <a:gsLst>
-            <a:gs pos="0">
-              <a:schemeClr val="accent2">
-                <a:hueOff val="0"/>
-                <a:satOff val="0"/>
-                <a:lumOff val="0"/>
-                <a:alphaOff val="0"/>
-              </a:schemeClr>
-            </a:gs>
-            <a:gs pos="90000">
-              <a:schemeClr val="accent2">
-                <a:hueOff val="0"/>
-                <a:satOff val="0"/>
-                <a:lumOff val="0"/>
-                <a:alphaOff val="0"/>
-                <a:shade val="100000"/>
-                <a:satMod val="105000"/>
-              </a:schemeClr>
-            </a:gs>
-            <a:gs pos="100000">
-              <a:schemeClr val="accent2">
-                <a:hueOff val="0"/>
-                <a:satOff val="0"/>
-                <a:lumOff val="0"/>
-                <a:alphaOff val="0"/>
-                <a:shade val="80000"/>
-                <a:satMod val="120000"/>
-              </a:schemeClr>
-            </a:gs>
-          </a:gsLst>
-          <a:path path="circle">
-            <a:fillToRect l="100000" t="100000" r="100000" b="100000"/>
-          </a:path>
-        </a:gradFill>
-        <a:ln>
-          <a:noFill/>
-        </a:ln>
-        <a:effectLst>
-          <a:outerShdw blurRad="38100" dist="25400" dir="5400000" rotWithShape="0">
-            <a:srgbClr val="000000">
-              <a:alpha val="45000"/>
-            </a:srgbClr>
-          </a:outerShdw>
-        </a:effectLst>
-        <a:scene3d>
-          <a:camera prst="orthographicFront"/>
-          <a:lightRig rig="threePt" dir="t">
-            <a:rot lat="0" lon="0" rev="7500000"/>
-          </a:lightRig>
-        </a:scene3d>
-        <a:sp3d prstMaterial="plastic">
-          <a:bevelT w="127000" h="25400" prst="relaxedInset"/>
-        </a:sp3d>
-      </dsp:spPr>
-      <dsp:style>
-        <a:lnRef idx="0">
-          <a:scrgbClr r="0" g="0" b="0"/>
-        </a:lnRef>
-        <a:fillRef idx="3">
-          <a:scrgbClr r="0" g="0" b="0"/>
-        </a:fillRef>
-        <a:effectRef idx="2">
-          <a:scrgbClr r="0" g="0" b="0"/>
-        </a:effectRef>
-        <a:fontRef idx="minor">
-          <a:schemeClr val="lt1"/>
-        </a:fontRef>
-      </dsp:style>
-      <dsp:txBody>
-        <a:bodyPr spcFirstLastPara="0" vert="horz" wrap="square" lIns="76200" tIns="76200" rIns="76200" bIns="76200" numCol="1" spcCol="1270" anchor="ctr" anchorCtr="0">
-          <a:noAutofit/>
-        </a:bodyPr>
-        <a:lstStyle/>
-        <a:p>
-          <a:pPr lvl="0" algn="ctr" defTabSz="889000" rtl="0">
-            <a:lnSpc>
-              <a:spcPct val="90000"/>
-            </a:lnSpc>
-            <a:spcBef>
-              <a:spcPct val="0"/>
-            </a:spcBef>
-            <a:spcAft>
-              <a:spcPct val="35000"/>
-            </a:spcAft>
-          </a:pPr>
-          <a:r>
-            <a:rPr lang="en-US" sz="2000" b="1" kern="1200" dirty="0" smtClean="0"/>
-            <a:t>Actually consume data</a:t>
-          </a:r>
-          <a:endParaRPr lang="en-US" sz="2000" b="1" kern="1200" dirty="0"/>
-        </a:p>
-      </dsp:txBody>
-      <dsp:txXfrm>
-        <a:off x="5397035" y="920371"/>
-        <a:ext cx="1526200" cy="1039681"/>
-      </dsp:txXfrm>
-    </dsp:sp>
   </dsp:spTree>
 </dsp:drawing>
 </file>
@@ -6270,2264 +5357,6 @@
       <dsp:cNvGrpSpPr/>
     </dsp:nvGrpSpPr>
     <dsp:grpSpPr/>
-    <dsp:sp modelId="{1388C9D4-43DF-41FA-B2EB-A2141A262C3F}">
-      <dsp:nvSpPr>
-        <dsp:cNvPr id="0" name=""/>
-        <dsp:cNvSpPr/>
-      </dsp:nvSpPr>
-      <dsp:spPr>
-        <a:xfrm>
-          <a:off x="518464" y="2160"/>
-          <a:ext cx="970649" cy="582389"/>
-        </a:xfrm>
-        <a:prstGeom prst="rect">
-          <a:avLst/>
-        </a:prstGeom>
-        <a:solidFill>
-          <a:schemeClr val="accent2"/>
-        </a:solidFill>
-        <a:ln w="19050" cap="flat" cmpd="sng" algn="ctr">
-          <a:solidFill>
-            <a:schemeClr val="lt1">
-              <a:hueOff val="0"/>
-              <a:satOff val="0"/>
-              <a:lumOff val="0"/>
-              <a:alphaOff val="0"/>
-            </a:schemeClr>
-          </a:solidFill>
-          <a:prstDash val="solid"/>
-        </a:ln>
-        <a:effectLst/>
-      </dsp:spPr>
-      <dsp:style>
-        <a:lnRef idx="2">
-          <a:scrgbClr r="0" g="0" b="0"/>
-        </a:lnRef>
-        <a:fillRef idx="1">
-          <a:scrgbClr r="0" g="0" b="0"/>
-        </a:fillRef>
-        <a:effectRef idx="0">
-          <a:scrgbClr r="0" g="0" b="0"/>
-        </a:effectRef>
-        <a:fontRef idx="minor">
-          <a:schemeClr val="lt1"/>
-        </a:fontRef>
-      </dsp:style>
-      <dsp:txBody>
-        <a:bodyPr spcFirstLastPara="0" vert="horz" wrap="square" lIns="53340" tIns="53340" rIns="53340" bIns="53340" numCol="1" spcCol="1270" anchor="ctr" anchorCtr="0">
-          <a:noAutofit/>
-        </a:bodyPr>
-        <a:lstStyle/>
-        <a:p>
-          <a:pPr lvl="0" algn="ctr" defTabSz="622300" rtl="0">
-            <a:lnSpc>
-              <a:spcPct val="90000"/>
-            </a:lnSpc>
-            <a:spcBef>
-              <a:spcPct val="0"/>
-            </a:spcBef>
-            <a:spcAft>
-              <a:spcPct val="35000"/>
-            </a:spcAft>
-          </a:pPr>
-          <a:r>
-            <a:rPr lang="en-US" sz="1400" kern="1200" baseline="0" dirty="0" smtClean="0">
-              <a:solidFill>
-                <a:schemeClr val="bg1"/>
-              </a:solidFill>
-              <a:hlinkClick xmlns:r="http://schemas.openxmlformats.org/officeDocument/2006/relationships" r:id="rId1"/>
-            </a:rPr>
-            <a:t>powershell</a:t>
-          </a:r>
-          <a:endParaRPr lang="en-US" sz="1400" kern="1200" baseline="0" dirty="0">
-            <a:solidFill>
-              <a:schemeClr val="bg1"/>
-            </a:solidFill>
-          </a:endParaRPr>
-        </a:p>
-      </dsp:txBody>
-      <dsp:txXfrm>
-        <a:off x="518464" y="2160"/>
-        <a:ext cx="970649" cy="582389"/>
-      </dsp:txXfrm>
-    </dsp:sp>
-    <dsp:sp modelId="{DEF38988-93B3-44CC-9130-76FF57549860}">
-      <dsp:nvSpPr>
-        <dsp:cNvPr id="0" name=""/>
-        <dsp:cNvSpPr/>
-      </dsp:nvSpPr>
-      <dsp:spPr>
-        <a:xfrm>
-          <a:off x="1586179" y="2160"/>
-          <a:ext cx="970649" cy="582389"/>
-        </a:xfrm>
-        <a:prstGeom prst="rect">
-          <a:avLst/>
-        </a:prstGeom>
-        <a:solidFill>
-          <a:schemeClr val="accent2"/>
-        </a:solidFill>
-        <a:ln w="19050" cap="flat" cmpd="sng" algn="ctr">
-          <a:solidFill>
-            <a:schemeClr val="lt1">
-              <a:hueOff val="0"/>
-              <a:satOff val="0"/>
-              <a:lumOff val="0"/>
-              <a:alphaOff val="0"/>
-            </a:schemeClr>
-          </a:solidFill>
-          <a:prstDash val="solid"/>
-        </a:ln>
-        <a:effectLst/>
-      </dsp:spPr>
-      <dsp:style>
-        <a:lnRef idx="2">
-          <a:scrgbClr r="0" g="0" b="0"/>
-        </a:lnRef>
-        <a:fillRef idx="1">
-          <a:scrgbClr r="0" g="0" b="0"/>
-        </a:fillRef>
-        <a:effectRef idx="0">
-          <a:scrgbClr r="0" g="0" b="0"/>
-        </a:effectRef>
-        <a:fontRef idx="minor">
-          <a:schemeClr val="lt1"/>
-        </a:fontRef>
-      </dsp:style>
-      <dsp:txBody>
-        <a:bodyPr spcFirstLastPara="0" vert="horz" wrap="square" lIns="91440" tIns="91440" rIns="91440" bIns="91440" numCol="1" spcCol="1270" anchor="ctr" anchorCtr="0">
-          <a:noAutofit/>
-        </a:bodyPr>
-        <a:lstStyle/>
-        <a:p>
-          <a:pPr lvl="0" algn="ctr" defTabSz="1066800" rtl="0">
-            <a:lnSpc>
-              <a:spcPct val="90000"/>
-            </a:lnSpc>
-            <a:spcBef>
-              <a:spcPct val="0"/>
-            </a:spcBef>
-            <a:spcAft>
-              <a:spcPct val="35000"/>
-            </a:spcAft>
-          </a:pPr>
-          <a:r>
-            <a:rPr lang="en-US" sz="2400" kern="1200" baseline="0" dirty="0" smtClean="0">
-              <a:solidFill>
-                <a:schemeClr val="bg1"/>
-              </a:solidFill>
-              <a:hlinkClick xmlns:r="http://schemas.openxmlformats.org/officeDocument/2006/relationships" r:id="rId2"/>
-            </a:rPr>
-            <a:t>Azure</a:t>
-          </a:r>
-          <a:endParaRPr lang="en-US" sz="2400" kern="1200" baseline="0" dirty="0">
-            <a:solidFill>
-              <a:schemeClr val="bg1"/>
-            </a:solidFill>
-          </a:endParaRPr>
-        </a:p>
-      </dsp:txBody>
-      <dsp:txXfrm>
-        <a:off x="1586179" y="2160"/>
-        <a:ext cx="970649" cy="582389"/>
-      </dsp:txXfrm>
-    </dsp:sp>
-    <dsp:sp modelId="{0F664ED1-9E15-4A36-8E6F-8AFB7799F781}">
-      <dsp:nvSpPr>
-        <dsp:cNvPr id="0" name=""/>
-        <dsp:cNvSpPr/>
-      </dsp:nvSpPr>
-      <dsp:spPr>
-        <a:xfrm>
-          <a:off x="2653893" y="2160"/>
-          <a:ext cx="970649" cy="582389"/>
-        </a:xfrm>
-        <a:prstGeom prst="rect">
-          <a:avLst/>
-        </a:prstGeom>
-        <a:solidFill>
-          <a:schemeClr val="accent2"/>
-        </a:solidFill>
-        <a:ln w="19050" cap="flat" cmpd="sng" algn="ctr">
-          <a:solidFill>
-            <a:schemeClr val="lt1">
-              <a:hueOff val="0"/>
-              <a:satOff val="0"/>
-              <a:lumOff val="0"/>
-              <a:alphaOff val="0"/>
-            </a:schemeClr>
-          </a:solidFill>
-          <a:prstDash val="solid"/>
-        </a:ln>
-        <a:effectLst/>
-      </dsp:spPr>
-      <dsp:style>
-        <a:lnRef idx="2">
-          <a:scrgbClr r="0" g="0" b="0"/>
-        </a:lnRef>
-        <a:fillRef idx="1">
-          <a:scrgbClr r="0" g="0" b="0"/>
-        </a:fillRef>
-        <a:effectRef idx="0">
-          <a:scrgbClr r="0" g="0" b="0"/>
-        </a:effectRef>
-        <a:fontRef idx="minor">
-          <a:schemeClr val="lt1"/>
-        </a:fontRef>
-      </dsp:style>
-      <dsp:txBody>
-        <a:bodyPr spcFirstLastPara="0" vert="horz" wrap="square" lIns="45720" tIns="45720" rIns="45720" bIns="45720" numCol="1" spcCol="1270" anchor="ctr" anchorCtr="0">
-          <a:noAutofit/>
-        </a:bodyPr>
-        <a:lstStyle/>
-        <a:p>
-          <a:pPr lvl="0" algn="ctr" defTabSz="533400" rtl="0">
-            <a:lnSpc>
-              <a:spcPct val="90000"/>
-            </a:lnSpc>
-            <a:spcBef>
-              <a:spcPct val="0"/>
-            </a:spcBef>
-            <a:spcAft>
-              <a:spcPct val="35000"/>
-            </a:spcAft>
-          </a:pPr>
-          <a:r>
-            <a:rPr lang="en-US" sz="1200" kern="1200" baseline="0" dirty="0" smtClean="0">
-              <a:solidFill>
-                <a:schemeClr val="bg1"/>
-              </a:solidFill>
-              <a:hlinkClick xmlns:r="http://schemas.openxmlformats.org/officeDocument/2006/relationships" r:id="rId3"/>
-            </a:rPr>
-            <a:t>Choose your own adventure</a:t>
-          </a:r>
-          <a:endParaRPr lang="en-US" sz="1200" kern="1200" baseline="0" dirty="0">
-            <a:solidFill>
-              <a:schemeClr val="bg1"/>
-            </a:solidFill>
-          </a:endParaRPr>
-        </a:p>
-      </dsp:txBody>
-      <dsp:txXfrm>
-        <a:off x="2653893" y="2160"/>
-        <a:ext cx="970649" cy="582389"/>
-      </dsp:txXfrm>
-    </dsp:sp>
-    <dsp:sp modelId="{68595508-6B7C-41BF-B427-CA8030A3B6DD}">
-      <dsp:nvSpPr>
-        <dsp:cNvPr id="0" name=""/>
-        <dsp:cNvSpPr/>
-      </dsp:nvSpPr>
-      <dsp:spPr>
-        <a:xfrm>
-          <a:off x="3721608" y="2160"/>
-          <a:ext cx="970649" cy="582389"/>
-        </a:xfrm>
-        <a:prstGeom prst="rect">
-          <a:avLst/>
-        </a:prstGeom>
-        <a:solidFill>
-          <a:schemeClr val="accent2"/>
-        </a:solidFill>
-        <a:ln w="19050" cap="flat" cmpd="sng" algn="ctr">
-          <a:solidFill>
-            <a:schemeClr val="lt1">
-              <a:hueOff val="0"/>
-              <a:satOff val="0"/>
-              <a:lumOff val="0"/>
-              <a:alphaOff val="0"/>
-            </a:schemeClr>
-          </a:solidFill>
-          <a:prstDash val="solid"/>
-        </a:ln>
-        <a:effectLst/>
-      </dsp:spPr>
-      <dsp:style>
-        <a:lnRef idx="2">
-          <a:scrgbClr r="0" g="0" b="0"/>
-        </a:lnRef>
-        <a:fillRef idx="1">
-          <a:scrgbClr r="0" g="0" b="0"/>
-        </a:fillRef>
-        <a:effectRef idx="0">
-          <a:scrgbClr r="0" g="0" b="0"/>
-        </a:effectRef>
-        <a:fontRef idx="minor">
-          <a:schemeClr val="lt1"/>
-        </a:fontRef>
-      </dsp:style>
-      <dsp:txBody>
-        <a:bodyPr spcFirstLastPara="0" vert="horz" wrap="square" lIns="80010" tIns="80010" rIns="80010" bIns="80010" numCol="1" spcCol="1270" anchor="ctr" anchorCtr="0">
-          <a:noAutofit/>
-        </a:bodyPr>
-        <a:lstStyle/>
-        <a:p>
-          <a:pPr lvl="0" algn="ctr" defTabSz="933450" rtl="0">
-            <a:lnSpc>
-              <a:spcPct val="90000"/>
-            </a:lnSpc>
-            <a:spcBef>
-              <a:spcPct val="0"/>
-            </a:spcBef>
-            <a:spcAft>
-              <a:spcPct val="35000"/>
-            </a:spcAft>
-          </a:pPr>
-          <a:r>
-            <a:rPr lang="en-US" sz="2100" kern="1200" baseline="0" dirty="0" smtClean="0">
-              <a:solidFill>
-                <a:schemeClr val="bg1"/>
-              </a:solidFill>
-              <a:hlinkClick xmlns:r="http://schemas.openxmlformats.org/officeDocument/2006/relationships" r:id="rId4"/>
-            </a:rPr>
-            <a:t>Matlab</a:t>
-          </a:r>
-          <a:endParaRPr lang="en-US" sz="2100" kern="1200" baseline="0" dirty="0">
-            <a:solidFill>
-              <a:schemeClr val="bg1"/>
-            </a:solidFill>
-          </a:endParaRPr>
-        </a:p>
-      </dsp:txBody>
-      <dsp:txXfrm>
-        <a:off x="3721608" y="2160"/>
-        <a:ext cx="970649" cy="582389"/>
-      </dsp:txXfrm>
-    </dsp:sp>
-    <dsp:sp modelId="{81654458-C405-4341-8C38-1872C057BFB4}">
-      <dsp:nvSpPr>
-        <dsp:cNvPr id="0" name=""/>
-        <dsp:cNvSpPr/>
-      </dsp:nvSpPr>
-      <dsp:spPr>
-        <a:xfrm>
-          <a:off x="518464" y="681615"/>
-          <a:ext cx="970649" cy="582389"/>
-        </a:xfrm>
-        <a:prstGeom prst="rect">
-          <a:avLst/>
-        </a:prstGeom>
-        <a:solidFill>
-          <a:schemeClr val="accent2"/>
-        </a:solidFill>
-        <a:ln w="19050" cap="flat" cmpd="sng" algn="ctr">
-          <a:solidFill>
-            <a:schemeClr val="lt1">
-              <a:hueOff val="0"/>
-              <a:satOff val="0"/>
-              <a:lumOff val="0"/>
-              <a:alphaOff val="0"/>
-            </a:schemeClr>
-          </a:solidFill>
-          <a:prstDash val="solid"/>
-        </a:ln>
-        <a:effectLst/>
-      </dsp:spPr>
-      <dsp:style>
-        <a:lnRef idx="2">
-          <a:scrgbClr r="0" g="0" b="0"/>
-        </a:lnRef>
-        <a:fillRef idx="1">
-          <a:scrgbClr r="0" g="0" b="0"/>
-        </a:fillRef>
-        <a:effectRef idx="0">
-          <a:scrgbClr r="0" g="0" b="0"/>
-        </a:effectRef>
-        <a:fontRef idx="minor">
-          <a:schemeClr val="lt1"/>
-        </a:fontRef>
-      </dsp:style>
-      <dsp:txBody>
-        <a:bodyPr spcFirstLastPara="0" vert="horz" wrap="square" lIns="121920" tIns="121920" rIns="121920" bIns="121920" numCol="1" spcCol="1270" anchor="ctr" anchorCtr="0">
-          <a:noAutofit/>
-        </a:bodyPr>
-        <a:lstStyle/>
-        <a:p>
-          <a:pPr lvl="0" algn="ctr" defTabSz="1422400" rtl="0">
-            <a:lnSpc>
-              <a:spcPct val="90000"/>
-            </a:lnSpc>
-            <a:spcBef>
-              <a:spcPct val="0"/>
-            </a:spcBef>
-            <a:spcAft>
-              <a:spcPct val="35000"/>
-            </a:spcAft>
-          </a:pPr>
-          <a:r>
-            <a:rPr lang="en-US" sz="3200" kern="1200" baseline="0" dirty="0" smtClean="0">
-              <a:solidFill>
-                <a:schemeClr val="bg1"/>
-              </a:solidFill>
-              <a:hlinkClick xmlns:r="http://schemas.openxmlformats.org/officeDocument/2006/relationships" r:id="rId5"/>
-            </a:rPr>
-            <a:t>RSS</a:t>
-          </a:r>
-          <a:endParaRPr lang="en-US" sz="3200" kern="1200" baseline="0" dirty="0">
-            <a:solidFill>
-              <a:schemeClr val="bg1"/>
-            </a:solidFill>
-          </a:endParaRPr>
-        </a:p>
-      </dsp:txBody>
-      <dsp:txXfrm>
-        <a:off x="518464" y="681615"/>
-        <a:ext cx="970649" cy="582389"/>
-      </dsp:txXfrm>
-    </dsp:sp>
-    <dsp:sp modelId="{34FDB0CA-EA4F-4BFE-96D1-0E54D0B880A9}">
-      <dsp:nvSpPr>
-        <dsp:cNvPr id="0" name=""/>
-        <dsp:cNvSpPr/>
-      </dsp:nvSpPr>
-      <dsp:spPr>
-        <a:xfrm>
-          <a:off x="1586179" y="681615"/>
-          <a:ext cx="970649" cy="582389"/>
-        </a:xfrm>
-        <a:prstGeom prst="rect">
-          <a:avLst/>
-        </a:prstGeom>
-        <a:solidFill>
-          <a:schemeClr val="accent2"/>
-        </a:solidFill>
-        <a:ln w="19050" cap="flat" cmpd="sng" algn="ctr">
-          <a:solidFill>
-            <a:schemeClr val="lt1">
-              <a:hueOff val="0"/>
-              <a:satOff val="0"/>
-              <a:lumOff val="0"/>
-              <a:alphaOff val="0"/>
-            </a:schemeClr>
-          </a:solidFill>
-          <a:prstDash val="solid"/>
-        </a:ln>
-        <a:effectLst/>
-      </dsp:spPr>
-      <dsp:style>
-        <a:lnRef idx="2">
-          <a:scrgbClr r="0" g="0" b="0"/>
-        </a:lnRef>
-        <a:fillRef idx="1">
-          <a:scrgbClr r="0" g="0" b="0"/>
-        </a:fillRef>
-        <a:effectRef idx="0">
-          <a:scrgbClr r="0" g="0" b="0"/>
-        </a:effectRef>
-        <a:fontRef idx="minor">
-          <a:schemeClr val="lt1"/>
-        </a:fontRef>
-      </dsp:style>
-      <dsp:txBody>
-        <a:bodyPr spcFirstLastPara="0" vert="horz" wrap="square" lIns="87630" tIns="87630" rIns="87630" bIns="87630" numCol="1" spcCol="1270" anchor="ctr" anchorCtr="0">
-          <a:noAutofit/>
-        </a:bodyPr>
-        <a:lstStyle/>
-        <a:p>
-          <a:pPr lvl="0" algn="ctr" defTabSz="1022350" rtl="0">
-            <a:lnSpc>
-              <a:spcPct val="90000"/>
-            </a:lnSpc>
-            <a:spcBef>
-              <a:spcPct val="0"/>
-            </a:spcBef>
-            <a:spcAft>
-              <a:spcPct val="35000"/>
-            </a:spcAft>
-          </a:pPr>
-          <a:r>
-            <a:rPr lang="en-US" sz="2300" kern="1200" baseline="0" dirty="0" smtClean="0">
-              <a:solidFill>
-                <a:schemeClr val="bg1"/>
-              </a:solidFill>
-            </a:rPr>
-            <a:t>DBML</a:t>
-          </a:r>
-          <a:endParaRPr lang="en-US" sz="2300" kern="1200" baseline="0" dirty="0">
-            <a:solidFill>
-              <a:schemeClr val="bg1"/>
-            </a:solidFill>
-          </a:endParaRPr>
-        </a:p>
-      </dsp:txBody>
-      <dsp:txXfrm>
-        <a:off x="1586179" y="681615"/>
-        <a:ext cx="970649" cy="582389"/>
-      </dsp:txXfrm>
-    </dsp:sp>
-    <dsp:sp modelId="{54788F00-332C-4CF5-93F0-38CA61254BEF}">
-      <dsp:nvSpPr>
-        <dsp:cNvPr id="0" name=""/>
-        <dsp:cNvSpPr/>
-      </dsp:nvSpPr>
-      <dsp:spPr>
-        <a:xfrm>
-          <a:off x="2653893" y="681615"/>
-          <a:ext cx="970649" cy="582389"/>
-        </a:xfrm>
-        <a:prstGeom prst="rect">
-          <a:avLst/>
-        </a:prstGeom>
-        <a:solidFill>
-          <a:schemeClr val="accent2"/>
-        </a:solidFill>
-        <a:ln w="19050" cap="flat" cmpd="sng" algn="ctr">
-          <a:solidFill>
-            <a:schemeClr val="lt1">
-              <a:hueOff val="0"/>
-              <a:satOff val="0"/>
-              <a:lumOff val="0"/>
-              <a:alphaOff val="0"/>
-            </a:schemeClr>
-          </a:solidFill>
-          <a:prstDash val="solid"/>
-        </a:ln>
-        <a:effectLst/>
-      </dsp:spPr>
-      <dsp:style>
-        <a:lnRef idx="2">
-          <a:scrgbClr r="0" g="0" b="0"/>
-        </a:lnRef>
-        <a:fillRef idx="1">
-          <a:scrgbClr r="0" g="0" b="0"/>
-        </a:fillRef>
-        <a:effectRef idx="0">
-          <a:scrgbClr r="0" g="0" b="0"/>
-        </a:effectRef>
-        <a:fontRef idx="minor">
-          <a:schemeClr val="lt1"/>
-        </a:fontRef>
-      </dsp:style>
-      <dsp:txBody>
-        <a:bodyPr spcFirstLastPara="0" vert="horz" wrap="square" lIns="76200" tIns="76200" rIns="76200" bIns="76200" numCol="1" spcCol="1270" anchor="ctr" anchorCtr="0">
-          <a:noAutofit/>
-        </a:bodyPr>
-        <a:lstStyle/>
-        <a:p>
-          <a:pPr lvl="0" algn="ctr" defTabSz="889000" rtl="0">
-            <a:lnSpc>
-              <a:spcPct val="90000"/>
-            </a:lnSpc>
-            <a:spcBef>
-              <a:spcPct val="0"/>
-            </a:spcBef>
-            <a:spcAft>
-              <a:spcPct val="35000"/>
-            </a:spcAft>
-          </a:pPr>
-          <a:r>
-            <a:rPr lang="en-US" sz="2000" kern="1200" baseline="0" dirty="0" smtClean="0">
-              <a:solidFill>
-                <a:schemeClr val="bg1"/>
-              </a:solidFill>
-            </a:rPr>
-            <a:t>EDMX</a:t>
-          </a:r>
-          <a:endParaRPr lang="en-US" sz="2000" kern="1200" baseline="0" dirty="0">
-            <a:solidFill>
-              <a:schemeClr val="bg1"/>
-            </a:solidFill>
-          </a:endParaRPr>
-        </a:p>
-      </dsp:txBody>
-      <dsp:txXfrm>
-        <a:off x="2653893" y="681615"/>
-        <a:ext cx="970649" cy="582389"/>
-      </dsp:txXfrm>
-    </dsp:sp>
-    <dsp:sp modelId="{CB127872-49AA-4652-BCC7-A57D81980281}">
-      <dsp:nvSpPr>
-        <dsp:cNvPr id="0" name=""/>
-        <dsp:cNvSpPr/>
-      </dsp:nvSpPr>
-      <dsp:spPr>
-        <a:xfrm>
-          <a:off x="3721608" y="681615"/>
-          <a:ext cx="970649" cy="582389"/>
-        </a:xfrm>
-        <a:prstGeom prst="rect">
-          <a:avLst/>
-        </a:prstGeom>
-        <a:solidFill>
-          <a:schemeClr val="accent2"/>
-        </a:solidFill>
-        <a:ln w="19050" cap="flat" cmpd="sng" algn="ctr">
-          <a:solidFill>
-            <a:schemeClr val="lt1">
-              <a:hueOff val="0"/>
-              <a:satOff val="0"/>
-              <a:lumOff val="0"/>
-              <a:alphaOff val="0"/>
-            </a:schemeClr>
-          </a:solidFill>
-          <a:prstDash val="solid"/>
-        </a:ln>
-        <a:effectLst/>
-      </dsp:spPr>
-      <dsp:style>
-        <a:lnRef idx="2">
-          <a:scrgbClr r="0" g="0" b="0"/>
-        </a:lnRef>
-        <a:fillRef idx="1">
-          <a:scrgbClr r="0" g="0" b="0"/>
-        </a:fillRef>
-        <a:effectRef idx="0">
-          <a:scrgbClr r="0" g="0" b="0"/>
-        </a:effectRef>
-        <a:fontRef idx="minor">
-          <a:schemeClr val="lt1"/>
-        </a:fontRef>
-      </dsp:style>
-      <dsp:txBody>
-        <a:bodyPr spcFirstLastPara="0" vert="horz" wrap="square" lIns="76200" tIns="76200" rIns="76200" bIns="76200" numCol="1" spcCol="1270" anchor="ctr" anchorCtr="0">
-          <a:noAutofit/>
-        </a:bodyPr>
-        <a:lstStyle/>
-        <a:p>
-          <a:pPr lvl="0" algn="ctr" defTabSz="889000">
-            <a:lnSpc>
-              <a:spcPct val="90000"/>
-            </a:lnSpc>
-            <a:spcBef>
-              <a:spcPct val="0"/>
-            </a:spcBef>
-            <a:spcAft>
-              <a:spcPct val="35000"/>
-            </a:spcAft>
-          </a:pPr>
-          <a:r>
-            <a:rPr lang="en-US" sz="2000" kern="1200" baseline="0" dirty="0" smtClean="0">
-              <a:solidFill>
-                <a:schemeClr val="bg1"/>
-              </a:solidFill>
-              <a:hlinkClick xmlns:r="http://schemas.openxmlformats.org/officeDocument/2006/relationships" r:id="rId6"/>
-            </a:rPr>
-            <a:t>SignalR</a:t>
-          </a:r>
-          <a:endParaRPr lang="en-US" sz="2000" kern="1200" dirty="0"/>
-        </a:p>
-      </dsp:txBody>
-      <dsp:txXfrm>
-        <a:off x="3721608" y="681615"/>
-        <a:ext cx="970649" cy="582389"/>
-      </dsp:txXfrm>
-    </dsp:sp>
-    <dsp:sp modelId="{FA328A23-B0DA-44BF-8005-52DA03D7449F}">
-      <dsp:nvSpPr>
-        <dsp:cNvPr id="0" name=""/>
-        <dsp:cNvSpPr/>
-      </dsp:nvSpPr>
-      <dsp:spPr>
-        <a:xfrm>
-          <a:off x="518464" y="1361070"/>
-          <a:ext cx="970649" cy="582389"/>
-        </a:xfrm>
-        <a:prstGeom prst="rect">
-          <a:avLst/>
-        </a:prstGeom>
-        <a:solidFill>
-          <a:schemeClr val="accent2"/>
-        </a:solidFill>
-        <a:ln w="19050" cap="flat" cmpd="sng" algn="ctr">
-          <a:solidFill>
-            <a:schemeClr val="lt1">
-              <a:hueOff val="0"/>
-              <a:satOff val="0"/>
-              <a:lumOff val="0"/>
-              <a:alphaOff val="0"/>
-            </a:schemeClr>
-          </a:solidFill>
-          <a:prstDash val="solid"/>
-        </a:ln>
-        <a:effectLst/>
-      </dsp:spPr>
-      <dsp:style>
-        <a:lnRef idx="2">
-          <a:scrgbClr r="0" g="0" b="0"/>
-        </a:lnRef>
-        <a:fillRef idx="1">
-          <a:scrgbClr r="0" g="0" b="0"/>
-        </a:fillRef>
-        <a:effectRef idx="0">
-          <a:scrgbClr r="0" g="0" b="0"/>
-        </a:effectRef>
-        <a:fontRef idx="minor">
-          <a:schemeClr val="lt1"/>
-        </a:fontRef>
-      </dsp:style>
-      <dsp:txBody>
-        <a:bodyPr spcFirstLastPara="0" vert="horz" wrap="square" lIns="60960" tIns="60960" rIns="60960" bIns="60960" numCol="1" spcCol="1270" anchor="ctr" anchorCtr="0">
-          <a:noAutofit/>
-        </a:bodyPr>
-        <a:lstStyle/>
-        <a:p>
-          <a:pPr lvl="0" algn="ctr" defTabSz="711200" rtl="0">
-            <a:lnSpc>
-              <a:spcPct val="90000"/>
-            </a:lnSpc>
-            <a:spcBef>
-              <a:spcPct val="0"/>
-            </a:spcBef>
-            <a:spcAft>
-              <a:spcPct val="35000"/>
-            </a:spcAft>
-          </a:pPr>
-          <a:r>
-            <a:rPr lang="en-US" sz="1600" kern="1200" baseline="0" dirty="0" smtClean="0">
-              <a:solidFill>
-                <a:schemeClr val="bg1"/>
-              </a:solidFill>
-              <a:hlinkClick xmlns:r="http://schemas.openxmlformats.org/officeDocument/2006/relationships" r:id="rId7"/>
-            </a:rPr>
-            <a:t>FunScript</a:t>
-          </a:r>
-          <a:endParaRPr lang="en-US" sz="1600" kern="1200" baseline="0" dirty="0">
-            <a:solidFill>
-              <a:schemeClr val="bg1"/>
-            </a:solidFill>
-          </a:endParaRPr>
-        </a:p>
-      </dsp:txBody>
-      <dsp:txXfrm>
-        <a:off x="518464" y="1361070"/>
-        <a:ext cx="970649" cy="582389"/>
-      </dsp:txXfrm>
-    </dsp:sp>
-    <dsp:sp modelId="{D83F89E9-4A45-44B3-AC02-4867E5F9D4CD}">
-      <dsp:nvSpPr>
-        <dsp:cNvPr id="0" name=""/>
-        <dsp:cNvSpPr/>
-      </dsp:nvSpPr>
-      <dsp:spPr>
-        <a:xfrm>
-          <a:off x="1586179" y="1361070"/>
-          <a:ext cx="970649" cy="582389"/>
-        </a:xfrm>
-        <a:prstGeom prst="rect">
-          <a:avLst/>
-        </a:prstGeom>
-        <a:solidFill>
-          <a:schemeClr val="accent2"/>
-        </a:solidFill>
-        <a:ln w="19050" cap="flat" cmpd="sng" algn="ctr">
-          <a:solidFill>
-            <a:schemeClr val="lt1">
-              <a:hueOff val="0"/>
-              <a:satOff val="0"/>
-              <a:lumOff val="0"/>
-              <a:alphaOff val="0"/>
-            </a:schemeClr>
-          </a:solidFill>
-          <a:prstDash val="solid"/>
-        </a:ln>
-        <a:effectLst/>
-      </dsp:spPr>
-      <dsp:style>
-        <a:lnRef idx="2">
-          <a:scrgbClr r="0" g="0" b="0"/>
-        </a:lnRef>
-        <a:fillRef idx="1">
-          <a:scrgbClr r="0" g="0" b="0"/>
-        </a:fillRef>
-        <a:effectRef idx="0">
-          <a:scrgbClr r="0" g="0" b="0"/>
-        </a:effectRef>
-        <a:fontRef idx="minor">
-          <a:schemeClr val="lt1"/>
-        </a:fontRef>
-      </dsp:style>
-      <dsp:txBody>
-        <a:bodyPr spcFirstLastPara="0" vert="horz" wrap="square" lIns="175260" tIns="175260" rIns="175260" bIns="175260" numCol="1" spcCol="1270" anchor="ctr" anchorCtr="0">
-          <a:noAutofit/>
-        </a:bodyPr>
-        <a:lstStyle/>
-        <a:p>
-          <a:pPr lvl="0" algn="ctr" defTabSz="2044700" rtl="0">
-            <a:lnSpc>
-              <a:spcPct val="90000"/>
-            </a:lnSpc>
-            <a:spcBef>
-              <a:spcPct val="0"/>
-            </a:spcBef>
-            <a:spcAft>
-              <a:spcPct val="35000"/>
-            </a:spcAft>
-          </a:pPr>
-          <a:r>
-            <a:rPr lang="en-US" sz="4600" kern="1200" baseline="0" dirty="0" smtClean="0">
-              <a:solidFill>
-                <a:schemeClr val="bg1"/>
-              </a:solidFill>
-              <a:hlinkClick xmlns:r="http://schemas.openxmlformats.org/officeDocument/2006/relationships" r:id="rId8"/>
-            </a:rPr>
-            <a:t>R</a:t>
-          </a:r>
-          <a:endParaRPr lang="en-US" sz="4600" kern="1200" baseline="0" dirty="0">
-            <a:solidFill>
-              <a:schemeClr val="bg1"/>
-            </a:solidFill>
-          </a:endParaRPr>
-        </a:p>
-      </dsp:txBody>
-      <dsp:txXfrm>
-        <a:off x="1586179" y="1361070"/>
-        <a:ext cx="970649" cy="582389"/>
-      </dsp:txXfrm>
-    </dsp:sp>
-    <dsp:sp modelId="{F894333E-0685-4941-BBEF-1EFEA4922A96}">
-      <dsp:nvSpPr>
-        <dsp:cNvPr id="0" name=""/>
-        <dsp:cNvSpPr/>
-      </dsp:nvSpPr>
-      <dsp:spPr>
-        <a:xfrm>
-          <a:off x="2653893" y="1361070"/>
-          <a:ext cx="970649" cy="582389"/>
-        </a:xfrm>
-        <a:prstGeom prst="rect">
-          <a:avLst/>
-        </a:prstGeom>
-        <a:solidFill>
-          <a:schemeClr val="accent2"/>
-        </a:solidFill>
-        <a:ln w="19050" cap="flat" cmpd="sng" algn="ctr">
-          <a:solidFill>
-            <a:schemeClr val="lt1">
-              <a:hueOff val="0"/>
-              <a:satOff val="0"/>
-              <a:lumOff val="0"/>
-              <a:alphaOff val="0"/>
-            </a:schemeClr>
-          </a:solidFill>
-          <a:prstDash val="solid"/>
-        </a:ln>
-        <a:effectLst/>
-      </dsp:spPr>
-      <dsp:style>
-        <a:lnRef idx="2">
-          <a:scrgbClr r="0" g="0" b="0"/>
-        </a:lnRef>
-        <a:fillRef idx="1">
-          <a:scrgbClr r="0" g="0" b="0"/>
-        </a:fillRef>
-        <a:effectRef idx="0">
-          <a:scrgbClr r="0" g="0" b="0"/>
-        </a:effectRef>
-        <a:fontRef idx="minor">
-          <a:schemeClr val="lt1"/>
-        </a:fontRef>
-      </dsp:style>
-      <dsp:txBody>
-        <a:bodyPr spcFirstLastPara="0" vert="horz" wrap="square" lIns="76200" tIns="76200" rIns="76200" bIns="76200" numCol="1" spcCol="1270" anchor="ctr" anchorCtr="0">
-          <a:noAutofit/>
-        </a:bodyPr>
-        <a:lstStyle/>
-        <a:p>
-          <a:pPr lvl="0" algn="ctr" defTabSz="889000" rtl="0">
-            <a:lnSpc>
-              <a:spcPct val="90000"/>
-            </a:lnSpc>
-            <a:spcBef>
-              <a:spcPct val="0"/>
-            </a:spcBef>
-            <a:spcAft>
-              <a:spcPct val="35000"/>
-            </a:spcAft>
-          </a:pPr>
-          <a:r>
-            <a:rPr lang="en-US" sz="2000" kern="1200" baseline="0" dirty="0" smtClean="0">
-              <a:solidFill>
-                <a:schemeClr val="bg1"/>
-              </a:solidFill>
-              <a:hlinkClick xmlns:r="http://schemas.openxmlformats.org/officeDocument/2006/relationships" r:id="rId9"/>
-            </a:rPr>
-            <a:t>Python</a:t>
-          </a:r>
-          <a:endParaRPr lang="en-US" sz="2000" kern="1200" baseline="0" dirty="0">
-            <a:solidFill>
-              <a:schemeClr val="bg1"/>
-            </a:solidFill>
-          </a:endParaRPr>
-        </a:p>
-      </dsp:txBody>
-      <dsp:txXfrm>
-        <a:off x="2653893" y="1361070"/>
-        <a:ext cx="970649" cy="582389"/>
-      </dsp:txXfrm>
-    </dsp:sp>
-    <dsp:sp modelId="{2595A267-D970-4104-BFFE-400172540BBA}">
-      <dsp:nvSpPr>
-        <dsp:cNvPr id="0" name=""/>
-        <dsp:cNvSpPr/>
-      </dsp:nvSpPr>
-      <dsp:spPr>
-        <a:xfrm>
-          <a:off x="3721608" y="1361070"/>
-          <a:ext cx="970649" cy="582389"/>
-        </a:xfrm>
-        <a:prstGeom prst="rect">
-          <a:avLst/>
-        </a:prstGeom>
-        <a:solidFill>
-          <a:schemeClr val="accent2"/>
-        </a:solidFill>
-        <a:ln w="19050" cap="flat" cmpd="sng" algn="ctr">
-          <a:solidFill>
-            <a:schemeClr val="lt1">
-              <a:hueOff val="0"/>
-              <a:satOff val="0"/>
-              <a:lumOff val="0"/>
-              <a:alphaOff val="0"/>
-            </a:schemeClr>
-          </a:solidFill>
-          <a:prstDash val="solid"/>
-        </a:ln>
-        <a:effectLst/>
-      </dsp:spPr>
-      <dsp:style>
-        <a:lnRef idx="2">
-          <a:scrgbClr r="0" g="0" b="0"/>
-        </a:lnRef>
-        <a:fillRef idx="1">
-          <a:scrgbClr r="0" g="0" b="0"/>
-        </a:fillRef>
-        <a:effectRef idx="0">
-          <a:scrgbClr r="0" g="0" b="0"/>
-        </a:effectRef>
-        <a:fontRef idx="minor">
-          <a:schemeClr val="lt1"/>
-        </a:fontRef>
-      </dsp:style>
-      <dsp:txBody>
-        <a:bodyPr spcFirstLastPara="0" vert="horz" wrap="square" lIns="45720" tIns="45720" rIns="45720" bIns="45720" numCol="1" spcCol="1270" anchor="ctr" anchorCtr="0">
-          <a:noAutofit/>
-        </a:bodyPr>
-        <a:lstStyle/>
-        <a:p>
-          <a:pPr lvl="0" algn="ctr" defTabSz="533400" rtl="0">
-            <a:lnSpc>
-              <a:spcPct val="90000"/>
-            </a:lnSpc>
-            <a:spcBef>
-              <a:spcPct val="0"/>
-            </a:spcBef>
-            <a:spcAft>
-              <a:spcPct val="35000"/>
-            </a:spcAft>
-          </a:pPr>
-          <a:r>
-            <a:rPr lang="en-US" sz="1200" kern="1200" baseline="0" dirty="0" smtClean="0">
-              <a:solidFill>
-                <a:schemeClr val="bg1"/>
-              </a:solidFill>
-              <a:hlinkClick xmlns:r="http://schemas.openxmlformats.org/officeDocument/2006/relationships" r:id="rId10"/>
-            </a:rPr>
-            <a:t>MS Dynamics CRM</a:t>
-          </a:r>
-          <a:endParaRPr lang="en-US" sz="1200" kern="1200" baseline="0" dirty="0">
-            <a:solidFill>
-              <a:schemeClr val="bg1"/>
-            </a:solidFill>
-          </a:endParaRPr>
-        </a:p>
-      </dsp:txBody>
-      <dsp:txXfrm>
-        <a:off x="3721608" y="1361070"/>
-        <a:ext cx="970649" cy="582389"/>
-      </dsp:txXfrm>
-    </dsp:sp>
-    <dsp:sp modelId="{3283098E-8035-4644-B0A0-F5E9B8671307}">
-      <dsp:nvSpPr>
-        <dsp:cNvPr id="0" name=""/>
-        <dsp:cNvSpPr/>
-      </dsp:nvSpPr>
-      <dsp:spPr>
-        <a:xfrm>
-          <a:off x="518464" y="2040525"/>
-          <a:ext cx="970649" cy="582389"/>
-        </a:xfrm>
-        <a:prstGeom prst="rect">
-          <a:avLst/>
-        </a:prstGeom>
-        <a:solidFill>
-          <a:schemeClr val="accent2"/>
-        </a:solidFill>
-        <a:ln w="19050" cap="flat" cmpd="sng" algn="ctr">
-          <a:solidFill>
-            <a:schemeClr val="lt1">
-              <a:hueOff val="0"/>
-              <a:satOff val="0"/>
-              <a:lumOff val="0"/>
-              <a:alphaOff val="0"/>
-            </a:schemeClr>
-          </a:solidFill>
-          <a:prstDash val="solid"/>
-        </a:ln>
-        <a:effectLst/>
-      </dsp:spPr>
-      <dsp:style>
-        <a:lnRef idx="2">
-          <a:scrgbClr r="0" g="0" b="0"/>
-        </a:lnRef>
-        <a:fillRef idx="1">
-          <a:scrgbClr r="0" g="0" b="0"/>
-        </a:fillRef>
-        <a:effectRef idx="0">
-          <a:scrgbClr r="0" g="0" b="0"/>
-        </a:effectRef>
-        <a:fontRef idx="minor">
-          <a:schemeClr val="lt1"/>
-        </a:fontRef>
-      </dsp:style>
-      <dsp:txBody>
-        <a:bodyPr spcFirstLastPara="0" vert="horz" wrap="square" lIns="68580" tIns="68580" rIns="68580" bIns="68580" numCol="1" spcCol="1270" anchor="ctr" anchorCtr="0">
-          <a:noAutofit/>
-        </a:bodyPr>
-        <a:lstStyle/>
-        <a:p>
-          <a:pPr lvl="0" algn="ctr" defTabSz="800100" rtl="0">
-            <a:lnSpc>
-              <a:spcPct val="90000"/>
-            </a:lnSpc>
-            <a:spcBef>
-              <a:spcPct val="0"/>
-            </a:spcBef>
-            <a:spcAft>
-              <a:spcPct val="35000"/>
-            </a:spcAft>
-          </a:pPr>
-          <a:r>
-            <a:rPr lang="en-US" sz="1800" kern="1200" baseline="0" dirty="0" smtClean="0">
-              <a:solidFill>
-                <a:schemeClr val="bg1"/>
-              </a:solidFill>
-              <a:hlinkClick xmlns:r="http://schemas.openxmlformats.org/officeDocument/2006/relationships" r:id="rId11"/>
-            </a:rPr>
-            <a:t>World Bank</a:t>
-          </a:r>
-          <a:endParaRPr lang="en-US" sz="1800" kern="1200" baseline="0" dirty="0">
-            <a:solidFill>
-              <a:schemeClr val="bg1"/>
-            </a:solidFill>
-          </a:endParaRPr>
-        </a:p>
-      </dsp:txBody>
-      <dsp:txXfrm>
-        <a:off x="518464" y="2040525"/>
-        <a:ext cx="970649" cy="582389"/>
-      </dsp:txXfrm>
-    </dsp:sp>
-    <dsp:sp modelId="{8C4399B4-19DE-494A-93D3-99E22C330D97}">
-      <dsp:nvSpPr>
-        <dsp:cNvPr id="0" name=""/>
-        <dsp:cNvSpPr/>
-      </dsp:nvSpPr>
-      <dsp:spPr>
-        <a:xfrm>
-          <a:off x="1586179" y="2040525"/>
-          <a:ext cx="970649" cy="582389"/>
-        </a:xfrm>
-        <a:prstGeom prst="rect">
-          <a:avLst/>
-        </a:prstGeom>
-        <a:solidFill>
-          <a:schemeClr val="accent2"/>
-        </a:solidFill>
-        <a:ln w="19050" cap="flat" cmpd="sng" algn="ctr">
-          <a:solidFill>
-            <a:schemeClr val="lt1">
-              <a:hueOff val="0"/>
-              <a:satOff val="0"/>
-              <a:lumOff val="0"/>
-              <a:alphaOff val="0"/>
-            </a:schemeClr>
-          </a:solidFill>
-          <a:prstDash val="solid"/>
-        </a:ln>
-        <a:effectLst/>
-      </dsp:spPr>
-      <dsp:style>
-        <a:lnRef idx="2">
-          <a:scrgbClr r="0" g="0" b="0"/>
-        </a:lnRef>
-        <a:fillRef idx="1">
-          <a:scrgbClr r="0" g="0" b="0"/>
-        </a:fillRef>
-        <a:effectRef idx="0">
-          <a:scrgbClr r="0" g="0" b="0"/>
-        </a:effectRef>
-        <a:fontRef idx="minor">
-          <a:schemeClr val="lt1"/>
-        </a:fontRef>
-      </dsp:style>
-      <dsp:txBody>
-        <a:bodyPr spcFirstLastPara="0" vert="horz" wrap="square" lIns="91440" tIns="91440" rIns="91440" bIns="91440" numCol="1" spcCol="1270" anchor="ctr" anchorCtr="0">
-          <a:noAutofit/>
-        </a:bodyPr>
-        <a:lstStyle/>
-        <a:p>
-          <a:pPr lvl="0" algn="ctr" defTabSz="1066800" rtl="0">
-            <a:lnSpc>
-              <a:spcPct val="90000"/>
-            </a:lnSpc>
-            <a:spcBef>
-              <a:spcPct val="0"/>
-            </a:spcBef>
-            <a:spcAft>
-              <a:spcPct val="35000"/>
-            </a:spcAft>
-          </a:pPr>
-          <a:r>
-            <a:rPr lang="en-US" sz="2400" kern="1200" baseline="0" dirty="0" smtClean="0">
-              <a:solidFill>
-                <a:schemeClr val="bg1"/>
-              </a:solidFill>
-            </a:rPr>
-            <a:t>Regex</a:t>
-          </a:r>
-          <a:endParaRPr lang="en-US" sz="2400" kern="1200" baseline="0" dirty="0">
-            <a:solidFill>
-              <a:schemeClr val="bg1"/>
-            </a:solidFill>
-          </a:endParaRPr>
-        </a:p>
-      </dsp:txBody>
-      <dsp:txXfrm>
-        <a:off x="1586179" y="2040525"/>
-        <a:ext cx="970649" cy="582389"/>
-      </dsp:txXfrm>
-    </dsp:sp>
-    <dsp:sp modelId="{60541CEA-E5E3-43AC-B7FA-C7AFCEE266F4}">
-      <dsp:nvSpPr>
-        <dsp:cNvPr id="0" name=""/>
-        <dsp:cNvSpPr/>
-      </dsp:nvSpPr>
-      <dsp:spPr>
-        <a:xfrm>
-          <a:off x="2653893" y="2040525"/>
-          <a:ext cx="970649" cy="582389"/>
-        </a:xfrm>
-        <a:prstGeom prst="rect">
-          <a:avLst/>
-        </a:prstGeom>
-        <a:solidFill>
-          <a:schemeClr val="accent2"/>
-        </a:solidFill>
-        <a:ln w="19050" cap="flat" cmpd="sng" algn="ctr">
-          <a:solidFill>
-            <a:schemeClr val="lt1">
-              <a:hueOff val="0"/>
-              <a:satOff val="0"/>
-              <a:lumOff val="0"/>
-              <a:alphaOff val="0"/>
-            </a:schemeClr>
-          </a:solidFill>
-          <a:prstDash val="solid"/>
-        </a:ln>
-        <a:effectLst/>
-      </dsp:spPr>
-      <dsp:style>
-        <a:lnRef idx="2">
-          <a:scrgbClr r="0" g="0" b="0"/>
-        </a:lnRef>
-        <a:fillRef idx="1">
-          <a:scrgbClr r="0" g="0" b="0"/>
-        </a:fillRef>
-        <a:effectRef idx="0">
-          <a:scrgbClr r="0" g="0" b="0"/>
-        </a:effectRef>
-        <a:fontRef idx="minor">
-          <a:schemeClr val="lt1"/>
-        </a:fontRef>
-      </dsp:style>
-      <dsp:txBody>
-        <a:bodyPr spcFirstLastPara="0" vert="horz" wrap="square" lIns="60960" tIns="60960" rIns="60960" bIns="60960" numCol="1" spcCol="1270" anchor="ctr" anchorCtr="0">
-          <a:noAutofit/>
-        </a:bodyPr>
-        <a:lstStyle/>
-        <a:p>
-          <a:pPr lvl="0" algn="ctr" defTabSz="711200" rtl="0">
-            <a:lnSpc>
-              <a:spcPct val="90000"/>
-            </a:lnSpc>
-            <a:spcBef>
-              <a:spcPct val="0"/>
-            </a:spcBef>
-            <a:spcAft>
-              <a:spcPct val="35000"/>
-            </a:spcAft>
-          </a:pPr>
-          <a:r>
-            <a:rPr lang="en-US" sz="1600" kern="1200" baseline="0" dirty="0" smtClean="0">
-              <a:solidFill>
-                <a:schemeClr val="bg1"/>
-              </a:solidFill>
-              <a:hlinkClick xmlns:r="http://schemas.openxmlformats.org/officeDocument/2006/relationships" r:id="rId12"/>
-            </a:rPr>
-            <a:t>Freebase</a:t>
-          </a:r>
-          <a:endParaRPr lang="en-US" sz="1600" kern="1200" baseline="0" dirty="0">
-            <a:solidFill>
-              <a:schemeClr val="bg1"/>
-            </a:solidFill>
-          </a:endParaRPr>
-        </a:p>
-      </dsp:txBody>
-      <dsp:txXfrm>
-        <a:off x="2653893" y="2040525"/>
-        <a:ext cx="970649" cy="582389"/>
-      </dsp:txXfrm>
-    </dsp:sp>
-    <dsp:sp modelId="{C615881B-37D3-49C3-B16B-5B1B0F5F13D4}">
-      <dsp:nvSpPr>
-        <dsp:cNvPr id="0" name=""/>
-        <dsp:cNvSpPr/>
-      </dsp:nvSpPr>
-      <dsp:spPr>
-        <a:xfrm>
-          <a:off x="3721608" y="2040525"/>
-          <a:ext cx="970649" cy="582389"/>
-        </a:xfrm>
-        <a:prstGeom prst="rect">
-          <a:avLst/>
-        </a:prstGeom>
-        <a:solidFill>
-          <a:schemeClr val="accent2"/>
-        </a:solidFill>
-        <a:ln w="19050" cap="flat" cmpd="sng" algn="ctr">
-          <a:solidFill>
-            <a:schemeClr val="lt1">
-              <a:hueOff val="0"/>
-              <a:satOff val="0"/>
-              <a:lumOff val="0"/>
-              <a:alphaOff val="0"/>
-            </a:schemeClr>
-          </a:solidFill>
-          <a:prstDash val="solid"/>
-        </a:ln>
-        <a:effectLst/>
-      </dsp:spPr>
-      <dsp:style>
-        <a:lnRef idx="2">
-          <a:scrgbClr r="0" g="0" b="0"/>
-        </a:lnRef>
-        <a:fillRef idx="1">
-          <a:scrgbClr r="0" g="0" b="0"/>
-        </a:fillRef>
-        <a:effectRef idx="0">
-          <a:scrgbClr r="0" g="0" b="0"/>
-        </a:effectRef>
-        <a:fontRef idx="minor">
-          <a:schemeClr val="lt1"/>
-        </a:fontRef>
-      </dsp:style>
-      <dsp:txBody>
-        <a:bodyPr spcFirstLastPara="0" vert="horz" wrap="square" lIns="121920" tIns="121920" rIns="121920" bIns="121920" numCol="1" spcCol="1270" anchor="ctr" anchorCtr="0">
-          <a:noAutofit/>
-        </a:bodyPr>
-        <a:lstStyle/>
-        <a:p>
-          <a:pPr lvl="0" algn="ctr" defTabSz="1422400" rtl="0">
-            <a:lnSpc>
-              <a:spcPct val="90000"/>
-            </a:lnSpc>
-            <a:spcBef>
-              <a:spcPct val="0"/>
-            </a:spcBef>
-            <a:spcAft>
-              <a:spcPct val="35000"/>
-            </a:spcAft>
-          </a:pPr>
-          <a:r>
-            <a:rPr lang="en-US" sz="3200" kern="1200" baseline="0" dirty="0" smtClean="0">
-              <a:solidFill>
-                <a:schemeClr val="bg1"/>
-              </a:solidFill>
-              <a:hlinkClick xmlns:r="http://schemas.openxmlformats.org/officeDocument/2006/relationships" r:id="rId13"/>
-            </a:rPr>
-            <a:t>CSV</a:t>
-          </a:r>
-          <a:endParaRPr lang="en-US" sz="3200" kern="1200" baseline="0" dirty="0">
-            <a:solidFill>
-              <a:schemeClr val="bg1"/>
-            </a:solidFill>
-          </a:endParaRPr>
-        </a:p>
-      </dsp:txBody>
-      <dsp:txXfrm>
-        <a:off x="3721608" y="2040525"/>
-        <a:ext cx="970649" cy="582389"/>
-      </dsp:txXfrm>
-    </dsp:sp>
-    <dsp:sp modelId="{582C1DC7-FE13-4BD2-83F5-E678FF21599B}">
-      <dsp:nvSpPr>
-        <dsp:cNvPr id="0" name=""/>
-        <dsp:cNvSpPr/>
-      </dsp:nvSpPr>
-      <dsp:spPr>
-        <a:xfrm>
-          <a:off x="518464" y="2719979"/>
-          <a:ext cx="970649" cy="582389"/>
-        </a:xfrm>
-        <a:prstGeom prst="rect">
-          <a:avLst/>
-        </a:prstGeom>
-        <a:solidFill>
-          <a:schemeClr val="accent2"/>
-        </a:solidFill>
-        <a:ln w="19050" cap="flat" cmpd="sng" algn="ctr">
-          <a:solidFill>
-            <a:schemeClr val="lt1">
-              <a:hueOff val="0"/>
-              <a:satOff val="0"/>
-              <a:lumOff val="0"/>
-              <a:alphaOff val="0"/>
-            </a:schemeClr>
-          </a:solidFill>
-          <a:prstDash val="solid"/>
-        </a:ln>
-        <a:effectLst/>
-      </dsp:spPr>
-      <dsp:style>
-        <a:lnRef idx="2">
-          <a:scrgbClr r="0" g="0" b="0"/>
-        </a:lnRef>
-        <a:fillRef idx="1">
-          <a:scrgbClr r="0" g="0" b="0"/>
-        </a:fillRef>
-        <a:effectRef idx="0">
-          <a:scrgbClr r="0" g="0" b="0"/>
-        </a:effectRef>
-        <a:fontRef idx="minor">
-          <a:schemeClr val="lt1"/>
-        </a:fontRef>
-      </dsp:style>
-      <dsp:txBody>
-        <a:bodyPr spcFirstLastPara="0" vert="horz" wrap="square" lIns="91440" tIns="91440" rIns="91440" bIns="91440" numCol="1" spcCol="1270" anchor="ctr" anchorCtr="0">
-          <a:noAutofit/>
-        </a:bodyPr>
-        <a:lstStyle/>
-        <a:p>
-          <a:pPr lvl="0" algn="ctr" defTabSz="1066800" rtl="0">
-            <a:lnSpc>
-              <a:spcPct val="90000"/>
-            </a:lnSpc>
-            <a:spcBef>
-              <a:spcPct val="0"/>
-            </a:spcBef>
-            <a:spcAft>
-              <a:spcPct val="35000"/>
-            </a:spcAft>
-          </a:pPr>
-          <a:r>
-            <a:rPr lang="en-US" sz="2400" kern="1200" baseline="0" dirty="0" smtClean="0">
-              <a:solidFill>
-                <a:schemeClr val="bg1"/>
-              </a:solidFill>
-              <a:hlinkClick xmlns:r="http://schemas.openxmlformats.org/officeDocument/2006/relationships" r:id="rId14"/>
-            </a:rPr>
-            <a:t>JSON</a:t>
-          </a:r>
-          <a:endParaRPr lang="en-US" sz="2400" kern="1200" baseline="0" dirty="0">
-            <a:solidFill>
-              <a:schemeClr val="bg1"/>
-            </a:solidFill>
-          </a:endParaRPr>
-        </a:p>
-      </dsp:txBody>
-      <dsp:txXfrm>
-        <a:off x="518464" y="2719979"/>
-        <a:ext cx="970649" cy="582389"/>
-      </dsp:txXfrm>
-    </dsp:sp>
-    <dsp:sp modelId="{03C93693-2A33-4C85-8AE6-190C6E36D59B}">
-      <dsp:nvSpPr>
-        <dsp:cNvPr id="0" name=""/>
-        <dsp:cNvSpPr/>
-      </dsp:nvSpPr>
-      <dsp:spPr>
-        <a:xfrm>
-          <a:off x="1586179" y="2719979"/>
-          <a:ext cx="970649" cy="582389"/>
-        </a:xfrm>
-        <a:prstGeom prst="rect">
-          <a:avLst/>
-        </a:prstGeom>
-        <a:solidFill>
-          <a:schemeClr val="accent2"/>
-        </a:solidFill>
-        <a:ln w="19050" cap="flat" cmpd="sng" algn="ctr">
-          <a:solidFill>
-            <a:schemeClr val="lt1">
-              <a:hueOff val="0"/>
-              <a:satOff val="0"/>
-              <a:lumOff val="0"/>
-              <a:alphaOff val="0"/>
-            </a:schemeClr>
-          </a:solidFill>
-          <a:prstDash val="solid"/>
-        </a:ln>
-        <a:effectLst/>
-      </dsp:spPr>
-      <dsp:style>
-        <a:lnRef idx="2">
-          <a:scrgbClr r="0" g="0" b="0"/>
-        </a:lnRef>
-        <a:fillRef idx="1">
-          <a:scrgbClr r="0" g="0" b="0"/>
-        </a:fillRef>
-        <a:effectRef idx="0">
-          <a:scrgbClr r="0" g="0" b="0"/>
-        </a:effectRef>
-        <a:fontRef idx="minor">
-          <a:schemeClr val="lt1"/>
-        </a:fontRef>
-      </dsp:style>
-      <dsp:txBody>
-        <a:bodyPr spcFirstLastPara="0" vert="horz" wrap="square" lIns="114300" tIns="114300" rIns="114300" bIns="114300" numCol="1" spcCol="1270" anchor="ctr" anchorCtr="0">
-          <a:noAutofit/>
-        </a:bodyPr>
-        <a:lstStyle/>
-        <a:p>
-          <a:pPr lvl="0" algn="ctr" defTabSz="1333500" rtl="0">
-            <a:lnSpc>
-              <a:spcPct val="90000"/>
-            </a:lnSpc>
-            <a:spcBef>
-              <a:spcPct val="0"/>
-            </a:spcBef>
-            <a:spcAft>
-              <a:spcPct val="35000"/>
-            </a:spcAft>
-          </a:pPr>
-          <a:r>
-            <a:rPr lang="en-US" sz="3000" kern="1200" baseline="0" dirty="0" smtClean="0">
-              <a:solidFill>
-                <a:schemeClr val="bg1"/>
-              </a:solidFill>
-              <a:hlinkClick xmlns:r="http://schemas.openxmlformats.org/officeDocument/2006/relationships" r:id="rId15"/>
-            </a:rPr>
-            <a:t>XML</a:t>
-          </a:r>
-          <a:endParaRPr lang="en-US" sz="3000" kern="1200" baseline="0" dirty="0">
-            <a:solidFill>
-              <a:schemeClr val="bg1"/>
-            </a:solidFill>
-          </a:endParaRPr>
-        </a:p>
-      </dsp:txBody>
-      <dsp:txXfrm>
-        <a:off x="1586179" y="2719979"/>
-        <a:ext cx="970649" cy="582389"/>
-      </dsp:txXfrm>
-    </dsp:sp>
-    <dsp:sp modelId="{E764C87E-8B28-4142-AFAD-7059F40D1F83}">
-      <dsp:nvSpPr>
-        <dsp:cNvPr id="0" name=""/>
-        <dsp:cNvSpPr/>
-      </dsp:nvSpPr>
-      <dsp:spPr>
-        <a:xfrm>
-          <a:off x="2653893" y="2719979"/>
-          <a:ext cx="970649" cy="582389"/>
-        </a:xfrm>
-        <a:prstGeom prst="rect">
-          <a:avLst/>
-        </a:prstGeom>
-        <a:solidFill>
-          <a:schemeClr val="accent2"/>
-        </a:solidFill>
-        <a:ln w="19050" cap="flat" cmpd="sng" algn="ctr">
-          <a:solidFill>
-            <a:schemeClr val="lt1">
-              <a:hueOff val="0"/>
-              <a:satOff val="0"/>
-              <a:lumOff val="0"/>
-              <a:alphaOff val="0"/>
-            </a:schemeClr>
-          </a:solidFill>
-          <a:prstDash val="solid"/>
-        </a:ln>
-        <a:effectLst/>
-      </dsp:spPr>
-      <dsp:style>
-        <a:lnRef idx="2">
-          <a:scrgbClr r="0" g="0" b="0"/>
-        </a:lnRef>
-        <a:fillRef idx="1">
-          <a:scrgbClr r="0" g="0" b="0"/>
-        </a:fillRef>
-        <a:effectRef idx="0">
-          <a:scrgbClr r="0" g="0" b="0"/>
-        </a:effectRef>
-        <a:fontRef idx="minor">
-          <a:schemeClr val="lt1"/>
-        </a:fontRef>
-      </dsp:style>
-      <dsp:txBody>
-        <a:bodyPr spcFirstLastPara="0" vert="horz" wrap="square" lIns="91440" tIns="91440" rIns="91440" bIns="91440" numCol="1" spcCol="1270" anchor="ctr" anchorCtr="0">
-          <a:noAutofit/>
-        </a:bodyPr>
-        <a:lstStyle/>
-        <a:p>
-          <a:pPr lvl="0" algn="ctr" defTabSz="1066800" rtl="0">
-            <a:lnSpc>
-              <a:spcPct val="90000"/>
-            </a:lnSpc>
-            <a:spcBef>
-              <a:spcPct val="0"/>
-            </a:spcBef>
-            <a:spcAft>
-              <a:spcPct val="35000"/>
-            </a:spcAft>
-          </a:pPr>
-          <a:r>
-            <a:rPr lang="en-US" sz="2400" kern="1200" baseline="0" dirty="0" smtClean="0">
-              <a:solidFill>
-                <a:schemeClr val="bg1"/>
-              </a:solidFill>
-            </a:rPr>
-            <a:t>LINQ</a:t>
-          </a:r>
-          <a:endParaRPr lang="en-US" sz="2400" kern="1200" baseline="0" dirty="0">
-            <a:solidFill>
-              <a:schemeClr val="bg1"/>
-            </a:solidFill>
-          </a:endParaRPr>
-        </a:p>
-      </dsp:txBody>
-      <dsp:txXfrm>
-        <a:off x="2653893" y="2719979"/>
-        <a:ext cx="970649" cy="582389"/>
-      </dsp:txXfrm>
-    </dsp:sp>
-    <dsp:sp modelId="{A8CC9F3C-CB68-413F-A3D7-658524E77C9D}">
-      <dsp:nvSpPr>
-        <dsp:cNvPr id="0" name=""/>
-        <dsp:cNvSpPr/>
-      </dsp:nvSpPr>
-      <dsp:spPr>
-        <a:xfrm>
-          <a:off x="3721608" y="2719979"/>
-          <a:ext cx="970649" cy="582389"/>
-        </a:xfrm>
-        <a:prstGeom prst="rect">
-          <a:avLst/>
-        </a:prstGeom>
-        <a:solidFill>
-          <a:schemeClr val="accent2"/>
-        </a:solidFill>
-        <a:ln w="19050" cap="flat" cmpd="sng" algn="ctr">
-          <a:solidFill>
-            <a:schemeClr val="lt1">
-              <a:hueOff val="0"/>
-              <a:satOff val="0"/>
-              <a:lumOff val="0"/>
-              <a:alphaOff val="0"/>
-            </a:schemeClr>
-          </a:solidFill>
-          <a:prstDash val="solid"/>
-        </a:ln>
-        <a:effectLst/>
-      </dsp:spPr>
-      <dsp:style>
-        <a:lnRef idx="2">
-          <a:scrgbClr r="0" g="0" b="0"/>
-        </a:lnRef>
-        <a:fillRef idx="1">
-          <a:scrgbClr r="0" g="0" b="0"/>
-        </a:fillRef>
-        <a:effectRef idx="0">
-          <a:scrgbClr r="0" g="0" b="0"/>
-        </a:effectRef>
-        <a:fontRef idx="minor">
-          <a:schemeClr val="lt1"/>
-        </a:fontRef>
-      </dsp:style>
-      <dsp:txBody>
-        <a:bodyPr spcFirstLastPara="0" vert="horz" wrap="square" lIns="99060" tIns="99060" rIns="99060" bIns="99060" numCol="1" spcCol="1270" anchor="ctr" anchorCtr="0">
-          <a:noAutofit/>
-        </a:bodyPr>
-        <a:lstStyle/>
-        <a:p>
-          <a:pPr lvl="0" algn="ctr" defTabSz="1155700" rtl="0">
-            <a:lnSpc>
-              <a:spcPct val="90000"/>
-            </a:lnSpc>
-            <a:spcBef>
-              <a:spcPct val="0"/>
-            </a:spcBef>
-            <a:spcAft>
-              <a:spcPct val="35000"/>
-            </a:spcAft>
-          </a:pPr>
-          <a:r>
-            <a:rPr lang="en-US" sz="2600" kern="1200" baseline="0" dirty="0" smtClean="0">
-              <a:solidFill>
-                <a:schemeClr val="bg1"/>
-              </a:solidFill>
-              <a:hlinkClick xmlns:r="http://schemas.openxmlformats.org/officeDocument/2006/relationships" r:id="rId16"/>
-            </a:rPr>
-            <a:t>IKVM</a:t>
-          </a:r>
-          <a:endParaRPr lang="en-US" sz="2600" kern="1200" baseline="0" dirty="0">
-            <a:solidFill>
-              <a:schemeClr val="bg1"/>
-            </a:solidFill>
-          </a:endParaRPr>
-        </a:p>
-      </dsp:txBody>
-      <dsp:txXfrm>
-        <a:off x="3721608" y="2719979"/>
-        <a:ext cx="970649" cy="582389"/>
-      </dsp:txXfrm>
-    </dsp:sp>
-    <dsp:sp modelId="{A8EBF937-4741-4D32-A88D-036F10E6437F}">
-      <dsp:nvSpPr>
-        <dsp:cNvPr id="0" name=""/>
-        <dsp:cNvSpPr/>
-      </dsp:nvSpPr>
-      <dsp:spPr>
-        <a:xfrm>
-          <a:off x="518464" y="3399434"/>
-          <a:ext cx="970649" cy="582389"/>
-        </a:xfrm>
-        <a:prstGeom prst="rect">
-          <a:avLst/>
-        </a:prstGeom>
-        <a:solidFill>
-          <a:schemeClr val="accent2"/>
-        </a:solidFill>
-        <a:ln w="19050" cap="flat" cmpd="sng" algn="ctr">
-          <a:solidFill>
-            <a:schemeClr val="lt1">
-              <a:hueOff val="0"/>
-              <a:satOff val="0"/>
-              <a:lumOff val="0"/>
-              <a:alphaOff val="0"/>
-            </a:schemeClr>
-          </a:solidFill>
-          <a:prstDash val="solid"/>
-        </a:ln>
-        <a:effectLst/>
-      </dsp:spPr>
-      <dsp:style>
-        <a:lnRef idx="2">
-          <a:scrgbClr r="0" g="0" b="0"/>
-        </a:lnRef>
-        <a:fillRef idx="1">
-          <a:scrgbClr r="0" g="0" b="0"/>
-        </a:fillRef>
-        <a:effectRef idx="0">
-          <a:scrgbClr r="0" g="0" b="0"/>
-        </a:effectRef>
-        <a:fontRef idx="minor">
-          <a:schemeClr val="lt1"/>
-        </a:fontRef>
-      </dsp:style>
-      <dsp:txBody>
-        <a:bodyPr spcFirstLastPara="0" vert="horz" wrap="square" lIns="68580" tIns="68580" rIns="68580" bIns="68580" numCol="1" spcCol="1270" anchor="ctr" anchorCtr="0">
-          <a:noAutofit/>
-        </a:bodyPr>
-        <a:lstStyle/>
-        <a:p>
-          <a:pPr lvl="0" algn="ctr" defTabSz="800100" rtl="0">
-            <a:lnSpc>
-              <a:spcPct val="90000"/>
-            </a:lnSpc>
-            <a:spcBef>
-              <a:spcPct val="0"/>
-            </a:spcBef>
-            <a:spcAft>
-              <a:spcPct val="35000"/>
-            </a:spcAft>
-          </a:pPr>
-          <a:r>
-            <a:rPr lang="en-US" sz="1800" kern="1200" baseline="0" dirty="0" smtClean="0">
-              <a:solidFill>
-                <a:schemeClr val="bg1"/>
-              </a:solidFill>
-              <a:hlinkClick xmlns:r="http://schemas.openxmlformats.org/officeDocument/2006/relationships" r:id="rId17"/>
-            </a:rPr>
-            <a:t>SQL Server</a:t>
-          </a:r>
-          <a:endParaRPr lang="en-US" sz="1800" kern="1200" baseline="0" dirty="0">
-            <a:solidFill>
-              <a:schemeClr val="bg1"/>
-            </a:solidFill>
-          </a:endParaRPr>
-        </a:p>
-      </dsp:txBody>
-      <dsp:txXfrm>
-        <a:off x="518464" y="3399434"/>
-        <a:ext cx="970649" cy="582389"/>
-      </dsp:txXfrm>
-    </dsp:sp>
-    <dsp:sp modelId="{1B91DF7A-8D21-412E-8DAE-E791BD6047FE}">
-      <dsp:nvSpPr>
-        <dsp:cNvPr id="0" name=""/>
-        <dsp:cNvSpPr/>
-      </dsp:nvSpPr>
-      <dsp:spPr>
-        <a:xfrm>
-          <a:off x="1586179" y="3399434"/>
-          <a:ext cx="970649" cy="582389"/>
-        </a:xfrm>
-        <a:prstGeom prst="rect">
-          <a:avLst/>
-        </a:prstGeom>
-        <a:solidFill>
-          <a:schemeClr val="accent2"/>
-        </a:solidFill>
-        <a:ln w="19050" cap="flat" cmpd="sng" algn="ctr">
-          <a:solidFill>
-            <a:schemeClr val="lt1">
-              <a:hueOff val="0"/>
-              <a:satOff val="0"/>
-              <a:lumOff val="0"/>
-              <a:alphaOff val="0"/>
-            </a:schemeClr>
-          </a:solidFill>
-          <a:prstDash val="solid"/>
-        </a:ln>
-        <a:effectLst/>
-      </dsp:spPr>
-      <dsp:style>
-        <a:lnRef idx="2">
-          <a:scrgbClr r="0" g="0" b="0"/>
-        </a:lnRef>
-        <a:fillRef idx="1">
-          <a:scrgbClr r="0" g="0" b="0"/>
-        </a:fillRef>
-        <a:effectRef idx="0">
-          <a:scrgbClr r="0" g="0" b="0"/>
-        </a:effectRef>
-        <a:fontRef idx="minor">
-          <a:schemeClr val="lt1"/>
-        </a:fontRef>
-      </dsp:style>
-      <dsp:txBody>
-        <a:bodyPr spcFirstLastPara="0" vert="horz" wrap="square" lIns="53340" tIns="53340" rIns="53340" bIns="53340" numCol="1" spcCol="1270" anchor="ctr" anchorCtr="0">
-          <a:noAutofit/>
-        </a:bodyPr>
-        <a:lstStyle/>
-        <a:p>
-          <a:pPr lvl="0" algn="ctr" defTabSz="622300" rtl="0">
-            <a:lnSpc>
-              <a:spcPct val="90000"/>
-            </a:lnSpc>
-            <a:spcBef>
-              <a:spcPct val="0"/>
-            </a:spcBef>
-            <a:spcAft>
-              <a:spcPct val="35000"/>
-            </a:spcAft>
-          </a:pPr>
-          <a:r>
-            <a:rPr lang="en-US" sz="1400" kern="1200" baseline="0" dirty="0" smtClean="0">
-              <a:solidFill>
-                <a:schemeClr val="bg1"/>
-              </a:solidFill>
-              <a:hlinkClick xmlns:r="http://schemas.openxmlformats.org/officeDocument/2006/relationships" r:id="rId18"/>
-            </a:rPr>
-            <a:t>SQL Server with EF</a:t>
-          </a:r>
-          <a:endParaRPr lang="en-US" sz="1400" kern="1200" baseline="0" dirty="0">
-            <a:solidFill>
-              <a:schemeClr val="bg1"/>
-            </a:solidFill>
-          </a:endParaRPr>
-        </a:p>
-      </dsp:txBody>
-      <dsp:txXfrm>
-        <a:off x="1586179" y="3399434"/>
-        <a:ext cx="970649" cy="582389"/>
-      </dsp:txXfrm>
-    </dsp:sp>
-    <dsp:sp modelId="{2898482B-73DB-448B-A915-359B88204C09}">
-      <dsp:nvSpPr>
-        <dsp:cNvPr id="0" name=""/>
-        <dsp:cNvSpPr/>
-      </dsp:nvSpPr>
-      <dsp:spPr>
-        <a:xfrm>
-          <a:off x="2653893" y="3399434"/>
-          <a:ext cx="970649" cy="582389"/>
-        </a:xfrm>
-        <a:prstGeom prst="rect">
-          <a:avLst/>
-        </a:prstGeom>
-        <a:solidFill>
-          <a:schemeClr val="accent2"/>
-        </a:solidFill>
-        <a:ln w="19050" cap="flat" cmpd="sng" algn="ctr">
-          <a:solidFill>
-            <a:schemeClr val="lt1">
-              <a:hueOff val="0"/>
-              <a:satOff val="0"/>
-              <a:lumOff val="0"/>
-              <a:alphaOff val="0"/>
-            </a:schemeClr>
-          </a:solidFill>
-          <a:prstDash val="solid"/>
-        </a:ln>
-        <a:effectLst/>
-      </dsp:spPr>
-      <dsp:style>
-        <a:lnRef idx="2">
-          <a:scrgbClr r="0" g="0" b="0"/>
-        </a:lnRef>
-        <a:fillRef idx="1">
-          <a:scrgbClr r="0" g="0" b="0"/>
-        </a:fillRef>
-        <a:effectRef idx="0">
-          <a:scrgbClr r="0" g="0" b="0"/>
-        </a:effectRef>
-        <a:fontRef idx="minor">
-          <a:schemeClr val="lt1"/>
-        </a:fontRef>
-      </dsp:style>
-      <dsp:txBody>
-        <a:bodyPr spcFirstLastPara="0" vert="horz" wrap="square" lIns="91440" tIns="91440" rIns="91440" bIns="91440" numCol="1" spcCol="1270" anchor="ctr" anchorCtr="0">
-          <a:noAutofit/>
-        </a:bodyPr>
-        <a:lstStyle/>
-        <a:p>
-          <a:pPr lvl="0" algn="ctr" defTabSz="1066800" rtl="0">
-            <a:lnSpc>
-              <a:spcPct val="90000"/>
-            </a:lnSpc>
-            <a:spcBef>
-              <a:spcPct val="0"/>
-            </a:spcBef>
-            <a:spcAft>
-              <a:spcPct val="35000"/>
-            </a:spcAft>
-          </a:pPr>
-          <a:r>
-            <a:rPr lang="en-US" sz="2400" kern="1200" baseline="0" dirty="0" smtClean="0">
-              <a:solidFill>
-                <a:schemeClr val="bg1"/>
-              </a:solidFill>
-              <a:hlinkClick xmlns:r="http://schemas.openxmlformats.org/officeDocument/2006/relationships" r:id="rId19"/>
-            </a:rPr>
-            <a:t>XAML</a:t>
-          </a:r>
-          <a:endParaRPr lang="en-US" sz="2400" kern="1200" baseline="0" dirty="0">
-            <a:solidFill>
-              <a:schemeClr val="bg1"/>
-            </a:solidFill>
-          </a:endParaRPr>
-        </a:p>
-      </dsp:txBody>
-      <dsp:txXfrm>
-        <a:off x="2653893" y="3399434"/>
-        <a:ext cx="970649" cy="582389"/>
-      </dsp:txXfrm>
-    </dsp:sp>
-    <dsp:sp modelId="{53BF552C-963A-4801-B804-BB298B08F019}">
-      <dsp:nvSpPr>
-        <dsp:cNvPr id="0" name=""/>
-        <dsp:cNvSpPr/>
-      </dsp:nvSpPr>
-      <dsp:spPr>
-        <a:xfrm>
-          <a:off x="3721608" y="3399434"/>
-          <a:ext cx="970649" cy="582389"/>
-        </a:xfrm>
-        <a:prstGeom prst="rect">
-          <a:avLst/>
-        </a:prstGeom>
-        <a:solidFill>
-          <a:schemeClr val="accent2"/>
-        </a:solidFill>
-        <a:ln w="19050" cap="flat" cmpd="sng" algn="ctr">
-          <a:solidFill>
-            <a:schemeClr val="lt1">
-              <a:hueOff val="0"/>
-              <a:satOff val="0"/>
-              <a:lumOff val="0"/>
-              <a:alphaOff val="0"/>
-            </a:schemeClr>
-          </a:solidFill>
-          <a:prstDash val="solid"/>
-        </a:ln>
-        <a:effectLst/>
-      </dsp:spPr>
-      <dsp:style>
-        <a:lnRef idx="2">
-          <a:scrgbClr r="0" g="0" b="0"/>
-        </a:lnRef>
-        <a:fillRef idx="1">
-          <a:scrgbClr r="0" g="0" b="0"/>
-        </a:fillRef>
-        <a:effectRef idx="0">
-          <a:scrgbClr r="0" g="0" b="0"/>
-        </a:effectRef>
-        <a:fontRef idx="minor">
-          <a:schemeClr val="lt1"/>
-        </a:fontRef>
-      </dsp:style>
-      <dsp:txBody>
-        <a:bodyPr spcFirstLastPara="0" vert="horz" wrap="square" lIns="68580" tIns="68580" rIns="68580" bIns="68580" numCol="1" spcCol="1270" anchor="ctr" anchorCtr="0">
-          <a:noAutofit/>
-        </a:bodyPr>
-        <a:lstStyle/>
-        <a:p>
-          <a:pPr lvl="0" algn="ctr" defTabSz="800100" rtl="0">
-            <a:lnSpc>
-              <a:spcPct val="90000"/>
-            </a:lnSpc>
-            <a:spcBef>
-              <a:spcPct val="0"/>
-            </a:spcBef>
-            <a:spcAft>
-              <a:spcPct val="35000"/>
-            </a:spcAft>
-          </a:pPr>
-          <a:r>
-            <a:rPr lang="en-US" sz="1800" kern="1200" baseline="0" dirty="0" smtClean="0">
-              <a:solidFill>
-                <a:schemeClr val="bg1"/>
-              </a:solidFill>
-              <a:hlinkClick xmlns:r="http://schemas.openxmlformats.org/officeDocument/2006/relationships" r:id="rId20"/>
-            </a:rPr>
-            <a:t>Hadoop</a:t>
-          </a:r>
-          <a:endParaRPr lang="en-US" sz="1800" kern="1200" baseline="0" dirty="0">
-            <a:solidFill>
-              <a:schemeClr val="bg1"/>
-            </a:solidFill>
-          </a:endParaRPr>
-        </a:p>
-      </dsp:txBody>
-      <dsp:txXfrm>
-        <a:off x="3721608" y="3399434"/>
-        <a:ext cx="970649" cy="582389"/>
-      </dsp:txXfrm>
-    </dsp:sp>
-    <dsp:sp modelId="{DF362DCF-95D1-490C-A218-2464D73F29DE}">
-      <dsp:nvSpPr>
-        <dsp:cNvPr id="0" name=""/>
-        <dsp:cNvSpPr/>
-      </dsp:nvSpPr>
-      <dsp:spPr>
-        <a:xfrm>
-          <a:off x="518464" y="4078889"/>
-          <a:ext cx="970649" cy="582389"/>
-        </a:xfrm>
-        <a:prstGeom prst="rect">
-          <a:avLst/>
-        </a:prstGeom>
-        <a:solidFill>
-          <a:schemeClr val="accent2"/>
-        </a:solidFill>
-        <a:ln w="19050" cap="flat" cmpd="sng" algn="ctr">
-          <a:solidFill>
-            <a:schemeClr val="lt1">
-              <a:hueOff val="0"/>
-              <a:satOff val="0"/>
-              <a:lumOff val="0"/>
-              <a:alphaOff val="0"/>
-            </a:schemeClr>
-          </a:solidFill>
-          <a:prstDash val="solid"/>
-        </a:ln>
-        <a:effectLst/>
-      </dsp:spPr>
-      <dsp:style>
-        <a:lnRef idx="2">
-          <a:scrgbClr r="0" g="0" b="0"/>
-        </a:lnRef>
-        <a:fillRef idx="1">
-          <a:scrgbClr r="0" g="0" b="0"/>
-        </a:fillRef>
-        <a:effectRef idx="0">
-          <a:scrgbClr r="0" g="0" b="0"/>
-        </a:effectRef>
-        <a:fontRef idx="minor">
-          <a:schemeClr val="lt1"/>
-        </a:fontRef>
-      </dsp:style>
-      <dsp:txBody>
-        <a:bodyPr spcFirstLastPara="0" vert="horz" wrap="square" lIns="87630" tIns="87630" rIns="87630" bIns="87630" numCol="1" spcCol="1270" anchor="ctr" anchorCtr="0">
-          <a:noAutofit/>
-        </a:bodyPr>
-        <a:lstStyle/>
-        <a:p>
-          <a:pPr lvl="0" algn="ctr" defTabSz="1022350" rtl="0">
-            <a:lnSpc>
-              <a:spcPct val="90000"/>
-            </a:lnSpc>
-            <a:spcBef>
-              <a:spcPct val="0"/>
-            </a:spcBef>
-            <a:spcAft>
-              <a:spcPct val="35000"/>
-            </a:spcAft>
-          </a:pPr>
-          <a:r>
-            <a:rPr lang="en-US" sz="2300" kern="1200" baseline="0" dirty="0" smtClean="0">
-              <a:solidFill>
-                <a:schemeClr val="bg1"/>
-              </a:solidFill>
-            </a:rPr>
-            <a:t>WSDL</a:t>
-          </a:r>
-          <a:endParaRPr lang="en-US" sz="2300" kern="1200" baseline="0" dirty="0">
-            <a:solidFill>
-              <a:schemeClr val="bg1"/>
-            </a:solidFill>
-          </a:endParaRPr>
-        </a:p>
-      </dsp:txBody>
-      <dsp:txXfrm>
-        <a:off x="518464" y="4078889"/>
-        <a:ext cx="970649" cy="582389"/>
-      </dsp:txXfrm>
-    </dsp:sp>
-    <dsp:sp modelId="{28162803-DF42-445D-9DA6-64E946932B3C}">
-      <dsp:nvSpPr>
-        <dsp:cNvPr id="0" name=""/>
-        <dsp:cNvSpPr/>
-      </dsp:nvSpPr>
-      <dsp:spPr>
-        <a:xfrm>
-          <a:off x="1586179" y="4078889"/>
-          <a:ext cx="970649" cy="582389"/>
-        </a:xfrm>
-        <a:prstGeom prst="rect">
-          <a:avLst/>
-        </a:prstGeom>
-        <a:solidFill>
-          <a:schemeClr val="accent2"/>
-        </a:solidFill>
-        <a:ln w="19050" cap="flat" cmpd="sng" algn="ctr">
-          <a:solidFill>
-            <a:schemeClr val="lt1">
-              <a:hueOff val="0"/>
-              <a:satOff val="0"/>
-              <a:lumOff val="0"/>
-              <a:alphaOff val="0"/>
-            </a:schemeClr>
-          </a:solidFill>
-          <a:prstDash val="solid"/>
-        </a:ln>
-        <a:effectLst/>
-      </dsp:spPr>
-      <dsp:style>
-        <a:lnRef idx="2">
-          <a:scrgbClr r="0" g="0" b="0"/>
-        </a:lnRef>
-        <a:fillRef idx="1">
-          <a:scrgbClr r="0" g="0" b="0"/>
-        </a:fillRef>
-        <a:effectRef idx="0">
-          <a:scrgbClr r="0" g="0" b="0"/>
-        </a:effectRef>
-        <a:fontRef idx="minor">
-          <a:schemeClr val="lt1"/>
-        </a:fontRef>
-      </dsp:style>
-      <dsp:txBody>
-        <a:bodyPr spcFirstLastPara="0" vert="horz" wrap="square" lIns="83820" tIns="83820" rIns="83820" bIns="83820" numCol="1" spcCol="1270" anchor="ctr" anchorCtr="0">
-          <a:noAutofit/>
-        </a:bodyPr>
-        <a:lstStyle/>
-        <a:p>
-          <a:pPr lvl="0" algn="ctr" defTabSz="977900" rtl="0">
-            <a:lnSpc>
-              <a:spcPct val="90000"/>
-            </a:lnSpc>
-            <a:spcBef>
-              <a:spcPct val="0"/>
-            </a:spcBef>
-            <a:spcAft>
-              <a:spcPct val="35000"/>
-            </a:spcAft>
-          </a:pPr>
-          <a:r>
-            <a:rPr lang="en-US" sz="2200" kern="1200" baseline="0" dirty="0" smtClean="0">
-              <a:solidFill>
-                <a:schemeClr val="bg1"/>
-              </a:solidFill>
-              <a:hlinkClick xmlns:r="http://schemas.openxmlformats.org/officeDocument/2006/relationships" r:id="rId21"/>
-            </a:rPr>
-            <a:t>OData</a:t>
-          </a:r>
-          <a:endParaRPr lang="en-US" sz="2200" kern="1200" baseline="0" dirty="0">
-            <a:solidFill>
-              <a:schemeClr val="bg1"/>
-            </a:solidFill>
-          </a:endParaRPr>
-        </a:p>
-      </dsp:txBody>
-      <dsp:txXfrm>
-        <a:off x="1586179" y="4078889"/>
-        <a:ext cx="970649" cy="582389"/>
-      </dsp:txXfrm>
-    </dsp:sp>
-    <dsp:sp modelId="{9B80A308-CEBD-416D-A1D4-D50030FF1E05}">
-      <dsp:nvSpPr>
-        <dsp:cNvPr id="0" name=""/>
-        <dsp:cNvSpPr/>
-      </dsp:nvSpPr>
-      <dsp:spPr>
-        <a:xfrm>
-          <a:off x="2653893" y="4078889"/>
-          <a:ext cx="970649" cy="582389"/>
-        </a:xfrm>
-        <a:prstGeom prst="rect">
-          <a:avLst/>
-        </a:prstGeom>
-        <a:solidFill>
-          <a:schemeClr val="accent2"/>
-        </a:solidFill>
-        <a:ln w="19050" cap="flat" cmpd="sng" algn="ctr">
-          <a:solidFill>
-            <a:schemeClr val="lt1">
-              <a:hueOff val="0"/>
-              <a:satOff val="0"/>
-              <a:lumOff val="0"/>
-              <a:alphaOff val="0"/>
-            </a:schemeClr>
-          </a:solidFill>
-          <a:prstDash val="solid"/>
-        </a:ln>
-        <a:effectLst/>
-      </dsp:spPr>
-      <dsp:style>
-        <a:lnRef idx="2">
-          <a:scrgbClr r="0" g="0" b="0"/>
-        </a:lnRef>
-        <a:fillRef idx="1">
-          <a:scrgbClr r="0" g="0" b="0"/>
-        </a:fillRef>
-        <a:effectRef idx="0">
-          <a:scrgbClr r="0" g="0" b="0"/>
-        </a:effectRef>
-        <a:fontRef idx="minor">
-          <a:schemeClr val="lt1"/>
-        </a:fontRef>
-      </dsp:style>
-      <dsp:txBody>
-        <a:bodyPr spcFirstLastPara="0" vert="horz" wrap="square" lIns="87630" tIns="87630" rIns="87630" bIns="87630" numCol="1" spcCol="1270" anchor="ctr" anchorCtr="0">
-          <a:noAutofit/>
-        </a:bodyPr>
-        <a:lstStyle/>
-        <a:p>
-          <a:pPr lvl="0" algn="ctr" defTabSz="1022350" rtl="0">
-            <a:lnSpc>
-              <a:spcPct val="90000"/>
-            </a:lnSpc>
-            <a:spcBef>
-              <a:spcPct val="0"/>
-            </a:spcBef>
-            <a:spcAft>
-              <a:spcPct val="35000"/>
-            </a:spcAft>
-          </a:pPr>
-          <a:r>
-            <a:rPr lang="en-US" sz="2300" kern="1200" baseline="0" dirty="0" smtClean="0">
-              <a:solidFill>
-                <a:schemeClr val="bg1"/>
-              </a:solidFill>
-              <a:hlinkClick xmlns:r="http://schemas.openxmlformats.org/officeDocument/2006/relationships" r:id="rId22"/>
-            </a:rPr>
-            <a:t>Apiary</a:t>
-          </a:r>
-          <a:endParaRPr lang="en-US" sz="2300" kern="1200" baseline="0" dirty="0">
-            <a:solidFill>
-              <a:schemeClr val="bg1"/>
-            </a:solidFill>
-          </a:endParaRPr>
-        </a:p>
-      </dsp:txBody>
-      <dsp:txXfrm>
-        <a:off x="2653893" y="4078889"/>
-        <a:ext cx="970649" cy="582389"/>
-      </dsp:txXfrm>
-    </dsp:sp>
-    <dsp:sp modelId="{6600B78B-B0DF-4F9A-AAA1-1BD4CEDF8FFA}">
-      <dsp:nvSpPr>
-        <dsp:cNvPr id="0" name=""/>
-        <dsp:cNvSpPr/>
-      </dsp:nvSpPr>
-      <dsp:spPr>
-        <a:xfrm>
-          <a:off x="3721608" y="4078889"/>
-          <a:ext cx="970649" cy="582389"/>
-        </a:xfrm>
-        <a:prstGeom prst="rect">
-          <a:avLst/>
-        </a:prstGeom>
-        <a:solidFill>
-          <a:schemeClr val="accent2"/>
-        </a:solidFill>
-        <a:ln w="19050" cap="flat" cmpd="sng" algn="ctr">
-          <a:solidFill>
-            <a:schemeClr val="lt1">
-              <a:hueOff val="0"/>
-              <a:satOff val="0"/>
-              <a:lumOff val="0"/>
-              <a:alphaOff val="0"/>
-            </a:schemeClr>
-          </a:solidFill>
-          <a:prstDash val="solid"/>
-        </a:ln>
-        <a:effectLst/>
-      </dsp:spPr>
-      <dsp:style>
-        <a:lnRef idx="2">
-          <a:scrgbClr r="0" g="0" b="0"/>
-        </a:lnRef>
-        <a:fillRef idx="1">
-          <a:scrgbClr r="0" g="0" b="0"/>
-        </a:fillRef>
-        <a:effectRef idx="0">
-          <a:scrgbClr r="0" g="0" b="0"/>
-        </a:effectRef>
-        <a:fontRef idx="minor">
-          <a:schemeClr val="lt1"/>
-        </a:fontRef>
-      </dsp:style>
-      <dsp:txBody>
-        <a:bodyPr spcFirstLastPara="0" vert="horz" wrap="square" lIns="60960" tIns="60960" rIns="60960" bIns="60960" numCol="1" spcCol="1270" anchor="ctr" anchorCtr="0">
-          <a:noAutofit/>
-        </a:bodyPr>
-        <a:lstStyle/>
-        <a:p>
-          <a:pPr lvl="0" algn="ctr" defTabSz="711200" rtl="0">
-            <a:lnSpc>
-              <a:spcPct val="90000"/>
-            </a:lnSpc>
-            <a:spcBef>
-              <a:spcPct val="0"/>
-            </a:spcBef>
-            <a:spcAft>
-              <a:spcPct val="35000"/>
-            </a:spcAft>
-          </a:pPr>
-          <a:r>
-            <a:rPr lang="en-US" sz="1600" kern="1200" baseline="0" dirty="0" smtClean="0">
-              <a:solidFill>
-                <a:schemeClr val="bg1"/>
-              </a:solidFill>
-            </a:rPr>
-            <a:t>Facebook</a:t>
-          </a:r>
-          <a:endParaRPr lang="en-US" sz="1600" kern="1200" baseline="0" dirty="0">
-            <a:solidFill>
-              <a:schemeClr val="bg1"/>
-            </a:solidFill>
-          </a:endParaRPr>
-        </a:p>
-      </dsp:txBody>
-      <dsp:txXfrm>
-        <a:off x="3721608" y="4078889"/>
-        <a:ext cx="970649" cy="582389"/>
-      </dsp:txXfrm>
-    </dsp:sp>
   </dsp:spTree>
 </dsp:drawing>
 </file>
@@ -19240,11 +16069,7 @@
           <a:p>
             <a:r>
               <a:rPr lang="en-US" dirty="0" smtClean="0"/>
-              <a:t>Why do we need </a:t>
-            </a:r>
-            <a:r>
-              <a:rPr lang="en-US" dirty="0" smtClean="0"/>
-              <a:t>type providers?</a:t>
+              <a:t>Why do we need type providers?</a:t>
             </a:r>
             <a:endParaRPr lang="en-US" dirty="0"/>
           </a:p>
@@ -19501,11 +16326,7 @@
           <a:p>
             <a:r>
               <a:rPr lang="en-US" dirty="0" smtClean="0"/>
-              <a:t>Why do we need </a:t>
-            </a:r>
-            <a:r>
-              <a:rPr lang="en-US" dirty="0" smtClean="0"/>
-              <a:t>type providers?</a:t>
+              <a:t>Why do we need type providers?</a:t>
             </a:r>
             <a:endParaRPr lang="en-US" dirty="0"/>
           </a:p>
@@ -19832,15 +16653,7 @@
                   <a:schemeClr val="accent2"/>
                 </a:solidFill>
               </a:rPr>
-              <a:t>Simplicity</a:t>
-            </a:r>
-            <a:r>
-              <a:rPr lang="en-US" sz="2800" dirty="0" smtClean="0">
-                <a:solidFill>
-                  <a:schemeClr val="accent2"/>
-                </a:solidFill>
-              </a:rPr>
-              <a:t>, Elegance, Tooling</a:t>
+              <a:t>Simplicity, Elegance, Tooling</a:t>
             </a:r>
             <a:endParaRPr lang="en-US" sz="2800" dirty="0">
               <a:solidFill>
@@ -19887,17 +16700,7 @@
                   </a:schemeClr>
                 </a:solidFill>
               </a:rPr>
-              <a:t>“</a:t>
-            </a:r>
-            <a:r>
-              <a:rPr lang="en-US" dirty="0" smtClean="0">
-                <a:solidFill>
-                  <a:schemeClr val="accent4">
-                    <a:lumMod val="50000"/>
-                  </a:schemeClr>
-                </a:solidFill>
-              </a:rPr>
-              <a:t>Type Providers are about replacing our conventional notion of a “library” with a provider model. This allows a type provider to project an external information source into F# and makes it </a:t>
+              <a:t>“Type Providers are about replacing our conventional notion of a “library” with a provider model. This allows a type provider to project an external information source into F# and makes it </a:t>
             </a:r>
             <a:r>
               <a:rPr lang="en-US" b="1" dirty="0" smtClean="0">
@@ -20589,11 +17392,6 @@
               </a:rPr>
               <a:t>Information-richness of external data sources</a:t>
             </a:r>
-            <a:endParaRPr lang="en-US" sz="2800" dirty="0">
-              <a:solidFill>
-                <a:schemeClr val="accent2"/>
-              </a:solidFill>
-            </a:endParaRPr>
           </a:p>
         </p:txBody>
       </p:sp>

--- a/Type Providers/Type Providers.pptx
+++ b/Type Providers/Type Providers.pptx
@@ -14330,8 +14330,8 @@
       </dsp:nvSpPr>
       <dsp:spPr>
         <a:xfrm>
-          <a:off x="1559" y="2561755"/>
-          <a:ext cx="1385167" cy="1385167"/>
+          <a:off x="1598" y="2504304"/>
+          <a:ext cx="1419732" cy="1419732"/>
         </a:xfrm>
         <a:prstGeom prst="ellipse">
           <a:avLst/>
@@ -14372,7 +14372,7 @@
         </a:bodyPr>
         <a:lstStyle/>
         <a:p>
-          <a:pPr lvl="0" algn="ctr" defTabSz="800100" rtl="0">
+          <a:pPr lvl="0" algn="ctr" defTabSz="844550" rtl="0">
             <a:lnSpc>
               <a:spcPct val="90000"/>
             </a:lnSpc>
@@ -14384,15 +14384,15 @@
             </a:spcAft>
           </a:pPr>
           <a:r>
-            <a:rPr lang="en-US" sz="1800" b="1" kern="1200" dirty="0" smtClean="0"/>
+            <a:rPr lang="en-US" sz="1900" b="1" kern="1200" dirty="0" smtClean="0"/>
             <a:t>Get data from </a:t>
           </a:r>
-          <a:endParaRPr lang="en-US" sz="1800" b="1" kern="1200" dirty="0"/>
+          <a:endParaRPr lang="en-US" sz="1900" b="1" kern="1200" dirty="0"/>
         </a:p>
       </dsp:txBody>
       <dsp:txXfrm>
-        <a:off x="204412" y="2764608"/>
-        <a:ext cx="979461" cy="979461"/>
+        <a:off x="209513" y="2712219"/>
+        <a:ext cx="1003902" cy="1003902"/>
       </dsp:txXfrm>
     </dsp:sp>
     <dsp:sp modelId="{942F2F83-B542-450B-87AA-D917E960036B}">
@@ -14402,8 +14402,8 @@
       </dsp:nvSpPr>
       <dsp:spPr>
         <a:xfrm rot="16729062">
-          <a:off x="508595" y="1916268"/>
-          <a:ext cx="2171398" cy="0"/>
+          <a:off x="521286" y="1842709"/>
+          <a:ext cx="2225583" cy="0"/>
         </a:xfrm>
         <a:custGeom>
           <a:avLst/>
@@ -14417,7 +14417,7 @@
                 <a:pt x="0" y="0"/>
               </a:moveTo>
               <a:lnTo>
-                <a:pt x="2171398" y="0"/>
+                <a:pt x="2225583" y="0"/>
               </a:lnTo>
             </a:path>
           </a:pathLst>
@@ -14453,8 +14453,8 @@
       </dsp:nvSpPr>
       <dsp:spPr>
         <a:xfrm rot="15670938">
-          <a:off x="2313330" y="1916268"/>
-          <a:ext cx="2171398" cy="0"/>
+          <a:off x="2371056" y="1842709"/>
+          <a:ext cx="2225583" cy="0"/>
         </a:xfrm>
         <a:custGeom>
           <a:avLst/>
@@ -14468,7 +14468,7 @@
                 <a:pt x="0" y="0"/>
               </a:moveTo>
               <a:lnTo>
-                <a:pt x="2171398" y="0"/>
+                <a:pt x="2225583" y="0"/>
               </a:lnTo>
             </a:path>
           </a:pathLst>
@@ -14504,8 +14504,8 @@
       </dsp:nvSpPr>
       <dsp:spPr>
         <a:xfrm>
-          <a:off x="1760722" y="843401"/>
-          <a:ext cx="161906" cy="0"/>
+          <a:off x="1804659" y="743070"/>
+          <a:ext cx="165946" cy="0"/>
         </a:xfrm>
         <a:prstGeom prst="line">
           <a:avLst/>
@@ -14541,8 +14541,8 @@
       </dsp:nvSpPr>
       <dsp:spPr>
         <a:xfrm>
-          <a:off x="1922629" y="498981"/>
-          <a:ext cx="1148065" cy="688839"/>
+          <a:off x="1970606" y="390055"/>
+          <a:ext cx="1176714" cy="706028"/>
         </a:xfrm>
         <a:prstGeom prst="rect">
           <a:avLst/>
@@ -14603,8 +14603,8 @@
         </a:p>
       </dsp:txBody>
       <dsp:txXfrm>
-        <a:off x="1922629" y="498981"/>
-        <a:ext cx="1148065" cy="688839"/>
+        <a:off x="1970606" y="390055"/>
+        <a:ext cx="1176714" cy="706028"/>
       </dsp:txXfrm>
     </dsp:sp>
     <dsp:sp modelId="{2871E134-BC9C-4218-925B-074C08D7ACEA}">
@@ -14614,8 +14614,8 @@
       </dsp:nvSpPr>
       <dsp:spPr>
         <a:xfrm>
-          <a:off x="3070694" y="843401"/>
-          <a:ext cx="161906" cy="0"/>
+          <a:off x="3147320" y="743070"/>
+          <a:ext cx="165946" cy="0"/>
         </a:xfrm>
         <a:prstGeom prst="line">
           <a:avLst/>
@@ -14651,8 +14651,8 @@
       </dsp:nvSpPr>
       <dsp:spPr>
         <a:xfrm rot="16935173">
-          <a:off x="810097" y="2298574"/>
-          <a:ext cx="1568395" cy="0"/>
+          <a:off x="830312" y="2234555"/>
+          <a:ext cx="1607532" cy="0"/>
         </a:xfrm>
         <a:custGeom>
           <a:avLst/>
@@ -14666,7 +14666,7 @@
                 <a:pt x="0" y="0"/>
               </a:moveTo>
               <a:lnTo>
-                <a:pt x="1568395" y="0"/>
+                <a:pt x="1607532" y="0"/>
               </a:lnTo>
             </a:path>
           </a:pathLst>
@@ -14702,8 +14702,8 @@
       </dsp:nvSpPr>
       <dsp:spPr>
         <a:xfrm rot="15464827">
-          <a:off x="2614831" y="2298574"/>
-          <a:ext cx="1568395" cy="0"/>
+          <a:off x="2680082" y="2234555"/>
+          <a:ext cx="1607532" cy="0"/>
         </a:xfrm>
         <a:custGeom>
           <a:avLst/>
@@ -14717,7 +14717,7 @@
                 <a:pt x="0" y="0"/>
               </a:moveTo>
               <a:lnTo>
-                <a:pt x="1568395" y="0"/>
+                <a:pt x="1607532" y="0"/>
               </a:lnTo>
             </a:path>
           </a:pathLst>
@@ -14753,8 +14753,8 @@
       </dsp:nvSpPr>
       <dsp:spPr>
         <a:xfrm>
-          <a:off x="1760722" y="1532240"/>
-          <a:ext cx="161906" cy="0"/>
+          <a:off x="1804659" y="1449098"/>
+          <a:ext cx="165946" cy="0"/>
         </a:xfrm>
         <a:prstGeom prst="line">
           <a:avLst/>
@@ -14790,8 +14790,8 @@
       </dsp:nvSpPr>
       <dsp:spPr>
         <a:xfrm>
-          <a:off x="1922629" y="1187821"/>
-          <a:ext cx="1148065" cy="688839"/>
+          <a:off x="1970606" y="1096084"/>
+          <a:ext cx="1176714" cy="706028"/>
         </a:xfrm>
         <a:prstGeom prst="rect">
           <a:avLst/>
@@ -14852,8 +14852,8 @@
         </a:p>
       </dsp:txBody>
       <dsp:txXfrm>
-        <a:off x="1922629" y="1187821"/>
-        <a:ext cx="1148065" cy="688839"/>
+        <a:off x="1970606" y="1096084"/>
+        <a:ext cx="1176714" cy="706028"/>
       </dsp:txXfrm>
     </dsp:sp>
     <dsp:sp modelId="{EDDDD4A5-D902-4474-B9A2-E022FD77356B}">
@@ -14863,8 +14863,8 @@
       </dsp:nvSpPr>
       <dsp:spPr>
         <a:xfrm>
-          <a:off x="3070694" y="1532240"/>
-          <a:ext cx="161906" cy="0"/>
+          <a:off x="3147320" y="1449098"/>
+          <a:ext cx="165946" cy="0"/>
         </a:xfrm>
         <a:prstGeom prst="line">
           <a:avLst/>
@@ -14900,8 +14900,8 @@
       </dsp:nvSpPr>
       <dsp:spPr>
         <a:xfrm rot="17393884">
-          <a:off x="1105301" y="2680880"/>
-          <a:ext cx="977986" cy="0"/>
+          <a:off x="1132882" y="2626401"/>
+          <a:ext cx="1002391" cy="0"/>
         </a:xfrm>
         <a:custGeom>
           <a:avLst/>
@@ -14915,7 +14915,7 @@
                 <a:pt x="0" y="0"/>
               </a:moveTo>
               <a:lnTo>
-                <a:pt x="977986" y="0"/>
+                <a:pt x="1002391" y="0"/>
               </a:lnTo>
             </a:path>
           </a:pathLst>
@@ -14951,8 +14951,8 @@
       </dsp:nvSpPr>
       <dsp:spPr>
         <a:xfrm rot="15006116">
-          <a:off x="2910036" y="2680880"/>
-          <a:ext cx="977986" cy="0"/>
+          <a:off x="2982652" y="2626401"/>
+          <a:ext cx="1002391" cy="0"/>
         </a:xfrm>
         <a:custGeom>
           <a:avLst/>
@@ -14966,7 +14966,7 @@
                 <a:pt x="0" y="0"/>
               </a:moveTo>
               <a:lnTo>
-                <a:pt x="977986" y="0"/>
+                <a:pt x="1002391" y="0"/>
               </a:lnTo>
             </a:path>
           </a:pathLst>
@@ -15002,8 +15002,8 @@
       </dsp:nvSpPr>
       <dsp:spPr>
         <a:xfrm>
-          <a:off x="1760722" y="2221080"/>
-          <a:ext cx="161906" cy="0"/>
+          <a:off x="1804659" y="2155127"/>
+          <a:ext cx="165946" cy="0"/>
         </a:xfrm>
         <a:prstGeom prst="line">
           <a:avLst/>
@@ -15039,8 +15039,8 @@
       </dsp:nvSpPr>
       <dsp:spPr>
         <a:xfrm>
-          <a:off x="1922629" y="1876660"/>
-          <a:ext cx="1148065" cy="688839"/>
+          <a:off x="1970606" y="1802113"/>
+          <a:ext cx="1176714" cy="706028"/>
         </a:xfrm>
         <a:prstGeom prst="rect">
           <a:avLst/>
@@ -15101,8 +15101,8 @@
         </a:p>
       </dsp:txBody>
       <dsp:txXfrm>
-        <a:off x="1922629" y="1876660"/>
-        <a:ext cx="1148065" cy="688839"/>
+        <a:off x="1970606" y="1802113"/>
+        <a:ext cx="1176714" cy="706028"/>
       </dsp:txXfrm>
     </dsp:sp>
     <dsp:sp modelId="{00464818-5695-499D-9C30-E83C17D66060}">
@@ -15112,8 +15112,8 @@
       </dsp:nvSpPr>
       <dsp:spPr>
         <a:xfrm>
-          <a:off x="3070694" y="2221080"/>
-          <a:ext cx="161906" cy="0"/>
+          <a:off x="3147320" y="2155127"/>
+          <a:ext cx="165946" cy="0"/>
         </a:xfrm>
         <a:prstGeom prst="line">
           <a:avLst/>
@@ -15149,8 +15149,8 @@
       </dsp:nvSpPr>
       <dsp:spPr>
         <a:xfrm rot="19041445">
-          <a:off x="1368044" y="3063186"/>
-          <a:ext cx="452499" cy="0"/>
+          <a:off x="1402182" y="3018247"/>
+          <a:ext cx="463791" cy="0"/>
         </a:xfrm>
         <a:custGeom>
           <a:avLst/>
@@ -15164,7 +15164,7 @@
                 <a:pt x="0" y="0"/>
               </a:moveTo>
               <a:lnTo>
-                <a:pt x="452499" y="0"/>
+                <a:pt x="463791" y="0"/>
               </a:lnTo>
             </a:path>
           </a:pathLst>
@@ -15200,8 +15200,8 @@
       </dsp:nvSpPr>
       <dsp:spPr>
         <a:xfrm rot="13358555">
-          <a:off x="3172779" y="3063186"/>
-          <a:ext cx="452499" cy="0"/>
+          <a:off x="3251952" y="3018247"/>
+          <a:ext cx="463791" cy="0"/>
         </a:xfrm>
         <a:custGeom>
           <a:avLst/>
@@ -15215,7 +15215,7 @@
                 <a:pt x="0" y="0"/>
               </a:moveTo>
               <a:lnTo>
-                <a:pt x="452499" y="0"/>
+                <a:pt x="463791" y="0"/>
               </a:lnTo>
             </a:path>
           </a:pathLst>
@@ -15251,8 +15251,8 @@
       </dsp:nvSpPr>
       <dsp:spPr>
         <a:xfrm>
-          <a:off x="1760722" y="2909919"/>
-          <a:ext cx="161906" cy="0"/>
+          <a:off x="1804659" y="2861156"/>
+          <a:ext cx="165946" cy="0"/>
         </a:xfrm>
         <a:prstGeom prst="line">
           <a:avLst/>
@@ -15288,8 +15288,8 @@
       </dsp:nvSpPr>
       <dsp:spPr>
         <a:xfrm>
-          <a:off x="1922629" y="2565500"/>
-          <a:ext cx="1148065" cy="688839"/>
+          <a:off x="1970606" y="2508141"/>
+          <a:ext cx="1176714" cy="706028"/>
         </a:xfrm>
         <a:prstGeom prst="rect">
           <a:avLst/>
@@ -15350,8 +15350,8 @@
         </a:p>
       </dsp:txBody>
       <dsp:txXfrm>
-        <a:off x="1922629" y="2565500"/>
-        <a:ext cx="1148065" cy="688839"/>
+        <a:off x="1970606" y="2508141"/>
+        <a:ext cx="1176714" cy="706028"/>
       </dsp:txXfrm>
     </dsp:sp>
     <dsp:sp modelId="{3F774837-5289-485E-8A4B-1F01C2D379B4}">
@@ -15361,8 +15361,8 @@
       </dsp:nvSpPr>
       <dsp:spPr>
         <a:xfrm>
-          <a:off x="3070694" y="2909919"/>
-          <a:ext cx="161906" cy="0"/>
+          <a:off x="3147320" y="2861156"/>
+          <a:ext cx="165946" cy="0"/>
         </a:xfrm>
         <a:prstGeom prst="line">
           <a:avLst/>
@@ -15398,8 +15398,8 @@
       </dsp:nvSpPr>
       <dsp:spPr>
         <a:xfrm rot="2558555">
-          <a:off x="1368044" y="3445492"/>
-          <a:ext cx="452499" cy="0"/>
+          <a:off x="1402182" y="3410093"/>
+          <a:ext cx="463791" cy="0"/>
         </a:xfrm>
         <a:custGeom>
           <a:avLst/>
@@ -15413,7 +15413,7 @@
                 <a:pt x="0" y="0"/>
               </a:moveTo>
               <a:lnTo>
-                <a:pt x="452499" y="0"/>
+                <a:pt x="463791" y="0"/>
               </a:lnTo>
             </a:path>
           </a:pathLst>
@@ -15449,8 +15449,8 @@
       </dsp:nvSpPr>
       <dsp:spPr>
         <a:xfrm rot="8241445">
-          <a:off x="3172779" y="3445492"/>
-          <a:ext cx="452499" cy="0"/>
+          <a:off x="3251952" y="3410093"/>
+          <a:ext cx="463791" cy="0"/>
         </a:xfrm>
         <a:custGeom>
           <a:avLst/>
@@ -15464,7 +15464,7 @@
                 <a:pt x="0" y="0"/>
               </a:moveTo>
               <a:lnTo>
-                <a:pt x="452499" y="0"/>
+                <a:pt x="463791" y="0"/>
               </a:lnTo>
             </a:path>
           </a:pathLst>
@@ -15500,8 +15500,8 @@
       </dsp:nvSpPr>
       <dsp:spPr>
         <a:xfrm>
-          <a:off x="1760722" y="3598759"/>
-          <a:ext cx="161906" cy="0"/>
+          <a:off x="1804659" y="3567184"/>
+          <a:ext cx="165946" cy="0"/>
         </a:xfrm>
         <a:prstGeom prst="line">
           <a:avLst/>
@@ -15537,8 +15537,8 @@
       </dsp:nvSpPr>
       <dsp:spPr>
         <a:xfrm>
-          <a:off x="1922629" y="3254339"/>
-          <a:ext cx="1148065" cy="688839"/>
+          <a:off x="1970606" y="3214170"/>
+          <a:ext cx="1176714" cy="706028"/>
         </a:xfrm>
         <a:prstGeom prst="rect">
           <a:avLst/>
@@ -15599,8 +15599,8 @@
         </a:p>
       </dsp:txBody>
       <dsp:txXfrm>
-        <a:off x="1922629" y="3254339"/>
-        <a:ext cx="1148065" cy="688839"/>
+        <a:off x="1970606" y="3214170"/>
+        <a:ext cx="1176714" cy="706028"/>
       </dsp:txXfrm>
     </dsp:sp>
     <dsp:sp modelId="{64FE68EF-246A-4E45-82CA-2ED5CAC816C1}">
@@ -15610,8 +15610,8 @@
       </dsp:nvSpPr>
       <dsp:spPr>
         <a:xfrm>
-          <a:off x="3070694" y="3598759"/>
-          <a:ext cx="161906" cy="0"/>
+          <a:off x="3147320" y="3567184"/>
+          <a:ext cx="165946" cy="0"/>
         </a:xfrm>
         <a:prstGeom prst="line">
           <a:avLst/>
@@ -15647,8 +15647,8 @@
       </dsp:nvSpPr>
       <dsp:spPr>
         <a:xfrm rot="4206116">
-          <a:off x="1105301" y="3827798"/>
-          <a:ext cx="977986" cy="0"/>
+          <a:off x="1132882" y="3801939"/>
+          <a:ext cx="1002391" cy="0"/>
         </a:xfrm>
         <a:custGeom>
           <a:avLst/>
@@ -15662,7 +15662,7 @@
                 <a:pt x="0" y="0"/>
               </a:moveTo>
               <a:lnTo>
-                <a:pt x="977986" y="0"/>
+                <a:pt x="1002391" y="0"/>
               </a:lnTo>
             </a:path>
           </a:pathLst>
@@ -15698,8 +15698,8 @@
       </dsp:nvSpPr>
       <dsp:spPr>
         <a:xfrm rot="6593884">
-          <a:off x="2910036" y="3827798"/>
-          <a:ext cx="977986" cy="0"/>
+          <a:off x="2982652" y="3801939"/>
+          <a:ext cx="1002391" cy="0"/>
         </a:xfrm>
         <a:custGeom>
           <a:avLst/>
@@ -15713,7 +15713,7 @@
                 <a:pt x="0" y="0"/>
               </a:moveTo>
               <a:lnTo>
-                <a:pt x="977986" y="0"/>
+                <a:pt x="1002391" y="0"/>
               </a:lnTo>
             </a:path>
           </a:pathLst>
@@ -15749,8 +15749,8 @@
       </dsp:nvSpPr>
       <dsp:spPr>
         <a:xfrm>
-          <a:off x="1760722" y="4287598"/>
-          <a:ext cx="161906" cy="0"/>
+          <a:off x="1804659" y="4273213"/>
+          <a:ext cx="165946" cy="0"/>
         </a:xfrm>
         <a:prstGeom prst="line">
           <a:avLst/>
@@ -15786,8 +15786,8 @@
       </dsp:nvSpPr>
       <dsp:spPr>
         <a:xfrm>
-          <a:off x="1922629" y="3943178"/>
-          <a:ext cx="1148065" cy="688839"/>
+          <a:off x="1970606" y="3920199"/>
+          <a:ext cx="1176714" cy="706028"/>
         </a:xfrm>
         <a:prstGeom prst="rect">
           <a:avLst/>
@@ -15848,8 +15848,8 @@
         </a:p>
       </dsp:txBody>
       <dsp:txXfrm>
-        <a:off x="1922629" y="3943178"/>
-        <a:ext cx="1148065" cy="688839"/>
+        <a:off x="1970606" y="3920199"/>
+        <a:ext cx="1176714" cy="706028"/>
       </dsp:txXfrm>
     </dsp:sp>
     <dsp:sp modelId="{484F5556-2A8D-445B-BFF0-007E6657DF92}">
@@ -15859,8 +15859,8 @@
       </dsp:nvSpPr>
       <dsp:spPr>
         <a:xfrm>
-          <a:off x="3070694" y="4287598"/>
-          <a:ext cx="161906" cy="0"/>
+          <a:off x="3147320" y="4273213"/>
+          <a:ext cx="165946" cy="0"/>
         </a:xfrm>
         <a:prstGeom prst="line">
           <a:avLst/>
@@ -15896,8 +15896,8 @@
       </dsp:nvSpPr>
       <dsp:spPr>
         <a:xfrm rot="4664827">
-          <a:off x="810097" y="4210104"/>
-          <a:ext cx="1568395" cy="0"/>
+          <a:off x="830312" y="4193785"/>
+          <a:ext cx="1607532" cy="0"/>
         </a:xfrm>
         <a:custGeom>
           <a:avLst/>
@@ -15911,7 +15911,7 @@
                 <a:pt x="0" y="0"/>
               </a:moveTo>
               <a:lnTo>
-                <a:pt x="1568395" y="0"/>
+                <a:pt x="1607532" y="0"/>
               </a:lnTo>
             </a:path>
           </a:pathLst>
@@ -15947,8 +15947,8 @@
       </dsp:nvSpPr>
       <dsp:spPr>
         <a:xfrm rot="6135173">
-          <a:off x="2614831" y="4210104"/>
-          <a:ext cx="1568395" cy="0"/>
+          <a:off x="2680082" y="4193785"/>
+          <a:ext cx="1607532" cy="0"/>
         </a:xfrm>
         <a:custGeom>
           <a:avLst/>
@@ -15962,7 +15962,7 @@
                 <a:pt x="0" y="0"/>
               </a:moveTo>
               <a:lnTo>
-                <a:pt x="1568395" y="0"/>
+                <a:pt x="1607532" y="0"/>
               </a:lnTo>
             </a:path>
           </a:pathLst>
@@ -15998,8 +15998,8 @@
       </dsp:nvSpPr>
       <dsp:spPr>
         <a:xfrm>
-          <a:off x="1760722" y="4976438"/>
-          <a:ext cx="161906" cy="0"/>
+          <a:off x="1804659" y="4979242"/>
+          <a:ext cx="165946" cy="0"/>
         </a:xfrm>
         <a:prstGeom prst="line">
           <a:avLst/>
@@ -16035,8 +16035,8 @@
       </dsp:nvSpPr>
       <dsp:spPr>
         <a:xfrm>
-          <a:off x="1922629" y="4632018"/>
-          <a:ext cx="1148065" cy="688839"/>
+          <a:off x="1970606" y="4626227"/>
+          <a:ext cx="1176714" cy="706028"/>
         </a:xfrm>
         <a:prstGeom prst="rect">
           <a:avLst/>
@@ -16097,8 +16097,8 @@
         </a:p>
       </dsp:txBody>
       <dsp:txXfrm>
-        <a:off x="1922629" y="4632018"/>
-        <a:ext cx="1148065" cy="688839"/>
+        <a:off x="1970606" y="4626227"/>
+        <a:ext cx="1176714" cy="706028"/>
       </dsp:txXfrm>
     </dsp:sp>
     <dsp:sp modelId="{79CF47D6-8301-4C50-8968-36FD122827F4}">
@@ -16108,8 +16108,8 @@
       </dsp:nvSpPr>
       <dsp:spPr>
         <a:xfrm>
-          <a:off x="3070694" y="4976438"/>
-          <a:ext cx="161906" cy="0"/>
+          <a:off x="3147320" y="4979242"/>
+          <a:ext cx="165946" cy="0"/>
         </a:xfrm>
         <a:prstGeom prst="line">
           <a:avLst/>
@@ -16145,8 +16145,8 @@
       </dsp:nvSpPr>
       <dsp:spPr>
         <a:xfrm rot="4870938">
-          <a:off x="508595" y="4592410"/>
-          <a:ext cx="2171398" cy="0"/>
+          <a:off x="521286" y="4585631"/>
+          <a:ext cx="2225583" cy="0"/>
         </a:xfrm>
         <a:custGeom>
           <a:avLst/>
@@ -16160,7 +16160,7 @@
                 <a:pt x="0" y="0"/>
               </a:moveTo>
               <a:lnTo>
-                <a:pt x="2171398" y="0"/>
+                <a:pt x="2225583" y="0"/>
               </a:lnTo>
             </a:path>
           </a:pathLst>
@@ -16196,8 +16196,8 @@
       </dsp:nvSpPr>
       <dsp:spPr>
         <a:xfrm rot="5929062">
-          <a:off x="2313330" y="4592410"/>
-          <a:ext cx="2171398" cy="0"/>
+          <a:off x="2371056" y="4585631"/>
+          <a:ext cx="2225583" cy="0"/>
         </a:xfrm>
         <a:custGeom>
           <a:avLst/>
@@ -16211,7 +16211,7 @@
                 <a:pt x="0" y="0"/>
               </a:moveTo>
               <a:lnTo>
-                <a:pt x="2171398" y="0"/>
+                <a:pt x="2225583" y="0"/>
               </a:lnTo>
             </a:path>
           </a:pathLst>
@@ -16247,8 +16247,8 @@
       </dsp:nvSpPr>
       <dsp:spPr>
         <a:xfrm>
-          <a:off x="1760722" y="5665277"/>
-          <a:ext cx="161906" cy="0"/>
+          <a:off x="1804659" y="5685270"/>
+          <a:ext cx="165946" cy="0"/>
         </a:xfrm>
         <a:prstGeom prst="line">
           <a:avLst/>
@@ -16284,8 +16284,8 @@
       </dsp:nvSpPr>
       <dsp:spPr>
         <a:xfrm>
-          <a:off x="1922629" y="5320857"/>
-          <a:ext cx="1148065" cy="688839"/>
+          <a:off x="1970606" y="5332256"/>
+          <a:ext cx="1176714" cy="706028"/>
         </a:xfrm>
         <a:prstGeom prst="rect">
           <a:avLst/>
@@ -16346,8 +16346,8 @@
         </a:p>
       </dsp:txBody>
       <dsp:txXfrm>
-        <a:off x="1922629" y="5320857"/>
-        <a:ext cx="1148065" cy="688839"/>
+        <a:off x="1970606" y="5332256"/>
+        <a:ext cx="1176714" cy="706028"/>
       </dsp:txXfrm>
     </dsp:sp>
     <dsp:sp modelId="{9F2754D6-92B7-4660-89A3-D0806CABD8DF}">
@@ -16357,8 +16357,8 @@
       </dsp:nvSpPr>
       <dsp:spPr>
         <a:xfrm>
-          <a:off x="3070694" y="5665277"/>
-          <a:ext cx="161906" cy="0"/>
+          <a:off x="3147320" y="5685270"/>
+          <a:ext cx="165946" cy="0"/>
         </a:xfrm>
         <a:prstGeom prst="line">
           <a:avLst/>
@@ -16394,8 +16394,8 @@
       </dsp:nvSpPr>
       <dsp:spPr>
         <a:xfrm>
-          <a:off x="3606596" y="2561755"/>
-          <a:ext cx="1385167" cy="1385167"/>
+          <a:off x="3696595" y="2504304"/>
+          <a:ext cx="1419732" cy="1419732"/>
         </a:xfrm>
         <a:prstGeom prst="ellipse">
           <a:avLst/>
@@ -16436,7 +16436,7 @@
         </a:bodyPr>
         <a:lstStyle/>
         <a:p>
-          <a:pPr lvl="0" algn="ctr" defTabSz="800100" rtl="0">
+          <a:pPr lvl="0" algn="ctr" defTabSz="844550" rtl="0">
             <a:lnSpc>
               <a:spcPct val="90000"/>
             </a:lnSpc>
@@ -16448,15 +16448,15 @@
             </a:spcAft>
           </a:pPr>
           <a:r>
-            <a:rPr lang="en-US" sz="1800" b="1" kern="1200" dirty="0" smtClean="0"/>
+            <a:rPr lang="en-US" sz="1900" b="1" kern="1200" dirty="0" smtClean="0"/>
             <a:t>Process with </a:t>
           </a:r>
-          <a:endParaRPr lang="en-US" sz="1800" b="1" kern="1200" dirty="0"/>
+          <a:endParaRPr lang="en-US" sz="1900" b="1" kern="1200" dirty="0"/>
         </a:p>
       </dsp:txBody>
       <dsp:txXfrm>
-        <a:off x="3809449" y="2764608"/>
-        <a:ext cx="979461" cy="979461"/>
+        <a:off x="3904510" y="2712219"/>
+        <a:ext cx="1003902" cy="1003902"/>
       </dsp:txXfrm>
     </dsp:sp>
     <dsp:sp modelId="{5929F69E-F3A8-42D4-B765-511EA42ED139}">
@@ -16466,8 +16466,8 @@
       </dsp:nvSpPr>
       <dsp:spPr>
         <a:xfrm rot="17393884">
-          <a:off x="4428912" y="2107421"/>
-          <a:ext cx="1955973" cy="0"/>
+          <a:off x="4539431" y="2038632"/>
+          <a:ext cx="2004782" cy="0"/>
         </a:xfrm>
         <a:custGeom>
           <a:avLst/>
@@ -16481,7 +16481,7 @@
                 <a:pt x="0" y="0"/>
               </a:moveTo>
               <a:lnTo>
-                <a:pt x="1955973" y="0"/>
+                <a:pt x="2004782" y="0"/>
               </a:lnTo>
             </a:path>
           </a:pathLst>
@@ -16517,8 +16517,8 @@
       </dsp:nvSpPr>
       <dsp:spPr>
         <a:xfrm rot="15006116">
-          <a:off x="6566503" y="2107421"/>
-          <a:ext cx="1955973" cy="0"/>
+          <a:off x="6730362" y="2038632"/>
+          <a:ext cx="2004782" cy="0"/>
         </a:xfrm>
         <a:custGeom>
           <a:avLst/>
@@ -16532,7 +16532,7 @@
                 <a:pt x="0" y="0"/>
               </a:moveTo>
               <a:lnTo>
-                <a:pt x="1955973" y="0"/>
+                <a:pt x="2004782" y="0"/>
               </a:lnTo>
             </a:path>
           </a:pathLst>
@@ -16568,8 +16568,8 @@
       </dsp:nvSpPr>
       <dsp:spPr>
         <a:xfrm>
-          <a:off x="5739755" y="1187821"/>
-          <a:ext cx="161906" cy="0"/>
+          <a:off x="5882984" y="1096084"/>
+          <a:ext cx="165946" cy="0"/>
         </a:xfrm>
         <a:prstGeom prst="line">
           <a:avLst/>
@@ -16605,8 +16605,8 @@
       </dsp:nvSpPr>
       <dsp:spPr>
         <a:xfrm>
-          <a:off x="5901661" y="843401"/>
-          <a:ext cx="1148065" cy="688839"/>
+          <a:off x="6048931" y="743070"/>
+          <a:ext cx="1176714" cy="706028"/>
         </a:xfrm>
         <a:prstGeom prst="rect">
           <a:avLst/>
@@ -16667,8 +16667,8 @@
         </a:p>
       </dsp:txBody>
       <dsp:txXfrm>
-        <a:off x="5901661" y="843401"/>
-        <a:ext cx="1148065" cy="688839"/>
+        <a:off x="6048931" y="743070"/>
+        <a:ext cx="1176714" cy="706028"/>
       </dsp:txXfrm>
     </dsp:sp>
     <dsp:sp modelId="{7D574453-8EA5-446C-AF16-7BCC68B528C6}">
@@ -16678,8 +16678,8 @@
       </dsp:nvSpPr>
       <dsp:spPr>
         <a:xfrm>
-          <a:off x="7049727" y="1187821"/>
-          <a:ext cx="161906" cy="0"/>
+          <a:off x="7225645" y="1096084"/>
+          <a:ext cx="165946" cy="0"/>
         </a:xfrm>
         <a:prstGeom prst="line">
           <a:avLst/>
@@ -16715,8 +16715,8 @@
       </dsp:nvSpPr>
       <dsp:spPr>
         <a:xfrm rot="17909946">
-          <a:off x="4709300" y="2489727"/>
-          <a:ext cx="1395197" cy="0"/>
+          <a:off x="4826815" y="2430478"/>
+          <a:ext cx="1430013" cy="0"/>
         </a:xfrm>
         <a:custGeom>
           <a:avLst/>
@@ -16730,7 +16730,7 @@
                 <a:pt x="0" y="0"/>
               </a:moveTo>
               <a:lnTo>
-                <a:pt x="1395197" y="0"/>
+                <a:pt x="1430013" y="0"/>
               </a:lnTo>
             </a:path>
           </a:pathLst>
@@ -16766,8 +16766,8 @@
       </dsp:nvSpPr>
       <dsp:spPr>
         <a:xfrm rot="14490054">
-          <a:off x="6846891" y="2489727"/>
-          <a:ext cx="1395197" cy="0"/>
+          <a:off x="7017747" y="2430478"/>
+          <a:ext cx="1430013" cy="0"/>
         </a:xfrm>
         <a:custGeom>
           <a:avLst/>
@@ -16781,7 +16781,7 @@
                 <a:pt x="0" y="0"/>
               </a:moveTo>
               <a:lnTo>
-                <a:pt x="1395197" y="0"/>
+                <a:pt x="1430013" y="0"/>
               </a:lnTo>
             </a:path>
           </a:pathLst>
@@ -16817,8 +16817,8 @@
       </dsp:nvSpPr>
       <dsp:spPr>
         <a:xfrm>
-          <a:off x="5739755" y="1876660"/>
-          <a:ext cx="161906" cy="0"/>
+          <a:off x="5882984" y="1802113"/>
+          <a:ext cx="165946" cy="0"/>
         </a:xfrm>
         <a:prstGeom prst="line">
           <a:avLst/>
@@ -16854,8 +16854,8 @@
       </dsp:nvSpPr>
       <dsp:spPr>
         <a:xfrm>
-          <a:off x="5901661" y="1532240"/>
-          <a:ext cx="1148065" cy="688839"/>
+          <a:off x="6048931" y="1449098"/>
+          <a:ext cx="1176714" cy="706028"/>
         </a:xfrm>
         <a:prstGeom prst="rect">
           <a:avLst/>
@@ -16916,8 +16916,8 @@
         </a:p>
       </dsp:txBody>
       <dsp:txXfrm>
-        <a:off x="5901661" y="1532240"/>
-        <a:ext cx="1148065" cy="688839"/>
+        <a:off x="6048931" y="1449098"/>
+        <a:ext cx="1176714" cy="706028"/>
       </dsp:txXfrm>
     </dsp:sp>
     <dsp:sp modelId="{BD800237-A0C1-4116-8AA8-22270B4E3D6E}">
@@ -16927,8 +16927,8 @@
       </dsp:nvSpPr>
       <dsp:spPr>
         <a:xfrm>
-          <a:off x="7049727" y="1876660"/>
-          <a:ext cx="161906" cy="0"/>
+          <a:off x="7225645" y="1802113"/>
+          <a:ext cx="165946" cy="0"/>
         </a:xfrm>
         <a:prstGeom prst="line">
           <a:avLst/>
@@ -16964,8 +16964,8 @@
       </dsp:nvSpPr>
       <dsp:spPr>
         <a:xfrm rot="19041445">
-          <a:off x="4954399" y="2872033"/>
-          <a:ext cx="904998" cy="0"/>
+          <a:off x="5078031" y="2822324"/>
+          <a:ext cx="927582" cy="0"/>
         </a:xfrm>
         <a:custGeom>
           <a:avLst/>
@@ -16979,7 +16979,7 @@
                 <a:pt x="0" y="0"/>
               </a:moveTo>
               <a:lnTo>
-                <a:pt x="904998" y="0"/>
+                <a:pt x="927582" y="0"/>
               </a:lnTo>
             </a:path>
           </a:pathLst>
@@ -17015,8 +17015,8 @@
       </dsp:nvSpPr>
       <dsp:spPr>
         <a:xfrm rot="13358555">
-          <a:off x="7091990" y="2872033"/>
-          <a:ext cx="904998" cy="0"/>
+          <a:off x="7268963" y="2822324"/>
+          <a:ext cx="927582" cy="0"/>
         </a:xfrm>
         <a:custGeom>
           <a:avLst/>
@@ -17030,7 +17030,7 @@
                 <a:pt x="0" y="0"/>
               </a:moveTo>
               <a:lnTo>
-                <a:pt x="904998" y="0"/>
+                <a:pt x="927582" y="0"/>
               </a:lnTo>
             </a:path>
           </a:pathLst>
@@ -17066,8 +17066,8 @@
       </dsp:nvSpPr>
       <dsp:spPr>
         <a:xfrm>
-          <a:off x="5739755" y="2565500"/>
-          <a:ext cx="161906" cy="0"/>
+          <a:off x="5882984" y="2508141"/>
+          <a:ext cx="165946" cy="0"/>
         </a:xfrm>
         <a:prstGeom prst="line">
           <a:avLst/>
@@ -17103,8 +17103,8 @@
       </dsp:nvSpPr>
       <dsp:spPr>
         <a:xfrm>
-          <a:off x="5901661" y="2221080"/>
-          <a:ext cx="1148065" cy="688839"/>
+          <a:off x="6048931" y="2155127"/>
+          <a:ext cx="1176714" cy="706028"/>
         </a:xfrm>
         <a:prstGeom prst="rect">
           <a:avLst/>
@@ -17165,8 +17165,8 @@
         </a:p>
       </dsp:txBody>
       <dsp:txXfrm>
-        <a:off x="5901661" y="2221080"/>
-        <a:ext cx="1148065" cy="688839"/>
+        <a:off x="6048931" y="2155127"/>
+        <a:ext cx="1176714" cy="706028"/>
       </dsp:txXfrm>
     </dsp:sp>
     <dsp:sp modelId="{D67A9AEF-5F00-419F-AE98-1058D523496C}">
@@ -17176,8 +17176,8 @@
       </dsp:nvSpPr>
       <dsp:spPr>
         <a:xfrm>
-          <a:off x="7049727" y="2565500"/>
-          <a:ext cx="161906" cy="0"/>
+          <a:off x="7225645" y="2508141"/>
+          <a:ext cx="165946" cy="0"/>
         </a:xfrm>
         <a:prstGeom prst="line">
           <a:avLst/>
@@ -17213,8 +17213,8 @@
       </dsp:nvSpPr>
       <dsp:spPr>
         <a:xfrm>
-          <a:off x="5074043" y="3254339"/>
-          <a:ext cx="665711" cy="0"/>
+          <a:off x="5200660" y="3214170"/>
+          <a:ext cx="682323" cy="0"/>
         </a:xfrm>
         <a:custGeom>
           <a:avLst/>
@@ -17228,7 +17228,7 @@
                 <a:pt x="0" y="0"/>
               </a:moveTo>
               <a:lnTo>
-                <a:pt x="665711" y="0"/>
+                <a:pt x="682323" y="0"/>
               </a:lnTo>
             </a:path>
           </a:pathLst>
@@ -17264,8 +17264,8 @@
       </dsp:nvSpPr>
       <dsp:spPr>
         <a:xfrm rot="10800000">
-          <a:off x="7211634" y="3254339"/>
-          <a:ext cx="665711" cy="0"/>
+          <a:off x="7391592" y="3214170"/>
+          <a:ext cx="682323" cy="0"/>
         </a:xfrm>
         <a:custGeom>
           <a:avLst/>
@@ -17279,7 +17279,7 @@
                 <a:pt x="0" y="0"/>
               </a:moveTo>
               <a:lnTo>
-                <a:pt x="665711" y="0"/>
+                <a:pt x="682323" y="0"/>
               </a:lnTo>
             </a:path>
           </a:pathLst>
@@ -17315,8 +17315,8 @@
       </dsp:nvSpPr>
       <dsp:spPr>
         <a:xfrm>
-          <a:off x="5739755" y="3254339"/>
-          <a:ext cx="161906" cy="0"/>
+          <a:off x="5882984" y="3214170"/>
+          <a:ext cx="165946" cy="0"/>
         </a:xfrm>
         <a:prstGeom prst="line">
           <a:avLst/>
@@ -17352,8 +17352,8 @@
       </dsp:nvSpPr>
       <dsp:spPr>
         <a:xfrm>
-          <a:off x="5901661" y="2909919"/>
-          <a:ext cx="1148065" cy="688839"/>
+          <a:off x="6048931" y="2861156"/>
+          <a:ext cx="1176714" cy="706028"/>
         </a:xfrm>
         <a:prstGeom prst="rect">
           <a:avLst/>
@@ -17414,8 +17414,8 @@
         </a:p>
       </dsp:txBody>
       <dsp:txXfrm>
-        <a:off x="5901661" y="2909919"/>
-        <a:ext cx="1148065" cy="688839"/>
+        <a:off x="6048931" y="2861156"/>
+        <a:ext cx="1176714" cy="706028"/>
       </dsp:txXfrm>
     </dsp:sp>
     <dsp:sp modelId="{5E3C6DF0-6630-4E60-8255-403157822CA9}">
@@ -17425,8 +17425,8 @@
       </dsp:nvSpPr>
       <dsp:spPr>
         <a:xfrm>
-          <a:off x="7049727" y="3254339"/>
-          <a:ext cx="161906" cy="0"/>
+          <a:off x="7225645" y="3214170"/>
+          <a:ext cx="165946" cy="0"/>
         </a:xfrm>
         <a:prstGeom prst="line">
           <a:avLst/>
@@ -17462,8 +17462,8 @@
       </dsp:nvSpPr>
       <dsp:spPr>
         <a:xfrm rot="2558555">
-          <a:off x="4954399" y="3636645"/>
-          <a:ext cx="904998" cy="0"/>
+          <a:off x="5078031" y="3606016"/>
+          <a:ext cx="927582" cy="0"/>
         </a:xfrm>
         <a:custGeom>
           <a:avLst/>
@@ -17477,7 +17477,7 @@
                 <a:pt x="0" y="0"/>
               </a:moveTo>
               <a:lnTo>
-                <a:pt x="904998" y="0"/>
+                <a:pt x="927582" y="0"/>
               </a:lnTo>
             </a:path>
           </a:pathLst>
@@ -17513,8 +17513,8 @@
       </dsp:nvSpPr>
       <dsp:spPr>
         <a:xfrm rot="8241445">
-          <a:off x="7091990" y="3636645"/>
-          <a:ext cx="904998" cy="0"/>
+          <a:off x="7268963" y="3606016"/>
+          <a:ext cx="927582" cy="0"/>
         </a:xfrm>
         <a:custGeom>
           <a:avLst/>
@@ -17528,7 +17528,7 @@
                 <a:pt x="0" y="0"/>
               </a:moveTo>
               <a:lnTo>
-                <a:pt x="904998" y="0"/>
+                <a:pt x="927582" y="0"/>
               </a:lnTo>
             </a:path>
           </a:pathLst>
@@ -17564,8 +17564,8 @@
       </dsp:nvSpPr>
       <dsp:spPr>
         <a:xfrm>
-          <a:off x="5739755" y="3943178"/>
-          <a:ext cx="161906" cy="0"/>
+          <a:off x="5882984" y="3920199"/>
+          <a:ext cx="165946" cy="0"/>
         </a:xfrm>
         <a:prstGeom prst="line">
           <a:avLst/>
@@ -17601,8 +17601,8 @@
       </dsp:nvSpPr>
       <dsp:spPr>
         <a:xfrm>
-          <a:off x="5901661" y="3598759"/>
-          <a:ext cx="1148065" cy="688839"/>
+          <a:off x="6048931" y="3567184"/>
+          <a:ext cx="1176714" cy="706028"/>
         </a:xfrm>
         <a:prstGeom prst="rect">
           <a:avLst/>
@@ -17663,8 +17663,8 @@
         </a:p>
       </dsp:txBody>
       <dsp:txXfrm>
-        <a:off x="5901661" y="3598759"/>
-        <a:ext cx="1148065" cy="688839"/>
+        <a:off x="6048931" y="3567184"/>
+        <a:ext cx="1176714" cy="706028"/>
       </dsp:txXfrm>
     </dsp:sp>
     <dsp:sp modelId="{D9A1F54C-0E3A-4B2F-8148-ACF145932D7D}">
@@ -17674,8 +17674,8 @@
       </dsp:nvSpPr>
       <dsp:spPr>
         <a:xfrm>
-          <a:off x="7049727" y="3943178"/>
-          <a:ext cx="161906" cy="0"/>
+          <a:off x="7225645" y="3920199"/>
+          <a:ext cx="165946" cy="0"/>
         </a:xfrm>
         <a:prstGeom prst="line">
           <a:avLst/>
@@ -17711,8 +17711,8 @@
       </dsp:nvSpPr>
       <dsp:spPr>
         <a:xfrm rot="3690054">
-          <a:off x="4709300" y="4018951"/>
-          <a:ext cx="1395197" cy="0"/>
+          <a:off x="4826815" y="3997862"/>
+          <a:ext cx="1430013" cy="0"/>
         </a:xfrm>
         <a:custGeom>
           <a:avLst/>
@@ -17726,7 +17726,7 @@
                 <a:pt x="0" y="0"/>
               </a:moveTo>
               <a:lnTo>
-                <a:pt x="1395197" y="0"/>
+                <a:pt x="1430013" y="0"/>
               </a:lnTo>
             </a:path>
           </a:pathLst>
@@ -17762,8 +17762,8 @@
       </dsp:nvSpPr>
       <dsp:spPr>
         <a:xfrm rot="7109946">
-          <a:off x="6846891" y="4018951"/>
-          <a:ext cx="1395197" cy="0"/>
+          <a:off x="7017747" y="3997862"/>
+          <a:ext cx="1430013" cy="0"/>
         </a:xfrm>
         <a:custGeom>
           <a:avLst/>
@@ -17777,7 +17777,7 @@
                 <a:pt x="0" y="0"/>
               </a:moveTo>
               <a:lnTo>
-                <a:pt x="1395197" y="0"/>
+                <a:pt x="1430013" y="0"/>
               </a:lnTo>
             </a:path>
           </a:pathLst>
@@ -17813,8 +17813,8 @@
       </dsp:nvSpPr>
       <dsp:spPr>
         <a:xfrm>
-          <a:off x="5739755" y="4632018"/>
-          <a:ext cx="161906" cy="0"/>
+          <a:off x="5882984" y="4626227"/>
+          <a:ext cx="165946" cy="0"/>
         </a:xfrm>
         <a:prstGeom prst="line">
           <a:avLst/>
@@ -17850,8 +17850,8 @@
       </dsp:nvSpPr>
       <dsp:spPr>
         <a:xfrm>
-          <a:off x="5901661" y="4287598"/>
-          <a:ext cx="1148065" cy="688839"/>
+          <a:off x="6048931" y="4273213"/>
+          <a:ext cx="1176714" cy="706028"/>
         </a:xfrm>
         <a:prstGeom prst="rect">
           <a:avLst/>
@@ -17912,8 +17912,8 @@
         </a:p>
       </dsp:txBody>
       <dsp:txXfrm>
-        <a:off x="5901661" y="4287598"/>
-        <a:ext cx="1148065" cy="688839"/>
+        <a:off x="6048931" y="4273213"/>
+        <a:ext cx="1176714" cy="706028"/>
       </dsp:txXfrm>
     </dsp:sp>
     <dsp:sp modelId="{77365C05-6E8A-4C9B-AD7B-3AA3341F9D8E}">
@@ -17923,8 +17923,8 @@
       </dsp:nvSpPr>
       <dsp:spPr>
         <a:xfrm>
-          <a:off x="7049727" y="4632018"/>
-          <a:ext cx="161906" cy="0"/>
+          <a:off x="7225645" y="4626227"/>
+          <a:ext cx="165946" cy="0"/>
         </a:xfrm>
         <a:prstGeom prst="line">
           <a:avLst/>
@@ -17960,8 +17960,8 @@
       </dsp:nvSpPr>
       <dsp:spPr>
         <a:xfrm rot="4206116">
-          <a:off x="4428912" y="4401257"/>
-          <a:ext cx="1955973" cy="0"/>
+          <a:off x="4539431" y="4389708"/>
+          <a:ext cx="2004782" cy="0"/>
         </a:xfrm>
         <a:custGeom>
           <a:avLst/>
@@ -17975,7 +17975,7 @@
                 <a:pt x="0" y="0"/>
               </a:moveTo>
               <a:lnTo>
-                <a:pt x="1955973" y="0"/>
+                <a:pt x="2004782" y="0"/>
               </a:lnTo>
             </a:path>
           </a:pathLst>
@@ -18011,8 +18011,8 @@
       </dsp:nvSpPr>
       <dsp:spPr>
         <a:xfrm rot="6593884">
-          <a:off x="6566503" y="4401257"/>
-          <a:ext cx="1955973" cy="0"/>
+          <a:off x="6730362" y="4389708"/>
+          <a:ext cx="2004782" cy="0"/>
         </a:xfrm>
         <a:custGeom>
           <a:avLst/>
@@ -18026,7 +18026,7 @@
                 <a:pt x="0" y="0"/>
               </a:moveTo>
               <a:lnTo>
-                <a:pt x="1955973" y="0"/>
+                <a:pt x="2004782" y="0"/>
               </a:lnTo>
             </a:path>
           </a:pathLst>
@@ -18062,8 +18062,8 @@
       </dsp:nvSpPr>
       <dsp:spPr>
         <a:xfrm>
-          <a:off x="5739755" y="5320857"/>
-          <a:ext cx="161906" cy="0"/>
+          <a:off x="5882984" y="5332256"/>
+          <a:ext cx="165946" cy="0"/>
         </a:xfrm>
         <a:prstGeom prst="line">
           <a:avLst/>
@@ -18099,8 +18099,8 @@
       </dsp:nvSpPr>
       <dsp:spPr>
         <a:xfrm>
-          <a:off x="5901661" y="4976438"/>
-          <a:ext cx="1148065" cy="688839"/>
+          <a:off x="6048931" y="4979242"/>
+          <a:ext cx="1176714" cy="706028"/>
         </a:xfrm>
         <a:prstGeom prst="rect">
           <a:avLst/>
@@ -18161,8 +18161,8 @@
         </a:p>
       </dsp:txBody>
       <dsp:txXfrm>
-        <a:off x="5901661" y="4976438"/>
-        <a:ext cx="1148065" cy="688839"/>
+        <a:off x="6048931" y="4979242"/>
+        <a:ext cx="1176714" cy="706028"/>
       </dsp:txXfrm>
     </dsp:sp>
     <dsp:sp modelId="{BE52E739-7D27-4E45-831B-0E2523D0459D}">
@@ -18172,8 +18172,8 @@
       </dsp:nvSpPr>
       <dsp:spPr>
         <a:xfrm>
-          <a:off x="7049727" y="5320857"/>
-          <a:ext cx="161906" cy="0"/>
+          <a:off x="7225645" y="5332256"/>
+          <a:ext cx="165946" cy="0"/>
         </a:xfrm>
         <a:prstGeom prst="line">
           <a:avLst/>
@@ -18209,8 +18209,8 @@
       </dsp:nvSpPr>
       <dsp:spPr>
         <a:xfrm>
-          <a:off x="7959624" y="2561755"/>
-          <a:ext cx="1385167" cy="1385167"/>
+          <a:off x="8158248" y="2504304"/>
+          <a:ext cx="1419732" cy="1419732"/>
         </a:xfrm>
         <a:prstGeom prst="ellipse">
           <a:avLst/>
@@ -18251,7 +18251,7 @@
         </a:bodyPr>
         <a:lstStyle/>
         <a:p>
-          <a:pPr lvl="0" algn="ctr" defTabSz="800100" rtl="0">
+          <a:pPr lvl="0" algn="ctr" defTabSz="844550" rtl="0">
             <a:lnSpc>
               <a:spcPct val="90000"/>
             </a:lnSpc>
@@ -18263,15 +18263,15 @@
             </a:spcAft>
           </a:pPr>
           <a:r>
-            <a:rPr lang="en-US" sz="1800" b="1" kern="1200" dirty="0" smtClean="0"/>
+            <a:rPr lang="en-US" sz="1900" b="1" kern="1200" dirty="0" smtClean="0"/>
             <a:t>Visualize with</a:t>
           </a:r>
-          <a:endParaRPr lang="en-US" sz="1800" b="1" kern="1200" dirty="0"/>
+          <a:endParaRPr lang="en-US" sz="1900" b="1" kern="1200" dirty="0"/>
         </a:p>
       </dsp:txBody>
       <dsp:txXfrm>
-        <a:off x="8162477" y="2764608"/>
-        <a:ext cx="979461" cy="979461"/>
+        <a:off x="8366163" y="2712219"/>
+        <a:ext cx="1003902" cy="1003902"/>
       </dsp:txXfrm>
     </dsp:sp>
     <dsp:sp modelId="{516C0902-9215-4C87-B418-0FC089E72483}">
@@ -18281,8 +18281,8 @@
       </dsp:nvSpPr>
       <dsp:spPr>
         <a:xfrm rot="19041445">
-          <a:off x="9307427" y="2872033"/>
-          <a:ext cx="904998" cy="0"/>
+          <a:off x="9539684" y="2822324"/>
+          <a:ext cx="927582" cy="0"/>
         </a:xfrm>
         <a:custGeom>
           <a:avLst/>
@@ -18296,7 +18296,7 @@
                 <a:pt x="0" y="0"/>
               </a:moveTo>
               <a:lnTo>
-                <a:pt x="904998" y="0"/>
+                <a:pt x="927582" y="0"/>
               </a:lnTo>
             </a:path>
           </a:pathLst>
@@ -18332,8 +18332,8 @@
       </dsp:nvSpPr>
       <dsp:spPr>
         <a:xfrm>
-          <a:off x="10092782" y="2565500"/>
-          <a:ext cx="161906" cy="0"/>
+          <a:off x="10344637" y="2508141"/>
+          <a:ext cx="165946" cy="0"/>
         </a:xfrm>
         <a:prstGeom prst="line">
           <a:avLst/>
@@ -18369,8 +18369,8 @@
       </dsp:nvSpPr>
       <dsp:spPr>
         <a:xfrm>
-          <a:off x="10254689" y="2221080"/>
-          <a:ext cx="1148065" cy="688839"/>
+          <a:off x="10510584" y="2155127"/>
+          <a:ext cx="1176714" cy="706028"/>
         </a:xfrm>
         <a:prstGeom prst="rect">
           <a:avLst/>
@@ -18431,8 +18431,8 @@
         </a:p>
       </dsp:txBody>
       <dsp:txXfrm>
-        <a:off x="10254689" y="2221080"/>
-        <a:ext cx="1148065" cy="688839"/>
+        <a:off x="10510584" y="2155127"/>
+        <a:ext cx="1176714" cy="706028"/>
       </dsp:txXfrm>
     </dsp:sp>
     <dsp:sp modelId="{E51C02B1-5AC7-4AFF-8300-2851BA3C0A78}">
@@ -18442,8 +18442,8 @@
       </dsp:nvSpPr>
       <dsp:spPr>
         <a:xfrm>
-          <a:off x="9427071" y="3254339"/>
-          <a:ext cx="665711" cy="0"/>
+          <a:off x="9662313" y="3214170"/>
+          <a:ext cx="682323" cy="0"/>
         </a:xfrm>
         <a:custGeom>
           <a:avLst/>
@@ -18457,7 +18457,7 @@
                 <a:pt x="0" y="0"/>
               </a:moveTo>
               <a:lnTo>
-                <a:pt x="665711" y="0"/>
+                <a:pt x="682323" y="0"/>
               </a:lnTo>
             </a:path>
           </a:pathLst>
@@ -18493,8 +18493,8 @@
       </dsp:nvSpPr>
       <dsp:spPr>
         <a:xfrm>
-          <a:off x="10092782" y="3254339"/>
-          <a:ext cx="161906" cy="0"/>
+          <a:off x="10344637" y="3214170"/>
+          <a:ext cx="165946" cy="0"/>
         </a:xfrm>
         <a:prstGeom prst="line">
           <a:avLst/>
@@ -18530,8 +18530,8 @@
       </dsp:nvSpPr>
       <dsp:spPr>
         <a:xfrm>
-          <a:off x="10254689" y="2909919"/>
-          <a:ext cx="1148065" cy="688839"/>
+          <a:off x="10510584" y="2861156"/>
+          <a:ext cx="1176714" cy="706028"/>
         </a:xfrm>
         <a:prstGeom prst="rect">
           <a:avLst/>
@@ -18592,8 +18592,8 @@
         </a:p>
       </dsp:txBody>
       <dsp:txXfrm>
-        <a:off x="10254689" y="2909919"/>
-        <a:ext cx="1148065" cy="688839"/>
+        <a:off x="10510584" y="2861156"/>
+        <a:ext cx="1176714" cy="706028"/>
       </dsp:txXfrm>
     </dsp:sp>
     <dsp:sp modelId="{2D4E3B46-274D-41C9-A405-EE9C4DFCAE88}">
@@ -18603,8 +18603,8 @@
       </dsp:nvSpPr>
       <dsp:spPr>
         <a:xfrm rot="2558555">
-          <a:off x="9307427" y="3636645"/>
-          <a:ext cx="904998" cy="0"/>
+          <a:off x="9539684" y="3606016"/>
+          <a:ext cx="927582" cy="0"/>
         </a:xfrm>
         <a:custGeom>
           <a:avLst/>
@@ -18618,7 +18618,7 @@
                 <a:pt x="0" y="0"/>
               </a:moveTo>
               <a:lnTo>
-                <a:pt x="904998" y="0"/>
+                <a:pt x="927582" y="0"/>
               </a:lnTo>
             </a:path>
           </a:pathLst>
@@ -18654,8 +18654,8 @@
       </dsp:nvSpPr>
       <dsp:spPr>
         <a:xfrm>
-          <a:off x="10092782" y="3943178"/>
-          <a:ext cx="161906" cy="0"/>
+          <a:off x="10344637" y="3920199"/>
+          <a:ext cx="165946" cy="0"/>
         </a:xfrm>
         <a:prstGeom prst="line">
           <a:avLst/>
@@ -18691,8 +18691,8 @@
       </dsp:nvSpPr>
       <dsp:spPr>
         <a:xfrm>
-          <a:off x="10254689" y="3598759"/>
-          <a:ext cx="1148065" cy="688839"/>
+          <a:off x="10510584" y="3567184"/>
+          <a:ext cx="1176714" cy="706028"/>
         </a:xfrm>
         <a:prstGeom prst="rect">
           <a:avLst/>
@@ -18753,8 +18753,8 @@
         </a:p>
       </dsp:txBody>
       <dsp:txXfrm>
-        <a:off x="10254689" y="3598759"/>
-        <a:ext cx="1148065" cy="688839"/>
+        <a:off x="10510584" y="3567184"/>
+        <a:ext cx="1176714" cy="706028"/>
       </dsp:txXfrm>
     </dsp:sp>
   </dsp:spTree>
@@ -32440,7 +32440,11 @@
           <a:bodyPr/>
           <a:lstStyle/>
           <a:p>
-            <a:endParaRPr lang="en-US"/>
+            <a:r>
+              <a:rPr lang="en-US" dirty="0" smtClean="0"/>
+              <a:t>ALL YOUR TYPES ARE BELONG TO US</a:t>
+            </a:r>
+            <a:endParaRPr lang="en-US" dirty="0"/>
           </a:p>
         </p:txBody>
       </p:sp>
@@ -32657,7 +32661,7 @@
                             </p:stCondLst>
                             <p:childTnLst>
                               <p:par>
-                                <p:cTn id="5" presetID="2" presetClass="entr" presetSubtype="4" fill="hold" grpId="0" nodeType="clickEffect">
+                                <p:cTn id="5" presetID="1" presetClass="entr" presetSubtype="0" fill="hold" grpId="0" nodeType="clickEffect">
                                   <p:stCondLst>
                                     <p:cond delay="0"/>
                                   </p:stCondLst>
@@ -32680,52 +32684,6 @@
                                         <p:strVal val="visible"/>
                                       </p:to>
                                     </p:set>
-                                    <p:anim calcmode="lin" valueType="num">
-                                      <p:cBhvr additive="base">
-                                        <p:cTn id="7" dur="500" fill="hold"/>
-                                        <p:tgtEl>
-                                          <p:spTgt spid="11"/>
-                                        </p:tgtEl>
-                                        <p:attrNameLst>
-                                          <p:attrName>ppt_x</p:attrName>
-                                        </p:attrNameLst>
-                                      </p:cBhvr>
-                                      <p:tavLst>
-                                        <p:tav tm="0">
-                                          <p:val>
-                                            <p:strVal val="#ppt_x"/>
-                                          </p:val>
-                                        </p:tav>
-                                        <p:tav tm="100000">
-                                          <p:val>
-                                            <p:strVal val="#ppt_x"/>
-                                          </p:val>
-                                        </p:tav>
-                                      </p:tavLst>
-                                    </p:anim>
-                                    <p:anim calcmode="lin" valueType="num">
-                                      <p:cBhvr additive="base">
-                                        <p:cTn id="8" dur="500" fill="hold"/>
-                                        <p:tgtEl>
-                                          <p:spTgt spid="11"/>
-                                        </p:tgtEl>
-                                        <p:attrNameLst>
-                                          <p:attrName>ppt_y</p:attrName>
-                                        </p:attrNameLst>
-                                      </p:cBhvr>
-                                      <p:tavLst>
-                                        <p:tav tm="0">
-                                          <p:val>
-                                            <p:strVal val="1+#ppt_h/2"/>
-                                          </p:val>
-                                        </p:tav>
-                                        <p:tav tm="100000">
-                                          <p:val>
-                                            <p:strVal val="#ppt_y"/>
-                                          </p:val>
-                                        </p:tav>
-                                      </p:tavLst>
-                                    </p:anim>
                                   </p:childTnLst>
                                 </p:cTn>
                               </p:par>
@@ -32736,26 +32694,26 @@
                     </p:cTn>
                   </p:par>
                   <p:par>
-                    <p:cTn id="9" fill="hold">
+                    <p:cTn id="7" fill="hold">
                       <p:stCondLst>
                         <p:cond delay="indefinite"/>
                       </p:stCondLst>
                       <p:childTnLst>
                         <p:par>
-                          <p:cTn id="10" fill="hold">
+                          <p:cTn id="8" fill="hold">
                             <p:stCondLst>
                               <p:cond delay="0"/>
                             </p:stCondLst>
                             <p:childTnLst>
                               <p:par>
-                                <p:cTn id="11" presetID="2" presetClass="entr" presetSubtype="4" fill="hold" grpId="0" nodeType="clickEffect">
+                                <p:cTn id="9" presetID="1" presetClass="entr" presetSubtype="0" fill="hold" grpId="0" nodeType="clickEffect">
                                   <p:stCondLst>
                                     <p:cond delay="0"/>
                                   </p:stCondLst>
                                   <p:childTnLst>
                                     <p:set>
                                       <p:cBhvr>
-                                        <p:cTn id="12" dur="1" fill="hold">
+                                        <p:cTn id="10" dur="1" fill="hold">
                                           <p:stCondLst>
                                             <p:cond delay="0"/>
                                           </p:stCondLst>
@@ -32771,52 +32729,6 @@
                                         <p:strVal val="visible"/>
                                       </p:to>
                                     </p:set>
-                                    <p:anim calcmode="lin" valueType="num">
-                                      <p:cBhvr additive="base">
-                                        <p:cTn id="13" dur="500" fill="hold"/>
-                                        <p:tgtEl>
-                                          <p:spTgt spid="10"/>
-                                        </p:tgtEl>
-                                        <p:attrNameLst>
-                                          <p:attrName>ppt_x</p:attrName>
-                                        </p:attrNameLst>
-                                      </p:cBhvr>
-                                      <p:tavLst>
-                                        <p:tav tm="0">
-                                          <p:val>
-                                            <p:strVal val="#ppt_x"/>
-                                          </p:val>
-                                        </p:tav>
-                                        <p:tav tm="100000">
-                                          <p:val>
-                                            <p:strVal val="#ppt_x"/>
-                                          </p:val>
-                                        </p:tav>
-                                      </p:tavLst>
-                                    </p:anim>
-                                    <p:anim calcmode="lin" valueType="num">
-                                      <p:cBhvr additive="base">
-                                        <p:cTn id="14" dur="500" fill="hold"/>
-                                        <p:tgtEl>
-                                          <p:spTgt spid="10"/>
-                                        </p:tgtEl>
-                                        <p:attrNameLst>
-                                          <p:attrName>ppt_y</p:attrName>
-                                        </p:attrNameLst>
-                                      </p:cBhvr>
-                                      <p:tavLst>
-                                        <p:tav tm="0">
-                                          <p:val>
-                                            <p:strVal val="1+#ppt_h/2"/>
-                                          </p:val>
-                                        </p:tav>
-                                        <p:tav tm="100000">
-                                          <p:val>
-                                            <p:strVal val="#ppt_y"/>
-                                          </p:val>
-                                        </p:tav>
-                                      </p:tavLst>
-                                    </p:anim>
                                   </p:childTnLst>
                                 </p:cTn>
                               </p:par>
@@ -33913,7 +33825,7 @@
                             </p:stCondLst>
                             <p:childTnLst>
                               <p:par>
-                                <p:cTn id="5" presetID="2" presetClass="entr" presetSubtype="4" fill="hold" grpId="0" nodeType="clickEffect">
+                                <p:cTn id="5" presetID="1" presetClass="entr" presetSubtype="0" fill="hold" grpId="0" nodeType="clickEffect">
                                   <p:stCondLst>
                                     <p:cond delay="0"/>
                                   </p:stCondLst>
@@ -33938,86 +33850,18 @@
                                         <p:strVal val="visible"/>
                                       </p:to>
                                     </p:set>
-                                    <p:anim calcmode="lin" valueType="num">
-                                      <p:cBhvr additive="base">
-                                        <p:cTn id="7" dur="500" fill="hold"/>
-                                        <p:tgtEl>
-                                          <p:spTgt spid="4">
-                                            <p:bg/>
-                                          </p:spTgt>
-                                        </p:tgtEl>
-                                        <p:attrNameLst>
-                                          <p:attrName>ppt_x</p:attrName>
-                                        </p:attrNameLst>
-                                      </p:cBhvr>
-                                      <p:tavLst>
-                                        <p:tav tm="0">
-                                          <p:val>
-                                            <p:strVal val="#ppt_x"/>
-                                          </p:val>
-                                        </p:tav>
-                                        <p:tav tm="100000">
-                                          <p:val>
-                                            <p:strVal val="#ppt_x"/>
-                                          </p:val>
-                                        </p:tav>
-                                      </p:tavLst>
-                                    </p:anim>
-                                    <p:anim calcmode="lin" valueType="num">
-                                      <p:cBhvr additive="base">
-                                        <p:cTn id="8" dur="500" fill="hold"/>
-                                        <p:tgtEl>
-                                          <p:spTgt spid="4">
-                                            <p:bg/>
-                                          </p:spTgt>
-                                        </p:tgtEl>
-                                        <p:attrNameLst>
-                                          <p:attrName>ppt_y</p:attrName>
-                                        </p:attrNameLst>
-                                      </p:cBhvr>
-                                      <p:tavLst>
-                                        <p:tav tm="0">
-                                          <p:val>
-                                            <p:strVal val="1+#ppt_h/2"/>
-                                          </p:val>
-                                        </p:tav>
-                                        <p:tav tm="100000">
-                                          <p:val>
-                                            <p:strVal val="#ppt_y"/>
-                                          </p:val>
-                                        </p:tav>
-                                      </p:tavLst>
-                                    </p:anim>
                                   </p:childTnLst>
                                 </p:cTn>
                               </p:par>
-                            </p:childTnLst>
-                          </p:cTn>
-                        </p:par>
-                      </p:childTnLst>
-                    </p:cTn>
-                  </p:par>
-                  <p:par>
-                    <p:cTn id="9" fill="hold">
-                      <p:stCondLst>
-                        <p:cond delay="indefinite"/>
-                      </p:stCondLst>
-                      <p:childTnLst>
-                        <p:par>
-                          <p:cTn id="10" fill="hold">
-                            <p:stCondLst>
-                              <p:cond delay="0"/>
-                            </p:stCondLst>
-                            <p:childTnLst>
                               <p:par>
-                                <p:cTn id="11" presetID="2" presetClass="entr" presetSubtype="4" fill="hold" grpId="0" nodeType="clickEffect">
+                                <p:cTn id="7" presetID="1" presetClass="entr" presetSubtype="0" fill="hold" grpId="0" nodeType="withEffect">
                                   <p:stCondLst>
                                     <p:cond delay="0"/>
                                   </p:stCondLst>
                                   <p:childTnLst>
                                     <p:set>
                                       <p:cBhvr>
-                                        <p:cTn id="12" dur="1" fill="hold">
+                                        <p:cTn id="8" dur="1" fill="hold">
                                           <p:stCondLst>
                                             <p:cond delay="0"/>
                                           </p:stCondLst>
@@ -34037,72 +33881,18 @@
                                         <p:strVal val="visible"/>
                                       </p:to>
                                     </p:set>
-                                    <p:anim calcmode="lin" valueType="num">
-                                      <p:cBhvr additive="base">
-                                        <p:cTn id="13" dur="500" fill="hold"/>
-                                        <p:tgtEl>
-                                          <p:spTgt spid="4">
-                                            <p:txEl>
-                                              <p:pRg st="0" end="0"/>
-                                            </p:txEl>
-                                          </p:spTgt>
-                                        </p:tgtEl>
-                                        <p:attrNameLst>
-                                          <p:attrName>ppt_x</p:attrName>
-                                        </p:attrNameLst>
-                                      </p:cBhvr>
-                                      <p:tavLst>
-                                        <p:tav tm="0">
-                                          <p:val>
-                                            <p:strVal val="#ppt_x"/>
-                                          </p:val>
-                                        </p:tav>
-                                        <p:tav tm="100000">
-                                          <p:val>
-                                            <p:strVal val="#ppt_x"/>
-                                          </p:val>
-                                        </p:tav>
-                                      </p:tavLst>
-                                    </p:anim>
-                                    <p:anim calcmode="lin" valueType="num">
-                                      <p:cBhvr additive="base">
-                                        <p:cTn id="14" dur="500" fill="hold"/>
-                                        <p:tgtEl>
-                                          <p:spTgt spid="4">
-                                            <p:txEl>
-                                              <p:pRg st="0" end="0"/>
-                                            </p:txEl>
-                                          </p:spTgt>
-                                        </p:tgtEl>
-                                        <p:attrNameLst>
-                                          <p:attrName>ppt_y</p:attrName>
-                                        </p:attrNameLst>
-                                      </p:cBhvr>
-                                      <p:tavLst>
-                                        <p:tav tm="0">
-                                          <p:val>
-                                            <p:strVal val="1+#ppt_h/2"/>
-                                          </p:val>
-                                        </p:tav>
-                                        <p:tav tm="100000">
-                                          <p:val>
-                                            <p:strVal val="#ppt_y"/>
-                                          </p:val>
-                                        </p:tav>
-                                      </p:tavLst>
-                                    </p:anim>
                                   </p:childTnLst>
                                 </p:cTn>
                               </p:par>
                               <p:par>
-                                <p:cTn id="15" presetID="2" presetClass="entr" presetSubtype="4" fill="hold" nodeType="withEffect">
+                                <p:cTn id="9" presetID="1" presetClass="entr" presetSubtype="0" fill="hold" nodeType="withEffect">
                                   <p:stCondLst>
                                     <p:cond delay="0"/>
                                   </p:stCondLst>
                                   <p:childTnLst>
                                     <p:set>
                                       <p:cBhvr>
-                                        <p:cTn id="16" dur="1" fill="hold">
+                                        <p:cTn id="10" dur="1" fill="hold">
                                           <p:stCondLst>
                                             <p:cond delay="0"/>
                                           </p:stCondLst>
@@ -34118,52 +33908,6 @@
                                         <p:strVal val="visible"/>
                                       </p:to>
                                     </p:set>
-                                    <p:anim calcmode="lin" valueType="num">
-                                      <p:cBhvr additive="base">
-                                        <p:cTn id="17" dur="500" fill="hold"/>
-                                        <p:tgtEl>
-                                          <p:spTgt spid="6"/>
-                                        </p:tgtEl>
-                                        <p:attrNameLst>
-                                          <p:attrName>ppt_x</p:attrName>
-                                        </p:attrNameLst>
-                                      </p:cBhvr>
-                                      <p:tavLst>
-                                        <p:tav tm="0">
-                                          <p:val>
-                                            <p:strVal val="#ppt_x"/>
-                                          </p:val>
-                                        </p:tav>
-                                        <p:tav tm="100000">
-                                          <p:val>
-                                            <p:strVal val="#ppt_x"/>
-                                          </p:val>
-                                        </p:tav>
-                                      </p:tavLst>
-                                    </p:anim>
-                                    <p:anim calcmode="lin" valueType="num">
-                                      <p:cBhvr additive="base">
-                                        <p:cTn id="18" dur="500" fill="hold"/>
-                                        <p:tgtEl>
-                                          <p:spTgt spid="6"/>
-                                        </p:tgtEl>
-                                        <p:attrNameLst>
-                                          <p:attrName>ppt_y</p:attrName>
-                                        </p:attrNameLst>
-                                      </p:cBhvr>
-                                      <p:tavLst>
-                                        <p:tav tm="0">
-                                          <p:val>
-                                            <p:strVal val="1+#ppt_h/2"/>
-                                          </p:val>
-                                        </p:tav>
-                                        <p:tav tm="100000">
-                                          <p:val>
-                                            <p:strVal val="#ppt_y"/>
-                                          </p:val>
-                                        </p:tav>
-                                      </p:tavLst>
-                                    </p:anim>
                                   </p:childTnLst>
                                 </p:cTn>
                               </p:par>
@@ -34195,7 +33939,7 @@
       </p:par>
     </p:tnLst>
     <p:bldLst>
-      <p:bldP spid="4" grpId="0" build="p" animBg="1"/>
+      <p:bldP spid="4" grpId="0" uiExpand="1" build="p" animBg="1"/>
     </p:bldLst>
   </p:timing>
 </p:sld>
@@ -34415,7 +34159,7 @@
                             </p:stCondLst>
                             <p:childTnLst>
                               <p:par>
-                                <p:cTn id="5" presetID="2" presetClass="entr" presetSubtype="4" fill="hold" grpId="0" nodeType="clickEffect">
+                                <p:cTn id="5" presetID="1" presetClass="entr" presetSubtype="0" fill="hold" grpId="0" nodeType="clickEffect">
                                   <p:stCondLst>
                                     <p:cond delay="0"/>
                                   </p:stCondLst>
@@ -34438,52 +34182,6 @@
                                         <p:strVal val="visible"/>
                                       </p:to>
                                     </p:set>
-                                    <p:anim calcmode="lin" valueType="num">
-                                      <p:cBhvr additive="base">
-                                        <p:cTn id="7" dur="500" fill="hold"/>
-                                        <p:tgtEl>
-                                          <p:spTgt spid="2"/>
-                                        </p:tgtEl>
-                                        <p:attrNameLst>
-                                          <p:attrName>ppt_x</p:attrName>
-                                        </p:attrNameLst>
-                                      </p:cBhvr>
-                                      <p:tavLst>
-                                        <p:tav tm="0">
-                                          <p:val>
-                                            <p:strVal val="#ppt_x"/>
-                                          </p:val>
-                                        </p:tav>
-                                        <p:tav tm="100000">
-                                          <p:val>
-                                            <p:strVal val="#ppt_x"/>
-                                          </p:val>
-                                        </p:tav>
-                                      </p:tavLst>
-                                    </p:anim>
-                                    <p:anim calcmode="lin" valueType="num">
-                                      <p:cBhvr additive="base">
-                                        <p:cTn id="8" dur="500" fill="hold"/>
-                                        <p:tgtEl>
-                                          <p:spTgt spid="2"/>
-                                        </p:tgtEl>
-                                        <p:attrNameLst>
-                                          <p:attrName>ppt_y</p:attrName>
-                                        </p:attrNameLst>
-                                      </p:cBhvr>
-                                      <p:tavLst>
-                                        <p:tav tm="0">
-                                          <p:val>
-                                            <p:strVal val="1+#ppt_h/2"/>
-                                          </p:val>
-                                        </p:tav>
-                                        <p:tav tm="100000">
-                                          <p:val>
-                                            <p:strVal val="#ppt_y"/>
-                                          </p:val>
-                                        </p:tav>
-                                      </p:tavLst>
-                                    </p:anim>
                                   </p:childTnLst>
                                 </p:cTn>
                               </p:par>
@@ -34494,26 +34192,26 @@
                     </p:cTn>
                   </p:par>
                   <p:par>
-                    <p:cTn id="9" fill="hold">
+                    <p:cTn id="7" fill="hold">
                       <p:stCondLst>
                         <p:cond delay="indefinite"/>
                       </p:stCondLst>
                       <p:childTnLst>
                         <p:par>
-                          <p:cTn id="10" fill="hold">
+                          <p:cTn id="8" fill="hold">
                             <p:stCondLst>
                               <p:cond delay="0"/>
                             </p:stCondLst>
                             <p:childTnLst>
                               <p:par>
-                                <p:cTn id="11" presetID="2" presetClass="entr" presetSubtype="4" fill="hold" nodeType="clickEffect">
+                                <p:cTn id="9" presetID="1" presetClass="entr" presetSubtype="0" fill="hold" nodeType="clickEffect">
                                   <p:stCondLst>
                                     <p:cond delay="0"/>
                                   </p:stCondLst>
                                   <p:childTnLst>
                                     <p:set>
                                       <p:cBhvr>
-                                        <p:cTn id="12" dur="1" fill="hold">
+                                        <p:cTn id="10" dur="1" fill="hold">
                                           <p:stCondLst>
                                             <p:cond delay="0"/>
                                           </p:stCondLst>
@@ -34529,64 +34227,18 @@
                                         <p:strVal val="visible"/>
                                       </p:to>
                                     </p:set>
-                                    <p:anim calcmode="lin" valueType="num">
-                                      <p:cBhvr additive="base">
-                                        <p:cTn id="13" dur="500" fill="hold"/>
-                                        <p:tgtEl>
-                                          <p:spTgt spid="16"/>
-                                        </p:tgtEl>
-                                        <p:attrNameLst>
-                                          <p:attrName>ppt_x</p:attrName>
-                                        </p:attrNameLst>
-                                      </p:cBhvr>
-                                      <p:tavLst>
-                                        <p:tav tm="0">
-                                          <p:val>
-                                            <p:strVal val="#ppt_x"/>
-                                          </p:val>
-                                        </p:tav>
-                                        <p:tav tm="100000">
-                                          <p:val>
-                                            <p:strVal val="#ppt_x"/>
-                                          </p:val>
-                                        </p:tav>
-                                      </p:tavLst>
-                                    </p:anim>
-                                    <p:anim calcmode="lin" valueType="num">
-                                      <p:cBhvr additive="base">
-                                        <p:cTn id="14" dur="500" fill="hold"/>
-                                        <p:tgtEl>
-                                          <p:spTgt spid="16"/>
-                                        </p:tgtEl>
-                                        <p:attrNameLst>
-                                          <p:attrName>ppt_y</p:attrName>
-                                        </p:attrNameLst>
-                                      </p:cBhvr>
-                                      <p:tavLst>
-                                        <p:tav tm="0">
-                                          <p:val>
-                                            <p:strVal val="1+#ppt_h/2"/>
-                                          </p:val>
-                                        </p:tav>
-                                        <p:tav tm="100000">
-                                          <p:val>
-                                            <p:strVal val="#ppt_y"/>
-                                          </p:val>
-                                        </p:tav>
-                                      </p:tavLst>
-                                    </p:anim>
                                   </p:childTnLst>
                                 </p:cTn>
                               </p:par>
                               <p:par>
-                                <p:cTn id="15" presetID="2" presetClass="entr" presetSubtype="4" fill="hold" nodeType="withEffect">
+                                <p:cTn id="11" presetID="1" presetClass="entr" presetSubtype="0" fill="hold" nodeType="withEffect">
                                   <p:stCondLst>
                                     <p:cond delay="0"/>
                                   </p:stCondLst>
                                   <p:childTnLst>
                                     <p:set>
                                       <p:cBhvr>
-                                        <p:cTn id="16" dur="1" fill="hold">
+                                        <p:cTn id="12" dur="1" fill="hold">
                                           <p:stCondLst>
                                             <p:cond delay="0"/>
                                           </p:stCondLst>
@@ -34602,52 +34254,86 @@
                                         <p:strVal val="visible"/>
                                       </p:to>
                                     </p:set>
-                                    <p:anim calcmode="lin" valueType="num">
-                                      <p:cBhvr additive="base">
-                                        <p:cTn id="17" dur="500" fill="hold"/>
+                                  </p:childTnLst>
+                                </p:cTn>
+                              </p:par>
+                            </p:childTnLst>
+                          </p:cTn>
+                        </p:par>
+                      </p:childTnLst>
+                    </p:cTn>
+                  </p:par>
+                  <p:par>
+                    <p:cTn id="13" fill="hold">
+                      <p:stCondLst>
+                        <p:cond delay="indefinite"/>
+                      </p:stCondLst>
+                      <p:childTnLst>
+                        <p:par>
+                          <p:cTn id="14" fill="hold">
+                            <p:stCondLst>
+                              <p:cond delay="0"/>
+                            </p:stCondLst>
+                            <p:childTnLst>
+                              <p:par>
+                                <p:cTn id="15" presetID="1" presetClass="entr" presetSubtype="0" fill="hold" grpId="0" nodeType="clickEffect">
+                                  <p:stCondLst>
+                                    <p:cond delay="0"/>
+                                  </p:stCondLst>
+                                  <p:childTnLst>
+                                    <p:set>
+                                      <p:cBhvr>
+                                        <p:cTn id="16" dur="1" fill="hold">
+                                          <p:stCondLst>
+                                            <p:cond delay="0"/>
+                                          </p:stCondLst>
+                                        </p:cTn>
                                         <p:tgtEl>
-                                          <p:spTgt spid="5"/>
+                                          <p:spTgt spid="4">
+                                            <p:graphicEl>
+                                              <a:dgm id="{133D9D82-C18C-4E6C-BD78-CAC18A510840}"/>
+                                            </p:graphicEl>
+                                          </p:spTgt>
                                         </p:tgtEl>
                                         <p:attrNameLst>
-                                          <p:attrName>ppt_x</p:attrName>
+                                          <p:attrName>style.visibility</p:attrName>
                                         </p:attrNameLst>
                                       </p:cBhvr>
-                                      <p:tavLst>
-                                        <p:tav tm="0">
-                                          <p:val>
-                                            <p:strVal val="#ppt_x"/>
-                                          </p:val>
-                                        </p:tav>
-                                        <p:tav tm="100000">
-                                          <p:val>
-                                            <p:strVal val="#ppt_x"/>
-                                          </p:val>
-                                        </p:tav>
-                                      </p:tavLst>
-                                    </p:anim>
-                                    <p:anim calcmode="lin" valueType="num">
-                                      <p:cBhvr additive="base">
-                                        <p:cTn id="18" dur="500" fill="hold"/>
+                                      <p:to>
+                                        <p:strVal val="visible"/>
+                                      </p:to>
+                                    </p:set>
+                                  </p:childTnLst>
+                                </p:cTn>
+                              </p:par>
+                              <p:par>
+                                <p:cTn id="17" presetID="1" presetClass="entr" presetSubtype="0" fill="hold" grpId="0" nodeType="withEffect">
+                                  <p:stCondLst>
+                                    <p:cond delay="0"/>
+                                  </p:stCondLst>
+                                  <p:childTnLst>
+                                    <p:set>
+                                      <p:cBhvr>
+                                        <p:cTn id="18" dur="1" fill="hold">
+                                          <p:stCondLst>
+                                            <p:cond delay="0"/>
+                                          </p:stCondLst>
+                                        </p:cTn>
                                         <p:tgtEl>
-                                          <p:spTgt spid="5"/>
+                                          <p:spTgt spid="4">
+                                            <p:graphicEl>
+                                              <a:dgm id="{A5606B05-A0C0-4C29-8E8B-C69EB0594E2A}"/>
+                                            </p:graphicEl>
+                                          </p:spTgt>
                                         </p:tgtEl>
                                         <p:attrNameLst>
-                                          <p:attrName>ppt_y</p:attrName>
+                                          <p:attrName>style.visibility</p:attrName>
                                         </p:attrNameLst>
                                       </p:cBhvr>
-                                      <p:tavLst>
-                                        <p:tav tm="0">
-                                          <p:val>
-                                            <p:strVal val="1+#ppt_h/2"/>
-                                          </p:val>
-                                        </p:tav>
-                                        <p:tav tm="100000">
-                                          <p:val>
-                                            <p:strVal val="#ppt_y"/>
-                                          </p:val>
-                                        </p:tav>
-                                      </p:tavLst>
-                                    </p:anim>
+                                      <p:to>
+                                        <p:strVal val="visible"/>
+                                      </p:to>
+                                    </p:set>
                                   </p:childTnLst>
                                 </p:cTn>
                               </p:par>
@@ -34670,7 +34356,7 @@
                             </p:stCondLst>
                             <p:childTnLst>
                               <p:par>
-                                <p:cTn id="21" presetID="2" presetClass="entr" presetSubtype="4" fill="hold" grpId="0" nodeType="clickEffect">
+                                <p:cTn id="21" presetID="1" presetClass="entr" presetSubtype="0" fill="hold" grpId="0" nodeType="clickEffect">
                                   <p:stCondLst>
                                     <p:cond delay="0"/>
                                   </p:stCondLst>
@@ -34678,194 +34364,6 @@
                                     <p:set>
                                       <p:cBhvr>
                                         <p:cTn id="22" dur="1" fill="hold">
-                                          <p:stCondLst>
-                                            <p:cond delay="0"/>
-                                          </p:stCondLst>
-                                        </p:cTn>
-                                        <p:tgtEl>
-                                          <p:spTgt spid="4">
-                                            <p:graphicEl>
-                                              <a:dgm id="{133D9D82-C18C-4E6C-BD78-CAC18A510840}"/>
-                                            </p:graphicEl>
-                                          </p:spTgt>
-                                        </p:tgtEl>
-                                        <p:attrNameLst>
-                                          <p:attrName>style.visibility</p:attrName>
-                                        </p:attrNameLst>
-                                      </p:cBhvr>
-                                      <p:to>
-                                        <p:strVal val="visible"/>
-                                      </p:to>
-                                    </p:set>
-                                    <p:anim calcmode="lin" valueType="num">
-                                      <p:cBhvr additive="base">
-                                        <p:cTn id="23" dur="500" fill="hold"/>
-                                        <p:tgtEl>
-                                          <p:spTgt spid="4">
-                                            <p:graphicEl>
-                                              <a:dgm id="{133D9D82-C18C-4E6C-BD78-CAC18A510840}"/>
-                                            </p:graphicEl>
-                                          </p:spTgt>
-                                        </p:tgtEl>
-                                        <p:attrNameLst>
-                                          <p:attrName>ppt_x</p:attrName>
-                                        </p:attrNameLst>
-                                      </p:cBhvr>
-                                      <p:tavLst>
-                                        <p:tav tm="0">
-                                          <p:val>
-                                            <p:strVal val="#ppt_x"/>
-                                          </p:val>
-                                        </p:tav>
-                                        <p:tav tm="100000">
-                                          <p:val>
-                                            <p:strVal val="#ppt_x"/>
-                                          </p:val>
-                                        </p:tav>
-                                      </p:tavLst>
-                                    </p:anim>
-                                    <p:anim calcmode="lin" valueType="num">
-                                      <p:cBhvr additive="base">
-                                        <p:cTn id="24" dur="500" fill="hold"/>
-                                        <p:tgtEl>
-                                          <p:spTgt spid="4">
-                                            <p:graphicEl>
-                                              <a:dgm id="{133D9D82-C18C-4E6C-BD78-CAC18A510840}"/>
-                                            </p:graphicEl>
-                                          </p:spTgt>
-                                        </p:tgtEl>
-                                        <p:attrNameLst>
-                                          <p:attrName>ppt_y</p:attrName>
-                                        </p:attrNameLst>
-                                      </p:cBhvr>
-                                      <p:tavLst>
-                                        <p:tav tm="0">
-                                          <p:val>
-                                            <p:strVal val="1+#ppt_h/2"/>
-                                          </p:val>
-                                        </p:tav>
-                                        <p:tav tm="100000">
-                                          <p:val>
-                                            <p:strVal val="#ppt_y"/>
-                                          </p:val>
-                                        </p:tav>
-                                      </p:tavLst>
-                                    </p:anim>
-                                  </p:childTnLst>
-                                </p:cTn>
-                              </p:par>
-                              <p:par>
-                                <p:cTn id="25" presetID="2" presetClass="entr" presetSubtype="4" fill="hold" grpId="0" nodeType="withEffect">
-                                  <p:stCondLst>
-                                    <p:cond delay="0"/>
-                                  </p:stCondLst>
-                                  <p:childTnLst>
-                                    <p:set>
-                                      <p:cBhvr>
-                                        <p:cTn id="26" dur="1" fill="hold">
-                                          <p:stCondLst>
-                                            <p:cond delay="0"/>
-                                          </p:stCondLst>
-                                        </p:cTn>
-                                        <p:tgtEl>
-                                          <p:spTgt spid="4">
-                                            <p:graphicEl>
-                                              <a:dgm id="{A5606B05-A0C0-4C29-8E8B-C69EB0594E2A}"/>
-                                            </p:graphicEl>
-                                          </p:spTgt>
-                                        </p:tgtEl>
-                                        <p:attrNameLst>
-                                          <p:attrName>style.visibility</p:attrName>
-                                        </p:attrNameLst>
-                                      </p:cBhvr>
-                                      <p:to>
-                                        <p:strVal val="visible"/>
-                                      </p:to>
-                                    </p:set>
-                                    <p:anim calcmode="lin" valueType="num">
-                                      <p:cBhvr additive="base">
-                                        <p:cTn id="27" dur="500" fill="hold"/>
-                                        <p:tgtEl>
-                                          <p:spTgt spid="4">
-                                            <p:graphicEl>
-                                              <a:dgm id="{A5606B05-A0C0-4C29-8E8B-C69EB0594E2A}"/>
-                                            </p:graphicEl>
-                                          </p:spTgt>
-                                        </p:tgtEl>
-                                        <p:attrNameLst>
-                                          <p:attrName>ppt_x</p:attrName>
-                                        </p:attrNameLst>
-                                      </p:cBhvr>
-                                      <p:tavLst>
-                                        <p:tav tm="0">
-                                          <p:val>
-                                            <p:strVal val="#ppt_x"/>
-                                          </p:val>
-                                        </p:tav>
-                                        <p:tav tm="100000">
-                                          <p:val>
-                                            <p:strVal val="#ppt_x"/>
-                                          </p:val>
-                                        </p:tav>
-                                      </p:tavLst>
-                                    </p:anim>
-                                    <p:anim calcmode="lin" valueType="num">
-                                      <p:cBhvr additive="base">
-                                        <p:cTn id="28" dur="500" fill="hold"/>
-                                        <p:tgtEl>
-                                          <p:spTgt spid="4">
-                                            <p:graphicEl>
-                                              <a:dgm id="{A5606B05-A0C0-4C29-8E8B-C69EB0594E2A}"/>
-                                            </p:graphicEl>
-                                          </p:spTgt>
-                                        </p:tgtEl>
-                                        <p:attrNameLst>
-                                          <p:attrName>ppt_y</p:attrName>
-                                        </p:attrNameLst>
-                                      </p:cBhvr>
-                                      <p:tavLst>
-                                        <p:tav tm="0">
-                                          <p:val>
-                                            <p:strVal val="1+#ppt_h/2"/>
-                                          </p:val>
-                                        </p:tav>
-                                        <p:tav tm="100000">
-                                          <p:val>
-                                            <p:strVal val="#ppt_y"/>
-                                          </p:val>
-                                        </p:tav>
-                                      </p:tavLst>
-                                    </p:anim>
-                                  </p:childTnLst>
-                                </p:cTn>
-                              </p:par>
-                            </p:childTnLst>
-                          </p:cTn>
-                        </p:par>
-                      </p:childTnLst>
-                    </p:cTn>
-                  </p:par>
-                  <p:par>
-                    <p:cTn id="29" fill="hold">
-                      <p:stCondLst>
-                        <p:cond delay="indefinite"/>
-                      </p:stCondLst>
-                      <p:childTnLst>
-                        <p:par>
-                          <p:cTn id="30" fill="hold">
-                            <p:stCondLst>
-                              <p:cond delay="0"/>
-                            </p:stCondLst>
-                            <p:childTnLst>
-                              <p:par>
-                                <p:cTn id="31" presetID="2" presetClass="entr" presetSubtype="4" fill="hold" grpId="0" nodeType="clickEffect">
-                                  <p:stCondLst>
-                                    <p:cond delay="0"/>
-                                  </p:stCondLst>
-                                  <p:childTnLst>
-                                    <p:set>
-                                      <p:cBhvr>
-                                        <p:cTn id="32" dur="1" fill="hold">
                                           <p:stCondLst>
                                             <p:cond delay="0"/>
                                           </p:stCondLst>
@@ -34885,60 +34383,6 @@
                                         <p:strVal val="visible"/>
                                       </p:to>
                                     </p:set>
-                                    <p:anim calcmode="lin" valueType="num">
-                                      <p:cBhvr additive="base">
-                                        <p:cTn id="33" dur="500" fill="hold"/>
-                                        <p:tgtEl>
-                                          <p:spTgt spid="4">
-                                            <p:graphicEl>
-                                              <a:dgm id="{64B1E964-3DC6-4415-9A5E-A83325ACA918}"/>
-                                            </p:graphicEl>
-                                          </p:spTgt>
-                                        </p:tgtEl>
-                                        <p:attrNameLst>
-                                          <p:attrName>ppt_x</p:attrName>
-                                        </p:attrNameLst>
-                                      </p:cBhvr>
-                                      <p:tavLst>
-                                        <p:tav tm="0">
-                                          <p:val>
-                                            <p:strVal val="#ppt_x"/>
-                                          </p:val>
-                                        </p:tav>
-                                        <p:tav tm="100000">
-                                          <p:val>
-                                            <p:strVal val="#ppt_x"/>
-                                          </p:val>
-                                        </p:tav>
-                                      </p:tavLst>
-                                    </p:anim>
-                                    <p:anim calcmode="lin" valueType="num">
-                                      <p:cBhvr additive="base">
-                                        <p:cTn id="34" dur="500" fill="hold"/>
-                                        <p:tgtEl>
-                                          <p:spTgt spid="4">
-                                            <p:graphicEl>
-                                              <a:dgm id="{64B1E964-3DC6-4415-9A5E-A83325ACA918}"/>
-                                            </p:graphicEl>
-                                          </p:spTgt>
-                                        </p:tgtEl>
-                                        <p:attrNameLst>
-                                          <p:attrName>ppt_y</p:attrName>
-                                        </p:attrNameLst>
-                                      </p:cBhvr>
-                                      <p:tavLst>
-                                        <p:tav tm="0">
-                                          <p:val>
-                                            <p:strVal val="1+#ppt_h/2"/>
-                                          </p:val>
-                                        </p:tav>
-                                        <p:tav tm="100000">
-                                          <p:val>
-                                            <p:strVal val="#ppt_y"/>
-                                          </p:val>
-                                        </p:tav>
-                                      </p:tavLst>
-                                    </p:anim>
                                   </p:childTnLst>
                                 </p:cTn>
                               </p:par>
@@ -34949,26 +34393,26 @@
                     </p:cTn>
                   </p:par>
                   <p:par>
-                    <p:cTn id="35" fill="hold">
+                    <p:cTn id="23" fill="hold">
                       <p:stCondLst>
                         <p:cond delay="indefinite"/>
                       </p:stCondLst>
                       <p:childTnLst>
                         <p:par>
-                          <p:cTn id="36" fill="hold">
+                          <p:cTn id="24" fill="hold">
                             <p:stCondLst>
                               <p:cond delay="0"/>
                             </p:stCondLst>
                             <p:childTnLst>
                               <p:par>
-                                <p:cTn id="37" presetID="2" presetClass="entr" presetSubtype="4" fill="hold" grpId="0" nodeType="clickEffect">
+                                <p:cTn id="25" presetID="1" presetClass="entr" presetSubtype="0" fill="hold" grpId="0" nodeType="clickEffect">
                                   <p:stCondLst>
                                     <p:cond delay="0"/>
                                   </p:stCondLst>
                                   <p:childTnLst>
                                     <p:set>
                                       <p:cBhvr>
-                                        <p:cTn id="38" dur="1" fill="hold">
+                                        <p:cTn id="26" dur="1" fill="hold">
                                           <p:stCondLst>
                                             <p:cond delay="0"/>
                                           </p:stCondLst>
@@ -34988,60 +34432,6 @@
                                         <p:strVal val="visible"/>
                                       </p:to>
                                     </p:set>
-                                    <p:anim calcmode="lin" valueType="num">
-                                      <p:cBhvr additive="base">
-                                        <p:cTn id="39" dur="500" fill="hold"/>
-                                        <p:tgtEl>
-                                          <p:spTgt spid="4">
-                                            <p:graphicEl>
-                                              <a:dgm id="{CD60A385-9B88-44DC-960E-2CDB3996E30E}"/>
-                                            </p:graphicEl>
-                                          </p:spTgt>
-                                        </p:tgtEl>
-                                        <p:attrNameLst>
-                                          <p:attrName>ppt_x</p:attrName>
-                                        </p:attrNameLst>
-                                      </p:cBhvr>
-                                      <p:tavLst>
-                                        <p:tav tm="0">
-                                          <p:val>
-                                            <p:strVal val="#ppt_x"/>
-                                          </p:val>
-                                        </p:tav>
-                                        <p:tav tm="100000">
-                                          <p:val>
-                                            <p:strVal val="#ppt_x"/>
-                                          </p:val>
-                                        </p:tav>
-                                      </p:tavLst>
-                                    </p:anim>
-                                    <p:anim calcmode="lin" valueType="num">
-                                      <p:cBhvr additive="base">
-                                        <p:cTn id="40" dur="500" fill="hold"/>
-                                        <p:tgtEl>
-                                          <p:spTgt spid="4">
-                                            <p:graphicEl>
-                                              <a:dgm id="{CD60A385-9B88-44DC-960E-2CDB3996E30E}"/>
-                                            </p:graphicEl>
-                                          </p:spTgt>
-                                        </p:tgtEl>
-                                        <p:attrNameLst>
-                                          <p:attrName>ppt_y</p:attrName>
-                                        </p:attrNameLst>
-                                      </p:cBhvr>
-                                      <p:tavLst>
-                                        <p:tav tm="0">
-                                          <p:val>
-                                            <p:strVal val="1+#ppt_h/2"/>
-                                          </p:val>
-                                        </p:tav>
-                                        <p:tav tm="100000">
-                                          <p:val>
-                                            <p:strVal val="#ppt_y"/>
-                                          </p:val>
-                                        </p:tav>
-                                      </p:tavLst>
-                                    </p:anim>
                                   </p:childTnLst>
                                 </p:cTn>
                               </p:par>
@@ -35052,26 +34442,26 @@
                     </p:cTn>
                   </p:par>
                   <p:par>
-                    <p:cTn id="41" fill="hold">
+                    <p:cTn id="27" fill="hold">
                       <p:stCondLst>
                         <p:cond delay="indefinite"/>
                       </p:stCondLst>
                       <p:childTnLst>
                         <p:par>
-                          <p:cTn id="42" fill="hold">
+                          <p:cTn id="28" fill="hold">
                             <p:stCondLst>
                               <p:cond delay="0"/>
                             </p:stCondLst>
                             <p:childTnLst>
                               <p:par>
-                                <p:cTn id="43" presetID="2" presetClass="entr" presetSubtype="4" fill="hold" grpId="0" nodeType="clickEffect">
+                                <p:cTn id="29" presetID="1" presetClass="entr" presetSubtype="0" fill="hold" grpId="0" nodeType="clickEffect">
                                   <p:stCondLst>
                                     <p:cond delay="0"/>
                                   </p:stCondLst>
                                   <p:childTnLst>
                                     <p:set>
                                       <p:cBhvr>
-                                        <p:cTn id="44" dur="1" fill="hold">
+                                        <p:cTn id="30" dur="1" fill="hold">
                                           <p:stCondLst>
                                             <p:cond delay="0"/>
                                           </p:stCondLst>
@@ -35091,60 +34481,6 @@
                                         <p:strVal val="visible"/>
                                       </p:to>
                                     </p:set>
-                                    <p:anim calcmode="lin" valueType="num">
-                                      <p:cBhvr additive="base">
-                                        <p:cTn id="45" dur="500" fill="hold"/>
-                                        <p:tgtEl>
-                                          <p:spTgt spid="4">
-                                            <p:graphicEl>
-                                              <a:dgm id="{A0DBA043-27DC-495C-B1C4-80BB13CF934D}"/>
-                                            </p:graphicEl>
-                                          </p:spTgt>
-                                        </p:tgtEl>
-                                        <p:attrNameLst>
-                                          <p:attrName>ppt_x</p:attrName>
-                                        </p:attrNameLst>
-                                      </p:cBhvr>
-                                      <p:tavLst>
-                                        <p:tav tm="0">
-                                          <p:val>
-                                            <p:strVal val="#ppt_x"/>
-                                          </p:val>
-                                        </p:tav>
-                                        <p:tav tm="100000">
-                                          <p:val>
-                                            <p:strVal val="#ppt_x"/>
-                                          </p:val>
-                                        </p:tav>
-                                      </p:tavLst>
-                                    </p:anim>
-                                    <p:anim calcmode="lin" valueType="num">
-                                      <p:cBhvr additive="base">
-                                        <p:cTn id="46" dur="500" fill="hold"/>
-                                        <p:tgtEl>
-                                          <p:spTgt spid="4">
-                                            <p:graphicEl>
-                                              <a:dgm id="{A0DBA043-27DC-495C-B1C4-80BB13CF934D}"/>
-                                            </p:graphicEl>
-                                          </p:spTgt>
-                                        </p:tgtEl>
-                                        <p:attrNameLst>
-                                          <p:attrName>ppt_y</p:attrName>
-                                        </p:attrNameLst>
-                                      </p:cBhvr>
-                                      <p:tavLst>
-                                        <p:tav tm="0">
-                                          <p:val>
-                                            <p:strVal val="1+#ppt_h/2"/>
-                                          </p:val>
-                                        </p:tav>
-                                        <p:tav tm="100000">
-                                          <p:val>
-                                            <p:strVal val="#ppt_y"/>
-                                          </p:val>
-                                        </p:tav>
-                                      </p:tavLst>
-                                    </p:anim>
                                   </p:childTnLst>
                                 </p:cTn>
                               </p:par>
@@ -35332,7 +34668,7 @@
                             </p:stCondLst>
                             <p:childTnLst>
                               <p:par>
-                                <p:cTn id="5" presetID="2" presetClass="entr" presetSubtype="4" fill="hold" grpId="0" nodeType="clickEffect">
+                                <p:cTn id="5" presetID="1" presetClass="entr" presetSubtype="0" fill="hold" grpId="0" nodeType="clickEffect">
                                   <p:stCondLst>
                                     <p:cond delay="0"/>
                                   </p:stCondLst>
@@ -35357,56 +34693,37 @@
                                         <p:strVal val="visible"/>
                                       </p:to>
                                     </p:set>
-                                    <p:anim calcmode="lin" valueType="num">
-                                      <p:cBhvr additive="base">
-                                        <p:cTn id="7" dur="500" fill="hold"/>
+                                  </p:childTnLst>
+                                </p:cTn>
+                              </p:par>
+                              <p:par>
+                                <p:cTn id="7" presetID="1" presetClass="entr" presetSubtype="0" fill="hold" grpId="0" nodeType="withEffect">
+                                  <p:stCondLst>
+                                    <p:cond delay="0"/>
+                                  </p:stCondLst>
+                                  <p:childTnLst>
+                                    <p:set>
+                                      <p:cBhvr>
+                                        <p:cTn id="8" dur="1" fill="hold">
+                                          <p:stCondLst>
+                                            <p:cond delay="0"/>
+                                          </p:stCondLst>
+                                        </p:cTn>
                                         <p:tgtEl>
                                           <p:spTgt spid="4">
-                                            <p:bg/>
+                                            <p:txEl>
+                                              <p:pRg st="0" end="0"/>
+                                            </p:txEl>
                                           </p:spTgt>
                                         </p:tgtEl>
                                         <p:attrNameLst>
-                                          <p:attrName>ppt_x</p:attrName>
+                                          <p:attrName>style.visibility</p:attrName>
                                         </p:attrNameLst>
                                       </p:cBhvr>
-                                      <p:tavLst>
-                                        <p:tav tm="0">
-                                          <p:val>
-                                            <p:strVal val="#ppt_x"/>
-                                          </p:val>
-                                        </p:tav>
-                                        <p:tav tm="100000">
-                                          <p:val>
-                                            <p:strVal val="#ppt_x"/>
-                                          </p:val>
-                                        </p:tav>
-                                      </p:tavLst>
-                                    </p:anim>
-                                    <p:anim calcmode="lin" valueType="num">
-                                      <p:cBhvr additive="base">
-                                        <p:cTn id="8" dur="500" fill="hold"/>
-                                        <p:tgtEl>
-                                          <p:spTgt spid="4">
-                                            <p:bg/>
-                                          </p:spTgt>
-                                        </p:tgtEl>
-                                        <p:attrNameLst>
-                                          <p:attrName>ppt_y</p:attrName>
-                                        </p:attrNameLst>
-                                      </p:cBhvr>
-                                      <p:tavLst>
-                                        <p:tav tm="0">
-                                          <p:val>
-                                            <p:strVal val="1+#ppt_h/2"/>
-                                          </p:val>
-                                        </p:tav>
-                                        <p:tav tm="100000">
-                                          <p:val>
-                                            <p:strVal val="#ppt_y"/>
-                                          </p:val>
-                                        </p:tav>
-                                      </p:tavLst>
-                                    </p:anim>
+                                      <p:to>
+                                        <p:strVal val="visible"/>
+                                      </p:to>
+                                    </p:set>
                                   </p:childTnLst>
                                 </p:cTn>
                               </p:par>
@@ -35429,7 +34746,7 @@
                             </p:stCondLst>
                             <p:childTnLst>
                               <p:par>
-                                <p:cTn id="11" presetID="2" presetClass="entr" presetSubtype="4" fill="hold" grpId="0" nodeType="clickEffect">
+                                <p:cTn id="11" presetID="1" presetClass="entr" presetSubtype="0" fill="hold" grpId="0" nodeType="clickEffect">
                                   <p:stCondLst>
                                     <p:cond delay="0"/>
                                   </p:stCondLst>
@@ -35442,10 +34759,10 @@
                                           </p:stCondLst>
                                         </p:cTn>
                                         <p:tgtEl>
-                                          <p:spTgt spid="4">
-                                            <p:txEl>
-                                              <p:pRg st="0" end="0"/>
-                                            </p:txEl>
+                                          <p:spTgt spid="27">
+                                            <p:graphicEl>
+                                              <a:dgm id="{754CBADF-7C1E-4197-9623-DE30F3C029AC}"/>
+                                            </p:graphicEl>
                                           </p:spTgt>
                                         </p:tgtEl>
                                         <p:attrNameLst>
@@ -35456,60 +34773,37 @@
                                         <p:strVal val="visible"/>
                                       </p:to>
                                     </p:set>
-                                    <p:anim calcmode="lin" valueType="num">
-                                      <p:cBhvr additive="base">
-                                        <p:cTn id="13" dur="500" fill="hold"/>
+                                  </p:childTnLst>
+                                </p:cTn>
+                              </p:par>
+                              <p:par>
+                                <p:cTn id="13" presetID="1" presetClass="entr" presetSubtype="0" fill="hold" grpId="0" nodeType="withEffect">
+                                  <p:stCondLst>
+                                    <p:cond delay="0"/>
+                                  </p:stCondLst>
+                                  <p:childTnLst>
+                                    <p:set>
+                                      <p:cBhvr>
+                                        <p:cTn id="14" dur="1" fill="hold">
+                                          <p:stCondLst>
+                                            <p:cond delay="0"/>
+                                          </p:stCondLst>
+                                        </p:cTn>
                                         <p:tgtEl>
-                                          <p:spTgt spid="4">
-                                            <p:txEl>
-                                              <p:pRg st="0" end="0"/>
-                                            </p:txEl>
+                                          <p:spTgt spid="27">
+                                            <p:graphicEl>
+                                              <a:dgm id="{538C1F93-2633-4DB7-AA7D-A5DE4FC8CB5A}"/>
+                                            </p:graphicEl>
                                           </p:spTgt>
                                         </p:tgtEl>
                                         <p:attrNameLst>
-                                          <p:attrName>ppt_x</p:attrName>
+                                          <p:attrName>style.visibility</p:attrName>
                                         </p:attrNameLst>
                                       </p:cBhvr>
-                                      <p:tavLst>
-                                        <p:tav tm="0">
-                                          <p:val>
-                                            <p:strVal val="#ppt_x"/>
-                                          </p:val>
-                                        </p:tav>
-                                        <p:tav tm="100000">
-                                          <p:val>
-                                            <p:strVal val="#ppt_x"/>
-                                          </p:val>
-                                        </p:tav>
-                                      </p:tavLst>
-                                    </p:anim>
-                                    <p:anim calcmode="lin" valueType="num">
-                                      <p:cBhvr additive="base">
-                                        <p:cTn id="14" dur="500" fill="hold"/>
-                                        <p:tgtEl>
-                                          <p:spTgt spid="4">
-                                            <p:txEl>
-                                              <p:pRg st="0" end="0"/>
-                                            </p:txEl>
-                                          </p:spTgt>
-                                        </p:tgtEl>
-                                        <p:attrNameLst>
-                                          <p:attrName>ppt_y</p:attrName>
-                                        </p:attrNameLst>
-                                      </p:cBhvr>
-                                      <p:tavLst>
-                                        <p:tav tm="0">
-                                          <p:val>
-                                            <p:strVal val="1+#ppt_h/2"/>
-                                          </p:val>
-                                        </p:tav>
-                                        <p:tav tm="100000">
-                                          <p:val>
-                                            <p:strVal val="#ppt_y"/>
-                                          </p:val>
-                                        </p:tav>
-                                      </p:tavLst>
-                                    </p:anim>
+                                      <p:to>
+                                        <p:strVal val="visible"/>
+                                      </p:to>
+                                    </p:set>
                                   </p:childTnLst>
                                 </p:cTn>
                               </p:par>
@@ -35532,7 +34826,7 @@
                             </p:stCondLst>
                             <p:childTnLst>
                               <p:par>
-                                <p:cTn id="17" presetID="2" presetClass="entr" presetSubtype="4" fill="hold" grpId="0" nodeType="clickEffect">
+                                <p:cTn id="17" presetID="1" presetClass="entr" presetSubtype="0" fill="hold" grpId="0" nodeType="clickEffect">
                                   <p:stCondLst>
                                     <p:cond delay="0"/>
                                   </p:stCondLst>
@@ -35540,194 +34834,6 @@
                                     <p:set>
                                       <p:cBhvr>
                                         <p:cTn id="18" dur="1" fill="hold">
-                                          <p:stCondLst>
-                                            <p:cond delay="0"/>
-                                          </p:stCondLst>
-                                        </p:cTn>
-                                        <p:tgtEl>
-                                          <p:spTgt spid="27">
-                                            <p:graphicEl>
-                                              <a:dgm id="{754CBADF-7C1E-4197-9623-DE30F3C029AC}"/>
-                                            </p:graphicEl>
-                                          </p:spTgt>
-                                        </p:tgtEl>
-                                        <p:attrNameLst>
-                                          <p:attrName>style.visibility</p:attrName>
-                                        </p:attrNameLst>
-                                      </p:cBhvr>
-                                      <p:to>
-                                        <p:strVal val="visible"/>
-                                      </p:to>
-                                    </p:set>
-                                    <p:anim calcmode="lin" valueType="num">
-                                      <p:cBhvr additive="base">
-                                        <p:cTn id="19" dur="500" fill="hold"/>
-                                        <p:tgtEl>
-                                          <p:spTgt spid="27">
-                                            <p:graphicEl>
-                                              <a:dgm id="{754CBADF-7C1E-4197-9623-DE30F3C029AC}"/>
-                                            </p:graphicEl>
-                                          </p:spTgt>
-                                        </p:tgtEl>
-                                        <p:attrNameLst>
-                                          <p:attrName>ppt_x</p:attrName>
-                                        </p:attrNameLst>
-                                      </p:cBhvr>
-                                      <p:tavLst>
-                                        <p:tav tm="0">
-                                          <p:val>
-                                            <p:strVal val="#ppt_x"/>
-                                          </p:val>
-                                        </p:tav>
-                                        <p:tav tm="100000">
-                                          <p:val>
-                                            <p:strVal val="#ppt_x"/>
-                                          </p:val>
-                                        </p:tav>
-                                      </p:tavLst>
-                                    </p:anim>
-                                    <p:anim calcmode="lin" valueType="num">
-                                      <p:cBhvr additive="base">
-                                        <p:cTn id="20" dur="500" fill="hold"/>
-                                        <p:tgtEl>
-                                          <p:spTgt spid="27">
-                                            <p:graphicEl>
-                                              <a:dgm id="{754CBADF-7C1E-4197-9623-DE30F3C029AC}"/>
-                                            </p:graphicEl>
-                                          </p:spTgt>
-                                        </p:tgtEl>
-                                        <p:attrNameLst>
-                                          <p:attrName>ppt_y</p:attrName>
-                                        </p:attrNameLst>
-                                      </p:cBhvr>
-                                      <p:tavLst>
-                                        <p:tav tm="0">
-                                          <p:val>
-                                            <p:strVal val="1+#ppt_h/2"/>
-                                          </p:val>
-                                        </p:tav>
-                                        <p:tav tm="100000">
-                                          <p:val>
-                                            <p:strVal val="#ppt_y"/>
-                                          </p:val>
-                                        </p:tav>
-                                      </p:tavLst>
-                                    </p:anim>
-                                  </p:childTnLst>
-                                </p:cTn>
-                              </p:par>
-                              <p:par>
-                                <p:cTn id="21" presetID="2" presetClass="entr" presetSubtype="4" fill="hold" grpId="0" nodeType="withEffect">
-                                  <p:stCondLst>
-                                    <p:cond delay="0"/>
-                                  </p:stCondLst>
-                                  <p:childTnLst>
-                                    <p:set>
-                                      <p:cBhvr>
-                                        <p:cTn id="22" dur="1" fill="hold">
-                                          <p:stCondLst>
-                                            <p:cond delay="0"/>
-                                          </p:stCondLst>
-                                        </p:cTn>
-                                        <p:tgtEl>
-                                          <p:spTgt spid="27">
-                                            <p:graphicEl>
-                                              <a:dgm id="{538C1F93-2633-4DB7-AA7D-A5DE4FC8CB5A}"/>
-                                            </p:graphicEl>
-                                          </p:spTgt>
-                                        </p:tgtEl>
-                                        <p:attrNameLst>
-                                          <p:attrName>style.visibility</p:attrName>
-                                        </p:attrNameLst>
-                                      </p:cBhvr>
-                                      <p:to>
-                                        <p:strVal val="visible"/>
-                                      </p:to>
-                                    </p:set>
-                                    <p:anim calcmode="lin" valueType="num">
-                                      <p:cBhvr additive="base">
-                                        <p:cTn id="23" dur="500" fill="hold"/>
-                                        <p:tgtEl>
-                                          <p:spTgt spid="27">
-                                            <p:graphicEl>
-                                              <a:dgm id="{538C1F93-2633-4DB7-AA7D-A5DE4FC8CB5A}"/>
-                                            </p:graphicEl>
-                                          </p:spTgt>
-                                        </p:tgtEl>
-                                        <p:attrNameLst>
-                                          <p:attrName>ppt_x</p:attrName>
-                                        </p:attrNameLst>
-                                      </p:cBhvr>
-                                      <p:tavLst>
-                                        <p:tav tm="0">
-                                          <p:val>
-                                            <p:strVal val="#ppt_x"/>
-                                          </p:val>
-                                        </p:tav>
-                                        <p:tav tm="100000">
-                                          <p:val>
-                                            <p:strVal val="#ppt_x"/>
-                                          </p:val>
-                                        </p:tav>
-                                      </p:tavLst>
-                                    </p:anim>
-                                    <p:anim calcmode="lin" valueType="num">
-                                      <p:cBhvr additive="base">
-                                        <p:cTn id="24" dur="500" fill="hold"/>
-                                        <p:tgtEl>
-                                          <p:spTgt spid="27">
-                                            <p:graphicEl>
-                                              <a:dgm id="{538C1F93-2633-4DB7-AA7D-A5DE4FC8CB5A}"/>
-                                            </p:graphicEl>
-                                          </p:spTgt>
-                                        </p:tgtEl>
-                                        <p:attrNameLst>
-                                          <p:attrName>ppt_y</p:attrName>
-                                        </p:attrNameLst>
-                                      </p:cBhvr>
-                                      <p:tavLst>
-                                        <p:tav tm="0">
-                                          <p:val>
-                                            <p:strVal val="1+#ppt_h/2"/>
-                                          </p:val>
-                                        </p:tav>
-                                        <p:tav tm="100000">
-                                          <p:val>
-                                            <p:strVal val="#ppt_y"/>
-                                          </p:val>
-                                        </p:tav>
-                                      </p:tavLst>
-                                    </p:anim>
-                                  </p:childTnLst>
-                                </p:cTn>
-                              </p:par>
-                            </p:childTnLst>
-                          </p:cTn>
-                        </p:par>
-                      </p:childTnLst>
-                    </p:cTn>
-                  </p:par>
-                  <p:par>
-                    <p:cTn id="25" fill="hold">
-                      <p:stCondLst>
-                        <p:cond delay="indefinite"/>
-                      </p:stCondLst>
-                      <p:childTnLst>
-                        <p:par>
-                          <p:cTn id="26" fill="hold">
-                            <p:stCondLst>
-                              <p:cond delay="0"/>
-                            </p:stCondLst>
-                            <p:childTnLst>
-                              <p:par>
-                                <p:cTn id="27" presetID="2" presetClass="entr" presetSubtype="4" fill="hold" grpId="0" nodeType="clickEffect">
-                                  <p:stCondLst>
-                                    <p:cond delay="0"/>
-                                  </p:stCondLst>
-                                  <p:childTnLst>
-                                    <p:set>
-                                      <p:cBhvr>
-                                        <p:cTn id="28" dur="1" fill="hold">
                                           <p:stCondLst>
                                             <p:cond delay="0"/>
                                           </p:stCondLst>
@@ -35747,72 +34853,18 @@
                                         <p:strVal val="visible"/>
                                       </p:to>
                                     </p:set>
-                                    <p:anim calcmode="lin" valueType="num">
-                                      <p:cBhvr additive="base">
-                                        <p:cTn id="29" dur="500" fill="hold"/>
-                                        <p:tgtEl>
-                                          <p:spTgt spid="27">
-                                            <p:graphicEl>
-                                              <a:dgm id="{B732AFC3-CBCB-40BD-93FB-614BAC717596}"/>
-                                            </p:graphicEl>
-                                          </p:spTgt>
-                                        </p:tgtEl>
-                                        <p:attrNameLst>
-                                          <p:attrName>ppt_x</p:attrName>
-                                        </p:attrNameLst>
-                                      </p:cBhvr>
-                                      <p:tavLst>
-                                        <p:tav tm="0">
-                                          <p:val>
-                                            <p:strVal val="#ppt_x"/>
-                                          </p:val>
-                                        </p:tav>
-                                        <p:tav tm="100000">
-                                          <p:val>
-                                            <p:strVal val="#ppt_x"/>
-                                          </p:val>
-                                        </p:tav>
-                                      </p:tavLst>
-                                    </p:anim>
-                                    <p:anim calcmode="lin" valueType="num">
-                                      <p:cBhvr additive="base">
-                                        <p:cTn id="30" dur="500" fill="hold"/>
-                                        <p:tgtEl>
-                                          <p:spTgt spid="27">
-                                            <p:graphicEl>
-                                              <a:dgm id="{B732AFC3-CBCB-40BD-93FB-614BAC717596}"/>
-                                            </p:graphicEl>
-                                          </p:spTgt>
-                                        </p:tgtEl>
-                                        <p:attrNameLst>
-                                          <p:attrName>ppt_y</p:attrName>
-                                        </p:attrNameLst>
-                                      </p:cBhvr>
-                                      <p:tavLst>
-                                        <p:tav tm="0">
-                                          <p:val>
-                                            <p:strVal val="1+#ppt_h/2"/>
-                                          </p:val>
-                                        </p:tav>
-                                        <p:tav tm="100000">
-                                          <p:val>
-                                            <p:strVal val="#ppt_y"/>
-                                          </p:val>
-                                        </p:tav>
-                                      </p:tavLst>
-                                    </p:anim>
                                   </p:childTnLst>
                                 </p:cTn>
                               </p:par>
                               <p:par>
-                                <p:cTn id="31" presetID="2" presetClass="entr" presetSubtype="4" fill="hold" grpId="0" nodeType="withEffect">
+                                <p:cTn id="19" presetID="1" presetClass="entr" presetSubtype="0" fill="hold" grpId="0" nodeType="withEffect">
                                   <p:stCondLst>
                                     <p:cond delay="0"/>
                                   </p:stCondLst>
                                   <p:childTnLst>
                                     <p:set>
                                       <p:cBhvr>
-                                        <p:cTn id="32" dur="1" fill="hold">
+                                        <p:cTn id="20" dur="1" fill="hold">
                                           <p:stCondLst>
                                             <p:cond delay="0"/>
                                           </p:stCondLst>
@@ -35832,60 +34884,6 @@
                                         <p:strVal val="visible"/>
                                       </p:to>
                                     </p:set>
-                                    <p:anim calcmode="lin" valueType="num">
-                                      <p:cBhvr additive="base">
-                                        <p:cTn id="33" dur="500" fill="hold"/>
-                                        <p:tgtEl>
-                                          <p:spTgt spid="27">
-                                            <p:graphicEl>
-                                              <a:dgm id="{00C18325-64BA-4230-8D42-A8CBBE2E541A}"/>
-                                            </p:graphicEl>
-                                          </p:spTgt>
-                                        </p:tgtEl>
-                                        <p:attrNameLst>
-                                          <p:attrName>ppt_x</p:attrName>
-                                        </p:attrNameLst>
-                                      </p:cBhvr>
-                                      <p:tavLst>
-                                        <p:tav tm="0">
-                                          <p:val>
-                                            <p:strVal val="#ppt_x"/>
-                                          </p:val>
-                                        </p:tav>
-                                        <p:tav tm="100000">
-                                          <p:val>
-                                            <p:strVal val="#ppt_x"/>
-                                          </p:val>
-                                        </p:tav>
-                                      </p:tavLst>
-                                    </p:anim>
-                                    <p:anim calcmode="lin" valueType="num">
-                                      <p:cBhvr additive="base">
-                                        <p:cTn id="34" dur="500" fill="hold"/>
-                                        <p:tgtEl>
-                                          <p:spTgt spid="27">
-                                            <p:graphicEl>
-                                              <a:dgm id="{00C18325-64BA-4230-8D42-A8CBBE2E541A}"/>
-                                            </p:graphicEl>
-                                          </p:spTgt>
-                                        </p:tgtEl>
-                                        <p:attrNameLst>
-                                          <p:attrName>ppt_y</p:attrName>
-                                        </p:attrNameLst>
-                                      </p:cBhvr>
-                                      <p:tavLst>
-                                        <p:tav tm="0">
-                                          <p:val>
-                                            <p:strVal val="1+#ppt_h/2"/>
-                                          </p:val>
-                                        </p:tav>
-                                        <p:tav tm="100000">
-                                          <p:val>
-                                            <p:strVal val="#ppt_y"/>
-                                          </p:val>
-                                        </p:tav>
-                                      </p:tavLst>
-                                    </p:anim>
                                   </p:childTnLst>
                                 </p:cTn>
                               </p:par>
@@ -35896,26 +34894,26 @@
                     </p:cTn>
                   </p:par>
                   <p:par>
-                    <p:cTn id="35" fill="hold">
+                    <p:cTn id="21" fill="hold">
                       <p:stCondLst>
                         <p:cond delay="indefinite"/>
                       </p:stCondLst>
                       <p:childTnLst>
                         <p:par>
-                          <p:cTn id="36" fill="hold">
+                          <p:cTn id="22" fill="hold">
                             <p:stCondLst>
                               <p:cond delay="0"/>
                             </p:stCondLst>
                             <p:childTnLst>
                               <p:par>
-                                <p:cTn id="37" presetID="2" presetClass="entr" presetSubtype="4" fill="hold" grpId="0" nodeType="clickEffect">
+                                <p:cTn id="23" presetID="1" presetClass="entr" presetSubtype="0" fill="hold" grpId="0" nodeType="clickEffect">
                                   <p:stCondLst>
                                     <p:cond delay="0"/>
                                   </p:stCondLst>
                                   <p:childTnLst>
                                     <p:set>
                                       <p:cBhvr>
-                                        <p:cTn id="38" dur="1" fill="hold">
+                                        <p:cTn id="24" dur="1" fill="hold">
                                           <p:stCondLst>
                                             <p:cond delay="0"/>
                                           </p:stCondLst>
@@ -35935,72 +34933,18 @@
                                         <p:strVal val="visible"/>
                                       </p:to>
                                     </p:set>
-                                    <p:anim calcmode="lin" valueType="num">
-                                      <p:cBhvr additive="base">
-                                        <p:cTn id="39" dur="500" fill="hold"/>
-                                        <p:tgtEl>
-                                          <p:spTgt spid="27">
-                                            <p:graphicEl>
-                                              <a:dgm id="{9C693826-E8EF-40D9-9ACD-70564CCA445C}"/>
-                                            </p:graphicEl>
-                                          </p:spTgt>
-                                        </p:tgtEl>
-                                        <p:attrNameLst>
-                                          <p:attrName>ppt_x</p:attrName>
-                                        </p:attrNameLst>
-                                      </p:cBhvr>
-                                      <p:tavLst>
-                                        <p:tav tm="0">
-                                          <p:val>
-                                            <p:strVal val="#ppt_x"/>
-                                          </p:val>
-                                        </p:tav>
-                                        <p:tav tm="100000">
-                                          <p:val>
-                                            <p:strVal val="#ppt_x"/>
-                                          </p:val>
-                                        </p:tav>
-                                      </p:tavLst>
-                                    </p:anim>
-                                    <p:anim calcmode="lin" valueType="num">
-                                      <p:cBhvr additive="base">
-                                        <p:cTn id="40" dur="500" fill="hold"/>
-                                        <p:tgtEl>
-                                          <p:spTgt spid="27">
-                                            <p:graphicEl>
-                                              <a:dgm id="{9C693826-E8EF-40D9-9ACD-70564CCA445C}"/>
-                                            </p:graphicEl>
-                                          </p:spTgt>
-                                        </p:tgtEl>
-                                        <p:attrNameLst>
-                                          <p:attrName>ppt_y</p:attrName>
-                                        </p:attrNameLst>
-                                      </p:cBhvr>
-                                      <p:tavLst>
-                                        <p:tav tm="0">
-                                          <p:val>
-                                            <p:strVal val="1+#ppt_h/2"/>
-                                          </p:val>
-                                        </p:tav>
-                                        <p:tav tm="100000">
-                                          <p:val>
-                                            <p:strVal val="#ppt_y"/>
-                                          </p:val>
-                                        </p:tav>
-                                      </p:tavLst>
-                                    </p:anim>
                                   </p:childTnLst>
                                 </p:cTn>
                               </p:par>
                               <p:par>
-                                <p:cTn id="41" presetID="2" presetClass="entr" presetSubtype="4" fill="hold" grpId="0" nodeType="withEffect">
+                                <p:cTn id="25" presetID="1" presetClass="entr" presetSubtype="0" fill="hold" grpId="0" nodeType="withEffect">
                                   <p:stCondLst>
                                     <p:cond delay="0"/>
                                   </p:stCondLst>
                                   <p:childTnLst>
                                     <p:set>
                                       <p:cBhvr>
-                                        <p:cTn id="42" dur="1" fill="hold">
+                                        <p:cTn id="26" dur="1" fill="hold">
                                           <p:stCondLst>
                                             <p:cond delay="0"/>
                                           </p:stCondLst>
@@ -36020,60 +34964,6 @@
                                         <p:strVal val="visible"/>
                                       </p:to>
                                     </p:set>
-                                    <p:anim calcmode="lin" valueType="num">
-                                      <p:cBhvr additive="base">
-                                        <p:cTn id="43" dur="500" fill="hold"/>
-                                        <p:tgtEl>
-                                          <p:spTgt spid="27">
-                                            <p:graphicEl>
-                                              <a:dgm id="{056E0795-FEBC-41A8-9465-02461723C490}"/>
-                                            </p:graphicEl>
-                                          </p:spTgt>
-                                        </p:tgtEl>
-                                        <p:attrNameLst>
-                                          <p:attrName>ppt_x</p:attrName>
-                                        </p:attrNameLst>
-                                      </p:cBhvr>
-                                      <p:tavLst>
-                                        <p:tav tm="0">
-                                          <p:val>
-                                            <p:strVal val="#ppt_x"/>
-                                          </p:val>
-                                        </p:tav>
-                                        <p:tav tm="100000">
-                                          <p:val>
-                                            <p:strVal val="#ppt_x"/>
-                                          </p:val>
-                                        </p:tav>
-                                      </p:tavLst>
-                                    </p:anim>
-                                    <p:anim calcmode="lin" valueType="num">
-                                      <p:cBhvr additive="base">
-                                        <p:cTn id="44" dur="500" fill="hold"/>
-                                        <p:tgtEl>
-                                          <p:spTgt spid="27">
-                                            <p:graphicEl>
-                                              <a:dgm id="{056E0795-FEBC-41A8-9465-02461723C490}"/>
-                                            </p:graphicEl>
-                                          </p:spTgt>
-                                        </p:tgtEl>
-                                        <p:attrNameLst>
-                                          <p:attrName>ppt_y</p:attrName>
-                                        </p:attrNameLst>
-                                      </p:cBhvr>
-                                      <p:tavLst>
-                                        <p:tav tm="0">
-                                          <p:val>
-                                            <p:strVal val="1+#ppt_h/2"/>
-                                          </p:val>
-                                        </p:tav>
-                                        <p:tav tm="100000">
-                                          <p:val>
-                                            <p:strVal val="#ppt_y"/>
-                                          </p:val>
-                                        </p:tav>
-                                      </p:tavLst>
-                                    </p:anim>
                                   </p:childTnLst>
                                 </p:cTn>
                               </p:par>
@@ -36424,14 +35314,14 @@
             <p:ph idx="1"/>
             <p:extLst>
               <p:ext uri="{D42A27DB-BD31-4B8C-83A1-F6EECF244321}">
-                <p14:modId xmlns:p14="http://schemas.microsoft.com/office/powerpoint/2010/main" val="3547467072"/>
+                <p14:modId xmlns:p14="http://schemas.microsoft.com/office/powerpoint/2010/main" val="2325652351"/>
               </p:ext>
             </p:extLst>
           </p:nvPr>
         </p:nvGraphicFramePr>
         <p:xfrm>
-          <a:off x="390417" y="349320"/>
-          <a:ext cx="11404315" cy="6508679"/>
+          <a:off x="374573" y="429657"/>
+          <a:ext cx="11688897" cy="6428341"/>
         </p:xfrm>
         <a:graphic>
           <a:graphicData uri="http://schemas.openxmlformats.org/drawingml/2006/diagram">

--- a/Type Providers/Type Providers.pptx
+++ b/Type Providers/Type Providers.pptx
@@ -4227,9 +4227,9 @@
                 </a:schemeClr>
               </a:solidFill>
             </a:rPr>
-            <a:t>Parallelization</a:t>
+            <a:t>Interoperability with .NET</a:t>
           </a:r>
-          <a:endParaRPr lang="en-US" b="1">
+          <a:endParaRPr lang="en-US" b="1" dirty="0">
             <a:solidFill>
               <a:schemeClr val="accent4">
                 <a:lumMod val="50000"/>
@@ -4327,7 +4327,7 @@
                 </a:schemeClr>
               </a:solidFill>
             </a:rPr>
-            <a:t>Interoperability with .NET</a:t>
+            <a:t>Parallelization</a:t>
           </a:r>
           <a:endParaRPr lang="en-US" b="1" dirty="0">
             <a:solidFill>
@@ -10865,9 +10865,9 @@
                 </a:schemeClr>
               </a:solidFill>
             </a:rPr>
-            <a:t>Parallelization</a:t>
+            <a:t>Interoperability with .NET</a:t>
           </a:r>
-          <a:endParaRPr lang="en-US" sz="2500" b="1" kern="1200">
+          <a:endParaRPr lang="en-US" sz="2500" b="1" kern="1200" dirty="0">
             <a:solidFill>
               <a:schemeClr val="accent4">
                 <a:lumMod val="50000"/>
@@ -10974,7 +10974,7 @@
                 </a:schemeClr>
               </a:solidFill>
             </a:rPr>
-            <a:t>Interoperability with .NET</a:t>
+            <a:t>Parallelization</a:t>
           </a:r>
           <a:endParaRPr lang="en-US" sz="2500" b="1" kern="1200" dirty="0">
             <a:solidFill>
@@ -33061,7 +33061,7 @@
             <p:ph idx="1"/>
             <p:extLst>
               <p:ext uri="{D42A27DB-BD31-4B8C-83A1-F6EECF244321}">
-                <p14:modId xmlns:p14="http://schemas.microsoft.com/office/powerpoint/2010/main" val="1066504884"/>
+                <p14:modId xmlns:p14="http://schemas.microsoft.com/office/powerpoint/2010/main" val="1285425149"/>
               </p:ext>
             </p:extLst>
           </p:nvPr>

--- a/Type Providers/Type Providers.pptx
+++ b/Type Providers/Type Providers.pptx
@@ -5410,8 +5410,8 @@
     <dgm:cxn modelId="{D56EB2D8-5FDF-4692-9920-FD79A3311815}" type="presOf" srcId="{0B1D3EB6-DDAD-4074-AD89-1328ED184427}" destId="{00C18325-64BA-4230-8D42-A8CBBE2E541A}" srcOrd="0" destOrd="0" presId="urn:microsoft.com/office/officeart/2008/layout/AlternatingPictureBlocks"/>
     <dgm:cxn modelId="{5605B05D-9DD7-4070-B3CE-BAEE4864C5BE}" type="presOf" srcId="{F48CB2E3-D8BE-404E-A0D2-EEB3E1242A50}" destId="{538C1F93-2633-4DB7-AA7D-A5DE4FC8CB5A}" srcOrd="0" destOrd="0" presId="urn:microsoft.com/office/officeart/2008/layout/AlternatingPictureBlocks"/>
     <dgm:cxn modelId="{9725BDCF-4BB2-42FD-A2FB-17C284C08CD7}" srcId="{4E1E4C3E-5D80-4250-A36F-E2D6F8CE2114}" destId="{0B1D3EB6-DDAD-4074-AD89-1328ED184427}" srcOrd="1" destOrd="0" parTransId="{A0B0BA24-7BBD-4169-A6E4-C30BE3C7D4C6}" sibTransId="{02B22490-15FC-4C3F-8863-8A3E5A29C80C}"/>
+    <dgm:cxn modelId="{B3060CEB-B955-4ABF-8714-857ED9A2A44F}" srcId="{0B1D3EB6-DDAD-4074-AD89-1328ED184427}" destId="{B5557B3C-A729-44E7-B06E-8E406FFFF1BD}" srcOrd="1" destOrd="0" parTransId="{9B0ACE6D-CF28-47A6-BE42-2EE8D0A3E2E5}" sibTransId="{138A8399-7FDA-4CA4-AB2B-D6D64FA5D682}"/>
     <dgm:cxn modelId="{DF629EDD-CDDD-4422-BD5A-CACB7A74E2A8}" srcId="{0B1D3EB6-DDAD-4074-AD89-1328ED184427}" destId="{B9CFF899-EA87-447F-8310-377F7EA336B9}" srcOrd="0" destOrd="0" parTransId="{516D0FCC-58B7-4A3F-875C-505C5BEE0B2A}" sibTransId="{DDC7F697-1D79-4A68-AD43-E40B28D1EE4E}"/>
-    <dgm:cxn modelId="{B3060CEB-B955-4ABF-8714-857ED9A2A44F}" srcId="{0B1D3EB6-DDAD-4074-AD89-1328ED184427}" destId="{B5557B3C-A729-44E7-B06E-8E406FFFF1BD}" srcOrd="1" destOrd="0" parTransId="{9B0ACE6D-CF28-47A6-BE42-2EE8D0A3E2E5}" sibTransId="{138A8399-7FDA-4CA4-AB2B-D6D64FA5D682}"/>
     <dgm:cxn modelId="{E1B13E87-781A-4F9F-97A0-C3B2392EABE4}" srcId="{4E1E4C3E-5D80-4250-A36F-E2D6F8CE2114}" destId="{F48CB2E3-D8BE-404E-A0D2-EEB3E1242A50}" srcOrd="0" destOrd="0" parTransId="{6CF4DB19-53FF-4B32-AC92-262597995234}" sibTransId="{82AB8F63-BF4E-41E3-9A9D-3BCBF2FE527C}"/>
     <dgm:cxn modelId="{3A6F834D-3602-42EA-AFA3-C4E4D706522C}" type="presOf" srcId="{B9CFF899-EA87-447F-8310-377F7EA336B9}" destId="{00C18325-64BA-4230-8D42-A8CBBE2E541A}" srcOrd="0" destOrd="1" presId="urn:microsoft.com/office/officeart/2008/layout/AlternatingPictureBlocks"/>
     <dgm:cxn modelId="{ACE51563-F509-4B08-90DE-35F8A1487771}" type="presOf" srcId="{1B025A62-D98E-488F-8749-BA0463D60F82}" destId="{00C18325-64BA-4230-8D42-A8CBBE2E541A}" srcOrd="0" destOrd="3" presId="urn:microsoft.com/office/officeart/2008/layout/AlternatingPictureBlocks"/>
@@ -10336,769 +10336,6 @@
       <dsp:cNvGrpSpPr/>
     </dsp:nvGrpSpPr>
     <dsp:grpSpPr/>
-    <dsp:sp modelId="{A879180F-50BF-4B32-B90B-DFC2404A1B47}">
-      <dsp:nvSpPr>
-        <dsp:cNvPr id="0" name=""/>
-        <dsp:cNvSpPr/>
-      </dsp:nvSpPr>
-      <dsp:spPr>
-        <a:xfrm>
-          <a:off x="136015" y="1421"/>
-          <a:ext cx="814433" cy="771419"/>
-        </a:xfrm>
-        <a:prstGeom prst="ellipse">
-          <a:avLst/>
-        </a:prstGeom>
-        <a:solidFill>
-          <a:schemeClr val="accent2"/>
-        </a:solidFill>
-        <a:ln w="19050" cap="flat" cmpd="sng" algn="ctr">
-          <a:noFill/>
-          <a:prstDash val="solid"/>
-        </a:ln>
-        <a:effectLst/>
-      </dsp:spPr>
-      <dsp:style>
-        <a:lnRef idx="2">
-          <a:scrgbClr r="0" g="0" b="0"/>
-        </a:lnRef>
-        <a:fillRef idx="1">
-          <a:scrgbClr r="0" g="0" b="0"/>
-        </a:fillRef>
-        <a:effectRef idx="0">
-          <a:scrgbClr r="0" g="0" b="0"/>
-        </a:effectRef>
-        <a:fontRef idx="minor">
-          <a:schemeClr val="tx1"/>
-        </a:fontRef>
-      </dsp:style>
-    </dsp:sp>
-    <dsp:sp modelId="{9D7505BE-E95B-4782-B800-B4F8FA270A88}">
-      <dsp:nvSpPr>
-        <dsp:cNvPr id="0" name=""/>
-        <dsp:cNvSpPr/>
-      </dsp:nvSpPr>
-      <dsp:spPr>
-        <a:xfrm>
-          <a:off x="498387" y="1421"/>
-          <a:ext cx="6106248" cy="771419"/>
-        </a:xfrm>
-        <a:prstGeom prst="rect">
-          <a:avLst/>
-        </a:prstGeom>
-        <a:noFill/>
-        <a:ln>
-          <a:noFill/>
-        </a:ln>
-        <a:effectLst/>
-      </dsp:spPr>
-      <dsp:style>
-        <a:lnRef idx="0">
-          <a:scrgbClr r="0" g="0" b="0"/>
-        </a:lnRef>
-        <a:fillRef idx="0">
-          <a:scrgbClr r="0" g="0" b="0"/>
-        </a:fillRef>
-        <a:effectRef idx="0">
-          <a:scrgbClr r="0" g="0" b="0"/>
-        </a:effectRef>
-        <a:fontRef idx="minor"/>
-      </dsp:style>
-      <dsp:txBody>
-        <a:bodyPr spcFirstLastPara="0" vert="horz" wrap="square" lIns="0" tIns="0" rIns="0" bIns="0" numCol="1" spcCol="1270" anchor="ctr" anchorCtr="0">
-          <a:noAutofit/>
-        </a:bodyPr>
-        <a:lstStyle/>
-        <a:p>
-          <a:pPr lvl="0" algn="l" defTabSz="1111250" rtl="0">
-            <a:lnSpc>
-              <a:spcPct val="90000"/>
-            </a:lnSpc>
-            <a:spcBef>
-              <a:spcPct val="0"/>
-            </a:spcBef>
-            <a:spcAft>
-              <a:spcPct val="35000"/>
-            </a:spcAft>
-          </a:pPr>
-          <a:r>
-            <a:rPr lang="en-US" sz="2500" b="1" kern="1200" dirty="0" smtClean="0">
-              <a:solidFill>
-                <a:schemeClr val="accent4">
-                  <a:lumMod val="50000"/>
-                </a:schemeClr>
-              </a:solidFill>
-            </a:rPr>
-            <a:t>Simple code to solve complex problems</a:t>
-          </a:r>
-          <a:endParaRPr lang="en-US" sz="2500" b="1" kern="1200" dirty="0">
-            <a:solidFill>
-              <a:schemeClr val="accent4">
-                <a:lumMod val="50000"/>
-              </a:schemeClr>
-            </a:solidFill>
-          </a:endParaRPr>
-        </a:p>
-      </dsp:txBody>
-      <dsp:txXfrm>
-        <a:off x="498387" y="1421"/>
-        <a:ext cx="6106248" cy="771419"/>
-      </dsp:txXfrm>
-    </dsp:sp>
-    <dsp:sp modelId="{D3E27A4E-39E7-4FDF-A936-91F7C6FB0D5B}">
-      <dsp:nvSpPr>
-        <dsp:cNvPr id="0" name=""/>
-        <dsp:cNvSpPr/>
-      </dsp:nvSpPr>
-      <dsp:spPr>
-        <a:xfrm>
-          <a:off x="136017" y="772840"/>
-          <a:ext cx="814433" cy="771419"/>
-        </a:xfrm>
-        <a:prstGeom prst="ellipse">
-          <a:avLst/>
-        </a:prstGeom>
-        <a:solidFill>
-          <a:schemeClr val="accent2"/>
-        </a:solidFill>
-        <a:ln w="19050" cap="flat" cmpd="sng" algn="ctr">
-          <a:noFill/>
-          <a:prstDash val="solid"/>
-        </a:ln>
-        <a:effectLst/>
-      </dsp:spPr>
-      <dsp:style>
-        <a:lnRef idx="2">
-          <a:scrgbClr r="0" g="0" b="0"/>
-        </a:lnRef>
-        <a:fillRef idx="1">
-          <a:scrgbClr r="0" g="0" b="0"/>
-        </a:fillRef>
-        <a:effectRef idx="0">
-          <a:scrgbClr r="0" g="0" b="0"/>
-        </a:effectRef>
-        <a:fontRef idx="minor">
-          <a:schemeClr val="tx1"/>
-        </a:fontRef>
-      </dsp:style>
-    </dsp:sp>
-    <dsp:sp modelId="{4F0E6DBE-4889-4DBE-88ED-815075711E9C}">
-      <dsp:nvSpPr>
-        <dsp:cNvPr id="0" name=""/>
-        <dsp:cNvSpPr/>
-      </dsp:nvSpPr>
-      <dsp:spPr>
-        <a:xfrm>
-          <a:off x="500295" y="772840"/>
-          <a:ext cx="4345301" cy="771419"/>
-        </a:xfrm>
-        <a:prstGeom prst="rect">
-          <a:avLst/>
-        </a:prstGeom>
-        <a:noFill/>
-        <a:ln>
-          <a:noFill/>
-        </a:ln>
-        <a:effectLst/>
-      </dsp:spPr>
-      <dsp:style>
-        <a:lnRef idx="0">
-          <a:scrgbClr r="0" g="0" b="0"/>
-        </a:lnRef>
-        <a:fillRef idx="0">
-          <a:scrgbClr r="0" g="0" b="0"/>
-        </a:fillRef>
-        <a:effectRef idx="0">
-          <a:scrgbClr r="0" g="0" b="0"/>
-        </a:effectRef>
-        <a:fontRef idx="minor"/>
-      </dsp:style>
-      <dsp:txBody>
-        <a:bodyPr spcFirstLastPara="0" vert="horz" wrap="square" lIns="0" tIns="0" rIns="0" bIns="0" numCol="1" spcCol="1270" anchor="ctr" anchorCtr="0">
-          <a:noAutofit/>
-        </a:bodyPr>
-        <a:lstStyle/>
-        <a:p>
-          <a:pPr lvl="0" algn="l" defTabSz="1111250" rtl="0">
-            <a:lnSpc>
-              <a:spcPct val="90000"/>
-            </a:lnSpc>
-            <a:spcBef>
-              <a:spcPct val="0"/>
-            </a:spcBef>
-            <a:spcAft>
-              <a:spcPct val="35000"/>
-            </a:spcAft>
-          </a:pPr>
-          <a:r>
-            <a:rPr lang="en-US" sz="2500" b="1" kern="1200" dirty="0" smtClean="0">
-              <a:solidFill>
-                <a:schemeClr val="accent4">
-                  <a:lumMod val="50000"/>
-                </a:schemeClr>
-              </a:solidFill>
-            </a:rPr>
-            <a:t>Less code</a:t>
-          </a:r>
-          <a:endParaRPr lang="en-US" sz="2500" b="1" kern="1200" dirty="0">
-            <a:solidFill>
-              <a:schemeClr val="accent4">
-                <a:lumMod val="50000"/>
-              </a:schemeClr>
-            </a:solidFill>
-          </a:endParaRPr>
-        </a:p>
-      </dsp:txBody>
-      <dsp:txXfrm>
-        <a:off x="500295" y="772840"/>
-        <a:ext cx="4345301" cy="771419"/>
-      </dsp:txXfrm>
-    </dsp:sp>
-    <dsp:sp modelId="{D78072D7-B72F-4A31-9BF4-6881136300DE}">
-      <dsp:nvSpPr>
-        <dsp:cNvPr id="0" name=""/>
-        <dsp:cNvSpPr/>
-      </dsp:nvSpPr>
-      <dsp:spPr>
-        <a:xfrm>
-          <a:off x="136017" y="1544259"/>
-          <a:ext cx="814433" cy="771419"/>
-        </a:xfrm>
-        <a:prstGeom prst="ellipse">
-          <a:avLst/>
-        </a:prstGeom>
-        <a:solidFill>
-          <a:schemeClr val="accent2"/>
-        </a:solidFill>
-        <a:ln w="19050" cap="flat" cmpd="sng" algn="ctr">
-          <a:noFill/>
-          <a:prstDash val="solid"/>
-        </a:ln>
-        <a:effectLst/>
-      </dsp:spPr>
-      <dsp:style>
-        <a:lnRef idx="2">
-          <a:scrgbClr r="0" g="0" b="0"/>
-        </a:lnRef>
-        <a:fillRef idx="1">
-          <a:scrgbClr r="0" g="0" b="0"/>
-        </a:fillRef>
-        <a:effectRef idx="0">
-          <a:scrgbClr r="0" g="0" b="0"/>
-        </a:effectRef>
-        <a:fontRef idx="minor">
-          <a:schemeClr val="tx1"/>
-        </a:fontRef>
-      </dsp:style>
-    </dsp:sp>
-    <dsp:sp modelId="{4BAB954E-B909-4E4F-B8BA-DD439451962C}">
-      <dsp:nvSpPr>
-        <dsp:cNvPr id="0" name=""/>
-        <dsp:cNvSpPr/>
-      </dsp:nvSpPr>
-      <dsp:spPr>
-        <a:xfrm>
-          <a:off x="500295" y="1544259"/>
-          <a:ext cx="4345301" cy="771419"/>
-        </a:xfrm>
-        <a:prstGeom prst="rect">
-          <a:avLst/>
-        </a:prstGeom>
-        <a:noFill/>
-        <a:ln>
-          <a:noFill/>
-        </a:ln>
-        <a:effectLst/>
-      </dsp:spPr>
-      <dsp:style>
-        <a:lnRef idx="0">
-          <a:scrgbClr r="0" g="0" b="0"/>
-        </a:lnRef>
-        <a:fillRef idx="0">
-          <a:scrgbClr r="0" g="0" b="0"/>
-        </a:fillRef>
-        <a:effectRef idx="0">
-          <a:scrgbClr r="0" g="0" b="0"/>
-        </a:effectRef>
-        <a:fontRef idx="minor"/>
-      </dsp:style>
-      <dsp:txBody>
-        <a:bodyPr spcFirstLastPara="0" vert="horz" wrap="square" lIns="0" tIns="0" rIns="0" bIns="0" numCol="1" spcCol="1270" anchor="ctr" anchorCtr="0">
-          <a:noAutofit/>
-        </a:bodyPr>
-        <a:lstStyle/>
-        <a:p>
-          <a:pPr lvl="0" algn="l" defTabSz="1111250" rtl="0">
-            <a:lnSpc>
-              <a:spcPct val="90000"/>
-            </a:lnSpc>
-            <a:spcBef>
-              <a:spcPct val="0"/>
-            </a:spcBef>
-            <a:spcAft>
-              <a:spcPct val="35000"/>
-            </a:spcAft>
-          </a:pPr>
-          <a:r>
-            <a:rPr lang="en-US" sz="2500" b="1" kern="1200" dirty="0" smtClean="0">
-              <a:solidFill>
-                <a:schemeClr val="accent4">
-                  <a:lumMod val="50000"/>
-                </a:schemeClr>
-              </a:solidFill>
-            </a:rPr>
-            <a:t>Fewer bugs</a:t>
-          </a:r>
-          <a:endParaRPr lang="en-US" sz="2500" b="1" kern="1200" dirty="0">
-            <a:solidFill>
-              <a:schemeClr val="accent4">
-                <a:lumMod val="50000"/>
-              </a:schemeClr>
-            </a:solidFill>
-          </a:endParaRPr>
-        </a:p>
-      </dsp:txBody>
-      <dsp:txXfrm>
-        <a:off x="500295" y="1544259"/>
-        <a:ext cx="4345301" cy="771419"/>
-      </dsp:txXfrm>
-    </dsp:sp>
-    <dsp:sp modelId="{950A4424-4E27-4346-BE1F-8A1BDC0825E5}">
-      <dsp:nvSpPr>
-        <dsp:cNvPr id="0" name=""/>
-        <dsp:cNvSpPr/>
-      </dsp:nvSpPr>
-      <dsp:spPr>
-        <a:xfrm>
-          <a:off x="136017" y="2315679"/>
-          <a:ext cx="814433" cy="771419"/>
-        </a:xfrm>
-        <a:prstGeom prst="ellipse">
-          <a:avLst/>
-        </a:prstGeom>
-        <a:solidFill>
-          <a:schemeClr val="accent2"/>
-        </a:solidFill>
-        <a:ln w="19050" cap="flat" cmpd="sng" algn="ctr">
-          <a:noFill/>
-          <a:prstDash val="solid"/>
-        </a:ln>
-        <a:effectLst/>
-      </dsp:spPr>
-      <dsp:style>
-        <a:lnRef idx="2">
-          <a:scrgbClr r="0" g="0" b="0"/>
-        </a:lnRef>
-        <a:fillRef idx="1">
-          <a:scrgbClr r="0" g="0" b="0"/>
-        </a:fillRef>
-        <a:effectRef idx="0">
-          <a:scrgbClr r="0" g="0" b="0"/>
-        </a:effectRef>
-        <a:fontRef idx="minor">
-          <a:schemeClr val="tx1"/>
-        </a:fontRef>
-      </dsp:style>
-    </dsp:sp>
-    <dsp:sp modelId="{490A854D-8ABF-439C-B4F8-D9B8E7761A81}">
-      <dsp:nvSpPr>
-        <dsp:cNvPr id="0" name=""/>
-        <dsp:cNvSpPr/>
-      </dsp:nvSpPr>
-      <dsp:spPr>
-        <a:xfrm>
-          <a:off x="500295" y="2315679"/>
-          <a:ext cx="4345301" cy="771419"/>
-        </a:xfrm>
-        <a:prstGeom prst="rect">
-          <a:avLst/>
-        </a:prstGeom>
-        <a:noFill/>
-        <a:ln>
-          <a:noFill/>
-        </a:ln>
-        <a:effectLst/>
-      </dsp:spPr>
-      <dsp:style>
-        <a:lnRef idx="0">
-          <a:scrgbClr r="0" g="0" b="0"/>
-        </a:lnRef>
-        <a:fillRef idx="0">
-          <a:scrgbClr r="0" g="0" b="0"/>
-        </a:fillRef>
-        <a:effectRef idx="0">
-          <a:scrgbClr r="0" g="0" b="0"/>
-        </a:effectRef>
-        <a:fontRef idx="minor"/>
-      </dsp:style>
-      <dsp:txBody>
-        <a:bodyPr spcFirstLastPara="0" vert="horz" wrap="square" lIns="0" tIns="0" rIns="0" bIns="0" numCol="1" spcCol="1270" anchor="ctr" anchorCtr="0">
-          <a:noAutofit/>
-        </a:bodyPr>
-        <a:lstStyle/>
-        <a:p>
-          <a:pPr lvl="0" algn="l" defTabSz="1111250" rtl="0">
-            <a:lnSpc>
-              <a:spcPct val="90000"/>
-            </a:lnSpc>
-            <a:spcBef>
-              <a:spcPct val="0"/>
-            </a:spcBef>
-            <a:spcAft>
-              <a:spcPct val="35000"/>
-            </a:spcAft>
-          </a:pPr>
-          <a:r>
-            <a:rPr lang="en-US" sz="2500" b="1" kern="1200" dirty="0" smtClean="0">
-              <a:solidFill>
-                <a:schemeClr val="accent4">
-                  <a:lumMod val="50000"/>
-                </a:schemeClr>
-              </a:solidFill>
-            </a:rPr>
-            <a:t>Units of measure</a:t>
-          </a:r>
-          <a:endParaRPr lang="en-US" sz="2500" b="1" kern="1200" dirty="0">
-            <a:solidFill>
-              <a:schemeClr val="accent4">
-                <a:lumMod val="50000"/>
-              </a:schemeClr>
-            </a:solidFill>
-          </a:endParaRPr>
-        </a:p>
-      </dsp:txBody>
-      <dsp:txXfrm>
-        <a:off x="500295" y="2315679"/>
-        <a:ext cx="4345301" cy="771419"/>
-      </dsp:txXfrm>
-    </dsp:sp>
-    <dsp:sp modelId="{594F943D-AFBC-456B-BDAE-9096C4CB6DA3}">
-      <dsp:nvSpPr>
-        <dsp:cNvPr id="0" name=""/>
-        <dsp:cNvSpPr/>
-      </dsp:nvSpPr>
-      <dsp:spPr>
-        <a:xfrm>
-          <a:off x="136017" y="3087098"/>
-          <a:ext cx="814433" cy="771419"/>
-        </a:xfrm>
-        <a:prstGeom prst="ellipse">
-          <a:avLst/>
-        </a:prstGeom>
-        <a:solidFill>
-          <a:schemeClr val="accent2"/>
-        </a:solidFill>
-        <a:ln w="19050" cap="flat" cmpd="sng" algn="ctr">
-          <a:noFill/>
-          <a:prstDash val="solid"/>
-        </a:ln>
-        <a:effectLst/>
-      </dsp:spPr>
-      <dsp:style>
-        <a:lnRef idx="2">
-          <a:scrgbClr r="0" g="0" b="0"/>
-        </a:lnRef>
-        <a:fillRef idx="1">
-          <a:scrgbClr r="0" g="0" b="0"/>
-        </a:fillRef>
-        <a:effectRef idx="0">
-          <a:scrgbClr r="0" g="0" b="0"/>
-        </a:effectRef>
-        <a:fontRef idx="minor">
-          <a:schemeClr val="tx1"/>
-        </a:fontRef>
-      </dsp:style>
-    </dsp:sp>
-    <dsp:sp modelId="{4A41BB03-62B6-44FE-B321-9ED22AD17D79}">
-      <dsp:nvSpPr>
-        <dsp:cNvPr id="0" name=""/>
-        <dsp:cNvSpPr/>
-      </dsp:nvSpPr>
-      <dsp:spPr>
-        <a:xfrm>
-          <a:off x="500295" y="3087098"/>
-          <a:ext cx="4345301" cy="771419"/>
-        </a:xfrm>
-        <a:prstGeom prst="rect">
-          <a:avLst/>
-        </a:prstGeom>
-        <a:noFill/>
-        <a:ln>
-          <a:noFill/>
-        </a:ln>
-        <a:effectLst/>
-      </dsp:spPr>
-      <dsp:style>
-        <a:lnRef idx="0">
-          <a:scrgbClr r="0" g="0" b="0"/>
-        </a:lnRef>
-        <a:fillRef idx="0">
-          <a:scrgbClr r="0" g="0" b="0"/>
-        </a:fillRef>
-        <a:effectRef idx="0">
-          <a:scrgbClr r="0" g="0" b="0"/>
-        </a:effectRef>
-        <a:fontRef idx="minor"/>
-      </dsp:style>
-      <dsp:txBody>
-        <a:bodyPr spcFirstLastPara="0" vert="horz" wrap="square" lIns="0" tIns="0" rIns="0" bIns="0" numCol="1" spcCol="1270" anchor="ctr" anchorCtr="0">
-          <a:noAutofit/>
-        </a:bodyPr>
-        <a:lstStyle/>
-        <a:p>
-          <a:pPr lvl="0" algn="l" defTabSz="1111250" rtl="0">
-            <a:lnSpc>
-              <a:spcPct val="90000"/>
-            </a:lnSpc>
-            <a:spcBef>
-              <a:spcPct val="0"/>
-            </a:spcBef>
-            <a:spcAft>
-              <a:spcPct val="35000"/>
-            </a:spcAft>
-          </a:pPr>
-          <a:r>
-            <a:rPr lang="en-US" sz="2500" b="1" kern="1200" smtClean="0">
-              <a:solidFill>
-                <a:schemeClr val="accent4">
-                  <a:lumMod val="50000"/>
-                </a:schemeClr>
-              </a:solidFill>
-            </a:rPr>
-            <a:t>Interoperability with .NET</a:t>
-          </a:r>
-          <a:endParaRPr lang="en-US" sz="2500" b="1" kern="1200" dirty="0">
-            <a:solidFill>
-              <a:schemeClr val="accent4">
-                <a:lumMod val="50000"/>
-              </a:schemeClr>
-            </a:solidFill>
-          </a:endParaRPr>
-        </a:p>
-      </dsp:txBody>
-      <dsp:txXfrm>
-        <a:off x="500295" y="3087098"/>
-        <a:ext cx="4345301" cy="771419"/>
-      </dsp:txXfrm>
-    </dsp:sp>
-    <dsp:sp modelId="{A1597A0B-AF1F-4B77-AB01-A97FE66BD3DC}">
-      <dsp:nvSpPr>
-        <dsp:cNvPr id="0" name=""/>
-        <dsp:cNvSpPr/>
-      </dsp:nvSpPr>
-      <dsp:spPr>
-        <a:xfrm>
-          <a:off x="136017" y="3858518"/>
-          <a:ext cx="814433" cy="771419"/>
-        </a:xfrm>
-        <a:prstGeom prst="ellipse">
-          <a:avLst/>
-        </a:prstGeom>
-        <a:solidFill>
-          <a:schemeClr val="accent2"/>
-        </a:solidFill>
-        <a:ln w="19050" cap="flat" cmpd="sng" algn="ctr">
-          <a:noFill/>
-          <a:prstDash val="solid"/>
-        </a:ln>
-        <a:effectLst/>
-      </dsp:spPr>
-      <dsp:style>
-        <a:lnRef idx="2">
-          <a:scrgbClr r="0" g="0" b="0"/>
-        </a:lnRef>
-        <a:fillRef idx="1">
-          <a:scrgbClr r="0" g="0" b="0"/>
-        </a:fillRef>
-        <a:effectRef idx="0">
-          <a:scrgbClr r="0" g="0" b="0"/>
-        </a:effectRef>
-        <a:fontRef idx="minor">
-          <a:schemeClr val="tx1"/>
-        </a:fontRef>
-      </dsp:style>
-    </dsp:sp>
-    <dsp:sp modelId="{3D807FEC-5F41-45B9-B3B0-6C48F535CB2B}">
-      <dsp:nvSpPr>
-        <dsp:cNvPr id="0" name=""/>
-        <dsp:cNvSpPr/>
-      </dsp:nvSpPr>
-      <dsp:spPr>
-        <a:xfrm>
-          <a:off x="500295" y="3858518"/>
-          <a:ext cx="4345301" cy="771419"/>
-        </a:xfrm>
-        <a:prstGeom prst="rect">
-          <a:avLst/>
-        </a:prstGeom>
-        <a:noFill/>
-        <a:ln>
-          <a:noFill/>
-        </a:ln>
-        <a:effectLst/>
-      </dsp:spPr>
-      <dsp:style>
-        <a:lnRef idx="0">
-          <a:scrgbClr r="0" g="0" b="0"/>
-        </a:lnRef>
-        <a:fillRef idx="0">
-          <a:scrgbClr r="0" g="0" b="0"/>
-        </a:fillRef>
-        <a:effectRef idx="0">
-          <a:scrgbClr r="0" g="0" b="0"/>
-        </a:effectRef>
-        <a:fontRef idx="minor"/>
-      </dsp:style>
-      <dsp:txBody>
-        <a:bodyPr spcFirstLastPara="0" vert="horz" wrap="square" lIns="0" tIns="0" rIns="0" bIns="0" numCol="1" spcCol="1270" anchor="ctr" anchorCtr="0">
-          <a:noAutofit/>
-        </a:bodyPr>
-        <a:lstStyle/>
-        <a:p>
-          <a:pPr lvl="0" algn="l" defTabSz="1111250" rtl="0">
-            <a:lnSpc>
-              <a:spcPct val="90000"/>
-            </a:lnSpc>
-            <a:spcBef>
-              <a:spcPct val="0"/>
-            </a:spcBef>
-            <a:spcAft>
-              <a:spcPct val="35000"/>
-            </a:spcAft>
-          </a:pPr>
-          <a:r>
-            <a:rPr lang="en-US" sz="2500" b="1" kern="1200" dirty="0" smtClean="0">
-              <a:solidFill>
-                <a:schemeClr val="accent4">
-                  <a:lumMod val="50000"/>
-                </a:schemeClr>
-              </a:solidFill>
-            </a:rPr>
-            <a:t>Parallelization</a:t>
-          </a:r>
-          <a:endParaRPr lang="en-US" sz="2500" b="1" kern="1200" dirty="0">
-            <a:solidFill>
-              <a:schemeClr val="accent4">
-                <a:lumMod val="50000"/>
-              </a:schemeClr>
-            </a:solidFill>
-          </a:endParaRPr>
-        </a:p>
-      </dsp:txBody>
-      <dsp:txXfrm>
-        <a:off x="500295" y="3858518"/>
-        <a:ext cx="4345301" cy="771419"/>
-      </dsp:txXfrm>
-    </dsp:sp>
-    <dsp:sp modelId="{9B63CDD7-1E5F-4159-8758-F2D52869D0FE}">
-      <dsp:nvSpPr>
-        <dsp:cNvPr id="0" name=""/>
-        <dsp:cNvSpPr/>
-      </dsp:nvSpPr>
-      <dsp:spPr>
-        <a:xfrm>
-          <a:off x="136017" y="4629937"/>
-          <a:ext cx="814433" cy="771419"/>
-        </a:xfrm>
-        <a:prstGeom prst="ellipse">
-          <a:avLst/>
-        </a:prstGeom>
-        <a:solidFill>
-          <a:schemeClr val="accent2"/>
-        </a:solidFill>
-        <a:ln w="19050" cap="flat" cmpd="sng" algn="ctr">
-          <a:noFill/>
-          <a:prstDash val="solid"/>
-        </a:ln>
-        <a:effectLst/>
-      </dsp:spPr>
-      <dsp:style>
-        <a:lnRef idx="2">
-          <a:scrgbClr r="0" g="0" b="0"/>
-        </a:lnRef>
-        <a:fillRef idx="1">
-          <a:scrgbClr r="0" g="0" b="0"/>
-        </a:fillRef>
-        <a:effectRef idx="0">
-          <a:scrgbClr r="0" g="0" b="0"/>
-        </a:effectRef>
-        <a:fontRef idx="minor">
-          <a:schemeClr val="tx1"/>
-        </a:fontRef>
-      </dsp:style>
-    </dsp:sp>
-    <dsp:sp modelId="{7336C414-45B5-45BB-84AF-46370F92F60C}">
-      <dsp:nvSpPr>
-        <dsp:cNvPr id="0" name=""/>
-        <dsp:cNvSpPr/>
-      </dsp:nvSpPr>
-      <dsp:spPr>
-        <a:xfrm>
-          <a:off x="500295" y="4629937"/>
-          <a:ext cx="4345301" cy="771419"/>
-        </a:xfrm>
-        <a:prstGeom prst="rect">
-          <a:avLst/>
-        </a:prstGeom>
-        <a:noFill/>
-        <a:ln>
-          <a:noFill/>
-        </a:ln>
-        <a:effectLst/>
-      </dsp:spPr>
-      <dsp:style>
-        <a:lnRef idx="0">
-          <a:scrgbClr r="0" g="0" b="0"/>
-        </a:lnRef>
-        <a:fillRef idx="0">
-          <a:scrgbClr r="0" g="0" b="0"/>
-        </a:fillRef>
-        <a:effectRef idx="0">
-          <a:scrgbClr r="0" g="0" b="0"/>
-        </a:effectRef>
-        <a:fontRef idx="minor"/>
-      </dsp:style>
-      <dsp:txBody>
-        <a:bodyPr spcFirstLastPara="0" vert="horz" wrap="square" lIns="0" tIns="0" rIns="0" bIns="0" numCol="1" spcCol="1270" anchor="ctr" anchorCtr="0">
-          <a:noAutofit/>
-        </a:bodyPr>
-        <a:lstStyle/>
-        <a:p>
-          <a:pPr lvl="0" algn="l" defTabSz="1422400" rtl="0">
-            <a:lnSpc>
-              <a:spcPct val="90000"/>
-            </a:lnSpc>
-            <a:spcBef>
-              <a:spcPct val="0"/>
-            </a:spcBef>
-            <a:spcAft>
-              <a:spcPct val="35000"/>
-            </a:spcAft>
-          </a:pPr>
-          <a:r>
-            <a:rPr lang="en-US" sz="3200" b="1" kern="1200" dirty="0" smtClean="0">
-              <a:solidFill>
-                <a:schemeClr val="accent4">
-                  <a:lumMod val="50000"/>
-                </a:schemeClr>
-              </a:solidFill>
-            </a:rPr>
-            <a:t>Type Providers! </a:t>
-          </a:r>
-          <a:endParaRPr lang="en-US" sz="3200" b="1" kern="1200" dirty="0">
-            <a:solidFill>
-              <a:schemeClr val="accent4">
-                <a:lumMod val="50000"/>
-              </a:schemeClr>
-            </a:solidFill>
-          </a:endParaRPr>
-        </a:p>
-      </dsp:txBody>
-      <dsp:txXfrm>
-        <a:off x="500295" y="4629937"/>
-        <a:ext cx="4345301" cy="771419"/>
-      </dsp:txXfrm>
-    </dsp:sp>
   </dsp:spTree>
 </dsp:drawing>
 </file>
@@ -11111,513 +10348,6 @@
       <dsp:cNvGrpSpPr/>
     </dsp:nvGrpSpPr>
     <dsp:grpSpPr/>
-    <dsp:sp modelId="{133D9D82-C18C-4E6C-BD78-CAC18A510840}">
-      <dsp:nvSpPr>
-        <dsp:cNvPr id="0" name=""/>
-        <dsp:cNvSpPr/>
-      </dsp:nvSpPr>
-      <dsp:spPr>
-        <a:xfrm>
-          <a:off x="528168" y="0"/>
-          <a:ext cx="5985907" cy="2880424"/>
-        </a:xfrm>
-        <a:prstGeom prst="rightArrow">
-          <a:avLst/>
-        </a:prstGeom>
-        <a:gradFill rotWithShape="0">
-          <a:gsLst>
-            <a:gs pos="0">
-              <a:schemeClr val="accent2"/>
-            </a:gs>
-            <a:gs pos="11000">
-              <a:schemeClr val="accent4">
-                <a:lumMod val="50000"/>
-              </a:schemeClr>
-            </a:gs>
-            <a:gs pos="100000">
-              <a:schemeClr val="accent4">
-                <a:lumMod val="50000"/>
-              </a:schemeClr>
-            </a:gs>
-          </a:gsLst>
-          <a:path path="circle">
-            <a:fillToRect l="100000" t="100000" r="100000" b="100000"/>
-          </a:path>
-        </a:gradFill>
-        <a:ln>
-          <a:noFill/>
-        </a:ln>
-        <a:effectLst/>
-        <a:scene3d>
-          <a:camera prst="orthographicFront"/>
-          <a:lightRig rig="threePt" dir="t">
-            <a:rot lat="0" lon="0" rev="7500000"/>
-          </a:lightRig>
-        </a:scene3d>
-        <a:sp3d z="-152400" extrusionH="63500" prstMaterial="matte">
-          <a:bevelT w="144450" h="6350" prst="relaxedInset"/>
-          <a:contourClr>
-            <a:schemeClr val="bg1"/>
-          </a:contourClr>
-        </a:sp3d>
-      </dsp:spPr>
-      <dsp:style>
-        <a:lnRef idx="0">
-          <a:scrgbClr r="0" g="0" b="0"/>
-        </a:lnRef>
-        <a:fillRef idx="3">
-          <a:scrgbClr r="0" g="0" b="0"/>
-        </a:fillRef>
-        <a:effectRef idx="0">
-          <a:scrgbClr r="0" g="0" b="0"/>
-        </a:effectRef>
-        <a:fontRef idx="minor"/>
-      </dsp:style>
-    </dsp:sp>
-    <dsp:sp modelId="{A5606B05-A0C0-4C29-8E8B-C69EB0594E2A}">
-      <dsp:nvSpPr>
-        <dsp:cNvPr id="0" name=""/>
-        <dsp:cNvSpPr/>
-      </dsp:nvSpPr>
-      <dsp:spPr>
-        <a:xfrm>
-          <a:off x="2868" y="859391"/>
-          <a:ext cx="1624317" cy="1152169"/>
-        </a:xfrm>
-        <a:prstGeom prst="roundRect">
-          <a:avLst/>
-        </a:prstGeom>
-        <a:gradFill rotWithShape="0">
-          <a:gsLst>
-            <a:gs pos="0">
-              <a:schemeClr val="accent2">
-                <a:hueOff val="0"/>
-                <a:satOff val="0"/>
-                <a:lumOff val="0"/>
-                <a:alphaOff val="0"/>
-              </a:schemeClr>
-            </a:gs>
-            <a:gs pos="90000">
-              <a:schemeClr val="accent2">
-                <a:hueOff val="0"/>
-                <a:satOff val="0"/>
-                <a:lumOff val="0"/>
-                <a:alphaOff val="0"/>
-                <a:shade val="100000"/>
-                <a:satMod val="105000"/>
-              </a:schemeClr>
-            </a:gs>
-            <a:gs pos="100000">
-              <a:schemeClr val="accent2">
-                <a:hueOff val="0"/>
-                <a:satOff val="0"/>
-                <a:lumOff val="0"/>
-                <a:alphaOff val="0"/>
-                <a:shade val="80000"/>
-                <a:satMod val="120000"/>
-              </a:schemeClr>
-            </a:gs>
-          </a:gsLst>
-          <a:path path="circle">
-            <a:fillToRect l="100000" t="100000" r="100000" b="100000"/>
-          </a:path>
-        </a:gradFill>
-        <a:ln>
-          <a:noFill/>
-        </a:ln>
-        <a:effectLst>
-          <a:outerShdw blurRad="38100" dist="25400" dir="5400000" rotWithShape="0">
-            <a:srgbClr val="000000">
-              <a:alpha val="45000"/>
-            </a:srgbClr>
-          </a:outerShdw>
-        </a:effectLst>
-        <a:scene3d>
-          <a:camera prst="orthographicFront"/>
-          <a:lightRig rig="threePt" dir="t">
-            <a:rot lat="0" lon="0" rev="7500000"/>
-          </a:lightRig>
-        </a:scene3d>
-        <a:sp3d prstMaterial="plastic">
-          <a:bevelT w="127000" h="25400" prst="relaxedInset"/>
-        </a:sp3d>
-      </dsp:spPr>
-      <dsp:style>
-        <a:lnRef idx="0">
-          <a:scrgbClr r="0" g="0" b="0"/>
-        </a:lnRef>
-        <a:fillRef idx="3">
-          <a:scrgbClr r="0" g="0" b="0"/>
-        </a:fillRef>
-        <a:effectRef idx="2">
-          <a:scrgbClr r="0" g="0" b="0"/>
-        </a:effectRef>
-        <a:fontRef idx="minor">
-          <a:schemeClr val="lt1"/>
-        </a:fontRef>
-      </dsp:style>
-      <dsp:txBody>
-        <a:bodyPr spcFirstLastPara="0" vert="horz" wrap="square" lIns="76200" tIns="76200" rIns="76200" bIns="76200" numCol="1" spcCol="1270" anchor="ctr" anchorCtr="0">
-          <a:noAutofit/>
-        </a:bodyPr>
-        <a:lstStyle/>
-        <a:p>
-          <a:pPr lvl="0" algn="ctr" defTabSz="889000" rtl="0">
-            <a:lnSpc>
-              <a:spcPct val="90000"/>
-            </a:lnSpc>
-            <a:spcBef>
-              <a:spcPct val="0"/>
-            </a:spcBef>
-            <a:spcAft>
-              <a:spcPct val="35000"/>
-            </a:spcAft>
-          </a:pPr>
-          <a:r>
-            <a:rPr lang="en-US" sz="2000" b="1" kern="1200" dirty="0" smtClean="0"/>
-            <a:t>Set up connection</a:t>
-          </a:r>
-          <a:endParaRPr lang="en-US" sz="2000" b="1" kern="1200" dirty="0"/>
-        </a:p>
-      </dsp:txBody>
-      <dsp:txXfrm>
-        <a:off x="59112" y="915635"/>
-        <a:ext cx="1511829" cy="1039681"/>
-      </dsp:txXfrm>
-    </dsp:sp>
-    <dsp:sp modelId="{64B1E964-3DC6-4415-9A5E-A83325ACA918}">
-      <dsp:nvSpPr>
-        <dsp:cNvPr id="0" name=""/>
-        <dsp:cNvSpPr/>
-      </dsp:nvSpPr>
-      <dsp:spPr>
-        <a:xfrm>
-          <a:off x="1825200" y="859391"/>
-          <a:ext cx="1132087" cy="1152169"/>
-        </a:xfrm>
-        <a:prstGeom prst="roundRect">
-          <a:avLst/>
-        </a:prstGeom>
-        <a:gradFill rotWithShape="0">
-          <a:gsLst>
-            <a:gs pos="0">
-              <a:schemeClr val="accent2">
-                <a:hueOff val="0"/>
-                <a:satOff val="0"/>
-                <a:lumOff val="0"/>
-                <a:alphaOff val="0"/>
-              </a:schemeClr>
-            </a:gs>
-            <a:gs pos="90000">
-              <a:schemeClr val="accent2">
-                <a:hueOff val="0"/>
-                <a:satOff val="0"/>
-                <a:lumOff val="0"/>
-                <a:alphaOff val="0"/>
-                <a:shade val="100000"/>
-                <a:satMod val="105000"/>
-              </a:schemeClr>
-            </a:gs>
-            <a:gs pos="100000">
-              <a:schemeClr val="accent2">
-                <a:hueOff val="0"/>
-                <a:satOff val="0"/>
-                <a:lumOff val="0"/>
-                <a:alphaOff val="0"/>
-                <a:shade val="80000"/>
-                <a:satMod val="120000"/>
-              </a:schemeClr>
-            </a:gs>
-          </a:gsLst>
-          <a:path path="circle">
-            <a:fillToRect l="100000" t="100000" r="100000" b="100000"/>
-          </a:path>
-        </a:gradFill>
-        <a:ln>
-          <a:noFill/>
-        </a:ln>
-        <a:effectLst>
-          <a:outerShdw blurRad="38100" dist="25400" dir="5400000" rotWithShape="0">
-            <a:srgbClr val="000000">
-              <a:alpha val="45000"/>
-            </a:srgbClr>
-          </a:outerShdw>
-        </a:effectLst>
-        <a:scene3d>
-          <a:camera prst="orthographicFront"/>
-          <a:lightRig rig="threePt" dir="t">
-            <a:rot lat="0" lon="0" rev="7500000"/>
-          </a:lightRig>
-        </a:scene3d>
-        <a:sp3d prstMaterial="plastic">
-          <a:bevelT w="127000" h="25400" prst="relaxedInset"/>
-        </a:sp3d>
-      </dsp:spPr>
-      <dsp:style>
-        <a:lnRef idx="0">
-          <a:scrgbClr r="0" g="0" b="0"/>
-        </a:lnRef>
-        <a:fillRef idx="3">
-          <a:scrgbClr r="0" g="0" b="0"/>
-        </a:fillRef>
-        <a:effectRef idx="2">
-          <a:scrgbClr r="0" g="0" b="0"/>
-        </a:effectRef>
-        <a:fontRef idx="minor">
-          <a:schemeClr val="lt1"/>
-        </a:fontRef>
-      </dsp:style>
-      <dsp:txBody>
-        <a:bodyPr spcFirstLastPara="0" vert="horz" wrap="square" lIns="76200" tIns="76200" rIns="76200" bIns="76200" numCol="1" spcCol="1270" anchor="ctr" anchorCtr="0">
-          <a:noAutofit/>
-        </a:bodyPr>
-        <a:lstStyle/>
-        <a:p>
-          <a:pPr lvl="0" algn="ctr" defTabSz="889000" rtl="0">
-            <a:lnSpc>
-              <a:spcPct val="90000"/>
-            </a:lnSpc>
-            <a:spcBef>
-              <a:spcPct val="0"/>
-            </a:spcBef>
-            <a:spcAft>
-              <a:spcPct val="35000"/>
-            </a:spcAft>
-          </a:pPr>
-          <a:r>
-            <a:rPr lang="en-US" sz="2000" b="1" kern="1200" dirty="0" smtClean="0"/>
-            <a:t>Obtain data</a:t>
-          </a:r>
-          <a:endParaRPr lang="en-US" sz="2000" b="1" kern="1200" dirty="0"/>
-        </a:p>
-      </dsp:txBody>
-      <dsp:txXfrm>
-        <a:off x="1880464" y="914655"/>
-        <a:ext cx="1021559" cy="1041641"/>
-      </dsp:txXfrm>
-    </dsp:sp>
-    <dsp:sp modelId="{CD60A385-9B88-44DC-960E-2CDB3996E30E}">
-      <dsp:nvSpPr>
-        <dsp:cNvPr id="0" name=""/>
-        <dsp:cNvSpPr/>
-      </dsp:nvSpPr>
-      <dsp:spPr>
-        <a:xfrm>
-          <a:off x="3155303" y="862445"/>
-          <a:ext cx="1934292" cy="1152169"/>
-        </a:xfrm>
-        <a:prstGeom prst="roundRect">
-          <a:avLst/>
-        </a:prstGeom>
-        <a:gradFill rotWithShape="0">
-          <a:gsLst>
-            <a:gs pos="0">
-              <a:schemeClr val="accent2">
-                <a:hueOff val="0"/>
-                <a:satOff val="0"/>
-                <a:lumOff val="0"/>
-                <a:alphaOff val="0"/>
-              </a:schemeClr>
-            </a:gs>
-            <a:gs pos="90000">
-              <a:schemeClr val="accent2">
-                <a:hueOff val="0"/>
-                <a:satOff val="0"/>
-                <a:lumOff val="0"/>
-                <a:alphaOff val="0"/>
-                <a:shade val="100000"/>
-                <a:satMod val="105000"/>
-              </a:schemeClr>
-            </a:gs>
-            <a:gs pos="100000">
-              <a:schemeClr val="accent2">
-                <a:hueOff val="0"/>
-                <a:satOff val="0"/>
-                <a:lumOff val="0"/>
-                <a:alphaOff val="0"/>
-                <a:shade val="80000"/>
-                <a:satMod val="120000"/>
-              </a:schemeClr>
-            </a:gs>
-          </a:gsLst>
-          <a:path path="circle">
-            <a:fillToRect l="100000" t="100000" r="100000" b="100000"/>
-          </a:path>
-        </a:gradFill>
-        <a:ln>
-          <a:noFill/>
-        </a:ln>
-        <a:effectLst>
-          <a:outerShdw blurRad="38100" dist="25400" dir="5400000" rotWithShape="0">
-            <a:srgbClr val="000000">
-              <a:alpha val="45000"/>
-            </a:srgbClr>
-          </a:outerShdw>
-        </a:effectLst>
-        <a:scene3d>
-          <a:camera prst="orthographicFront"/>
-          <a:lightRig rig="threePt" dir="t">
-            <a:rot lat="0" lon="0" rev="7500000"/>
-          </a:lightRig>
-        </a:scene3d>
-        <a:sp3d prstMaterial="plastic">
-          <a:bevelT w="127000" h="25400" prst="relaxedInset"/>
-        </a:sp3d>
-      </dsp:spPr>
-      <dsp:style>
-        <a:lnRef idx="0">
-          <a:scrgbClr r="0" g="0" b="0"/>
-        </a:lnRef>
-        <a:fillRef idx="3">
-          <a:scrgbClr r="0" g="0" b="0"/>
-        </a:fillRef>
-        <a:effectRef idx="2">
-          <a:scrgbClr r="0" g="0" b="0"/>
-        </a:effectRef>
-        <a:fontRef idx="minor">
-          <a:schemeClr val="lt1"/>
-        </a:fontRef>
-      </dsp:style>
-      <dsp:txBody>
-        <a:bodyPr spcFirstLastPara="0" vert="horz" wrap="square" lIns="76200" tIns="76200" rIns="76200" bIns="76200" numCol="1" spcCol="1270" anchor="ctr" anchorCtr="0">
-          <a:noAutofit/>
-        </a:bodyPr>
-        <a:lstStyle/>
-        <a:p>
-          <a:pPr lvl="0" algn="ctr" defTabSz="889000" rtl="0">
-            <a:lnSpc>
-              <a:spcPct val="90000"/>
-            </a:lnSpc>
-            <a:spcBef>
-              <a:spcPct val="0"/>
-            </a:spcBef>
-            <a:spcAft>
-              <a:spcPct val="35000"/>
-            </a:spcAft>
-          </a:pPr>
-          <a:r>
-            <a:rPr lang="en-US" sz="2000" b="1" kern="1200" dirty="0" smtClean="0"/>
-            <a:t>Create infrastructure</a:t>
-          </a:r>
-          <a:endParaRPr lang="en-US" sz="2000" b="1" kern="1200" dirty="0"/>
-        </a:p>
-      </dsp:txBody>
-      <dsp:txXfrm>
-        <a:off x="3211547" y="918689"/>
-        <a:ext cx="1821804" cy="1039681"/>
-      </dsp:txXfrm>
-    </dsp:sp>
-    <dsp:sp modelId="{A0DBA043-27DC-495C-B1C4-80BB13CF934D}">
-      <dsp:nvSpPr>
-        <dsp:cNvPr id="0" name=""/>
-        <dsp:cNvSpPr/>
-      </dsp:nvSpPr>
-      <dsp:spPr>
-        <a:xfrm>
-          <a:off x="5287613" y="862445"/>
-          <a:ext cx="1563873" cy="1152169"/>
-        </a:xfrm>
-        <a:prstGeom prst="roundRect">
-          <a:avLst/>
-        </a:prstGeom>
-        <a:gradFill rotWithShape="0">
-          <a:gsLst>
-            <a:gs pos="0">
-              <a:schemeClr val="accent2">
-                <a:hueOff val="0"/>
-                <a:satOff val="0"/>
-                <a:lumOff val="0"/>
-                <a:alphaOff val="0"/>
-              </a:schemeClr>
-            </a:gs>
-            <a:gs pos="90000">
-              <a:schemeClr val="accent2">
-                <a:hueOff val="0"/>
-                <a:satOff val="0"/>
-                <a:lumOff val="0"/>
-                <a:alphaOff val="0"/>
-                <a:shade val="100000"/>
-                <a:satMod val="105000"/>
-              </a:schemeClr>
-            </a:gs>
-            <a:gs pos="100000">
-              <a:schemeClr val="accent2">
-                <a:hueOff val="0"/>
-                <a:satOff val="0"/>
-                <a:lumOff val="0"/>
-                <a:alphaOff val="0"/>
-                <a:shade val="80000"/>
-                <a:satMod val="120000"/>
-              </a:schemeClr>
-            </a:gs>
-          </a:gsLst>
-          <a:path path="circle">
-            <a:fillToRect l="100000" t="100000" r="100000" b="100000"/>
-          </a:path>
-        </a:gradFill>
-        <a:ln>
-          <a:noFill/>
-        </a:ln>
-        <a:effectLst>
-          <a:outerShdw blurRad="38100" dist="25400" dir="5400000" rotWithShape="0">
-            <a:srgbClr val="000000">
-              <a:alpha val="45000"/>
-            </a:srgbClr>
-          </a:outerShdw>
-        </a:effectLst>
-        <a:scene3d>
-          <a:camera prst="orthographicFront"/>
-          <a:lightRig rig="threePt" dir="t">
-            <a:rot lat="0" lon="0" rev="7500000"/>
-          </a:lightRig>
-        </a:scene3d>
-        <a:sp3d prstMaterial="plastic">
-          <a:bevelT w="127000" h="25400" prst="relaxedInset"/>
-        </a:sp3d>
-      </dsp:spPr>
-      <dsp:style>
-        <a:lnRef idx="0">
-          <a:scrgbClr r="0" g="0" b="0"/>
-        </a:lnRef>
-        <a:fillRef idx="3">
-          <a:scrgbClr r="0" g="0" b="0"/>
-        </a:fillRef>
-        <a:effectRef idx="2">
-          <a:scrgbClr r="0" g="0" b="0"/>
-        </a:effectRef>
-        <a:fontRef idx="minor">
-          <a:schemeClr val="lt1"/>
-        </a:fontRef>
-      </dsp:style>
-      <dsp:txBody>
-        <a:bodyPr spcFirstLastPara="0" vert="horz" wrap="square" lIns="76200" tIns="76200" rIns="76200" bIns="76200" numCol="1" spcCol="1270" anchor="ctr" anchorCtr="0">
-          <a:noAutofit/>
-        </a:bodyPr>
-        <a:lstStyle/>
-        <a:p>
-          <a:pPr lvl="0" algn="ctr" defTabSz="889000" rtl="0">
-            <a:lnSpc>
-              <a:spcPct val="90000"/>
-            </a:lnSpc>
-            <a:spcBef>
-              <a:spcPct val="0"/>
-            </a:spcBef>
-            <a:spcAft>
-              <a:spcPct val="35000"/>
-            </a:spcAft>
-          </a:pPr>
-          <a:r>
-            <a:rPr lang="en-US" sz="2000" b="1" kern="1200" dirty="0" smtClean="0"/>
-            <a:t>Actually consume data</a:t>
-          </a:r>
-          <a:endParaRPr lang="en-US" sz="2000" b="1" kern="1200" dirty="0"/>
-        </a:p>
-      </dsp:txBody>
-      <dsp:txXfrm>
-        <a:off x="5343857" y="918689"/>
-        <a:ext cx="1451385" cy="1039681"/>
-      </dsp:txXfrm>
-    </dsp:sp>
   </dsp:spTree>
 </dsp:drawing>
 </file>
@@ -11630,417 +10360,6 @@
       <dsp:cNvGrpSpPr/>
     </dsp:nvGrpSpPr>
     <dsp:grpSpPr/>
-    <dsp:sp modelId="{538C1F93-2633-4DB7-AA7D-A5DE4FC8CB5A}">
-      <dsp:nvSpPr>
-        <dsp:cNvPr id="0" name=""/>
-        <dsp:cNvSpPr/>
-      </dsp:nvSpPr>
-      <dsp:spPr>
-        <a:xfrm>
-          <a:off x="2073862" y="315"/>
-          <a:ext cx="3748739" cy="1695495"/>
-        </a:xfrm>
-        <a:prstGeom prst="rect">
-          <a:avLst/>
-        </a:prstGeom>
-        <a:solidFill>
-          <a:schemeClr val="accent4">
-            <a:lumMod val="50000"/>
-          </a:schemeClr>
-        </a:solidFill>
-        <a:ln w="53975" cap="flat" cmpd="dbl" algn="ctr">
-          <a:solidFill>
-            <a:schemeClr val="lt1">
-              <a:hueOff val="0"/>
-              <a:satOff val="0"/>
-              <a:lumOff val="0"/>
-              <a:alphaOff val="0"/>
-            </a:schemeClr>
-          </a:solidFill>
-          <a:prstDash val="solid"/>
-        </a:ln>
-        <a:effectLst/>
-      </dsp:spPr>
-      <dsp:style>
-        <a:lnRef idx="3">
-          <a:scrgbClr r="0" g="0" b="0"/>
-        </a:lnRef>
-        <a:fillRef idx="1">
-          <a:scrgbClr r="0" g="0" b="0"/>
-        </a:fillRef>
-        <a:effectRef idx="1">
-          <a:scrgbClr r="0" g="0" b="0"/>
-        </a:effectRef>
-        <a:fontRef idx="minor">
-          <a:schemeClr val="lt1"/>
-        </a:fontRef>
-      </dsp:style>
-      <dsp:txBody>
-        <a:bodyPr spcFirstLastPara="0" vert="horz" wrap="square" lIns="76200" tIns="76200" rIns="76200" bIns="76200" numCol="1" spcCol="1270" anchor="t" anchorCtr="0">
-          <a:noAutofit/>
-        </a:bodyPr>
-        <a:lstStyle/>
-        <a:p>
-          <a:pPr lvl="0" algn="l" defTabSz="889000" rtl="0">
-            <a:lnSpc>
-              <a:spcPct val="90000"/>
-            </a:lnSpc>
-            <a:spcBef>
-              <a:spcPct val="0"/>
-            </a:spcBef>
-            <a:spcAft>
-              <a:spcPct val="35000"/>
-            </a:spcAft>
-          </a:pPr>
-          <a:r>
-            <a:rPr lang="en-US" sz="2000" b="1" kern="1200" dirty="0" smtClean="0"/>
-            <a:t>More natural with REPL</a:t>
-          </a:r>
-          <a:endParaRPr lang="en-US" sz="2000" b="1" kern="1200" dirty="0"/>
-        </a:p>
-      </dsp:txBody>
-      <dsp:txXfrm>
-        <a:off x="2073862" y="315"/>
-        <a:ext cx="3748739" cy="1695495"/>
-      </dsp:txXfrm>
-    </dsp:sp>
-    <dsp:sp modelId="{754CBADF-7C1E-4197-9623-DE30F3C029AC}">
-      <dsp:nvSpPr>
-        <dsp:cNvPr id="0" name=""/>
-        <dsp:cNvSpPr/>
-      </dsp:nvSpPr>
-      <dsp:spPr>
-        <a:xfrm>
-          <a:off x="227468" y="315"/>
-          <a:ext cx="1678540" cy="1695495"/>
-        </a:xfrm>
-        <a:prstGeom prst="rect">
-          <a:avLst/>
-        </a:prstGeom>
-        <a:solidFill>
-          <a:schemeClr val="accent2"/>
-        </a:solidFill>
-        <a:ln w="53975" cap="flat" cmpd="dbl" algn="ctr">
-          <a:solidFill>
-            <a:schemeClr val="lt1">
-              <a:hueOff val="0"/>
-              <a:satOff val="0"/>
-              <a:lumOff val="0"/>
-              <a:alphaOff val="0"/>
-            </a:schemeClr>
-          </a:solidFill>
-          <a:prstDash val="solid"/>
-        </a:ln>
-        <a:effectLst/>
-      </dsp:spPr>
-      <dsp:style>
-        <a:lnRef idx="3">
-          <a:scrgbClr r="0" g="0" b="0"/>
-        </a:lnRef>
-        <a:fillRef idx="1">
-          <a:scrgbClr r="0" g="0" b="0"/>
-        </a:fillRef>
-        <a:effectRef idx="1">
-          <a:scrgbClr r="0" g="0" b="0"/>
-        </a:effectRef>
-        <a:fontRef idx="minor">
-          <a:schemeClr val="lt1"/>
-        </a:fontRef>
-      </dsp:style>
-    </dsp:sp>
-    <dsp:sp modelId="{00C18325-64BA-4230-8D42-A8CBBE2E541A}">
-      <dsp:nvSpPr>
-        <dsp:cNvPr id="0" name=""/>
-        <dsp:cNvSpPr/>
-      </dsp:nvSpPr>
-      <dsp:spPr>
-        <a:xfrm>
-          <a:off x="227468" y="1975566"/>
-          <a:ext cx="3748739" cy="1695495"/>
-        </a:xfrm>
-        <a:prstGeom prst="rect">
-          <a:avLst/>
-        </a:prstGeom>
-        <a:solidFill>
-          <a:schemeClr val="accent4">
-            <a:lumMod val="50000"/>
-          </a:schemeClr>
-        </a:solidFill>
-        <a:ln w="53975" cap="flat" cmpd="dbl" algn="ctr">
-          <a:solidFill>
-            <a:schemeClr val="lt1">
-              <a:hueOff val="0"/>
-              <a:satOff val="0"/>
-              <a:lumOff val="0"/>
-              <a:alphaOff val="0"/>
-            </a:schemeClr>
-          </a:solidFill>
-          <a:prstDash val="solid"/>
-        </a:ln>
-        <a:effectLst/>
-      </dsp:spPr>
-      <dsp:style>
-        <a:lnRef idx="3">
-          <a:scrgbClr r="0" g="0" b="0"/>
-        </a:lnRef>
-        <a:fillRef idx="1">
-          <a:scrgbClr r="0" g="0" b="0"/>
-        </a:fillRef>
-        <a:effectRef idx="1">
-          <a:scrgbClr r="0" g="0" b="0"/>
-        </a:effectRef>
-        <a:fontRef idx="minor">
-          <a:schemeClr val="lt1"/>
-        </a:fontRef>
-      </dsp:style>
-      <dsp:txBody>
-        <a:bodyPr spcFirstLastPara="0" vert="horz" wrap="square" lIns="76200" tIns="76200" rIns="76200" bIns="76200" numCol="1" spcCol="1270" anchor="t" anchorCtr="0">
-          <a:noAutofit/>
-        </a:bodyPr>
-        <a:lstStyle/>
-        <a:p>
-          <a:pPr lvl="0" algn="l" defTabSz="889000" rtl="0">
-            <a:lnSpc>
-              <a:spcPct val="90000"/>
-            </a:lnSpc>
-            <a:spcBef>
-              <a:spcPct val="0"/>
-            </a:spcBef>
-            <a:spcAft>
-              <a:spcPct val="35000"/>
-            </a:spcAft>
-          </a:pPr>
-          <a:r>
-            <a:rPr lang="en-US" sz="2000" b="1" kern="1200" dirty="0" smtClean="0"/>
-            <a:t>No code generation</a:t>
-          </a:r>
-          <a:endParaRPr lang="en-US" sz="2000" b="1" kern="1200" dirty="0"/>
-        </a:p>
-        <a:p>
-          <a:pPr marL="171450" lvl="1" indent="-171450" algn="l" defTabSz="800100" rtl="0">
-            <a:lnSpc>
-              <a:spcPct val="90000"/>
-            </a:lnSpc>
-            <a:spcBef>
-              <a:spcPct val="0"/>
-            </a:spcBef>
-            <a:spcAft>
-              <a:spcPct val="15000"/>
-            </a:spcAft>
-            <a:buChar char="••"/>
-          </a:pPr>
-          <a:r>
-            <a:rPr lang="en-US" sz="1800" kern="1200" dirty="0" smtClean="0"/>
-            <a:t>Always in sync with the source</a:t>
-          </a:r>
-          <a:endParaRPr lang="en-US" sz="1800" kern="1200" dirty="0"/>
-        </a:p>
-        <a:p>
-          <a:pPr marL="171450" lvl="1" indent="-171450" algn="l" defTabSz="800100" rtl="0">
-            <a:lnSpc>
-              <a:spcPct val="90000"/>
-            </a:lnSpc>
-            <a:spcBef>
-              <a:spcPct val="0"/>
-            </a:spcBef>
-            <a:spcAft>
-              <a:spcPct val="15000"/>
-            </a:spcAft>
-            <a:buChar char="••"/>
-          </a:pPr>
-          <a:r>
-            <a:rPr lang="en-US" sz="1800" kern="1200" dirty="0" smtClean="0"/>
-            <a:t>No extra bloated code</a:t>
-          </a:r>
-          <a:endParaRPr lang="en-US" sz="1800" kern="1200" dirty="0"/>
-        </a:p>
-        <a:p>
-          <a:pPr marL="171450" lvl="1" indent="-171450" algn="l" defTabSz="800100" rtl="0">
-            <a:lnSpc>
-              <a:spcPct val="90000"/>
-            </a:lnSpc>
-            <a:spcBef>
-              <a:spcPct val="0"/>
-            </a:spcBef>
-            <a:spcAft>
-              <a:spcPct val="15000"/>
-            </a:spcAft>
-            <a:buChar char="••"/>
-          </a:pPr>
-          <a:r>
-            <a:rPr lang="en-US" sz="1800" kern="1200" dirty="0" smtClean="0"/>
-            <a:t>Scalable to millions of types (e.g. - freebase)</a:t>
-          </a:r>
-          <a:endParaRPr lang="en-US" sz="1800" kern="1200" dirty="0"/>
-        </a:p>
-      </dsp:txBody>
-      <dsp:txXfrm>
-        <a:off x="227468" y="1975566"/>
-        <a:ext cx="3748739" cy="1695495"/>
-      </dsp:txXfrm>
-    </dsp:sp>
-    <dsp:sp modelId="{B732AFC3-CBCB-40BD-93FB-614BAC717596}">
-      <dsp:nvSpPr>
-        <dsp:cNvPr id="0" name=""/>
-        <dsp:cNvSpPr/>
-      </dsp:nvSpPr>
-      <dsp:spPr>
-        <a:xfrm>
-          <a:off x="4144062" y="1975566"/>
-          <a:ext cx="1678540" cy="1695495"/>
-        </a:xfrm>
-        <a:prstGeom prst="rect">
-          <a:avLst/>
-        </a:prstGeom>
-        <a:solidFill>
-          <a:schemeClr val="accent2"/>
-        </a:solidFill>
-        <a:ln w="53975" cap="flat" cmpd="dbl" algn="ctr">
-          <a:solidFill>
-            <a:schemeClr val="lt1">
-              <a:hueOff val="0"/>
-              <a:satOff val="0"/>
-              <a:lumOff val="0"/>
-              <a:alphaOff val="0"/>
-            </a:schemeClr>
-          </a:solidFill>
-          <a:prstDash val="solid"/>
-        </a:ln>
-        <a:effectLst/>
-      </dsp:spPr>
-      <dsp:style>
-        <a:lnRef idx="3">
-          <a:scrgbClr r="0" g="0" b="0"/>
-        </a:lnRef>
-        <a:fillRef idx="1">
-          <a:scrgbClr r="0" g="0" b="0"/>
-        </a:fillRef>
-        <a:effectRef idx="1">
-          <a:scrgbClr r="0" g="0" b="0"/>
-        </a:effectRef>
-        <a:fontRef idx="minor">
-          <a:schemeClr val="lt1"/>
-        </a:fontRef>
-      </dsp:style>
-    </dsp:sp>
-    <dsp:sp modelId="{056E0795-FEBC-41A8-9465-02461723C490}">
-      <dsp:nvSpPr>
-        <dsp:cNvPr id="0" name=""/>
-        <dsp:cNvSpPr/>
-      </dsp:nvSpPr>
-      <dsp:spPr>
-        <a:xfrm>
-          <a:off x="2073862" y="3950818"/>
-          <a:ext cx="3748739" cy="1695495"/>
-        </a:xfrm>
-        <a:prstGeom prst="rect">
-          <a:avLst/>
-        </a:prstGeom>
-        <a:solidFill>
-          <a:schemeClr val="accent4">
-            <a:lumMod val="50000"/>
-          </a:schemeClr>
-        </a:solidFill>
-        <a:ln w="53975" cap="flat" cmpd="dbl" algn="ctr">
-          <a:solidFill>
-            <a:schemeClr val="lt1">
-              <a:hueOff val="0"/>
-              <a:satOff val="0"/>
-              <a:lumOff val="0"/>
-              <a:alphaOff val="0"/>
-            </a:schemeClr>
-          </a:solidFill>
-          <a:prstDash val="solid"/>
-        </a:ln>
-        <a:effectLst/>
-      </dsp:spPr>
-      <dsp:style>
-        <a:lnRef idx="3">
-          <a:scrgbClr r="0" g="0" b="0"/>
-        </a:lnRef>
-        <a:fillRef idx="1">
-          <a:scrgbClr r="0" g="0" b="0"/>
-        </a:fillRef>
-        <a:effectRef idx="1">
-          <a:scrgbClr r="0" g="0" b="0"/>
-        </a:effectRef>
-        <a:fontRef idx="minor">
-          <a:schemeClr val="lt1"/>
-        </a:fontRef>
-      </dsp:style>
-      <dsp:txBody>
-        <a:bodyPr spcFirstLastPara="0" vert="horz" wrap="square" lIns="76200" tIns="76200" rIns="76200" bIns="76200" numCol="1" spcCol="1270" anchor="t" anchorCtr="0">
-          <a:noAutofit/>
-        </a:bodyPr>
-        <a:lstStyle/>
-        <a:p>
-          <a:pPr lvl="0" algn="l" defTabSz="889000" rtl="0">
-            <a:lnSpc>
-              <a:spcPct val="90000"/>
-            </a:lnSpc>
-            <a:spcBef>
-              <a:spcPct val="0"/>
-            </a:spcBef>
-            <a:spcAft>
-              <a:spcPct val="35000"/>
-            </a:spcAft>
-          </a:pPr>
-          <a:r>
-            <a:rPr lang="en-US" sz="2000" b="1" kern="1200" dirty="0" smtClean="0"/>
-            <a:t>Intellisense, tooltips, &amp; other tooling available</a:t>
-          </a:r>
-          <a:endParaRPr lang="en-US" sz="2000" b="1" kern="1200" dirty="0"/>
-        </a:p>
-      </dsp:txBody>
-      <dsp:txXfrm>
-        <a:off x="2073862" y="3950818"/>
-        <a:ext cx="3748739" cy="1695495"/>
-      </dsp:txXfrm>
-    </dsp:sp>
-    <dsp:sp modelId="{9C693826-E8EF-40D9-9ACD-70564CCA445C}">
-      <dsp:nvSpPr>
-        <dsp:cNvPr id="0" name=""/>
-        <dsp:cNvSpPr/>
-      </dsp:nvSpPr>
-      <dsp:spPr>
-        <a:xfrm>
-          <a:off x="227468" y="3950818"/>
-          <a:ext cx="1678540" cy="1695495"/>
-        </a:xfrm>
-        <a:prstGeom prst="rect">
-          <a:avLst/>
-        </a:prstGeom>
-        <a:solidFill>
-          <a:schemeClr val="accent2"/>
-        </a:solidFill>
-        <a:ln w="53975" cap="flat" cmpd="dbl" algn="ctr">
-          <a:solidFill>
-            <a:schemeClr val="lt1">
-              <a:hueOff val="0"/>
-              <a:satOff val="0"/>
-              <a:lumOff val="0"/>
-              <a:alphaOff val="0"/>
-            </a:schemeClr>
-          </a:solidFill>
-          <a:prstDash val="solid"/>
-        </a:ln>
-        <a:effectLst/>
-      </dsp:spPr>
-      <dsp:style>
-        <a:lnRef idx="3">
-          <a:scrgbClr r="0" g="0" b="0"/>
-        </a:lnRef>
-        <a:fillRef idx="1">
-          <a:scrgbClr r="0" g="0" b="0"/>
-        </a:fillRef>
-        <a:effectRef idx="1">
-          <a:scrgbClr r="0" g="0" b="0"/>
-        </a:effectRef>
-        <a:fontRef idx="minor">
-          <a:schemeClr val="lt1"/>
-        </a:fontRef>
-      </dsp:style>
-    </dsp:sp>
   </dsp:spTree>
 </dsp:drawing>
 </file>
@@ -12053,2264 +10372,6 @@
       <dsp:cNvGrpSpPr/>
     </dsp:nvGrpSpPr>
     <dsp:grpSpPr/>
-    <dsp:sp modelId="{1388C9D4-43DF-41FA-B2EB-A2141A262C3F}">
-      <dsp:nvSpPr>
-        <dsp:cNvPr id="0" name=""/>
-        <dsp:cNvSpPr/>
-      </dsp:nvSpPr>
-      <dsp:spPr>
-        <a:xfrm>
-          <a:off x="475734" y="892"/>
-          <a:ext cx="1178681" cy="707208"/>
-        </a:xfrm>
-        <a:prstGeom prst="rect">
-          <a:avLst/>
-        </a:prstGeom>
-        <a:solidFill>
-          <a:schemeClr val="accent2"/>
-        </a:solidFill>
-        <a:ln w="19050" cap="flat" cmpd="sng" algn="ctr">
-          <a:solidFill>
-            <a:schemeClr val="lt1">
-              <a:hueOff val="0"/>
-              <a:satOff val="0"/>
-              <a:lumOff val="0"/>
-              <a:alphaOff val="0"/>
-            </a:schemeClr>
-          </a:solidFill>
-          <a:prstDash val="solid"/>
-        </a:ln>
-        <a:effectLst/>
-      </dsp:spPr>
-      <dsp:style>
-        <a:lnRef idx="2">
-          <a:scrgbClr r="0" g="0" b="0"/>
-        </a:lnRef>
-        <a:fillRef idx="1">
-          <a:scrgbClr r="0" g="0" b="0"/>
-        </a:fillRef>
-        <a:effectRef idx="0">
-          <a:scrgbClr r="0" g="0" b="0"/>
-        </a:effectRef>
-        <a:fontRef idx="minor">
-          <a:schemeClr val="lt1"/>
-        </a:fontRef>
-      </dsp:style>
-      <dsp:txBody>
-        <a:bodyPr spcFirstLastPara="0" vert="horz" wrap="square" lIns="0" tIns="0" rIns="0" bIns="0" numCol="1" spcCol="1270" anchor="ctr" anchorCtr="1">
-          <a:noAutofit/>
-        </a:bodyPr>
-        <a:lstStyle/>
-        <a:p>
-          <a:pPr lvl="0" algn="ctr" defTabSz="622300" rtl="0">
-            <a:lnSpc>
-              <a:spcPct val="90000"/>
-            </a:lnSpc>
-            <a:spcBef>
-              <a:spcPct val="0"/>
-            </a:spcBef>
-            <a:spcAft>
-              <a:spcPct val="35000"/>
-            </a:spcAft>
-          </a:pPr>
-          <a:r>
-            <a:rPr lang="en-US" sz="1400" kern="800" spc="0" baseline="0" dirty="0" smtClean="0">
-              <a:solidFill>
-                <a:schemeClr val="bg1"/>
-              </a:solidFill>
-              <a:hlinkClick xmlns:r="http://schemas.openxmlformats.org/officeDocument/2006/relationships" r:id="rId1"/>
-            </a:rPr>
-            <a:t>powershell</a:t>
-          </a:r>
-          <a:endParaRPr lang="en-US" sz="1400" kern="800" spc="0" baseline="0" dirty="0">
-            <a:solidFill>
-              <a:schemeClr val="bg1"/>
-            </a:solidFill>
-          </a:endParaRPr>
-        </a:p>
-      </dsp:txBody>
-      <dsp:txXfrm>
-        <a:off x="475734" y="892"/>
-        <a:ext cx="1178681" cy="707208"/>
-      </dsp:txXfrm>
-    </dsp:sp>
-    <dsp:sp modelId="{DEF38988-93B3-44CC-9130-76FF57549860}">
-      <dsp:nvSpPr>
-        <dsp:cNvPr id="0" name=""/>
-        <dsp:cNvSpPr/>
-      </dsp:nvSpPr>
-      <dsp:spPr>
-        <a:xfrm>
-          <a:off x="1772284" y="892"/>
-          <a:ext cx="1178681" cy="707208"/>
-        </a:xfrm>
-        <a:prstGeom prst="rect">
-          <a:avLst/>
-        </a:prstGeom>
-        <a:solidFill>
-          <a:schemeClr val="accent2"/>
-        </a:solidFill>
-        <a:ln w="19050" cap="flat" cmpd="sng" algn="ctr">
-          <a:solidFill>
-            <a:schemeClr val="lt1">
-              <a:hueOff val="0"/>
-              <a:satOff val="0"/>
-              <a:lumOff val="0"/>
-              <a:alphaOff val="0"/>
-            </a:schemeClr>
-          </a:solidFill>
-          <a:prstDash val="solid"/>
-        </a:ln>
-        <a:effectLst/>
-      </dsp:spPr>
-      <dsp:style>
-        <a:lnRef idx="2">
-          <a:scrgbClr r="0" g="0" b="0"/>
-        </a:lnRef>
-        <a:fillRef idx="1">
-          <a:scrgbClr r="0" g="0" b="0"/>
-        </a:fillRef>
-        <a:effectRef idx="0">
-          <a:scrgbClr r="0" g="0" b="0"/>
-        </a:effectRef>
-        <a:fontRef idx="minor">
-          <a:schemeClr val="lt1"/>
-        </a:fontRef>
-      </dsp:style>
-      <dsp:txBody>
-        <a:bodyPr spcFirstLastPara="0" vert="horz" wrap="square" lIns="0" tIns="0" rIns="0" bIns="0" numCol="1" spcCol="1270" anchor="ctr" anchorCtr="1">
-          <a:noAutofit/>
-        </a:bodyPr>
-        <a:lstStyle/>
-        <a:p>
-          <a:pPr lvl="0" algn="ctr" defTabSz="1066800" rtl="0">
-            <a:lnSpc>
-              <a:spcPct val="90000"/>
-            </a:lnSpc>
-            <a:spcBef>
-              <a:spcPct val="0"/>
-            </a:spcBef>
-            <a:spcAft>
-              <a:spcPct val="35000"/>
-            </a:spcAft>
-          </a:pPr>
-          <a:r>
-            <a:rPr lang="en-US" sz="2400" kern="800" spc="0" baseline="0" dirty="0" smtClean="0">
-              <a:solidFill>
-                <a:schemeClr val="bg1"/>
-              </a:solidFill>
-              <a:hlinkClick xmlns:r="http://schemas.openxmlformats.org/officeDocument/2006/relationships" r:id="rId2"/>
-            </a:rPr>
-            <a:t>Azure</a:t>
-          </a:r>
-          <a:endParaRPr lang="en-US" sz="2400" kern="800" spc="0" baseline="0" dirty="0">
-            <a:solidFill>
-              <a:schemeClr val="bg1"/>
-            </a:solidFill>
-          </a:endParaRPr>
-        </a:p>
-      </dsp:txBody>
-      <dsp:txXfrm>
-        <a:off x="1772284" y="892"/>
-        <a:ext cx="1178681" cy="707208"/>
-      </dsp:txXfrm>
-    </dsp:sp>
-    <dsp:sp modelId="{0F664ED1-9E15-4A36-8E6F-8AFB7799F781}">
-      <dsp:nvSpPr>
-        <dsp:cNvPr id="0" name=""/>
-        <dsp:cNvSpPr/>
-      </dsp:nvSpPr>
-      <dsp:spPr>
-        <a:xfrm>
-          <a:off x="3068834" y="892"/>
-          <a:ext cx="1178681" cy="707208"/>
-        </a:xfrm>
-        <a:prstGeom prst="rect">
-          <a:avLst/>
-        </a:prstGeom>
-        <a:solidFill>
-          <a:schemeClr val="accent2"/>
-        </a:solidFill>
-        <a:ln w="19050" cap="flat" cmpd="sng" algn="ctr">
-          <a:solidFill>
-            <a:schemeClr val="lt1">
-              <a:hueOff val="0"/>
-              <a:satOff val="0"/>
-              <a:lumOff val="0"/>
-              <a:alphaOff val="0"/>
-            </a:schemeClr>
-          </a:solidFill>
-          <a:prstDash val="solid"/>
-        </a:ln>
-        <a:effectLst/>
-      </dsp:spPr>
-      <dsp:style>
-        <a:lnRef idx="2">
-          <a:scrgbClr r="0" g="0" b="0"/>
-        </a:lnRef>
-        <a:fillRef idx="1">
-          <a:scrgbClr r="0" g="0" b="0"/>
-        </a:fillRef>
-        <a:effectRef idx="0">
-          <a:scrgbClr r="0" g="0" b="0"/>
-        </a:effectRef>
-        <a:fontRef idx="minor">
-          <a:schemeClr val="lt1"/>
-        </a:fontRef>
-      </dsp:style>
-      <dsp:txBody>
-        <a:bodyPr spcFirstLastPara="0" vert="horz" wrap="square" lIns="0" tIns="0" rIns="0" bIns="0" numCol="1" spcCol="1270" anchor="ctr" anchorCtr="1">
-          <a:noAutofit/>
-        </a:bodyPr>
-        <a:lstStyle/>
-        <a:p>
-          <a:pPr lvl="0" algn="ctr" defTabSz="488950" rtl="0">
-            <a:lnSpc>
-              <a:spcPct val="90000"/>
-            </a:lnSpc>
-            <a:spcBef>
-              <a:spcPct val="0"/>
-            </a:spcBef>
-            <a:spcAft>
-              <a:spcPct val="35000"/>
-            </a:spcAft>
-          </a:pPr>
-          <a:r>
-            <a:rPr lang="en-US" sz="1100" kern="800" spc="0" baseline="0" dirty="0" smtClean="0">
-              <a:solidFill>
-                <a:schemeClr val="bg1"/>
-              </a:solidFill>
-              <a:hlinkClick xmlns:r="http://schemas.openxmlformats.org/officeDocument/2006/relationships" r:id="rId3"/>
-            </a:rPr>
-            <a:t>Choose your own adventure</a:t>
-          </a:r>
-          <a:endParaRPr lang="en-US" sz="1100" kern="800" spc="0" baseline="0" dirty="0">
-            <a:solidFill>
-              <a:schemeClr val="bg1"/>
-            </a:solidFill>
-          </a:endParaRPr>
-        </a:p>
-      </dsp:txBody>
-      <dsp:txXfrm>
-        <a:off x="3068834" y="892"/>
-        <a:ext cx="1178681" cy="707208"/>
-      </dsp:txXfrm>
-    </dsp:sp>
-    <dsp:sp modelId="{68595508-6B7C-41BF-B427-CA8030A3B6DD}">
-      <dsp:nvSpPr>
-        <dsp:cNvPr id="0" name=""/>
-        <dsp:cNvSpPr/>
-      </dsp:nvSpPr>
-      <dsp:spPr>
-        <a:xfrm>
-          <a:off x="4365383" y="892"/>
-          <a:ext cx="1178681" cy="707208"/>
-        </a:xfrm>
-        <a:prstGeom prst="rect">
-          <a:avLst/>
-        </a:prstGeom>
-        <a:solidFill>
-          <a:schemeClr val="accent2"/>
-        </a:solidFill>
-        <a:ln w="19050" cap="flat" cmpd="sng" algn="ctr">
-          <a:solidFill>
-            <a:schemeClr val="lt1">
-              <a:hueOff val="0"/>
-              <a:satOff val="0"/>
-              <a:lumOff val="0"/>
-              <a:alphaOff val="0"/>
-            </a:schemeClr>
-          </a:solidFill>
-          <a:prstDash val="solid"/>
-        </a:ln>
-        <a:effectLst/>
-      </dsp:spPr>
-      <dsp:style>
-        <a:lnRef idx="2">
-          <a:scrgbClr r="0" g="0" b="0"/>
-        </a:lnRef>
-        <a:fillRef idx="1">
-          <a:scrgbClr r="0" g="0" b="0"/>
-        </a:fillRef>
-        <a:effectRef idx="0">
-          <a:scrgbClr r="0" g="0" b="0"/>
-        </a:effectRef>
-        <a:fontRef idx="minor">
-          <a:schemeClr val="lt1"/>
-        </a:fontRef>
-      </dsp:style>
-      <dsp:txBody>
-        <a:bodyPr spcFirstLastPara="0" vert="horz" wrap="square" lIns="0" tIns="0" rIns="0" bIns="0" numCol="1" spcCol="1270" anchor="ctr" anchorCtr="1">
-          <a:noAutofit/>
-        </a:bodyPr>
-        <a:lstStyle/>
-        <a:p>
-          <a:pPr lvl="0" algn="ctr" defTabSz="933450" rtl="0">
-            <a:lnSpc>
-              <a:spcPct val="90000"/>
-            </a:lnSpc>
-            <a:spcBef>
-              <a:spcPct val="0"/>
-            </a:spcBef>
-            <a:spcAft>
-              <a:spcPct val="35000"/>
-            </a:spcAft>
-          </a:pPr>
-          <a:r>
-            <a:rPr lang="en-US" sz="2100" kern="800" spc="0" baseline="0" dirty="0" smtClean="0">
-              <a:solidFill>
-                <a:schemeClr val="bg1"/>
-              </a:solidFill>
-              <a:hlinkClick xmlns:r="http://schemas.openxmlformats.org/officeDocument/2006/relationships" r:id="rId4"/>
-            </a:rPr>
-            <a:t>Matlab</a:t>
-          </a:r>
-          <a:endParaRPr lang="en-US" sz="2100" kern="800" spc="0" baseline="0" dirty="0">
-            <a:solidFill>
-              <a:schemeClr val="bg1"/>
-            </a:solidFill>
-          </a:endParaRPr>
-        </a:p>
-      </dsp:txBody>
-      <dsp:txXfrm>
-        <a:off x="4365383" y="892"/>
-        <a:ext cx="1178681" cy="707208"/>
-      </dsp:txXfrm>
-    </dsp:sp>
-    <dsp:sp modelId="{81654458-C405-4341-8C38-1872C057BFB4}">
-      <dsp:nvSpPr>
-        <dsp:cNvPr id="0" name=""/>
-        <dsp:cNvSpPr/>
-      </dsp:nvSpPr>
-      <dsp:spPr>
-        <a:xfrm>
-          <a:off x="475734" y="825969"/>
-          <a:ext cx="1178681" cy="707208"/>
-        </a:xfrm>
-        <a:prstGeom prst="rect">
-          <a:avLst/>
-        </a:prstGeom>
-        <a:solidFill>
-          <a:schemeClr val="accent2"/>
-        </a:solidFill>
-        <a:ln w="19050" cap="flat" cmpd="sng" algn="ctr">
-          <a:solidFill>
-            <a:schemeClr val="lt1">
-              <a:hueOff val="0"/>
-              <a:satOff val="0"/>
-              <a:lumOff val="0"/>
-              <a:alphaOff val="0"/>
-            </a:schemeClr>
-          </a:solidFill>
-          <a:prstDash val="solid"/>
-        </a:ln>
-        <a:effectLst/>
-      </dsp:spPr>
-      <dsp:style>
-        <a:lnRef idx="2">
-          <a:scrgbClr r="0" g="0" b="0"/>
-        </a:lnRef>
-        <a:fillRef idx="1">
-          <a:scrgbClr r="0" g="0" b="0"/>
-        </a:fillRef>
-        <a:effectRef idx="0">
-          <a:scrgbClr r="0" g="0" b="0"/>
-        </a:effectRef>
-        <a:fontRef idx="minor">
-          <a:schemeClr val="lt1"/>
-        </a:fontRef>
-      </dsp:style>
-      <dsp:txBody>
-        <a:bodyPr spcFirstLastPara="0" vert="horz" wrap="square" lIns="0" tIns="0" rIns="0" bIns="0" numCol="1" spcCol="1270" anchor="ctr" anchorCtr="1">
-          <a:noAutofit/>
-        </a:bodyPr>
-        <a:lstStyle/>
-        <a:p>
-          <a:pPr lvl="0" algn="ctr" defTabSz="1422400" rtl="0">
-            <a:lnSpc>
-              <a:spcPct val="90000"/>
-            </a:lnSpc>
-            <a:spcBef>
-              <a:spcPct val="0"/>
-            </a:spcBef>
-            <a:spcAft>
-              <a:spcPct val="35000"/>
-            </a:spcAft>
-          </a:pPr>
-          <a:r>
-            <a:rPr lang="en-US" sz="3200" kern="800" spc="0" baseline="0" dirty="0" smtClean="0">
-              <a:solidFill>
-                <a:schemeClr val="bg1"/>
-              </a:solidFill>
-              <a:hlinkClick xmlns:r="http://schemas.openxmlformats.org/officeDocument/2006/relationships" r:id="rId5"/>
-            </a:rPr>
-            <a:t>RSS</a:t>
-          </a:r>
-          <a:endParaRPr lang="en-US" sz="3200" kern="800" spc="0" baseline="0" dirty="0">
-            <a:solidFill>
-              <a:schemeClr val="bg1"/>
-            </a:solidFill>
-          </a:endParaRPr>
-        </a:p>
-      </dsp:txBody>
-      <dsp:txXfrm>
-        <a:off x="475734" y="825969"/>
-        <a:ext cx="1178681" cy="707208"/>
-      </dsp:txXfrm>
-    </dsp:sp>
-    <dsp:sp modelId="{34FDB0CA-EA4F-4BFE-96D1-0E54D0B880A9}">
-      <dsp:nvSpPr>
-        <dsp:cNvPr id="0" name=""/>
-        <dsp:cNvSpPr/>
-      </dsp:nvSpPr>
-      <dsp:spPr>
-        <a:xfrm>
-          <a:off x="1772284" y="825969"/>
-          <a:ext cx="1178681" cy="707208"/>
-        </a:xfrm>
-        <a:prstGeom prst="rect">
-          <a:avLst/>
-        </a:prstGeom>
-        <a:solidFill>
-          <a:schemeClr val="accent2"/>
-        </a:solidFill>
-        <a:ln w="19050" cap="flat" cmpd="sng" algn="ctr">
-          <a:solidFill>
-            <a:schemeClr val="lt1">
-              <a:hueOff val="0"/>
-              <a:satOff val="0"/>
-              <a:lumOff val="0"/>
-              <a:alphaOff val="0"/>
-            </a:schemeClr>
-          </a:solidFill>
-          <a:prstDash val="solid"/>
-        </a:ln>
-        <a:effectLst/>
-      </dsp:spPr>
-      <dsp:style>
-        <a:lnRef idx="2">
-          <a:scrgbClr r="0" g="0" b="0"/>
-        </a:lnRef>
-        <a:fillRef idx="1">
-          <a:scrgbClr r="0" g="0" b="0"/>
-        </a:fillRef>
-        <a:effectRef idx="0">
-          <a:scrgbClr r="0" g="0" b="0"/>
-        </a:effectRef>
-        <a:fontRef idx="minor">
-          <a:schemeClr val="lt1"/>
-        </a:fontRef>
-      </dsp:style>
-      <dsp:txBody>
-        <a:bodyPr spcFirstLastPara="0" vert="horz" wrap="square" lIns="0" tIns="0" rIns="0" bIns="0" numCol="1" spcCol="1270" anchor="ctr" anchorCtr="1">
-          <a:noAutofit/>
-        </a:bodyPr>
-        <a:lstStyle/>
-        <a:p>
-          <a:pPr lvl="0" algn="ctr" defTabSz="1022350" rtl="0">
-            <a:lnSpc>
-              <a:spcPct val="90000"/>
-            </a:lnSpc>
-            <a:spcBef>
-              <a:spcPct val="0"/>
-            </a:spcBef>
-            <a:spcAft>
-              <a:spcPct val="35000"/>
-            </a:spcAft>
-          </a:pPr>
-          <a:r>
-            <a:rPr lang="en-US" sz="2300" kern="800" spc="0" baseline="0" dirty="0" smtClean="0">
-              <a:solidFill>
-                <a:schemeClr val="bg1"/>
-              </a:solidFill>
-            </a:rPr>
-            <a:t>DBML</a:t>
-          </a:r>
-          <a:endParaRPr lang="en-US" sz="2300" kern="800" spc="0" baseline="0" dirty="0">
-            <a:solidFill>
-              <a:schemeClr val="bg1"/>
-            </a:solidFill>
-          </a:endParaRPr>
-        </a:p>
-      </dsp:txBody>
-      <dsp:txXfrm>
-        <a:off x="1772284" y="825969"/>
-        <a:ext cx="1178681" cy="707208"/>
-      </dsp:txXfrm>
-    </dsp:sp>
-    <dsp:sp modelId="{54788F00-332C-4CF5-93F0-38CA61254BEF}">
-      <dsp:nvSpPr>
-        <dsp:cNvPr id="0" name=""/>
-        <dsp:cNvSpPr/>
-      </dsp:nvSpPr>
-      <dsp:spPr>
-        <a:xfrm>
-          <a:off x="3068834" y="825969"/>
-          <a:ext cx="1178681" cy="707208"/>
-        </a:xfrm>
-        <a:prstGeom prst="rect">
-          <a:avLst/>
-        </a:prstGeom>
-        <a:solidFill>
-          <a:schemeClr val="accent2"/>
-        </a:solidFill>
-        <a:ln w="19050" cap="flat" cmpd="sng" algn="ctr">
-          <a:solidFill>
-            <a:schemeClr val="lt1">
-              <a:hueOff val="0"/>
-              <a:satOff val="0"/>
-              <a:lumOff val="0"/>
-              <a:alphaOff val="0"/>
-            </a:schemeClr>
-          </a:solidFill>
-          <a:prstDash val="solid"/>
-        </a:ln>
-        <a:effectLst/>
-      </dsp:spPr>
-      <dsp:style>
-        <a:lnRef idx="2">
-          <a:scrgbClr r="0" g="0" b="0"/>
-        </a:lnRef>
-        <a:fillRef idx="1">
-          <a:scrgbClr r="0" g="0" b="0"/>
-        </a:fillRef>
-        <a:effectRef idx="0">
-          <a:scrgbClr r="0" g="0" b="0"/>
-        </a:effectRef>
-        <a:fontRef idx="minor">
-          <a:schemeClr val="lt1"/>
-        </a:fontRef>
-      </dsp:style>
-      <dsp:txBody>
-        <a:bodyPr spcFirstLastPara="0" vert="horz" wrap="square" lIns="0" tIns="0" rIns="0" bIns="0" numCol="1" spcCol="1270" anchor="ctr" anchorCtr="1">
-          <a:noAutofit/>
-        </a:bodyPr>
-        <a:lstStyle/>
-        <a:p>
-          <a:pPr lvl="0" algn="ctr" defTabSz="889000" rtl="0">
-            <a:lnSpc>
-              <a:spcPct val="90000"/>
-            </a:lnSpc>
-            <a:spcBef>
-              <a:spcPct val="0"/>
-            </a:spcBef>
-            <a:spcAft>
-              <a:spcPct val="35000"/>
-            </a:spcAft>
-          </a:pPr>
-          <a:r>
-            <a:rPr lang="en-US" sz="2000" kern="800" spc="0" baseline="0" dirty="0" smtClean="0">
-              <a:solidFill>
-                <a:schemeClr val="bg1"/>
-              </a:solidFill>
-            </a:rPr>
-            <a:t>EDMX</a:t>
-          </a:r>
-          <a:endParaRPr lang="en-US" sz="2000" kern="800" spc="0" baseline="0" dirty="0">
-            <a:solidFill>
-              <a:schemeClr val="bg1"/>
-            </a:solidFill>
-          </a:endParaRPr>
-        </a:p>
-      </dsp:txBody>
-      <dsp:txXfrm>
-        <a:off x="3068834" y="825969"/>
-        <a:ext cx="1178681" cy="707208"/>
-      </dsp:txXfrm>
-    </dsp:sp>
-    <dsp:sp modelId="{CB127872-49AA-4652-BCC7-A57D81980281}">
-      <dsp:nvSpPr>
-        <dsp:cNvPr id="0" name=""/>
-        <dsp:cNvSpPr/>
-      </dsp:nvSpPr>
-      <dsp:spPr>
-        <a:xfrm>
-          <a:off x="4365383" y="825969"/>
-          <a:ext cx="1178681" cy="707208"/>
-        </a:xfrm>
-        <a:prstGeom prst="rect">
-          <a:avLst/>
-        </a:prstGeom>
-        <a:solidFill>
-          <a:schemeClr val="accent2"/>
-        </a:solidFill>
-        <a:ln w="19050" cap="flat" cmpd="sng" algn="ctr">
-          <a:solidFill>
-            <a:schemeClr val="lt1">
-              <a:hueOff val="0"/>
-              <a:satOff val="0"/>
-              <a:lumOff val="0"/>
-              <a:alphaOff val="0"/>
-            </a:schemeClr>
-          </a:solidFill>
-          <a:prstDash val="solid"/>
-        </a:ln>
-        <a:effectLst/>
-      </dsp:spPr>
-      <dsp:style>
-        <a:lnRef idx="2">
-          <a:scrgbClr r="0" g="0" b="0"/>
-        </a:lnRef>
-        <a:fillRef idx="1">
-          <a:scrgbClr r="0" g="0" b="0"/>
-        </a:fillRef>
-        <a:effectRef idx="0">
-          <a:scrgbClr r="0" g="0" b="0"/>
-        </a:effectRef>
-        <a:fontRef idx="minor">
-          <a:schemeClr val="lt1"/>
-        </a:fontRef>
-      </dsp:style>
-      <dsp:txBody>
-        <a:bodyPr spcFirstLastPara="0" vert="horz" wrap="square" lIns="0" tIns="0" rIns="0" bIns="0" numCol="1" spcCol="1270" anchor="ctr" anchorCtr="1">
-          <a:noAutofit/>
-        </a:bodyPr>
-        <a:lstStyle/>
-        <a:p>
-          <a:pPr lvl="0" algn="ctr" defTabSz="889000">
-            <a:lnSpc>
-              <a:spcPct val="90000"/>
-            </a:lnSpc>
-            <a:spcBef>
-              <a:spcPct val="0"/>
-            </a:spcBef>
-            <a:spcAft>
-              <a:spcPct val="35000"/>
-            </a:spcAft>
-          </a:pPr>
-          <a:r>
-            <a:rPr lang="en-US" sz="2000" kern="800" spc="0" baseline="0" dirty="0" smtClean="0">
-              <a:solidFill>
-                <a:schemeClr val="bg1"/>
-              </a:solidFill>
-              <a:hlinkClick xmlns:r="http://schemas.openxmlformats.org/officeDocument/2006/relationships" r:id="rId6"/>
-            </a:rPr>
-            <a:t>SignalR</a:t>
-          </a:r>
-          <a:endParaRPr lang="en-US" sz="2000" kern="800" spc="0" baseline="0" dirty="0"/>
-        </a:p>
-      </dsp:txBody>
-      <dsp:txXfrm>
-        <a:off x="4365383" y="825969"/>
-        <a:ext cx="1178681" cy="707208"/>
-      </dsp:txXfrm>
-    </dsp:sp>
-    <dsp:sp modelId="{FA328A23-B0DA-44BF-8005-52DA03D7449F}">
-      <dsp:nvSpPr>
-        <dsp:cNvPr id="0" name=""/>
-        <dsp:cNvSpPr/>
-      </dsp:nvSpPr>
-      <dsp:spPr>
-        <a:xfrm>
-          <a:off x="475734" y="1651046"/>
-          <a:ext cx="1178681" cy="707208"/>
-        </a:xfrm>
-        <a:prstGeom prst="rect">
-          <a:avLst/>
-        </a:prstGeom>
-        <a:solidFill>
-          <a:schemeClr val="accent2"/>
-        </a:solidFill>
-        <a:ln w="19050" cap="flat" cmpd="sng" algn="ctr">
-          <a:solidFill>
-            <a:schemeClr val="lt1">
-              <a:hueOff val="0"/>
-              <a:satOff val="0"/>
-              <a:lumOff val="0"/>
-              <a:alphaOff val="0"/>
-            </a:schemeClr>
-          </a:solidFill>
-          <a:prstDash val="solid"/>
-        </a:ln>
-        <a:effectLst/>
-      </dsp:spPr>
-      <dsp:style>
-        <a:lnRef idx="2">
-          <a:scrgbClr r="0" g="0" b="0"/>
-        </a:lnRef>
-        <a:fillRef idx="1">
-          <a:scrgbClr r="0" g="0" b="0"/>
-        </a:fillRef>
-        <a:effectRef idx="0">
-          <a:scrgbClr r="0" g="0" b="0"/>
-        </a:effectRef>
-        <a:fontRef idx="minor">
-          <a:schemeClr val="lt1"/>
-        </a:fontRef>
-      </dsp:style>
-      <dsp:txBody>
-        <a:bodyPr spcFirstLastPara="0" vert="horz" wrap="square" lIns="0" tIns="0" rIns="0" bIns="0" numCol="1" spcCol="1270" anchor="ctr" anchorCtr="1">
-          <a:noAutofit/>
-        </a:bodyPr>
-        <a:lstStyle/>
-        <a:p>
-          <a:pPr lvl="0" algn="ctr" defTabSz="711200" rtl="0">
-            <a:lnSpc>
-              <a:spcPct val="90000"/>
-            </a:lnSpc>
-            <a:spcBef>
-              <a:spcPct val="0"/>
-            </a:spcBef>
-            <a:spcAft>
-              <a:spcPct val="35000"/>
-            </a:spcAft>
-          </a:pPr>
-          <a:r>
-            <a:rPr lang="en-US" sz="1600" kern="800" spc="0" baseline="0" dirty="0" smtClean="0">
-              <a:solidFill>
-                <a:schemeClr val="bg1"/>
-              </a:solidFill>
-              <a:hlinkClick xmlns:r="http://schemas.openxmlformats.org/officeDocument/2006/relationships" r:id="rId7"/>
-            </a:rPr>
-            <a:t>FunScript</a:t>
-          </a:r>
-          <a:endParaRPr lang="en-US" sz="1600" kern="800" spc="0" baseline="0" dirty="0">
-            <a:solidFill>
-              <a:schemeClr val="bg1"/>
-            </a:solidFill>
-          </a:endParaRPr>
-        </a:p>
-      </dsp:txBody>
-      <dsp:txXfrm>
-        <a:off x="475734" y="1651046"/>
-        <a:ext cx="1178681" cy="707208"/>
-      </dsp:txXfrm>
-    </dsp:sp>
-    <dsp:sp modelId="{D83F89E9-4A45-44B3-AC02-4867E5F9D4CD}">
-      <dsp:nvSpPr>
-        <dsp:cNvPr id="0" name=""/>
-        <dsp:cNvSpPr/>
-      </dsp:nvSpPr>
-      <dsp:spPr>
-        <a:xfrm>
-          <a:off x="1772284" y="1651046"/>
-          <a:ext cx="1178681" cy="707208"/>
-        </a:xfrm>
-        <a:prstGeom prst="rect">
-          <a:avLst/>
-        </a:prstGeom>
-        <a:solidFill>
-          <a:schemeClr val="accent2"/>
-        </a:solidFill>
-        <a:ln w="19050" cap="flat" cmpd="sng" algn="ctr">
-          <a:solidFill>
-            <a:schemeClr val="lt1">
-              <a:hueOff val="0"/>
-              <a:satOff val="0"/>
-              <a:lumOff val="0"/>
-              <a:alphaOff val="0"/>
-            </a:schemeClr>
-          </a:solidFill>
-          <a:prstDash val="solid"/>
-        </a:ln>
-        <a:effectLst/>
-      </dsp:spPr>
-      <dsp:style>
-        <a:lnRef idx="2">
-          <a:scrgbClr r="0" g="0" b="0"/>
-        </a:lnRef>
-        <a:fillRef idx="1">
-          <a:scrgbClr r="0" g="0" b="0"/>
-        </a:fillRef>
-        <a:effectRef idx="0">
-          <a:scrgbClr r="0" g="0" b="0"/>
-        </a:effectRef>
-        <a:fontRef idx="minor">
-          <a:schemeClr val="lt1"/>
-        </a:fontRef>
-      </dsp:style>
-      <dsp:txBody>
-        <a:bodyPr spcFirstLastPara="0" vert="horz" wrap="square" lIns="0" tIns="0" rIns="0" bIns="0" numCol="1" spcCol="1270" anchor="ctr" anchorCtr="1">
-          <a:noAutofit/>
-        </a:bodyPr>
-        <a:lstStyle/>
-        <a:p>
-          <a:pPr lvl="0" algn="ctr" defTabSz="2044700" rtl="0">
-            <a:lnSpc>
-              <a:spcPct val="90000"/>
-            </a:lnSpc>
-            <a:spcBef>
-              <a:spcPct val="0"/>
-            </a:spcBef>
-            <a:spcAft>
-              <a:spcPct val="35000"/>
-            </a:spcAft>
-          </a:pPr>
-          <a:r>
-            <a:rPr lang="en-US" sz="4600" kern="800" spc="0" baseline="0" dirty="0" smtClean="0">
-              <a:solidFill>
-                <a:schemeClr val="bg1"/>
-              </a:solidFill>
-              <a:hlinkClick xmlns:r="http://schemas.openxmlformats.org/officeDocument/2006/relationships" r:id="rId8"/>
-            </a:rPr>
-            <a:t>R</a:t>
-          </a:r>
-          <a:endParaRPr lang="en-US" sz="4600" kern="800" spc="0" baseline="0" dirty="0">
-            <a:solidFill>
-              <a:schemeClr val="bg1"/>
-            </a:solidFill>
-          </a:endParaRPr>
-        </a:p>
-      </dsp:txBody>
-      <dsp:txXfrm>
-        <a:off x="1772284" y="1651046"/>
-        <a:ext cx="1178681" cy="707208"/>
-      </dsp:txXfrm>
-    </dsp:sp>
-    <dsp:sp modelId="{F894333E-0685-4941-BBEF-1EFEA4922A96}">
-      <dsp:nvSpPr>
-        <dsp:cNvPr id="0" name=""/>
-        <dsp:cNvSpPr/>
-      </dsp:nvSpPr>
-      <dsp:spPr>
-        <a:xfrm>
-          <a:off x="3068834" y="1651046"/>
-          <a:ext cx="1178681" cy="707208"/>
-        </a:xfrm>
-        <a:prstGeom prst="rect">
-          <a:avLst/>
-        </a:prstGeom>
-        <a:solidFill>
-          <a:schemeClr val="accent2"/>
-        </a:solidFill>
-        <a:ln w="19050" cap="flat" cmpd="sng" algn="ctr">
-          <a:solidFill>
-            <a:schemeClr val="lt1">
-              <a:hueOff val="0"/>
-              <a:satOff val="0"/>
-              <a:lumOff val="0"/>
-              <a:alphaOff val="0"/>
-            </a:schemeClr>
-          </a:solidFill>
-          <a:prstDash val="solid"/>
-        </a:ln>
-        <a:effectLst/>
-      </dsp:spPr>
-      <dsp:style>
-        <a:lnRef idx="2">
-          <a:scrgbClr r="0" g="0" b="0"/>
-        </a:lnRef>
-        <a:fillRef idx="1">
-          <a:scrgbClr r="0" g="0" b="0"/>
-        </a:fillRef>
-        <a:effectRef idx="0">
-          <a:scrgbClr r="0" g="0" b="0"/>
-        </a:effectRef>
-        <a:fontRef idx="minor">
-          <a:schemeClr val="lt1"/>
-        </a:fontRef>
-      </dsp:style>
-      <dsp:txBody>
-        <a:bodyPr spcFirstLastPara="0" vert="horz" wrap="square" lIns="0" tIns="0" rIns="0" bIns="0" numCol="1" spcCol="1270" anchor="ctr" anchorCtr="1">
-          <a:noAutofit/>
-        </a:bodyPr>
-        <a:lstStyle/>
-        <a:p>
-          <a:pPr lvl="0" algn="ctr" defTabSz="889000" rtl="0">
-            <a:lnSpc>
-              <a:spcPct val="90000"/>
-            </a:lnSpc>
-            <a:spcBef>
-              <a:spcPct val="0"/>
-            </a:spcBef>
-            <a:spcAft>
-              <a:spcPct val="35000"/>
-            </a:spcAft>
-          </a:pPr>
-          <a:r>
-            <a:rPr lang="en-US" sz="2000" kern="800" spc="0" baseline="0" dirty="0" smtClean="0">
-              <a:solidFill>
-                <a:schemeClr val="bg1"/>
-              </a:solidFill>
-              <a:hlinkClick xmlns:r="http://schemas.openxmlformats.org/officeDocument/2006/relationships" r:id="rId9"/>
-            </a:rPr>
-            <a:t>Python</a:t>
-          </a:r>
-          <a:endParaRPr lang="en-US" sz="2000" kern="800" spc="0" baseline="0" dirty="0">
-            <a:solidFill>
-              <a:schemeClr val="bg1"/>
-            </a:solidFill>
-          </a:endParaRPr>
-        </a:p>
-      </dsp:txBody>
-      <dsp:txXfrm>
-        <a:off x="3068834" y="1651046"/>
-        <a:ext cx="1178681" cy="707208"/>
-      </dsp:txXfrm>
-    </dsp:sp>
-    <dsp:sp modelId="{2595A267-D970-4104-BFFE-400172540BBA}">
-      <dsp:nvSpPr>
-        <dsp:cNvPr id="0" name=""/>
-        <dsp:cNvSpPr/>
-      </dsp:nvSpPr>
-      <dsp:spPr>
-        <a:xfrm>
-          <a:off x="4365383" y="1651046"/>
-          <a:ext cx="1178681" cy="707208"/>
-        </a:xfrm>
-        <a:prstGeom prst="rect">
-          <a:avLst/>
-        </a:prstGeom>
-        <a:solidFill>
-          <a:schemeClr val="accent2"/>
-        </a:solidFill>
-        <a:ln w="19050" cap="flat" cmpd="sng" algn="ctr">
-          <a:solidFill>
-            <a:schemeClr val="lt1">
-              <a:hueOff val="0"/>
-              <a:satOff val="0"/>
-              <a:lumOff val="0"/>
-              <a:alphaOff val="0"/>
-            </a:schemeClr>
-          </a:solidFill>
-          <a:prstDash val="solid"/>
-        </a:ln>
-        <a:effectLst/>
-      </dsp:spPr>
-      <dsp:style>
-        <a:lnRef idx="2">
-          <a:scrgbClr r="0" g="0" b="0"/>
-        </a:lnRef>
-        <a:fillRef idx="1">
-          <a:scrgbClr r="0" g="0" b="0"/>
-        </a:fillRef>
-        <a:effectRef idx="0">
-          <a:scrgbClr r="0" g="0" b="0"/>
-        </a:effectRef>
-        <a:fontRef idx="minor">
-          <a:schemeClr val="lt1"/>
-        </a:fontRef>
-      </dsp:style>
-      <dsp:txBody>
-        <a:bodyPr spcFirstLastPara="0" vert="horz" wrap="square" lIns="0" tIns="0" rIns="0" bIns="0" numCol="1" spcCol="1270" anchor="ctr" anchorCtr="1">
-          <a:noAutofit/>
-        </a:bodyPr>
-        <a:lstStyle/>
-        <a:p>
-          <a:pPr lvl="0" algn="ctr" defTabSz="533400" rtl="0">
-            <a:lnSpc>
-              <a:spcPct val="90000"/>
-            </a:lnSpc>
-            <a:spcBef>
-              <a:spcPct val="0"/>
-            </a:spcBef>
-            <a:spcAft>
-              <a:spcPct val="35000"/>
-            </a:spcAft>
-          </a:pPr>
-          <a:r>
-            <a:rPr lang="en-US" sz="1200" kern="800" spc="0" baseline="0" dirty="0" smtClean="0">
-              <a:solidFill>
-                <a:schemeClr val="bg1"/>
-              </a:solidFill>
-              <a:hlinkClick xmlns:r="http://schemas.openxmlformats.org/officeDocument/2006/relationships" r:id="rId10"/>
-            </a:rPr>
-            <a:t>MS Dynamics CRM</a:t>
-          </a:r>
-          <a:endParaRPr lang="en-US" sz="1200" kern="800" spc="0" baseline="0" dirty="0">
-            <a:solidFill>
-              <a:schemeClr val="bg1"/>
-            </a:solidFill>
-          </a:endParaRPr>
-        </a:p>
-      </dsp:txBody>
-      <dsp:txXfrm>
-        <a:off x="4365383" y="1651046"/>
-        <a:ext cx="1178681" cy="707208"/>
-      </dsp:txXfrm>
-    </dsp:sp>
-    <dsp:sp modelId="{3283098E-8035-4644-B0A0-F5E9B8671307}">
-      <dsp:nvSpPr>
-        <dsp:cNvPr id="0" name=""/>
-        <dsp:cNvSpPr/>
-      </dsp:nvSpPr>
-      <dsp:spPr>
-        <a:xfrm>
-          <a:off x="475734" y="2476124"/>
-          <a:ext cx="1178681" cy="707208"/>
-        </a:xfrm>
-        <a:prstGeom prst="rect">
-          <a:avLst/>
-        </a:prstGeom>
-        <a:solidFill>
-          <a:schemeClr val="accent2"/>
-        </a:solidFill>
-        <a:ln w="19050" cap="flat" cmpd="sng" algn="ctr">
-          <a:solidFill>
-            <a:schemeClr val="lt1">
-              <a:hueOff val="0"/>
-              <a:satOff val="0"/>
-              <a:lumOff val="0"/>
-              <a:alphaOff val="0"/>
-            </a:schemeClr>
-          </a:solidFill>
-          <a:prstDash val="solid"/>
-        </a:ln>
-        <a:effectLst/>
-      </dsp:spPr>
-      <dsp:style>
-        <a:lnRef idx="2">
-          <a:scrgbClr r="0" g="0" b="0"/>
-        </a:lnRef>
-        <a:fillRef idx="1">
-          <a:scrgbClr r="0" g="0" b="0"/>
-        </a:fillRef>
-        <a:effectRef idx="0">
-          <a:scrgbClr r="0" g="0" b="0"/>
-        </a:effectRef>
-        <a:fontRef idx="minor">
-          <a:schemeClr val="lt1"/>
-        </a:fontRef>
-      </dsp:style>
-      <dsp:txBody>
-        <a:bodyPr spcFirstLastPara="0" vert="horz" wrap="square" lIns="0" tIns="0" rIns="0" bIns="0" numCol="1" spcCol="1270" anchor="ctr" anchorCtr="1">
-          <a:noAutofit/>
-        </a:bodyPr>
-        <a:lstStyle/>
-        <a:p>
-          <a:pPr lvl="0" algn="ctr" defTabSz="800100" rtl="0">
-            <a:lnSpc>
-              <a:spcPct val="90000"/>
-            </a:lnSpc>
-            <a:spcBef>
-              <a:spcPct val="0"/>
-            </a:spcBef>
-            <a:spcAft>
-              <a:spcPct val="35000"/>
-            </a:spcAft>
-          </a:pPr>
-          <a:r>
-            <a:rPr lang="en-US" sz="1800" kern="800" spc="0" baseline="0" dirty="0" smtClean="0">
-              <a:solidFill>
-                <a:schemeClr val="bg1"/>
-              </a:solidFill>
-              <a:hlinkClick xmlns:r="http://schemas.openxmlformats.org/officeDocument/2006/relationships" r:id="rId11"/>
-            </a:rPr>
-            <a:t>World Bank</a:t>
-          </a:r>
-          <a:endParaRPr lang="en-US" sz="1800" kern="800" spc="0" baseline="0" dirty="0">
-            <a:solidFill>
-              <a:schemeClr val="bg1"/>
-            </a:solidFill>
-          </a:endParaRPr>
-        </a:p>
-      </dsp:txBody>
-      <dsp:txXfrm>
-        <a:off x="475734" y="2476124"/>
-        <a:ext cx="1178681" cy="707208"/>
-      </dsp:txXfrm>
-    </dsp:sp>
-    <dsp:sp modelId="{8C4399B4-19DE-494A-93D3-99E22C330D97}">
-      <dsp:nvSpPr>
-        <dsp:cNvPr id="0" name=""/>
-        <dsp:cNvSpPr/>
-      </dsp:nvSpPr>
-      <dsp:spPr>
-        <a:xfrm>
-          <a:off x="1772284" y="2476124"/>
-          <a:ext cx="1178681" cy="707208"/>
-        </a:xfrm>
-        <a:prstGeom prst="rect">
-          <a:avLst/>
-        </a:prstGeom>
-        <a:solidFill>
-          <a:schemeClr val="accent2"/>
-        </a:solidFill>
-        <a:ln w="19050" cap="flat" cmpd="sng" algn="ctr">
-          <a:solidFill>
-            <a:schemeClr val="lt1">
-              <a:hueOff val="0"/>
-              <a:satOff val="0"/>
-              <a:lumOff val="0"/>
-              <a:alphaOff val="0"/>
-            </a:schemeClr>
-          </a:solidFill>
-          <a:prstDash val="solid"/>
-        </a:ln>
-        <a:effectLst/>
-      </dsp:spPr>
-      <dsp:style>
-        <a:lnRef idx="2">
-          <a:scrgbClr r="0" g="0" b="0"/>
-        </a:lnRef>
-        <a:fillRef idx="1">
-          <a:scrgbClr r="0" g="0" b="0"/>
-        </a:fillRef>
-        <a:effectRef idx="0">
-          <a:scrgbClr r="0" g="0" b="0"/>
-        </a:effectRef>
-        <a:fontRef idx="minor">
-          <a:schemeClr val="lt1"/>
-        </a:fontRef>
-      </dsp:style>
-      <dsp:txBody>
-        <a:bodyPr spcFirstLastPara="0" vert="horz" wrap="square" lIns="0" tIns="0" rIns="0" bIns="0" numCol="1" spcCol="1270" anchor="ctr" anchorCtr="1">
-          <a:noAutofit/>
-        </a:bodyPr>
-        <a:lstStyle/>
-        <a:p>
-          <a:pPr lvl="0" algn="ctr" defTabSz="1066800" rtl="0">
-            <a:lnSpc>
-              <a:spcPct val="90000"/>
-            </a:lnSpc>
-            <a:spcBef>
-              <a:spcPct val="0"/>
-            </a:spcBef>
-            <a:spcAft>
-              <a:spcPct val="35000"/>
-            </a:spcAft>
-          </a:pPr>
-          <a:r>
-            <a:rPr lang="en-US" sz="2400" kern="800" spc="0" baseline="0" dirty="0" smtClean="0">
-              <a:solidFill>
-                <a:schemeClr val="bg1"/>
-              </a:solidFill>
-            </a:rPr>
-            <a:t>Regex</a:t>
-          </a:r>
-          <a:endParaRPr lang="en-US" sz="2400" kern="800" spc="0" baseline="0" dirty="0">
-            <a:solidFill>
-              <a:schemeClr val="bg1"/>
-            </a:solidFill>
-          </a:endParaRPr>
-        </a:p>
-      </dsp:txBody>
-      <dsp:txXfrm>
-        <a:off x="1772284" y="2476124"/>
-        <a:ext cx="1178681" cy="707208"/>
-      </dsp:txXfrm>
-    </dsp:sp>
-    <dsp:sp modelId="{60541CEA-E5E3-43AC-B7FA-C7AFCEE266F4}">
-      <dsp:nvSpPr>
-        <dsp:cNvPr id="0" name=""/>
-        <dsp:cNvSpPr/>
-      </dsp:nvSpPr>
-      <dsp:spPr>
-        <a:xfrm>
-          <a:off x="3068834" y="2476124"/>
-          <a:ext cx="1178681" cy="707208"/>
-        </a:xfrm>
-        <a:prstGeom prst="rect">
-          <a:avLst/>
-        </a:prstGeom>
-        <a:solidFill>
-          <a:schemeClr val="accent2"/>
-        </a:solidFill>
-        <a:ln w="19050" cap="flat" cmpd="sng" algn="ctr">
-          <a:solidFill>
-            <a:schemeClr val="lt1">
-              <a:hueOff val="0"/>
-              <a:satOff val="0"/>
-              <a:lumOff val="0"/>
-              <a:alphaOff val="0"/>
-            </a:schemeClr>
-          </a:solidFill>
-          <a:prstDash val="solid"/>
-        </a:ln>
-        <a:effectLst/>
-      </dsp:spPr>
-      <dsp:style>
-        <a:lnRef idx="2">
-          <a:scrgbClr r="0" g="0" b="0"/>
-        </a:lnRef>
-        <a:fillRef idx="1">
-          <a:scrgbClr r="0" g="0" b="0"/>
-        </a:fillRef>
-        <a:effectRef idx="0">
-          <a:scrgbClr r="0" g="0" b="0"/>
-        </a:effectRef>
-        <a:fontRef idx="minor">
-          <a:schemeClr val="lt1"/>
-        </a:fontRef>
-      </dsp:style>
-      <dsp:txBody>
-        <a:bodyPr spcFirstLastPara="0" vert="horz" wrap="square" lIns="0" tIns="0" rIns="0" bIns="0" numCol="1" spcCol="1270" anchor="ctr" anchorCtr="1">
-          <a:noAutofit/>
-        </a:bodyPr>
-        <a:lstStyle/>
-        <a:p>
-          <a:pPr lvl="0" algn="ctr" defTabSz="711200" rtl="0">
-            <a:lnSpc>
-              <a:spcPct val="90000"/>
-            </a:lnSpc>
-            <a:spcBef>
-              <a:spcPct val="0"/>
-            </a:spcBef>
-            <a:spcAft>
-              <a:spcPct val="35000"/>
-            </a:spcAft>
-          </a:pPr>
-          <a:r>
-            <a:rPr lang="en-US" sz="1600" kern="800" spc="0" baseline="0" dirty="0" smtClean="0">
-              <a:solidFill>
-                <a:schemeClr val="bg1"/>
-              </a:solidFill>
-              <a:hlinkClick xmlns:r="http://schemas.openxmlformats.org/officeDocument/2006/relationships" r:id="rId12"/>
-            </a:rPr>
-            <a:t>Freebase</a:t>
-          </a:r>
-          <a:endParaRPr lang="en-US" sz="1600" kern="800" spc="0" baseline="0" dirty="0">
-            <a:solidFill>
-              <a:schemeClr val="bg1"/>
-            </a:solidFill>
-          </a:endParaRPr>
-        </a:p>
-      </dsp:txBody>
-      <dsp:txXfrm>
-        <a:off x="3068834" y="2476124"/>
-        <a:ext cx="1178681" cy="707208"/>
-      </dsp:txXfrm>
-    </dsp:sp>
-    <dsp:sp modelId="{C615881B-37D3-49C3-B16B-5B1B0F5F13D4}">
-      <dsp:nvSpPr>
-        <dsp:cNvPr id="0" name=""/>
-        <dsp:cNvSpPr/>
-      </dsp:nvSpPr>
-      <dsp:spPr>
-        <a:xfrm>
-          <a:off x="4365383" y="2476124"/>
-          <a:ext cx="1178681" cy="707208"/>
-        </a:xfrm>
-        <a:prstGeom prst="rect">
-          <a:avLst/>
-        </a:prstGeom>
-        <a:solidFill>
-          <a:schemeClr val="accent2"/>
-        </a:solidFill>
-        <a:ln w="19050" cap="flat" cmpd="sng" algn="ctr">
-          <a:solidFill>
-            <a:schemeClr val="lt1">
-              <a:hueOff val="0"/>
-              <a:satOff val="0"/>
-              <a:lumOff val="0"/>
-              <a:alphaOff val="0"/>
-            </a:schemeClr>
-          </a:solidFill>
-          <a:prstDash val="solid"/>
-        </a:ln>
-        <a:effectLst/>
-      </dsp:spPr>
-      <dsp:style>
-        <a:lnRef idx="2">
-          <a:scrgbClr r="0" g="0" b="0"/>
-        </a:lnRef>
-        <a:fillRef idx="1">
-          <a:scrgbClr r="0" g="0" b="0"/>
-        </a:fillRef>
-        <a:effectRef idx="0">
-          <a:scrgbClr r="0" g="0" b="0"/>
-        </a:effectRef>
-        <a:fontRef idx="minor">
-          <a:schemeClr val="lt1"/>
-        </a:fontRef>
-      </dsp:style>
-      <dsp:txBody>
-        <a:bodyPr spcFirstLastPara="0" vert="horz" wrap="square" lIns="0" tIns="0" rIns="0" bIns="0" numCol="1" spcCol="1270" anchor="ctr" anchorCtr="1">
-          <a:noAutofit/>
-        </a:bodyPr>
-        <a:lstStyle/>
-        <a:p>
-          <a:pPr lvl="0" algn="ctr" defTabSz="1422400" rtl="0">
-            <a:lnSpc>
-              <a:spcPct val="90000"/>
-            </a:lnSpc>
-            <a:spcBef>
-              <a:spcPct val="0"/>
-            </a:spcBef>
-            <a:spcAft>
-              <a:spcPct val="35000"/>
-            </a:spcAft>
-          </a:pPr>
-          <a:r>
-            <a:rPr lang="en-US" sz="3200" kern="800" spc="0" baseline="0" dirty="0" smtClean="0">
-              <a:solidFill>
-                <a:schemeClr val="bg1"/>
-              </a:solidFill>
-              <a:hlinkClick xmlns:r="http://schemas.openxmlformats.org/officeDocument/2006/relationships" r:id="rId13"/>
-            </a:rPr>
-            <a:t>CSV</a:t>
-          </a:r>
-          <a:endParaRPr lang="en-US" sz="3200" kern="800" spc="0" baseline="0" dirty="0">
-            <a:solidFill>
-              <a:schemeClr val="bg1"/>
-            </a:solidFill>
-          </a:endParaRPr>
-        </a:p>
-      </dsp:txBody>
-      <dsp:txXfrm>
-        <a:off x="4365383" y="2476124"/>
-        <a:ext cx="1178681" cy="707208"/>
-      </dsp:txXfrm>
-    </dsp:sp>
-    <dsp:sp modelId="{582C1DC7-FE13-4BD2-83F5-E678FF21599B}">
-      <dsp:nvSpPr>
-        <dsp:cNvPr id="0" name=""/>
-        <dsp:cNvSpPr/>
-      </dsp:nvSpPr>
-      <dsp:spPr>
-        <a:xfrm>
-          <a:off x="475734" y="3301201"/>
-          <a:ext cx="1178681" cy="707208"/>
-        </a:xfrm>
-        <a:prstGeom prst="rect">
-          <a:avLst/>
-        </a:prstGeom>
-        <a:solidFill>
-          <a:schemeClr val="accent2"/>
-        </a:solidFill>
-        <a:ln w="19050" cap="flat" cmpd="sng" algn="ctr">
-          <a:solidFill>
-            <a:schemeClr val="lt1">
-              <a:hueOff val="0"/>
-              <a:satOff val="0"/>
-              <a:lumOff val="0"/>
-              <a:alphaOff val="0"/>
-            </a:schemeClr>
-          </a:solidFill>
-          <a:prstDash val="solid"/>
-        </a:ln>
-        <a:effectLst/>
-      </dsp:spPr>
-      <dsp:style>
-        <a:lnRef idx="2">
-          <a:scrgbClr r="0" g="0" b="0"/>
-        </a:lnRef>
-        <a:fillRef idx="1">
-          <a:scrgbClr r="0" g="0" b="0"/>
-        </a:fillRef>
-        <a:effectRef idx="0">
-          <a:scrgbClr r="0" g="0" b="0"/>
-        </a:effectRef>
-        <a:fontRef idx="minor">
-          <a:schemeClr val="lt1"/>
-        </a:fontRef>
-      </dsp:style>
-      <dsp:txBody>
-        <a:bodyPr spcFirstLastPara="0" vert="horz" wrap="square" lIns="0" tIns="0" rIns="0" bIns="0" numCol="1" spcCol="1270" anchor="ctr" anchorCtr="1">
-          <a:noAutofit/>
-        </a:bodyPr>
-        <a:lstStyle/>
-        <a:p>
-          <a:pPr lvl="0" algn="ctr" defTabSz="1066800" rtl="0">
-            <a:lnSpc>
-              <a:spcPct val="90000"/>
-            </a:lnSpc>
-            <a:spcBef>
-              <a:spcPct val="0"/>
-            </a:spcBef>
-            <a:spcAft>
-              <a:spcPct val="35000"/>
-            </a:spcAft>
-          </a:pPr>
-          <a:r>
-            <a:rPr lang="en-US" sz="2400" kern="800" spc="0" baseline="0" dirty="0" smtClean="0">
-              <a:solidFill>
-                <a:schemeClr val="bg1"/>
-              </a:solidFill>
-              <a:hlinkClick xmlns:r="http://schemas.openxmlformats.org/officeDocument/2006/relationships" r:id="rId14"/>
-            </a:rPr>
-            <a:t>JSON</a:t>
-          </a:r>
-          <a:endParaRPr lang="en-US" sz="2400" kern="800" spc="0" baseline="0" dirty="0">
-            <a:solidFill>
-              <a:schemeClr val="bg1"/>
-            </a:solidFill>
-          </a:endParaRPr>
-        </a:p>
-      </dsp:txBody>
-      <dsp:txXfrm>
-        <a:off x="475734" y="3301201"/>
-        <a:ext cx="1178681" cy="707208"/>
-      </dsp:txXfrm>
-    </dsp:sp>
-    <dsp:sp modelId="{03C93693-2A33-4C85-8AE6-190C6E36D59B}">
-      <dsp:nvSpPr>
-        <dsp:cNvPr id="0" name=""/>
-        <dsp:cNvSpPr/>
-      </dsp:nvSpPr>
-      <dsp:spPr>
-        <a:xfrm>
-          <a:off x="1772284" y="3301201"/>
-          <a:ext cx="1178681" cy="707208"/>
-        </a:xfrm>
-        <a:prstGeom prst="rect">
-          <a:avLst/>
-        </a:prstGeom>
-        <a:solidFill>
-          <a:schemeClr val="accent2"/>
-        </a:solidFill>
-        <a:ln w="19050" cap="flat" cmpd="sng" algn="ctr">
-          <a:solidFill>
-            <a:schemeClr val="lt1">
-              <a:hueOff val="0"/>
-              <a:satOff val="0"/>
-              <a:lumOff val="0"/>
-              <a:alphaOff val="0"/>
-            </a:schemeClr>
-          </a:solidFill>
-          <a:prstDash val="solid"/>
-        </a:ln>
-        <a:effectLst/>
-      </dsp:spPr>
-      <dsp:style>
-        <a:lnRef idx="2">
-          <a:scrgbClr r="0" g="0" b="0"/>
-        </a:lnRef>
-        <a:fillRef idx="1">
-          <a:scrgbClr r="0" g="0" b="0"/>
-        </a:fillRef>
-        <a:effectRef idx="0">
-          <a:scrgbClr r="0" g="0" b="0"/>
-        </a:effectRef>
-        <a:fontRef idx="minor">
-          <a:schemeClr val="lt1"/>
-        </a:fontRef>
-      </dsp:style>
-      <dsp:txBody>
-        <a:bodyPr spcFirstLastPara="0" vert="horz" wrap="square" lIns="0" tIns="0" rIns="0" bIns="0" numCol="1" spcCol="1270" anchor="ctr" anchorCtr="1">
-          <a:noAutofit/>
-        </a:bodyPr>
-        <a:lstStyle/>
-        <a:p>
-          <a:pPr lvl="0" algn="ctr" defTabSz="1333500" rtl="0">
-            <a:lnSpc>
-              <a:spcPct val="90000"/>
-            </a:lnSpc>
-            <a:spcBef>
-              <a:spcPct val="0"/>
-            </a:spcBef>
-            <a:spcAft>
-              <a:spcPct val="35000"/>
-            </a:spcAft>
-          </a:pPr>
-          <a:r>
-            <a:rPr lang="en-US" sz="3000" kern="800" spc="0" baseline="0" dirty="0" smtClean="0">
-              <a:solidFill>
-                <a:schemeClr val="bg1"/>
-              </a:solidFill>
-              <a:hlinkClick xmlns:r="http://schemas.openxmlformats.org/officeDocument/2006/relationships" r:id="rId15"/>
-            </a:rPr>
-            <a:t>XML</a:t>
-          </a:r>
-          <a:endParaRPr lang="en-US" sz="3000" kern="800" spc="0" baseline="0" dirty="0">
-            <a:solidFill>
-              <a:schemeClr val="bg1"/>
-            </a:solidFill>
-          </a:endParaRPr>
-        </a:p>
-      </dsp:txBody>
-      <dsp:txXfrm>
-        <a:off x="1772284" y="3301201"/>
-        <a:ext cx="1178681" cy="707208"/>
-      </dsp:txXfrm>
-    </dsp:sp>
-    <dsp:sp modelId="{E764C87E-8B28-4142-AFAD-7059F40D1F83}">
-      <dsp:nvSpPr>
-        <dsp:cNvPr id="0" name=""/>
-        <dsp:cNvSpPr/>
-      </dsp:nvSpPr>
-      <dsp:spPr>
-        <a:xfrm>
-          <a:off x="3068834" y="3301201"/>
-          <a:ext cx="1178681" cy="707208"/>
-        </a:xfrm>
-        <a:prstGeom prst="rect">
-          <a:avLst/>
-        </a:prstGeom>
-        <a:solidFill>
-          <a:schemeClr val="accent2"/>
-        </a:solidFill>
-        <a:ln w="19050" cap="flat" cmpd="sng" algn="ctr">
-          <a:solidFill>
-            <a:schemeClr val="lt1">
-              <a:hueOff val="0"/>
-              <a:satOff val="0"/>
-              <a:lumOff val="0"/>
-              <a:alphaOff val="0"/>
-            </a:schemeClr>
-          </a:solidFill>
-          <a:prstDash val="solid"/>
-        </a:ln>
-        <a:effectLst/>
-      </dsp:spPr>
-      <dsp:style>
-        <a:lnRef idx="2">
-          <a:scrgbClr r="0" g="0" b="0"/>
-        </a:lnRef>
-        <a:fillRef idx="1">
-          <a:scrgbClr r="0" g="0" b="0"/>
-        </a:fillRef>
-        <a:effectRef idx="0">
-          <a:scrgbClr r="0" g="0" b="0"/>
-        </a:effectRef>
-        <a:fontRef idx="minor">
-          <a:schemeClr val="lt1"/>
-        </a:fontRef>
-      </dsp:style>
-      <dsp:txBody>
-        <a:bodyPr spcFirstLastPara="0" vert="horz" wrap="square" lIns="0" tIns="0" rIns="0" bIns="0" numCol="1" spcCol="1270" anchor="ctr" anchorCtr="1">
-          <a:noAutofit/>
-        </a:bodyPr>
-        <a:lstStyle/>
-        <a:p>
-          <a:pPr lvl="0" algn="ctr" defTabSz="1066800" rtl="0">
-            <a:lnSpc>
-              <a:spcPct val="90000"/>
-            </a:lnSpc>
-            <a:spcBef>
-              <a:spcPct val="0"/>
-            </a:spcBef>
-            <a:spcAft>
-              <a:spcPct val="35000"/>
-            </a:spcAft>
-          </a:pPr>
-          <a:r>
-            <a:rPr lang="en-US" sz="2400" kern="800" spc="0" baseline="0" dirty="0" smtClean="0">
-              <a:solidFill>
-                <a:schemeClr val="bg1"/>
-              </a:solidFill>
-            </a:rPr>
-            <a:t>LINQ</a:t>
-          </a:r>
-          <a:endParaRPr lang="en-US" sz="2400" kern="800" spc="0" baseline="0" dirty="0">
-            <a:solidFill>
-              <a:schemeClr val="bg1"/>
-            </a:solidFill>
-          </a:endParaRPr>
-        </a:p>
-      </dsp:txBody>
-      <dsp:txXfrm>
-        <a:off x="3068834" y="3301201"/>
-        <a:ext cx="1178681" cy="707208"/>
-      </dsp:txXfrm>
-    </dsp:sp>
-    <dsp:sp modelId="{A8CC9F3C-CB68-413F-A3D7-658524E77C9D}">
-      <dsp:nvSpPr>
-        <dsp:cNvPr id="0" name=""/>
-        <dsp:cNvSpPr/>
-      </dsp:nvSpPr>
-      <dsp:spPr>
-        <a:xfrm>
-          <a:off x="4365383" y="3301201"/>
-          <a:ext cx="1178681" cy="707208"/>
-        </a:xfrm>
-        <a:prstGeom prst="rect">
-          <a:avLst/>
-        </a:prstGeom>
-        <a:solidFill>
-          <a:schemeClr val="accent2"/>
-        </a:solidFill>
-        <a:ln w="19050" cap="flat" cmpd="sng" algn="ctr">
-          <a:solidFill>
-            <a:schemeClr val="lt1">
-              <a:hueOff val="0"/>
-              <a:satOff val="0"/>
-              <a:lumOff val="0"/>
-              <a:alphaOff val="0"/>
-            </a:schemeClr>
-          </a:solidFill>
-          <a:prstDash val="solid"/>
-        </a:ln>
-        <a:effectLst/>
-      </dsp:spPr>
-      <dsp:style>
-        <a:lnRef idx="2">
-          <a:scrgbClr r="0" g="0" b="0"/>
-        </a:lnRef>
-        <a:fillRef idx="1">
-          <a:scrgbClr r="0" g="0" b="0"/>
-        </a:fillRef>
-        <a:effectRef idx="0">
-          <a:scrgbClr r="0" g="0" b="0"/>
-        </a:effectRef>
-        <a:fontRef idx="minor">
-          <a:schemeClr val="lt1"/>
-        </a:fontRef>
-      </dsp:style>
-      <dsp:txBody>
-        <a:bodyPr spcFirstLastPara="0" vert="horz" wrap="square" lIns="0" tIns="0" rIns="0" bIns="0" numCol="1" spcCol="1270" anchor="ctr" anchorCtr="1">
-          <a:noAutofit/>
-        </a:bodyPr>
-        <a:lstStyle/>
-        <a:p>
-          <a:pPr lvl="0" algn="ctr" defTabSz="1155700" rtl="0">
-            <a:lnSpc>
-              <a:spcPct val="90000"/>
-            </a:lnSpc>
-            <a:spcBef>
-              <a:spcPct val="0"/>
-            </a:spcBef>
-            <a:spcAft>
-              <a:spcPct val="35000"/>
-            </a:spcAft>
-          </a:pPr>
-          <a:r>
-            <a:rPr lang="en-US" sz="2600" kern="800" spc="0" baseline="0" dirty="0" smtClean="0">
-              <a:solidFill>
-                <a:schemeClr val="bg1"/>
-              </a:solidFill>
-              <a:hlinkClick xmlns:r="http://schemas.openxmlformats.org/officeDocument/2006/relationships" r:id="rId16"/>
-            </a:rPr>
-            <a:t>IKVM</a:t>
-          </a:r>
-          <a:endParaRPr lang="en-US" sz="2600" kern="800" spc="0" baseline="0" dirty="0">
-            <a:solidFill>
-              <a:schemeClr val="bg1"/>
-            </a:solidFill>
-          </a:endParaRPr>
-        </a:p>
-      </dsp:txBody>
-      <dsp:txXfrm>
-        <a:off x="4365383" y="3301201"/>
-        <a:ext cx="1178681" cy="707208"/>
-      </dsp:txXfrm>
-    </dsp:sp>
-    <dsp:sp modelId="{A8EBF937-4741-4D32-A88D-036F10E6437F}">
-      <dsp:nvSpPr>
-        <dsp:cNvPr id="0" name=""/>
-        <dsp:cNvSpPr/>
-      </dsp:nvSpPr>
-      <dsp:spPr>
-        <a:xfrm>
-          <a:off x="475734" y="4126278"/>
-          <a:ext cx="1178681" cy="707208"/>
-        </a:xfrm>
-        <a:prstGeom prst="rect">
-          <a:avLst/>
-        </a:prstGeom>
-        <a:solidFill>
-          <a:schemeClr val="accent2"/>
-        </a:solidFill>
-        <a:ln w="19050" cap="flat" cmpd="sng" algn="ctr">
-          <a:solidFill>
-            <a:schemeClr val="lt1">
-              <a:hueOff val="0"/>
-              <a:satOff val="0"/>
-              <a:lumOff val="0"/>
-              <a:alphaOff val="0"/>
-            </a:schemeClr>
-          </a:solidFill>
-          <a:prstDash val="solid"/>
-        </a:ln>
-        <a:effectLst/>
-      </dsp:spPr>
-      <dsp:style>
-        <a:lnRef idx="2">
-          <a:scrgbClr r="0" g="0" b="0"/>
-        </a:lnRef>
-        <a:fillRef idx="1">
-          <a:scrgbClr r="0" g="0" b="0"/>
-        </a:fillRef>
-        <a:effectRef idx="0">
-          <a:scrgbClr r="0" g="0" b="0"/>
-        </a:effectRef>
-        <a:fontRef idx="minor">
-          <a:schemeClr val="lt1"/>
-        </a:fontRef>
-      </dsp:style>
-      <dsp:txBody>
-        <a:bodyPr spcFirstLastPara="0" vert="horz" wrap="square" lIns="0" tIns="0" rIns="0" bIns="0" numCol="1" spcCol="1270" anchor="ctr" anchorCtr="1">
-          <a:noAutofit/>
-        </a:bodyPr>
-        <a:lstStyle/>
-        <a:p>
-          <a:pPr lvl="0" algn="ctr" defTabSz="800100" rtl="0">
-            <a:lnSpc>
-              <a:spcPct val="90000"/>
-            </a:lnSpc>
-            <a:spcBef>
-              <a:spcPct val="0"/>
-            </a:spcBef>
-            <a:spcAft>
-              <a:spcPct val="35000"/>
-            </a:spcAft>
-          </a:pPr>
-          <a:r>
-            <a:rPr lang="en-US" sz="1800" kern="800" spc="0" baseline="0" dirty="0" smtClean="0">
-              <a:solidFill>
-                <a:schemeClr val="bg1"/>
-              </a:solidFill>
-              <a:hlinkClick xmlns:r="http://schemas.openxmlformats.org/officeDocument/2006/relationships" r:id="rId17"/>
-            </a:rPr>
-            <a:t>SQL Server</a:t>
-          </a:r>
-          <a:endParaRPr lang="en-US" sz="1800" kern="800" spc="0" baseline="0" dirty="0">
-            <a:solidFill>
-              <a:schemeClr val="bg1"/>
-            </a:solidFill>
-          </a:endParaRPr>
-        </a:p>
-      </dsp:txBody>
-      <dsp:txXfrm>
-        <a:off x="475734" y="4126278"/>
-        <a:ext cx="1178681" cy="707208"/>
-      </dsp:txXfrm>
-    </dsp:sp>
-    <dsp:sp modelId="{1B91DF7A-8D21-412E-8DAE-E791BD6047FE}">
-      <dsp:nvSpPr>
-        <dsp:cNvPr id="0" name=""/>
-        <dsp:cNvSpPr/>
-      </dsp:nvSpPr>
-      <dsp:spPr>
-        <a:xfrm>
-          <a:off x="1772284" y="4126278"/>
-          <a:ext cx="1178681" cy="707208"/>
-        </a:xfrm>
-        <a:prstGeom prst="rect">
-          <a:avLst/>
-        </a:prstGeom>
-        <a:solidFill>
-          <a:schemeClr val="accent2"/>
-        </a:solidFill>
-        <a:ln w="19050" cap="flat" cmpd="sng" algn="ctr">
-          <a:solidFill>
-            <a:schemeClr val="lt1">
-              <a:hueOff val="0"/>
-              <a:satOff val="0"/>
-              <a:lumOff val="0"/>
-              <a:alphaOff val="0"/>
-            </a:schemeClr>
-          </a:solidFill>
-          <a:prstDash val="solid"/>
-        </a:ln>
-        <a:effectLst/>
-      </dsp:spPr>
-      <dsp:style>
-        <a:lnRef idx="2">
-          <a:scrgbClr r="0" g="0" b="0"/>
-        </a:lnRef>
-        <a:fillRef idx="1">
-          <a:scrgbClr r="0" g="0" b="0"/>
-        </a:fillRef>
-        <a:effectRef idx="0">
-          <a:scrgbClr r="0" g="0" b="0"/>
-        </a:effectRef>
-        <a:fontRef idx="minor">
-          <a:schemeClr val="lt1"/>
-        </a:fontRef>
-      </dsp:style>
-      <dsp:txBody>
-        <a:bodyPr spcFirstLastPara="0" vert="horz" wrap="square" lIns="0" tIns="0" rIns="0" bIns="0" numCol="1" spcCol="1270" anchor="ctr" anchorCtr="1">
-          <a:noAutofit/>
-        </a:bodyPr>
-        <a:lstStyle/>
-        <a:p>
-          <a:pPr lvl="0" algn="ctr" defTabSz="622300" rtl="0">
-            <a:lnSpc>
-              <a:spcPct val="90000"/>
-            </a:lnSpc>
-            <a:spcBef>
-              <a:spcPct val="0"/>
-            </a:spcBef>
-            <a:spcAft>
-              <a:spcPct val="35000"/>
-            </a:spcAft>
-          </a:pPr>
-          <a:r>
-            <a:rPr lang="en-US" sz="1400" kern="800" spc="0" baseline="0" dirty="0" smtClean="0">
-              <a:solidFill>
-                <a:schemeClr val="bg1"/>
-              </a:solidFill>
-              <a:hlinkClick xmlns:r="http://schemas.openxmlformats.org/officeDocument/2006/relationships" r:id="rId18"/>
-            </a:rPr>
-            <a:t>SQL Server with EF</a:t>
-          </a:r>
-          <a:endParaRPr lang="en-US" sz="1400" kern="800" spc="0" baseline="0" dirty="0">
-            <a:solidFill>
-              <a:schemeClr val="bg1"/>
-            </a:solidFill>
-          </a:endParaRPr>
-        </a:p>
-      </dsp:txBody>
-      <dsp:txXfrm>
-        <a:off x="1772284" y="4126278"/>
-        <a:ext cx="1178681" cy="707208"/>
-      </dsp:txXfrm>
-    </dsp:sp>
-    <dsp:sp modelId="{2898482B-73DB-448B-A915-359B88204C09}">
-      <dsp:nvSpPr>
-        <dsp:cNvPr id="0" name=""/>
-        <dsp:cNvSpPr/>
-      </dsp:nvSpPr>
-      <dsp:spPr>
-        <a:xfrm>
-          <a:off x="3068834" y="4126278"/>
-          <a:ext cx="1178681" cy="707208"/>
-        </a:xfrm>
-        <a:prstGeom prst="rect">
-          <a:avLst/>
-        </a:prstGeom>
-        <a:solidFill>
-          <a:schemeClr val="accent2"/>
-        </a:solidFill>
-        <a:ln w="19050" cap="flat" cmpd="sng" algn="ctr">
-          <a:solidFill>
-            <a:schemeClr val="lt1">
-              <a:hueOff val="0"/>
-              <a:satOff val="0"/>
-              <a:lumOff val="0"/>
-              <a:alphaOff val="0"/>
-            </a:schemeClr>
-          </a:solidFill>
-          <a:prstDash val="solid"/>
-        </a:ln>
-        <a:effectLst/>
-      </dsp:spPr>
-      <dsp:style>
-        <a:lnRef idx="2">
-          <a:scrgbClr r="0" g="0" b="0"/>
-        </a:lnRef>
-        <a:fillRef idx="1">
-          <a:scrgbClr r="0" g="0" b="0"/>
-        </a:fillRef>
-        <a:effectRef idx="0">
-          <a:scrgbClr r="0" g="0" b="0"/>
-        </a:effectRef>
-        <a:fontRef idx="minor">
-          <a:schemeClr val="lt1"/>
-        </a:fontRef>
-      </dsp:style>
-      <dsp:txBody>
-        <a:bodyPr spcFirstLastPara="0" vert="horz" wrap="square" lIns="0" tIns="0" rIns="0" bIns="0" numCol="1" spcCol="1270" anchor="ctr" anchorCtr="1">
-          <a:noAutofit/>
-        </a:bodyPr>
-        <a:lstStyle/>
-        <a:p>
-          <a:pPr lvl="0" algn="ctr" defTabSz="1066800" rtl="0">
-            <a:lnSpc>
-              <a:spcPct val="90000"/>
-            </a:lnSpc>
-            <a:spcBef>
-              <a:spcPct val="0"/>
-            </a:spcBef>
-            <a:spcAft>
-              <a:spcPct val="35000"/>
-            </a:spcAft>
-          </a:pPr>
-          <a:r>
-            <a:rPr lang="en-US" sz="2400" kern="800" spc="0" baseline="0" dirty="0" smtClean="0">
-              <a:solidFill>
-                <a:schemeClr val="bg1"/>
-              </a:solidFill>
-              <a:hlinkClick xmlns:r="http://schemas.openxmlformats.org/officeDocument/2006/relationships" r:id="rId19"/>
-            </a:rPr>
-            <a:t>XAML</a:t>
-          </a:r>
-          <a:endParaRPr lang="en-US" sz="2400" kern="800" spc="0" baseline="0" dirty="0">
-            <a:solidFill>
-              <a:schemeClr val="bg1"/>
-            </a:solidFill>
-          </a:endParaRPr>
-        </a:p>
-      </dsp:txBody>
-      <dsp:txXfrm>
-        <a:off x="3068834" y="4126278"/>
-        <a:ext cx="1178681" cy="707208"/>
-      </dsp:txXfrm>
-    </dsp:sp>
-    <dsp:sp modelId="{53BF552C-963A-4801-B804-BB298B08F019}">
-      <dsp:nvSpPr>
-        <dsp:cNvPr id="0" name=""/>
-        <dsp:cNvSpPr/>
-      </dsp:nvSpPr>
-      <dsp:spPr>
-        <a:xfrm>
-          <a:off x="4365383" y="4126278"/>
-          <a:ext cx="1178681" cy="707208"/>
-        </a:xfrm>
-        <a:prstGeom prst="rect">
-          <a:avLst/>
-        </a:prstGeom>
-        <a:solidFill>
-          <a:schemeClr val="accent2"/>
-        </a:solidFill>
-        <a:ln w="19050" cap="flat" cmpd="sng" algn="ctr">
-          <a:solidFill>
-            <a:schemeClr val="lt1">
-              <a:hueOff val="0"/>
-              <a:satOff val="0"/>
-              <a:lumOff val="0"/>
-              <a:alphaOff val="0"/>
-            </a:schemeClr>
-          </a:solidFill>
-          <a:prstDash val="solid"/>
-        </a:ln>
-        <a:effectLst/>
-      </dsp:spPr>
-      <dsp:style>
-        <a:lnRef idx="2">
-          <a:scrgbClr r="0" g="0" b="0"/>
-        </a:lnRef>
-        <a:fillRef idx="1">
-          <a:scrgbClr r="0" g="0" b="0"/>
-        </a:fillRef>
-        <a:effectRef idx="0">
-          <a:scrgbClr r="0" g="0" b="0"/>
-        </a:effectRef>
-        <a:fontRef idx="minor">
-          <a:schemeClr val="lt1"/>
-        </a:fontRef>
-      </dsp:style>
-      <dsp:txBody>
-        <a:bodyPr spcFirstLastPara="0" vert="horz" wrap="square" lIns="0" tIns="0" rIns="0" bIns="0" numCol="1" spcCol="1270" anchor="ctr" anchorCtr="1">
-          <a:noAutofit/>
-        </a:bodyPr>
-        <a:lstStyle/>
-        <a:p>
-          <a:pPr lvl="0" algn="ctr" defTabSz="800100" rtl="0">
-            <a:lnSpc>
-              <a:spcPct val="90000"/>
-            </a:lnSpc>
-            <a:spcBef>
-              <a:spcPct val="0"/>
-            </a:spcBef>
-            <a:spcAft>
-              <a:spcPct val="35000"/>
-            </a:spcAft>
-          </a:pPr>
-          <a:r>
-            <a:rPr lang="en-US" sz="1800" kern="800" spc="0" baseline="0" dirty="0" smtClean="0">
-              <a:solidFill>
-                <a:schemeClr val="bg1"/>
-              </a:solidFill>
-              <a:hlinkClick xmlns:r="http://schemas.openxmlformats.org/officeDocument/2006/relationships" r:id="rId20"/>
-            </a:rPr>
-            <a:t>Hadoop</a:t>
-          </a:r>
-          <a:endParaRPr lang="en-US" sz="1800" kern="800" spc="0" baseline="0" dirty="0">
-            <a:solidFill>
-              <a:schemeClr val="bg1"/>
-            </a:solidFill>
-          </a:endParaRPr>
-        </a:p>
-      </dsp:txBody>
-      <dsp:txXfrm>
-        <a:off x="4365383" y="4126278"/>
-        <a:ext cx="1178681" cy="707208"/>
-      </dsp:txXfrm>
-    </dsp:sp>
-    <dsp:sp modelId="{DF362DCF-95D1-490C-A218-2464D73F29DE}">
-      <dsp:nvSpPr>
-        <dsp:cNvPr id="0" name=""/>
-        <dsp:cNvSpPr/>
-      </dsp:nvSpPr>
-      <dsp:spPr>
-        <a:xfrm>
-          <a:off x="475734" y="4951355"/>
-          <a:ext cx="1178681" cy="707208"/>
-        </a:xfrm>
-        <a:prstGeom prst="rect">
-          <a:avLst/>
-        </a:prstGeom>
-        <a:solidFill>
-          <a:schemeClr val="accent2"/>
-        </a:solidFill>
-        <a:ln w="19050" cap="flat" cmpd="sng" algn="ctr">
-          <a:solidFill>
-            <a:schemeClr val="lt1">
-              <a:hueOff val="0"/>
-              <a:satOff val="0"/>
-              <a:lumOff val="0"/>
-              <a:alphaOff val="0"/>
-            </a:schemeClr>
-          </a:solidFill>
-          <a:prstDash val="solid"/>
-        </a:ln>
-        <a:effectLst/>
-      </dsp:spPr>
-      <dsp:style>
-        <a:lnRef idx="2">
-          <a:scrgbClr r="0" g="0" b="0"/>
-        </a:lnRef>
-        <a:fillRef idx="1">
-          <a:scrgbClr r="0" g="0" b="0"/>
-        </a:fillRef>
-        <a:effectRef idx="0">
-          <a:scrgbClr r="0" g="0" b="0"/>
-        </a:effectRef>
-        <a:fontRef idx="minor">
-          <a:schemeClr val="lt1"/>
-        </a:fontRef>
-      </dsp:style>
-      <dsp:txBody>
-        <a:bodyPr spcFirstLastPara="0" vert="horz" wrap="square" lIns="0" tIns="0" rIns="0" bIns="0" numCol="1" spcCol="1270" anchor="ctr" anchorCtr="1">
-          <a:noAutofit/>
-        </a:bodyPr>
-        <a:lstStyle/>
-        <a:p>
-          <a:pPr lvl="0" algn="ctr" defTabSz="1022350" rtl="0">
-            <a:lnSpc>
-              <a:spcPct val="90000"/>
-            </a:lnSpc>
-            <a:spcBef>
-              <a:spcPct val="0"/>
-            </a:spcBef>
-            <a:spcAft>
-              <a:spcPct val="35000"/>
-            </a:spcAft>
-          </a:pPr>
-          <a:r>
-            <a:rPr lang="en-US" sz="2300" kern="800" spc="0" baseline="0" dirty="0" smtClean="0">
-              <a:solidFill>
-                <a:schemeClr val="bg1"/>
-              </a:solidFill>
-            </a:rPr>
-            <a:t>WSDL</a:t>
-          </a:r>
-          <a:endParaRPr lang="en-US" sz="2300" kern="800" spc="0" baseline="0" dirty="0">
-            <a:solidFill>
-              <a:schemeClr val="bg1"/>
-            </a:solidFill>
-          </a:endParaRPr>
-        </a:p>
-      </dsp:txBody>
-      <dsp:txXfrm>
-        <a:off x="475734" y="4951355"/>
-        <a:ext cx="1178681" cy="707208"/>
-      </dsp:txXfrm>
-    </dsp:sp>
-    <dsp:sp modelId="{28162803-DF42-445D-9DA6-64E946932B3C}">
-      <dsp:nvSpPr>
-        <dsp:cNvPr id="0" name=""/>
-        <dsp:cNvSpPr/>
-      </dsp:nvSpPr>
-      <dsp:spPr>
-        <a:xfrm>
-          <a:off x="1772284" y="4951355"/>
-          <a:ext cx="1178681" cy="707208"/>
-        </a:xfrm>
-        <a:prstGeom prst="rect">
-          <a:avLst/>
-        </a:prstGeom>
-        <a:solidFill>
-          <a:schemeClr val="accent2"/>
-        </a:solidFill>
-        <a:ln w="19050" cap="flat" cmpd="sng" algn="ctr">
-          <a:solidFill>
-            <a:schemeClr val="lt1">
-              <a:hueOff val="0"/>
-              <a:satOff val="0"/>
-              <a:lumOff val="0"/>
-              <a:alphaOff val="0"/>
-            </a:schemeClr>
-          </a:solidFill>
-          <a:prstDash val="solid"/>
-        </a:ln>
-        <a:effectLst/>
-      </dsp:spPr>
-      <dsp:style>
-        <a:lnRef idx="2">
-          <a:scrgbClr r="0" g="0" b="0"/>
-        </a:lnRef>
-        <a:fillRef idx="1">
-          <a:scrgbClr r="0" g="0" b="0"/>
-        </a:fillRef>
-        <a:effectRef idx="0">
-          <a:scrgbClr r="0" g="0" b="0"/>
-        </a:effectRef>
-        <a:fontRef idx="minor">
-          <a:schemeClr val="lt1"/>
-        </a:fontRef>
-      </dsp:style>
-      <dsp:txBody>
-        <a:bodyPr spcFirstLastPara="0" vert="horz" wrap="square" lIns="0" tIns="0" rIns="0" bIns="0" numCol="1" spcCol="1270" anchor="ctr" anchorCtr="1">
-          <a:noAutofit/>
-        </a:bodyPr>
-        <a:lstStyle/>
-        <a:p>
-          <a:pPr lvl="0" algn="ctr" defTabSz="977900" rtl="0">
-            <a:lnSpc>
-              <a:spcPct val="90000"/>
-            </a:lnSpc>
-            <a:spcBef>
-              <a:spcPct val="0"/>
-            </a:spcBef>
-            <a:spcAft>
-              <a:spcPct val="35000"/>
-            </a:spcAft>
-          </a:pPr>
-          <a:r>
-            <a:rPr lang="en-US" sz="2200" kern="800" spc="0" baseline="0" dirty="0" smtClean="0">
-              <a:solidFill>
-                <a:schemeClr val="bg1"/>
-              </a:solidFill>
-              <a:hlinkClick xmlns:r="http://schemas.openxmlformats.org/officeDocument/2006/relationships" r:id="rId21"/>
-            </a:rPr>
-            <a:t>OData</a:t>
-          </a:r>
-          <a:endParaRPr lang="en-US" sz="2200" kern="800" spc="0" baseline="0" dirty="0">
-            <a:solidFill>
-              <a:schemeClr val="bg1"/>
-            </a:solidFill>
-          </a:endParaRPr>
-        </a:p>
-      </dsp:txBody>
-      <dsp:txXfrm>
-        <a:off x="1772284" y="4951355"/>
-        <a:ext cx="1178681" cy="707208"/>
-      </dsp:txXfrm>
-    </dsp:sp>
-    <dsp:sp modelId="{9B80A308-CEBD-416D-A1D4-D50030FF1E05}">
-      <dsp:nvSpPr>
-        <dsp:cNvPr id="0" name=""/>
-        <dsp:cNvSpPr/>
-      </dsp:nvSpPr>
-      <dsp:spPr>
-        <a:xfrm>
-          <a:off x="3068834" y="4951355"/>
-          <a:ext cx="1178681" cy="707208"/>
-        </a:xfrm>
-        <a:prstGeom prst="rect">
-          <a:avLst/>
-        </a:prstGeom>
-        <a:solidFill>
-          <a:schemeClr val="accent2"/>
-        </a:solidFill>
-        <a:ln w="19050" cap="flat" cmpd="sng" algn="ctr">
-          <a:solidFill>
-            <a:schemeClr val="lt1">
-              <a:hueOff val="0"/>
-              <a:satOff val="0"/>
-              <a:lumOff val="0"/>
-              <a:alphaOff val="0"/>
-            </a:schemeClr>
-          </a:solidFill>
-          <a:prstDash val="solid"/>
-        </a:ln>
-        <a:effectLst/>
-      </dsp:spPr>
-      <dsp:style>
-        <a:lnRef idx="2">
-          <a:scrgbClr r="0" g="0" b="0"/>
-        </a:lnRef>
-        <a:fillRef idx="1">
-          <a:scrgbClr r="0" g="0" b="0"/>
-        </a:fillRef>
-        <a:effectRef idx="0">
-          <a:scrgbClr r="0" g="0" b="0"/>
-        </a:effectRef>
-        <a:fontRef idx="minor">
-          <a:schemeClr val="lt1"/>
-        </a:fontRef>
-      </dsp:style>
-      <dsp:txBody>
-        <a:bodyPr spcFirstLastPara="0" vert="horz" wrap="square" lIns="0" tIns="0" rIns="0" bIns="0" numCol="1" spcCol="1270" anchor="ctr" anchorCtr="1">
-          <a:noAutofit/>
-        </a:bodyPr>
-        <a:lstStyle/>
-        <a:p>
-          <a:pPr lvl="0" algn="ctr" defTabSz="1022350" rtl="0">
-            <a:lnSpc>
-              <a:spcPct val="90000"/>
-            </a:lnSpc>
-            <a:spcBef>
-              <a:spcPct val="0"/>
-            </a:spcBef>
-            <a:spcAft>
-              <a:spcPct val="35000"/>
-            </a:spcAft>
-          </a:pPr>
-          <a:r>
-            <a:rPr lang="en-US" sz="2300" kern="800" spc="0" baseline="0" dirty="0" smtClean="0">
-              <a:solidFill>
-                <a:schemeClr val="bg1"/>
-              </a:solidFill>
-              <a:hlinkClick xmlns:r="http://schemas.openxmlformats.org/officeDocument/2006/relationships" r:id="rId22"/>
-            </a:rPr>
-            <a:t>Apiary</a:t>
-          </a:r>
-          <a:endParaRPr lang="en-US" sz="2300" kern="800" spc="0" baseline="0" dirty="0">
-            <a:solidFill>
-              <a:schemeClr val="bg1"/>
-            </a:solidFill>
-          </a:endParaRPr>
-        </a:p>
-      </dsp:txBody>
-      <dsp:txXfrm>
-        <a:off x="3068834" y="4951355"/>
-        <a:ext cx="1178681" cy="707208"/>
-      </dsp:txXfrm>
-    </dsp:sp>
-    <dsp:sp modelId="{6600B78B-B0DF-4F9A-AAA1-1BD4CEDF8FFA}">
-      <dsp:nvSpPr>
-        <dsp:cNvPr id="0" name=""/>
-        <dsp:cNvSpPr/>
-      </dsp:nvSpPr>
-      <dsp:spPr>
-        <a:xfrm>
-          <a:off x="4365383" y="4951355"/>
-          <a:ext cx="1178681" cy="707208"/>
-        </a:xfrm>
-        <a:prstGeom prst="rect">
-          <a:avLst/>
-        </a:prstGeom>
-        <a:solidFill>
-          <a:schemeClr val="accent2"/>
-        </a:solidFill>
-        <a:ln w="19050" cap="flat" cmpd="sng" algn="ctr">
-          <a:solidFill>
-            <a:schemeClr val="lt1">
-              <a:hueOff val="0"/>
-              <a:satOff val="0"/>
-              <a:lumOff val="0"/>
-              <a:alphaOff val="0"/>
-            </a:schemeClr>
-          </a:solidFill>
-          <a:prstDash val="solid"/>
-        </a:ln>
-        <a:effectLst/>
-      </dsp:spPr>
-      <dsp:style>
-        <a:lnRef idx="2">
-          <a:scrgbClr r="0" g="0" b="0"/>
-        </a:lnRef>
-        <a:fillRef idx="1">
-          <a:scrgbClr r="0" g="0" b="0"/>
-        </a:fillRef>
-        <a:effectRef idx="0">
-          <a:scrgbClr r="0" g="0" b="0"/>
-        </a:effectRef>
-        <a:fontRef idx="minor">
-          <a:schemeClr val="lt1"/>
-        </a:fontRef>
-      </dsp:style>
-      <dsp:txBody>
-        <a:bodyPr spcFirstLastPara="0" vert="horz" wrap="square" lIns="0" tIns="0" rIns="0" bIns="0" numCol="1" spcCol="1270" anchor="ctr" anchorCtr="1">
-          <a:noAutofit/>
-        </a:bodyPr>
-        <a:lstStyle/>
-        <a:p>
-          <a:pPr lvl="0" algn="ctr" defTabSz="711200" rtl="0">
-            <a:lnSpc>
-              <a:spcPct val="90000"/>
-            </a:lnSpc>
-            <a:spcBef>
-              <a:spcPct val="0"/>
-            </a:spcBef>
-            <a:spcAft>
-              <a:spcPct val="35000"/>
-            </a:spcAft>
-          </a:pPr>
-          <a:r>
-            <a:rPr lang="en-US" sz="1600" kern="800" spc="0" baseline="0" dirty="0" smtClean="0">
-              <a:solidFill>
-                <a:schemeClr val="bg1"/>
-              </a:solidFill>
-            </a:rPr>
-            <a:t>Facebook</a:t>
-          </a:r>
-          <a:endParaRPr lang="en-US" sz="1600" kern="800" spc="0" baseline="0" dirty="0">
-            <a:solidFill>
-              <a:schemeClr val="bg1"/>
-            </a:solidFill>
-          </a:endParaRPr>
-        </a:p>
-      </dsp:txBody>
-      <dsp:txXfrm>
-        <a:off x="4365383" y="4951355"/>
-        <a:ext cx="1178681" cy="707208"/>
-      </dsp:txXfrm>
-    </dsp:sp>
   </dsp:spTree>
 </dsp:drawing>
 </file>
@@ -14323,4440 +10384,6 @@
       <dsp:cNvGrpSpPr/>
     </dsp:nvGrpSpPr>
     <dsp:grpSpPr/>
-    <dsp:sp modelId="{752440A0-3DF6-4D6F-A607-CF9A844D3CB6}">
-      <dsp:nvSpPr>
-        <dsp:cNvPr id="0" name=""/>
-        <dsp:cNvSpPr/>
-      </dsp:nvSpPr>
-      <dsp:spPr>
-        <a:xfrm>
-          <a:off x="1598" y="2504304"/>
-          <a:ext cx="1419732" cy="1419732"/>
-        </a:xfrm>
-        <a:prstGeom prst="ellipse">
-          <a:avLst/>
-        </a:prstGeom>
-        <a:solidFill>
-          <a:schemeClr val="accent2"/>
-        </a:solidFill>
-        <a:ln w="19050" cap="flat" cmpd="sng" algn="ctr">
-          <a:solidFill>
-            <a:schemeClr val="lt1">
-              <a:hueOff val="0"/>
-              <a:satOff val="0"/>
-              <a:lumOff val="0"/>
-              <a:alphaOff val="0"/>
-            </a:schemeClr>
-          </a:solidFill>
-          <a:prstDash val="solid"/>
-        </a:ln>
-        <a:effectLst/>
-      </dsp:spPr>
-      <dsp:style>
-        <a:lnRef idx="2">
-          <a:scrgbClr r="0" g="0" b="0"/>
-        </a:lnRef>
-        <a:fillRef idx="1">
-          <a:scrgbClr r="0" g="0" b="0"/>
-        </a:fillRef>
-        <a:effectRef idx="0">
-          <a:scrgbClr r="0" g="0" b="0"/>
-        </a:effectRef>
-        <a:fontRef idx="minor">
-          <a:schemeClr val="lt1"/>
-        </a:fontRef>
-      </dsp:style>
-      <dsp:txBody>
-        <a:bodyPr spcFirstLastPara="0" vert="horz" wrap="square" lIns="0" tIns="0" rIns="0" bIns="0" numCol="1" spcCol="1270" anchor="ctr" anchorCtr="0">
-          <a:noAutofit/>
-        </a:bodyPr>
-        <a:lstStyle/>
-        <a:p>
-          <a:pPr lvl="0" algn="ctr" defTabSz="844550" rtl="0">
-            <a:lnSpc>
-              <a:spcPct val="90000"/>
-            </a:lnSpc>
-            <a:spcBef>
-              <a:spcPct val="0"/>
-            </a:spcBef>
-            <a:spcAft>
-              <a:spcPct val="35000"/>
-            </a:spcAft>
-          </a:pPr>
-          <a:r>
-            <a:rPr lang="en-US" sz="1900" b="1" kern="1200" dirty="0" smtClean="0"/>
-            <a:t>Get data from </a:t>
-          </a:r>
-          <a:endParaRPr lang="en-US" sz="1900" b="1" kern="1200" dirty="0"/>
-        </a:p>
-      </dsp:txBody>
-      <dsp:txXfrm>
-        <a:off x="209513" y="2712219"/>
-        <a:ext cx="1003902" cy="1003902"/>
-      </dsp:txXfrm>
-    </dsp:sp>
-    <dsp:sp modelId="{942F2F83-B542-450B-87AA-D917E960036B}">
-      <dsp:nvSpPr>
-        <dsp:cNvPr id="0" name=""/>
-        <dsp:cNvSpPr/>
-      </dsp:nvSpPr>
-      <dsp:spPr>
-        <a:xfrm rot="16729062">
-          <a:off x="521286" y="1842709"/>
-          <a:ext cx="2225583" cy="0"/>
-        </a:xfrm>
-        <a:custGeom>
-          <a:avLst/>
-          <a:gdLst/>
-          <a:ahLst/>
-          <a:cxnLst/>
-          <a:rect l="0" t="0" r="0" b="0"/>
-          <a:pathLst>
-            <a:path>
-              <a:moveTo>
-                <a:pt x="0" y="0"/>
-              </a:moveTo>
-              <a:lnTo>
-                <a:pt x="2225583" y="0"/>
-              </a:lnTo>
-            </a:path>
-          </a:pathLst>
-        </a:custGeom>
-        <a:noFill/>
-        <a:ln w="19050" cap="flat" cmpd="sng" algn="ctr">
-          <a:solidFill>
-            <a:schemeClr val="accent4">
-              <a:lumMod val="50000"/>
-            </a:schemeClr>
-          </a:solidFill>
-          <a:prstDash val="solid"/>
-        </a:ln>
-        <a:effectLst/>
-      </dsp:spPr>
-      <dsp:style>
-        <a:lnRef idx="2">
-          <a:scrgbClr r="0" g="0" b="0"/>
-        </a:lnRef>
-        <a:fillRef idx="0">
-          <a:scrgbClr r="0" g="0" b="0"/>
-        </a:fillRef>
-        <a:effectRef idx="0">
-          <a:scrgbClr r="0" g="0" b="0"/>
-        </a:effectRef>
-        <a:fontRef idx="minor"/>
-      </dsp:style>
-    </dsp:sp>
-    <dsp:sp modelId="{34EF5BBE-CDAB-4BCA-9D9E-F44B0C8297F9}">
-      <dsp:nvSpPr>
-        <dsp:cNvPr id="0" name=""/>
-        <dsp:cNvSpPr/>
-      </dsp:nvSpPr>
-      <dsp:spPr>
-        <a:xfrm rot="15670938">
-          <a:off x="2371056" y="1842709"/>
-          <a:ext cx="2225583" cy="0"/>
-        </a:xfrm>
-        <a:custGeom>
-          <a:avLst/>
-          <a:gdLst/>
-          <a:ahLst/>
-          <a:cxnLst/>
-          <a:rect l="0" t="0" r="0" b="0"/>
-          <a:pathLst>
-            <a:path>
-              <a:moveTo>
-                <a:pt x="0" y="0"/>
-              </a:moveTo>
-              <a:lnTo>
-                <a:pt x="2225583" y="0"/>
-              </a:lnTo>
-            </a:path>
-          </a:pathLst>
-        </a:custGeom>
-        <a:noFill/>
-        <a:ln w="19050" cap="flat" cmpd="sng" algn="ctr">
-          <a:solidFill>
-            <a:schemeClr val="accent4">
-              <a:lumMod val="50000"/>
-            </a:schemeClr>
-          </a:solidFill>
-          <a:prstDash val="solid"/>
-        </a:ln>
-        <a:effectLst/>
-      </dsp:spPr>
-      <dsp:style>
-        <a:lnRef idx="2">
-          <a:scrgbClr r="0" g="0" b="0"/>
-        </a:lnRef>
-        <a:fillRef idx="0">
-          <a:scrgbClr r="0" g="0" b="0"/>
-        </a:fillRef>
-        <a:effectRef idx="0">
-          <a:scrgbClr r="0" g="0" b="0"/>
-        </a:effectRef>
-        <a:fontRef idx="minor"/>
-      </dsp:style>
-    </dsp:sp>
-    <dsp:sp modelId="{7252D9E2-2A23-4BF0-9B1D-07EA5F2AB602}">
-      <dsp:nvSpPr>
-        <dsp:cNvPr id="0" name=""/>
-        <dsp:cNvSpPr/>
-      </dsp:nvSpPr>
-      <dsp:spPr>
-        <a:xfrm>
-          <a:off x="1804659" y="743070"/>
-          <a:ext cx="165946" cy="0"/>
-        </a:xfrm>
-        <a:prstGeom prst="line">
-          <a:avLst/>
-        </a:prstGeom>
-        <a:noFill/>
-        <a:ln w="19050" cap="flat" cmpd="sng" algn="ctr">
-          <a:solidFill>
-            <a:schemeClr val="accent4">
-              <a:lumMod val="50000"/>
-            </a:schemeClr>
-          </a:solidFill>
-          <a:prstDash val="solid"/>
-        </a:ln>
-        <a:effectLst/>
-      </dsp:spPr>
-      <dsp:style>
-        <a:lnRef idx="2">
-          <a:scrgbClr r="0" g="0" b="0"/>
-        </a:lnRef>
-        <a:fillRef idx="0">
-          <a:scrgbClr r="0" g="0" b="0"/>
-        </a:fillRef>
-        <a:effectRef idx="0">
-          <a:scrgbClr r="0" g="0" b="0"/>
-        </a:effectRef>
-        <a:fontRef idx="minor"/>
-      </dsp:style>
-    </dsp:sp>
-    <dsp:sp modelId="{0974E0EE-197E-46E7-AAEF-C4EE10C5D9B7}">
-      <dsp:nvSpPr>
-        <dsp:cNvPr id="0" name=""/>
-        <dsp:cNvSpPr/>
-      </dsp:nvSpPr>
-      <dsp:spPr>
-        <a:xfrm>
-          <a:off x="1970606" y="390055"/>
-          <a:ext cx="1176714" cy="706028"/>
-        </a:xfrm>
-        <a:prstGeom prst="rect">
-          <a:avLst/>
-        </a:prstGeom>
-        <a:noFill/>
-        <a:ln>
-          <a:noFill/>
-        </a:ln>
-        <a:effectLst/>
-        <a:sp3d/>
-      </dsp:spPr>
-      <dsp:style>
-        <a:lnRef idx="0">
-          <a:scrgbClr r="0" g="0" b="0"/>
-        </a:lnRef>
-        <a:fillRef idx="0">
-          <a:scrgbClr r="0" g="0" b="0"/>
-        </a:fillRef>
-        <a:effectRef idx="0">
-          <a:scrgbClr r="0" g="0" b="0"/>
-        </a:effectRef>
-        <a:fontRef idx="minor"/>
-      </dsp:style>
-      <dsp:txBody>
-        <a:bodyPr spcFirstLastPara="0" vert="horz" wrap="square" lIns="99568" tIns="99568" rIns="99568" bIns="99568" numCol="1" spcCol="1270" anchor="ctr" anchorCtr="0">
-          <a:noAutofit/>
-        </a:bodyPr>
-        <a:lstStyle/>
-        <a:p>
-          <a:pPr lvl="0" algn="ctr" defTabSz="622300" rtl="0">
-            <a:lnSpc>
-              <a:spcPct val="90000"/>
-            </a:lnSpc>
-            <a:spcBef>
-              <a:spcPct val="0"/>
-            </a:spcBef>
-            <a:spcAft>
-              <a:spcPct val="35000"/>
-            </a:spcAft>
-          </a:pPr>
-          <a:r>
-            <a:rPr lang="en-US" sz="1400" b="1" kern="1200" dirty="0" smtClean="0">
-              <a:solidFill>
-                <a:schemeClr val="accent4">
-                  <a:lumMod val="50000"/>
-                </a:schemeClr>
-              </a:solidFill>
-            </a:rPr>
-            <a:t>Hadoop </a:t>
-          </a:r>
-          <a:endParaRPr lang="en-US" sz="1400" b="1" kern="1200" dirty="0">
-            <a:solidFill>
-              <a:schemeClr val="accent4">
-                <a:lumMod val="50000"/>
-              </a:schemeClr>
-            </a:solidFill>
-          </a:endParaRPr>
-        </a:p>
-      </dsp:txBody>
-      <dsp:txXfrm>
-        <a:off x="1970606" y="390055"/>
-        <a:ext cx="1176714" cy="706028"/>
-      </dsp:txXfrm>
-    </dsp:sp>
-    <dsp:sp modelId="{2871E134-BC9C-4218-925B-074C08D7ACEA}">
-      <dsp:nvSpPr>
-        <dsp:cNvPr id="0" name=""/>
-        <dsp:cNvSpPr/>
-      </dsp:nvSpPr>
-      <dsp:spPr>
-        <a:xfrm>
-          <a:off x="3147320" y="743070"/>
-          <a:ext cx="165946" cy="0"/>
-        </a:xfrm>
-        <a:prstGeom prst="line">
-          <a:avLst/>
-        </a:prstGeom>
-        <a:noFill/>
-        <a:ln w="19050" cap="flat" cmpd="sng" algn="ctr">
-          <a:solidFill>
-            <a:schemeClr val="accent4">
-              <a:lumMod val="50000"/>
-            </a:schemeClr>
-          </a:solidFill>
-          <a:prstDash val="solid"/>
-        </a:ln>
-        <a:effectLst/>
-      </dsp:spPr>
-      <dsp:style>
-        <a:lnRef idx="2">
-          <a:scrgbClr r="0" g="0" b="0"/>
-        </a:lnRef>
-        <a:fillRef idx="0">
-          <a:scrgbClr r="0" g="0" b="0"/>
-        </a:fillRef>
-        <a:effectRef idx="0">
-          <a:scrgbClr r="0" g="0" b="0"/>
-        </a:effectRef>
-        <a:fontRef idx="minor"/>
-      </dsp:style>
-    </dsp:sp>
-    <dsp:sp modelId="{C2E23544-0430-4A5E-92C8-84E101C567AB}">
-      <dsp:nvSpPr>
-        <dsp:cNvPr id="0" name=""/>
-        <dsp:cNvSpPr/>
-      </dsp:nvSpPr>
-      <dsp:spPr>
-        <a:xfrm rot="16935173">
-          <a:off x="830312" y="2234555"/>
-          <a:ext cx="1607532" cy="0"/>
-        </a:xfrm>
-        <a:custGeom>
-          <a:avLst/>
-          <a:gdLst/>
-          <a:ahLst/>
-          <a:cxnLst/>
-          <a:rect l="0" t="0" r="0" b="0"/>
-          <a:pathLst>
-            <a:path>
-              <a:moveTo>
-                <a:pt x="0" y="0"/>
-              </a:moveTo>
-              <a:lnTo>
-                <a:pt x="1607532" y="0"/>
-              </a:lnTo>
-            </a:path>
-          </a:pathLst>
-        </a:custGeom>
-        <a:noFill/>
-        <a:ln w="19050" cap="flat" cmpd="sng" algn="ctr">
-          <a:solidFill>
-            <a:schemeClr val="accent4">
-              <a:lumMod val="50000"/>
-            </a:schemeClr>
-          </a:solidFill>
-          <a:prstDash val="solid"/>
-        </a:ln>
-        <a:effectLst/>
-      </dsp:spPr>
-      <dsp:style>
-        <a:lnRef idx="2">
-          <a:scrgbClr r="0" g="0" b="0"/>
-        </a:lnRef>
-        <a:fillRef idx="0">
-          <a:scrgbClr r="0" g="0" b="0"/>
-        </a:fillRef>
-        <a:effectRef idx="0">
-          <a:scrgbClr r="0" g="0" b="0"/>
-        </a:effectRef>
-        <a:fontRef idx="minor"/>
-      </dsp:style>
-    </dsp:sp>
-    <dsp:sp modelId="{535FC9F5-974B-4885-9026-EEA1269D15A8}">
-      <dsp:nvSpPr>
-        <dsp:cNvPr id="0" name=""/>
-        <dsp:cNvSpPr/>
-      </dsp:nvSpPr>
-      <dsp:spPr>
-        <a:xfrm rot="15464827">
-          <a:off x="2680082" y="2234555"/>
-          <a:ext cx="1607532" cy="0"/>
-        </a:xfrm>
-        <a:custGeom>
-          <a:avLst/>
-          <a:gdLst/>
-          <a:ahLst/>
-          <a:cxnLst/>
-          <a:rect l="0" t="0" r="0" b="0"/>
-          <a:pathLst>
-            <a:path>
-              <a:moveTo>
-                <a:pt x="0" y="0"/>
-              </a:moveTo>
-              <a:lnTo>
-                <a:pt x="1607532" y="0"/>
-              </a:lnTo>
-            </a:path>
-          </a:pathLst>
-        </a:custGeom>
-        <a:noFill/>
-        <a:ln w="19050" cap="flat" cmpd="sng" algn="ctr">
-          <a:solidFill>
-            <a:schemeClr val="accent4">
-              <a:lumMod val="50000"/>
-            </a:schemeClr>
-          </a:solidFill>
-          <a:prstDash val="solid"/>
-        </a:ln>
-        <a:effectLst/>
-      </dsp:spPr>
-      <dsp:style>
-        <a:lnRef idx="2">
-          <a:scrgbClr r="0" g="0" b="0"/>
-        </a:lnRef>
-        <a:fillRef idx="0">
-          <a:scrgbClr r="0" g="0" b="0"/>
-        </a:fillRef>
-        <a:effectRef idx="0">
-          <a:scrgbClr r="0" g="0" b="0"/>
-        </a:effectRef>
-        <a:fontRef idx="minor"/>
-      </dsp:style>
-    </dsp:sp>
-    <dsp:sp modelId="{2E5C7773-E28D-426D-BB69-5163C3AFDBBE}">
-      <dsp:nvSpPr>
-        <dsp:cNvPr id="0" name=""/>
-        <dsp:cNvSpPr/>
-      </dsp:nvSpPr>
-      <dsp:spPr>
-        <a:xfrm>
-          <a:off x="1804659" y="1449098"/>
-          <a:ext cx="165946" cy="0"/>
-        </a:xfrm>
-        <a:prstGeom prst="line">
-          <a:avLst/>
-        </a:prstGeom>
-        <a:noFill/>
-        <a:ln w="19050" cap="flat" cmpd="sng" algn="ctr">
-          <a:solidFill>
-            <a:schemeClr val="accent4">
-              <a:lumMod val="50000"/>
-            </a:schemeClr>
-          </a:solidFill>
-          <a:prstDash val="solid"/>
-        </a:ln>
-        <a:effectLst/>
-      </dsp:spPr>
-      <dsp:style>
-        <a:lnRef idx="2">
-          <a:scrgbClr r="0" g="0" b="0"/>
-        </a:lnRef>
-        <a:fillRef idx="0">
-          <a:scrgbClr r="0" g="0" b="0"/>
-        </a:fillRef>
-        <a:effectRef idx="0">
-          <a:scrgbClr r="0" g="0" b="0"/>
-        </a:effectRef>
-        <a:fontRef idx="minor"/>
-      </dsp:style>
-    </dsp:sp>
-    <dsp:sp modelId="{FAE639A6-974B-416A-A0F6-C434B49BD7C5}">
-      <dsp:nvSpPr>
-        <dsp:cNvPr id="0" name=""/>
-        <dsp:cNvSpPr/>
-      </dsp:nvSpPr>
-      <dsp:spPr>
-        <a:xfrm>
-          <a:off x="1970606" y="1096084"/>
-          <a:ext cx="1176714" cy="706028"/>
-        </a:xfrm>
-        <a:prstGeom prst="rect">
-          <a:avLst/>
-        </a:prstGeom>
-        <a:noFill/>
-        <a:ln>
-          <a:noFill/>
-        </a:ln>
-        <a:effectLst/>
-        <a:sp3d/>
-      </dsp:spPr>
-      <dsp:style>
-        <a:lnRef idx="0">
-          <a:scrgbClr r="0" g="0" b="0"/>
-        </a:lnRef>
-        <a:fillRef idx="0">
-          <a:scrgbClr r="0" g="0" b="0"/>
-        </a:fillRef>
-        <a:effectRef idx="0">
-          <a:scrgbClr r="0" g="0" b="0"/>
-        </a:effectRef>
-        <a:fontRef idx="minor"/>
-      </dsp:style>
-      <dsp:txBody>
-        <a:bodyPr spcFirstLastPara="0" vert="horz" wrap="square" lIns="99568" tIns="99568" rIns="99568" bIns="99568" numCol="1" spcCol="1270" anchor="ctr" anchorCtr="0">
-          <a:noAutofit/>
-        </a:bodyPr>
-        <a:lstStyle/>
-        <a:p>
-          <a:pPr lvl="0" algn="ctr" defTabSz="622300" rtl="0">
-            <a:lnSpc>
-              <a:spcPct val="90000"/>
-            </a:lnSpc>
-            <a:spcBef>
-              <a:spcPct val="0"/>
-            </a:spcBef>
-            <a:spcAft>
-              <a:spcPct val="35000"/>
-            </a:spcAft>
-          </a:pPr>
-          <a:r>
-            <a:rPr lang="en-US" sz="1400" b="1" kern="1200" dirty="0" smtClean="0">
-              <a:solidFill>
-                <a:schemeClr val="accent4">
-                  <a:lumMod val="50000"/>
-                </a:schemeClr>
-              </a:solidFill>
-            </a:rPr>
-            <a:t>SQL Server</a:t>
-          </a:r>
-          <a:endParaRPr lang="en-US" sz="1400" b="1" kern="1200" dirty="0">
-            <a:solidFill>
-              <a:schemeClr val="accent4">
-                <a:lumMod val="50000"/>
-              </a:schemeClr>
-            </a:solidFill>
-          </a:endParaRPr>
-        </a:p>
-      </dsp:txBody>
-      <dsp:txXfrm>
-        <a:off x="1970606" y="1096084"/>
-        <a:ext cx="1176714" cy="706028"/>
-      </dsp:txXfrm>
-    </dsp:sp>
-    <dsp:sp modelId="{EDDDD4A5-D902-4474-B9A2-E022FD77356B}">
-      <dsp:nvSpPr>
-        <dsp:cNvPr id="0" name=""/>
-        <dsp:cNvSpPr/>
-      </dsp:nvSpPr>
-      <dsp:spPr>
-        <a:xfrm>
-          <a:off x="3147320" y="1449098"/>
-          <a:ext cx="165946" cy="0"/>
-        </a:xfrm>
-        <a:prstGeom prst="line">
-          <a:avLst/>
-        </a:prstGeom>
-        <a:noFill/>
-        <a:ln w="19050" cap="flat" cmpd="sng" algn="ctr">
-          <a:solidFill>
-            <a:schemeClr val="accent4">
-              <a:lumMod val="50000"/>
-            </a:schemeClr>
-          </a:solidFill>
-          <a:prstDash val="solid"/>
-        </a:ln>
-        <a:effectLst/>
-      </dsp:spPr>
-      <dsp:style>
-        <a:lnRef idx="2">
-          <a:scrgbClr r="0" g="0" b="0"/>
-        </a:lnRef>
-        <a:fillRef idx="0">
-          <a:scrgbClr r="0" g="0" b="0"/>
-        </a:fillRef>
-        <a:effectRef idx="0">
-          <a:scrgbClr r="0" g="0" b="0"/>
-        </a:effectRef>
-        <a:fontRef idx="minor"/>
-      </dsp:style>
-    </dsp:sp>
-    <dsp:sp modelId="{5D310087-83B3-4F0A-A8A5-EFA6C0E753E4}">
-      <dsp:nvSpPr>
-        <dsp:cNvPr id="0" name=""/>
-        <dsp:cNvSpPr/>
-      </dsp:nvSpPr>
-      <dsp:spPr>
-        <a:xfrm rot="17393884">
-          <a:off x="1132882" y="2626401"/>
-          <a:ext cx="1002391" cy="0"/>
-        </a:xfrm>
-        <a:custGeom>
-          <a:avLst/>
-          <a:gdLst/>
-          <a:ahLst/>
-          <a:cxnLst/>
-          <a:rect l="0" t="0" r="0" b="0"/>
-          <a:pathLst>
-            <a:path>
-              <a:moveTo>
-                <a:pt x="0" y="0"/>
-              </a:moveTo>
-              <a:lnTo>
-                <a:pt x="1002391" y="0"/>
-              </a:lnTo>
-            </a:path>
-          </a:pathLst>
-        </a:custGeom>
-        <a:noFill/>
-        <a:ln w="19050" cap="flat" cmpd="sng" algn="ctr">
-          <a:solidFill>
-            <a:schemeClr val="accent4">
-              <a:lumMod val="50000"/>
-            </a:schemeClr>
-          </a:solidFill>
-          <a:prstDash val="solid"/>
-        </a:ln>
-        <a:effectLst/>
-      </dsp:spPr>
-      <dsp:style>
-        <a:lnRef idx="2">
-          <a:scrgbClr r="0" g="0" b="0"/>
-        </a:lnRef>
-        <a:fillRef idx="0">
-          <a:scrgbClr r="0" g="0" b="0"/>
-        </a:fillRef>
-        <a:effectRef idx="0">
-          <a:scrgbClr r="0" g="0" b="0"/>
-        </a:effectRef>
-        <a:fontRef idx="minor"/>
-      </dsp:style>
-    </dsp:sp>
-    <dsp:sp modelId="{7C7AE3FF-4890-4434-B653-C82558B76E55}">
-      <dsp:nvSpPr>
-        <dsp:cNvPr id="0" name=""/>
-        <dsp:cNvSpPr/>
-      </dsp:nvSpPr>
-      <dsp:spPr>
-        <a:xfrm rot="15006116">
-          <a:off x="2982652" y="2626401"/>
-          <a:ext cx="1002391" cy="0"/>
-        </a:xfrm>
-        <a:custGeom>
-          <a:avLst/>
-          <a:gdLst/>
-          <a:ahLst/>
-          <a:cxnLst/>
-          <a:rect l="0" t="0" r="0" b="0"/>
-          <a:pathLst>
-            <a:path>
-              <a:moveTo>
-                <a:pt x="0" y="0"/>
-              </a:moveTo>
-              <a:lnTo>
-                <a:pt x="1002391" y="0"/>
-              </a:lnTo>
-            </a:path>
-          </a:pathLst>
-        </a:custGeom>
-        <a:noFill/>
-        <a:ln w="19050" cap="flat" cmpd="sng" algn="ctr">
-          <a:solidFill>
-            <a:schemeClr val="accent4">
-              <a:lumMod val="50000"/>
-            </a:schemeClr>
-          </a:solidFill>
-          <a:prstDash val="solid"/>
-        </a:ln>
-        <a:effectLst/>
-      </dsp:spPr>
-      <dsp:style>
-        <a:lnRef idx="2">
-          <a:scrgbClr r="0" g="0" b="0"/>
-        </a:lnRef>
-        <a:fillRef idx="0">
-          <a:scrgbClr r="0" g="0" b="0"/>
-        </a:fillRef>
-        <a:effectRef idx="0">
-          <a:scrgbClr r="0" g="0" b="0"/>
-        </a:effectRef>
-        <a:fontRef idx="minor"/>
-      </dsp:style>
-    </dsp:sp>
-    <dsp:sp modelId="{085DCA8A-DE60-4FBC-8E66-F7A9D7ADD4E6}">
-      <dsp:nvSpPr>
-        <dsp:cNvPr id="0" name=""/>
-        <dsp:cNvSpPr/>
-      </dsp:nvSpPr>
-      <dsp:spPr>
-        <a:xfrm>
-          <a:off x="1804659" y="2155127"/>
-          <a:ext cx="165946" cy="0"/>
-        </a:xfrm>
-        <a:prstGeom prst="line">
-          <a:avLst/>
-        </a:prstGeom>
-        <a:noFill/>
-        <a:ln w="19050" cap="flat" cmpd="sng" algn="ctr">
-          <a:solidFill>
-            <a:schemeClr val="accent4">
-              <a:lumMod val="50000"/>
-            </a:schemeClr>
-          </a:solidFill>
-          <a:prstDash val="solid"/>
-        </a:ln>
-        <a:effectLst/>
-      </dsp:spPr>
-      <dsp:style>
-        <a:lnRef idx="2">
-          <a:scrgbClr r="0" g="0" b="0"/>
-        </a:lnRef>
-        <a:fillRef idx="0">
-          <a:scrgbClr r="0" g="0" b="0"/>
-        </a:fillRef>
-        <a:effectRef idx="0">
-          <a:scrgbClr r="0" g="0" b="0"/>
-        </a:effectRef>
-        <a:fontRef idx="minor"/>
-      </dsp:style>
-    </dsp:sp>
-    <dsp:sp modelId="{7482445F-7F6C-4933-B758-71F4EC3AAC5F}">
-      <dsp:nvSpPr>
-        <dsp:cNvPr id="0" name=""/>
-        <dsp:cNvSpPr/>
-      </dsp:nvSpPr>
-      <dsp:spPr>
-        <a:xfrm>
-          <a:off x="1970606" y="1802113"/>
-          <a:ext cx="1176714" cy="706028"/>
-        </a:xfrm>
-        <a:prstGeom prst="rect">
-          <a:avLst/>
-        </a:prstGeom>
-        <a:noFill/>
-        <a:ln>
-          <a:noFill/>
-        </a:ln>
-        <a:effectLst/>
-        <a:sp3d/>
-      </dsp:spPr>
-      <dsp:style>
-        <a:lnRef idx="0">
-          <a:scrgbClr r="0" g="0" b="0"/>
-        </a:lnRef>
-        <a:fillRef idx="0">
-          <a:scrgbClr r="0" g="0" b="0"/>
-        </a:fillRef>
-        <a:effectRef idx="0">
-          <a:scrgbClr r="0" g="0" b="0"/>
-        </a:effectRef>
-        <a:fontRef idx="minor"/>
-      </dsp:style>
-      <dsp:txBody>
-        <a:bodyPr spcFirstLastPara="0" vert="horz" wrap="square" lIns="99568" tIns="99568" rIns="99568" bIns="99568" numCol="1" spcCol="1270" anchor="ctr" anchorCtr="0">
-          <a:noAutofit/>
-        </a:bodyPr>
-        <a:lstStyle/>
-        <a:p>
-          <a:pPr lvl="0" algn="ctr" defTabSz="622300" rtl="0">
-            <a:lnSpc>
-              <a:spcPct val="90000"/>
-            </a:lnSpc>
-            <a:spcBef>
-              <a:spcPct val="0"/>
-            </a:spcBef>
-            <a:spcAft>
-              <a:spcPct val="35000"/>
-            </a:spcAft>
-          </a:pPr>
-          <a:r>
-            <a:rPr lang="en-US" sz="1400" b="1" kern="1200" dirty="0" smtClean="0">
-              <a:solidFill>
-                <a:schemeClr val="accent4">
-                  <a:lumMod val="50000"/>
-                </a:schemeClr>
-              </a:solidFill>
-            </a:rPr>
-            <a:t>RSS</a:t>
-          </a:r>
-          <a:endParaRPr lang="en-US" sz="1400" b="1" kern="1200" dirty="0">
-            <a:solidFill>
-              <a:schemeClr val="accent4">
-                <a:lumMod val="50000"/>
-              </a:schemeClr>
-            </a:solidFill>
-          </a:endParaRPr>
-        </a:p>
-      </dsp:txBody>
-      <dsp:txXfrm>
-        <a:off x="1970606" y="1802113"/>
-        <a:ext cx="1176714" cy="706028"/>
-      </dsp:txXfrm>
-    </dsp:sp>
-    <dsp:sp modelId="{00464818-5695-499D-9C30-E83C17D66060}">
-      <dsp:nvSpPr>
-        <dsp:cNvPr id="0" name=""/>
-        <dsp:cNvSpPr/>
-      </dsp:nvSpPr>
-      <dsp:spPr>
-        <a:xfrm>
-          <a:off x="3147320" y="2155127"/>
-          <a:ext cx="165946" cy="0"/>
-        </a:xfrm>
-        <a:prstGeom prst="line">
-          <a:avLst/>
-        </a:prstGeom>
-        <a:noFill/>
-        <a:ln w="19050" cap="flat" cmpd="sng" algn="ctr">
-          <a:solidFill>
-            <a:schemeClr val="accent4">
-              <a:lumMod val="50000"/>
-            </a:schemeClr>
-          </a:solidFill>
-          <a:prstDash val="solid"/>
-        </a:ln>
-        <a:effectLst/>
-      </dsp:spPr>
-      <dsp:style>
-        <a:lnRef idx="2">
-          <a:scrgbClr r="0" g="0" b="0"/>
-        </a:lnRef>
-        <a:fillRef idx="0">
-          <a:scrgbClr r="0" g="0" b="0"/>
-        </a:fillRef>
-        <a:effectRef idx="0">
-          <a:scrgbClr r="0" g="0" b="0"/>
-        </a:effectRef>
-        <a:fontRef idx="minor"/>
-      </dsp:style>
-    </dsp:sp>
-    <dsp:sp modelId="{263C3133-C796-4F03-9601-89A19E55D668}">
-      <dsp:nvSpPr>
-        <dsp:cNvPr id="0" name=""/>
-        <dsp:cNvSpPr/>
-      </dsp:nvSpPr>
-      <dsp:spPr>
-        <a:xfrm rot="19041445">
-          <a:off x="1402182" y="3018247"/>
-          <a:ext cx="463791" cy="0"/>
-        </a:xfrm>
-        <a:custGeom>
-          <a:avLst/>
-          <a:gdLst/>
-          <a:ahLst/>
-          <a:cxnLst/>
-          <a:rect l="0" t="0" r="0" b="0"/>
-          <a:pathLst>
-            <a:path>
-              <a:moveTo>
-                <a:pt x="0" y="0"/>
-              </a:moveTo>
-              <a:lnTo>
-                <a:pt x="463791" y="0"/>
-              </a:lnTo>
-            </a:path>
-          </a:pathLst>
-        </a:custGeom>
-        <a:noFill/>
-        <a:ln w="19050" cap="flat" cmpd="sng" algn="ctr">
-          <a:solidFill>
-            <a:schemeClr val="accent4">
-              <a:lumMod val="50000"/>
-            </a:schemeClr>
-          </a:solidFill>
-          <a:prstDash val="solid"/>
-        </a:ln>
-        <a:effectLst/>
-      </dsp:spPr>
-      <dsp:style>
-        <a:lnRef idx="2">
-          <a:scrgbClr r="0" g="0" b="0"/>
-        </a:lnRef>
-        <a:fillRef idx="0">
-          <a:scrgbClr r="0" g="0" b="0"/>
-        </a:fillRef>
-        <a:effectRef idx="0">
-          <a:scrgbClr r="0" g="0" b="0"/>
-        </a:effectRef>
-        <a:fontRef idx="minor"/>
-      </dsp:style>
-    </dsp:sp>
-    <dsp:sp modelId="{AF45C643-29D5-4CEA-A90B-7C3C47C4A47A}">
-      <dsp:nvSpPr>
-        <dsp:cNvPr id="0" name=""/>
-        <dsp:cNvSpPr/>
-      </dsp:nvSpPr>
-      <dsp:spPr>
-        <a:xfrm rot="13358555">
-          <a:off x="3251952" y="3018247"/>
-          <a:ext cx="463791" cy="0"/>
-        </a:xfrm>
-        <a:custGeom>
-          <a:avLst/>
-          <a:gdLst/>
-          <a:ahLst/>
-          <a:cxnLst/>
-          <a:rect l="0" t="0" r="0" b="0"/>
-          <a:pathLst>
-            <a:path>
-              <a:moveTo>
-                <a:pt x="0" y="0"/>
-              </a:moveTo>
-              <a:lnTo>
-                <a:pt x="463791" y="0"/>
-              </a:lnTo>
-            </a:path>
-          </a:pathLst>
-        </a:custGeom>
-        <a:noFill/>
-        <a:ln w="19050" cap="flat" cmpd="sng" algn="ctr">
-          <a:solidFill>
-            <a:schemeClr val="accent4">
-              <a:lumMod val="50000"/>
-            </a:schemeClr>
-          </a:solidFill>
-          <a:prstDash val="solid"/>
-        </a:ln>
-        <a:effectLst/>
-      </dsp:spPr>
-      <dsp:style>
-        <a:lnRef idx="2">
-          <a:scrgbClr r="0" g="0" b="0"/>
-        </a:lnRef>
-        <a:fillRef idx="0">
-          <a:scrgbClr r="0" g="0" b="0"/>
-        </a:fillRef>
-        <a:effectRef idx="0">
-          <a:scrgbClr r="0" g="0" b="0"/>
-        </a:effectRef>
-        <a:fontRef idx="minor"/>
-      </dsp:style>
-    </dsp:sp>
-    <dsp:sp modelId="{084BD04E-E6FF-48DC-8E11-D91B6D91CD16}">
-      <dsp:nvSpPr>
-        <dsp:cNvPr id="0" name=""/>
-        <dsp:cNvSpPr/>
-      </dsp:nvSpPr>
-      <dsp:spPr>
-        <a:xfrm>
-          <a:off x="1804659" y="2861156"/>
-          <a:ext cx="165946" cy="0"/>
-        </a:xfrm>
-        <a:prstGeom prst="line">
-          <a:avLst/>
-        </a:prstGeom>
-        <a:noFill/>
-        <a:ln w="19050" cap="flat" cmpd="sng" algn="ctr">
-          <a:solidFill>
-            <a:schemeClr val="accent4">
-              <a:lumMod val="50000"/>
-            </a:schemeClr>
-          </a:solidFill>
-          <a:prstDash val="solid"/>
-        </a:ln>
-        <a:effectLst/>
-      </dsp:spPr>
-      <dsp:style>
-        <a:lnRef idx="2">
-          <a:scrgbClr r="0" g="0" b="0"/>
-        </a:lnRef>
-        <a:fillRef idx="0">
-          <a:scrgbClr r="0" g="0" b="0"/>
-        </a:fillRef>
-        <a:effectRef idx="0">
-          <a:scrgbClr r="0" g="0" b="0"/>
-        </a:effectRef>
-        <a:fontRef idx="minor"/>
-      </dsp:style>
-    </dsp:sp>
-    <dsp:sp modelId="{34E5B896-2B84-4236-B8FB-B24B86DAD3B1}">
-      <dsp:nvSpPr>
-        <dsp:cNvPr id="0" name=""/>
-        <dsp:cNvSpPr/>
-      </dsp:nvSpPr>
-      <dsp:spPr>
-        <a:xfrm>
-          <a:off x="1970606" y="2508141"/>
-          <a:ext cx="1176714" cy="706028"/>
-        </a:xfrm>
-        <a:prstGeom prst="rect">
-          <a:avLst/>
-        </a:prstGeom>
-        <a:noFill/>
-        <a:ln>
-          <a:noFill/>
-        </a:ln>
-        <a:effectLst/>
-        <a:sp3d/>
-      </dsp:spPr>
-      <dsp:style>
-        <a:lnRef idx="0">
-          <a:scrgbClr r="0" g="0" b="0"/>
-        </a:lnRef>
-        <a:fillRef idx="0">
-          <a:scrgbClr r="0" g="0" b="0"/>
-        </a:fillRef>
-        <a:effectRef idx="0">
-          <a:scrgbClr r="0" g="0" b="0"/>
-        </a:effectRef>
-        <a:fontRef idx="minor"/>
-      </dsp:style>
-      <dsp:txBody>
-        <a:bodyPr spcFirstLastPara="0" vert="horz" wrap="square" lIns="99568" tIns="99568" rIns="99568" bIns="99568" numCol="1" spcCol="1270" anchor="ctr" anchorCtr="0">
-          <a:noAutofit/>
-        </a:bodyPr>
-        <a:lstStyle/>
-        <a:p>
-          <a:pPr lvl="0" algn="ctr" defTabSz="622300" rtl="0">
-            <a:lnSpc>
-              <a:spcPct val="90000"/>
-            </a:lnSpc>
-            <a:spcBef>
-              <a:spcPct val="0"/>
-            </a:spcBef>
-            <a:spcAft>
-              <a:spcPct val="35000"/>
-            </a:spcAft>
-          </a:pPr>
-          <a:r>
-            <a:rPr lang="en-US" sz="1400" b="1" kern="1200" dirty="0" smtClean="0">
-              <a:solidFill>
-                <a:schemeClr val="accent4">
-                  <a:lumMod val="50000"/>
-                </a:schemeClr>
-              </a:solidFill>
-            </a:rPr>
-            <a:t>Freebase</a:t>
-          </a:r>
-          <a:endParaRPr lang="en-US" sz="1400" b="1" kern="1200" dirty="0">
-            <a:solidFill>
-              <a:schemeClr val="accent4">
-                <a:lumMod val="50000"/>
-              </a:schemeClr>
-            </a:solidFill>
-          </a:endParaRPr>
-        </a:p>
-      </dsp:txBody>
-      <dsp:txXfrm>
-        <a:off x="1970606" y="2508141"/>
-        <a:ext cx="1176714" cy="706028"/>
-      </dsp:txXfrm>
-    </dsp:sp>
-    <dsp:sp modelId="{3F774837-5289-485E-8A4B-1F01C2D379B4}">
-      <dsp:nvSpPr>
-        <dsp:cNvPr id="0" name=""/>
-        <dsp:cNvSpPr/>
-      </dsp:nvSpPr>
-      <dsp:spPr>
-        <a:xfrm>
-          <a:off x="3147320" y="2861156"/>
-          <a:ext cx="165946" cy="0"/>
-        </a:xfrm>
-        <a:prstGeom prst="line">
-          <a:avLst/>
-        </a:prstGeom>
-        <a:noFill/>
-        <a:ln w="19050" cap="flat" cmpd="sng" algn="ctr">
-          <a:solidFill>
-            <a:schemeClr val="accent4">
-              <a:lumMod val="50000"/>
-            </a:schemeClr>
-          </a:solidFill>
-          <a:prstDash val="solid"/>
-        </a:ln>
-        <a:effectLst/>
-      </dsp:spPr>
-      <dsp:style>
-        <a:lnRef idx="2">
-          <a:scrgbClr r="0" g="0" b="0"/>
-        </a:lnRef>
-        <a:fillRef idx="0">
-          <a:scrgbClr r="0" g="0" b="0"/>
-        </a:fillRef>
-        <a:effectRef idx="0">
-          <a:scrgbClr r="0" g="0" b="0"/>
-        </a:effectRef>
-        <a:fontRef idx="minor"/>
-      </dsp:style>
-    </dsp:sp>
-    <dsp:sp modelId="{6C222AC5-33D5-4EBB-9F3B-F5E4BE8D027E}">
-      <dsp:nvSpPr>
-        <dsp:cNvPr id="0" name=""/>
-        <dsp:cNvSpPr/>
-      </dsp:nvSpPr>
-      <dsp:spPr>
-        <a:xfrm rot="2558555">
-          <a:off x="1402182" y="3410093"/>
-          <a:ext cx="463791" cy="0"/>
-        </a:xfrm>
-        <a:custGeom>
-          <a:avLst/>
-          <a:gdLst/>
-          <a:ahLst/>
-          <a:cxnLst/>
-          <a:rect l="0" t="0" r="0" b="0"/>
-          <a:pathLst>
-            <a:path>
-              <a:moveTo>
-                <a:pt x="0" y="0"/>
-              </a:moveTo>
-              <a:lnTo>
-                <a:pt x="463791" y="0"/>
-              </a:lnTo>
-            </a:path>
-          </a:pathLst>
-        </a:custGeom>
-        <a:noFill/>
-        <a:ln w="19050" cap="flat" cmpd="sng" algn="ctr">
-          <a:solidFill>
-            <a:schemeClr val="accent4">
-              <a:lumMod val="50000"/>
-            </a:schemeClr>
-          </a:solidFill>
-          <a:prstDash val="solid"/>
-        </a:ln>
-        <a:effectLst/>
-      </dsp:spPr>
-      <dsp:style>
-        <a:lnRef idx="2">
-          <a:scrgbClr r="0" g="0" b="0"/>
-        </a:lnRef>
-        <a:fillRef idx="0">
-          <a:scrgbClr r="0" g="0" b="0"/>
-        </a:fillRef>
-        <a:effectRef idx="0">
-          <a:scrgbClr r="0" g="0" b="0"/>
-        </a:effectRef>
-        <a:fontRef idx="minor"/>
-      </dsp:style>
-    </dsp:sp>
-    <dsp:sp modelId="{001A2D7C-12E8-419A-BCBE-94084E74FFE3}">
-      <dsp:nvSpPr>
-        <dsp:cNvPr id="0" name=""/>
-        <dsp:cNvSpPr/>
-      </dsp:nvSpPr>
-      <dsp:spPr>
-        <a:xfrm rot="8241445">
-          <a:off x="3251952" y="3410093"/>
-          <a:ext cx="463791" cy="0"/>
-        </a:xfrm>
-        <a:custGeom>
-          <a:avLst/>
-          <a:gdLst/>
-          <a:ahLst/>
-          <a:cxnLst/>
-          <a:rect l="0" t="0" r="0" b="0"/>
-          <a:pathLst>
-            <a:path>
-              <a:moveTo>
-                <a:pt x="0" y="0"/>
-              </a:moveTo>
-              <a:lnTo>
-                <a:pt x="463791" y="0"/>
-              </a:lnTo>
-            </a:path>
-          </a:pathLst>
-        </a:custGeom>
-        <a:noFill/>
-        <a:ln w="19050" cap="flat" cmpd="sng" algn="ctr">
-          <a:solidFill>
-            <a:schemeClr val="accent4">
-              <a:lumMod val="50000"/>
-            </a:schemeClr>
-          </a:solidFill>
-          <a:prstDash val="solid"/>
-        </a:ln>
-        <a:effectLst/>
-      </dsp:spPr>
-      <dsp:style>
-        <a:lnRef idx="2">
-          <a:scrgbClr r="0" g="0" b="0"/>
-        </a:lnRef>
-        <a:fillRef idx="0">
-          <a:scrgbClr r="0" g="0" b="0"/>
-        </a:fillRef>
-        <a:effectRef idx="0">
-          <a:scrgbClr r="0" g="0" b="0"/>
-        </a:effectRef>
-        <a:fontRef idx="minor"/>
-      </dsp:style>
-    </dsp:sp>
-    <dsp:sp modelId="{BB1E9E71-D59E-4D80-A64F-A6432BB61290}">
-      <dsp:nvSpPr>
-        <dsp:cNvPr id="0" name=""/>
-        <dsp:cNvSpPr/>
-      </dsp:nvSpPr>
-      <dsp:spPr>
-        <a:xfrm>
-          <a:off x="1804659" y="3567184"/>
-          <a:ext cx="165946" cy="0"/>
-        </a:xfrm>
-        <a:prstGeom prst="line">
-          <a:avLst/>
-        </a:prstGeom>
-        <a:noFill/>
-        <a:ln w="19050" cap="flat" cmpd="sng" algn="ctr">
-          <a:solidFill>
-            <a:schemeClr val="accent4">
-              <a:lumMod val="50000"/>
-            </a:schemeClr>
-          </a:solidFill>
-          <a:prstDash val="solid"/>
-        </a:ln>
-        <a:effectLst/>
-      </dsp:spPr>
-      <dsp:style>
-        <a:lnRef idx="2">
-          <a:scrgbClr r="0" g="0" b="0"/>
-        </a:lnRef>
-        <a:fillRef idx="0">
-          <a:scrgbClr r="0" g="0" b="0"/>
-        </a:fillRef>
-        <a:effectRef idx="0">
-          <a:scrgbClr r="0" g="0" b="0"/>
-        </a:effectRef>
-        <a:fontRef idx="minor"/>
-      </dsp:style>
-    </dsp:sp>
-    <dsp:sp modelId="{8295D9B7-17EF-49AF-9E34-E14C56D25566}">
-      <dsp:nvSpPr>
-        <dsp:cNvPr id="0" name=""/>
-        <dsp:cNvSpPr/>
-      </dsp:nvSpPr>
-      <dsp:spPr>
-        <a:xfrm>
-          <a:off x="1970606" y="3214170"/>
-          <a:ext cx="1176714" cy="706028"/>
-        </a:xfrm>
-        <a:prstGeom prst="rect">
-          <a:avLst/>
-        </a:prstGeom>
-        <a:noFill/>
-        <a:ln>
-          <a:noFill/>
-        </a:ln>
-        <a:effectLst/>
-        <a:sp3d/>
-      </dsp:spPr>
-      <dsp:style>
-        <a:lnRef idx="0">
-          <a:scrgbClr r="0" g="0" b="0"/>
-        </a:lnRef>
-        <a:fillRef idx="0">
-          <a:scrgbClr r="0" g="0" b="0"/>
-        </a:fillRef>
-        <a:effectRef idx="0">
-          <a:scrgbClr r="0" g="0" b="0"/>
-        </a:effectRef>
-        <a:fontRef idx="minor"/>
-      </dsp:style>
-      <dsp:txBody>
-        <a:bodyPr spcFirstLastPara="0" vert="horz" wrap="square" lIns="99568" tIns="99568" rIns="99568" bIns="99568" numCol="1" spcCol="1270" anchor="ctr" anchorCtr="0">
-          <a:noAutofit/>
-        </a:bodyPr>
-        <a:lstStyle/>
-        <a:p>
-          <a:pPr lvl="0" algn="ctr" defTabSz="622300" rtl="0">
-            <a:lnSpc>
-              <a:spcPct val="90000"/>
-            </a:lnSpc>
-            <a:spcBef>
-              <a:spcPct val="0"/>
-            </a:spcBef>
-            <a:spcAft>
-              <a:spcPct val="35000"/>
-            </a:spcAft>
-          </a:pPr>
-          <a:r>
-            <a:rPr lang="en-US" sz="1400" b="1" kern="1200" dirty="0" smtClean="0">
-              <a:solidFill>
-                <a:schemeClr val="accent4">
-                  <a:lumMod val="50000"/>
-                </a:schemeClr>
-              </a:solidFill>
-            </a:rPr>
-            <a:t>CSV</a:t>
-          </a:r>
-          <a:endParaRPr lang="en-US" sz="1400" b="1" kern="1200" dirty="0">
-            <a:solidFill>
-              <a:schemeClr val="accent4">
-                <a:lumMod val="50000"/>
-              </a:schemeClr>
-            </a:solidFill>
-          </a:endParaRPr>
-        </a:p>
-      </dsp:txBody>
-      <dsp:txXfrm>
-        <a:off x="1970606" y="3214170"/>
-        <a:ext cx="1176714" cy="706028"/>
-      </dsp:txXfrm>
-    </dsp:sp>
-    <dsp:sp modelId="{64FE68EF-246A-4E45-82CA-2ED5CAC816C1}">
-      <dsp:nvSpPr>
-        <dsp:cNvPr id="0" name=""/>
-        <dsp:cNvSpPr/>
-      </dsp:nvSpPr>
-      <dsp:spPr>
-        <a:xfrm>
-          <a:off x="3147320" y="3567184"/>
-          <a:ext cx="165946" cy="0"/>
-        </a:xfrm>
-        <a:prstGeom prst="line">
-          <a:avLst/>
-        </a:prstGeom>
-        <a:noFill/>
-        <a:ln w="19050" cap="flat" cmpd="sng" algn="ctr">
-          <a:solidFill>
-            <a:schemeClr val="accent4">
-              <a:lumMod val="50000"/>
-            </a:schemeClr>
-          </a:solidFill>
-          <a:prstDash val="solid"/>
-        </a:ln>
-        <a:effectLst/>
-      </dsp:spPr>
-      <dsp:style>
-        <a:lnRef idx="2">
-          <a:scrgbClr r="0" g="0" b="0"/>
-        </a:lnRef>
-        <a:fillRef idx="0">
-          <a:scrgbClr r="0" g="0" b="0"/>
-        </a:fillRef>
-        <a:effectRef idx="0">
-          <a:scrgbClr r="0" g="0" b="0"/>
-        </a:effectRef>
-        <a:fontRef idx="minor"/>
-      </dsp:style>
-    </dsp:sp>
-    <dsp:sp modelId="{5B54B39D-CFFE-402B-A25D-A70AA85B6D91}">
-      <dsp:nvSpPr>
-        <dsp:cNvPr id="0" name=""/>
-        <dsp:cNvSpPr/>
-      </dsp:nvSpPr>
-      <dsp:spPr>
-        <a:xfrm rot="4206116">
-          <a:off x="1132882" y="3801939"/>
-          <a:ext cx="1002391" cy="0"/>
-        </a:xfrm>
-        <a:custGeom>
-          <a:avLst/>
-          <a:gdLst/>
-          <a:ahLst/>
-          <a:cxnLst/>
-          <a:rect l="0" t="0" r="0" b="0"/>
-          <a:pathLst>
-            <a:path>
-              <a:moveTo>
-                <a:pt x="0" y="0"/>
-              </a:moveTo>
-              <a:lnTo>
-                <a:pt x="1002391" y="0"/>
-              </a:lnTo>
-            </a:path>
-          </a:pathLst>
-        </a:custGeom>
-        <a:noFill/>
-        <a:ln w="19050" cap="flat" cmpd="sng" algn="ctr">
-          <a:solidFill>
-            <a:schemeClr val="accent4">
-              <a:lumMod val="50000"/>
-            </a:schemeClr>
-          </a:solidFill>
-          <a:prstDash val="solid"/>
-        </a:ln>
-        <a:effectLst/>
-      </dsp:spPr>
-      <dsp:style>
-        <a:lnRef idx="2">
-          <a:scrgbClr r="0" g="0" b="0"/>
-        </a:lnRef>
-        <a:fillRef idx="0">
-          <a:scrgbClr r="0" g="0" b="0"/>
-        </a:fillRef>
-        <a:effectRef idx="0">
-          <a:scrgbClr r="0" g="0" b="0"/>
-        </a:effectRef>
-        <a:fontRef idx="minor"/>
-      </dsp:style>
-    </dsp:sp>
-    <dsp:sp modelId="{43F5BDEA-DA8D-4185-BE14-552A984ED385}">
-      <dsp:nvSpPr>
-        <dsp:cNvPr id="0" name=""/>
-        <dsp:cNvSpPr/>
-      </dsp:nvSpPr>
-      <dsp:spPr>
-        <a:xfrm rot="6593884">
-          <a:off x="2982652" y="3801939"/>
-          <a:ext cx="1002391" cy="0"/>
-        </a:xfrm>
-        <a:custGeom>
-          <a:avLst/>
-          <a:gdLst/>
-          <a:ahLst/>
-          <a:cxnLst/>
-          <a:rect l="0" t="0" r="0" b="0"/>
-          <a:pathLst>
-            <a:path>
-              <a:moveTo>
-                <a:pt x="0" y="0"/>
-              </a:moveTo>
-              <a:lnTo>
-                <a:pt x="1002391" y="0"/>
-              </a:lnTo>
-            </a:path>
-          </a:pathLst>
-        </a:custGeom>
-        <a:noFill/>
-        <a:ln w="19050" cap="flat" cmpd="sng" algn="ctr">
-          <a:solidFill>
-            <a:schemeClr val="accent4">
-              <a:lumMod val="50000"/>
-            </a:schemeClr>
-          </a:solidFill>
-          <a:prstDash val="solid"/>
-        </a:ln>
-        <a:effectLst/>
-      </dsp:spPr>
-      <dsp:style>
-        <a:lnRef idx="2">
-          <a:scrgbClr r="0" g="0" b="0"/>
-        </a:lnRef>
-        <a:fillRef idx="0">
-          <a:scrgbClr r="0" g="0" b="0"/>
-        </a:fillRef>
-        <a:effectRef idx="0">
-          <a:scrgbClr r="0" g="0" b="0"/>
-        </a:effectRef>
-        <a:fontRef idx="minor"/>
-      </dsp:style>
-    </dsp:sp>
-    <dsp:sp modelId="{0B148755-450F-4812-BE23-07C8D1177CA3}">
-      <dsp:nvSpPr>
-        <dsp:cNvPr id="0" name=""/>
-        <dsp:cNvSpPr/>
-      </dsp:nvSpPr>
-      <dsp:spPr>
-        <a:xfrm>
-          <a:off x="1804659" y="4273213"/>
-          <a:ext cx="165946" cy="0"/>
-        </a:xfrm>
-        <a:prstGeom prst="line">
-          <a:avLst/>
-        </a:prstGeom>
-        <a:noFill/>
-        <a:ln w="19050" cap="flat" cmpd="sng" algn="ctr">
-          <a:solidFill>
-            <a:schemeClr val="accent4">
-              <a:lumMod val="50000"/>
-            </a:schemeClr>
-          </a:solidFill>
-          <a:prstDash val="solid"/>
-        </a:ln>
-        <a:effectLst/>
-      </dsp:spPr>
-      <dsp:style>
-        <a:lnRef idx="2">
-          <a:scrgbClr r="0" g="0" b="0"/>
-        </a:lnRef>
-        <a:fillRef idx="0">
-          <a:scrgbClr r="0" g="0" b="0"/>
-        </a:fillRef>
-        <a:effectRef idx="0">
-          <a:scrgbClr r="0" g="0" b="0"/>
-        </a:effectRef>
-        <a:fontRef idx="minor"/>
-      </dsp:style>
-    </dsp:sp>
-    <dsp:sp modelId="{B75F15B2-6D40-42F1-9D31-7D4675A2C6C7}">
-      <dsp:nvSpPr>
-        <dsp:cNvPr id="0" name=""/>
-        <dsp:cNvSpPr/>
-      </dsp:nvSpPr>
-      <dsp:spPr>
-        <a:xfrm>
-          <a:off x="1970606" y="3920199"/>
-          <a:ext cx="1176714" cy="706028"/>
-        </a:xfrm>
-        <a:prstGeom prst="rect">
-          <a:avLst/>
-        </a:prstGeom>
-        <a:noFill/>
-        <a:ln>
-          <a:noFill/>
-        </a:ln>
-        <a:effectLst/>
-        <a:sp3d/>
-      </dsp:spPr>
-      <dsp:style>
-        <a:lnRef idx="0">
-          <a:scrgbClr r="0" g="0" b="0"/>
-        </a:lnRef>
-        <a:fillRef idx="0">
-          <a:scrgbClr r="0" g="0" b="0"/>
-        </a:fillRef>
-        <a:effectRef idx="0">
-          <a:scrgbClr r="0" g="0" b="0"/>
-        </a:effectRef>
-        <a:fontRef idx="minor"/>
-      </dsp:style>
-      <dsp:txBody>
-        <a:bodyPr spcFirstLastPara="0" vert="horz" wrap="square" lIns="99568" tIns="99568" rIns="99568" bIns="99568" numCol="1" spcCol="1270" anchor="ctr" anchorCtr="0">
-          <a:noAutofit/>
-        </a:bodyPr>
-        <a:lstStyle/>
-        <a:p>
-          <a:pPr lvl="0" algn="ctr" defTabSz="622300" rtl="0">
-            <a:lnSpc>
-              <a:spcPct val="90000"/>
-            </a:lnSpc>
-            <a:spcBef>
-              <a:spcPct val="0"/>
-            </a:spcBef>
-            <a:spcAft>
-              <a:spcPct val="35000"/>
-            </a:spcAft>
-          </a:pPr>
-          <a:r>
-            <a:rPr lang="en-US" sz="1400" b="1" kern="1200" smtClean="0">
-              <a:solidFill>
-                <a:schemeClr val="accent4">
-                  <a:lumMod val="50000"/>
-                </a:schemeClr>
-              </a:solidFill>
-            </a:rPr>
-            <a:t>OData</a:t>
-          </a:r>
-          <a:endParaRPr lang="en-US" sz="1400" b="1" kern="1200">
-            <a:solidFill>
-              <a:schemeClr val="accent4">
-                <a:lumMod val="50000"/>
-              </a:schemeClr>
-            </a:solidFill>
-          </a:endParaRPr>
-        </a:p>
-      </dsp:txBody>
-      <dsp:txXfrm>
-        <a:off x="1970606" y="3920199"/>
-        <a:ext cx="1176714" cy="706028"/>
-      </dsp:txXfrm>
-    </dsp:sp>
-    <dsp:sp modelId="{484F5556-2A8D-445B-BFF0-007E6657DF92}">
-      <dsp:nvSpPr>
-        <dsp:cNvPr id="0" name=""/>
-        <dsp:cNvSpPr/>
-      </dsp:nvSpPr>
-      <dsp:spPr>
-        <a:xfrm>
-          <a:off x="3147320" y="4273213"/>
-          <a:ext cx="165946" cy="0"/>
-        </a:xfrm>
-        <a:prstGeom prst="line">
-          <a:avLst/>
-        </a:prstGeom>
-        <a:noFill/>
-        <a:ln w="19050" cap="flat" cmpd="sng" algn="ctr">
-          <a:solidFill>
-            <a:schemeClr val="accent4">
-              <a:lumMod val="50000"/>
-            </a:schemeClr>
-          </a:solidFill>
-          <a:prstDash val="solid"/>
-        </a:ln>
-        <a:effectLst/>
-      </dsp:spPr>
-      <dsp:style>
-        <a:lnRef idx="2">
-          <a:scrgbClr r="0" g="0" b="0"/>
-        </a:lnRef>
-        <a:fillRef idx="0">
-          <a:scrgbClr r="0" g="0" b="0"/>
-        </a:fillRef>
-        <a:effectRef idx="0">
-          <a:scrgbClr r="0" g="0" b="0"/>
-        </a:effectRef>
-        <a:fontRef idx="minor"/>
-      </dsp:style>
-    </dsp:sp>
-    <dsp:sp modelId="{153B4536-D6EF-44BC-809B-B2AD77460ADB}">
-      <dsp:nvSpPr>
-        <dsp:cNvPr id="0" name=""/>
-        <dsp:cNvSpPr/>
-      </dsp:nvSpPr>
-      <dsp:spPr>
-        <a:xfrm rot="4664827">
-          <a:off x="830312" y="4193785"/>
-          <a:ext cx="1607532" cy="0"/>
-        </a:xfrm>
-        <a:custGeom>
-          <a:avLst/>
-          <a:gdLst/>
-          <a:ahLst/>
-          <a:cxnLst/>
-          <a:rect l="0" t="0" r="0" b="0"/>
-          <a:pathLst>
-            <a:path>
-              <a:moveTo>
-                <a:pt x="0" y="0"/>
-              </a:moveTo>
-              <a:lnTo>
-                <a:pt x="1607532" y="0"/>
-              </a:lnTo>
-            </a:path>
-          </a:pathLst>
-        </a:custGeom>
-        <a:noFill/>
-        <a:ln w="19050" cap="flat" cmpd="sng" algn="ctr">
-          <a:solidFill>
-            <a:schemeClr val="accent4">
-              <a:lumMod val="50000"/>
-            </a:schemeClr>
-          </a:solidFill>
-          <a:prstDash val="solid"/>
-        </a:ln>
-        <a:effectLst/>
-      </dsp:spPr>
-      <dsp:style>
-        <a:lnRef idx="2">
-          <a:scrgbClr r="0" g="0" b="0"/>
-        </a:lnRef>
-        <a:fillRef idx="0">
-          <a:scrgbClr r="0" g="0" b="0"/>
-        </a:fillRef>
-        <a:effectRef idx="0">
-          <a:scrgbClr r="0" g="0" b="0"/>
-        </a:effectRef>
-        <a:fontRef idx="minor"/>
-      </dsp:style>
-    </dsp:sp>
-    <dsp:sp modelId="{8BAA3A09-F080-4508-A200-8041AB1D01BF}">
-      <dsp:nvSpPr>
-        <dsp:cNvPr id="0" name=""/>
-        <dsp:cNvSpPr/>
-      </dsp:nvSpPr>
-      <dsp:spPr>
-        <a:xfrm rot="6135173">
-          <a:off x="2680082" y="4193785"/>
-          <a:ext cx="1607532" cy="0"/>
-        </a:xfrm>
-        <a:custGeom>
-          <a:avLst/>
-          <a:gdLst/>
-          <a:ahLst/>
-          <a:cxnLst/>
-          <a:rect l="0" t="0" r="0" b="0"/>
-          <a:pathLst>
-            <a:path>
-              <a:moveTo>
-                <a:pt x="0" y="0"/>
-              </a:moveTo>
-              <a:lnTo>
-                <a:pt x="1607532" y="0"/>
-              </a:lnTo>
-            </a:path>
-          </a:pathLst>
-        </a:custGeom>
-        <a:noFill/>
-        <a:ln w="19050" cap="flat" cmpd="sng" algn="ctr">
-          <a:solidFill>
-            <a:schemeClr val="accent4">
-              <a:lumMod val="50000"/>
-            </a:schemeClr>
-          </a:solidFill>
-          <a:prstDash val="solid"/>
-        </a:ln>
-        <a:effectLst/>
-      </dsp:spPr>
-      <dsp:style>
-        <a:lnRef idx="2">
-          <a:scrgbClr r="0" g="0" b="0"/>
-        </a:lnRef>
-        <a:fillRef idx="0">
-          <a:scrgbClr r="0" g="0" b="0"/>
-        </a:fillRef>
-        <a:effectRef idx="0">
-          <a:scrgbClr r="0" g="0" b="0"/>
-        </a:effectRef>
-        <a:fontRef idx="minor"/>
-      </dsp:style>
-    </dsp:sp>
-    <dsp:sp modelId="{D2619AAE-3DF8-420B-BFF6-120B0FEC9082}">
-      <dsp:nvSpPr>
-        <dsp:cNvPr id="0" name=""/>
-        <dsp:cNvSpPr/>
-      </dsp:nvSpPr>
-      <dsp:spPr>
-        <a:xfrm>
-          <a:off x="1804659" y="4979242"/>
-          <a:ext cx="165946" cy="0"/>
-        </a:xfrm>
-        <a:prstGeom prst="line">
-          <a:avLst/>
-        </a:prstGeom>
-        <a:noFill/>
-        <a:ln w="19050" cap="flat" cmpd="sng" algn="ctr">
-          <a:solidFill>
-            <a:schemeClr val="accent4">
-              <a:lumMod val="50000"/>
-            </a:schemeClr>
-          </a:solidFill>
-          <a:prstDash val="solid"/>
-        </a:ln>
-        <a:effectLst/>
-      </dsp:spPr>
-      <dsp:style>
-        <a:lnRef idx="2">
-          <a:scrgbClr r="0" g="0" b="0"/>
-        </a:lnRef>
-        <a:fillRef idx="0">
-          <a:scrgbClr r="0" g="0" b="0"/>
-        </a:fillRef>
-        <a:effectRef idx="0">
-          <a:scrgbClr r="0" g="0" b="0"/>
-        </a:effectRef>
-        <a:fontRef idx="minor"/>
-      </dsp:style>
-    </dsp:sp>
-    <dsp:sp modelId="{5C7BCF23-559B-489D-8B2B-49ECEA2D64BC}">
-      <dsp:nvSpPr>
-        <dsp:cNvPr id="0" name=""/>
-        <dsp:cNvSpPr/>
-      </dsp:nvSpPr>
-      <dsp:spPr>
-        <a:xfrm>
-          <a:off x="1970606" y="4626227"/>
-          <a:ext cx="1176714" cy="706028"/>
-        </a:xfrm>
-        <a:prstGeom prst="rect">
-          <a:avLst/>
-        </a:prstGeom>
-        <a:noFill/>
-        <a:ln>
-          <a:noFill/>
-        </a:ln>
-        <a:effectLst/>
-        <a:sp3d/>
-      </dsp:spPr>
-      <dsp:style>
-        <a:lnRef idx="0">
-          <a:scrgbClr r="0" g="0" b="0"/>
-        </a:lnRef>
-        <a:fillRef idx="0">
-          <a:scrgbClr r="0" g="0" b="0"/>
-        </a:fillRef>
-        <a:effectRef idx="0">
-          <a:scrgbClr r="0" g="0" b="0"/>
-        </a:effectRef>
-        <a:fontRef idx="minor"/>
-      </dsp:style>
-      <dsp:txBody>
-        <a:bodyPr spcFirstLastPara="0" vert="horz" wrap="square" lIns="99568" tIns="99568" rIns="99568" bIns="99568" numCol="1" spcCol="1270" anchor="ctr" anchorCtr="0">
-          <a:noAutofit/>
-        </a:bodyPr>
-        <a:lstStyle/>
-        <a:p>
-          <a:pPr lvl="0" algn="ctr" defTabSz="622300" rtl="0">
-            <a:lnSpc>
-              <a:spcPct val="90000"/>
-            </a:lnSpc>
-            <a:spcBef>
-              <a:spcPct val="0"/>
-            </a:spcBef>
-            <a:spcAft>
-              <a:spcPct val="35000"/>
-            </a:spcAft>
-          </a:pPr>
-          <a:r>
-            <a:rPr lang="en-US" sz="1400" b="1" kern="1200" dirty="0" smtClean="0">
-              <a:solidFill>
-                <a:schemeClr val="accent4">
-                  <a:lumMod val="50000"/>
-                </a:schemeClr>
-              </a:solidFill>
-            </a:rPr>
-            <a:t>World Bank</a:t>
-          </a:r>
-          <a:endParaRPr lang="en-US" sz="1400" b="1" kern="1200" dirty="0">
-            <a:solidFill>
-              <a:schemeClr val="accent4">
-                <a:lumMod val="50000"/>
-              </a:schemeClr>
-            </a:solidFill>
-          </a:endParaRPr>
-        </a:p>
-      </dsp:txBody>
-      <dsp:txXfrm>
-        <a:off x="1970606" y="4626227"/>
-        <a:ext cx="1176714" cy="706028"/>
-      </dsp:txXfrm>
-    </dsp:sp>
-    <dsp:sp modelId="{79CF47D6-8301-4C50-8968-36FD122827F4}">
-      <dsp:nvSpPr>
-        <dsp:cNvPr id="0" name=""/>
-        <dsp:cNvSpPr/>
-      </dsp:nvSpPr>
-      <dsp:spPr>
-        <a:xfrm>
-          <a:off x="3147320" y="4979242"/>
-          <a:ext cx="165946" cy="0"/>
-        </a:xfrm>
-        <a:prstGeom prst="line">
-          <a:avLst/>
-        </a:prstGeom>
-        <a:noFill/>
-        <a:ln w="19050" cap="flat" cmpd="sng" algn="ctr">
-          <a:solidFill>
-            <a:schemeClr val="accent4">
-              <a:lumMod val="50000"/>
-            </a:schemeClr>
-          </a:solidFill>
-          <a:prstDash val="solid"/>
-        </a:ln>
-        <a:effectLst/>
-      </dsp:spPr>
-      <dsp:style>
-        <a:lnRef idx="2">
-          <a:scrgbClr r="0" g="0" b="0"/>
-        </a:lnRef>
-        <a:fillRef idx="0">
-          <a:scrgbClr r="0" g="0" b="0"/>
-        </a:fillRef>
-        <a:effectRef idx="0">
-          <a:scrgbClr r="0" g="0" b="0"/>
-        </a:effectRef>
-        <a:fontRef idx="minor"/>
-      </dsp:style>
-    </dsp:sp>
-    <dsp:sp modelId="{FEA468AC-520B-4CC8-AFD8-1EA712E045A5}">
-      <dsp:nvSpPr>
-        <dsp:cNvPr id="0" name=""/>
-        <dsp:cNvSpPr/>
-      </dsp:nvSpPr>
-      <dsp:spPr>
-        <a:xfrm rot="4870938">
-          <a:off x="521286" y="4585631"/>
-          <a:ext cx="2225583" cy="0"/>
-        </a:xfrm>
-        <a:custGeom>
-          <a:avLst/>
-          <a:gdLst/>
-          <a:ahLst/>
-          <a:cxnLst/>
-          <a:rect l="0" t="0" r="0" b="0"/>
-          <a:pathLst>
-            <a:path>
-              <a:moveTo>
-                <a:pt x="0" y="0"/>
-              </a:moveTo>
-              <a:lnTo>
-                <a:pt x="2225583" y="0"/>
-              </a:lnTo>
-            </a:path>
-          </a:pathLst>
-        </a:custGeom>
-        <a:noFill/>
-        <a:ln w="19050" cap="flat" cmpd="sng" algn="ctr">
-          <a:solidFill>
-            <a:schemeClr val="accent4">
-              <a:lumMod val="50000"/>
-            </a:schemeClr>
-          </a:solidFill>
-          <a:prstDash val="solid"/>
-        </a:ln>
-        <a:effectLst/>
-      </dsp:spPr>
-      <dsp:style>
-        <a:lnRef idx="2">
-          <a:scrgbClr r="0" g="0" b="0"/>
-        </a:lnRef>
-        <a:fillRef idx="0">
-          <a:scrgbClr r="0" g="0" b="0"/>
-        </a:fillRef>
-        <a:effectRef idx="0">
-          <a:scrgbClr r="0" g="0" b="0"/>
-        </a:effectRef>
-        <a:fontRef idx="minor"/>
-      </dsp:style>
-    </dsp:sp>
-    <dsp:sp modelId="{67F3E7A1-B6EC-4864-84BC-32C613FC25B1}">
-      <dsp:nvSpPr>
-        <dsp:cNvPr id="0" name=""/>
-        <dsp:cNvSpPr/>
-      </dsp:nvSpPr>
-      <dsp:spPr>
-        <a:xfrm rot="5929062">
-          <a:off x="2371056" y="4585631"/>
-          <a:ext cx="2225583" cy="0"/>
-        </a:xfrm>
-        <a:custGeom>
-          <a:avLst/>
-          <a:gdLst/>
-          <a:ahLst/>
-          <a:cxnLst/>
-          <a:rect l="0" t="0" r="0" b="0"/>
-          <a:pathLst>
-            <a:path>
-              <a:moveTo>
-                <a:pt x="0" y="0"/>
-              </a:moveTo>
-              <a:lnTo>
-                <a:pt x="2225583" y="0"/>
-              </a:lnTo>
-            </a:path>
-          </a:pathLst>
-        </a:custGeom>
-        <a:noFill/>
-        <a:ln w="19050" cap="flat" cmpd="sng" algn="ctr">
-          <a:solidFill>
-            <a:schemeClr val="accent4">
-              <a:lumMod val="50000"/>
-            </a:schemeClr>
-          </a:solidFill>
-          <a:prstDash val="solid"/>
-        </a:ln>
-        <a:effectLst/>
-      </dsp:spPr>
-      <dsp:style>
-        <a:lnRef idx="2">
-          <a:scrgbClr r="0" g="0" b="0"/>
-        </a:lnRef>
-        <a:fillRef idx="0">
-          <a:scrgbClr r="0" g="0" b="0"/>
-        </a:fillRef>
-        <a:effectRef idx="0">
-          <a:scrgbClr r="0" g="0" b="0"/>
-        </a:effectRef>
-        <a:fontRef idx="minor"/>
-      </dsp:style>
-    </dsp:sp>
-    <dsp:sp modelId="{1837371C-3EE9-4548-BACC-1082E2BC87BC}">
-      <dsp:nvSpPr>
-        <dsp:cNvPr id="0" name=""/>
-        <dsp:cNvSpPr/>
-      </dsp:nvSpPr>
-      <dsp:spPr>
-        <a:xfrm>
-          <a:off x="1804659" y="5685270"/>
-          <a:ext cx="165946" cy="0"/>
-        </a:xfrm>
-        <a:prstGeom prst="line">
-          <a:avLst/>
-        </a:prstGeom>
-        <a:noFill/>
-        <a:ln w="19050" cap="flat" cmpd="sng" algn="ctr">
-          <a:solidFill>
-            <a:schemeClr val="accent4">
-              <a:lumMod val="50000"/>
-            </a:schemeClr>
-          </a:solidFill>
-          <a:prstDash val="solid"/>
-        </a:ln>
-        <a:effectLst/>
-      </dsp:spPr>
-      <dsp:style>
-        <a:lnRef idx="2">
-          <a:scrgbClr r="0" g="0" b="0"/>
-        </a:lnRef>
-        <a:fillRef idx="0">
-          <a:scrgbClr r="0" g="0" b="0"/>
-        </a:fillRef>
-        <a:effectRef idx="0">
-          <a:scrgbClr r="0" g="0" b="0"/>
-        </a:effectRef>
-        <a:fontRef idx="minor"/>
-      </dsp:style>
-    </dsp:sp>
-    <dsp:sp modelId="{2C9CCBF4-DA0E-4FAC-BCCE-7F0FF9DD7C8E}">
-      <dsp:nvSpPr>
-        <dsp:cNvPr id="0" name=""/>
-        <dsp:cNvSpPr/>
-      </dsp:nvSpPr>
-      <dsp:spPr>
-        <a:xfrm>
-          <a:off x="1970606" y="5332256"/>
-          <a:ext cx="1176714" cy="706028"/>
-        </a:xfrm>
-        <a:prstGeom prst="rect">
-          <a:avLst/>
-        </a:prstGeom>
-        <a:noFill/>
-        <a:ln>
-          <a:noFill/>
-        </a:ln>
-        <a:effectLst/>
-        <a:sp3d/>
-      </dsp:spPr>
-      <dsp:style>
-        <a:lnRef idx="0">
-          <a:scrgbClr r="0" g="0" b="0"/>
-        </a:lnRef>
-        <a:fillRef idx="0">
-          <a:scrgbClr r="0" g="0" b="0"/>
-        </a:fillRef>
-        <a:effectRef idx="0">
-          <a:scrgbClr r="0" g="0" b="0"/>
-        </a:effectRef>
-        <a:fontRef idx="minor"/>
-      </dsp:style>
-      <dsp:txBody>
-        <a:bodyPr spcFirstLastPara="0" vert="horz" wrap="square" lIns="99568" tIns="99568" rIns="99568" bIns="99568" numCol="1" spcCol="1270" anchor="ctr" anchorCtr="0">
-          <a:noAutofit/>
-        </a:bodyPr>
-        <a:lstStyle/>
-        <a:p>
-          <a:pPr lvl="0" algn="ctr" defTabSz="622300" rtl="0">
-            <a:lnSpc>
-              <a:spcPct val="90000"/>
-            </a:lnSpc>
-            <a:spcBef>
-              <a:spcPct val="0"/>
-            </a:spcBef>
-            <a:spcAft>
-              <a:spcPct val="35000"/>
-            </a:spcAft>
-          </a:pPr>
-          <a:r>
-            <a:rPr lang="en-US" sz="1400" b="1" kern="1200" smtClean="0">
-              <a:solidFill>
-                <a:schemeClr val="accent4">
-                  <a:lumMod val="50000"/>
-                </a:schemeClr>
-              </a:solidFill>
-            </a:rPr>
-            <a:t>JSON</a:t>
-          </a:r>
-          <a:endParaRPr lang="en-US" sz="1400" b="1" kern="1200">
-            <a:solidFill>
-              <a:schemeClr val="accent4">
-                <a:lumMod val="50000"/>
-              </a:schemeClr>
-            </a:solidFill>
-          </a:endParaRPr>
-        </a:p>
-      </dsp:txBody>
-      <dsp:txXfrm>
-        <a:off x="1970606" y="5332256"/>
-        <a:ext cx="1176714" cy="706028"/>
-      </dsp:txXfrm>
-    </dsp:sp>
-    <dsp:sp modelId="{9F2754D6-92B7-4660-89A3-D0806CABD8DF}">
-      <dsp:nvSpPr>
-        <dsp:cNvPr id="0" name=""/>
-        <dsp:cNvSpPr/>
-      </dsp:nvSpPr>
-      <dsp:spPr>
-        <a:xfrm>
-          <a:off x="3147320" y="5685270"/>
-          <a:ext cx="165946" cy="0"/>
-        </a:xfrm>
-        <a:prstGeom prst="line">
-          <a:avLst/>
-        </a:prstGeom>
-        <a:noFill/>
-        <a:ln w="19050" cap="flat" cmpd="sng" algn="ctr">
-          <a:solidFill>
-            <a:schemeClr val="accent4">
-              <a:lumMod val="50000"/>
-            </a:schemeClr>
-          </a:solidFill>
-          <a:prstDash val="solid"/>
-        </a:ln>
-        <a:effectLst/>
-      </dsp:spPr>
-      <dsp:style>
-        <a:lnRef idx="2">
-          <a:scrgbClr r="0" g="0" b="0"/>
-        </a:lnRef>
-        <a:fillRef idx="0">
-          <a:scrgbClr r="0" g="0" b="0"/>
-        </a:fillRef>
-        <a:effectRef idx="0">
-          <a:scrgbClr r="0" g="0" b="0"/>
-        </a:effectRef>
-        <a:fontRef idx="minor"/>
-      </dsp:style>
-    </dsp:sp>
-    <dsp:sp modelId="{C9EFAC89-0FDC-4F01-98E5-527EF77F782B}">
-      <dsp:nvSpPr>
-        <dsp:cNvPr id="0" name=""/>
-        <dsp:cNvSpPr/>
-      </dsp:nvSpPr>
-      <dsp:spPr>
-        <a:xfrm>
-          <a:off x="3696595" y="2504304"/>
-          <a:ext cx="1419732" cy="1419732"/>
-        </a:xfrm>
-        <a:prstGeom prst="ellipse">
-          <a:avLst/>
-        </a:prstGeom>
-        <a:solidFill>
-          <a:schemeClr val="accent2"/>
-        </a:solidFill>
-        <a:ln w="19050" cap="flat" cmpd="sng" algn="ctr">
-          <a:solidFill>
-            <a:schemeClr val="lt1">
-              <a:hueOff val="0"/>
-              <a:satOff val="0"/>
-              <a:lumOff val="0"/>
-              <a:alphaOff val="0"/>
-            </a:schemeClr>
-          </a:solidFill>
-          <a:prstDash val="solid"/>
-        </a:ln>
-        <a:effectLst/>
-      </dsp:spPr>
-      <dsp:style>
-        <a:lnRef idx="2">
-          <a:scrgbClr r="0" g="0" b="0"/>
-        </a:lnRef>
-        <a:fillRef idx="1">
-          <a:scrgbClr r="0" g="0" b="0"/>
-        </a:fillRef>
-        <a:effectRef idx="0">
-          <a:scrgbClr r="0" g="0" b="0"/>
-        </a:effectRef>
-        <a:fontRef idx="minor">
-          <a:schemeClr val="lt1"/>
-        </a:fontRef>
-      </dsp:style>
-      <dsp:txBody>
-        <a:bodyPr spcFirstLastPara="0" vert="horz" wrap="square" lIns="0" tIns="0" rIns="0" bIns="0" numCol="1" spcCol="1270" anchor="ctr" anchorCtr="0">
-          <a:noAutofit/>
-        </a:bodyPr>
-        <a:lstStyle/>
-        <a:p>
-          <a:pPr lvl="0" algn="ctr" defTabSz="844550" rtl="0">
-            <a:lnSpc>
-              <a:spcPct val="90000"/>
-            </a:lnSpc>
-            <a:spcBef>
-              <a:spcPct val="0"/>
-            </a:spcBef>
-            <a:spcAft>
-              <a:spcPct val="35000"/>
-            </a:spcAft>
-          </a:pPr>
-          <a:r>
-            <a:rPr lang="en-US" sz="1900" b="1" kern="1200" dirty="0" smtClean="0"/>
-            <a:t>Process with </a:t>
-          </a:r>
-          <a:endParaRPr lang="en-US" sz="1900" b="1" kern="1200" dirty="0"/>
-        </a:p>
-      </dsp:txBody>
-      <dsp:txXfrm>
-        <a:off x="3904510" y="2712219"/>
-        <a:ext cx="1003902" cy="1003902"/>
-      </dsp:txXfrm>
-    </dsp:sp>
-    <dsp:sp modelId="{5929F69E-F3A8-42D4-B765-511EA42ED139}">
-      <dsp:nvSpPr>
-        <dsp:cNvPr id="0" name=""/>
-        <dsp:cNvSpPr/>
-      </dsp:nvSpPr>
-      <dsp:spPr>
-        <a:xfrm rot="17393884">
-          <a:off x="4539431" y="2038632"/>
-          <a:ext cx="2004782" cy="0"/>
-        </a:xfrm>
-        <a:custGeom>
-          <a:avLst/>
-          <a:gdLst/>
-          <a:ahLst/>
-          <a:cxnLst/>
-          <a:rect l="0" t="0" r="0" b="0"/>
-          <a:pathLst>
-            <a:path>
-              <a:moveTo>
-                <a:pt x="0" y="0"/>
-              </a:moveTo>
-              <a:lnTo>
-                <a:pt x="2004782" y="0"/>
-              </a:lnTo>
-            </a:path>
-          </a:pathLst>
-        </a:custGeom>
-        <a:noFill/>
-        <a:ln w="19050" cap="flat" cmpd="sng" algn="ctr">
-          <a:solidFill>
-            <a:schemeClr val="accent4">
-              <a:lumMod val="50000"/>
-            </a:schemeClr>
-          </a:solidFill>
-          <a:prstDash val="solid"/>
-        </a:ln>
-        <a:effectLst/>
-      </dsp:spPr>
-      <dsp:style>
-        <a:lnRef idx="2">
-          <a:scrgbClr r="0" g="0" b="0"/>
-        </a:lnRef>
-        <a:fillRef idx="0">
-          <a:scrgbClr r="0" g="0" b="0"/>
-        </a:fillRef>
-        <a:effectRef idx="0">
-          <a:scrgbClr r="0" g="0" b="0"/>
-        </a:effectRef>
-        <a:fontRef idx="minor"/>
-      </dsp:style>
-    </dsp:sp>
-    <dsp:sp modelId="{25FE8F4F-CDE3-413B-8A8D-863D718BEEB7}">
-      <dsp:nvSpPr>
-        <dsp:cNvPr id="0" name=""/>
-        <dsp:cNvSpPr/>
-      </dsp:nvSpPr>
-      <dsp:spPr>
-        <a:xfrm rot="15006116">
-          <a:off x="6730362" y="2038632"/>
-          <a:ext cx="2004782" cy="0"/>
-        </a:xfrm>
-        <a:custGeom>
-          <a:avLst/>
-          <a:gdLst/>
-          <a:ahLst/>
-          <a:cxnLst/>
-          <a:rect l="0" t="0" r="0" b="0"/>
-          <a:pathLst>
-            <a:path>
-              <a:moveTo>
-                <a:pt x="0" y="0"/>
-              </a:moveTo>
-              <a:lnTo>
-                <a:pt x="2004782" y="0"/>
-              </a:lnTo>
-            </a:path>
-          </a:pathLst>
-        </a:custGeom>
-        <a:noFill/>
-        <a:ln w="19050" cap="flat" cmpd="sng" algn="ctr">
-          <a:solidFill>
-            <a:schemeClr val="accent4">
-              <a:lumMod val="50000"/>
-            </a:schemeClr>
-          </a:solidFill>
-          <a:prstDash val="solid"/>
-        </a:ln>
-        <a:effectLst/>
-      </dsp:spPr>
-      <dsp:style>
-        <a:lnRef idx="2">
-          <a:scrgbClr r="0" g="0" b="0"/>
-        </a:lnRef>
-        <a:fillRef idx="0">
-          <a:scrgbClr r="0" g="0" b="0"/>
-        </a:fillRef>
-        <a:effectRef idx="0">
-          <a:scrgbClr r="0" g="0" b="0"/>
-        </a:effectRef>
-        <a:fontRef idx="minor"/>
-      </dsp:style>
-    </dsp:sp>
-    <dsp:sp modelId="{749FF2AB-0D53-4FFA-BA58-71D6FE7F3576}">
-      <dsp:nvSpPr>
-        <dsp:cNvPr id="0" name=""/>
-        <dsp:cNvSpPr/>
-      </dsp:nvSpPr>
-      <dsp:spPr>
-        <a:xfrm>
-          <a:off x="5882984" y="1096084"/>
-          <a:ext cx="165946" cy="0"/>
-        </a:xfrm>
-        <a:prstGeom prst="line">
-          <a:avLst/>
-        </a:prstGeom>
-        <a:noFill/>
-        <a:ln w="19050" cap="flat" cmpd="sng" algn="ctr">
-          <a:solidFill>
-            <a:schemeClr val="accent4">
-              <a:lumMod val="50000"/>
-            </a:schemeClr>
-          </a:solidFill>
-          <a:prstDash val="solid"/>
-        </a:ln>
-        <a:effectLst/>
-      </dsp:spPr>
-      <dsp:style>
-        <a:lnRef idx="2">
-          <a:scrgbClr r="0" g="0" b="0"/>
-        </a:lnRef>
-        <a:fillRef idx="0">
-          <a:scrgbClr r="0" g="0" b="0"/>
-        </a:fillRef>
-        <a:effectRef idx="0">
-          <a:scrgbClr r="0" g="0" b="0"/>
-        </a:effectRef>
-        <a:fontRef idx="minor"/>
-      </dsp:style>
-    </dsp:sp>
-    <dsp:sp modelId="{9A5CF80B-3A6A-4F03-87B4-798BEFF3F100}">
-      <dsp:nvSpPr>
-        <dsp:cNvPr id="0" name=""/>
-        <dsp:cNvSpPr/>
-      </dsp:nvSpPr>
-      <dsp:spPr>
-        <a:xfrm>
-          <a:off x="6048931" y="743070"/>
-          <a:ext cx="1176714" cy="706028"/>
-        </a:xfrm>
-        <a:prstGeom prst="rect">
-          <a:avLst/>
-        </a:prstGeom>
-        <a:noFill/>
-        <a:ln>
-          <a:noFill/>
-        </a:ln>
-        <a:effectLst/>
-        <a:sp3d/>
-      </dsp:spPr>
-      <dsp:style>
-        <a:lnRef idx="0">
-          <a:scrgbClr r="0" g="0" b="0"/>
-        </a:lnRef>
-        <a:fillRef idx="0">
-          <a:scrgbClr r="0" g="0" b="0"/>
-        </a:fillRef>
-        <a:effectRef idx="0">
-          <a:scrgbClr r="0" g="0" b="0"/>
-        </a:effectRef>
-        <a:fontRef idx="minor"/>
-      </dsp:style>
-      <dsp:txBody>
-        <a:bodyPr spcFirstLastPara="0" vert="horz" wrap="square" lIns="99568" tIns="99568" rIns="99568" bIns="99568" numCol="1" spcCol="1270" anchor="ctr" anchorCtr="0">
-          <a:noAutofit/>
-        </a:bodyPr>
-        <a:lstStyle/>
-        <a:p>
-          <a:pPr lvl="0" algn="ctr" defTabSz="622300" rtl="0">
-            <a:lnSpc>
-              <a:spcPct val="90000"/>
-            </a:lnSpc>
-            <a:spcBef>
-              <a:spcPct val="0"/>
-            </a:spcBef>
-            <a:spcAft>
-              <a:spcPct val="35000"/>
-            </a:spcAft>
-          </a:pPr>
-          <a:r>
-            <a:rPr lang="en-US" sz="1400" b="1" kern="1200" dirty="0" smtClean="0">
-              <a:solidFill>
-                <a:schemeClr val="accent4">
-                  <a:lumMod val="50000"/>
-                </a:schemeClr>
-              </a:solidFill>
-            </a:rPr>
-            <a:t>Matlab</a:t>
-          </a:r>
-          <a:endParaRPr lang="en-US" sz="1400" b="1" kern="1200" dirty="0">
-            <a:solidFill>
-              <a:schemeClr val="accent4">
-                <a:lumMod val="50000"/>
-              </a:schemeClr>
-            </a:solidFill>
-          </a:endParaRPr>
-        </a:p>
-      </dsp:txBody>
-      <dsp:txXfrm>
-        <a:off x="6048931" y="743070"/>
-        <a:ext cx="1176714" cy="706028"/>
-      </dsp:txXfrm>
-    </dsp:sp>
-    <dsp:sp modelId="{7D574453-8EA5-446C-AF16-7BCC68B528C6}">
-      <dsp:nvSpPr>
-        <dsp:cNvPr id="0" name=""/>
-        <dsp:cNvSpPr/>
-      </dsp:nvSpPr>
-      <dsp:spPr>
-        <a:xfrm>
-          <a:off x="7225645" y="1096084"/>
-          <a:ext cx="165946" cy="0"/>
-        </a:xfrm>
-        <a:prstGeom prst="line">
-          <a:avLst/>
-        </a:prstGeom>
-        <a:noFill/>
-        <a:ln w="19050" cap="flat" cmpd="sng" algn="ctr">
-          <a:solidFill>
-            <a:schemeClr val="accent4">
-              <a:lumMod val="50000"/>
-            </a:schemeClr>
-          </a:solidFill>
-          <a:prstDash val="solid"/>
-        </a:ln>
-        <a:effectLst/>
-      </dsp:spPr>
-      <dsp:style>
-        <a:lnRef idx="2">
-          <a:scrgbClr r="0" g="0" b="0"/>
-        </a:lnRef>
-        <a:fillRef idx="0">
-          <a:scrgbClr r="0" g="0" b="0"/>
-        </a:fillRef>
-        <a:effectRef idx="0">
-          <a:scrgbClr r="0" g="0" b="0"/>
-        </a:effectRef>
-        <a:fontRef idx="minor"/>
-      </dsp:style>
-    </dsp:sp>
-    <dsp:sp modelId="{EC441AD7-99FF-4E61-80C6-84C6C3A3D725}">
-      <dsp:nvSpPr>
-        <dsp:cNvPr id="0" name=""/>
-        <dsp:cNvSpPr/>
-      </dsp:nvSpPr>
-      <dsp:spPr>
-        <a:xfrm rot="17909946">
-          <a:off x="4826815" y="2430478"/>
-          <a:ext cx="1430013" cy="0"/>
-        </a:xfrm>
-        <a:custGeom>
-          <a:avLst/>
-          <a:gdLst/>
-          <a:ahLst/>
-          <a:cxnLst/>
-          <a:rect l="0" t="0" r="0" b="0"/>
-          <a:pathLst>
-            <a:path>
-              <a:moveTo>
-                <a:pt x="0" y="0"/>
-              </a:moveTo>
-              <a:lnTo>
-                <a:pt x="1430013" y="0"/>
-              </a:lnTo>
-            </a:path>
-          </a:pathLst>
-        </a:custGeom>
-        <a:noFill/>
-        <a:ln w="19050" cap="flat" cmpd="sng" algn="ctr">
-          <a:solidFill>
-            <a:schemeClr val="accent4">
-              <a:lumMod val="50000"/>
-            </a:schemeClr>
-          </a:solidFill>
-          <a:prstDash val="solid"/>
-        </a:ln>
-        <a:effectLst/>
-      </dsp:spPr>
-      <dsp:style>
-        <a:lnRef idx="2">
-          <a:scrgbClr r="0" g="0" b="0"/>
-        </a:lnRef>
-        <a:fillRef idx="0">
-          <a:scrgbClr r="0" g="0" b="0"/>
-        </a:fillRef>
-        <a:effectRef idx="0">
-          <a:scrgbClr r="0" g="0" b="0"/>
-        </a:effectRef>
-        <a:fontRef idx="minor"/>
-      </dsp:style>
-    </dsp:sp>
-    <dsp:sp modelId="{E275DBC3-4662-44E6-8716-56BB0DE2B536}">
-      <dsp:nvSpPr>
-        <dsp:cNvPr id="0" name=""/>
-        <dsp:cNvSpPr/>
-      </dsp:nvSpPr>
-      <dsp:spPr>
-        <a:xfrm rot="14490054">
-          <a:off x="7017747" y="2430478"/>
-          <a:ext cx="1430013" cy="0"/>
-        </a:xfrm>
-        <a:custGeom>
-          <a:avLst/>
-          <a:gdLst/>
-          <a:ahLst/>
-          <a:cxnLst/>
-          <a:rect l="0" t="0" r="0" b="0"/>
-          <a:pathLst>
-            <a:path>
-              <a:moveTo>
-                <a:pt x="0" y="0"/>
-              </a:moveTo>
-              <a:lnTo>
-                <a:pt x="1430013" y="0"/>
-              </a:lnTo>
-            </a:path>
-          </a:pathLst>
-        </a:custGeom>
-        <a:noFill/>
-        <a:ln w="19050" cap="flat" cmpd="sng" algn="ctr">
-          <a:solidFill>
-            <a:schemeClr val="accent4">
-              <a:lumMod val="50000"/>
-            </a:schemeClr>
-          </a:solidFill>
-          <a:prstDash val="solid"/>
-        </a:ln>
-        <a:effectLst/>
-      </dsp:spPr>
-      <dsp:style>
-        <a:lnRef idx="2">
-          <a:scrgbClr r="0" g="0" b="0"/>
-        </a:lnRef>
-        <a:fillRef idx="0">
-          <a:scrgbClr r="0" g="0" b="0"/>
-        </a:fillRef>
-        <a:effectRef idx="0">
-          <a:scrgbClr r="0" g="0" b="0"/>
-        </a:effectRef>
-        <a:fontRef idx="minor"/>
-      </dsp:style>
-    </dsp:sp>
-    <dsp:sp modelId="{C0028364-7CD3-45AE-A2F7-9621F675B2ED}">
-      <dsp:nvSpPr>
-        <dsp:cNvPr id="0" name=""/>
-        <dsp:cNvSpPr/>
-      </dsp:nvSpPr>
-      <dsp:spPr>
-        <a:xfrm>
-          <a:off x="5882984" y="1802113"/>
-          <a:ext cx="165946" cy="0"/>
-        </a:xfrm>
-        <a:prstGeom prst="line">
-          <a:avLst/>
-        </a:prstGeom>
-        <a:noFill/>
-        <a:ln w="19050" cap="flat" cmpd="sng" algn="ctr">
-          <a:solidFill>
-            <a:schemeClr val="accent4">
-              <a:lumMod val="50000"/>
-            </a:schemeClr>
-          </a:solidFill>
-          <a:prstDash val="solid"/>
-        </a:ln>
-        <a:effectLst/>
-      </dsp:spPr>
-      <dsp:style>
-        <a:lnRef idx="2">
-          <a:scrgbClr r="0" g="0" b="0"/>
-        </a:lnRef>
-        <a:fillRef idx="0">
-          <a:scrgbClr r="0" g="0" b="0"/>
-        </a:fillRef>
-        <a:effectRef idx="0">
-          <a:scrgbClr r="0" g="0" b="0"/>
-        </a:effectRef>
-        <a:fontRef idx="minor"/>
-      </dsp:style>
-    </dsp:sp>
-    <dsp:sp modelId="{010E112E-8049-4877-9024-FB13FDA43299}">
-      <dsp:nvSpPr>
-        <dsp:cNvPr id="0" name=""/>
-        <dsp:cNvSpPr/>
-      </dsp:nvSpPr>
-      <dsp:spPr>
-        <a:xfrm>
-          <a:off x="6048931" y="1449098"/>
-          <a:ext cx="1176714" cy="706028"/>
-        </a:xfrm>
-        <a:prstGeom prst="rect">
-          <a:avLst/>
-        </a:prstGeom>
-        <a:noFill/>
-        <a:ln>
-          <a:noFill/>
-        </a:ln>
-        <a:effectLst/>
-        <a:sp3d/>
-      </dsp:spPr>
-      <dsp:style>
-        <a:lnRef idx="0">
-          <a:scrgbClr r="0" g="0" b="0"/>
-        </a:lnRef>
-        <a:fillRef idx="0">
-          <a:scrgbClr r="0" g="0" b="0"/>
-        </a:fillRef>
-        <a:effectRef idx="0">
-          <a:scrgbClr r="0" g="0" b="0"/>
-        </a:effectRef>
-        <a:fontRef idx="minor"/>
-      </dsp:style>
-      <dsp:txBody>
-        <a:bodyPr spcFirstLastPara="0" vert="horz" wrap="square" lIns="99568" tIns="99568" rIns="99568" bIns="99568" numCol="1" spcCol="1270" anchor="ctr" anchorCtr="0">
-          <a:noAutofit/>
-        </a:bodyPr>
-        <a:lstStyle/>
-        <a:p>
-          <a:pPr lvl="0" algn="ctr" defTabSz="622300" rtl="0">
-            <a:lnSpc>
-              <a:spcPct val="90000"/>
-            </a:lnSpc>
-            <a:spcBef>
-              <a:spcPct val="0"/>
-            </a:spcBef>
-            <a:spcAft>
-              <a:spcPct val="35000"/>
-            </a:spcAft>
-          </a:pPr>
-          <a:r>
-            <a:rPr lang="en-US" sz="1400" b="1" kern="1200" dirty="0" smtClean="0">
-              <a:solidFill>
-                <a:schemeClr val="accent4">
-                  <a:lumMod val="50000"/>
-                </a:schemeClr>
-              </a:solidFill>
-            </a:rPr>
-            <a:t>Powershell</a:t>
-          </a:r>
-          <a:endParaRPr lang="en-US" sz="1400" b="1" kern="1200" dirty="0">
-            <a:solidFill>
-              <a:schemeClr val="accent4">
-                <a:lumMod val="50000"/>
-              </a:schemeClr>
-            </a:solidFill>
-          </a:endParaRPr>
-        </a:p>
-      </dsp:txBody>
-      <dsp:txXfrm>
-        <a:off x="6048931" y="1449098"/>
-        <a:ext cx="1176714" cy="706028"/>
-      </dsp:txXfrm>
-    </dsp:sp>
-    <dsp:sp modelId="{BD800237-A0C1-4116-8AA8-22270B4E3D6E}">
-      <dsp:nvSpPr>
-        <dsp:cNvPr id="0" name=""/>
-        <dsp:cNvSpPr/>
-      </dsp:nvSpPr>
-      <dsp:spPr>
-        <a:xfrm>
-          <a:off x="7225645" y="1802113"/>
-          <a:ext cx="165946" cy="0"/>
-        </a:xfrm>
-        <a:prstGeom prst="line">
-          <a:avLst/>
-        </a:prstGeom>
-        <a:noFill/>
-        <a:ln w="19050" cap="flat" cmpd="sng" algn="ctr">
-          <a:solidFill>
-            <a:schemeClr val="accent4">
-              <a:lumMod val="50000"/>
-            </a:schemeClr>
-          </a:solidFill>
-          <a:prstDash val="solid"/>
-        </a:ln>
-        <a:effectLst/>
-      </dsp:spPr>
-      <dsp:style>
-        <a:lnRef idx="2">
-          <a:scrgbClr r="0" g="0" b="0"/>
-        </a:lnRef>
-        <a:fillRef idx="0">
-          <a:scrgbClr r="0" g="0" b="0"/>
-        </a:fillRef>
-        <a:effectRef idx="0">
-          <a:scrgbClr r="0" g="0" b="0"/>
-        </a:effectRef>
-        <a:fontRef idx="minor"/>
-      </dsp:style>
-    </dsp:sp>
-    <dsp:sp modelId="{3133DD44-2C0C-4E6C-84C6-15F5220A01FD}">
-      <dsp:nvSpPr>
-        <dsp:cNvPr id="0" name=""/>
-        <dsp:cNvSpPr/>
-      </dsp:nvSpPr>
-      <dsp:spPr>
-        <a:xfrm rot="19041445">
-          <a:off x="5078031" y="2822324"/>
-          <a:ext cx="927582" cy="0"/>
-        </a:xfrm>
-        <a:custGeom>
-          <a:avLst/>
-          <a:gdLst/>
-          <a:ahLst/>
-          <a:cxnLst/>
-          <a:rect l="0" t="0" r="0" b="0"/>
-          <a:pathLst>
-            <a:path>
-              <a:moveTo>
-                <a:pt x="0" y="0"/>
-              </a:moveTo>
-              <a:lnTo>
-                <a:pt x="927582" y="0"/>
-              </a:lnTo>
-            </a:path>
-          </a:pathLst>
-        </a:custGeom>
-        <a:noFill/>
-        <a:ln w="19050" cap="flat" cmpd="sng" algn="ctr">
-          <a:solidFill>
-            <a:schemeClr val="accent4">
-              <a:lumMod val="50000"/>
-            </a:schemeClr>
-          </a:solidFill>
-          <a:prstDash val="solid"/>
-        </a:ln>
-        <a:effectLst/>
-      </dsp:spPr>
-      <dsp:style>
-        <a:lnRef idx="2">
-          <a:scrgbClr r="0" g="0" b="0"/>
-        </a:lnRef>
-        <a:fillRef idx="0">
-          <a:scrgbClr r="0" g="0" b="0"/>
-        </a:fillRef>
-        <a:effectRef idx="0">
-          <a:scrgbClr r="0" g="0" b="0"/>
-        </a:effectRef>
-        <a:fontRef idx="minor"/>
-      </dsp:style>
-    </dsp:sp>
-    <dsp:sp modelId="{3E58BAF0-BCCA-48FE-AD22-BA90AD7665B6}">
-      <dsp:nvSpPr>
-        <dsp:cNvPr id="0" name=""/>
-        <dsp:cNvSpPr/>
-      </dsp:nvSpPr>
-      <dsp:spPr>
-        <a:xfrm rot="13358555">
-          <a:off x="7268963" y="2822324"/>
-          <a:ext cx="927582" cy="0"/>
-        </a:xfrm>
-        <a:custGeom>
-          <a:avLst/>
-          <a:gdLst/>
-          <a:ahLst/>
-          <a:cxnLst/>
-          <a:rect l="0" t="0" r="0" b="0"/>
-          <a:pathLst>
-            <a:path>
-              <a:moveTo>
-                <a:pt x="0" y="0"/>
-              </a:moveTo>
-              <a:lnTo>
-                <a:pt x="927582" y="0"/>
-              </a:lnTo>
-            </a:path>
-          </a:pathLst>
-        </a:custGeom>
-        <a:noFill/>
-        <a:ln w="19050" cap="flat" cmpd="sng" algn="ctr">
-          <a:solidFill>
-            <a:schemeClr val="accent4">
-              <a:lumMod val="50000"/>
-            </a:schemeClr>
-          </a:solidFill>
-          <a:prstDash val="solid"/>
-        </a:ln>
-        <a:effectLst/>
-      </dsp:spPr>
-      <dsp:style>
-        <a:lnRef idx="2">
-          <a:scrgbClr r="0" g="0" b="0"/>
-        </a:lnRef>
-        <a:fillRef idx="0">
-          <a:scrgbClr r="0" g="0" b="0"/>
-        </a:fillRef>
-        <a:effectRef idx="0">
-          <a:scrgbClr r="0" g="0" b="0"/>
-        </a:effectRef>
-        <a:fontRef idx="minor"/>
-      </dsp:style>
-    </dsp:sp>
-    <dsp:sp modelId="{04875609-DF77-4860-B263-5ABC03741940}">
-      <dsp:nvSpPr>
-        <dsp:cNvPr id="0" name=""/>
-        <dsp:cNvSpPr/>
-      </dsp:nvSpPr>
-      <dsp:spPr>
-        <a:xfrm>
-          <a:off x="5882984" y="2508141"/>
-          <a:ext cx="165946" cy="0"/>
-        </a:xfrm>
-        <a:prstGeom prst="line">
-          <a:avLst/>
-        </a:prstGeom>
-        <a:noFill/>
-        <a:ln w="19050" cap="flat" cmpd="sng" algn="ctr">
-          <a:solidFill>
-            <a:schemeClr val="accent4">
-              <a:lumMod val="50000"/>
-            </a:schemeClr>
-          </a:solidFill>
-          <a:prstDash val="solid"/>
-        </a:ln>
-        <a:effectLst/>
-      </dsp:spPr>
-      <dsp:style>
-        <a:lnRef idx="2">
-          <a:scrgbClr r="0" g="0" b="0"/>
-        </a:lnRef>
-        <a:fillRef idx="0">
-          <a:scrgbClr r="0" g="0" b="0"/>
-        </a:fillRef>
-        <a:effectRef idx="0">
-          <a:scrgbClr r="0" g="0" b="0"/>
-        </a:effectRef>
-        <a:fontRef idx="minor"/>
-      </dsp:style>
-    </dsp:sp>
-    <dsp:sp modelId="{AB708D3C-BDDE-4D14-ACCE-63A152F025A8}">
-      <dsp:nvSpPr>
-        <dsp:cNvPr id="0" name=""/>
-        <dsp:cNvSpPr/>
-      </dsp:nvSpPr>
-      <dsp:spPr>
-        <a:xfrm>
-          <a:off x="6048931" y="2155127"/>
-          <a:ext cx="1176714" cy="706028"/>
-        </a:xfrm>
-        <a:prstGeom prst="rect">
-          <a:avLst/>
-        </a:prstGeom>
-        <a:noFill/>
-        <a:ln>
-          <a:noFill/>
-        </a:ln>
-        <a:effectLst/>
-        <a:sp3d/>
-      </dsp:spPr>
-      <dsp:style>
-        <a:lnRef idx="0">
-          <a:scrgbClr r="0" g="0" b="0"/>
-        </a:lnRef>
-        <a:fillRef idx="0">
-          <a:scrgbClr r="0" g="0" b="0"/>
-        </a:fillRef>
-        <a:effectRef idx="0">
-          <a:scrgbClr r="0" g="0" b="0"/>
-        </a:effectRef>
-        <a:fontRef idx="minor"/>
-      </dsp:style>
-      <dsp:txBody>
-        <a:bodyPr spcFirstLastPara="0" vert="horz" wrap="square" lIns="99568" tIns="99568" rIns="99568" bIns="99568" numCol="1" spcCol="1270" anchor="ctr" anchorCtr="0">
-          <a:noAutofit/>
-        </a:bodyPr>
-        <a:lstStyle/>
-        <a:p>
-          <a:pPr lvl="0" algn="ctr" defTabSz="622300" rtl="0">
-            <a:lnSpc>
-              <a:spcPct val="90000"/>
-            </a:lnSpc>
-            <a:spcBef>
-              <a:spcPct val="0"/>
-            </a:spcBef>
-            <a:spcAft>
-              <a:spcPct val="35000"/>
-            </a:spcAft>
-          </a:pPr>
-          <a:r>
-            <a:rPr lang="en-US" sz="1400" b="1" kern="1200" dirty="0" smtClean="0">
-              <a:solidFill>
-                <a:schemeClr val="accent4">
-                  <a:lumMod val="50000"/>
-                </a:schemeClr>
-              </a:solidFill>
-            </a:rPr>
-            <a:t>Regex</a:t>
-          </a:r>
-          <a:endParaRPr lang="en-US" sz="1400" b="1" kern="1200" dirty="0">
-            <a:solidFill>
-              <a:schemeClr val="accent4">
-                <a:lumMod val="50000"/>
-              </a:schemeClr>
-            </a:solidFill>
-          </a:endParaRPr>
-        </a:p>
-      </dsp:txBody>
-      <dsp:txXfrm>
-        <a:off x="6048931" y="2155127"/>
-        <a:ext cx="1176714" cy="706028"/>
-      </dsp:txXfrm>
-    </dsp:sp>
-    <dsp:sp modelId="{D67A9AEF-5F00-419F-AE98-1058D523496C}">
-      <dsp:nvSpPr>
-        <dsp:cNvPr id="0" name=""/>
-        <dsp:cNvSpPr/>
-      </dsp:nvSpPr>
-      <dsp:spPr>
-        <a:xfrm>
-          <a:off x="7225645" y="2508141"/>
-          <a:ext cx="165946" cy="0"/>
-        </a:xfrm>
-        <a:prstGeom prst="line">
-          <a:avLst/>
-        </a:prstGeom>
-        <a:noFill/>
-        <a:ln w="19050" cap="flat" cmpd="sng" algn="ctr">
-          <a:solidFill>
-            <a:schemeClr val="accent4">
-              <a:lumMod val="50000"/>
-            </a:schemeClr>
-          </a:solidFill>
-          <a:prstDash val="solid"/>
-        </a:ln>
-        <a:effectLst/>
-      </dsp:spPr>
-      <dsp:style>
-        <a:lnRef idx="2">
-          <a:scrgbClr r="0" g="0" b="0"/>
-        </a:lnRef>
-        <a:fillRef idx="0">
-          <a:scrgbClr r="0" g="0" b="0"/>
-        </a:fillRef>
-        <a:effectRef idx="0">
-          <a:scrgbClr r="0" g="0" b="0"/>
-        </a:effectRef>
-        <a:fontRef idx="minor"/>
-      </dsp:style>
-    </dsp:sp>
-    <dsp:sp modelId="{9A9BB694-2743-4D88-865D-D81CA7E7CC01}">
-      <dsp:nvSpPr>
-        <dsp:cNvPr id="0" name=""/>
-        <dsp:cNvSpPr/>
-      </dsp:nvSpPr>
-      <dsp:spPr>
-        <a:xfrm>
-          <a:off x="5200660" y="3214170"/>
-          <a:ext cx="682323" cy="0"/>
-        </a:xfrm>
-        <a:custGeom>
-          <a:avLst/>
-          <a:gdLst/>
-          <a:ahLst/>
-          <a:cxnLst/>
-          <a:rect l="0" t="0" r="0" b="0"/>
-          <a:pathLst>
-            <a:path>
-              <a:moveTo>
-                <a:pt x="0" y="0"/>
-              </a:moveTo>
-              <a:lnTo>
-                <a:pt x="682323" y="0"/>
-              </a:lnTo>
-            </a:path>
-          </a:pathLst>
-        </a:custGeom>
-        <a:noFill/>
-        <a:ln w="19050" cap="flat" cmpd="sng" algn="ctr">
-          <a:solidFill>
-            <a:schemeClr val="accent4">
-              <a:lumMod val="50000"/>
-            </a:schemeClr>
-          </a:solidFill>
-          <a:prstDash val="solid"/>
-        </a:ln>
-        <a:effectLst/>
-      </dsp:spPr>
-      <dsp:style>
-        <a:lnRef idx="2">
-          <a:scrgbClr r="0" g="0" b="0"/>
-        </a:lnRef>
-        <a:fillRef idx="0">
-          <a:scrgbClr r="0" g="0" b="0"/>
-        </a:fillRef>
-        <a:effectRef idx="0">
-          <a:scrgbClr r="0" g="0" b="0"/>
-        </a:effectRef>
-        <a:fontRef idx="minor"/>
-      </dsp:style>
-    </dsp:sp>
-    <dsp:sp modelId="{93F270BA-0A6A-4CD7-AC7D-65C25081B4DC}">
-      <dsp:nvSpPr>
-        <dsp:cNvPr id="0" name=""/>
-        <dsp:cNvSpPr/>
-      </dsp:nvSpPr>
-      <dsp:spPr>
-        <a:xfrm rot="10800000">
-          <a:off x="7391592" y="3214170"/>
-          <a:ext cx="682323" cy="0"/>
-        </a:xfrm>
-        <a:custGeom>
-          <a:avLst/>
-          <a:gdLst/>
-          <a:ahLst/>
-          <a:cxnLst/>
-          <a:rect l="0" t="0" r="0" b="0"/>
-          <a:pathLst>
-            <a:path>
-              <a:moveTo>
-                <a:pt x="0" y="0"/>
-              </a:moveTo>
-              <a:lnTo>
-                <a:pt x="682323" y="0"/>
-              </a:lnTo>
-            </a:path>
-          </a:pathLst>
-        </a:custGeom>
-        <a:noFill/>
-        <a:ln w="19050" cap="flat" cmpd="sng" algn="ctr">
-          <a:solidFill>
-            <a:schemeClr val="accent4">
-              <a:lumMod val="50000"/>
-            </a:schemeClr>
-          </a:solidFill>
-          <a:prstDash val="solid"/>
-        </a:ln>
-        <a:effectLst/>
-      </dsp:spPr>
-      <dsp:style>
-        <a:lnRef idx="2">
-          <a:scrgbClr r="0" g="0" b="0"/>
-        </a:lnRef>
-        <a:fillRef idx="0">
-          <a:scrgbClr r="0" g="0" b="0"/>
-        </a:fillRef>
-        <a:effectRef idx="0">
-          <a:scrgbClr r="0" g="0" b="0"/>
-        </a:effectRef>
-        <a:fontRef idx="minor"/>
-      </dsp:style>
-    </dsp:sp>
-    <dsp:sp modelId="{7707F367-E680-41D5-B6C5-72E7D5A78D89}">
-      <dsp:nvSpPr>
-        <dsp:cNvPr id="0" name=""/>
-        <dsp:cNvSpPr/>
-      </dsp:nvSpPr>
-      <dsp:spPr>
-        <a:xfrm>
-          <a:off x="5882984" y="3214170"/>
-          <a:ext cx="165946" cy="0"/>
-        </a:xfrm>
-        <a:prstGeom prst="line">
-          <a:avLst/>
-        </a:prstGeom>
-        <a:noFill/>
-        <a:ln w="19050" cap="flat" cmpd="sng" algn="ctr">
-          <a:solidFill>
-            <a:schemeClr val="accent4">
-              <a:lumMod val="50000"/>
-            </a:schemeClr>
-          </a:solidFill>
-          <a:prstDash val="solid"/>
-        </a:ln>
-        <a:effectLst/>
-      </dsp:spPr>
-      <dsp:style>
-        <a:lnRef idx="2">
-          <a:scrgbClr r="0" g="0" b="0"/>
-        </a:lnRef>
-        <a:fillRef idx="0">
-          <a:scrgbClr r="0" g="0" b="0"/>
-        </a:fillRef>
-        <a:effectRef idx="0">
-          <a:scrgbClr r="0" g="0" b="0"/>
-        </a:effectRef>
-        <a:fontRef idx="minor"/>
-      </dsp:style>
-    </dsp:sp>
-    <dsp:sp modelId="{2F25D2A5-566E-41B6-84A1-E0D9F2332F61}">
-      <dsp:nvSpPr>
-        <dsp:cNvPr id="0" name=""/>
-        <dsp:cNvSpPr/>
-      </dsp:nvSpPr>
-      <dsp:spPr>
-        <a:xfrm>
-          <a:off x="6048931" y="2861156"/>
-          <a:ext cx="1176714" cy="706028"/>
-        </a:xfrm>
-        <a:prstGeom prst="rect">
-          <a:avLst/>
-        </a:prstGeom>
-        <a:noFill/>
-        <a:ln>
-          <a:noFill/>
-        </a:ln>
-        <a:effectLst/>
-        <a:sp3d/>
-      </dsp:spPr>
-      <dsp:style>
-        <a:lnRef idx="0">
-          <a:scrgbClr r="0" g="0" b="0"/>
-        </a:lnRef>
-        <a:fillRef idx="0">
-          <a:scrgbClr r="0" g="0" b="0"/>
-        </a:fillRef>
-        <a:effectRef idx="0">
-          <a:scrgbClr r="0" g="0" b="0"/>
-        </a:effectRef>
-        <a:fontRef idx="minor"/>
-      </dsp:style>
-      <dsp:txBody>
-        <a:bodyPr spcFirstLastPara="0" vert="horz" wrap="square" lIns="99568" tIns="99568" rIns="99568" bIns="99568" numCol="1" spcCol="1270" anchor="ctr" anchorCtr="0">
-          <a:noAutofit/>
-        </a:bodyPr>
-        <a:lstStyle/>
-        <a:p>
-          <a:pPr lvl="0" algn="ctr" defTabSz="622300" rtl="0">
-            <a:lnSpc>
-              <a:spcPct val="90000"/>
-            </a:lnSpc>
-            <a:spcBef>
-              <a:spcPct val="0"/>
-            </a:spcBef>
-            <a:spcAft>
-              <a:spcPct val="35000"/>
-            </a:spcAft>
-          </a:pPr>
-          <a:r>
-            <a:rPr lang="en-US" sz="1400" b="1" kern="1200" dirty="0" smtClean="0">
-              <a:solidFill>
-                <a:schemeClr val="accent4">
-                  <a:lumMod val="50000"/>
-                </a:schemeClr>
-              </a:solidFill>
-            </a:rPr>
-            <a:t>R</a:t>
-          </a:r>
-          <a:endParaRPr lang="en-US" sz="1400" b="1" kern="1200" dirty="0">
-            <a:solidFill>
-              <a:schemeClr val="accent4">
-                <a:lumMod val="50000"/>
-              </a:schemeClr>
-            </a:solidFill>
-          </a:endParaRPr>
-        </a:p>
-      </dsp:txBody>
-      <dsp:txXfrm>
-        <a:off x="6048931" y="2861156"/>
-        <a:ext cx="1176714" cy="706028"/>
-      </dsp:txXfrm>
-    </dsp:sp>
-    <dsp:sp modelId="{5E3C6DF0-6630-4E60-8255-403157822CA9}">
-      <dsp:nvSpPr>
-        <dsp:cNvPr id="0" name=""/>
-        <dsp:cNvSpPr/>
-      </dsp:nvSpPr>
-      <dsp:spPr>
-        <a:xfrm>
-          <a:off x="7225645" y="3214170"/>
-          <a:ext cx="165946" cy="0"/>
-        </a:xfrm>
-        <a:prstGeom prst="line">
-          <a:avLst/>
-        </a:prstGeom>
-        <a:noFill/>
-        <a:ln w="19050" cap="flat" cmpd="sng" algn="ctr">
-          <a:solidFill>
-            <a:schemeClr val="accent4">
-              <a:lumMod val="50000"/>
-            </a:schemeClr>
-          </a:solidFill>
-          <a:prstDash val="solid"/>
-        </a:ln>
-        <a:effectLst/>
-      </dsp:spPr>
-      <dsp:style>
-        <a:lnRef idx="2">
-          <a:scrgbClr r="0" g="0" b="0"/>
-        </a:lnRef>
-        <a:fillRef idx="0">
-          <a:scrgbClr r="0" g="0" b="0"/>
-        </a:fillRef>
-        <a:effectRef idx="0">
-          <a:scrgbClr r="0" g="0" b="0"/>
-        </a:effectRef>
-        <a:fontRef idx="minor"/>
-      </dsp:style>
-    </dsp:sp>
-    <dsp:sp modelId="{DA7C5DDF-8A40-43A7-B844-E47D4CAD7B01}">
-      <dsp:nvSpPr>
-        <dsp:cNvPr id="0" name=""/>
-        <dsp:cNvSpPr/>
-      </dsp:nvSpPr>
-      <dsp:spPr>
-        <a:xfrm rot="2558555">
-          <a:off x="5078031" y="3606016"/>
-          <a:ext cx="927582" cy="0"/>
-        </a:xfrm>
-        <a:custGeom>
-          <a:avLst/>
-          <a:gdLst/>
-          <a:ahLst/>
-          <a:cxnLst/>
-          <a:rect l="0" t="0" r="0" b="0"/>
-          <a:pathLst>
-            <a:path>
-              <a:moveTo>
-                <a:pt x="0" y="0"/>
-              </a:moveTo>
-              <a:lnTo>
-                <a:pt x="927582" y="0"/>
-              </a:lnTo>
-            </a:path>
-          </a:pathLst>
-        </a:custGeom>
-        <a:noFill/>
-        <a:ln w="19050" cap="flat" cmpd="sng" algn="ctr">
-          <a:solidFill>
-            <a:schemeClr val="accent4">
-              <a:lumMod val="50000"/>
-            </a:schemeClr>
-          </a:solidFill>
-          <a:prstDash val="solid"/>
-        </a:ln>
-        <a:effectLst/>
-      </dsp:spPr>
-      <dsp:style>
-        <a:lnRef idx="2">
-          <a:scrgbClr r="0" g="0" b="0"/>
-        </a:lnRef>
-        <a:fillRef idx="0">
-          <a:scrgbClr r="0" g="0" b="0"/>
-        </a:fillRef>
-        <a:effectRef idx="0">
-          <a:scrgbClr r="0" g="0" b="0"/>
-        </a:effectRef>
-        <a:fontRef idx="minor"/>
-      </dsp:style>
-    </dsp:sp>
-    <dsp:sp modelId="{557CB83E-FADB-420B-8A88-B747B4108930}">
-      <dsp:nvSpPr>
-        <dsp:cNvPr id="0" name=""/>
-        <dsp:cNvSpPr/>
-      </dsp:nvSpPr>
-      <dsp:spPr>
-        <a:xfrm rot="8241445">
-          <a:off x="7268963" y="3606016"/>
-          <a:ext cx="927582" cy="0"/>
-        </a:xfrm>
-        <a:custGeom>
-          <a:avLst/>
-          <a:gdLst/>
-          <a:ahLst/>
-          <a:cxnLst/>
-          <a:rect l="0" t="0" r="0" b="0"/>
-          <a:pathLst>
-            <a:path>
-              <a:moveTo>
-                <a:pt x="0" y="0"/>
-              </a:moveTo>
-              <a:lnTo>
-                <a:pt x="927582" y="0"/>
-              </a:lnTo>
-            </a:path>
-          </a:pathLst>
-        </a:custGeom>
-        <a:noFill/>
-        <a:ln w="19050" cap="flat" cmpd="sng" algn="ctr">
-          <a:solidFill>
-            <a:schemeClr val="accent4">
-              <a:lumMod val="50000"/>
-            </a:schemeClr>
-          </a:solidFill>
-          <a:prstDash val="solid"/>
-        </a:ln>
-        <a:effectLst/>
-      </dsp:spPr>
-      <dsp:style>
-        <a:lnRef idx="2">
-          <a:scrgbClr r="0" g="0" b="0"/>
-        </a:lnRef>
-        <a:fillRef idx="0">
-          <a:scrgbClr r="0" g="0" b="0"/>
-        </a:fillRef>
-        <a:effectRef idx="0">
-          <a:scrgbClr r="0" g="0" b="0"/>
-        </a:effectRef>
-        <a:fontRef idx="minor"/>
-      </dsp:style>
-    </dsp:sp>
-    <dsp:sp modelId="{4407520A-E219-4FA1-985D-1F7A17EEF7D5}">
-      <dsp:nvSpPr>
-        <dsp:cNvPr id="0" name=""/>
-        <dsp:cNvSpPr/>
-      </dsp:nvSpPr>
-      <dsp:spPr>
-        <a:xfrm>
-          <a:off x="5882984" y="3920199"/>
-          <a:ext cx="165946" cy="0"/>
-        </a:xfrm>
-        <a:prstGeom prst="line">
-          <a:avLst/>
-        </a:prstGeom>
-        <a:noFill/>
-        <a:ln w="19050" cap="flat" cmpd="sng" algn="ctr">
-          <a:solidFill>
-            <a:schemeClr val="accent4">
-              <a:lumMod val="50000"/>
-            </a:schemeClr>
-          </a:solidFill>
-          <a:prstDash val="solid"/>
-        </a:ln>
-        <a:effectLst/>
-      </dsp:spPr>
-      <dsp:style>
-        <a:lnRef idx="2">
-          <a:scrgbClr r="0" g="0" b="0"/>
-        </a:lnRef>
-        <a:fillRef idx="0">
-          <a:scrgbClr r="0" g="0" b="0"/>
-        </a:fillRef>
-        <a:effectRef idx="0">
-          <a:scrgbClr r="0" g="0" b="0"/>
-        </a:effectRef>
-        <a:fontRef idx="minor"/>
-      </dsp:style>
-    </dsp:sp>
-    <dsp:sp modelId="{C29504D3-251D-44BE-97B7-1D550C3639A3}">
-      <dsp:nvSpPr>
-        <dsp:cNvPr id="0" name=""/>
-        <dsp:cNvSpPr/>
-      </dsp:nvSpPr>
-      <dsp:spPr>
-        <a:xfrm>
-          <a:off x="6048931" y="3567184"/>
-          <a:ext cx="1176714" cy="706028"/>
-        </a:xfrm>
-        <a:prstGeom prst="rect">
-          <a:avLst/>
-        </a:prstGeom>
-        <a:noFill/>
-        <a:ln>
-          <a:noFill/>
-        </a:ln>
-        <a:effectLst/>
-        <a:sp3d/>
-      </dsp:spPr>
-      <dsp:style>
-        <a:lnRef idx="0">
-          <a:scrgbClr r="0" g="0" b="0"/>
-        </a:lnRef>
-        <a:fillRef idx="0">
-          <a:scrgbClr r="0" g="0" b="0"/>
-        </a:fillRef>
-        <a:effectRef idx="0">
-          <a:scrgbClr r="0" g="0" b="0"/>
-        </a:effectRef>
-        <a:fontRef idx="minor"/>
-      </dsp:style>
-      <dsp:txBody>
-        <a:bodyPr spcFirstLastPara="0" vert="horz" wrap="square" lIns="99568" tIns="99568" rIns="99568" bIns="99568" numCol="1" spcCol="1270" anchor="ctr" anchorCtr="0">
-          <a:noAutofit/>
-        </a:bodyPr>
-        <a:lstStyle/>
-        <a:p>
-          <a:pPr lvl="0" algn="ctr" defTabSz="622300" rtl="0">
-            <a:lnSpc>
-              <a:spcPct val="90000"/>
-            </a:lnSpc>
-            <a:spcBef>
-              <a:spcPct val="0"/>
-            </a:spcBef>
-            <a:spcAft>
-              <a:spcPct val="35000"/>
-            </a:spcAft>
-          </a:pPr>
-          <a:r>
-            <a:rPr lang="en-US" sz="1400" b="1" kern="1200" dirty="0" smtClean="0">
-              <a:solidFill>
-                <a:schemeClr val="accent4">
-                  <a:lumMod val="50000"/>
-                </a:schemeClr>
-              </a:solidFill>
-            </a:rPr>
-            <a:t>SignalR</a:t>
-          </a:r>
-          <a:endParaRPr lang="en-US" sz="1400" b="1" kern="1200" dirty="0">
-            <a:solidFill>
-              <a:schemeClr val="accent4">
-                <a:lumMod val="50000"/>
-              </a:schemeClr>
-            </a:solidFill>
-          </a:endParaRPr>
-        </a:p>
-      </dsp:txBody>
-      <dsp:txXfrm>
-        <a:off x="6048931" y="3567184"/>
-        <a:ext cx="1176714" cy="706028"/>
-      </dsp:txXfrm>
-    </dsp:sp>
-    <dsp:sp modelId="{D9A1F54C-0E3A-4B2F-8148-ACF145932D7D}">
-      <dsp:nvSpPr>
-        <dsp:cNvPr id="0" name=""/>
-        <dsp:cNvSpPr/>
-      </dsp:nvSpPr>
-      <dsp:spPr>
-        <a:xfrm>
-          <a:off x="7225645" y="3920199"/>
-          <a:ext cx="165946" cy="0"/>
-        </a:xfrm>
-        <a:prstGeom prst="line">
-          <a:avLst/>
-        </a:prstGeom>
-        <a:noFill/>
-        <a:ln w="19050" cap="flat" cmpd="sng" algn="ctr">
-          <a:solidFill>
-            <a:schemeClr val="accent4">
-              <a:lumMod val="50000"/>
-            </a:schemeClr>
-          </a:solidFill>
-          <a:prstDash val="solid"/>
-        </a:ln>
-        <a:effectLst/>
-      </dsp:spPr>
-      <dsp:style>
-        <a:lnRef idx="2">
-          <a:scrgbClr r="0" g="0" b="0"/>
-        </a:lnRef>
-        <a:fillRef idx="0">
-          <a:scrgbClr r="0" g="0" b="0"/>
-        </a:fillRef>
-        <a:effectRef idx="0">
-          <a:scrgbClr r="0" g="0" b="0"/>
-        </a:effectRef>
-        <a:fontRef idx="minor"/>
-      </dsp:style>
-    </dsp:sp>
-    <dsp:sp modelId="{560FC70A-A4E9-483F-94CF-C915C4C22B93}">
-      <dsp:nvSpPr>
-        <dsp:cNvPr id="0" name=""/>
-        <dsp:cNvSpPr/>
-      </dsp:nvSpPr>
-      <dsp:spPr>
-        <a:xfrm rot="3690054">
-          <a:off x="4826815" y="3997862"/>
-          <a:ext cx="1430013" cy="0"/>
-        </a:xfrm>
-        <a:custGeom>
-          <a:avLst/>
-          <a:gdLst/>
-          <a:ahLst/>
-          <a:cxnLst/>
-          <a:rect l="0" t="0" r="0" b="0"/>
-          <a:pathLst>
-            <a:path>
-              <a:moveTo>
-                <a:pt x="0" y="0"/>
-              </a:moveTo>
-              <a:lnTo>
-                <a:pt x="1430013" y="0"/>
-              </a:lnTo>
-            </a:path>
-          </a:pathLst>
-        </a:custGeom>
-        <a:noFill/>
-        <a:ln w="19050" cap="flat" cmpd="sng" algn="ctr">
-          <a:solidFill>
-            <a:schemeClr val="accent4">
-              <a:lumMod val="50000"/>
-            </a:schemeClr>
-          </a:solidFill>
-          <a:prstDash val="solid"/>
-        </a:ln>
-        <a:effectLst/>
-      </dsp:spPr>
-      <dsp:style>
-        <a:lnRef idx="2">
-          <a:scrgbClr r="0" g="0" b="0"/>
-        </a:lnRef>
-        <a:fillRef idx="0">
-          <a:scrgbClr r="0" g="0" b="0"/>
-        </a:fillRef>
-        <a:effectRef idx="0">
-          <a:scrgbClr r="0" g="0" b="0"/>
-        </a:effectRef>
-        <a:fontRef idx="minor"/>
-      </dsp:style>
-    </dsp:sp>
-    <dsp:sp modelId="{A17CAEFE-7687-43D7-B09C-8A786EE919D3}">
-      <dsp:nvSpPr>
-        <dsp:cNvPr id="0" name=""/>
-        <dsp:cNvSpPr/>
-      </dsp:nvSpPr>
-      <dsp:spPr>
-        <a:xfrm rot="7109946">
-          <a:off x="7017747" y="3997862"/>
-          <a:ext cx="1430013" cy="0"/>
-        </a:xfrm>
-        <a:custGeom>
-          <a:avLst/>
-          <a:gdLst/>
-          <a:ahLst/>
-          <a:cxnLst/>
-          <a:rect l="0" t="0" r="0" b="0"/>
-          <a:pathLst>
-            <a:path>
-              <a:moveTo>
-                <a:pt x="0" y="0"/>
-              </a:moveTo>
-              <a:lnTo>
-                <a:pt x="1430013" y="0"/>
-              </a:lnTo>
-            </a:path>
-          </a:pathLst>
-        </a:custGeom>
-        <a:noFill/>
-        <a:ln w="19050" cap="flat" cmpd="sng" algn="ctr">
-          <a:solidFill>
-            <a:schemeClr val="accent4">
-              <a:lumMod val="50000"/>
-            </a:schemeClr>
-          </a:solidFill>
-          <a:prstDash val="solid"/>
-        </a:ln>
-        <a:effectLst/>
-      </dsp:spPr>
-      <dsp:style>
-        <a:lnRef idx="2">
-          <a:scrgbClr r="0" g="0" b="0"/>
-        </a:lnRef>
-        <a:fillRef idx="0">
-          <a:scrgbClr r="0" g="0" b="0"/>
-        </a:fillRef>
-        <a:effectRef idx="0">
-          <a:scrgbClr r="0" g="0" b="0"/>
-        </a:effectRef>
-        <a:fontRef idx="minor"/>
-      </dsp:style>
-    </dsp:sp>
-    <dsp:sp modelId="{4825D9DD-2635-4FB0-BB5B-BE87041BF4F1}">
-      <dsp:nvSpPr>
-        <dsp:cNvPr id="0" name=""/>
-        <dsp:cNvSpPr/>
-      </dsp:nvSpPr>
-      <dsp:spPr>
-        <a:xfrm>
-          <a:off x="5882984" y="4626227"/>
-          <a:ext cx="165946" cy="0"/>
-        </a:xfrm>
-        <a:prstGeom prst="line">
-          <a:avLst/>
-        </a:prstGeom>
-        <a:noFill/>
-        <a:ln w="19050" cap="flat" cmpd="sng" algn="ctr">
-          <a:solidFill>
-            <a:schemeClr val="accent4">
-              <a:lumMod val="50000"/>
-            </a:schemeClr>
-          </a:solidFill>
-          <a:prstDash val="solid"/>
-        </a:ln>
-        <a:effectLst/>
-      </dsp:spPr>
-      <dsp:style>
-        <a:lnRef idx="2">
-          <a:scrgbClr r="0" g="0" b="0"/>
-        </a:lnRef>
-        <a:fillRef idx="0">
-          <a:scrgbClr r="0" g="0" b="0"/>
-        </a:fillRef>
-        <a:effectRef idx="0">
-          <a:scrgbClr r="0" g="0" b="0"/>
-        </a:effectRef>
-        <a:fontRef idx="minor"/>
-      </dsp:style>
-    </dsp:sp>
-    <dsp:sp modelId="{D5B1D052-BB80-45F3-9FDD-67126FC0DACE}">
-      <dsp:nvSpPr>
-        <dsp:cNvPr id="0" name=""/>
-        <dsp:cNvSpPr/>
-      </dsp:nvSpPr>
-      <dsp:spPr>
-        <a:xfrm>
-          <a:off x="6048931" y="4273213"/>
-          <a:ext cx="1176714" cy="706028"/>
-        </a:xfrm>
-        <a:prstGeom prst="rect">
-          <a:avLst/>
-        </a:prstGeom>
-        <a:noFill/>
-        <a:ln>
-          <a:noFill/>
-        </a:ln>
-        <a:effectLst/>
-        <a:sp3d/>
-      </dsp:spPr>
-      <dsp:style>
-        <a:lnRef idx="0">
-          <a:scrgbClr r="0" g="0" b="0"/>
-        </a:lnRef>
-        <a:fillRef idx="0">
-          <a:scrgbClr r="0" g="0" b="0"/>
-        </a:fillRef>
-        <a:effectRef idx="0">
-          <a:scrgbClr r="0" g="0" b="0"/>
-        </a:effectRef>
-        <a:fontRef idx="minor"/>
-      </dsp:style>
-      <dsp:txBody>
-        <a:bodyPr spcFirstLastPara="0" vert="horz" wrap="square" lIns="99568" tIns="99568" rIns="99568" bIns="99568" numCol="1" spcCol="1270" anchor="ctr" anchorCtr="0">
-          <a:noAutofit/>
-        </a:bodyPr>
-        <a:lstStyle/>
-        <a:p>
-          <a:pPr lvl="0" algn="ctr" defTabSz="622300" rtl="0">
-            <a:lnSpc>
-              <a:spcPct val="90000"/>
-            </a:lnSpc>
-            <a:spcBef>
-              <a:spcPct val="0"/>
-            </a:spcBef>
-            <a:spcAft>
-              <a:spcPct val="35000"/>
-            </a:spcAft>
-          </a:pPr>
-          <a:r>
-            <a:rPr lang="en-US" sz="1400" b="1" kern="1200" dirty="0" smtClean="0">
-              <a:solidFill>
-                <a:schemeClr val="accent4">
-                  <a:lumMod val="50000"/>
-                </a:schemeClr>
-              </a:solidFill>
-            </a:rPr>
-            <a:t>Python</a:t>
-          </a:r>
-          <a:endParaRPr lang="en-US" sz="1400" b="1" kern="1200" dirty="0">
-            <a:solidFill>
-              <a:schemeClr val="accent4">
-                <a:lumMod val="50000"/>
-              </a:schemeClr>
-            </a:solidFill>
-          </a:endParaRPr>
-        </a:p>
-      </dsp:txBody>
-      <dsp:txXfrm>
-        <a:off x="6048931" y="4273213"/>
-        <a:ext cx="1176714" cy="706028"/>
-      </dsp:txXfrm>
-    </dsp:sp>
-    <dsp:sp modelId="{77365C05-6E8A-4C9B-AD7B-3AA3341F9D8E}">
-      <dsp:nvSpPr>
-        <dsp:cNvPr id="0" name=""/>
-        <dsp:cNvSpPr/>
-      </dsp:nvSpPr>
-      <dsp:spPr>
-        <a:xfrm>
-          <a:off x="7225645" y="4626227"/>
-          <a:ext cx="165946" cy="0"/>
-        </a:xfrm>
-        <a:prstGeom prst="line">
-          <a:avLst/>
-        </a:prstGeom>
-        <a:noFill/>
-        <a:ln w="19050" cap="flat" cmpd="sng" algn="ctr">
-          <a:solidFill>
-            <a:schemeClr val="accent4">
-              <a:lumMod val="50000"/>
-            </a:schemeClr>
-          </a:solidFill>
-          <a:prstDash val="solid"/>
-        </a:ln>
-        <a:effectLst/>
-      </dsp:spPr>
-      <dsp:style>
-        <a:lnRef idx="2">
-          <a:scrgbClr r="0" g="0" b="0"/>
-        </a:lnRef>
-        <a:fillRef idx="0">
-          <a:scrgbClr r="0" g="0" b="0"/>
-        </a:fillRef>
-        <a:effectRef idx="0">
-          <a:scrgbClr r="0" g="0" b="0"/>
-        </a:effectRef>
-        <a:fontRef idx="minor"/>
-      </dsp:style>
-    </dsp:sp>
-    <dsp:sp modelId="{C4FADA27-4F94-4287-8C9C-326FC54DAB65}">
-      <dsp:nvSpPr>
-        <dsp:cNvPr id="0" name=""/>
-        <dsp:cNvSpPr/>
-      </dsp:nvSpPr>
-      <dsp:spPr>
-        <a:xfrm rot="4206116">
-          <a:off x="4539431" y="4389708"/>
-          <a:ext cx="2004782" cy="0"/>
-        </a:xfrm>
-        <a:custGeom>
-          <a:avLst/>
-          <a:gdLst/>
-          <a:ahLst/>
-          <a:cxnLst/>
-          <a:rect l="0" t="0" r="0" b="0"/>
-          <a:pathLst>
-            <a:path>
-              <a:moveTo>
-                <a:pt x="0" y="0"/>
-              </a:moveTo>
-              <a:lnTo>
-                <a:pt x="2004782" y="0"/>
-              </a:lnTo>
-            </a:path>
-          </a:pathLst>
-        </a:custGeom>
-        <a:noFill/>
-        <a:ln w="19050" cap="flat" cmpd="sng" algn="ctr">
-          <a:solidFill>
-            <a:schemeClr val="accent4">
-              <a:lumMod val="50000"/>
-            </a:schemeClr>
-          </a:solidFill>
-          <a:prstDash val="solid"/>
-        </a:ln>
-        <a:effectLst/>
-      </dsp:spPr>
-      <dsp:style>
-        <a:lnRef idx="2">
-          <a:scrgbClr r="0" g="0" b="0"/>
-        </a:lnRef>
-        <a:fillRef idx="0">
-          <a:scrgbClr r="0" g="0" b="0"/>
-        </a:fillRef>
-        <a:effectRef idx="0">
-          <a:scrgbClr r="0" g="0" b="0"/>
-        </a:effectRef>
-        <a:fontRef idx="minor"/>
-      </dsp:style>
-    </dsp:sp>
-    <dsp:sp modelId="{CE1CE96D-192D-48FB-AF8B-A7407DB2EC7B}">
-      <dsp:nvSpPr>
-        <dsp:cNvPr id="0" name=""/>
-        <dsp:cNvSpPr/>
-      </dsp:nvSpPr>
-      <dsp:spPr>
-        <a:xfrm rot="6593884">
-          <a:off x="6730362" y="4389708"/>
-          <a:ext cx="2004782" cy="0"/>
-        </a:xfrm>
-        <a:custGeom>
-          <a:avLst/>
-          <a:gdLst/>
-          <a:ahLst/>
-          <a:cxnLst/>
-          <a:rect l="0" t="0" r="0" b="0"/>
-          <a:pathLst>
-            <a:path>
-              <a:moveTo>
-                <a:pt x="0" y="0"/>
-              </a:moveTo>
-              <a:lnTo>
-                <a:pt x="2004782" y="0"/>
-              </a:lnTo>
-            </a:path>
-          </a:pathLst>
-        </a:custGeom>
-        <a:noFill/>
-        <a:ln w="19050" cap="flat" cmpd="sng" algn="ctr">
-          <a:solidFill>
-            <a:schemeClr val="accent4">
-              <a:lumMod val="50000"/>
-            </a:schemeClr>
-          </a:solidFill>
-          <a:prstDash val="solid"/>
-        </a:ln>
-        <a:effectLst/>
-      </dsp:spPr>
-      <dsp:style>
-        <a:lnRef idx="2">
-          <a:scrgbClr r="0" g="0" b="0"/>
-        </a:lnRef>
-        <a:fillRef idx="0">
-          <a:scrgbClr r="0" g="0" b="0"/>
-        </a:fillRef>
-        <a:effectRef idx="0">
-          <a:scrgbClr r="0" g="0" b="0"/>
-        </a:effectRef>
-        <a:fontRef idx="minor"/>
-      </dsp:style>
-    </dsp:sp>
-    <dsp:sp modelId="{9239EA62-46F7-4986-8576-6E2D0CAC4920}">
-      <dsp:nvSpPr>
-        <dsp:cNvPr id="0" name=""/>
-        <dsp:cNvSpPr/>
-      </dsp:nvSpPr>
-      <dsp:spPr>
-        <a:xfrm>
-          <a:off x="5882984" y="5332256"/>
-          <a:ext cx="165946" cy="0"/>
-        </a:xfrm>
-        <a:prstGeom prst="line">
-          <a:avLst/>
-        </a:prstGeom>
-        <a:noFill/>
-        <a:ln w="19050" cap="flat" cmpd="sng" algn="ctr">
-          <a:solidFill>
-            <a:schemeClr val="accent4">
-              <a:lumMod val="50000"/>
-            </a:schemeClr>
-          </a:solidFill>
-          <a:prstDash val="solid"/>
-        </a:ln>
-        <a:effectLst/>
-      </dsp:spPr>
-      <dsp:style>
-        <a:lnRef idx="2">
-          <a:scrgbClr r="0" g="0" b="0"/>
-        </a:lnRef>
-        <a:fillRef idx="0">
-          <a:scrgbClr r="0" g="0" b="0"/>
-        </a:fillRef>
-        <a:effectRef idx="0">
-          <a:scrgbClr r="0" g="0" b="0"/>
-        </a:effectRef>
-        <a:fontRef idx="minor"/>
-      </dsp:style>
-    </dsp:sp>
-    <dsp:sp modelId="{6AB24E81-9AEA-4431-B4B6-5604CC5A3EA1}">
-      <dsp:nvSpPr>
-        <dsp:cNvPr id="0" name=""/>
-        <dsp:cNvSpPr/>
-      </dsp:nvSpPr>
-      <dsp:spPr>
-        <a:xfrm>
-          <a:off x="6048931" y="4979242"/>
-          <a:ext cx="1176714" cy="706028"/>
-        </a:xfrm>
-        <a:prstGeom prst="rect">
-          <a:avLst/>
-        </a:prstGeom>
-        <a:noFill/>
-        <a:ln>
-          <a:noFill/>
-        </a:ln>
-        <a:effectLst/>
-        <a:sp3d/>
-      </dsp:spPr>
-      <dsp:style>
-        <a:lnRef idx="0">
-          <a:scrgbClr r="0" g="0" b="0"/>
-        </a:lnRef>
-        <a:fillRef idx="0">
-          <a:scrgbClr r="0" g="0" b="0"/>
-        </a:fillRef>
-        <a:effectRef idx="0">
-          <a:scrgbClr r="0" g="0" b="0"/>
-        </a:effectRef>
-        <a:fontRef idx="minor"/>
-      </dsp:style>
-      <dsp:txBody>
-        <a:bodyPr spcFirstLastPara="0" vert="horz" wrap="square" lIns="99568" tIns="99568" rIns="99568" bIns="99568" numCol="1" spcCol="1270" anchor="ctr" anchorCtr="0">
-          <a:noAutofit/>
-        </a:bodyPr>
-        <a:lstStyle/>
-        <a:p>
-          <a:pPr lvl="0" algn="ctr" defTabSz="622300" rtl="0">
-            <a:lnSpc>
-              <a:spcPct val="90000"/>
-            </a:lnSpc>
-            <a:spcBef>
-              <a:spcPct val="0"/>
-            </a:spcBef>
-            <a:spcAft>
-              <a:spcPct val="35000"/>
-            </a:spcAft>
-          </a:pPr>
-          <a:r>
-            <a:rPr lang="en-US" sz="1400" b="1" kern="1200" dirty="0" smtClean="0">
-              <a:solidFill>
-                <a:schemeClr val="accent4">
-                  <a:lumMod val="50000"/>
-                </a:schemeClr>
-              </a:solidFill>
-            </a:rPr>
-            <a:t>LINQ</a:t>
-          </a:r>
-          <a:endParaRPr lang="en-US" sz="1400" b="1" kern="1200" dirty="0">
-            <a:solidFill>
-              <a:schemeClr val="accent4">
-                <a:lumMod val="50000"/>
-              </a:schemeClr>
-            </a:solidFill>
-          </a:endParaRPr>
-        </a:p>
-      </dsp:txBody>
-      <dsp:txXfrm>
-        <a:off x="6048931" y="4979242"/>
-        <a:ext cx="1176714" cy="706028"/>
-      </dsp:txXfrm>
-    </dsp:sp>
-    <dsp:sp modelId="{BE52E739-7D27-4E45-831B-0E2523D0459D}">
-      <dsp:nvSpPr>
-        <dsp:cNvPr id="0" name=""/>
-        <dsp:cNvSpPr/>
-      </dsp:nvSpPr>
-      <dsp:spPr>
-        <a:xfrm>
-          <a:off x="7225645" y="5332256"/>
-          <a:ext cx="165946" cy="0"/>
-        </a:xfrm>
-        <a:prstGeom prst="line">
-          <a:avLst/>
-        </a:prstGeom>
-        <a:noFill/>
-        <a:ln w="19050" cap="flat" cmpd="sng" algn="ctr">
-          <a:solidFill>
-            <a:schemeClr val="accent4">
-              <a:lumMod val="50000"/>
-            </a:schemeClr>
-          </a:solidFill>
-          <a:prstDash val="solid"/>
-        </a:ln>
-        <a:effectLst/>
-      </dsp:spPr>
-      <dsp:style>
-        <a:lnRef idx="2">
-          <a:scrgbClr r="0" g="0" b="0"/>
-        </a:lnRef>
-        <a:fillRef idx="0">
-          <a:scrgbClr r="0" g="0" b="0"/>
-        </a:fillRef>
-        <a:effectRef idx="0">
-          <a:scrgbClr r="0" g="0" b="0"/>
-        </a:effectRef>
-        <a:fontRef idx="minor"/>
-      </dsp:style>
-    </dsp:sp>
-    <dsp:sp modelId="{25865E55-DD3C-4D5B-A42B-5405C63B0E3E}">
-      <dsp:nvSpPr>
-        <dsp:cNvPr id="0" name=""/>
-        <dsp:cNvSpPr/>
-      </dsp:nvSpPr>
-      <dsp:spPr>
-        <a:xfrm>
-          <a:off x="8158248" y="2504304"/>
-          <a:ext cx="1419732" cy="1419732"/>
-        </a:xfrm>
-        <a:prstGeom prst="ellipse">
-          <a:avLst/>
-        </a:prstGeom>
-        <a:solidFill>
-          <a:schemeClr val="accent2"/>
-        </a:solidFill>
-        <a:ln w="19050" cap="flat" cmpd="sng" algn="ctr">
-          <a:solidFill>
-            <a:schemeClr val="lt1">
-              <a:hueOff val="0"/>
-              <a:satOff val="0"/>
-              <a:lumOff val="0"/>
-              <a:alphaOff val="0"/>
-            </a:schemeClr>
-          </a:solidFill>
-          <a:prstDash val="solid"/>
-        </a:ln>
-        <a:effectLst/>
-      </dsp:spPr>
-      <dsp:style>
-        <a:lnRef idx="2">
-          <a:scrgbClr r="0" g="0" b="0"/>
-        </a:lnRef>
-        <a:fillRef idx="1">
-          <a:scrgbClr r="0" g="0" b="0"/>
-        </a:fillRef>
-        <a:effectRef idx="0">
-          <a:scrgbClr r="0" g="0" b="0"/>
-        </a:effectRef>
-        <a:fontRef idx="minor">
-          <a:schemeClr val="lt1"/>
-        </a:fontRef>
-      </dsp:style>
-      <dsp:txBody>
-        <a:bodyPr spcFirstLastPara="0" vert="horz" wrap="square" lIns="0" tIns="0" rIns="0" bIns="0" numCol="1" spcCol="1270" anchor="ctr" anchorCtr="0">
-          <a:noAutofit/>
-        </a:bodyPr>
-        <a:lstStyle/>
-        <a:p>
-          <a:pPr lvl="0" algn="ctr" defTabSz="844550" rtl="0">
-            <a:lnSpc>
-              <a:spcPct val="90000"/>
-            </a:lnSpc>
-            <a:spcBef>
-              <a:spcPct val="0"/>
-            </a:spcBef>
-            <a:spcAft>
-              <a:spcPct val="35000"/>
-            </a:spcAft>
-          </a:pPr>
-          <a:r>
-            <a:rPr lang="en-US" sz="1900" b="1" kern="1200" dirty="0" smtClean="0"/>
-            <a:t>Visualize with</a:t>
-          </a:r>
-          <a:endParaRPr lang="en-US" sz="1900" b="1" kern="1200" dirty="0"/>
-        </a:p>
-      </dsp:txBody>
-      <dsp:txXfrm>
-        <a:off x="8366163" y="2712219"/>
-        <a:ext cx="1003902" cy="1003902"/>
-      </dsp:txXfrm>
-    </dsp:sp>
-    <dsp:sp modelId="{516C0902-9215-4C87-B418-0FC089E72483}">
-      <dsp:nvSpPr>
-        <dsp:cNvPr id="0" name=""/>
-        <dsp:cNvSpPr/>
-      </dsp:nvSpPr>
-      <dsp:spPr>
-        <a:xfrm rot="19041445">
-          <a:off x="9539684" y="2822324"/>
-          <a:ext cx="927582" cy="0"/>
-        </a:xfrm>
-        <a:custGeom>
-          <a:avLst/>
-          <a:gdLst/>
-          <a:ahLst/>
-          <a:cxnLst/>
-          <a:rect l="0" t="0" r="0" b="0"/>
-          <a:pathLst>
-            <a:path>
-              <a:moveTo>
-                <a:pt x="0" y="0"/>
-              </a:moveTo>
-              <a:lnTo>
-                <a:pt x="927582" y="0"/>
-              </a:lnTo>
-            </a:path>
-          </a:pathLst>
-        </a:custGeom>
-        <a:noFill/>
-        <a:ln w="19050" cap="flat" cmpd="sng" algn="ctr">
-          <a:solidFill>
-            <a:schemeClr val="accent4">
-              <a:lumMod val="50000"/>
-            </a:schemeClr>
-          </a:solidFill>
-          <a:prstDash val="solid"/>
-        </a:ln>
-        <a:effectLst/>
-      </dsp:spPr>
-      <dsp:style>
-        <a:lnRef idx="2">
-          <a:scrgbClr r="0" g="0" b="0"/>
-        </a:lnRef>
-        <a:fillRef idx="0">
-          <a:scrgbClr r="0" g="0" b="0"/>
-        </a:fillRef>
-        <a:effectRef idx="0">
-          <a:scrgbClr r="0" g="0" b="0"/>
-        </a:effectRef>
-        <a:fontRef idx="minor"/>
-      </dsp:style>
-    </dsp:sp>
-    <dsp:sp modelId="{6B2C27FD-7970-43EB-AF4F-2E71A1C1BCFF}">
-      <dsp:nvSpPr>
-        <dsp:cNvPr id="0" name=""/>
-        <dsp:cNvSpPr/>
-      </dsp:nvSpPr>
-      <dsp:spPr>
-        <a:xfrm>
-          <a:off x="10344637" y="2508141"/>
-          <a:ext cx="165946" cy="0"/>
-        </a:xfrm>
-        <a:prstGeom prst="line">
-          <a:avLst/>
-        </a:prstGeom>
-        <a:noFill/>
-        <a:ln w="19050" cap="flat" cmpd="sng" algn="ctr">
-          <a:solidFill>
-            <a:schemeClr val="accent4">
-              <a:lumMod val="50000"/>
-            </a:schemeClr>
-          </a:solidFill>
-          <a:prstDash val="solid"/>
-        </a:ln>
-        <a:effectLst/>
-      </dsp:spPr>
-      <dsp:style>
-        <a:lnRef idx="2">
-          <a:scrgbClr r="0" g="0" b="0"/>
-        </a:lnRef>
-        <a:fillRef idx="0">
-          <a:scrgbClr r="0" g="0" b="0"/>
-        </a:fillRef>
-        <a:effectRef idx="0">
-          <a:scrgbClr r="0" g="0" b="0"/>
-        </a:effectRef>
-        <a:fontRef idx="minor"/>
-      </dsp:style>
-    </dsp:sp>
-    <dsp:sp modelId="{EB66AC91-F0D0-473D-8CE0-8CB2300A31DD}">
-      <dsp:nvSpPr>
-        <dsp:cNvPr id="0" name=""/>
-        <dsp:cNvSpPr/>
-      </dsp:nvSpPr>
-      <dsp:spPr>
-        <a:xfrm>
-          <a:off x="10510584" y="2155127"/>
-          <a:ext cx="1176714" cy="706028"/>
-        </a:xfrm>
-        <a:prstGeom prst="rect">
-          <a:avLst/>
-        </a:prstGeom>
-        <a:noFill/>
-        <a:ln>
-          <a:noFill/>
-        </a:ln>
-        <a:effectLst/>
-        <a:sp3d/>
-      </dsp:spPr>
-      <dsp:style>
-        <a:lnRef idx="0">
-          <a:scrgbClr r="0" g="0" b="0"/>
-        </a:lnRef>
-        <a:fillRef idx="0">
-          <a:scrgbClr r="0" g="0" b="0"/>
-        </a:fillRef>
-        <a:effectRef idx="0">
-          <a:scrgbClr r="0" g="0" b="0"/>
-        </a:effectRef>
-        <a:fontRef idx="minor"/>
-      </dsp:style>
-      <dsp:txBody>
-        <a:bodyPr spcFirstLastPara="0" vert="horz" wrap="square" lIns="99568" tIns="99568" rIns="99568" bIns="99568" numCol="1" spcCol="1270" anchor="ctr" anchorCtr="0">
-          <a:noAutofit/>
-        </a:bodyPr>
-        <a:lstStyle/>
-        <a:p>
-          <a:pPr lvl="0" algn="ctr" defTabSz="622300" rtl="0">
-            <a:lnSpc>
-              <a:spcPct val="90000"/>
-            </a:lnSpc>
-            <a:spcBef>
-              <a:spcPct val="0"/>
-            </a:spcBef>
-            <a:spcAft>
-              <a:spcPct val="35000"/>
-            </a:spcAft>
-          </a:pPr>
-          <a:r>
-            <a:rPr lang="en-US" sz="1400" b="1" kern="1200" dirty="0" smtClean="0">
-              <a:solidFill>
-                <a:schemeClr val="accent4">
-                  <a:lumMod val="50000"/>
-                </a:schemeClr>
-              </a:solidFill>
-            </a:rPr>
-            <a:t>F#</a:t>
-          </a:r>
-          <a:endParaRPr lang="en-US" sz="1400" b="1" kern="1200" dirty="0">
-            <a:solidFill>
-              <a:schemeClr val="accent4">
-                <a:lumMod val="50000"/>
-              </a:schemeClr>
-            </a:solidFill>
-          </a:endParaRPr>
-        </a:p>
-      </dsp:txBody>
-      <dsp:txXfrm>
-        <a:off x="10510584" y="2155127"/>
-        <a:ext cx="1176714" cy="706028"/>
-      </dsp:txXfrm>
-    </dsp:sp>
-    <dsp:sp modelId="{E51C02B1-5AC7-4AFF-8300-2851BA3C0A78}">
-      <dsp:nvSpPr>
-        <dsp:cNvPr id="0" name=""/>
-        <dsp:cNvSpPr/>
-      </dsp:nvSpPr>
-      <dsp:spPr>
-        <a:xfrm>
-          <a:off x="9662313" y="3214170"/>
-          <a:ext cx="682323" cy="0"/>
-        </a:xfrm>
-        <a:custGeom>
-          <a:avLst/>
-          <a:gdLst/>
-          <a:ahLst/>
-          <a:cxnLst/>
-          <a:rect l="0" t="0" r="0" b="0"/>
-          <a:pathLst>
-            <a:path>
-              <a:moveTo>
-                <a:pt x="0" y="0"/>
-              </a:moveTo>
-              <a:lnTo>
-                <a:pt x="682323" y="0"/>
-              </a:lnTo>
-            </a:path>
-          </a:pathLst>
-        </a:custGeom>
-        <a:noFill/>
-        <a:ln w="19050" cap="flat" cmpd="sng" algn="ctr">
-          <a:solidFill>
-            <a:schemeClr val="accent4">
-              <a:lumMod val="50000"/>
-            </a:schemeClr>
-          </a:solidFill>
-          <a:prstDash val="solid"/>
-        </a:ln>
-        <a:effectLst/>
-      </dsp:spPr>
-      <dsp:style>
-        <a:lnRef idx="2">
-          <a:scrgbClr r="0" g="0" b="0"/>
-        </a:lnRef>
-        <a:fillRef idx="0">
-          <a:scrgbClr r="0" g="0" b="0"/>
-        </a:fillRef>
-        <a:effectRef idx="0">
-          <a:scrgbClr r="0" g="0" b="0"/>
-        </a:effectRef>
-        <a:fontRef idx="minor"/>
-      </dsp:style>
-    </dsp:sp>
-    <dsp:sp modelId="{2A62AC2C-7BE6-4BA7-86D0-8A6AE565ACA3}">
-      <dsp:nvSpPr>
-        <dsp:cNvPr id="0" name=""/>
-        <dsp:cNvSpPr/>
-      </dsp:nvSpPr>
-      <dsp:spPr>
-        <a:xfrm>
-          <a:off x="10344637" y="3214170"/>
-          <a:ext cx="165946" cy="0"/>
-        </a:xfrm>
-        <a:prstGeom prst="line">
-          <a:avLst/>
-        </a:prstGeom>
-        <a:noFill/>
-        <a:ln w="19050" cap="flat" cmpd="sng" algn="ctr">
-          <a:solidFill>
-            <a:schemeClr val="accent4">
-              <a:lumMod val="50000"/>
-            </a:schemeClr>
-          </a:solidFill>
-          <a:prstDash val="solid"/>
-        </a:ln>
-        <a:effectLst/>
-      </dsp:spPr>
-      <dsp:style>
-        <a:lnRef idx="2">
-          <a:scrgbClr r="0" g="0" b="0"/>
-        </a:lnRef>
-        <a:fillRef idx="0">
-          <a:scrgbClr r="0" g="0" b="0"/>
-        </a:fillRef>
-        <a:effectRef idx="0">
-          <a:scrgbClr r="0" g="0" b="0"/>
-        </a:effectRef>
-        <a:fontRef idx="minor"/>
-      </dsp:style>
-    </dsp:sp>
-    <dsp:sp modelId="{C8548DA5-27E7-4A78-A521-70CFCE2E57F6}">
-      <dsp:nvSpPr>
-        <dsp:cNvPr id="0" name=""/>
-        <dsp:cNvSpPr/>
-      </dsp:nvSpPr>
-      <dsp:spPr>
-        <a:xfrm>
-          <a:off x="10510584" y="2861156"/>
-          <a:ext cx="1176714" cy="706028"/>
-        </a:xfrm>
-        <a:prstGeom prst="rect">
-          <a:avLst/>
-        </a:prstGeom>
-        <a:noFill/>
-        <a:ln>
-          <a:noFill/>
-        </a:ln>
-        <a:effectLst/>
-        <a:sp3d/>
-      </dsp:spPr>
-      <dsp:style>
-        <a:lnRef idx="0">
-          <a:scrgbClr r="0" g="0" b="0"/>
-        </a:lnRef>
-        <a:fillRef idx="0">
-          <a:scrgbClr r="0" g="0" b="0"/>
-        </a:fillRef>
-        <a:effectRef idx="0">
-          <a:scrgbClr r="0" g="0" b="0"/>
-        </a:effectRef>
-        <a:fontRef idx="minor"/>
-      </dsp:style>
-      <dsp:txBody>
-        <a:bodyPr spcFirstLastPara="0" vert="horz" wrap="square" lIns="99568" tIns="99568" rIns="99568" bIns="99568" numCol="1" spcCol="1270" anchor="ctr" anchorCtr="0">
-          <a:noAutofit/>
-        </a:bodyPr>
-        <a:lstStyle/>
-        <a:p>
-          <a:pPr lvl="0" algn="ctr" defTabSz="622300" rtl="0">
-            <a:lnSpc>
-              <a:spcPct val="90000"/>
-            </a:lnSpc>
-            <a:spcBef>
-              <a:spcPct val="0"/>
-            </a:spcBef>
-            <a:spcAft>
-              <a:spcPct val="35000"/>
-            </a:spcAft>
-          </a:pPr>
-          <a:r>
-            <a:rPr lang="en-US" sz="1400" b="1" kern="1200" dirty="0" smtClean="0">
-              <a:solidFill>
-                <a:schemeClr val="accent4">
-                  <a:lumMod val="50000"/>
-                </a:schemeClr>
-              </a:solidFill>
-            </a:rPr>
-            <a:t>Matlab</a:t>
-          </a:r>
-          <a:endParaRPr lang="en-US" sz="1400" b="1" kern="1200" dirty="0">
-            <a:solidFill>
-              <a:schemeClr val="accent4">
-                <a:lumMod val="50000"/>
-              </a:schemeClr>
-            </a:solidFill>
-          </a:endParaRPr>
-        </a:p>
-      </dsp:txBody>
-      <dsp:txXfrm>
-        <a:off x="10510584" y="2861156"/>
-        <a:ext cx="1176714" cy="706028"/>
-      </dsp:txXfrm>
-    </dsp:sp>
-    <dsp:sp modelId="{2D4E3B46-274D-41C9-A405-EE9C4DFCAE88}">
-      <dsp:nvSpPr>
-        <dsp:cNvPr id="0" name=""/>
-        <dsp:cNvSpPr/>
-      </dsp:nvSpPr>
-      <dsp:spPr>
-        <a:xfrm rot="2558555">
-          <a:off x="9539684" y="3606016"/>
-          <a:ext cx="927582" cy="0"/>
-        </a:xfrm>
-        <a:custGeom>
-          <a:avLst/>
-          <a:gdLst/>
-          <a:ahLst/>
-          <a:cxnLst/>
-          <a:rect l="0" t="0" r="0" b="0"/>
-          <a:pathLst>
-            <a:path>
-              <a:moveTo>
-                <a:pt x="0" y="0"/>
-              </a:moveTo>
-              <a:lnTo>
-                <a:pt x="927582" y="0"/>
-              </a:lnTo>
-            </a:path>
-          </a:pathLst>
-        </a:custGeom>
-        <a:noFill/>
-        <a:ln w="19050" cap="flat" cmpd="sng" algn="ctr">
-          <a:solidFill>
-            <a:schemeClr val="accent4">
-              <a:lumMod val="50000"/>
-            </a:schemeClr>
-          </a:solidFill>
-          <a:prstDash val="solid"/>
-        </a:ln>
-        <a:effectLst/>
-      </dsp:spPr>
-      <dsp:style>
-        <a:lnRef idx="2">
-          <a:scrgbClr r="0" g="0" b="0"/>
-        </a:lnRef>
-        <a:fillRef idx="0">
-          <a:scrgbClr r="0" g="0" b="0"/>
-        </a:fillRef>
-        <a:effectRef idx="0">
-          <a:scrgbClr r="0" g="0" b="0"/>
-        </a:effectRef>
-        <a:fontRef idx="minor"/>
-      </dsp:style>
-    </dsp:sp>
-    <dsp:sp modelId="{33389D76-AAF6-49EE-9D34-24DA68352EA1}">
-      <dsp:nvSpPr>
-        <dsp:cNvPr id="0" name=""/>
-        <dsp:cNvSpPr/>
-      </dsp:nvSpPr>
-      <dsp:spPr>
-        <a:xfrm>
-          <a:off x="10344637" y="3920199"/>
-          <a:ext cx="165946" cy="0"/>
-        </a:xfrm>
-        <a:prstGeom prst="line">
-          <a:avLst/>
-        </a:prstGeom>
-        <a:noFill/>
-        <a:ln w="19050" cap="flat" cmpd="sng" algn="ctr">
-          <a:solidFill>
-            <a:schemeClr val="accent4">
-              <a:lumMod val="50000"/>
-            </a:schemeClr>
-          </a:solidFill>
-          <a:prstDash val="solid"/>
-        </a:ln>
-        <a:effectLst/>
-      </dsp:spPr>
-      <dsp:style>
-        <a:lnRef idx="2">
-          <a:scrgbClr r="0" g="0" b="0"/>
-        </a:lnRef>
-        <a:fillRef idx="0">
-          <a:scrgbClr r="0" g="0" b="0"/>
-        </a:fillRef>
-        <a:effectRef idx="0">
-          <a:scrgbClr r="0" g="0" b="0"/>
-        </a:effectRef>
-        <a:fontRef idx="minor"/>
-      </dsp:style>
-    </dsp:sp>
-    <dsp:sp modelId="{B21442F9-A06F-4630-B09F-3A54EED0F62D}">
-      <dsp:nvSpPr>
-        <dsp:cNvPr id="0" name=""/>
-        <dsp:cNvSpPr/>
-      </dsp:nvSpPr>
-      <dsp:spPr>
-        <a:xfrm>
-          <a:off x="10510584" y="3567184"/>
-          <a:ext cx="1176714" cy="706028"/>
-        </a:xfrm>
-        <a:prstGeom prst="rect">
-          <a:avLst/>
-        </a:prstGeom>
-        <a:noFill/>
-        <a:ln>
-          <a:noFill/>
-        </a:ln>
-        <a:effectLst/>
-        <a:sp3d/>
-      </dsp:spPr>
-      <dsp:style>
-        <a:lnRef idx="0">
-          <a:scrgbClr r="0" g="0" b="0"/>
-        </a:lnRef>
-        <a:fillRef idx="0">
-          <a:scrgbClr r="0" g="0" b="0"/>
-        </a:fillRef>
-        <a:effectRef idx="0">
-          <a:scrgbClr r="0" g="0" b="0"/>
-        </a:effectRef>
-        <a:fontRef idx="minor"/>
-      </dsp:style>
-      <dsp:txBody>
-        <a:bodyPr spcFirstLastPara="0" vert="horz" wrap="square" lIns="99568" tIns="99568" rIns="99568" bIns="99568" numCol="1" spcCol="1270" anchor="ctr" anchorCtr="0">
-          <a:noAutofit/>
-        </a:bodyPr>
-        <a:lstStyle/>
-        <a:p>
-          <a:pPr lvl="0" algn="ctr" defTabSz="622300" rtl="0">
-            <a:lnSpc>
-              <a:spcPct val="90000"/>
-            </a:lnSpc>
-            <a:spcBef>
-              <a:spcPct val="0"/>
-            </a:spcBef>
-            <a:spcAft>
-              <a:spcPct val="35000"/>
-            </a:spcAft>
-          </a:pPr>
-          <a:r>
-            <a:rPr lang="en-US" sz="1400" b="1" kern="1200" dirty="0" smtClean="0">
-              <a:solidFill>
-                <a:schemeClr val="accent4">
-                  <a:lumMod val="50000"/>
-                </a:schemeClr>
-              </a:solidFill>
-            </a:rPr>
-            <a:t>R</a:t>
-          </a:r>
-          <a:endParaRPr lang="en-US" sz="1400" b="1" kern="1200" dirty="0">
-            <a:solidFill>
-              <a:schemeClr val="accent4">
-                <a:lumMod val="50000"/>
-              </a:schemeClr>
-            </a:solidFill>
-          </a:endParaRPr>
-        </a:p>
-      </dsp:txBody>
-      <dsp:txXfrm>
-        <a:off x="10510584" y="3567184"/>
-        <a:ext cx="1176714" cy="706028"/>
-      </dsp:txXfrm>
-    </dsp:sp>
   </dsp:spTree>
 </dsp:drawing>
 </file>
@@ -26977,7 +18604,7 @@
           <a:p>
             <a:fld id="{B29F3420-C2EF-4F9B-B7E0-7B1D6CD072D5}" type="datetimeFigureOut">
               <a:rPr lang="en-US" smtClean="0"/>
-              <a:t>11/6/2013</a:t>
+              <a:t>5/3/2014</a:t>
             </a:fld>
             <a:endParaRPr lang="en-US" dirty="0"/>
           </a:p>
@@ -27142,7 +18769,7 @@
           <a:p>
             <a:fld id="{F81B89EF-20F4-41E1-849C-92F341F1F0A0}" type="datetimeFigureOut">
               <a:rPr lang="en-US" smtClean="0"/>
-              <a:t>11/6/2013</a:t>
+              <a:t>5/3/2014</a:t>
             </a:fld>
             <a:endParaRPr lang="en-US" dirty="0"/>
           </a:p>
@@ -28608,7 +20235,7 @@
                 </a:solidFill>
               </a:rPr>
               <a:pPr/>
-              <a:t>11/6/2013</a:t>
+              <a:t>5/3/2014</a:t>
             </a:fld>
             <a:endParaRPr lang="en-US" dirty="0">
               <a:solidFill>
@@ -28865,7 +20492,7 @@
                 </a:solidFill>
               </a:rPr>
               <a:pPr/>
-              <a:t>11/6/2013</a:t>
+              <a:t>5/3/2014</a:t>
             </a:fld>
             <a:endParaRPr lang="en-US" dirty="0">
               <a:solidFill>
@@ -29077,7 +20704,7 @@
                 </a:solidFill>
               </a:rPr>
               <a:pPr/>
-              <a:t>11/6/2013</a:t>
+              <a:t>5/3/2014</a:t>
             </a:fld>
             <a:endParaRPr lang="en-US" dirty="0">
               <a:solidFill>
@@ -29360,7 +20987,7 @@
                 </a:solidFill>
               </a:rPr>
               <a:pPr/>
-              <a:t>11/6/2013</a:t>
+              <a:t>5/3/2014</a:t>
             </a:fld>
             <a:endParaRPr lang="en-US" dirty="0">
               <a:solidFill>
@@ -29647,7 +21274,7 @@
                 </a:solidFill>
               </a:rPr>
               <a:pPr/>
-              <a:t>11/6/2013</a:t>
+              <a:t>5/3/2014</a:t>
             </a:fld>
             <a:endParaRPr lang="en-US" dirty="0">
               <a:solidFill>
@@ -30001,7 +21628,7 @@
                 </a:solidFill>
               </a:rPr>
               <a:pPr/>
-              <a:t>11/6/2013</a:t>
+              <a:t>5/3/2014</a:t>
             </a:fld>
             <a:endParaRPr lang="en-US" dirty="0">
               <a:solidFill>
@@ -30457,7 +22084,7 @@
                 </a:solidFill>
               </a:rPr>
               <a:pPr/>
-              <a:t>11/6/2013</a:t>
+              <a:t>5/3/2014</a:t>
             </a:fld>
             <a:endParaRPr lang="en-US" dirty="0">
               <a:solidFill>
@@ -30607,7 +22234,7 @@
                 </a:solidFill>
               </a:rPr>
               <a:pPr/>
-              <a:t>11/6/2013</a:t>
+              <a:t>5/3/2014</a:t>
             </a:fld>
             <a:endParaRPr lang="en-US" dirty="0">
               <a:solidFill>
@@ -30734,7 +22361,7 @@
                 </a:solidFill>
               </a:rPr>
               <a:pPr/>
-              <a:t>11/6/2013</a:t>
+              <a:t>5/3/2014</a:t>
             </a:fld>
             <a:endParaRPr lang="en-US" dirty="0">
               <a:solidFill>
@@ -31019,7 +22646,7 @@
                 </a:solidFill>
               </a:rPr>
               <a:pPr/>
-              <a:t>11/6/2013</a:t>
+              <a:t>5/3/2014</a:t>
             </a:fld>
             <a:endParaRPr lang="en-US" dirty="0">
               <a:solidFill>
@@ -31330,7 +22957,7 @@
                 </a:solidFill>
               </a:rPr>
               <a:pPr/>
-              <a:t>11/6/2013</a:t>
+              <a:t>5/3/2014</a:t>
             </a:fld>
             <a:endParaRPr lang="en-US" dirty="0">
               <a:solidFill>
@@ -31700,7 +23327,7 @@
                 </a:solidFill>
               </a:rPr>
               <a:pPr defTabSz="914126"/>
-              <a:t>11/6/2013</a:t>
+              <a:t>5/3/2014</a:t>
             </a:fld>
             <a:endParaRPr lang="en-US" dirty="0">
               <a:solidFill>
@@ -33755,18 +25382,7 @@
                 <a:ea typeface="+mj-ea"/>
                 <a:cs typeface="Aharoni" panose="02010803020104030203" pitchFamily="2" charset="-79"/>
               </a:rPr>
-              <a:t>Because </a:t>
-            </a:r>
-            <a:r>
-              <a:rPr lang="en-US" sz="2800" dirty="0">
-                <a:solidFill>
-                  <a:schemeClr val="accent2"/>
-                </a:solidFill>
-                <a:latin typeface="Gadugi" panose="020B0502040204020203" pitchFamily="34" charset="0"/>
-                <a:ea typeface="+mj-ea"/>
-                <a:cs typeface="Aharoni" panose="02010803020104030203" pitchFamily="2" charset="-79"/>
-              </a:rPr>
-              <a:t>data!</a:t>
+              <a:t>Because data!</a:t>
             </a:r>
           </a:p>
         </p:txBody>

--- a/Type Providers/Type Providers.pptx
+++ b/Type Providers/Type Providers.pptx
@@ -18604,7 +18604,7 @@
           <a:p>
             <a:fld id="{B29F3420-C2EF-4F9B-B7E0-7B1D6CD072D5}" type="datetimeFigureOut">
               <a:rPr lang="en-US" smtClean="0"/>
-              <a:t>5/3/2014</a:t>
+              <a:t>7/11/2014</a:t>
             </a:fld>
             <a:endParaRPr lang="en-US" dirty="0"/>
           </a:p>
@@ -18769,7 +18769,7 @@
           <a:p>
             <a:fld id="{F81B89EF-20F4-41E1-849C-92F341F1F0A0}" type="datetimeFigureOut">
               <a:rPr lang="en-US" smtClean="0"/>
-              <a:t>5/3/2014</a:t>
+              <a:t>7/11/2014</a:t>
             </a:fld>
             <a:endParaRPr lang="en-US" dirty="0"/>
           </a:p>
@@ -20235,7 +20235,7 @@
                 </a:solidFill>
               </a:rPr>
               <a:pPr/>
-              <a:t>5/3/2014</a:t>
+              <a:t>7/11/2014</a:t>
             </a:fld>
             <a:endParaRPr lang="en-US" dirty="0">
               <a:solidFill>
@@ -20492,7 +20492,7 @@
                 </a:solidFill>
               </a:rPr>
               <a:pPr/>
-              <a:t>5/3/2014</a:t>
+              <a:t>7/11/2014</a:t>
             </a:fld>
             <a:endParaRPr lang="en-US" dirty="0">
               <a:solidFill>
@@ -20704,7 +20704,7 @@
                 </a:solidFill>
               </a:rPr>
               <a:pPr/>
-              <a:t>5/3/2014</a:t>
+              <a:t>7/11/2014</a:t>
             </a:fld>
             <a:endParaRPr lang="en-US" dirty="0">
               <a:solidFill>
@@ -20987,7 +20987,7 @@
                 </a:solidFill>
               </a:rPr>
               <a:pPr/>
-              <a:t>5/3/2014</a:t>
+              <a:t>7/11/2014</a:t>
             </a:fld>
             <a:endParaRPr lang="en-US" dirty="0">
               <a:solidFill>
@@ -21274,7 +21274,7 @@
                 </a:solidFill>
               </a:rPr>
               <a:pPr/>
-              <a:t>5/3/2014</a:t>
+              <a:t>7/11/2014</a:t>
             </a:fld>
             <a:endParaRPr lang="en-US" dirty="0">
               <a:solidFill>
@@ -21628,7 +21628,7 @@
                 </a:solidFill>
               </a:rPr>
               <a:pPr/>
-              <a:t>5/3/2014</a:t>
+              <a:t>7/11/2014</a:t>
             </a:fld>
             <a:endParaRPr lang="en-US" dirty="0">
               <a:solidFill>
@@ -22084,7 +22084,7 @@
                 </a:solidFill>
               </a:rPr>
               <a:pPr/>
-              <a:t>5/3/2014</a:t>
+              <a:t>7/11/2014</a:t>
             </a:fld>
             <a:endParaRPr lang="en-US" dirty="0">
               <a:solidFill>
@@ -22234,7 +22234,7 @@
                 </a:solidFill>
               </a:rPr>
               <a:pPr/>
-              <a:t>5/3/2014</a:t>
+              <a:t>7/11/2014</a:t>
             </a:fld>
             <a:endParaRPr lang="en-US" dirty="0">
               <a:solidFill>
@@ -22361,7 +22361,7 @@
                 </a:solidFill>
               </a:rPr>
               <a:pPr/>
-              <a:t>5/3/2014</a:t>
+              <a:t>7/11/2014</a:t>
             </a:fld>
             <a:endParaRPr lang="en-US" dirty="0">
               <a:solidFill>
@@ -22646,7 +22646,7 @@
                 </a:solidFill>
               </a:rPr>
               <a:pPr/>
-              <a:t>5/3/2014</a:t>
+              <a:t>7/11/2014</a:t>
             </a:fld>
             <a:endParaRPr lang="en-US" dirty="0">
               <a:solidFill>
@@ -22957,7 +22957,7 @@
                 </a:solidFill>
               </a:rPr>
               <a:pPr/>
-              <a:t>5/3/2014</a:t>
+              <a:t>7/11/2014</a:t>
             </a:fld>
             <a:endParaRPr lang="en-US" dirty="0">
               <a:solidFill>
@@ -23327,7 +23327,7 @@
                 </a:solidFill>
               </a:rPr>
               <a:pPr defTabSz="914126"/>
-              <a:t>5/3/2014</a:t>
+              <a:t>7/11/2014</a:t>
             </a:fld>
             <a:endParaRPr lang="en-US" dirty="0">
               <a:solidFill>

--- a/Type Providers/Type Providers.pptx
+++ b/Type Providers/Type Providers.pptx
@@ -23,7 +23,7 @@
     <p:sldId id="307" r:id="rId11"/>
     <p:sldId id="288" r:id="rId12"/>
     <p:sldId id="292" r:id="rId13"/>
-    <p:sldId id="315" r:id="rId14"/>
+    <p:sldId id="316" r:id="rId14"/>
   </p:sldIdLst>
   <p:sldSz cx="12188825" cy="6858000"/>
   <p:notesSz cx="6858000" cy="9144000"/>
@@ -159,13 +159,13 @@
         </p14:section>
         <p14:section name="Fin" id="{5F1EF70A-8888-4D30-BC25-BF9736AC4D9E}">
           <p14:sldIdLst>
-            <p14:sldId id="315"/>
+            <p14:sldId id="316"/>
           </p14:sldIdLst>
         </p14:section>
       </p14:sectionLst>
     </p:ext>
     <p:ext uri="{EFAFB233-063F-42B5-8137-9DF3F51BA10A}">
-      <p15:sldGuideLst xmlns:p15="http://schemas.microsoft.com/office/powerpoint/2012/main">
+      <p15:sldGuideLst xmlns:p15="http://schemas.microsoft.com/office/powerpoint/2012/main" xmlns="">
         <p15:guide id="1" pos="3383" userDrawn="1">
           <p15:clr>
             <a:srgbClr val="A4A3A4"/>
@@ -184,7 +184,7 @@
       </p15:sldGuideLst>
     </p:ext>
     <p:ext uri="{2D200454-40CA-4A62-9FC3-DE9A4176ACB9}">
-      <p15:notesGuideLst xmlns:p15="http://schemas.microsoft.com/office/powerpoint/2012/main"/>
+      <p15:notesGuideLst xmlns:p15="http://schemas.microsoft.com/office/powerpoint/2012/main" xmlns=""/>
     </p:ext>
   </p:extLst>
 </p:presentation>
@@ -193,11 +193,7 @@
 <file path=ppt/commentAuthors.xml><?xml version="1.0" encoding="utf-8"?>
 <p:cmAuthorLst xmlns:a="http://schemas.openxmlformats.org/drawingml/2006/main" xmlns:r="http://schemas.openxmlformats.org/officeDocument/2006/relationships" xmlns:p="http://schemas.openxmlformats.org/presentationml/2006/main">
   <p:cmAuthor id="1" name="rachel reese" initials="rr" lastIdx="1" clrIdx="0">
-    <p:extLst>
-      <p:ext uri="{19B8F6BF-5375-455C-9EA6-DF929625EA0E}">
-        <p15:presenceInfo xmlns:p15="http://schemas.microsoft.com/office/powerpoint/2012/main" userId="0db48057b5979212" providerId="Windows Live"/>
-      </p:ext>
-    </p:extLst>
+    <p:extLst/>
   </p:cmAuthor>
 </p:cmAuthorLst>
 </file>
@@ -4711,10 +4707,10 @@
         <a:p>
           <a:pPr rtl="0"/>
           <a:r>
-            <a:rPr lang="en-US" sz="2000" b="1" dirty="0" smtClean="0"/>
+            <a:rPr lang="en-US" sz="1900" b="1" dirty="0" smtClean="0"/>
             <a:t>Create infrastructure</a:t>
           </a:r>
-          <a:endParaRPr lang="en-US" sz="2000" b="1" dirty="0"/>
+          <a:endParaRPr lang="en-US" sz="1900" b="1" dirty="0"/>
         </a:p>
       </dgm:t>
     </dgm:pt>
@@ -4787,10 +4783,10 @@
         <a:p>
           <a:pPr rtl="0"/>
           <a:r>
-            <a:rPr lang="en-US" sz="2000" b="1" dirty="0" smtClean="0"/>
+            <a:rPr lang="en-US" sz="1900" b="1" dirty="0" smtClean="0"/>
             <a:t>Set up connection</a:t>
           </a:r>
-          <a:endParaRPr lang="en-US" sz="2000" b="1" dirty="0"/>
+          <a:endParaRPr lang="en-US" sz="1900" b="1" dirty="0"/>
         </a:p>
       </dgm:t>
     </dgm:pt>
@@ -5410,8 +5406,8 @@
     <dgm:cxn modelId="{D56EB2D8-5FDF-4692-9920-FD79A3311815}" type="presOf" srcId="{0B1D3EB6-DDAD-4074-AD89-1328ED184427}" destId="{00C18325-64BA-4230-8D42-A8CBBE2E541A}" srcOrd="0" destOrd="0" presId="urn:microsoft.com/office/officeart/2008/layout/AlternatingPictureBlocks"/>
     <dgm:cxn modelId="{5605B05D-9DD7-4070-B3CE-BAEE4864C5BE}" type="presOf" srcId="{F48CB2E3-D8BE-404E-A0D2-EEB3E1242A50}" destId="{538C1F93-2633-4DB7-AA7D-A5DE4FC8CB5A}" srcOrd="0" destOrd="0" presId="urn:microsoft.com/office/officeart/2008/layout/AlternatingPictureBlocks"/>
     <dgm:cxn modelId="{9725BDCF-4BB2-42FD-A2FB-17C284C08CD7}" srcId="{4E1E4C3E-5D80-4250-A36F-E2D6F8CE2114}" destId="{0B1D3EB6-DDAD-4074-AD89-1328ED184427}" srcOrd="1" destOrd="0" parTransId="{A0B0BA24-7BBD-4169-A6E4-C30BE3C7D4C6}" sibTransId="{02B22490-15FC-4C3F-8863-8A3E5A29C80C}"/>
+    <dgm:cxn modelId="{DF629EDD-CDDD-4422-BD5A-CACB7A74E2A8}" srcId="{0B1D3EB6-DDAD-4074-AD89-1328ED184427}" destId="{B9CFF899-EA87-447F-8310-377F7EA336B9}" srcOrd="0" destOrd="0" parTransId="{516D0FCC-58B7-4A3F-875C-505C5BEE0B2A}" sibTransId="{DDC7F697-1D79-4A68-AD43-E40B28D1EE4E}"/>
     <dgm:cxn modelId="{B3060CEB-B955-4ABF-8714-857ED9A2A44F}" srcId="{0B1D3EB6-DDAD-4074-AD89-1328ED184427}" destId="{B5557B3C-A729-44E7-B06E-8E406FFFF1BD}" srcOrd="1" destOrd="0" parTransId="{9B0ACE6D-CF28-47A6-BE42-2EE8D0A3E2E5}" sibTransId="{138A8399-7FDA-4CA4-AB2B-D6D64FA5D682}"/>
-    <dgm:cxn modelId="{DF629EDD-CDDD-4422-BD5A-CACB7A74E2A8}" srcId="{0B1D3EB6-DDAD-4074-AD89-1328ED184427}" destId="{B9CFF899-EA87-447F-8310-377F7EA336B9}" srcOrd="0" destOrd="0" parTransId="{516D0FCC-58B7-4A3F-875C-505C5BEE0B2A}" sibTransId="{DDC7F697-1D79-4A68-AD43-E40B28D1EE4E}"/>
     <dgm:cxn modelId="{E1B13E87-781A-4F9F-97A0-C3B2392EABE4}" srcId="{4E1E4C3E-5D80-4250-A36F-E2D6F8CE2114}" destId="{F48CB2E3-D8BE-404E-A0D2-EEB3E1242A50}" srcOrd="0" destOrd="0" parTransId="{6CF4DB19-53FF-4B32-AC92-262597995234}" sibTransId="{82AB8F63-BF4E-41E3-9A9D-3BCBF2FE527C}"/>
     <dgm:cxn modelId="{3A6F834D-3602-42EA-AFA3-C4E4D706522C}" type="presOf" srcId="{B9CFF899-EA87-447F-8310-377F7EA336B9}" destId="{00C18325-64BA-4230-8D42-A8CBBE2E541A}" srcOrd="0" destOrd="1" presId="urn:microsoft.com/office/officeart/2008/layout/AlternatingPictureBlocks"/>
     <dgm:cxn modelId="{ACE51563-F509-4B08-90DE-35F8A1487771}" type="presOf" srcId="{1B025A62-D98E-488F-8749-BA0463D60F82}" destId="{00C18325-64BA-4230-8D42-A8CBBE2E541A}" srcOrd="0" destOrd="3" presId="urn:microsoft.com/office/officeart/2008/layout/AlternatingPictureBlocks"/>
@@ -10336,6 +10332,769 @@
       <dsp:cNvGrpSpPr/>
     </dsp:nvGrpSpPr>
     <dsp:grpSpPr/>
+    <dsp:sp modelId="{A879180F-50BF-4B32-B90B-DFC2404A1B47}">
+      <dsp:nvSpPr>
+        <dsp:cNvPr id="0" name=""/>
+        <dsp:cNvSpPr/>
+      </dsp:nvSpPr>
+      <dsp:spPr>
+        <a:xfrm>
+          <a:off x="136015" y="1421"/>
+          <a:ext cx="814433" cy="771419"/>
+        </a:xfrm>
+        <a:prstGeom prst="ellipse">
+          <a:avLst/>
+        </a:prstGeom>
+        <a:solidFill>
+          <a:schemeClr val="accent2"/>
+        </a:solidFill>
+        <a:ln w="19050" cap="flat" cmpd="sng" algn="ctr">
+          <a:noFill/>
+          <a:prstDash val="solid"/>
+        </a:ln>
+        <a:effectLst/>
+      </dsp:spPr>
+      <dsp:style>
+        <a:lnRef idx="2">
+          <a:scrgbClr r="0" g="0" b="0"/>
+        </a:lnRef>
+        <a:fillRef idx="1">
+          <a:scrgbClr r="0" g="0" b="0"/>
+        </a:fillRef>
+        <a:effectRef idx="0">
+          <a:scrgbClr r="0" g="0" b="0"/>
+        </a:effectRef>
+        <a:fontRef idx="minor">
+          <a:schemeClr val="tx1"/>
+        </a:fontRef>
+      </dsp:style>
+    </dsp:sp>
+    <dsp:sp modelId="{9D7505BE-E95B-4782-B800-B4F8FA270A88}">
+      <dsp:nvSpPr>
+        <dsp:cNvPr id="0" name=""/>
+        <dsp:cNvSpPr/>
+      </dsp:nvSpPr>
+      <dsp:spPr>
+        <a:xfrm>
+          <a:off x="498387" y="1421"/>
+          <a:ext cx="6106248" cy="771419"/>
+        </a:xfrm>
+        <a:prstGeom prst="rect">
+          <a:avLst/>
+        </a:prstGeom>
+        <a:noFill/>
+        <a:ln>
+          <a:noFill/>
+        </a:ln>
+        <a:effectLst/>
+      </dsp:spPr>
+      <dsp:style>
+        <a:lnRef idx="0">
+          <a:scrgbClr r="0" g="0" b="0"/>
+        </a:lnRef>
+        <a:fillRef idx="0">
+          <a:scrgbClr r="0" g="0" b="0"/>
+        </a:fillRef>
+        <a:effectRef idx="0">
+          <a:scrgbClr r="0" g="0" b="0"/>
+        </a:effectRef>
+        <a:fontRef idx="minor"/>
+      </dsp:style>
+      <dsp:txBody>
+        <a:bodyPr spcFirstLastPara="0" vert="horz" wrap="square" lIns="0" tIns="0" rIns="0" bIns="0" numCol="1" spcCol="1270" anchor="ctr" anchorCtr="0">
+          <a:noAutofit/>
+        </a:bodyPr>
+        <a:lstStyle/>
+        <a:p>
+          <a:pPr lvl="0" algn="l" defTabSz="1200150" rtl="0">
+            <a:lnSpc>
+              <a:spcPct val="90000"/>
+            </a:lnSpc>
+            <a:spcBef>
+              <a:spcPct val="0"/>
+            </a:spcBef>
+            <a:spcAft>
+              <a:spcPct val="35000"/>
+            </a:spcAft>
+          </a:pPr>
+          <a:r>
+            <a:rPr lang="en-US" sz="2700" b="1" kern="1200" dirty="0" smtClean="0">
+              <a:solidFill>
+                <a:schemeClr val="accent4">
+                  <a:lumMod val="50000"/>
+                </a:schemeClr>
+              </a:solidFill>
+            </a:rPr>
+            <a:t>Simple code to solve complex problems</a:t>
+          </a:r>
+          <a:endParaRPr lang="en-US" sz="2700" b="1" kern="1200" dirty="0">
+            <a:solidFill>
+              <a:schemeClr val="accent4">
+                <a:lumMod val="50000"/>
+              </a:schemeClr>
+            </a:solidFill>
+          </a:endParaRPr>
+        </a:p>
+      </dsp:txBody>
+      <dsp:txXfrm>
+        <a:off x="498387" y="1421"/>
+        <a:ext cx="6106248" cy="771419"/>
+      </dsp:txXfrm>
+    </dsp:sp>
+    <dsp:sp modelId="{D3E27A4E-39E7-4FDF-A936-91F7C6FB0D5B}">
+      <dsp:nvSpPr>
+        <dsp:cNvPr id="0" name=""/>
+        <dsp:cNvSpPr/>
+      </dsp:nvSpPr>
+      <dsp:spPr>
+        <a:xfrm>
+          <a:off x="136017" y="772840"/>
+          <a:ext cx="814433" cy="771419"/>
+        </a:xfrm>
+        <a:prstGeom prst="ellipse">
+          <a:avLst/>
+        </a:prstGeom>
+        <a:solidFill>
+          <a:schemeClr val="accent2"/>
+        </a:solidFill>
+        <a:ln w="19050" cap="flat" cmpd="sng" algn="ctr">
+          <a:noFill/>
+          <a:prstDash val="solid"/>
+        </a:ln>
+        <a:effectLst/>
+      </dsp:spPr>
+      <dsp:style>
+        <a:lnRef idx="2">
+          <a:scrgbClr r="0" g="0" b="0"/>
+        </a:lnRef>
+        <a:fillRef idx="1">
+          <a:scrgbClr r="0" g="0" b="0"/>
+        </a:fillRef>
+        <a:effectRef idx="0">
+          <a:scrgbClr r="0" g="0" b="0"/>
+        </a:effectRef>
+        <a:fontRef idx="minor">
+          <a:schemeClr val="tx1"/>
+        </a:fontRef>
+      </dsp:style>
+    </dsp:sp>
+    <dsp:sp modelId="{4F0E6DBE-4889-4DBE-88ED-815075711E9C}">
+      <dsp:nvSpPr>
+        <dsp:cNvPr id="0" name=""/>
+        <dsp:cNvSpPr/>
+      </dsp:nvSpPr>
+      <dsp:spPr>
+        <a:xfrm>
+          <a:off x="500295" y="772840"/>
+          <a:ext cx="4345301" cy="771419"/>
+        </a:xfrm>
+        <a:prstGeom prst="rect">
+          <a:avLst/>
+        </a:prstGeom>
+        <a:noFill/>
+        <a:ln>
+          <a:noFill/>
+        </a:ln>
+        <a:effectLst/>
+      </dsp:spPr>
+      <dsp:style>
+        <a:lnRef idx="0">
+          <a:scrgbClr r="0" g="0" b="0"/>
+        </a:lnRef>
+        <a:fillRef idx="0">
+          <a:scrgbClr r="0" g="0" b="0"/>
+        </a:fillRef>
+        <a:effectRef idx="0">
+          <a:scrgbClr r="0" g="0" b="0"/>
+        </a:effectRef>
+        <a:fontRef idx="minor"/>
+      </dsp:style>
+      <dsp:txBody>
+        <a:bodyPr spcFirstLastPara="0" vert="horz" wrap="square" lIns="0" tIns="0" rIns="0" bIns="0" numCol="1" spcCol="1270" anchor="ctr" anchorCtr="0">
+          <a:noAutofit/>
+        </a:bodyPr>
+        <a:lstStyle/>
+        <a:p>
+          <a:pPr lvl="0" algn="l" defTabSz="1200150" rtl="0">
+            <a:lnSpc>
+              <a:spcPct val="90000"/>
+            </a:lnSpc>
+            <a:spcBef>
+              <a:spcPct val="0"/>
+            </a:spcBef>
+            <a:spcAft>
+              <a:spcPct val="35000"/>
+            </a:spcAft>
+          </a:pPr>
+          <a:r>
+            <a:rPr lang="en-US" sz="2700" b="1" kern="1200" dirty="0" smtClean="0">
+              <a:solidFill>
+                <a:schemeClr val="accent4">
+                  <a:lumMod val="50000"/>
+                </a:schemeClr>
+              </a:solidFill>
+            </a:rPr>
+            <a:t>Less code</a:t>
+          </a:r>
+          <a:endParaRPr lang="en-US" sz="2700" b="1" kern="1200" dirty="0">
+            <a:solidFill>
+              <a:schemeClr val="accent4">
+                <a:lumMod val="50000"/>
+              </a:schemeClr>
+            </a:solidFill>
+          </a:endParaRPr>
+        </a:p>
+      </dsp:txBody>
+      <dsp:txXfrm>
+        <a:off x="500295" y="772840"/>
+        <a:ext cx="4345301" cy="771419"/>
+      </dsp:txXfrm>
+    </dsp:sp>
+    <dsp:sp modelId="{D78072D7-B72F-4A31-9BF4-6881136300DE}">
+      <dsp:nvSpPr>
+        <dsp:cNvPr id="0" name=""/>
+        <dsp:cNvSpPr/>
+      </dsp:nvSpPr>
+      <dsp:spPr>
+        <a:xfrm>
+          <a:off x="136017" y="1544259"/>
+          <a:ext cx="814433" cy="771419"/>
+        </a:xfrm>
+        <a:prstGeom prst="ellipse">
+          <a:avLst/>
+        </a:prstGeom>
+        <a:solidFill>
+          <a:schemeClr val="accent2"/>
+        </a:solidFill>
+        <a:ln w="19050" cap="flat" cmpd="sng" algn="ctr">
+          <a:noFill/>
+          <a:prstDash val="solid"/>
+        </a:ln>
+        <a:effectLst/>
+      </dsp:spPr>
+      <dsp:style>
+        <a:lnRef idx="2">
+          <a:scrgbClr r="0" g="0" b="0"/>
+        </a:lnRef>
+        <a:fillRef idx="1">
+          <a:scrgbClr r="0" g="0" b="0"/>
+        </a:fillRef>
+        <a:effectRef idx="0">
+          <a:scrgbClr r="0" g="0" b="0"/>
+        </a:effectRef>
+        <a:fontRef idx="minor">
+          <a:schemeClr val="tx1"/>
+        </a:fontRef>
+      </dsp:style>
+    </dsp:sp>
+    <dsp:sp modelId="{4BAB954E-B909-4E4F-B8BA-DD439451962C}">
+      <dsp:nvSpPr>
+        <dsp:cNvPr id="0" name=""/>
+        <dsp:cNvSpPr/>
+      </dsp:nvSpPr>
+      <dsp:spPr>
+        <a:xfrm>
+          <a:off x="500295" y="1544259"/>
+          <a:ext cx="4345301" cy="771419"/>
+        </a:xfrm>
+        <a:prstGeom prst="rect">
+          <a:avLst/>
+        </a:prstGeom>
+        <a:noFill/>
+        <a:ln>
+          <a:noFill/>
+        </a:ln>
+        <a:effectLst/>
+      </dsp:spPr>
+      <dsp:style>
+        <a:lnRef idx="0">
+          <a:scrgbClr r="0" g="0" b="0"/>
+        </a:lnRef>
+        <a:fillRef idx="0">
+          <a:scrgbClr r="0" g="0" b="0"/>
+        </a:fillRef>
+        <a:effectRef idx="0">
+          <a:scrgbClr r="0" g="0" b="0"/>
+        </a:effectRef>
+        <a:fontRef idx="minor"/>
+      </dsp:style>
+      <dsp:txBody>
+        <a:bodyPr spcFirstLastPara="0" vert="horz" wrap="square" lIns="0" tIns="0" rIns="0" bIns="0" numCol="1" spcCol="1270" anchor="ctr" anchorCtr="0">
+          <a:noAutofit/>
+        </a:bodyPr>
+        <a:lstStyle/>
+        <a:p>
+          <a:pPr lvl="0" algn="l" defTabSz="1200150" rtl="0">
+            <a:lnSpc>
+              <a:spcPct val="90000"/>
+            </a:lnSpc>
+            <a:spcBef>
+              <a:spcPct val="0"/>
+            </a:spcBef>
+            <a:spcAft>
+              <a:spcPct val="35000"/>
+            </a:spcAft>
+          </a:pPr>
+          <a:r>
+            <a:rPr lang="en-US" sz="2700" b="1" kern="1200" dirty="0" smtClean="0">
+              <a:solidFill>
+                <a:schemeClr val="accent4">
+                  <a:lumMod val="50000"/>
+                </a:schemeClr>
+              </a:solidFill>
+            </a:rPr>
+            <a:t>Fewer bugs</a:t>
+          </a:r>
+          <a:endParaRPr lang="en-US" sz="2700" b="1" kern="1200" dirty="0">
+            <a:solidFill>
+              <a:schemeClr val="accent4">
+                <a:lumMod val="50000"/>
+              </a:schemeClr>
+            </a:solidFill>
+          </a:endParaRPr>
+        </a:p>
+      </dsp:txBody>
+      <dsp:txXfrm>
+        <a:off x="500295" y="1544259"/>
+        <a:ext cx="4345301" cy="771419"/>
+      </dsp:txXfrm>
+    </dsp:sp>
+    <dsp:sp modelId="{950A4424-4E27-4346-BE1F-8A1BDC0825E5}">
+      <dsp:nvSpPr>
+        <dsp:cNvPr id="0" name=""/>
+        <dsp:cNvSpPr/>
+      </dsp:nvSpPr>
+      <dsp:spPr>
+        <a:xfrm>
+          <a:off x="136017" y="2315679"/>
+          <a:ext cx="814433" cy="771419"/>
+        </a:xfrm>
+        <a:prstGeom prst="ellipse">
+          <a:avLst/>
+        </a:prstGeom>
+        <a:solidFill>
+          <a:schemeClr val="accent2"/>
+        </a:solidFill>
+        <a:ln w="19050" cap="flat" cmpd="sng" algn="ctr">
+          <a:noFill/>
+          <a:prstDash val="solid"/>
+        </a:ln>
+        <a:effectLst/>
+      </dsp:spPr>
+      <dsp:style>
+        <a:lnRef idx="2">
+          <a:scrgbClr r="0" g="0" b="0"/>
+        </a:lnRef>
+        <a:fillRef idx="1">
+          <a:scrgbClr r="0" g="0" b="0"/>
+        </a:fillRef>
+        <a:effectRef idx="0">
+          <a:scrgbClr r="0" g="0" b="0"/>
+        </a:effectRef>
+        <a:fontRef idx="minor">
+          <a:schemeClr val="tx1"/>
+        </a:fontRef>
+      </dsp:style>
+    </dsp:sp>
+    <dsp:sp modelId="{490A854D-8ABF-439C-B4F8-D9B8E7761A81}">
+      <dsp:nvSpPr>
+        <dsp:cNvPr id="0" name=""/>
+        <dsp:cNvSpPr/>
+      </dsp:nvSpPr>
+      <dsp:spPr>
+        <a:xfrm>
+          <a:off x="500295" y="2315679"/>
+          <a:ext cx="4345301" cy="771419"/>
+        </a:xfrm>
+        <a:prstGeom prst="rect">
+          <a:avLst/>
+        </a:prstGeom>
+        <a:noFill/>
+        <a:ln>
+          <a:noFill/>
+        </a:ln>
+        <a:effectLst/>
+      </dsp:spPr>
+      <dsp:style>
+        <a:lnRef idx="0">
+          <a:scrgbClr r="0" g="0" b="0"/>
+        </a:lnRef>
+        <a:fillRef idx="0">
+          <a:scrgbClr r="0" g="0" b="0"/>
+        </a:fillRef>
+        <a:effectRef idx="0">
+          <a:scrgbClr r="0" g="0" b="0"/>
+        </a:effectRef>
+        <a:fontRef idx="minor"/>
+      </dsp:style>
+      <dsp:txBody>
+        <a:bodyPr spcFirstLastPara="0" vert="horz" wrap="square" lIns="0" tIns="0" rIns="0" bIns="0" numCol="1" spcCol="1270" anchor="ctr" anchorCtr="0">
+          <a:noAutofit/>
+        </a:bodyPr>
+        <a:lstStyle/>
+        <a:p>
+          <a:pPr lvl="0" algn="l" defTabSz="1200150" rtl="0">
+            <a:lnSpc>
+              <a:spcPct val="90000"/>
+            </a:lnSpc>
+            <a:spcBef>
+              <a:spcPct val="0"/>
+            </a:spcBef>
+            <a:spcAft>
+              <a:spcPct val="35000"/>
+            </a:spcAft>
+          </a:pPr>
+          <a:r>
+            <a:rPr lang="en-US" sz="2700" b="1" kern="1200" dirty="0" smtClean="0">
+              <a:solidFill>
+                <a:schemeClr val="accent4">
+                  <a:lumMod val="50000"/>
+                </a:schemeClr>
+              </a:solidFill>
+            </a:rPr>
+            <a:t>Units of measure</a:t>
+          </a:r>
+          <a:endParaRPr lang="en-US" sz="2700" b="1" kern="1200" dirty="0">
+            <a:solidFill>
+              <a:schemeClr val="accent4">
+                <a:lumMod val="50000"/>
+              </a:schemeClr>
+            </a:solidFill>
+          </a:endParaRPr>
+        </a:p>
+      </dsp:txBody>
+      <dsp:txXfrm>
+        <a:off x="500295" y="2315679"/>
+        <a:ext cx="4345301" cy="771419"/>
+      </dsp:txXfrm>
+    </dsp:sp>
+    <dsp:sp modelId="{594F943D-AFBC-456B-BDAE-9096C4CB6DA3}">
+      <dsp:nvSpPr>
+        <dsp:cNvPr id="0" name=""/>
+        <dsp:cNvSpPr/>
+      </dsp:nvSpPr>
+      <dsp:spPr>
+        <a:xfrm>
+          <a:off x="136017" y="3087098"/>
+          <a:ext cx="814433" cy="771419"/>
+        </a:xfrm>
+        <a:prstGeom prst="ellipse">
+          <a:avLst/>
+        </a:prstGeom>
+        <a:solidFill>
+          <a:schemeClr val="accent2"/>
+        </a:solidFill>
+        <a:ln w="19050" cap="flat" cmpd="sng" algn="ctr">
+          <a:noFill/>
+          <a:prstDash val="solid"/>
+        </a:ln>
+        <a:effectLst/>
+      </dsp:spPr>
+      <dsp:style>
+        <a:lnRef idx="2">
+          <a:scrgbClr r="0" g="0" b="0"/>
+        </a:lnRef>
+        <a:fillRef idx="1">
+          <a:scrgbClr r="0" g="0" b="0"/>
+        </a:fillRef>
+        <a:effectRef idx="0">
+          <a:scrgbClr r="0" g="0" b="0"/>
+        </a:effectRef>
+        <a:fontRef idx="minor">
+          <a:schemeClr val="tx1"/>
+        </a:fontRef>
+      </dsp:style>
+    </dsp:sp>
+    <dsp:sp modelId="{4A41BB03-62B6-44FE-B321-9ED22AD17D79}">
+      <dsp:nvSpPr>
+        <dsp:cNvPr id="0" name=""/>
+        <dsp:cNvSpPr/>
+      </dsp:nvSpPr>
+      <dsp:spPr>
+        <a:xfrm>
+          <a:off x="500295" y="3087098"/>
+          <a:ext cx="4345301" cy="771419"/>
+        </a:xfrm>
+        <a:prstGeom prst="rect">
+          <a:avLst/>
+        </a:prstGeom>
+        <a:noFill/>
+        <a:ln>
+          <a:noFill/>
+        </a:ln>
+        <a:effectLst/>
+      </dsp:spPr>
+      <dsp:style>
+        <a:lnRef idx="0">
+          <a:scrgbClr r="0" g="0" b="0"/>
+        </a:lnRef>
+        <a:fillRef idx="0">
+          <a:scrgbClr r="0" g="0" b="0"/>
+        </a:fillRef>
+        <a:effectRef idx="0">
+          <a:scrgbClr r="0" g="0" b="0"/>
+        </a:effectRef>
+        <a:fontRef idx="minor"/>
+      </dsp:style>
+      <dsp:txBody>
+        <a:bodyPr spcFirstLastPara="0" vert="horz" wrap="square" lIns="0" tIns="0" rIns="0" bIns="0" numCol="1" spcCol="1270" anchor="ctr" anchorCtr="0">
+          <a:noAutofit/>
+        </a:bodyPr>
+        <a:lstStyle/>
+        <a:p>
+          <a:pPr lvl="0" algn="l" defTabSz="1200150" rtl="0">
+            <a:lnSpc>
+              <a:spcPct val="90000"/>
+            </a:lnSpc>
+            <a:spcBef>
+              <a:spcPct val="0"/>
+            </a:spcBef>
+            <a:spcAft>
+              <a:spcPct val="35000"/>
+            </a:spcAft>
+          </a:pPr>
+          <a:r>
+            <a:rPr lang="en-US" sz="2700" b="1" kern="1200" smtClean="0">
+              <a:solidFill>
+                <a:schemeClr val="accent4">
+                  <a:lumMod val="50000"/>
+                </a:schemeClr>
+              </a:solidFill>
+            </a:rPr>
+            <a:t>Interoperability with .NET</a:t>
+          </a:r>
+          <a:endParaRPr lang="en-US" sz="2700" b="1" kern="1200" dirty="0">
+            <a:solidFill>
+              <a:schemeClr val="accent4">
+                <a:lumMod val="50000"/>
+              </a:schemeClr>
+            </a:solidFill>
+          </a:endParaRPr>
+        </a:p>
+      </dsp:txBody>
+      <dsp:txXfrm>
+        <a:off x="500295" y="3087098"/>
+        <a:ext cx="4345301" cy="771419"/>
+      </dsp:txXfrm>
+    </dsp:sp>
+    <dsp:sp modelId="{A1597A0B-AF1F-4B77-AB01-A97FE66BD3DC}">
+      <dsp:nvSpPr>
+        <dsp:cNvPr id="0" name=""/>
+        <dsp:cNvSpPr/>
+      </dsp:nvSpPr>
+      <dsp:spPr>
+        <a:xfrm>
+          <a:off x="136017" y="3858518"/>
+          <a:ext cx="814433" cy="771419"/>
+        </a:xfrm>
+        <a:prstGeom prst="ellipse">
+          <a:avLst/>
+        </a:prstGeom>
+        <a:solidFill>
+          <a:schemeClr val="accent2"/>
+        </a:solidFill>
+        <a:ln w="19050" cap="flat" cmpd="sng" algn="ctr">
+          <a:noFill/>
+          <a:prstDash val="solid"/>
+        </a:ln>
+        <a:effectLst/>
+      </dsp:spPr>
+      <dsp:style>
+        <a:lnRef idx="2">
+          <a:scrgbClr r="0" g="0" b="0"/>
+        </a:lnRef>
+        <a:fillRef idx="1">
+          <a:scrgbClr r="0" g="0" b="0"/>
+        </a:fillRef>
+        <a:effectRef idx="0">
+          <a:scrgbClr r="0" g="0" b="0"/>
+        </a:effectRef>
+        <a:fontRef idx="minor">
+          <a:schemeClr val="tx1"/>
+        </a:fontRef>
+      </dsp:style>
+    </dsp:sp>
+    <dsp:sp modelId="{3D807FEC-5F41-45B9-B3B0-6C48F535CB2B}">
+      <dsp:nvSpPr>
+        <dsp:cNvPr id="0" name=""/>
+        <dsp:cNvSpPr/>
+      </dsp:nvSpPr>
+      <dsp:spPr>
+        <a:xfrm>
+          <a:off x="500295" y="3858518"/>
+          <a:ext cx="4345301" cy="771419"/>
+        </a:xfrm>
+        <a:prstGeom prst="rect">
+          <a:avLst/>
+        </a:prstGeom>
+        <a:noFill/>
+        <a:ln>
+          <a:noFill/>
+        </a:ln>
+        <a:effectLst/>
+      </dsp:spPr>
+      <dsp:style>
+        <a:lnRef idx="0">
+          <a:scrgbClr r="0" g="0" b="0"/>
+        </a:lnRef>
+        <a:fillRef idx="0">
+          <a:scrgbClr r="0" g="0" b="0"/>
+        </a:fillRef>
+        <a:effectRef idx="0">
+          <a:scrgbClr r="0" g="0" b="0"/>
+        </a:effectRef>
+        <a:fontRef idx="minor"/>
+      </dsp:style>
+      <dsp:txBody>
+        <a:bodyPr spcFirstLastPara="0" vert="horz" wrap="square" lIns="0" tIns="0" rIns="0" bIns="0" numCol="1" spcCol="1270" anchor="ctr" anchorCtr="0">
+          <a:noAutofit/>
+        </a:bodyPr>
+        <a:lstStyle/>
+        <a:p>
+          <a:pPr lvl="0" algn="l" defTabSz="1200150" rtl="0">
+            <a:lnSpc>
+              <a:spcPct val="90000"/>
+            </a:lnSpc>
+            <a:spcBef>
+              <a:spcPct val="0"/>
+            </a:spcBef>
+            <a:spcAft>
+              <a:spcPct val="35000"/>
+            </a:spcAft>
+          </a:pPr>
+          <a:r>
+            <a:rPr lang="en-US" sz="2700" b="1" kern="1200" dirty="0" smtClean="0">
+              <a:solidFill>
+                <a:schemeClr val="accent4">
+                  <a:lumMod val="50000"/>
+                </a:schemeClr>
+              </a:solidFill>
+            </a:rPr>
+            <a:t>Parallelization</a:t>
+          </a:r>
+          <a:endParaRPr lang="en-US" sz="2700" b="1" kern="1200" dirty="0">
+            <a:solidFill>
+              <a:schemeClr val="accent4">
+                <a:lumMod val="50000"/>
+              </a:schemeClr>
+            </a:solidFill>
+          </a:endParaRPr>
+        </a:p>
+      </dsp:txBody>
+      <dsp:txXfrm>
+        <a:off x="500295" y="3858518"/>
+        <a:ext cx="4345301" cy="771419"/>
+      </dsp:txXfrm>
+    </dsp:sp>
+    <dsp:sp modelId="{9B63CDD7-1E5F-4159-8758-F2D52869D0FE}">
+      <dsp:nvSpPr>
+        <dsp:cNvPr id="0" name=""/>
+        <dsp:cNvSpPr/>
+      </dsp:nvSpPr>
+      <dsp:spPr>
+        <a:xfrm>
+          <a:off x="136017" y="4629937"/>
+          <a:ext cx="814433" cy="771419"/>
+        </a:xfrm>
+        <a:prstGeom prst="ellipse">
+          <a:avLst/>
+        </a:prstGeom>
+        <a:solidFill>
+          <a:schemeClr val="accent2"/>
+        </a:solidFill>
+        <a:ln w="19050" cap="flat" cmpd="sng" algn="ctr">
+          <a:noFill/>
+          <a:prstDash val="solid"/>
+        </a:ln>
+        <a:effectLst/>
+      </dsp:spPr>
+      <dsp:style>
+        <a:lnRef idx="2">
+          <a:scrgbClr r="0" g="0" b="0"/>
+        </a:lnRef>
+        <a:fillRef idx="1">
+          <a:scrgbClr r="0" g="0" b="0"/>
+        </a:fillRef>
+        <a:effectRef idx="0">
+          <a:scrgbClr r="0" g="0" b="0"/>
+        </a:effectRef>
+        <a:fontRef idx="minor">
+          <a:schemeClr val="tx1"/>
+        </a:fontRef>
+      </dsp:style>
+    </dsp:sp>
+    <dsp:sp modelId="{7336C414-45B5-45BB-84AF-46370F92F60C}">
+      <dsp:nvSpPr>
+        <dsp:cNvPr id="0" name=""/>
+        <dsp:cNvSpPr/>
+      </dsp:nvSpPr>
+      <dsp:spPr>
+        <a:xfrm>
+          <a:off x="500295" y="4629937"/>
+          <a:ext cx="4345301" cy="771419"/>
+        </a:xfrm>
+        <a:prstGeom prst="rect">
+          <a:avLst/>
+        </a:prstGeom>
+        <a:noFill/>
+        <a:ln>
+          <a:noFill/>
+        </a:ln>
+        <a:effectLst/>
+      </dsp:spPr>
+      <dsp:style>
+        <a:lnRef idx="0">
+          <a:scrgbClr r="0" g="0" b="0"/>
+        </a:lnRef>
+        <a:fillRef idx="0">
+          <a:scrgbClr r="0" g="0" b="0"/>
+        </a:fillRef>
+        <a:effectRef idx="0">
+          <a:scrgbClr r="0" g="0" b="0"/>
+        </a:effectRef>
+        <a:fontRef idx="minor"/>
+      </dsp:style>
+      <dsp:txBody>
+        <a:bodyPr spcFirstLastPara="0" vert="horz" wrap="square" lIns="0" tIns="0" rIns="0" bIns="0" numCol="1" spcCol="1270" anchor="ctr" anchorCtr="0">
+          <a:noAutofit/>
+        </a:bodyPr>
+        <a:lstStyle/>
+        <a:p>
+          <a:pPr lvl="0" algn="l" defTabSz="1422400" rtl="0">
+            <a:lnSpc>
+              <a:spcPct val="90000"/>
+            </a:lnSpc>
+            <a:spcBef>
+              <a:spcPct val="0"/>
+            </a:spcBef>
+            <a:spcAft>
+              <a:spcPct val="35000"/>
+            </a:spcAft>
+          </a:pPr>
+          <a:r>
+            <a:rPr lang="en-US" sz="3200" b="1" kern="1200" dirty="0" smtClean="0">
+              <a:solidFill>
+                <a:schemeClr val="accent4">
+                  <a:lumMod val="50000"/>
+                </a:schemeClr>
+              </a:solidFill>
+            </a:rPr>
+            <a:t>Type Providers! </a:t>
+          </a:r>
+          <a:endParaRPr lang="en-US" sz="3200" b="1" kern="1200" dirty="0">
+            <a:solidFill>
+              <a:schemeClr val="accent4">
+                <a:lumMod val="50000"/>
+              </a:schemeClr>
+            </a:solidFill>
+          </a:endParaRPr>
+        </a:p>
+      </dsp:txBody>
+      <dsp:txXfrm>
+        <a:off x="500295" y="4629937"/>
+        <a:ext cx="4345301" cy="771419"/>
+      </dsp:txXfrm>
+    </dsp:sp>
   </dsp:spTree>
 </dsp:drawing>
 </file>
@@ -10348,6 +11107,513 @@
       <dsp:cNvGrpSpPr/>
     </dsp:nvGrpSpPr>
     <dsp:grpSpPr/>
+    <dsp:sp modelId="{133D9D82-C18C-4E6C-BD78-CAC18A510840}">
+      <dsp:nvSpPr>
+        <dsp:cNvPr id="0" name=""/>
+        <dsp:cNvSpPr/>
+      </dsp:nvSpPr>
+      <dsp:spPr>
+        <a:xfrm>
+          <a:off x="528168" y="0"/>
+          <a:ext cx="5985907" cy="2880424"/>
+        </a:xfrm>
+        <a:prstGeom prst="rightArrow">
+          <a:avLst/>
+        </a:prstGeom>
+        <a:gradFill rotWithShape="0">
+          <a:gsLst>
+            <a:gs pos="0">
+              <a:schemeClr val="accent2"/>
+            </a:gs>
+            <a:gs pos="11000">
+              <a:schemeClr val="accent4">
+                <a:lumMod val="50000"/>
+              </a:schemeClr>
+            </a:gs>
+            <a:gs pos="100000">
+              <a:schemeClr val="accent4">
+                <a:lumMod val="50000"/>
+              </a:schemeClr>
+            </a:gs>
+          </a:gsLst>
+          <a:path path="circle">
+            <a:fillToRect l="100000" t="100000" r="100000" b="100000"/>
+          </a:path>
+        </a:gradFill>
+        <a:ln>
+          <a:noFill/>
+        </a:ln>
+        <a:effectLst/>
+        <a:scene3d>
+          <a:camera prst="orthographicFront"/>
+          <a:lightRig rig="threePt" dir="t">
+            <a:rot lat="0" lon="0" rev="7500000"/>
+          </a:lightRig>
+        </a:scene3d>
+        <a:sp3d z="-152400" extrusionH="63500" prstMaterial="matte">
+          <a:bevelT w="144450" h="6350" prst="relaxedInset"/>
+          <a:contourClr>
+            <a:schemeClr val="bg1"/>
+          </a:contourClr>
+        </a:sp3d>
+      </dsp:spPr>
+      <dsp:style>
+        <a:lnRef idx="0">
+          <a:scrgbClr r="0" g="0" b="0"/>
+        </a:lnRef>
+        <a:fillRef idx="3">
+          <a:scrgbClr r="0" g="0" b="0"/>
+        </a:fillRef>
+        <a:effectRef idx="0">
+          <a:scrgbClr r="0" g="0" b="0"/>
+        </a:effectRef>
+        <a:fontRef idx="minor"/>
+      </dsp:style>
+    </dsp:sp>
+    <dsp:sp modelId="{A5606B05-A0C0-4C29-8E8B-C69EB0594E2A}">
+      <dsp:nvSpPr>
+        <dsp:cNvPr id="0" name=""/>
+        <dsp:cNvSpPr/>
+      </dsp:nvSpPr>
+      <dsp:spPr>
+        <a:xfrm>
+          <a:off x="188401" y="859391"/>
+          <a:ext cx="1538659" cy="1152169"/>
+        </a:xfrm>
+        <a:prstGeom prst="roundRect">
+          <a:avLst/>
+        </a:prstGeom>
+        <a:gradFill rotWithShape="0">
+          <a:gsLst>
+            <a:gs pos="0">
+              <a:schemeClr val="accent2">
+                <a:hueOff val="0"/>
+                <a:satOff val="0"/>
+                <a:lumOff val="0"/>
+                <a:alphaOff val="0"/>
+              </a:schemeClr>
+            </a:gs>
+            <a:gs pos="90000">
+              <a:schemeClr val="accent2">
+                <a:hueOff val="0"/>
+                <a:satOff val="0"/>
+                <a:lumOff val="0"/>
+                <a:alphaOff val="0"/>
+                <a:shade val="100000"/>
+                <a:satMod val="105000"/>
+              </a:schemeClr>
+            </a:gs>
+            <a:gs pos="100000">
+              <a:schemeClr val="accent2">
+                <a:hueOff val="0"/>
+                <a:satOff val="0"/>
+                <a:lumOff val="0"/>
+                <a:alphaOff val="0"/>
+                <a:shade val="80000"/>
+                <a:satMod val="120000"/>
+              </a:schemeClr>
+            </a:gs>
+          </a:gsLst>
+          <a:path path="circle">
+            <a:fillToRect l="100000" t="100000" r="100000" b="100000"/>
+          </a:path>
+        </a:gradFill>
+        <a:ln>
+          <a:noFill/>
+        </a:ln>
+        <a:effectLst>
+          <a:outerShdw blurRad="38100" dist="25400" dir="5400000" rotWithShape="0">
+            <a:srgbClr val="000000">
+              <a:alpha val="45000"/>
+            </a:srgbClr>
+          </a:outerShdw>
+        </a:effectLst>
+        <a:scene3d>
+          <a:camera prst="orthographicFront"/>
+          <a:lightRig rig="threePt" dir="t">
+            <a:rot lat="0" lon="0" rev="7500000"/>
+          </a:lightRig>
+        </a:scene3d>
+        <a:sp3d prstMaterial="plastic">
+          <a:bevelT w="127000" h="25400" prst="relaxedInset"/>
+        </a:sp3d>
+      </dsp:spPr>
+      <dsp:style>
+        <a:lnRef idx="0">
+          <a:scrgbClr r="0" g="0" b="0"/>
+        </a:lnRef>
+        <a:fillRef idx="3">
+          <a:scrgbClr r="0" g="0" b="0"/>
+        </a:fillRef>
+        <a:effectRef idx="2">
+          <a:scrgbClr r="0" g="0" b="0"/>
+        </a:effectRef>
+        <a:fontRef idx="minor">
+          <a:schemeClr val="lt1"/>
+        </a:fontRef>
+      </dsp:style>
+      <dsp:txBody>
+        <a:bodyPr spcFirstLastPara="0" vert="horz" wrap="square" lIns="72390" tIns="72390" rIns="72390" bIns="72390" numCol="1" spcCol="1270" anchor="ctr" anchorCtr="0">
+          <a:noAutofit/>
+        </a:bodyPr>
+        <a:lstStyle/>
+        <a:p>
+          <a:pPr lvl="0" algn="ctr" defTabSz="844550" rtl="0">
+            <a:lnSpc>
+              <a:spcPct val="90000"/>
+            </a:lnSpc>
+            <a:spcBef>
+              <a:spcPct val="0"/>
+            </a:spcBef>
+            <a:spcAft>
+              <a:spcPct val="35000"/>
+            </a:spcAft>
+          </a:pPr>
+          <a:r>
+            <a:rPr lang="en-US" sz="1900" b="1" kern="1200" dirty="0" smtClean="0"/>
+            <a:t>Set up connection</a:t>
+          </a:r>
+          <a:endParaRPr lang="en-US" sz="1900" b="1" kern="1200" dirty="0"/>
+        </a:p>
+      </dsp:txBody>
+      <dsp:txXfrm>
+        <a:off x="244645" y="915635"/>
+        <a:ext cx="1426171" cy="1039681"/>
+      </dsp:txXfrm>
+    </dsp:sp>
+    <dsp:sp modelId="{64B1E964-3DC6-4415-9A5E-A83325ACA918}">
+      <dsp:nvSpPr>
+        <dsp:cNvPr id="0" name=""/>
+        <dsp:cNvSpPr/>
+      </dsp:nvSpPr>
+      <dsp:spPr>
+        <a:xfrm>
+          <a:off x="1914633" y="859391"/>
+          <a:ext cx="1072387" cy="1152169"/>
+        </a:xfrm>
+        <a:prstGeom prst="roundRect">
+          <a:avLst/>
+        </a:prstGeom>
+        <a:gradFill rotWithShape="0">
+          <a:gsLst>
+            <a:gs pos="0">
+              <a:schemeClr val="accent2">
+                <a:hueOff val="0"/>
+                <a:satOff val="0"/>
+                <a:lumOff val="0"/>
+                <a:alphaOff val="0"/>
+              </a:schemeClr>
+            </a:gs>
+            <a:gs pos="90000">
+              <a:schemeClr val="accent2">
+                <a:hueOff val="0"/>
+                <a:satOff val="0"/>
+                <a:lumOff val="0"/>
+                <a:alphaOff val="0"/>
+                <a:shade val="100000"/>
+                <a:satMod val="105000"/>
+              </a:schemeClr>
+            </a:gs>
+            <a:gs pos="100000">
+              <a:schemeClr val="accent2">
+                <a:hueOff val="0"/>
+                <a:satOff val="0"/>
+                <a:lumOff val="0"/>
+                <a:alphaOff val="0"/>
+                <a:shade val="80000"/>
+                <a:satMod val="120000"/>
+              </a:schemeClr>
+            </a:gs>
+          </a:gsLst>
+          <a:path path="circle">
+            <a:fillToRect l="100000" t="100000" r="100000" b="100000"/>
+          </a:path>
+        </a:gradFill>
+        <a:ln>
+          <a:noFill/>
+        </a:ln>
+        <a:effectLst>
+          <a:outerShdw blurRad="38100" dist="25400" dir="5400000" rotWithShape="0">
+            <a:srgbClr val="000000">
+              <a:alpha val="45000"/>
+            </a:srgbClr>
+          </a:outerShdw>
+        </a:effectLst>
+        <a:scene3d>
+          <a:camera prst="orthographicFront"/>
+          <a:lightRig rig="threePt" dir="t">
+            <a:rot lat="0" lon="0" rev="7500000"/>
+          </a:lightRig>
+        </a:scene3d>
+        <a:sp3d prstMaterial="plastic">
+          <a:bevelT w="127000" h="25400" prst="relaxedInset"/>
+        </a:sp3d>
+      </dsp:spPr>
+      <dsp:style>
+        <a:lnRef idx="0">
+          <a:scrgbClr r="0" g="0" b="0"/>
+        </a:lnRef>
+        <a:fillRef idx="3">
+          <a:scrgbClr r="0" g="0" b="0"/>
+        </a:fillRef>
+        <a:effectRef idx="2">
+          <a:scrgbClr r="0" g="0" b="0"/>
+        </a:effectRef>
+        <a:fontRef idx="minor">
+          <a:schemeClr val="lt1"/>
+        </a:fontRef>
+      </dsp:style>
+      <dsp:txBody>
+        <a:bodyPr spcFirstLastPara="0" vert="horz" wrap="square" lIns="76200" tIns="76200" rIns="76200" bIns="76200" numCol="1" spcCol="1270" anchor="ctr" anchorCtr="0">
+          <a:noAutofit/>
+        </a:bodyPr>
+        <a:lstStyle/>
+        <a:p>
+          <a:pPr lvl="0" algn="ctr" defTabSz="889000" rtl="0">
+            <a:lnSpc>
+              <a:spcPct val="90000"/>
+            </a:lnSpc>
+            <a:spcBef>
+              <a:spcPct val="0"/>
+            </a:spcBef>
+            <a:spcAft>
+              <a:spcPct val="35000"/>
+            </a:spcAft>
+          </a:pPr>
+          <a:r>
+            <a:rPr lang="en-US" sz="2000" b="1" kern="1200" dirty="0" smtClean="0"/>
+            <a:t>Obtain data</a:t>
+          </a:r>
+          <a:endParaRPr lang="en-US" sz="2000" b="1" kern="1200" dirty="0"/>
+        </a:p>
+      </dsp:txBody>
+      <dsp:txXfrm>
+        <a:off x="1966983" y="911741"/>
+        <a:ext cx="967687" cy="1047469"/>
+      </dsp:txXfrm>
+    </dsp:sp>
+    <dsp:sp modelId="{CD60A385-9B88-44DC-960E-2CDB3996E30E}">
+      <dsp:nvSpPr>
+        <dsp:cNvPr id="0" name=""/>
+        <dsp:cNvSpPr/>
+      </dsp:nvSpPr>
+      <dsp:spPr>
+        <a:xfrm>
+          <a:off x="3174594" y="862445"/>
+          <a:ext cx="1832288" cy="1152169"/>
+        </a:xfrm>
+        <a:prstGeom prst="roundRect">
+          <a:avLst/>
+        </a:prstGeom>
+        <a:gradFill rotWithShape="0">
+          <a:gsLst>
+            <a:gs pos="0">
+              <a:schemeClr val="accent2">
+                <a:hueOff val="0"/>
+                <a:satOff val="0"/>
+                <a:lumOff val="0"/>
+                <a:alphaOff val="0"/>
+              </a:schemeClr>
+            </a:gs>
+            <a:gs pos="90000">
+              <a:schemeClr val="accent2">
+                <a:hueOff val="0"/>
+                <a:satOff val="0"/>
+                <a:lumOff val="0"/>
+                <a:alphaOff val="0"/>
+                <a:shade val="100000"/>
+                <a:satMod val="105000"/>
+              </a:schemeClr>
+            </a:gs>
+            <a:gs pos="100000">
+              <a:schemeClr val="accent2">
+                <a:hueOff val="0"/>
+                <a:satOff val="0"/>
+                <a:lumOff val="0"/>
+                <a:alphaOff val="0"/>
+                <a:shade val="80000"/>
+                <a:satMod val="120000"/>
+              </a:schemeClr>
+            </a:gs>
+          </a:gsLst>
+          <a:path path="circle">
+            <a:fillToRect l="100000" t="100000" r="100000" b="100000"/>
+          </a:path>
+        </a:gradFill>
+        <a:ln>
+          <a:noFill/>
+        </a:ln>
+        <a:effectLst>
+          <a:outerShdw blurRad="38100" dist="25400" dir="5400000" rotWithShape="0">
+            <a:srgbClr val="000000">
+              <a:alpha val="45000"/>
+            </a:srgbClr>
+          </a:outerShdw>
+        </a:effectLst>
+        <a:scene3d>
+          <a:camera prst="orthographicFront"/>
+          <a:lightRig rig="threePt" dir="t">
+            <a:rot lat="0" lon="0" rev="7500000"/>
+          </a:lightRig>
+        </a:scene3d>
+        <a:sp3d prstMaterial="plastic">
+          <a:bevelT w="127000" h="25400" prst="relaxedInset"/>
+        </a:sp3d>
+      </dsp:spPr>
+      <dsp:style>
+        <a:lnRef idx="0">
+          <a:scrgbClr r="0" g="0" b="0"/>
+        </a:lnRef>
+        <a:fillRef idx="3">
+          <a:scrgbClr r="0" g="0" b="0"/>
+        </a:fillRef>
+        <a:effectRef idx="2">
+          <a:scrgbClr r="0" g="0" b="0"/>
+        </a:effectRef>
+        <a:fontRef idx="minor">
+          <a:schemeClr val="lt1"/>
+        </a:fontRef>
+      </dsp:style>
+      <dsp:txBody>
+        <a:bodyPr spcFirstLastPara="0" vert="horz" wrap="square" lIns="72390" tIns="72390" rIns="72390" bIns="72390" numCol="1" spcCol="1270" anchor="ctr" anchorCtr="0">
+          <a:noAutofit/>
+        </a:bodyPr>
+        <a:lstStyle/>
+        <a:p>
+          <a:pPr lvl="0" algn="ctr" defTabSz="844550" rtl="0">
+            <a:lnSpc>
+              <a:spcPct val="90000"/>
+            </a:lnSpc>
+            <a:spcBef>
+              <a:spcPct val="0"/>
+            </a:spcBef>
+            <a:spcAft>
+              <a:spcPct val="35000"/>
+            </a:spcAft>
+          </a:pPr>
+          <a:r>
+            <a:rPr lang="en-US" sz="1900" b="1" kern="1200" dirty="0" smtClean="0"/>
+            <a:t>Create infrastructure</a:t>
+          </a:r>
+          <a:endParaRPr lang="en-US" sz="1900" b="1" kern="1200" dirty="0"/>
+        </a:p>
+      </dsp:txBody>
+      <dsp:txXfrm>
+        <a:off x="3230838" y="918689"/>
+        <a:ext cx="1719800" cy="1039681"/>
+      </dsp:txXfrm>
+    </dsp:sp>
+    <dsp:sp modelId="{A0DBA043-27DC-495C-B1C4-80BB13CF934D}">
+      <dsp:nvSpPr>
+        <dsp:cNvPr id="0" name=""/>
+        <dsp:cNvSpPr/>
+      </dsp:nvSpPr>
+      <dsp:spPr>
+        <a:xfrm>
+          <a:off x="5194458" y="862445"/>
+          <a:ext cx="1481403" cy="1152169"/>
+        </a:xfrm>
+        <a:prstGeom prst="roundRect">
+          <a:avLst/>
+        </a:prstGeom>
+        <a:gradFill rotWithShape="0">
+          <a:gsLst>
+            <a:gs pos="0">
+              <a:schemeClr val="accent2">
+                <a:hueOff val="0"/>
+                <a:satOff val="0"/>
+                <a:lumOff val="0"/>
+                <a:alphaOff val="0"/>
+              </a:schemeClr>
+            </a:gs>
+            <a:gs pos="90000">
+              <a:schemeClr val="accent2">
+                <a:hueOff val="0"/>
+                <a:satOff val="0"/>
+                <a:lumOff val="0"/>
+                <a:alphaOff val="0"/>
+                <a:shade val="100000"/>
+                <a:satMod val="105000"/>
+              </a:schemeClr>
+            </a:gs>
+            <a:gs pos="100000">
+              <a:schemeClr val="accent2">
+                <a:hueOff val="0"/>
+                <a:satOff val="0"/>
+                <a:lumOff val="0"/>
+                <a:alphaOff val="0"/>
+                <a:shade val="80000"/>
+                <a:satMod val="120000"/>
+              </a:schemeClr>
+            </a:gs>
+          </a:gsLst>
+          <a:path path="circle">
+            <a:fillToRect l="100000" t="100000" r="100000" b="100000"/>
+          </a:path>
+        </a:gradFill>
+        <a:ln>
+          <a:noFill/>
+        </a:ln>
+        <a:effectLst>
+          <a:outerShdw blurRad="38100" dist="25400" dir="5400000" rotWithShape="0">
+            <a:srgbClr val="000000">
+              <a:alpha val="45000"/>
+            </a:srgbClr>
+          </a:outerShdw>
+        </a:effectLst>
+        <a:scene3d>
+          <a:camera prst="orthographicFront"/>
+          <a:lightRig rig="threePt" dir="t">
+            <a:rot lat="0" lon="0" rev="7500000"/>
+          </a:lightRig>
+        </a:scene3d>
+        <a:sp3d prstMaterial="plastic">
+          <a:bevelT w="127000" h="25400" prst="relaxedInset"/>
+        </a:sp3d>
+      </dsp:spPr>
+      <dsp:style>
+        <a:lnRef idx="0">
+          <a:scrgbClr r="0" g="0" b="0"/>
+        </a:lnRef>
+        <a:fillRef idx="3">
+          <a:scrgbClr r="0" g="0" b="0"/>
+        </a:fillRef>
+        <a:effectRef idx="2">
+          <a:scrgbClr r="0" g="0" b="0"/>
+        </a:effectRef>
+        <a:fontRef idx="minor">
+          <a:schemeClr val="lt1"/>
+        </a:fontRef>
+      </dsp:style>
+      <dsp:txBody>
+        <a:bodyPr spcFirstLastPara="0" vert="horz" wrap="square" lIns="76200" tIns="76200" rIns="76200" bIns="76200" numCol="1" spcCol="1270" anchor="ctr" anchorCtr="0">
+          <a:noAutofit/>
+        </a:bodyPr>
+        <a:lstStyle/>
+        <a:p>
+          <a:pPr lvl="0" algn="ctr" defTabSz="889000" rtl="0">
+            <a:lnSpc>
+              <a:spcPct val="90000"/>
+            </a:lnSpc>
+            <a:spcBef>
+              <a:spcPct val="0"/>
+            </a:spcBef>
+            <a:spcAft>
+              <a:spcPct val="35000"/>
+            </a:spcAft>
+          </a:pPr>
+          <a:r>
+            <a:rPr lang="en-US" sz="2000" b="1" kern="1200" dirty="0" smtClean="0"/>
+            <a:t>Actually consume data</a:t>
+          </a:r>
+          <a:endParaRPr lang="en-US" sz="2000" b="1" kern="1200" dirty="0"/>
+        </a:p>
+      </dsp:txBody>
+      <dsp:txXfrm>
+        <a:off x="5250702" y="918689"/>
+        <a:ext cx="1368915" cy="1039681"/>
+      </dsp:txXfrm>
+    </dsp:sp>
   </dsp:spTree>
 </dsp:drawing>
 </file>
@@ -10360,6 +11626,417 @@
       <dsp:cNvGrpSpPr/>
     </dsp:nvGrpSpPr>
     <dsp:grpSpPr/>
+    <dsp:sp modelId="{538C1F93-2633-4DB7-AA7D-A5DE4FC8CB5A}">
+      <dsp:nvSpPr>
+        <dsp:cNvPr id="0" name=""/>
+        <dsp:cNvSpPr/>
+      </dsp:nvSpPr>
+      <dsp:spPr>
+        <a:xfrm>
+          <a:off x="2073862" y="315"/>
+          <a:ext cx="3748739" cy="1695495"/>
+        </a:xfrm>
+        <a:prstGeom prst="rect">
+          <a:avLst/>
+        </a:prstGeom>
+        <a:solidFill>
+          <a:schemeClr val="accent4">
+            <a:lumMod val="50000"/>
+          </a:schemeClr>
+        </a:solidFill>
+        <a:ln w="53975" cap="flat" cmpd="dbl" algn="ctr">
+          <a:solidFill>
+            <a:schemeClr val="lt1">
+              <a:hueOff val="0"/>
+              <a:satOff val="0"/>
+              <a:lumOff val="0"/>
+              <a:alphaOff val="0"/>
+            </a:schemeClr>
+          </a:solidFill>
+          <a:prstDash val="solid"/>
+        </a:ln>
+        <a:effectLst/>
+      </dsp:spPr>
+      <dsp:style>
+        <a:lnRef idx="3">
+          <a:scrgbClr r="0" g="0" b="0"/>
+        </a:lnRef>
+        <a:fillRef idx="1">
+          <a:scrgbClr r="0" g="0" b="0"/>
+        </a:fillRef>
+        <a:effectRef idx="1">
+          <a:scrgbClr r="0" g="0" b="0"/>
+        </a:effectRef>
+        <a:fontRef idx="minor">
+          <a:schemeClr val="lt1"/>
+        </a:fontRef>
+      </dsp:style>
+      <dsp:txBody>
+        <a:bodyPr spcFirstLastPara="0" vert="horz" wrap="square" lIns="76200" tIns="76200" rIns="76200" bIns="76200" numCol="1" spcCol="1270" anchor="t" anchorCtr="0">
+          <a:noAutofit/>
+        </a:bodyPr>
+        <a:lstStyle/>
+        <a:p>
+          <a:pPr lvl="0" algn="l" defTabSz="889000" rtl="0">
+            <a:lnSpc>
+              <a:spcPct val="90000"/>
+            </a:lnSpc>
+            <a:spcBef>
+              <a:spcPct val="0"/>
+            </a:spcBef>
+            <a:spcAft>
+              <a:spcPct val="35000"/>
+            </a:spcAft>
+          </a:pPr>
+          <a:r>
+            <a:rPr lang="en-US" sz="2000" b="1" kern="1200" dirty="0" smtClean="0"/>
+            <a:t>More natural with REPL</a:t>
+          </a:r>
+          <a:endParaRPr lang="en-US" sz="2000" b="1" kern="1200" dirty="0"/>
+        </a:p>
+      </dsp:txBody>
+      <dsp:txXfrm>
+        <a:off x="2073862" y="315"/>
+        <a:ext cx="3748739" cy="1695495"/>
+      </dsp:txXfrm>
+    </dsp:sp>
+    <dsp:sp modelId="{754CBADF-7C1E-4197-9623-DE30F3C029AC}">
+      <dsp:nvSpPr>
+        <dsp:cNvPr id="0" name=""/>
+        <dsp:cNvSpPr/>
+      </dsp:nvSpPr>
+      <dsp:spPr>
+        <a:xfrm>
+          <a:off x="227468" y="315"/>
+          <a:ext cx="1678540" cy="1695495"/>
+        </a:xfrm>
+        <a:prstGeom prst="rect">
+          <a:avLst/>
+        </a:prstGeom>
+        <a:solidFill>
+          <a:schemeClr val="accent2"/>
+        </a:solidFill>
+        <a:ln w="53975" cap="flat" cmpd="dbl" algn="ctr">
+          <a:solidFill>
+            <a:schemeClr val="lt1">
+              <a:hueOff val="0"/>
+              <a:satOff val="0"/>
+              <a:lumOff val="0"/>
+              <a:alphaOff val="0"/>
+            </a:schemeClr>
+          </a:solidFill>
+          <a:prstDash val="solid"/>
+        </a:ln>
+        <a:effectLst/>
+      </dsp:spPr>
+      <dsp:style>
+        <a:lnRef idx="3">
+          <a:scrgbClr r="0" g="0" b="0"/>
+        </a:lnRef>
+        <a:fillRef idx="1">
+          <a:scrgbClr r="0" g="0" b="0"/>
+        </a:fillRef>
+        <a:effectRef idx="1">
+          <a:scrgbClr r="0" g="0" b="0"/>
+        </a:effectRef>
+        <a:fontRef idx="minor">
+          <a:schemeClr val="lt1"/>
+        </a:fontRef>
+      </dsp:style>
+    </dsp:sp>
+    <dsp:sp modelId="{00C18325-64BA-4230-8D42-A8CBBE2E541A}">
+      <dsp:nvSpPr>
+        <dsp:cNvPr id="0" name=""/>
+        <dsp:cNvSpPr/>
+      </dsp:nvSpPr>
+      <dsp:spPr>
+        <a:xfrm>
+          <a:off x="227468" y="1975566"/>
+          <a:ext cx="3748739" cy="1695495"/>
+        </a:xfrm>
+        <a:prstGeom prst="rect">
+          <a:avLst/>
+        </a:prstGeom>
+        <a:solidFill>
+          <a:schemeClr val="accent4">
+            <a:lumMod val="50000"/>
+          </a:schemeClr>
+        </a:solidFill>
+        <a:ln w="53975" cap="flat" cmpd="dbl" algn="ctr">
+          <a:solidFill>
+            <a:schemeClr val="lt1">
+              <a:hueOff val="0"/>
+              <a:satOff val="0"/>
+              <a:lumOff val="0"/>
+              <a:alphaOff val="0"/>
+            </a:schemeClr>
+          </a:solidFill>
+          <a:prstDash val="solid"/>
+        </a:ln>
+        <a:effectLst/>
+      </dsp:spPr>
+      <dsp:style>
+        <a:lnRef idx="3">
+          <a:scrgbClr r="0" g="0" b="0"/>
+        </a:lnRef>
+        <a:fillRef idx="1">
+          <a:scrgbClr r="0" g="0" b="0"/>
+        </a:fillRef>
+        <a:effectRef idx="1">
+          <a:scrgbClr r="0" g="0" b="0"/>
+        </a:effectRef>
+        <a:fontRef idx="minor">
+          <a:schemeClr val="lt1"/>
+        </a:fontRef>
+      </dsp:style>
+      <dsp:txBody>
+        <a:bodyPr spcFirstLastPara="0" vert="horz" wrap="square" lIns="76200" tIns="76200" rIns="76200" bIns="76200" numCol="1" spcCol="1270" anchor="t" anchorCtr="0">
+          <a:noAutofit/>
+        </a:bodyPr>
+        <a:lstStyle/>
+        <a:p>
+          <a:pPr lvl="0" algn="l" defTabSz="889000" rtl="0">
+            <a:lnSpc>
+              <a:spcPct val="90000"/>
+            </a:lnSpc>
+            <a:spcBef>
+              <a:spcPct val="0"/>
+            </a:spcBef>
+            <a:spcAft>
+              <a:spcPct val="35000"/>
+            </a:spcAft>
+          </a:pPr>
+          <a:r>
+            <a:rPr lang="en-US" sz="2000" b="1" kern="1200" dirty="0" smtClean="0"/>
+            <a:t>No code generation</a:t>
+          </a:r>
+          <a:endParaRPr lang="en-US" sz="2000" b="1" kern="1200" dirty="0"/>
+        </a:p>
+        <a:p>
+          <a:pPr marL="171450" lvl="1" indent="-171450" algn="l" defTabSz="800100" rtl="0">
+            <a:lnSpc>
+              <a:spcPct val="90000"/>
+            </a:lnSpc>
+            <a:spcBef>
+              <a:spcPct val="0"/>
+            </a:spcBef>
+            <a:spcAft>
+              <a:spcPct val="15000"/>
+            </a:spcAft>
+            <a:buChar char="••"/>
+          </a:pPr>
+          <a:r>
+            <a:rPr lang="en-US" sz="1800" kern="1200" dirty="0" smtClean="0"/>
+            <a:t>Always in sync with the source</a:t>
+          </a:r>
+          <a:endParaRPr lang="en-US" sz="1800" kern="1200" dirty="0"/>
+        </a:p>
+        <a:p>
+          <a:pPr marL="171450" lvl="1" indent="-171450" algn="l" defTabSz="800100" rtl="0">
+            <a:lnSpc>
+              <a:spcPct val="90000"/>
+            </a:lnSpc>
+            <a:spcBef>
+              <a:spcPct val="0"/>
+            </a:spcBef>
+            <a:spcAft>
+              <a:spcPct val="15000"/>
+            </a:spcAft>
+            <a:buChar char="••"/>
+          </a:pPr>
+          <a:r>
+            <a:rPr lang="en-US" sz="1800" kern="1200" dirty="0" smtClean="0"/>
+            <a:t>No extra bloated code</a:t>
+          </a:r>
+          <a:endParaRPr lang="en-US" sz="1800" kern="1200" dirty="0"/>
+        </a:p>
+        <a:p>
+          <a:pPr marL="171450" lvl="1" indent="-171450" algn="l" defTabSz="800100" rtl="0">
+            <a:lnSpc>
+              <a:spcPct val="90000"/>
+            </a:lnSpc>
+            <a:spcBef>
+              <a:spcPct val="0"/>
+            </a:spcBef>
+            <a:spcAft>
+              <a:spcPct val="15000"/>
+            </a:spcAft>
+            <a:buChar char="••"/>
+          </a:pPr>
+          <a:r>
+            <a:rPr lang="en-US" sz="1800" kern="1200" dirty="0" smtClean="0"/>
+            <a:t>Scalable to millions of types (e.g. - freebase)</a:t>
+          </a:r>
+          <a:endParaRPr lang="en-US" sz="1800" kern="1200" dirty="0"/>
+        </a:p>
+      </dsp:txBody>
+      <dsp:txXfrm>
+        <a:off x="227468" y="1975566"/>
+        <a:ext cx="3748739" cy="1695495"/>
+      </dsp:txXfrm>
+    </dsp:sp>
+    <dsp:sp modelId="{B732AFC3-CBCB-40BD-93FB-614BAC717596}">
+      <dsp:nvSpPr>
+        <dsp:cNvPr id="0" name=""/>
+        <dsp:cNvSpPr/>
+      </dsp:nvSpPr>
+      <dsp:spPr>
+        <a:xfrm>
+          <a:off x="4144062" y="1975566"/>
+          <a:ext cx="1678540" cy="1695495"/>
+        </a:xfrm>
+        <a:prstGeom prst="rect">
+          <a:avLst/>
+        </a:prstGeom>
+        <a:solidFill>
+          <a:schemeClr val="accent2"/>
+        </a:solidFill>
+        <a:ln w="53975" cap="flat" cmpd="dbl" algn="ctr">
+          <a:solidFill>
+            <a:schemeClr val="lt1">
+              <a:hueOff val="0"/>
+              <a:satOff val="0"/>
+              <a:lumOff val="0"/>
+              <a:alphaOff val="0"/>
+            </a:schemeClr>
+          </a:solidFill>
+          <a:prstDash val="solid"/>
+        </a:ln>
+        <a:effectLst/>
+      </dsp:spPr>
+      <dsp:style>
+        <a:lnRef idx="3">
+          <a:scrgbClr r="0" g="0" b="0"/>
+        </a:lnRef>
+        <a:fillRef idx="1">
+          <a:scrgbClr r="0" g="0" b="0"/>
+        </a:fillRef>
+        <a:effectRef idx="1">
+          <a:scrgbClr r="0" g="0" b="0"/>
+        </a:effectRef>
+        <a:fontRef idx="minor">
+          <a:schemeClr val="lt1"/>
+        </a:fontRef>
+      </dsp:style>
+    </dsp:sp>
+    <dsp:sp modelId="{056E0795-FEBC-41A8-9465-02461723C490}">
+      <dsp:nvSpPr>
+        <dsp:cNvPr id="0" name=""/>
+        <dsp:cNvSpPr/>
+      </dsp:nvSpPr>
+      <dsp:spPr>
+        <a:xfrm>
+          <a:off x="2073862" y="3950818"/>
+          <a:ext cx="3748739" cy="1695495"/>
+        </a:xfrm>
+        <a:prstGeom prst="rect">
+          <a:avLst/>
+        </a:prstGeom>
+        <a:solidFill>
+          <a:schemeClr val="accent4">
+            <a:lumMod val="50000"/>
+          </a:schemeClr>
+        </a:solidFill>
+        <a:ln w="53975" cap="flat" cmpd="dbl" algn="ctr">
+          <a:solidFill>
+            <a:schemeClr val="lt1">
+              <a:hueOff val="0"/>
+              <a:satOff val="0"/>
+              <a:lumOff val="0"/>
+              <a:alphaOff val="0"/>
+            </a:schemeClr>
+          </a:solidFill>
+          <a:prstDash val="solid"/>
+        </a:ln>
+        <a:effectLst/>
+      </dsp:spPr>
+      <dsp:style>
+        <a:lnRef idx="3">
+          <a:scrgbClr r="0" g="0" b="0"/>
+        </a:lnRef>
+        <a:fillRef idx="1">
+          <a:scrgbClr r="0" g="0" b="0"/>
+        </a:fillRef>
+        <a:effectRef idx="1">
+          <a:scrgbClr r="0" g="0" b="0"/>
+        </a:effectRef>
+        <a:fontRef idx="minor">
+          <a:schemeClr val="lt1"/>
+        </a:fontRef>
+      </dsp:style>
+      <dsp:txBody>
+        <a:bodyPr spcFirstLastPara="0" vert="horz" wrap="square" lIns="76200" tIns="76200" rIns="76200" bIns="76200" numCol="1" spcCol="1270" anchor="t" anchorCtr="0">
+          <a:noAutofit/>
+        </a:bodyPr>
+        <a:lstStyle/>
+        <a:p>
+          <a:pPr lvl="0" algn="l" defTabSz="889000" rtl="0">
+            <a:lnSpc>
+              <a:spcPct val="90000"/>
+            </a:lnSpc>
+            <a:spcBef>
+              <a:spcPct val="0"/>
+            </a:spcBef>
+            <a:spcAft>
+              <a:spcPct val="35000"/>
+            </a:spcAft>
+          </a:pPr>
+          <a:r>
+            <a:rPr lang="en-US" sz="2000" b="1" kern="1200" dirty="0" smtClean="0"/>
+            <a:t>Intellisense, tooltips, &amp; other tooling available</a:t>
+          </a:r>
+          <a:endParaRPr lang="en-US" sz="2000" b="1" kern="1200" dirty="0"/>
+        </a:p>
+      </dsp:txBody>
+      <dsp:txXfrm>
+        <a:off x="2073862" y="3950818"/>
+        <a:ext cx="3748739" cy="1695495"/>
+      </dsp:txXfrm>
+    </dsp:sp>
+    <dsp:sp modelId="{9C693826-E8EF-40D9-9ACD-70564CCA445C}">
+      <dsp:nvSpPr>
+        <dsp:cNvPr id="0" name=""/>
+        <dsp:cNvSpPr/>
+      </dsp:nvSpPr>
+      <dsp:spPr>
+        <a:xfrm>
+          <a:off x="227468" y="3950818"/>
+          <a:ext cx="1678540" cy="1695495"/>
+        </a:xfrm>
+        <a:prstGeom prst="rect">
+          <a:avLst/>
+        </a:prstGeom>
+        <a:solidFill>
+          <a:schemeClr val="accent2"/>
+        </a:solidFill>
+        <a:ln w="53975" cap="flat" cmpd="dbl" algn="ctr">
+          <a:solidFill>
+            <a:schemeClr val="lt1">
+              <a:hueOff val="0"/>
+              <a:satOff val="0"/>
+              <a:lumOff val="0"/>
+              <a:alphaOff val="0"/>
+            </a:schemeClr>
+          </a:solidFill>
+          <a:prstDash val="solid"/>
+        </a:ln>
+        <a:effectLst/>
+      </dsp:spPr>
+      <dsp:style>
+        <a:lnRef idx="3">
+          <a:scrgbClr r="0" g="0" b="0"/>
+        </a:lnRef>
+        <a:fillRef idx="1">
+          <a:scrgbClr r="0" g="0" b="0"/>
+        </a:fillRef>
+        <a:effectRef idx="1">
+          <a:scrgbClr r="0" g="0" b="0"/>
+        </a:effectRef>
+        <a:fontRef idx="minor">
+          <a:schemeClr val="lt1"/>
+        </a:fontRef>
+      </dsp:style>
+    </dsp:sp>
   </dsp:spTree>
 </dsp:drawing>
 </file>
@@ -10372,6 +12049,2264 @@
       <dsp:cNvGrpSpPr/>
     </dsp:nvGrpSpPr>
     <dsp:grpSpPr/>
+    <dsp:sp modelId="{1388C9D4-43DF-41FA-B2EB-A2141A262C3F}">
+      <dsp:nvSpPr>
+        <dsp:cNvPr id="0" name=""/>
+        <dsp:cNvSpPr/>
+      </dsp:nvSpPr>
+      <dsp:spPr>
+        <a:xfrm>
+          <a:off x="475734" y="892"/>
+          <a:ext cx="1178681" cy="707208"/>
+        </a:xfrm>
+        <a:prstGeom prst="rect">
+          <a:avLst/>
+        </a:prstGeom>
+        <a:solidFill>
+          <a:schemeClr val="accent2"/>
+        </a:solidFill>
+        <a:ln w="19050" cap="flat" cmpd="sng" algn="ctr">
+          <a:solidFill>
+            <a:schemeClr val="lt1">
+              <a:hueOff val="0"/>
+              <a:satOff val="0"/>
+              <a:lumOff val="0"/>
+              <a:alphaOff val="0"/>
+            </a:schemeClr>
+          </a:solidFill>
+          <a:prstDash val="solid"/>
+        </a:ln>
+        <a:effectLst/>
+      </dsp:spPr>
+      <dsp:style>
+        <a:lnRef idx="2">
+          <a:scrgbClr r="0" g="0" b="0"/>
+        </a:lnRef>
+        <a:fillRef idx="1">
+          <a:scrgbClr r="0" g="0" b="0"/>
+        </a:fillRef>
+        <a:effectRef idx="0">
+          <a:scrgbClr r="0" g="0" b="0"/>
+        </a:effectRef>
+        <a:fontRef idx="minor">
+          <a:schemeClr val="lt1"/>
+        </a:fontRef>
+      </dsp:style>
+      <dsp:txBody>
+        <a:bodyPr spcFirstLastPara="0" vert="horz" wrap="square" lIns="0" tIns="0" rIns="0" bIns="0" numCol="1" spcCol="1270" anchor="ctr" anchorCtr="1">
+          <a:noAutofit/>
+        </a:bodyPr>
+        <a:lstStyle/>
+        <a:p>
+          <a:pPr lvl="0" algn="ctr" defTabSz="622300" rtl="0">
+            <a:lnSpc>
+              <a:spcPct val="90000"/>
+            </a:lnSpc>
+            <a:spcBef>
+              <a:spcPct val="0"/>
+            </a:spcBef>
+            <a:spcAft>
+              <a:spcPct val="35000"/>
+            </a:spcAft>
+          </a:pPr>
+          <a:r>
+            <a:rPr lang="en-US" sz="1400" kern="800" spc="0" baseline="0" dirty="0" smtClean="0">
+              <a:solidFill>
+                <a:schemeClr val="bg1"/>
+              </a:solidFill>
+              <a:hlinkClick xmlns:r="http://schemas.openxmlformats.org/officeDocument/2006/relationships" r:id="rId1"/>
+            </a:rPr>
+            <a:t>powershell</a:t>
+          </a:r>
+          <a:endParaRPr lang="en-US" sz="1400" kern="800" spc="0" baseline="0" dirty="0">
+            <a:solidFill>
+              <a:schemeClr val="bg1"/>
+            </a:solidFill>
+          </a:endParaRPr>
+        </a:p>
+      </dsp:txBody>
+      <dsp:txXfrm>
+        <a:off x="475734" y="892"/>
+        <a:ext cx="1178681" cy="707208"/>
+      </dsp:txXfrm>
+    </dsp:sp>
+    <dsp:sp modelId="{DEF38988-93B3-44CC-9130-76FF57549860}">
+      <dsp:nvSpPr>
+        <dsp:cNvPr id="0" name=""/>
+        <dsp:cNvSpPr/>
+      </dsp:nvSpPr>
+      <dsp:spPr>
+        <a:xfrm>
+          <a:off x="1772284" y="892"/>
+          <a:ext cx="1178681" cy="707208"/>
+        </a:xfrm>
+        <a:prstGeom prst="rect">
+          <a:avLst/>
+        </a:prstGeom>
+        <a:solidFill>
+          <a:schemeClr val="accent2"/>
+        </a:solidFill>
+        <a:ln w="19050" cap="flat" cmpd="sng" algn="ctr">
+          <a:solidFill>
+            <a:schemeClr val="lt1">
+              <a:hueOff val="0"/>
+              <a:satOff val="0"/>
+              <a:lumOff val="0"/>
+              <a:alphaOff val="0"/>
+            </a:schemeClr>
+          </a:solidFill>
+          <a:prstDash val="solid"/>
+        </a:ln>
+        <a:effectLst/>
+      </dsp:spPr>
+      <dsp:style>
+        <a:lnRef idx="2">
+          <a:scrgbClr r="0" g="0" b="0"/>
+        </a:lnRef>
+        <a:fillRef idx="1">
+          <a:scrgbClr r="0" g="0" b="0"/>
+        </a:fillRef>
+        <a:effectRef idx="0">
+          <a:scrgbClr r="0" g="0" b="0"/>
+        </a:effectRef>
+        <a:fontRef idx="minor">
+          <a:schemeClr val="lt1"/>
+        </a:fontRef>
+      </dsp:style>
+      <dsp:txBody>
+        <a:bodyPr spcFirstLastPara="0" vert="horz" wrap="square" lIns="0" tIns="0" rIns="0" bIns="0" numCol="1" spcCol="1270" anchor="ctr" anchorCtr="1">
+          <a:noAutofit/>
+        </a:bodyPr>
+        <a:lstStyle/>
+        <a:p>
+          <a:pPr lvl="0" algn="ctr" defTabSz="1066800" rtl="0">
+            <a:lnSpc>
+              <a:spcPct val="90000"/>
+            </a:lnSpc>
+            <a:spcBef>
+              <a:spcPct val="0"/>
+            </a:spcBef>
+            <a:spcAft>
+              <a:spcPct val="35000"/>
+            </a:spcAft>
+          </a:pPr>
+          <a:r>
+            <a:rPr lang="en-US" sz="2400" kern="800" spc="0" baseline="0" dirty="0" smtClean="0">
+              <a:solidFill>
+                <a:schemeClr val="bg1"/>
+              </a:solidFill>
+              <a:hlinkClick xmlns:r="http://schemas.openxmlformats.org/officeDocument/2006/relationships" r:id="rId2"/>
+            </a:rPr>
+            <a:t>Azure</a:t>
+          </a:r>
+          <a:endParaRPr lang="en-US" sz="2400" kern="800" spc="0" baseline="0" dirty="0">
+            <a:solidFill>
+              <a:schemeClr val="bg1"/>
+            </a:solidFill>
+          </a:endParaRPr>
+        </a:p>
+      </dsp:txBody>
+      <dsp:txXfrm>
+        <a:off x="1772284" y="892"/>
+        <a:ext cx="1178681" cy="707208"/>
+      </dsp:txXfrm>
+    </dsp:sp>
+    <dsp:sp modelId="{0F664ED1-9E15-4A36-8E6F-8AFB7799F781}">
+      <dsp:nvSpPr>
+        <dsp:cNvPr id="0" name=""/>
+        <dsp:cNvSpPr/>
+      </dsp:nvSpPr>
+      <dsp:spPr>
+        <a:xfrm>
+          <a:off x="3068834" y="892"/>
+          <a:ext cx="1178681" cy="707208"/>
+        </a:xfrm>
+        <a:prstGeom prst="rect">
+          <a:avLst/>
+        </a:prstGeom>
+        <a:solidFill>
+          <a:schemeClr val="accent2"/>
+        </a:solidFill>
+        <a:ln w="19050" cap="flat" cmpd="sng" algn="ctr">
+          <a:solidFill>
+            <a:schemeClr val="lt1">
+              <a:hueOff val="0"/>
+              <a:satOff val="0"/>
+              <a:lumOff val="0"/>
+              <a:alphaOff val="0"/>
+            </a:schemeClr>
+          </a:solidFill>
+          <a:prstDash val="solid"/>
+        </a:ln>
+        <a:effectLst/>
+      </dsp:spPr>
+      <dsp:style>
+        <a:lnRef idx="2">
+          <a:scrgbClr r="0" g="0" b="0"/>
+        </a:lnRef>
+        <a:fillRef idx="1">
+          <a:scrgbClr r="0" g="0" b="0"/>
+        </a:fillRef>
+        <a:effectRef idx="0">
+          <a:scrgbClr r="0" g="0" b="0"/>
+        </a:effectRef>
+        <a:fontRef idx="minor">
+          <a:schemeClr val="lt1"/>
+        </a:fontRef>
+      </dsp:style>
+      <dsp:txBody>
+        <a:bodyPr spcFirstLastPara="0" vert="horz" wrap="square" lIns="0" tIns="0" rIns="0" bIns="0" numCol="1" spcCol="1270" anchor="ctr" anchorCtr="1">
+          <a:noAutofit/>
+        </a:bodyPr>
+        <a:lstStyle/>
+        <a:p>
+          <a:pPr lvl="0" algn="ctr" defTabSz="488950" rtl="0">
+            <a:lnSpc>
+              <a:spcPct val="90000"/>
+            </a:lnSpc>
+            <a:spcBef>
+              <a:spcPct val="0"/>
+            </a:spcBef>
+            <a:spcAft>
+              <a:spcPct val="35000"/>
+            </a:spcAft>
+          </a:pPr>
+          <a:r>
+            <a:rPr lang="en-US" sz="1100" kern="800" spc="0" baseline="0" dirty="0" smtClean="0">
+              <a:solidFill>
+                <a:schemeClr val="bg1"/>
+              </a:solidFill>
+              <a:hlinkClick xmlns:r="http://schemas.openxmlformats.org/officeDocument/2006/relationships" r:id="rId3"/>
+            </a:rPr>
+            <a:t>Choose your own adventure</a:t>
+          </a:r>
+          <a:endParaRPr lang="en-US" sz="1100" kern="800" spc="0" baseline="0" dirty="0">
+            <a:solidFill>
+              <a:schemeClr val="bg1"/>
+            </a:solidFill>
+          </a:endParaRPr>
+        </a:p>
+      </dsp:txBody>
+      <dsp:txXfrm>
+        <a:off x="3068834" y="892"/>
+        <a:ext cx="1178681" cy="707208"/>
+      </dsp:txXfrm>
+    </dsp:sp>
+    <dsp:sp modelId="{68595508-6B7C-41BF-B427-CA8030A3B6DD}">
+      <dsp:nvSpPr>
+        <dsp:cNvPr id="0" name=""/>
+        <dsp:cNvSpPr/>
+      </dsp:nvSpPr>
+      <dsp:spPr>
+        <a:xfrm>
+          <a:off x="4365383" y="892"/>
+          <a:ext cx="1178681" cy="707208"/>
+        </a:xfrm>
+        <a:prstGeom prst="rect">
+          <a:avLst/>
+        </a:prstGeom>
+        <a:solidFill>
+          <a:schemeClr val="accent2"/>
+        </a:solidFill>
+        <a:ln w="19050" cap="flat" cmpd="sng" algn="ctr">
+          <a:solidFill>
+            <a:schemeClr val="lt1">
+              <a:hueOff val="0"/>
+              <a:satOff val="0"/>
+              <a:lumOff val="0"/>
+              <a:alphaOff val="0"/>
+            </a:schemeClr>
+          </a:solidFill>
+          <a:prstDash val="solid"/>
+        </a:ln>
+        <a:effectLst/>
+      </dsp:spPr>
+      <dsp:style>
+        <a:lnRef idx="2">
+          <a:scrgbClr r="0" g="0" b="0"/>
+        </a:lnRef>
+        <a:fillRef idx="1">
+          <a:scrgbClr r="0" g="0" b="0"/>
+        </a:fillRef>
+        <a:effectRef idx="0">
+          <a:scrgbClr r="0" g="0" b="0"/>
+        </a:effectRef>
+        <a:fontRef idx="minor">
+          <a:schemeClr val="lt1"/>
+        </a:fontRef>
+      </dsp:style>
+      <dsp:txBody>
+        <a:bodyPr spcFirstLastPara="0" vert="horz" wrap="square" lIns="0" tIns="0" rIns="0" bIns="0" numCol="1" spcCol="1270" anchor="ctr" anchorCtr="1">
+          <a:noAutofit/>
+        </a:bodyPr>
+        <a:lstStyle/>
+        <a:p>
+          <a:pPr lvl="0" algn="ctr" defTabSz="933450" rtl="0">
+            <a:lnSpc>
+              <a:spcPct val="90000"/>
+            </a:lnSpc>
+            <a:spcBef>
+              <a:spcPct val="0"/>
+            </a:spcBef>
+            <a:spcAft>
+              <a:spcPct val="35000"/>
+            </a:spcAft>
+          </a:pPr>
+          <a:r>
+            <a:rPr lang="en-US" sz="2100" kern="800" spc="0" baseline="0" dirty="0" smtClean="0">
+              <a:solidFill>
+                <a:schemeClr val="bg1"/>
+              </a:solidFill>
+              <a:hlinkClick xmlns:r="http://schemas.openxmlformats.org/officeDocument/2006/relationships" r:id="rId4"/>
+            </a:rPr>
+            <a:t>Matlab</a:t>
+          </a:r>
+          <a:endParaRPr lang="en-US" sz="2100" kern="800" spc="0" baseline="0" dirty="0">
+            <a:solidFill>
+              <a:schemeClr val="bg1"/>
+            </a:solidFill>
+          </a:endParaRPr>
+        </a:p>
+      </dsp:txBody>
+      <dsp:txXfrm>
+        <a:off x="4365383" y="892"/>
+        <a:ext cx="1178681" cy="707208"/>
+      </dsp:txXfrm>
+    </dsp:sp>
+    <dsp:sp modelId="{81654458-C405-4341-8C38-1872C057BFB4}">
+      <dsp:nvSpPr>
+        <dsp:cNvPr id="0" name=""/>
+        <dsp:cNvSpPr/>
+      </dsp:nvSpPr>
+      <dsp:spPr>
+        <a:xfrm>
+          <a:off x="475734" y="825969"/>
+          <a:ext cx="1178681" cy="707208"/>
+        </a:xfrm>
+        <a:prstGeom prst="rect">
+          <a:avLst/>
+        </a:prstGeom>
+        <a:solidFill>
+          <a:schemeClr val="accent2"/>
+        </a:solidFill>
+        <a:ln w="19050" cap="flat" cmpd="sng" algn="ctr">
+          <a:solidFill>
+            <a:schemeClr val="lt1">
+              <a:hueOff val="0"/>
+              <a:satOff val="0"/>
+              <a:lumOff val="0"/>
+              <a:alphaOff val="0"/>
+            </a:schemeClr>
+          </a:solidFill>
+          <a:prstDash val="solid"/>
+        </a:ln>
+        <a:effectLst/>
+      </dsp:spPr>
+      <dsp:style>
+        <a:lnRef idx="2">
+          <a:scrgbClr r="0" g="0" b="0"/>
+        </a:lnRef>
+        <a:fillRef idx="1">
+          <a:scrgbClr r="0" g="0" b="0"/>
+        </a:fillRef>
+        <a:effectRef idx="0">
+          <a:scrgbClr r="0" g="0" b="0"/>
+        </a:effectRef>
+        <a:fontRef idx="minor">
+          <a:schemeClr val="lt1"/>
+        </a:fontRef>
+      </dsp:style>
+      <dsp:txBody>
+        <a:bodyPr spcFirstLastPara="0" vert="horz" wrap="square" lIns="0" tIns="0" rIns="0" bIns="0" numCol="1" spcCol="1270" anchor="ctr" anchorCtr="1">
+          <a:noAutofit/>
+        </a:bodyPr>
+        <a:lstStyle/>
+        <a:p>
+          <a:pPr lvl="0" algn="ctr" defTabSz="1422400" rtl="0">
+            <a:lnSpc>
+              <a:spcPct val="90000"/>
+            </a:lnSpc>
+            <a:spcBef>
+              <a:spcPct val="0"/>
+            </a:spcBef>
+            <a:spcAft>
+              <a:spcPct val="35000"/>
+            </a:spcAft>
+          </a:pPr>
+          <a:r>
+            <a:rPr lang="en-US" sz="3200" kern="800" spc="0" baseline="0" dirty="0" smtClean="0">
+              <a:solidFill>
+                <a:schemeClr val="bg1"/>
+              </a:solidFill>
+              <a:hlinkClick xmlns:r="http://schemas.openxmlformats.org/officeDocument/2006/relationships" r:id="rId5"/>
+            </a:rPr>
+            <a:t>RSS</a:t>
+          </a:r>
+          <a:endParaRPr lang="en-US" sz="3200" kern="800" spc="0" baseline="0" dirty="0">
+            <a:solidFill>
+              <a:schemeClr val="bg1"/>
+            </a:solidFill>
+          </a:endParaRPr>
+        </a:p>
+      </dsp:txBody>
+      <dsp:txXfrm>
+        <a:off x="475734" y="825969"/>
+        <a:ext cx="1178681" cy="707208"/>
+      </dsp:txXfrm>
+    </dsp:sp>
+    <dsp:sp modelId="{34FDB0CA-EA4F-4BFE-96D1-0E54D0B880A9}">
+      <dsp:nvSpPr>
+        <dsp:cNvPr id="0" name=""/>
+        <dsp:cNvSpPr/>
+      </dsp:nvSpPr>
+      <dsp:spPr>
+        <a:xfrm>
+          <a:off x="1772284" y="825969"/>
+          <a:ext cx="1178681" cy="707208"/>
+        </a:xfrm>
+        <a:prstGeom prst="rect">
+          <a:avLst/>
+        </a:prstGeom>
+        <a:solidFill>
+          <a:schemeClr val="accent2"/>
+        </a:solidFill>
+        <a:ln w="19050" cap="flat" cmpd="sng" algn="ctr">
+          <a:solidFill>
+            <a:schemeClr val="lt1">
+              <a:hueOff val="0"/>
+              <a:satOff val="0"/>
+              <a:lumOff val="0"/>
+              <a:alphaOff val="0"/>
+            </a:schemeClr>
+          </a:solidFill>
+          <a:prstDash val="solid"/>
+        </a:ln>
+        <a:effectLst/>
+      </dsp:spPr>
+      <dsp:style>
+        <a:lnRef idx="2">
+          <a:scrgbClr r="0" g="0" b="0"/>
+        </a:lnRef>
+        <a:fillRef idx="1">
+          <a:scrgbClr r="0" g="0" b="0"/>
+        </a:fillRef>
+        <a:effectRef idx="0">
+          <a:scrgbClr r="0" g="0" b="0"/>
+        </a:effectRef>
+        <a:fontRef idx="minor">
+          <a:schemeClr val="lt1"/>
+        </a:fontRef>
+      </dsp:style>
+      <dsp:txBody>
+        <a:bodyPr spcFirstLastPara="0" vert="horz" wrap="square" lIns="0" tIns="0" rIns="0" bIns="0" numCol="1" spcCol="1270" anchor="ctr" anchorCtr="1">
+          <a:noAutofit/>
+        </a:bodyPr>
+        <a:lstStyle/>
+        <a:p>
+          <a:pPr lvl="0" algn="ctr" defTabSz="1022350" rtl="0">
+            <a:lnSpc>
+              <a:spcPct val="90000"/>
+            </a:lnSpc>
+            <a:spcBef>
+              <a:spcPct val="0"/>
+            </a:spcBef>
+            <a:spcAft>
+              <a:spcPct val="35000"/>
+            </a:spcAft>
+          </a:pPr>
+          <a:r>
+            <a:rPr lang="en-US" sz="2300" kern="800" spc="0" baseline="0" dirty="0" smtClean="0">
+              <a:solidFill>
+                <a:schemeClr val="bg1"/>
+              </a:solidFill>
+            </a:rPr>
+            <a:t>DBML</a:t>
+          </a:r>
+          <a:endParaRPr lang="en-US" sz="2300" kern="800" spc="0" baseline="0" dirty="0">
+            <a:solidFill>
+              <a:schemeClr val="bg1"/>
+            </a:solidFill>
+          </a:endParaRPr>
+        </a:p>
+      </dsp:txBody>
+      <dsp:txXfrm>
+        <a:off x="1772284" y="825969"/>
+        <a:ext cx="1178681" cy="707208"/>
+      </dsp:txXfrm>
+    </dsp:sp>
+    <dsp:sp modelId="{54788F00-332C-4CF5-93F0-38CA61254BEF}">
+      <dsp:nvSpPr>
+        <dsp:cNvPr id="0" name=""/>
+        <dsp:cNvSpPr/>
+      </dsp:nvSpPr>
+      <dsp:spPr>
+        <a:xfrm>
+          <a:off x="3068834" y="825969"/>
+          <a:ext cx="1178681" cy="707208"/>
+        </a:xfrm>
+        <a:prstGeom prst="rect">
+          <a:avLst/>
+        </a:prstGeom>
+        <a:solidFill>
+          <a:schemeClr val="accent2"/>
+        </a:solidFill>
+        <a:ln w="19050" cap="flat" cmpd="sng" algn="ctr">
+          <a:solidFill>
+            <a:schemeClr val="lt1">
+              <a:hueOff val="0"/>
+              <a:satOff val="0"/>
+              <a:lumOff val="0"/>
+              <a:alphaOff val="0"/>
+            </a:schemeClr>
+          </a:solidFill>
+          <a:prstDash val="solid"/>
+        </a:ln>
+        <a:effectLst/>
+      </dsp:spPr>
+      <dsp:style>
+        <a:lnRef idx="2">
+          <a:scrgbClr r="0" g="0" b="0"/>
+        </a:lnRef>
+        <a:fillRef idx="1">
+          <a:scrgbClr r="0" g="0" b="0"/>
+        </a:fillRef>
+        <a:effectRef idx="0">
+          <a:scrgbClr r="0" g="0" b="0"/>
+        </a:effectRef>
+        <a:fontRef idx="minor">
+          <a:schemeClr val="lt1"/>
+        </a:fontRef>
+      </dsp:style>
+      <dsp:txBody>
+        <a:bodyPr spcFirstLastPara="0" vert="horz" wrap="square" lIns="0" tIns="0" rIns="0" bIns="0" numCol="1" spcCol="1270" anchor="ctr" anchorCtr="1">
+          <a:noAutofit/>
+        </a:bodyPr>
+        <a:lstStyle/>
+        <a:p>
+          <a:pPr lvl="0" algn="ctr" defTabSz="889000" rtl="0">
+            <a:lnSpc>
+              <a:spcPct val="90000"/>
+            </a:lnSpc>
+            <a:spcBef>
+              <a:spcPct val="0"/>
+            </a:spcBef>
+            <a:spcAft>
+              <a:spcPct val="35000"/>
+            </a:spcAft>
+          </a:pPr>
+          <a:r>
+            <a:rPr lang="en-US" sz="2000" kern="800" spc="0" baseline="0" dirty="0" smtClean="0">
+              <a:solidFill>
+                <a:schemeClr val="bg1"/>
+              </a:solidFill>
+            </a:rPr>
+            <a:t>EDMX</a:t>
+          </a:r>
+          <a:endParaRPr lang="en-US" sz="2000" kern="800" spc="0" baseline="0" dirty="0">
+            <a:solidFill>
+              <a:schemeClr val="bg1"/>
+            </a:solidFill>
+          </a:endParaRPr>
+        </a:p>
+      </dsp:txBody>
+      <dsp:txXfrm>
+        <a:off x="3068834" y="825969"/>
+        <a:ext cx="1178681" cy="707208"/>
+      </dsp:txXfrm>
+    </dsp:sp>
+    <dsp:sp modelId="{CB127872-49AA-4652-BCC7-A57D81980281}">
+      <dsp:nvSpPr>
+        <dsp:cNvPr id="0" name=""/>
+        <dsp:cNvSpPr/>
+      </dsp:nvSpPr>
+      <dsp:spPr>
+        <a:xfrm>
+          <a:off x="4365383" y="825969"/>
+          <a:ext cx="1178681" cy="707208"/>
+        </a:xfrm>
+        <a:prstGeom prst="rect">
+          <a:avLst/>
+        </a:prstGeom>
+        <a:solidFill>
+          <a:schemeClr val="accent2"/>
+        </a:solidFill>
+        <a:ln w="19050" cap="flat" cmpd="sng" algn="ctr">
+          <a:solidFill>
+            <a:schemeClr val="lt1">
+              <a:hueOff val="0"/>
+              <a:satOff val="0"/>
+              <a:lumOff val="0"/>
+              <a:alphaOff val="0"/>
+            </a:schemeClr>
+          </a:solidFill>
+          <a:prstDash val="solid"/>
+        </a:ln>
+        <a:effectLst/>
+      </dsp:spPr>
+      <dsp:style>
+        <a:lnRef idx="2">
+          <a:scrgbClr r="0" g="0" b="0"/>
+        </a:lnRef>
+        <a:fillRef idx="1">
+          <a:scrgbClr r="0" g="0" b="0"/>
+        </a:fillRef>
+        <a:effectRef idx="0">
+          <a:scrgbClr r="0" g="0" b="0"/>
+        </a:effectRef>
+        <a:fontRef idx="minor">
+          <a:schemeClr val="lt1"/>
+        </a:fontRef>
+      </dsp:style>
+      <dsp:txBody>
+        <a:bodyPr spcFirstLastPara="0" vert="horz" wrap="square" lIns="0" tIns="0" rIns="0" bIns="0" numCol="1" spcCol="1270" anchor="ctr" anchorCtr="1">
+          <a:noAutofit/>
+        </a:bodyPr>
+        <a:lstStyle/>
+        <a:p>
+          <a:pPr lvl="0" algn="ctr" defTabSz="889000">
+            <a:lnSpc>
+              <a:spcPct val="90000"/>
+            </a:lnSpc>
+            <a:spcBef>
+              <a:spcPct val="0"/>
+            </a:spcBef>
+            <a:spcAft>
+              <a:spcPct val="35000"/>
+            </a:spcAft>
+          </a:pPr>
+          <a:r>
+            <a:rPr lang="en-US" sz="2000" kern="800" spc="0" baseline="0" dirty="0" smtClean="0">
+              <a:solidFill>
+                <a:schemeClr val="bg1"/>
+              </a:solidFill>
+              <a:hlinkClick xmlns:r="http://schemas.openxmlformats.org/officeDocument/2006/relationships" r:id="rId6"/>
+            </a:rPr>
+            <a:t>SignalR</a:t>
+          </a:r>
+          <a:endParaRPr lang="en-US" sz="2000" kern="800" spc="0" baseline="0" dirty="0"/>
+        </a:p>
+      </dsp:txBody>
+      <dsp:txXfrm>
+        <a:off x="4365383" y="825969"/>
+        <a:ext cx="1178681" cy="707208"/>
+      </dsp:txXfrm>
+    </dsp:sp>
+    <dsp:sp modelId="{FA328A23-B0DA-44BF-8005-52DA03D7449F}">
+      <dsp:nvSpPr>
+        <dsp:cNvPr id="0" name=""/>
+        <dsp:cNvSpPr/>
+      </dsp:nvSpPr>
+      <dsp:spPr>
+        <a:xfrm>
+          <a:off x="475734" y="1651046"/>
+          <a:ext cx="1178681" cy="707208"/>
+        </a:xfrm>
+        <a:prstGeom prst="rect">
+          <a:avLst/>
+        </a:prstGeom>
+        <a:solidFill>
+          <a:schemeClr val="accent2"/>
+        </a:solidFill>
+        <a:ln w="19050" cap="flat" cmpd="sng" algn="ctr">
+          <a:solidFill>
+            <a:schemeClr val="lt1">
+              <a:hueOff val="0"/>
+              <a:satOff val="0"/>
+              <a:lumOff val="0"/>
+              <a:alphaOff val="0"/>
+            </a:schemeClr>
+          </a:solidFill>
+          <a:prstDash val="solid"/>
+        </a:ln>
+        <a:effectLst/>
+      </dsp:spPr>
+      <dsp:style>
+        <a:lnRef idx="2">
+          <a:scrgbClr r="0" g="0" b="0"/>
+        </a:lnRef>
+        <a:fillRef idx="1">
+          <a:scrgbClr r="0" g="0" b="0"/>
+        </a:fillRef>
+        <a:effectRef idx="0">
+          <a:scrgbClr r="0" g="0" b="0"/>
+        </a:effectRef>
+        <a:fontRef idx="minor">
+          <a:schemeClr val="lt1"/>
+        </a:fontRef>
+      </dsp:style>
+      <dsp:txBody>
+        <a:bodyPr spcFirstLastPara="0" vert="horz" wrap="square" lIns="0" tIns="0" rIns="0" bIns="0" numCol="1" spcCol="1270" anchor="ctr" anchorCtr="1">
+          <a:noAutofit/>
+        </a:bodyPr>
+        <a:lstStyle/>
+        <a:p>
+          <a:pPr lvl="0" algn="ctr" defTabSz="711200" rtl="0">
+            <a:lnSpc>
+              <a:spcPct val="90000"/>
+            </a:lnSpc>
+            <a:spcBef>
+              <a:spcPct val="0"/>
+            </a:spcBef>
+            <a:spcAft>
+              <a:spcPct val="35000"/>
+            </a:spcAft>
+          </a:pPr>
+          <a:r>
+            <a:rPr lang="en-US" sz="1600" kern="800" spc="0" baseline="0" dirty="0" smtClean="0">
+              <a:solidFill>
+                <a:schemeClr val="bg1"/>
+              </a:solidFill>
+              <a:hlinkClick xmlns:r="http://schemas.openxmlformats.org/officeDocument/2006/relationships" r:id="rId7"/>
+            </a:rPr>
+            <a:t>FunScript</a:t>
+          </a:r>
+          <a:endParaRPr lang="en-US" sz="1600" kern="800" spc="0" baseline="0" dirty="0">
+            <a:solidFill>
+              <a:schemeClr val="bg1"/>
+            </a:solidFill>
+          </a:endParaRPr>
+        </a:p>
+      </dsp:txBody>
+      <dsp:txXfrm>
+        <a:off x="475734" y="1651046"/>
+        <a:ext cx="1178681" cy="707208"/>
+      </dsp:txXfrm>
+    </dsp:sp>
+    <dsp:sp modelId="{D83F89E9-4A45-44B3-AC02-4867E5F9D4CD}">
+      <dsp:nvSpPr>
+        <dsp:cNvPr id="0" name=""/>
+        <dsp:cNvSpPr/>
+      </dsp:nvSpPr>
+      <dsp:spPr>
+        <a:xfrm>
+          <a:off x="1772284" y="1651046"/>
+          <a:ext cx="1178681" cy="707208"/>
+        </a:xfrm>
+        <a:prstGeom prst="rect">
+          <a:avLst/>
+        </a:prstGeom>
+        <a:solidFill>
+          <a:schemeClr val="accent2"/>
+        </a:solidFill>
+        <a:ln w="19050" cap="flat" cmpd="sng" algn="ctr">
+          <a:solidFill>
+            <a:schemeClr val="lt1">
+              <a:hueOff val="0"/>
+              <a:satOff val="0"/>
+              <a:lumOff val="0"/>
+              <a:alphaOff val="0"/>
+            </a:schemeClr>
+          </a:solidFill>
+          <a:prstDash val="solid"/>
+        </a:ln>
+        <a:effectLst/>
+      </dsp:spPr>
+      <dsp:style>
+        <a:lnRef idx="2">
+          <a:scrgbClr r="0" g="0" b="0"/>
+        </a:lnRef>
+        <a:fillRef idx="1">
+          <a:scrgbClr r="0" g="0" b="0"/>
+        </a:fillRef>
+        <a:effectRef idx="0">
+          <a:scrgbClr r="0" g="0" b="0"/>
+        </a:effectRef>
+        <a:fontRef idx="minor">
+          <a:schemeClr val="lt1"/>
+        </a:fontRef>
+      </dsp:style>
+      <dsp:txBody>
+        <a:bodyPr spcFirstLastPara="0" vert="horz" wrap="square" lIns="0" tIns="0" rIns="0" bIns="0" numCol="1" spcCol="1270" anchor="ctr" anchorCtr="1">
+          <a:noAutofit/>
+        </a:bodyPr>
+        <a:lstStyle/>
+        <a:p>
+          <a:pPr lvl="0" algn="ctr" defTabSz="2044700" rtl="0">
+            <a:lnSpc>
+              <a:spcPct val="90000"/>
+            </a:lnSpc>
+            <a:spcBef>
+              <a:spcPct val="0"/>
+            </a:spcBef>
+            <a:spcAft>
+              <a:spcPct val="35000"/>
+            </a:spcAft>
+          </a:pPr>
+          <a:r>
+            <a:rPr lang="en-US" sz="4600" kern="800" spc="0" baseline="0" dirty="0" smtClean="0">
+              <a:solidFill>
+                <a:schemeClr val="bg1"/>
+              </a:solidFill>
+              <a:hlinkClick xmlns:r="http://schemas.openxmlformats.org/officeDocument/2006/relationships" r:id="rId8"/>
+            </a:rPr>
+            <a:t>R</a:t>
+          </a:r>
+          <a:endParaRPr lang="en-US" sz="4600" kern="800" spc="0" baseline="0" dirty="0">
+            <a:solidFill>
+              <a:schemeClr val="bg1"/>
+            </a:solidFill>
+          </a:endParaRPr>
+        </a:p>
+      </dsp:txBody>
+      <dsp:txXfrm>
+        <a:off x="1772284" y="1651046"/>
+        <a:ext cx="1178681" cy="707208"/>
+      </dsp:txXfrm>
+    </dsp:sp>
+    <dsp:sp modelId="{F894333E-0685-4941-BBEF-1EFEA4922A96}">
+      <dsp:nvSpPr>
+        <dsp:cNvPr id="0" name=""/>
+        <dsp:cNvSpPr/>
+      </dsp:nvSpPr>
+      <dsp:spPr>
+        <a:xfrm>
+          <a:off x="3068834" y="1651046"/>
+          <a:ext cx="1178681" cy="707208"/>
+        </a:xfrm>
+        <a:prstGeom prst="rect">
+          <a:avLst/>
+        </a:prstGeom>
+        <a:solidFill>
+          <a:schemeClr val="accent2"/>
+        </a:solidFill>
+        <a:ln w="19050" cap="flat" cmpd="sng" algn="ctr">
+          <a:solidFill>
+            <a:schemeClr val="lt1">
+              <a:hueOff val="0"/>
+              <a:satOff val="0"/>
+              <a:lumOff val="0"/>
+              <a:alphaOff val="0"/>
+            </a:schemeClr>
+          </a:solidFill>
+          <a:prstDash val="solid"/>
+        </a:ln>
+        <a:effectLst/>
+      </dsp:spPr>
+      <dsp:style>
+        <a:lnRef idx="2">
+          <a:scrgbClr r="0" g="0" b="0"/>
+        </a:lnRef>
+        <a:fillRef idx="1">
+          <a:scrgbClr r="0" g="0" b="0"/>
+        </a:fillRef>
+        <a:effectRef idx="0">
+          <a:scrgbClr r="0" g="0" b="0"/>
+        </a:effectRef>
+        <a:fontRef idx="minor">
+          <a:schemeClr val="lt1"/>
+        </a:fontRef>
+      </dsp:style>
+      <dsp:txBody>
+        <a:bodyPr spcFirstLastPara="0" vert="horz" wrap="square" lIns="0" tIns="0" rIns="0" bIns="0" numCol="1" spcCol="1270" anchor="ctr" anchorCtr="1">
+          <a:noAutofit/>
+        </a:bodyPr>
+        <a:lstStyle/>
+        <a:p>
+          <a:pPr lvl="0" algn="ctr" defTabSz="889000" rtl="0">
+            <a:lnSpc>
+              <a:spcPct val="90000"/>
+            </a:lnSpc>
+            <a:spcBef>
+              <a:spcPct val="0"/>
+            </a:spcBef>
+            <a:spcAft>
+              <a:spcPct val="35000"/>
+            </a:spcAft>
+          </a:pPr>
+          <a:r>
+            <a:rPr lang="en-US" sz="2000" kern="800" spc="0" baseline="0" dirty="0" smtClean="0">
+              <a:solidFill>
+                <a:schemeClr val="bg1"/>
+              </a:solidFill>
+              <a:hlinkClick xmlns:r="http://schemas.openxmlformats.org/officeDocument/2006/relationships" r:id="rId9"/>
+            </a:rPr>
+            <a:t>Python</a:t>
+          </a:r>
+          <a:endParaRPr lang="en-US" sz="2000" kern="800" spc="0" baseline="0" dirty="0">
+            <a:solidFill>
+              <a:schemeClr val="bg1"/>
+            </a:solidFill>
+          </a:endParaRPr>
+        </a:p>
+      </dsp:txBody>
+      <dsp:txXfrm>
+        <a:off x="3068834" y="1651046"/>
+        <a:ext cx="1178681" cy="707208"/>
+      </dsp:txXfrm>
+    </dsp:sp>
+    <dsp:sp modelId="{2595A267-D970-4104-BFFE-400172540BBA}">
+      <dsp:nvSpPr>
+        <dsp:cNvPr id="0" name=""/>
+        <dsp:cNvSpPr/>
+      </dsp:nvSpPr>
+      <dsp:spPr>
+        <a:xfrm>
+          <a:off x="4365383" y="1651046"/>
+          <a:ext cx="1178681" cy="707208"/>
+        </a:xfrm>
+        <a:prstGeom prst="rect">
+          <a:avLst/>
+        </a:prstGeom>
+        <a:solidFill>
+          <a:schemeClr val="accent2"/>
+        </a:solidFill>
+        <a:ln w="19050" cap="flat" cmpd="sng" algn="ctr">
+          <a:solidFill>
+            <a:schemeClr val="lt1">
+              <a:hueOff val="0"/>
+              <a:satOff val="0"/>
+              <a:lumOff val="0"/>
+              <a:alphaOff val="0"/>
+            </a:schemeClr>
+          </a:solidFill>
+          <a:prstDash val="solid"/>
+        </a:ln>
+        <a:effectLst/>
+      </dsp:spPr>
+      <dsp:style>
+        <a:lnRef idx="2">
+          <a:scrgbClr r="0" g="0" b="0"/>
+        </a:lnRef>
+        <a:fillRef idx="1">
+          <a:scrgbClr r="0" g="0" b="0"/>
+        </a:fillRef>
+        <a:effectRef idx="0">
+          <a:scrgbClr r="0" g="0" b="0"/>
+        </a:effectRef>
+        <a:fontRef idx="minor">
+          <a:schemeClr val="lt1"/>
+        </a:fontRef>
+      </dsp:style>
+      <dsp:txBody>
+        <a:bodyPr spcFirstLastPara="0" vert="horz" wrap="square" lIns="0" tIns="0" rIns="0" bIns="0" numCol="1" spcCol="1270" anchor="ctr" anchorCtr="1">
+          <a:noAutofit/>
+        </a:bodyPr>
+        <a:lstStyle/>
+        <a:p>
+          <a:pPr lvl="0" algn="ctr" defTabSz="533400" rtl="0">
+            <a:lnSpc>
+              <a:spcPct val="90000"/>
+            </a:lnSpc>
+            <a:spcBef>
+              <a:spcPct val="0"/>
+            </a:spcBef>
+            <a:spcAft>
+              <a:spcPct val="35000"/>
+            </a:spcAft>
+          </a:pPr>
+          <a:r>
+            <a:rPr lang="en-US" sz="1200" kern="800" spc="0" baseline="0" dirty="0" smtClean="0">
+              <a:solidFill>
+                <a:schemeClr val="bg1"/>
+              </a:solidFill>
+              <a:hlinkClick xmlns:r="http://schemas.openxmlformats.org/officeDocument/2006/relationships" r:id="rId10"/>
+            </a:rPr>
+            <a:t>MS Dynamics CRM</a:t>
+          </a:r>
+          <a:endParaRPr lang="en-US" sz="1200" kern="800" spc="0" baseline="0" dirty="0">
+            <a:solidFill>
+              <a:schemeClr val="bg1"/>
+            </a:solidFill>
+          </a:endParaRPr>
+        </a:p>
+      </dsp:txBody>
+      <dsp:txXfrm>
+        <a:off x="4365383" y="1651046"/>
+        <a:ext cx="1178681" cy="707208"/>
+      </dsp:txXfrm>
+    </dsp:sp>
+    <dsp:sp modelId="{3283098E-8035-4644-B0A0-F5E9B8671307}">
+      <dsp:nvSpPr>
+        <dsp:cNvPr id="0" name=""/>
+        <dsp:cNvSpPr/>
+      </dsp:nvSpPr>
+      <dsp:spPr>
+        <a:xfrm>
+          <a:off x="475734" y="2476124"/>
+          <a:ext cx="1178681" cy="707208"/>
+        </a:xfrm>
+        <a:prstGeom prst="rect">
+          <a:avLst/>
+        </a:prstGeom>
+        <a:solidFill>
+          <a:schemeClr val="accent2"/>
+        </a:solidFill>
+        <a:ln w="19050" cap="flat" cmpd="sng" algn="ctr">
+          <a:solidFill>
+            <a:schemeClr val="lt1">
+              <a:hueOff val="0"/>
+              <a:satOff val="0"/>
+              <a:lumOff val="0"/>
+              <a:alphaOff val="0"/>
+            </a:schemeClr>
+          </a:solidFill>
+          <a:prstDash val="solid"/>
+        </a:ln>
+        <a:effectLst/>
+      </dsp:spPr>
+      <dsp:style>
+        <a:lnRef idx="2">
+          <a:scrgbClr r="0" g="0" b="0"/>
+        </a:lnRef>
+        <a:fillRef idx="1">
+          <a:scrgbClr r="0" g="0" b="0"/>
+        </a:fillRef>
+        <a:effectRef idx="0">
+          <a:scrgbClr r="0" g="0" b="0"/>
+        </a:effectRef>
+        <a:fontRef idx="minor">
+          <a:schemeClr val="lt1"/>
+        </a:fontRef>
+      </dsp:style>
+      <dsp:txBody>
+        <a:bodyPr spcFirstLastPara="0" vert="horz" wrap="square" lIns="0" tIns="0" rIns="0" bIns="0" numCol="1" spcCol="1270" anchor="ctr" anchorCtr="1">
+          <a:noAutofit/>
+        </a:bodyPr>
+        <a:lstStyle/>
+        <a:p>
+          <a:pPr lvl="0" algn="ctr" defTabSz="800100" rtl="0">
+            <a:lnSpc>
+              <a:spcPct val="90000"/>
+            </a:lnSpc>
+            <a:spcBef>
+              <a:spcPct val="0"/>
+            </a:spcBef>
+            <a:spcAft>
+              <a:spcPct val="35000"/>
+            </a:spcAft>
+          </a:pPr>
+          <a:r>
+            <a:rPr lang="en-US" sz="1800" kern="800" spc="0" baseline="0" dirty="0" smtClean="0">
+              <a:solidFill>
+                <a:schemeClr val="bg1"/>
+              </a:solidFill>
+              <a:hlinkClick xmlns:r="http://schemas.openxmlformats.org/officeDocument/2006/relationships" r:id="rId11"/>
+            </a:rPr>
+            <a:t>World Bank</a:t>
+          </a:r>
+          <a:endParaRPr lang="en-US" sz="1800" kern="800" spc="0" baseline="0" dirty="0">
+            <a:solidFill>
+              <a:schemeClr val="bg1"/>
+            </a:solidFill>
+          </a:endParaRPr>
+        </a:p>
+      </dsp:txBody>
+      <dsp:txXfrm>
+        <a:off x="475734" y="2476124"/>
+        <a:ext cx="1178681" cy="707208"/>
+      </dsp:txXfrm>
+    </dsp:sp>
+    <dsp:sp modelId="{8C4399B4-19DE-494A-93D3-99E22C330D97}">
+      <dsp:nvSpPr>
+        <dsp:cNvPr id="0" name=""/>
+        <dsp:cNvSpPr/>
+      </dsp:nvSpPr>
+      <dsp:spPr>
+        <a:xfrm>
+          <a:off x="1772284" y="2476124"/>
+          <a:ext cx="1178681" cy="707208"/>
+        </a:xfrm>
+        <a:prstGeom prst="rect">
+          <a:avLst/>
+        </a:prstGeom>
+        <a:solidFill>
+          <a:schemeClr val="accent2"/>
+        </a:solidFill>
+        <a:ln w="19050" cap="flat" cmpd="sng" algn="ctr">
+          <a:solidFill>
+            <a:schemeClr val="lt1">
+              <a:hueOff val="0"/>
+              <a:satOff val="0"/>
+              <a:lumOff val="0"/>
+              <a:alphaOff val="0"/>
+            </a:schemeClr>
+          </a:solidFill>
+          <a:prstDash val="solid"/>
+        </a:ln>
+        <a:effectLst/>
+      </dsp:spPr>
+      <dsp:style>
+        <a:lnRef idx="2">
+          <a:scrgbClr r="0" g="0" b="0"/>
+        </a:lnRef>
+        <a:fillRef idx="1">
+          <a:scrgbClr r="0" g="0" b="0"/>
+        </a:fillRef>
+        <a:effectRef idx="0">
+          <a:scrgbClr r="0" g="0" b="0"/>
+        </a:effectRef>
+        <a:fontRef idx="minor">
+          <a:schemeClr val="lt1"/>
+        </a:fontRef>
+      </dsp:style>
+      <dsp:txBody>
+        <a:bodyPr spcFirstLastPara="0" vert="horz" wrap="square" lIns="0" tIns="0" rIns="0" bIns="0" numCol="1" spcCol="1270" anchor="ctr" anchorCtr="1">
+          <a:noAutofit/>
+        </a:bodyPr>
+        <a:lstStyle/>
+        <a:p>
+          <a:pPr lvl="0" algn="ctr" defTabSz="1066800" rtl="0">
+            <a:lnSpc>
+              <a:spcPct val="90000"/>
+            </a:lnSpc>
+            <a:spcBef>
+              <a:spcPct val="0"/>
+            </a:spcBef>
+            <a:spcAft>
+              <a:spcPct val="35000"/>
+            </a:spcAft>
+          </a:pPr>
+          <a:r>
+            <a:rPr lang="en-US" sz="2400" kern="800" spc="0" baseline="0" dirty="0" smtClean="0">
+              <a:solidFill>
+                <a:schemeClr val="bg1"/>
+              </a:solidFill>
+            </a:rPr>
+            <a:t>Regex</a:t>
+          </a:r>
+          <a:endParaRPr lang="en-US" sz="2400" kern="800" spc="0" baseline="0" dirty="0">
+            <a:solidFill>
+              <a:schemeClr val="bg1"/>
+            </a:solidFill>
+          </a:endParaRPr>
+        </a:p>
+      </dsp:txBody>
+      <dsp:txXfrm>
+        <a:off x="1772284" y="2476124"/>
+        <a:ext cx="1178681" cy="707208"/>
+      </dsp:txXfrm>
+    </dsp:sp>
+    <dsp:sp modelId="{60541CEA-E5E3-43AC-B7FA-C7AFCEE266F4}">
+      <dsp:nvSpPr>
+        <dsp:cNvPr id="0" name=""/>
+        <dsp:cNvSpPr/>
+      </dsp:nvSpPr>
+      <dsp:spPr>
+        <a:xfrm>
+          <a:off x="3068834" y="2476124"/>
+          <a:ext cx="1178681" cy="707208"/>
+        </a:xfrm>
+        <a:prstGeom prst="rect">
+          <a:avLst/>
+        </a:prstGeom>
+        <a:solidFill>
+          <a:schemeClr val="accent2"/>
+        </a:solidFill>
+        <a:ln w="19050" cap="flat" cmpd="sng" algn="ctr">
+          <a:solidFill>
+            <a:schemeClr val="lt1">
+              <a:hueOff val="0"/>
+              <a:satOff val="0"/>
+              <a:lumOff val="0"/>
+              <a:alphaOff val="0"/>
+            </a:schemeClr>
+          </a:solidFill>
+          <a:prstDash val="solid"/>
+        </a:ln>
+        <a:effectLst/>
+      </dsp:spPr>
+      <dsp:style>
+        <a:lnRef idx="2">
+          <a:scrgbClr r="0" g="0" b="0"/>
+        </a:lnRef>
+        <a:fillRef idx="1">
+          <a:scrgbClr r="0" g="0" b="0"/>
+        </a:fillRef>
+        <a:effectRef idx="0">
+          <a:scrgbClr r="0" g="0" b="0"/>
+        </a:effectRef>
+        <a:fontRef idx="minor">
+          <a:schemeClr val="lt1"/>
+        </a:fontRef>
+      </dsp:style>
+      <dsp:txBody>
+        <a:bodyPr spcFirstLastPara="0" vert="horz" wrap="square" lIns="0" tIns="0" rIns="0" bIns="0" numCol="1" spcCol="1270" anchor="ctr" anchorCtr="1">
+          <a:noAutofit/>
+        </a:bodyPr>
+        <a:lstStyle/>
+        <a:p>
+          <a:pPr lvl="0" algn="ctr" defTabSz="711200" rtl="0">
+            <a:lnSpc>
+              <a:spcPct val="90000"/>
+            </a:lnSpc>
+            <a:spcBef>
+              <a:spcPct val="0"/>
+            </a:spcBef>
+            <a:spcAft>
+              <a:spcPct val="35000"/>
+            </a:spcAft>
+          </a:pPr>
+          <a:r>
+            <a:rPr lang="en-US" sz="1600" kern="800" spc="0" baseline="0" dirty="0" smtClean="0">
+              <a:solidFill>
+                <a:schemeClr val="bg1"/>
+              </a:solidFill>
+              <a:hlinkClick xmlns:r="http://schemas.openxmlformats.org/officeDocument/2006/relationships" r:id="rId12"/>
+            </a:rPr>
+            <a:t>Freebase</a:t>
+          </a:r>
+          <a:endParaRPr lang="en-US" sz="1600" kern="800" spc="0" baseline="0" dirty="0">
+            <a:solidFill>
+              <a:schemeClr val="bg1"/>
+            </a:solidFill>
+          </a:endParaRPr>
+        </a:p>
+      </dsp:txBody>
+      <dsp:txXfrm>
+        <a:off x="3068834" y="2476124"/>
+        <a:ext cx="1178681" cy="707208"/>
+      </dsp:txXfrm>
+    </dsp:sp>
+    <dsp:sp modelId="{C615881B-37D3-49C3-B16B-5B1B0F5F13D4}">
+      <dsp:nvSpPr>
+        <dsp:cNvPr id="0" name=""/>
+        <dsp:cNvSpPr/>
+      </dsp:nvSpPr>
+      <dsp:spPr>
+        <a:xfrm>
+          <a:off x="4365383" y="2476124"/>
+          <a:ext cx="1178681" cy="707208"/>
+        </a:xfrm>
+        <a:prstGeom prst="rect">
+          <a:avLst/>
+        </a:prstGeom>
+        <a:solidFill>
+          <a:schemeClr val="accent2"/>
+        </a:solidFill>
+        <a:ln w="19050" cap="flat" cmpd="sng" algn="ctr">
+          <a:solidFill>
+            <a:schemeClr val="lt1">
+              <a:hueOff val="0"/>
+              <a:satOff val="0"/>
+              <a:lumOff val="0"/>
+              <a:alphaOff val="0"/>
+            </a:schemeClr>
+          </a:solidFill>
+          <a:prstDash val="solid"/>
+        </a:ln>
+        <a:effectLst/>
+      </dsp:spPr>
+      <dsp:style>
+        <a:lnRef idx="2">
+          <a:scrgbClr r="0" g="0" b="0"/>
+        </a:lnRef>
+        <a:fillRef idx="1">
+          <a:scrgbClr r="0" g="0" b="0"/>
+        </a:fillRef>
+        <a:effectRef idx="0">
+          <a:scrgbClr r="0" g="0" b="0"/>
+        </a:effectRef>
+        <a:fontRef idx="minor">
+          <a:schemeClr val="lt1"/>
+        </a:fontRef>
+      </dsp:style>
+      <dsp:txBody>
+        <a:bodyPr spcFirstLastPara="0" vert="horz" wrap="square" lIns="0" tIns="0" rIns="0" bIns="0" numCol="1" spcCol="1270" anchor="ctr" anchorCtr="1">
+          <a:noAutofit/>
+        </a:bodyPr>
+        <a:lstStyle/>
+        <a:p>
+          <a:pPr lvl="0" algn="ctr" defTabSz="1422400" rtl="0">
+            <a:lnSpc>
+              <a:spcPct val="90000"/>
+            </a:lnSpc>
+            <a:spcBef>
+              <a:spcPct val="0"/>
+            </a:spcBef>
+            <a:spcAft>
+              <a:spcPct val="35000"/>
+            </a:spcAft>
+          </a:pPr>
+          <a:r>
+            <a:rPr lang="en-US" sz="3200" kern="800" spc="0" baseline="0" dirty="0" smtClean="0">
+              <a:solidFill>
+                <a:schemeClr val="bg1"/>
+              </a:solidFill>
+              <a:hlinkClick xmlns:r="http://schemas.openxmlformats.org/officeDocument/2006/relationships" r:id="rId13"/>
+            </a:rPr>
+            <a:t>CSV</a:t>
+          </a:r>
+          <a:endParaRPr lang="en-US" sz="3200" kern="800" spc="0" baseline="0" dirty="0">
+            <a:solidFill>
+              <a:schemeClr val="bg1"/>
+            </a:solidFill>
+          </a:endParaRPr>
+        </a:p>
+      </dsp:txBody>
+      <dsp:txXfrm>
+        <a:off x="4365383" y="2476124"/>
+        <a:ext cx="1178681" cy="707208"/>
+      </dsp:txXfrm>
+    </dsp:sp>
+    <dsp:sp modelId="{582C1DC7-FE13-4BD2-83F5-E678FF21599B}">
+      <dsp:nvSpPr>
+        <dsp:cNvPr id="0" name=""/>
+        <dsp:cNvSpPr/>
+      </dsp:nvSpPr>
+      <dsp:spPr>
+        <a:xfrm>
+          <a:off x="475734" y="3301201"/>
+          <a:ext cx="1178681" cy="707208"/>
+        </a:xfrm>
+        <a:prstGeom prst="rect">
+          <a:avLst/>
+        </a:prstGeom>
+        <a:solidFill>
+          <a:schemeClr val="accent2"/>
+        </a:solidFill>
+        <a:ln w="19050" cap="flat" cmpd="sng" algn="ctr">
+          <a:solidFill>
+            <a:schemeClr val="lt1">
+              <a:hueOff val="0"/>
+              <a:satOff val="0"/>
+              <a:lumOff val="0"/>
+              <a:alphaOff val="0"/>
+            </a:schemeClr>
+          </a:solidFill>
+          <a:prstDash val="solid"/>
+        </a:ln>
+        <a:effectLst/>
+      </dsp:spPr>
+      <dsp:style>
+        <a:lnRef idx="2">
+          <a:scrgbClr r="0" g="0" b="0"/>
+        </a:lnRef>
+        <a:fillRef idx="1">
+          <a:scrgbClr r="0" g="0" b="0"/>
+        </a:fillRef>
+        <a:effectRef idx="0">
+          <a:scrgbClr r="0" g="0" b="0"/>
+        </a:effectRef>
+        <a:fontRef idx="minor">
+          <a:schemeClr val="lt1"/>
+        </a:fontRef>
+      </dsp:style>
+      <dsp:txBody>
+        <a:bodyPr spcFirstLastPara="0" vert="horz" wrap="square" lIns="0" tIns="0" rIns="0" bIns="0" numCol="1" spcCol="1270" anchor="ctr" anchorCtr="1">
+          <a:noAutofit/>
+        </a:bodyPr>
+        <a:lstStyle/>
+        <a:p>
+          <a:pPr lvl="0" algn="ctr" defTabSz="1066800" rtl="0">
+            <a:lnSpc>
+              <a:spcPct val="90000"/>
+            </a:lnSpc>
+            <a:spcBef>
+              <a:spcPct val="0"/>
+            </a:spcBef>
+            <a:spcAft>
+              <a:spcPct val="35000"/>
+            </a:spcAft>
+          </a:pPr>
+          <a:r>
+            <a:rPr lang="en-US" sz="2400" kern="800" spc="0" baseline="0" dirty="0" smtClean="0">
+              <a:solidFill>
+                <a:schemeClr val="bg1"/>
+              </a:solidFill>
+              <a:hlinkClick xmlns:r="http://schemas.openxmlformats.org/officeDocument/2006/relationships" r:id="rId14"/>
+            </a:rPr>
+            <a:t>JSON</a:t>
+          </a:r>
+          <a:endParaRPr lang="en-US" sz="2400" kern="800" spc="0" baseline="0" dirty="0">
+            <a:solidFill>
+              <a:schemeClr val="bg1"/>
+            </a:solidFill>
+          </a:endParaRPr>
+        </a:p>
+      </dsp:txBody>
+      <dsp:txXfrm>
+        <a:off x="475734" y="3301201"/>
+        <a:ext cx="1178681" cy="707208"/>
+      </dsp:txXfrm>
+    </dsp:sp>
+    <dsp:sp modelId="{03C93693-2A33-4C85-8AE6-190C6E36D59B}">
+      <dsp:nvSpPr>
+        <dsp:cNvPr id="0" name=""/>
+        <dsp:cNvSpPr/>
+      </dsp:nvSpPr>
+      <dsp:spPr>
+        <a:xfrm>
+          <a:off x="1772284" y="3301201"/>
+          <a:ext cx="1178681" cy="707208"/>
+        </a:xfrm>
+        <a:prstGeom prst="rect">
+          <a:avLst/>
+        </a:prstGeom>
+        <a:solidFill>
+          <a:schemeClr val="accent2"/>
+        </a:solidFill>
+        <a:ln w="19050" cap="flat" cmpd="sng" algn="ctr">
+          <a:solidFill>
+            <a:schemeClr val="lt1">
+              <a:hueOff val="0"/>
+              <a:satOff val="0"/>
+              <a:lumOff val="0"/>
+              <a:alphaOff val="0"/>
+            </a:schemeClr>
+          </a:solidFill>
+          <a:prstDash val="solid"/>
+        </a:ln>
+        <a:effectLst/>
+      </dsp:spPr>
+      <dsp:style>
+        <a:lnRef idx="2">
+          <a:scrgbClr r="0" g="0" b="0"/>
+        </a:lnRef>
+        <a:fillRef idx="1">
+          <a:scrgbClr r="0" g="0" b="0"/>
+        </a:fillRef>
+        <a:effectRef idx="0">
+          <a:scrgbClr r="0" g="0" b="0"/>
+        </a:effectRef>
+        <a:fontRef idx="minor">
+          <a:schemeClr val="lt1"/>
+        </a:fontRef>
+      </dsp:style>
+      <dsp:txBody>
+        <a:bodyPr spcFirstLastPara="0" vert="horz" wrap="square" lIns="0" tIns="0" rIns="0" bIns="0" numCol="1" spcCol="1270" anchor="ctr" anchorCtr="1">
+          <a:noAutofit/>
+        </a:bodyPr>
+        <a:lstStyle/>
+        <a:p>
+          <a:pPr lvl="0" algn="ctr" defTabSz="1333500" rtl="0">
+            <a:lnSpc>
+              <a:spcPct val="90000"/>
+            </a:lnSpc>
+            <a:spcBef>
+              <a:spcPct val="0"/>
+            </a:spcBef>
+            <a:spcAft>
+              <a:spcPct val="35000"/>
+            </a:spcAft>
+          </a:pPr>
+          <a:r>
+            <a:rPr lang="en-US" sz="3000" kern="800" spc="0" baseline="0" dirty="0" smtClean="0">
+              <a:solidFill>
+                <a:schemeClr val="bg1"/>
+              </a:solidFill>
+              <a:hlinkClick xmlns:r="http://schemas.openxmlformats.org/officeDocument/2006/relationships" r:id="rId15"/>
+            </a:rPr>
+            <a:t>XML</a:t>
+          </a:r>
+          <a:endParaRPr lang="en-US" sz="3000" kern="800" spc="0" baseline="0" dirty="0">
+            <a:solidFill>
+              <a:schemeClr val="bg1"/>
+            </a:solidFill>
+          </a:endParaRPr>
+        </a:p>
+      </dsp:txBody>
+      <dsp:txXfrm>
+        <a:off x="1772284" y="3301201"/>
+        <a:ext cx="1178681" cy="707208"/>
+      </dsp:txXfrm>
+    </dsp:sp>
+    <dsp:sp modelId="{E764C87E-8B28-4142-AFAD-7059F40D1F83}">
+      <dsp:nvSpPr>
+        <dsp:cNvPr id="0" name=""/>
+        <dsp:cNvSpPr/>
+      </dsp:nvSpPr>
+      <dsp:spPr>
+        <a:xfrm>
+          <a:off x="3068834" y="3301201"/>
+          <a:ext cx="1178681" cy="707208"/>
+        </a:xfrm>
+        <a:prstGeom prst="rect">
+          <a:avLst/>
+        </a:prstGeom>
+        <a:solidFill>
+          <a:schemeClr val="accent2"/>
+        </a:solidFill>
+        <a:ln w="19050" cap="flat" cmpd="sng" algn="ctr">
+          <a:solidFill>
+            <a:schemeClr val="lt1">
+              <a:hueOff val="0"/>
+              <a:satOff val="0"/>
+              <a:lumOff val="0"/>
+              <a:alphaOff val="0"/>
+            </a:schemeClr>
+          </a:solidFill>
+          <a:prstDash val="solid"/>
+        </a:ln>
+        <a:effectLst/>
+      </dsp:spPr>
+      <dsp:style>
+        <a:lnRef idx="2">
+          <a:scrgbClr r="0" g="0" b="0"/>
+        </a:lnRef>
+        <a:fillRef idx="1">
+          <a:scrgbClr r="0" g="0" b="0"/>
+        </a:fillRef>
+        <a:effectRef idx="0">
+          <a:scrgbClr r="0" g="0" b="0"/>
+        </a:effectRef>
+        <a:fontRef idx="minor">
+          <a:schemeClr val="lt1"/>
+        </a:fontRef>
+      </dsp:style>
+      <dsp:txBody>
+        <a:bodyPr spcFirstLastPara="0" vert="horz" wrap="square" lIns="0" tIns="0" rIns="0" bIns="0" numCol="1" spcCol="1270" anchor="ctr" anchorCtr="1">
+          <a:noAutofit/>
+        </a:bodyPr>
+        <a:lstStyle/>
+        <a:p>
+          <a:pPr lvl="0" algn="ctr" defTabSz="1066800" rtl="0">
+            <a:lnSpc>
+              <a:spcPct val="90000"/>
+            </a:lnSpc>
+            <a:spcBef>
+              <a:spcPct val="0"/>
+            </a:spcBef>
+            <a:spcAft>
+              <a:spcPct val="35000"/>
+            </a:spcAft>
+          </a:pPr>
+          <a:r>
+            <a:rPr lang="en-US" sz="2400" kern="800" spc="0" baseline="0" dirty="0" smtClean="0">
+              <a:solidFill>
+                <a:schemeClr val="bg1"/>
+              </a:solidFill>
+            </a:rPr>
+            <a:t>LINQ</a:t>
+          </a:r>
+          <a:endParaRPr lang="en-US" sz="2400" kern="800" spc="0" baseline="0" dirty="0">
+            <a:solidFill>
+              <a:schemeClr val="bg1"/>
+            </a:solidFill>
+          </a:endParaRPr>
+        </a:p>
+      </dsp:txBody>
+      <dsp:txXfrm>
+        <a:off x="3068834" y="3301201"/>
+        <a:ext cx="1178681" cy="707208"/>
+      </dsp:txXfrm>
+    </dsp:sp>
+    <dsp:sp modelId="{A8CC9F3C-CB68-413F-A3D7-658524E77C9D}">
+      <dsp:nvSpPr>
+        <dsp:cNvPr id="0" name=""/>
+        <dsp:cNvSpPr/>
+      </dsp:nvSpPr>
+      <dsp:spPr>
+        <a:xfrm>
+          <a:off x="4365383" y="3301201"/>
+          <a:ext cx="1178681" cy="707208"/>
+        </a:xfrm>
+        <a:prstGeom prst="rect">
+          <a:avLst/>
+        </a:prstGeom>
+        <a:solidFill>
+          <a:schemeClr val="accent2"/>
+        </a:solidFill>
+        <a:ln w="19050" cap="flat" cmpd="sng" algn="ctr">
+          <a:solidFill>
+            <a:schemeClr val="lt1">
+              <a:hueOff val="0"/>
+              <a:satOff val="0"/>
+              <a:lumOff val="0"/>
+              <a:alphaOff val="0"/>
+            </a:schemeClr>
+          </a:solidFill>
+          <a:prstDash val="solid"/>
+        </a:ln>
+        <a:effectLst/>
+      </dsp:spPr>
+      <dsp:style>
+        <a:lnRef idx="2">
+          <a:scrgbClr r="0" g="0" b="0"/>
+        </a:lnRef>
+        <a:fillRef idx="1">
+          <a:scrgbClr r="0" g="0" b="0"/>
+        </a:fillRef>
+        <a:effectRef idx="0">
+          <a:scrgbClr r="0" g="0" b="0"/>
+        </a:effectRef>
+        <a:fontRef idx="minor">
+          <a:schemeClr val="lt1"/>
+        </a:fontRef>
+      </dsp:style>
+      <dsp:txBody>
+        <a:bodyPr spcFirstLastPara="0" vert="horz" wrap="square" lIns="0" tIns="0" rIns="0" bIns="0" numCol="1" spcCol="1270" anchor="ctr" anchorCtr="1">
+          <a:noAutofit/>
+        </a:bodyPr>
+        <a:lstStyle/>
+        <a:p>
+          <a:pPr lvl="0" algn="ctr" defTabSz="1155700" rtl="0">
+            <a:lnSpc>
+              <a:spcPct val="90000"/>
+            </a:lnSpc>
+            <a:spcBef>
+              <a:spcPct val="0"/>
+            </a:spcBef>
+            <a:spcAft>
+              <a:spcPct val="35000"/>
+            </a:spcAft>
+          </a:pPr>
+          <a:r>
+            <a:rPr lang="en-US" sz="2600" kern="800" spc="0" baseline="0" dirty="0" smtClean="0">
+              <a:solidFill>
+                <a:schemeClr val="bg1"/>
+              </a:solidFill>
+              <a:hlinkClick xmlns:r="http://schemas.openxmlformats.org/officeDocument/2006/relationships" r:id="rId16"/>
+            </a:rPr>
+            <a:t>IKVM</a:t>
+          </a:r>
+          <a:endParaRPr lang="en-US" sz="2600" kern="800" spc="0" baseline="0" dirty="0">
+            <a:solidFill>
+              <a:schemeClr val="bg1"/>
+            </a:solidFill>
+          </a:endParaRPr>
+        </a:p>
+      </dsp:txBody>
+      <dsp:txXfrm>
+        <a:off x="4365383" y="3301201"/>
+        <a:ext cx="1178681" cy="707208"/>
+      </dsp:txXfrm>
+    </dsp:sp>
+    <dsp:sp modelId="{A8EBF937-4741-4D32-A88D-036F10E6437F}">
+      <dsp:nvSpPr>
+        <dsp:cNvPr id="0" name=""/>
+        <dsp:cNvSpPr/>
+      </dsp:nvSpPr>
+      <dsp:spPr>
+        <a:xfrm>
+          <a:off x="475734" y="4126278"/>
+          <a:ext cx="1178681" cy="707208"/>
+        </a:xfrm>
+        <a:prstGeom prst="rect">
+          <a:avLst/>
+        </a:prstGeom>
+        <a:solidFill>
+          <a:schemeClr val="accent2"/>
+        </a:solidFill>
+        <a:ln w="19050" cap="flat" cmpd="sng" algn="ctr">
+          <a:solidFill>
+            <a:schemeClr val="lt1">
+              <a:hueOff val="0"/>
+              <a:satOff val="0"/>
+              <a:lumOff val="0"/>
+              <a:alphaOff val="0"/>
+            </a:schemeClr>
+          </a:solidFill>
+          <a:prstDash val="solid"/>
+        </a:ln>
+        <a:effectLst/>
+      </dsp:spPr>
+      <dsp:style>
+        <a:lnRef idx="2">
+          <a:scrgbClr r="0" g="0" b="0"/>
+        </a:lnRef>
+        <a:fillRef idx="1">
+          <a:scrgbClr r="0" g="0" b="0"/>
+        </a:fillRef>
+        <a:effectRef idx="0">
+          <a:scrgbClr r="0" g="0" b="0"/>
+        </a:effectRef>
+        <a:fontRef idx="minor">
+          <a:schemeClr val="lt1"/>
+        </a:fontRef>
+      </dsp:style>
+      <dsp:txBody>
+        <a:bodyPr spcFirstLastPara="0" vert="horz" wrap="square" lIns="0" tIns="0" rIns="0" bIns="0" numCol="1" spcCol="1270" anchor="ctr" anchorCtr="1">
+          <a:noAutofit/>
+        </a:bodyPr>
+        <a:lstStyle/>
+        <a:p>
+          <a:pPr lvl="0" algn="ctr" defTabSz="800100" rtl="0">
+            <a:lnSpc>
+              <a:spcPct val="90000"/>
+            </a:lnSpc>
+            <a:spcBef>
+              <a:spcPct val="0"/>
+            </a:spcBef>
+            <a:spcAft>
+              <a:spcPct val="35000"/>
+            </a:spcAft>
+          </a:pPr>
+          <a:r>
+            <a:rPr lang="en-US" sz="1800" kern="800" spc="0" baseline="0" dirty="0" smtClean="0">
+              <a:solidFill>
+                <a:schemeClr val="bg1"/>
+              </a:solidFill>
+              <a:hlinkClick xmlns:r="http://schemas.openxmlformats.org/officeDocument/2006/relationships" r:id="rId17"/>
+            </a:rPr>
+            <a:t>SQL Server</a:t>
+          </a:r>
+          <a:endParaRPr lang="en-US" sz="1800" kern="800" spc="0" baseline="0" dirty="0">
+            <a:solidFill>
+              <a:schemeClr val="bg1"/>
+            </a:solidFill>
+          </a:endParaRPr>
+        </a:p>
+      </dsp:txBody>
+      <dsp:txXfrm>
+        <a:off x="475734" y="4126278"/>
+        <a:ext cx="1178681" cy="707208"/>
+      </dsp:txXfrm>
+    </dsp:sp>
+    <dsp:sp modelId="{1B91DF7A-8D21-412E-8DAE-E791BD6047FE}">
+      <dsp:nvSpPr>
+        <dsp:cNvPr id="0" name=""/>
+        <dsp:cNvSpPr/>
+      </dsp:nvSpPr>
+      <dsp:spPr>
+        <a:xfrm>
+          <a:off x="1772284" y="4126278"/>
+          <a:ext cx="1178681" cy="707208"/>
+        </a:xfrm>
+        <a:prstGeom prst="rect">
+          <a:avLst/>
+        </a:prstGeom>
+        <a:solidFill>
+          <a:schemeClr val="accent2"/>
+        </a:solidFill>
+        <a:ln w="19050" cap="flat" cmpd="sng" algn="ctr">
+          <a:solidFill>
+            <a:schemeClr val="lt1">
+              <a:hueOff val="0"/>
+              <a:satOff val="0"/>
+              <a:lumOff val="0"/>
+              <a:alphaOff val="0"/>
+            </a:schemeClr>
+          </a:solidFill>
+          <a:prstDash val="solid"/>
+        </a:ln>
+        <a:effectLst/>
+      </dsp:spPr>
+      <dsp:style>
+        <a:lnRef idx="2">
+          <a:scrgbClr r="0" g="0" b="0"/>
+        </a:lnRef>
+        <a:fillRef idx="1">
+          <a:scrgbClr r="0" g="0" b="0"/>
+        </a:fillRef>
+        <a:effectRef idx="0">
+          <a:scrgbClr r="0" g="0" b="0"/>
+        </a:effectRef>
+        <a:fontRef idx="minor">
+          <a:schemeClr val="lt1"/>
+        </a:fontRef>
+      </dsp:style>
+      <dsp:txBody>
+        <a:bodyPr spcFirstLastPara="0" vert="horz" wrap="square" lIns="0" tIns="0" rIns="0" bIns="0" numCol="1" spcCol="1270" anchor="ctr" anchorCtr="1">
+          <a:noAutofit/>
+        </a:bodyPr>
+        <a:lstStyle/>
+        <a:p>
+          <a:pPr lvl="0" algn="ctr" defTabSz="622300" rtl="0">
+            <a:lnSpc>
+              <a:spcPct val="90000"/>
+            </a:lnSpc>
+            <a:spcBef>
+              <a:spcPct val="0"/>
+            </a:spcBef>
+            <a:spcAft>
+              <a:spcPct val="35000"/>
+            </a:spcAft>
+          </a:pPr>
+          <a:r>
+            <a:rPr lang="en-US" sz="1400" kern="800" spc="0" baseline="0" dirty="0" smtClean="0">
+              <a:solidFill>
+                <a:schemeClr val="bg1"/>
+              </a:solidFill>
+              <a:hlinkClick xmlns:r="http://schemas.openxmlformats.org/officeDocument/2006/relationships" r:id="rId18"/>
+            </a:rPr>
+            <a:t>SQL Server with EF</a:t>
+          </a:r>
+          <a:endParaRPr lang="en-US" sz="1400" kern="800" spc="0" baseline="0" dirty="0">
+            <a:solidFill>
+              <a:schemeClr val="bg1"/>
+            </a:solidFill>
+          </a:endParaRPr>
+        </a:p>
+      </dsp:txBody>
+      <dsp:txXfrm>
+        <a:off x="1772284" y="4126278"/>
+        <a:ext cx="1178681" cy="707208"/>
+      </dsp:txXfrm>
+    </dsp:sp>
+    <dsp:sp modelId="{2898482B-73DB-448B-A915-359B88204C09}">
+      <dsp:nvSpPr>
+        <dsp:cNvPr id="0" name=""/>
+        <dsp:cNvSpPr/>
+      </dsp:nvSpPr>
+      <dsp:spPr>
+        <a:xfrm>
+          <a:off x="3068834" y="4126278"/>
+          <a:ext cx="1178681" cy="707208"/>
+        </a:xfrm>
+        <a:prstGeom prst="rect">
+          <a:avLst/>
+        </a:prstGeom>
+        <a:solidFill>
+          <a:schemeClr val="accent2"/>
+        </a:solidFill>
+        <a:ln w="19050" cap="flat" cmpd="sng" algn="ctr">
+          <a:solidFill>
+            <a:schemeClr val="lt1">
+              <a:hueOff val="0"/>
+              <a:satOff val="0"/>
+              <a:lumOff val="0"/>
+              <a:alphaOff val="0"/>
+            </a:schemeClr>
+          </a:solidFill>
+          <a:prstDash val="solid"/>
+        </a:ln>
+        <a:effectLst/>
+      </dsp:spPr>
+      <dsp:style>
+        <a:lnRef idx="2">
+          <a:scrgbClr r="0" g="0" b="0"/>
+        </a:lnRef>
+        <a:fillRef idx="1">
+          <a:scrgbClr r="0" g="0" b="0"/>
+        </a:fillRef>
+        <a:effectRef idx="0">
+          <a:scrgbClr r="0" g="0" b="0"/>
+        </a:effectRef>
+        <a:fontRef idx="minor">
+          <a:schemeClr val="lt1"/>
+        </a:fontRef>
+      </dsp:style>
+      <dsp:txBody>
+        <a:bodyPr spcFirstLastPara="0" vert="horz" wrap="square" lIns="0" tIns="0" rIns="0" bIns="0" numCol="1" spcCol="1270" anchor="ctr" anchorCtr="1">
+          <a:noAutofit/>
+        </a:bodyPr>
+        <a:lstStyle/>
+        <a:p>
+          <a:pPr lvl="0" algn="ctr" defTabSz="1066800" rtl="0">
+            <a:lnSpc>
+              <a:spcPct val="90000"/>
+            </a:lnSpc>
+            <a:spcBef>
+              <a:spcPct val="0"/>
+            </a:spcBef>
+            <a:spcAft>
+              <a:spcPct val="35000"/>
+            </a:spcAft>
+          </a:pPr>
+          <a:r>
+            <a:rPr lang="en-US" sz="2400" kern="800" spc="0" baseline="0" dirty="0" smtClean="0">
+              <a:solidFill>
+                <a:schemeClr val="bg1"/>
+              </a:solidFill>
+              <a:hlinkClick xmlns:r="http://schemas.openxmlformats.org/officeDocument/2006/relationships" r:id="rId19"/>
+            </a:rPr>
+            <a:t>XAML</a:t>
+          </a:r>
+          <a:endParaRPr lang="en-US" sz="2400" kern="800" spc="0" baseline="0" dirty="0">
+            <a:solidFill>
+              <a:schemeClr val="bg1"/>
+            </a:solidFill>
+          </a:endParaRPr>
+        </a:p>
+      </dsp:txBody>
+      <dsp:txXfrm>
+        <a:off x="3068834" y="4126278"/>
+        <a:ext cx="1178681" cy="707208"/>
+      </dsp:txXfrm>
+    </dsp:sp>
+    <dsp:sp modelId="{53BF552C-963A-4801-B804-BB298B08F019}">
+      <dsp:nvSpPr>
+        <dsp:cNvPr id="0" name=""/>
+        <dsp:cNvSpPr/>
+      </dsp:nvSpPr>
+      <dsp:spPr>
+        <a:xfrm>
+          <a:off x="4365383" y="4126278"/>
+          <a:ext cx="1178681" cy="707208"/>
+        </a:xfrm>
+        <a:prstGeom prst="rect">
+          <a:avLst/>
+        </a:prstGeom>
+        <a:solidFill>
+          <a:schemeClr val="accent2"/>
+        </a:solidFill>
+        <a:ln w="19050" cap="flat" cmpd="sng" algn="ctr">
+          <a:solidFill>
+            <a:schemeClr val="lt1">
+              <a:hueOff val="0"/>
+              <a:satOff val="0"/>
+              <a:lumOff val="0"/>
+              <a:alphaOff val="0"/>
+            </a:schemeClr>
+          </a:solidFill>
+          <a:prstDash val="solid"/>
+        </a:ln>
+        <a:effectLst/>
+      </dsp:spPr>
+      <dsp:style>
+        <a:lnRef idx="2">
+          <a:scrgbClr r="0" g="0" b="0"/>
+        </a:lnRef>
+        <a:fillRef idx="1">
+          <a:scrgbClr r="0" g="0" b="0"/>
+        </a:fillRef>
+        <a:effectRef idx="0">
+          <a:scrgbClr r="0" g="0" b="0"/>
+        </a:effectRef>
+        <a:fontRef idx="minor">
+          <a:schemeClr val="lt1"/>
+        </a:fontRef>
+      </dsp:style>
+      <dsp:txBody>
+        <a:bodyPr spcFirstLastPara="0" vert="horz" wrap="square" lIns="0" tIns="0" rIns="0" bIns="0" numCol="1" spcCol="1270" anchor="ctr" anchorCtr="1">
+          <a:noAutofit/>
+        </a:bodyPr>
+        <a:lstStyle/>
+        <a:p>
+          <a:pPr lvl="0" algn="ctr" defTabSz="800100" rtl="0">
+            <a:lnSpc>
+              <a:spcPct val="90000"/>
+            </a:lnSpc>
+            <a:spcBef>
+              <a:spcPct val="0"/>
+            </a:spcBef>
+            <a:spcAft>
+              <a:spcPct val="35000"/>
+            </a:spcAft>
+          </a:pPr>
+          <a:r>
+            <a:rPr lang="en-US" sz="1800" kern="800" spc="0" baseline="0" dirty="0" smtClean="0">
+              <a:solidFill>
+                <a:schemeClr val="bg1"/>
+              </a:solidFill>
+              <a:hlinkClick xmlns:r="http://schemas.openxmlformats.org/officeDocument/2006/relationships" r:id="rId20"/>
+            </a:rPr>
+            <a:t>Hadoop</a:t>
+          </a:r>
+          <a:endParaRPr lang="en-US" sz="1800" kern="800" spc="0" baseline="0" dirty="0">
+            <a:solidFill>
+              <a:schemeClr val="bg1"/>
+            </a:solidFill>
+          </a:endParaRPr>
+        </a:p>
+      </dsp:txBody>
+      <dsp:txXfrm>
+        <a:off x="4365383" y="4126278"/>
+        <a:ext cx="1178681" cy="707208"/>
+      </dsp:txXfrm>
+    </dsp:sp>
+    <dsp:sp modelId="{DF362DCF-95D1-490C-A218-2464D73F29DE}">
+      <dsp:nvSpPr>
+        <dsp:cNvPr id="0" name=""/>
+        <dsp:cNvSpPr/>
+      </dsp:nvSpPr>
+      <dsp:spPr>
+        <a:xfrm>
+          <a:off x="475734" y="4951355"/>
+          <a:ext cx="1178681" cy="707208"/>
+        </a:xfrm>
+        <a:prstGeom prst="rect">
+          <a:avLst/>
+        </a:prstGeom>
+        <a:solidFill>
+          <a:schemeClr val="accent2"/>
+        </a:solidFill>
+        <a:ln w="19050" cap="flat" cmpd="sng" algn="ctr">
+          <a:solidFill>
+            <a:schemeClr val="lt1">
+              <a:hueOff val="0"/>
+              <a:satOff val="0"/>
+              <a:lumOff val="0"/>
+              <a:alphaOff val="0"/>
+            </a:schemeClr>
+          </a:solidFill>
+          <a:prstDash val="solid"/>
+        </a:ln>
+        <a:effectLst/>
+      </dsp:spPr>
+      <dsp:style>
+        <a:lnRef idx="2">
+          <a:scrgbClr r="0" g="0" b="0"/>
+        </a:lnRef>
+        <a:fillRef idx="1">
+          <a:scrgbClr r="0" g="0" b="0"/>
+        </a:fillRef>
+        <a:effectRef idx="0">
+          <a:scrgbClr r="0" g="0" b="0"/>
+        </a:effectRef>
+        <a:fontRef idx="minor">
+          <a:schemeClr val="lt1"/>
+        </a:fontRef>
+      </dsp:style>
+      <dsp:txBody>
+        <a:bodyPr spcFirstLastPara="0" vert="horz" wrap="square" lIns="0" tIns="0" rIns="0" bIns="0" numCol="1" spcCol="1270" anchor="ctr" anchorCtr="1">
+          <a:noAutofit/>
+        </a:bodyPr>
+        <a:lstStyle/>
+        <a:p>
+          <a:pPr lvl="0" algn="ctr" defTabSz="1022350" rtl="0">
+            <a:lnSpc>
+              <a:spcPct val="90000"/>
+            </a:lnSpc>
+            <a:spcBef>
+              <a:spcPct val="0"/>
+            </a:spcBef>
+            <a:spcAft>
+              <a:spcPct val="35000"/>
+            </a:spcAft>
+          </a:pPr>
+          <a:r>
+            <a:rPr lang="en-US" sz="2300" kern="800" spc="0" baseline="0" dirty="0" smtClean="0">
+              <a:solidFill>
+                <a:schemeClr val="bg1"/>
+              </a:solidFill>
+            </a:rPr>
+            <a:t>WSDL</a:t>
+          </a:r>
+          <a:endParaRPr lang="en-US" sz="2300" kern="800" spc="0" baseline="0" dirty="0">
+            <a:solidFill>
+              <a:schemeClr val="bg1"/>
+            </a:solidFill>
+          </a:endParaRPr>
+        </a:p>
+      </dsp:txBody>
+      <dsp:txXfrm>
+        <a:off x="475734" y="4951355"/>
+        <a:ext cx="1178681" cy="707208"/>
+      </dsp:txXfrm>
+    </dsp:sp>
+    <dsp:sp modelId="{28162803-DF42-445D-9DA6-64E946932B3C}">
+      <dsp:nvSpPr>
+        <dsp:cNvPr id="0" name=""/>
+        <dsp:cNvSpPr/>
+      </dsp:nvSpPr>
+      <dsp:spPr>
+        <a:xfrm>
+          <a:off x="1772284" y="4951355"/>
+          <a:ext cx="1178681" cy="707208"/>
+        </a:xfrm>
+        <a:prstGeom prst="rect">
+          <a:avLst/>
+        </a:prstGeom>
+        <a:solidFill>
+          <a:schemeClr val="accent2"/>
+        </a:solidFill>
+        <a:ln w="19050" cap="flat" cmpd="sng" algn="ctr">
+          <a:solidFill>
+            <a:schemeClr val="lt1">
+              <a:hueOff val="0"/>
+              <a:satOff val="0"/>
+              <a:lumOff val="0"/>
+              <a:alphaOff val="0"/>
+            </a:schemeClr>
+          </a:solidFill>
+          <a:prstDash val="solid"/>
+        </a:ln>
+        <a:effectLst/>
+      </dsp:spPr>
+      <dsp:style>
+        <a:lnRef idx="2">
+          <a:scrgbClr r="0" g="0" b="0"/>
+        </a:lnRef>
+        <a:fillRef idx="1">
+          <a:scrgbClr r="0" g="0" b="0"/>
+        </a:fillRef>
+        <a:effectRef idx="0">
+          <a:scrgbClr r="0" g="0" b="0"/>
+        </a:effectRef>
+        <a:fontRef idx="minor">
+          <a:schemeClr val="lt1"/>
+        </a:fontRef>
+      </dsp:style>
+      <dsp:txBody>
+        <a:bodyPr spcFirstLastPara="0" vert="horz" wrap="square" lIns="0" tIns="0" rIns="0" bIns="0" numCol="1" spcCol="1270" anchor="ctr" anchorCtr="1">
+          <a:noAutofit/>
+        </a:bodyPr>
+        <a:lstStyle/>
+        <a:p>
+          <a:pPr lvl="0" algn="ctr" defTabSz="977900" rtl="0">
+            <a:lnSpc>
+              <a:spcPct val="90000"/>
+            </a:lnSpc>
+            <a:spcBef>
+              <a:spcPct val="0"/>
+            </a:spcBef>
+            <a:spcAft>
+              <a:spcPct val="35000"/>
+            </a:spcAft>
+          </a:pPr>
+          <a:r>
+            <a:rPr lang="en-US" sz="2200" kern="800" spc="0" baseline="0" dirty="0" smtClean="0">
+              <a:solidFill>
+                <a:schemeClr val="bg1"/>
+              </a:solidFill>
+              <a:hlinkClick xmlns:r="http://schemas.openxmlformats.org/officeDocument/2006/relationships" r:id="rId21"/>
+            </a:rPr>
+            <a:t>OData</a:t>
+          </a:r>
+          <a:endParaRPr lang="en-US" sz="2200" kern="800" spc="0" baseline="0" dirty="0">
+            <a:solidFill>
+              <a:schemeClr val="bg1"/>
+            </a:solidFill>
+          </a:endParaRPr>
+        </a:p>
+      </dsp:txBody>
+      <dsp:txXfrm>
+        <a:off x="1772284" y="4951355"/>
+        <a:ext cx="1178681" cy="707208"/>
+      </dsp:txXfrm>
+    </dsp:sp>
+    <dsp:sp modelId="{9B80A308-CEBD-416D-A1D4-D50030FF1E05}">
+      <dsp:nvSpPr>
+        <dsp:cNvPr id="0" name=""/>
+        <dsp:cNvSpPr/>
+      </dsp:nvSpPr>
+      <dsp:spPr>
+        <a:xfrm>
+          <a:off x="3068834" y="4951355"/>
+          <a:ext cx="1178681" cy="707208"/>
+        </a:xfrm>
+        <a:prstGeom prst="rect">
+          <a:avLst/>
+        </a:prstGeom>
+        <a:solidFill>
+          <a:schemeClr val="accent2"/>
+        </a:solidFill>
+        <a:ln w="19050" cap="flat" cmpd="sng" algn="ctr">
+          <a:solidFill>
+            <a:schemeClr val="lt1">
+              <a:hueOff val="0"/>
+              <a:satOff val="0"/>
+              <a:lumOff val="0"/>
+              <a:alphaOff val="0"/>
+            </a:schemeClr>
+          </a:solidFill>
+          <a:prstDash val="solid"/>
+        </a:ln>
+        <a:effectLst/>
+      </dsp:spPr>
+      <dsp:style>
+        <a:lnRef idx="2">
+          <a:scrgbClr r="0" g="0" b="0"/>
+        </a:lnRef>
+        <a:fillRef idx="1">
+          <a:scrgbClr r="0" g="0" b="0"/>
+        </a:fillRef>
+        <a:effectRef idx="0">
+          <a:scrgbClr r="0" g="0" b="0"/>
+        </a:effectRef>
+        <a:fontRef idx="minor">
+          <a:schemeClr val="lt1"/>
+        </a:fontRef>
+      </dsp:style>
+      <dsp:txBody>
+        <a:bodyPr spcFirstLastPara="0" vert="horz" wrap="square" lIns="0" tIns="0" rIns="0" bIns="0" numCol="1" spcCol="1270" anchor="ctr" anchorCtr="1">
+          <a:noAutofit/>
+        </a:bodyPr>
+        <a:lstStyle/>
+        <a:p>
+          <a:pPr lvl="0" algn="ctr" defTabSz="1022350" rtl="0">
+            <a:lnSpc>
+              <a:spcPct val="90000"/>
+            </a:lnSpc>
+            <a:spcBef>
+              <a:spcPct val="0"/>
+            </a:spcBef>
+            <a:spcAft>
+              <a:spcPct val="35000"/>
+            </a:spcAft>
+          </a:pPr>
+          <a:r>
+            <a:rPr lang="en-US" sz="2300" kern="800" spc="0" baseline="0" dirty="0" smtClean="0">
+              <a:solidFill>
+                <a:schemeClr val="bg1"/>
+              </a:solidFill>
+              <a:hlinkClick xmlns:r="http://schemas.openxmlformats.org/officeDocument/2006/relationships" r:id="rId22"/>
+            </a:rPr>
+            <a:t>Apiary</a:t>
+          </a:r>
+          <a:endParaRPr lang="en-US" sz="2300" kern="800" spc="0" baseline="0" dirty="0">
+            <a:solidFill>
+              <a:schemeClr val="bg1"/>
+            </a:solidFill>
+          </a:endParaRPr>
+        </a:p>
+      </dsp:txBody>
+      <dsp:txXfrm>
+        <a:off x="3068834" y="4951355"/>
+        <a:ext cx="1178681" cy="707208"/>
+      </dsp:txXfrm>
+    </dsp:sp>
+    <dsp:sp modelId="{6600B78B-B0DF-4F9A-AAA1-1BD4CEDF8FFA}">
+      <dsp:nvSpPr>
+        <dsp:cNvPr id="0" name=""/>
+        <dsp:cNvSpPr/>
+      </dsp:nvSpPr>
+      <dsp:spPr>
+        <a:xfrm>
+          <a:off x="4365383" y="4951355"/>
+          <a:ext cx="1178681" cy="707208"/>
+        </a:xfrm>
+        <a:prstGeom prst="rect">
+          <a:avLst/>
+        </a:prstGeom>
+        <a:solidFill>
+          <a:schemeClr val="accent2"/>
+        </a:solidFill>
+        <a:ln w="19050" cap="flat" cmpd="sng" algn="ctr">
+          <a:solidFill>
+            <a:schemeClr val="lt1">
+              <a:hueOff val="0"/>
+              <a:satOff val="0"/>
+              <a:lumOff val="0"/>
+              <a:alphaOff val="0"/>
+            </a:schemeClr>
+          </a:solidFill>
+          <a:prstDash val="solid"/>
+        </a:ln>
+        <a:effectLst/>
+      </dsp:spPr>
+      <dsp:style>
+        <a:lnRef idx="2">
+          <a:scrgbClr r="0" g="0" b="0"/>
+        </a:lnRef>
+        <a:fillRef idx="1">
+          <a:scrgbClr r="0" g="0" b="0"/>
+        </a:fillRef>
+        <a:effectRef idx="0">
+          <a:scrgbClr r="0" g="0" b="0"/>
+        </a:effectRef>
+        <a:fontRef idx="minor">
+          <a:schemeClr val="lt1"/>
+        </a:fontRef>
+      </dsp:style>
+      <dsp:txBody>
+        <a:bodyPr spcFirstLastPara="0" vert="horz" wrap="square" lIns="0" tIns="0" rIns="0" bIns="0" numCol="1" spcCol="1270" anchor="ctr" anchorCtr="1">
+          <a:noAutofit/>
+        </a:bodyPr>
+        <a:lstStyle/>
+        <a:p>
+          <a:pPr lvl="0" algn="ctr" defTabSz="711200" rtl="0">
+            <a:lnSpc>
+              <a:spcPct val="90000"/>
+            </a:lnSpc>
+            <a:spcBef>
+              <a:spcPct val="0"/>
+            </a:spcBef>
+            <a:spcAft>
+              <a:spcPct val="35000"/>
+            </a:spcAft>
+          </a:pPr>
+          <a:r>
+            <a:rPr lang="en-US" sz="1600" kern="800" spc="0" baseline="0" dirty="0" smtClean="0">
+              <a:solidFill>
+                <a:schemeClr val="bg1"/>
+              </a:solidFill>
+            </a:rPr>
+            <a:t>Facebook</a:t>
+          </a:r>
+          <a:endParaRPr lang="en-US" sz="1600" kern="800" spc="0" baseline="0" dirty="0">
+            <a:solidFill>
+              <a:schemeClr val="bg1"/>
+            </a:solidFill>
+          </a:endParaRPr>
+        </a:p>
+      </dsp:txBody>
+      <dsp:txXfrm>
+        <a:off x="4365383" y="4951355"/>
+        <a:ext cx="1178681" cy="707208"/>
+      </dsp:txXfrm>
+    </dsp:sp>
   </dsp:spTree>
 </dsp:drawing>
 </file>
@@ -10384,6 +14319,4440 @@
       <dsp:cNvGrpSpPr/>
     </dsp:nvGrpSpPr>
     <dsp:grpSpPr/>
+    <dsp:sp modelId="{752440A0-3DF6-4D6F-A607-CF9A844D3CB6}">
+      <dsp:nvSpPr>
+        <dsp:cNvPr id="0" name=""/>
+        <dsp:cNvSpPr/>
+      </dsp:nvSpPr>
+      <dsp:spPr>
+        <a:xfrm>
+          <a:off x="1598" y="2504304"/>
+          <a:ext cx="1419732" cy="1419732"/>
+        </a:xfrm>
+        <a:prstGeom prst="ellipse">
+          <a:avLst/>
+        </a:prstGeom>
+        <a:solidFill>
+          <a:schemeClr val="accent2"/>
+        </a:solidFill>
+        <a:ln w="19050" cap="flat" cmpd="sng" algn="ctr">
+          <a:solidFill>
+            <a:schemeClr val="lt1">
+              <a:hueOff val="0"/>
+              <a:satOff val="0"/>
+              <a:lumOff val="0"/>
+              <a:alphaOff val="0"/>
+            </a:schemeClr>
+          </a:solidFill>
+          <a:prstDash val="solid"/>
+        </a:ln>
+        <a:effectLst/>
+      </dsp:spPr>
+      <dsp:style>
+        <a:lnRef idx="2">
+          <a:scrgbClr r="0" g="0" b="0"/>
+        </a:lnRef>
+        <a:fillRef idx="1">
+          <a:scrgbClr r="0" g="0" b="0"/>
+        </a:fillRef>
+        <a:effectRef idx="0">
+          <a:scrgbClr r="0" g="0" b="0"/>
+        </a:effectRef>
+        <a:fontRef idx="minor">
+          <a:schemeClr val="lt1"/>
+        </a:fontRef>
+      </dsp:style>
+      <dsp:txBody>
+        <a:bodyPr spcFirstLastPara="0" vert="horz" wrap="square" lIns="0" tIns="0" rIns="0" bIns="0" numCol="1" spcCol="1270" anchor="ctr" anchorCtr="0">
+          <a:noAutofit/>
+        </a:bodyPr>
+        <a:lstStyle/>
+        <a:p>
+          <a:pPr lvl="0" algn="ctr" defTabSz="800100" rtl="0">
+            <a:lnSpc>
+              <a:spcPct val="90000"/>
+            </a:lnSpc>
+            <a:spcBef>
+              <a:spcPct val="0"/>
+            </a:spcBef>
+            <a:spcAft>
+              <a:spcPct val="35000"/>
+            </a:spcAft>
+          </a:pPr>
+          <a:r>
+            <a:rPr lang="en-US" sz="1800" b="1" kern="1200" dirty="0" smtClean="0"/>
+            <a:t>Get data from </a:t>
+          </a:r>
+          <a:endParaRPr lang="en-US" sz="1800" b="1" kern="1200" dirty="0"/>
+        </a:p>
+      </dsp:txBody>
+      <dsp:txXfrm>
+        <a:off x="209513" y="2712219"/>
+        <a:ext cx="1003902" cy="1003902"/>
+      </dsp:txXfrm>
+    </dsp:sp>
+    <dsp:sp modelId="{942F2F83-B542-450B-87AA-D917E960036B}">
+      <dsp:nvSpPr>
+        <dsp:cNvPr id="0" name=""/>
+        <dsp:cNvSpPr/>
+      </dsp:nvSpPr>
+      <dsp:spPr>
+        <a:xfrm rot="16729062">
+          <a:off x="521286" y="1842709"/>
+          <a:ext cx="2225583" cy="0"/>
+        </a:xfrm>
+        <a:custGeom>
+          <a:avLst/>
+          <a:gdLst/>
+          <a:ahLst/>
+          <a:cxnLst/>
+          <a:rect l="0" t="0" r="0" b="0"/>
+          <a:pathLst>
+            <a:path>
+              <a:moveTo>
+                <a:pt x="0" y="0"/>
+              </a:moveTo>
+              <a:lnTo>
+                <a:pt x="2225583" y="0"/>
+              </a:lnTo>
+            </a:path>
+          </a:pathLst>
+        </a:custGeom>
+        <a:noFill/>
+        <a:ln w="19050" cap="flat" cmpd="sng" algn="ctr">
+          <a:solidFill>
+            <a:schemeClr val="accent4">
+              <a:lumMod val="50000"/>
+            </a:schemeClr>
+          </a:solidFill>
+          <a:prstDash val="solid"/>
+        </a:ln>
+        <a:effectLst/>
+      </dsp:spPr>
+      <dsp:style>
+        <a:lnRef idx="2">
+          <a:scrgbClr r="0" g="0" b="0"/>
+        </a:lnRef>
+        <a:fillRef idx="0">
+          <a:scrgbClr r="0" g="0" b="0"/>
+        </a:fillRef>
+        <a:effectRef idx="0">
+          <a:scrgbClr r="0" g="0" b="0"/>
+        </a:effectRef>
+        <a:fontRef idx="minor"/>
+      </dsp:style>
+    </dsp:sp>
+    <dsp:sp modelId="{34EF5BBE-CDAB-4BCA-9D9E-F44B0C8297F9}">
+      <dsp:nvSpPr>
+        <dsp:cNvPr id="0" name=""/>
+        <dsp:cNvSpPr/>
+      </dsp:nvSpPr>
+      <dsp:spPr>
+        <a:xfrm rot="15670938">
+          <a:off x="2371056" y="1842709"/>
+          <a:ext cx="2225583" cy="0"/>
+        </a:xfrm>
+        <a:custGeom>
+          <a:avLst/>
+          <a:gdLst/>
+          <a:ahLst/>
+          <a:cxnLst/>
+          <a:rect l="0" t="0" r="0" b="0"/>
+          <a:pathLst>
+            <a:path>
+              <a:moveTo>
+                <a:pt x="0" y="0"/>
+              </a:moveTo>
+              <a:lnTo>
+                <a:pt x="2225583" y="0"/>
+              </a:lnTo>
+            </a:path>
+          </a:pathLst>
+        </a:custGeom>
+        <a:noFill/>
+        <a:ln w="19050" cap="flat" cmpd="sng" algn="ctr">
+          <a:solidFill>
+            <a:schemeClr val="accent4">
+              <a:lumMod val="50000"/>
+            </a:schemeClr>
+          </a:solidFill>
+          <a:prstDash val="solid"/>
+        </a:ln>
+        <a:effectLst/>
+      </dsp:spPr>
+      <dsp:style>
+        <a:lnRef idx="2">
+          <a:scrgbClr r="0" g="0" b="0"/>
+        </a:lnRef>
+        <a:fillRef idx="0">
+          <a:scrgbClr r="0" g="0" b="0"/>
+        </a:fillRef>
+        <a:effectRef idx="0">
+          <a:scrgbClr r="0" g="0" b="0"/>
+        </a:effectRef>
+        <a:fontRef idx="minor"/>
+      </dsp:style>
+    </dsp:sp>
+    <dsp:sp modelId="{7252D9E2-2A23-4BF0-9B1D-07EA5F2AB602}">
+      <dsp:nvSpPr>
+        <dsp:cNvPr id="0" name=""/>
+        <dsp:cNvSpPr/>
+      </dsp:nvSpPr>
+      <dsp:spPr>
+        <a:xfrm>
+          <a:off x="1804659" y="743070"/>
+          <a:ext cx="165946" cy="0"/>
+        </a:xfrm>
+        <a:prstGeom prst="line">
+          <a:avLst/>
+        </a:prstGeom>
+        <a:noFill/>
+        <a:ln w="19050" cap="flat" cmpd="sng" algn="ctr">
+          <a:solidFill>
+            <a:schemeClr val="accent4">
+              <a:lumMod val="50000"/>
+            </a:schemeClr>
+          </a:solidFill>
+          <a:prstDash val="solid"/>
+        </a:ln>
+        <a:effectLst/>
+      </dsp:spPr>
+      <dsp:style>
+        <a:lnRef idx="2">
+          <a:scrgbClr r="0" g="0" b="0"/>
+        </a:lnRef>
+        <a:fillRef idx="0">
+          <a:scrgbClr r="0" g="0" b="0"/>
+        </a:fillRef>
+        <a:effectRef idx="0">
+          <a:scrgbClr r="0" g="0" b="0"/>
+        </a:effectRef>
+        <a:fontRef idx="minor"/>
+      </dsp:style>
+    </dsp:sp>
+    <dsp:sp modelId="{0974E0EE-197E-46E7-AAEF-C4EE10C5D9B7}">
+      <dsp:nvSpPr>
+        <dsp:cNvPr id="0" name=""/>
+        <dsp:cNvSpPr/>
+      </dsp:nvSpPr>
+      <dsp:spPr>
+        <a:xfrm>
+          <a:off x="1970606" y="390055"/>
+          <a:ext cx="1176714" cy="706028"/>
+        </a:xfrm>
+        <a:prstGeom prst="rect">
+          <a:avLst/>
+        </a:prstGeom>
+        <a:noFill/>
+        <a:ln>
+          <a:noFill/>
+        </a:ln>
+        <a:effectLst/>
+        <a:sp3d/>
+      </dsp:spPr>
+      <dsp:style>
+        <a:lnRef idx="0">
+          <a:scrgbClr r="0" g="0" b="0"/>
+        </a:lnRef>
+        <a:fillRef idx="0">
+          <a:scrgbClr r="0" g="0" b="0"/>
+        </a:fillRef>
+        <a:effectRef idx="0">
+          <a:scrgbClr r="0" g="0" b="0"/>
+        </a:effectRef>
+        <a:fontRef idx="minor"/>
+      </dsp:style>
+      <dsp:txBody>
+        <a:bodyPr spcFirstLastPara="0" vert="horz" wrap="square" lIns="99568" tIns="99568" rIns="99568" bIns="99568" numCol="1" spcCol="1270" anchor="ctr" anchorCtr="0">
+          <a:noAutofit/>
+        </a:bodyPr>
+        <a:lstStyle/>
+        <a:p>
+          <a:pPr lvl="0" algn="ctr" defTabSz="622300" rtl="0">
+            <a:lnSpc>
+              <a:spcPct val="90000"/>
+            </a:lnSpc>
+            <a:spcBef>
+              <a:spcPct val="0"/>
+            </a:spcBef>
+            <a:spcAft>
+              <a:spcPct val="35000"/>
+            </a:spcAft>
+          </a:pPr>
+          <a:r>
+            <a:rPr lang="en-US" sz="1400" b="1" kern="1200" dirty="0" smtClean="0">
+              <a:solidFill>
+                <a:schemeClr val="accent4">
+                  <a:lumMod val="50000"/>
+                </a:schemeClr>
+              </a:solidFill>
+            </a:rPr>
+            <a:t>Hadoop </a:t>
+          </a:r>
+          <a:endParaRPr lang="en-US" sz="1400" b="1" kern="1200" dirty="0">
+            <a:solidFill>
+              <a:schemeClr val="accent4">
+                <a:lumMod val="50000"/>
+              </a:schemeClr>
+            </a:solidFill>
+          </a:endParaRPr>
+        </a:p>
+      </dsp:txBody>
+      <dsp:txXfrm>
+        <a:off x="1970606" y="390055"/>
+        <a:ext cx="1176714" cy="706028"/>
+      </dsp:txXfrm>
+    </dsp:sp>
+    <dsp:sp modelId="{2871E134-BC9C-4218-925B-074C08D7ACEA}">
+      <dsp:nvSpPr>
+        <dsp:cNvPr id="0" name=""/>
+        <dsp:cNvSpPr/>
+      </dsp:nvSpPr>
+      <dsp:spPr>
+        <a:xfrm>
+          <a:off x="3147320" y="743070"/>
+          <a:ext cx="165946" cy="0"/>
+        </a:xfrm>
+        <a:prstGeom prst="line">
+          <a:avLst/>
+        </a:prstGeom>
+        <a:noFill/>
+        <a:ln w="19050" cap="flat" cmpd="sng" algn="ctr">
+          <a:solidFill>
+            <a:schemeClr val="accent4">
+              <a:lumMod val="50000"/>
+            </a:schemeClr>
+          </a:solidFill>
+          <a:prstDash val="solid"/>
+        </a:ln>
+        <a:effectLst/>
+      </dsp:spPr>
+      <dsp:style>
+        <a:lnRef idx="2">
+          <a:scrgbClr r="0" g="0" b="0"/>
+        </a:lnRef>
+        <a:fillRef idx="0">
+          <a:scrgbClr r="0" g="0" b="0"/>
+        </a:fillRef>
+        <a:effectRef idx="0">
+          <a:scrgbClr r="0" g="0" b="0"/>
+        </a:effectRef>
+        <a:fontRef idx="minor"/>
+      </dsp:style>
+    </dsp:sp>
+    <dsp:sp modelId="{C2E23544-0430-4A5E-92C8-84E101C567AB}">
+      <dsp:nvSpPr>
+        <dsp:cNvPr id="0" name=""/>
+        <dsp:cNvSpPr/>
+      </dsp:nvSpPr>
+      <dsp:spPr>
+        <a:xfrm rot="16935173">
+          <a:off x="830312" y="2234555"/>
+          <a:ext cx="1607532" cy="0"/>
+        </a:xfrm>
+        <a:custGeom>
+          <a:avLst/>
+          <a:gdLst/>
+          <a:ahLst/>
+          <a:cxnLst/>
+          <a:rect l="0" t="0" r="0" b="0"/>
+          <a:pathLst>
+            <a:path>
+              <a:moveTo>
+                <a:pt x="0" y="0"/>
+              </a:moveTo>
+              <a:lnTo>
+                <a:pt x="1607532" y="0"/>
+              </a:lnTo>
+            </a:path>
+          </a:pathLst>
+        </a:custGeom>
+        <a:noFill/>
+        <a:ln w="19050" cap="flat" cmpd="sng" algn="ctr">
+          <a:solidFill>
+            <a:schemeClr val="accent4">
+              <a:lumMod val="50000"/>
+            </a:schemeClr>
+          </a:solidFill>
+          <a:prstDash val="solid"/>
+        </a:ln>
+        <a:effectLst/>
+      </dsp:spPr>
+      <dsp:style>
+        <a:lnRef idx="2">
+          <a:scrgbClr r="0" g="0" b="0"/>
+        </a:lnRef>
+        <a:fillRef idx="0">
+          <a:scrgbClr r="0" g="0" b="0"/>
+        </a:fillRef>
+        <a:effectRef idx="0">
+          <a:scrgbClr r="0" g="0" b="0"/>
+        </a:effectRef>
+        <a:fontRef idx="minor"/>
+      </dsp:style>
+    </dsp:sp>
+    <dsp:sp modelId="{535FC9F5-974B-4885-9026-EEA1269D15A8}">
+      <dsp:nvSpPr>
+        <dsp:cNvPr id="0" name=""/>
+        <dsp:cNvSpPr/>
+      </dsp:nvSpPr>
+      <dsp:spPr>
+        <a:xfrm rot="15464827">
+          <a:off x="2680082" y="2234555"/>
+          <a:ext cx="1607532" cy="0"/>
+        </a:xfrm>
+        <a:custGeom>
+          <a:avLst/>
+          <a:gdLst/>
+          <a:ahLst/>
+          <a:cxnLst/>
+          <a:rect l="0" t="0" r="0" b="0"/>
+          <a:pathLst>
+            <a:path>
+              <a:moveTo>
+                <a:pt x="0" y="0"/>
+              </a:moveTo>
+              <a:lnTo>
+                <a:pt x="1607532" y="0"/>
+              </a:lnTo>
+            </a:path>
+          </a:pathLst>
+        </a:custGeom>
+        <a:noFill/>
+        <a:ln w="19050" cap="flat" cmpd="sng" algn="ctr">
+          <a:solidFill>
+            <a:schemeClr val="accent4">
+              <a:lumMod val="50000"/>
+            </a:schemeClr>
+          </a:solidFill>
+          <a:prstDash val="solid"/>
+        </a:ln>
+        <a:effectLst/>
+      </dsp:spPr>
+      <dsp:style>
+        <a:lnRef idx="2">
+          <a:scrgbClr r="0" g="0" b="0"/>
+        </a:lnRef>
+        <a:fillRef idx="0">
+          <a:scrgbClr r="0" g="0" b="0"/>
+        </a:fillRef>
+        <a:effectRef idx="0">
+          <a:scrgbClr r="0" g="0" b="0"/>
+        </a:effectRef>
+        <a:fontRef idx="minor"/>
+      </dsp:style>
+    </dsp:sp>
+    <dsp:sp modelId="{2E5C7773-E28D-426D-BB69-5163C3AFDBBE}">
+      <dsp:nvSpPr>
+        <dsp:cNvPr id="0" name=""/>
+        <dsp:cNvSpPr/>
+      </dsp:nvSpPr>
+      <dsp:spPr>
+        <a:xfrm>
+          <a:off x="1804659" y="1449098"/>
+          <a:ext cx="165946" cy="0"/>
+        </a:xfrm>
+        <a:prstGeom prst="line">
+          <a:avLst/>
+        </a:prstGeom>
+        <a:noFill/>
+        <a:ln w="19050" cap="flat" cmpd="sng" algn="ctr">
+          <a:solidFill>
+            <a:schemeClr val="accent4">
+              <a:lumMod val="50000"/>
+            </a:schemeClr>
+          </a:solidFill>
+          <a:prstDash val="solid"/>
+        </a:ln>
+        <a:effectLst/>
+      </dsp:spPr>
+      <dsp:style>
+        <a:lnRef idx="2">
+          <a:scrgbClr r="0" g="0" b="0"/>
+        </a:lnRef>
+        <a:fillRef idx="0">
+          <a:scrgbClr r="0" g="0" b="0"/>
+        </a:fillRef>
+        <a:effectRef idx="0">
+          <a:scrgbClr r="0" g="0" b="0"/>
+        </a:effectRef>
+        <a:fontRef idx="minor"/>
+      </dsp:style>
+    </dsp:sp>
+    <dsp:sp modelId="{FAE639A6-974B-416A-A0F6-C434B49BD7C5}">
+      <dsp:nvSpPr>
+        <dsp:cNvPr id="0" name=""/>
+        <dsp:cNvSpPr/>
+      </dsp:nvSpPr>
+      <dsp:spPr>
+        <a:xfrm>
+          <a:off x="1970606" y="1096084"/>
+          <a:ext cx="1176714" cy="706028"/>
+        </a:xfrm>
+        <a:prstGeom prst="rect">
+          <a:avLst/>
+        </a:prstGeom>
+        <a:noFill/>
+        <a:ln>
+          <a:noFill/>
+        </a:ln>
+        <a:effectLst/>
+        <a:sp3d/>
+      </dsp:spPr>
+      <dsp:style>
+        <a:lnRef idx="0">
+          <a:scrgbClr r="0" g="0" b="0"/>
+        </a:lnRef>
+        <a:fillRef idx="0">
+          <a:scrgbClr r="0" g="0" b="0"/>
+        </a:fillRef>
+        <a:effectRef idx="0">
+          <a:scrgbClr r="0" g="0" b="0"/>
+        </a:effectRef>
+        <a:fontRef idx="minor"/>
+      </dsp:style>
+      <dsp:txBody>
+        <a:bodyPr spcFirstLastPara="0" vert="horz" wrap="square" lIns="99568" tIns="99568" rIns="99568" bIns="99568" numCol="1" spcCol="1270" anchor="ctr" anchorCtr="0">
+          <a:noAutofit/>
+        </a:bodyPr>
+        <a:lstStyle/>
+        <a:p>
+          <a:pPr lvl="0" algn="ctr" defTabSz="622300" rtl="0">
+            <a:lnSpc>
+              <a:spcPct val="90000"/>
+            </a:lnSpc>
+            <a:spcBef>
+              <a:spcPct val="0"/>
+            </a:spcBef>
+            <a:spcAft>
+              <a:spcPct val="35000"/>
+            </a:spcAft>
+          </a:pPr>
+          <a:r>
+            <a:rPr lang="en-US" sz="1400" b="1" kern="1200" dirty="0" smtClean="0">
+              <a:solidFill>
+                <a:schemeClr val="accent4">
+                  <a:lumMod val="50000"/>
+                </a:schemeClr>
+              </a:solidFill>
+            </a:rPr>
+            <a:t>SQL Server</a:t>
+          </a:r>
+          <a:endParaRPr lang="en-US" sz="1400" b="1" kern="1200" dirty="0">
+            <a:solidFill>
+              <a:schemeClr val="accent4">
+                <a:lumMod val="50000"/>
+              </a:schemeClr>
+            </a:solidFill>
+          </a:endParaRPr>
+        </a:p>
+      </dsp:txBody>
+      <dsp:txXfrm>
+        <a:off x="1970606" y="1096084"/>
+        <a:ext cx="1176714" cy="706028"/>
+      </dsp:txXfrm>
+    </dsp:sp>
+    <dsp:sp modelId="{EDDDD4A5-D902-4474-B9A2-E022FD77356B}">
+      <dsp:nvSpPr>
+        <dsp:cNvPr id="0" name=""/>
+        <dsp:cNvSpPr/>
+      </dsp:nvSpPr>
+      <dsp:spPr>
+        <a:xfrm>
+          <a:off x="3147320" y="1449098"/>
+          <a:ext cx="165946" cy="0"/>
+        </a:xfrm>
+        <a:prstGeom prst="line">
+          <a:avLst/>
+        </a:prstGeom>
+        <a:noFill/>
+        <a:ln w="19050" cap="flat" cmpd="sng" algn="ctr">
+          <a:solidFill>
+            <a:schemeClr val="accent4">
+              <a:lumMod val="50000"/>
+            </a:schemeClr>
+          </a:solidFill>
+          <a:prstDash val="solid"/>
+        </a:ln>
+        <a:effectLst/>
+      </dsp:spPr>
+      <dsp:style>
+        <a:lnRef idx="2">
+          <a:scrgbClr r="0" g="0" b="0"/>
+        </a:lnRef>
+        <a:fillRef idx="0">
+          <a:scrgbClr r="0" g="0" b="0"/>
+        </a:fillRef>
+        <a:effectRef idx="0">
+          <a:scrgbClr r="0" g="0" b="0"/>
+        </a:effectRef>
+        <a:fontRef idx="minor"/>
+      </dsp:style>
+    </dsp:sp>
+    <dsp:sp modelId="{5D310087-83B3-4F0A-A8A5-EFA6C0E753E4}">
+      <dsp:nvSpPr>
+        <dsp:cNvPr id="0" name=""/>
+        <dsp:cNvSpPr/>
+      </dsp:nvSpPr>
+      <dsp:spPr>
+        <a:xfrm rot="17393884">
+          <a:off x="1132882" y="2626401"/>
+          <a:ext cx="1002391" cy="0"/>
+        </a:xfrm>
+        <a:custGeom>
+          <a:avLst/>
+          <a:gdLst/>
+          <a:ahLst/>
+          <a:cxnLst/>
+          <a:rect l="0" t="0" r="0" b="0"/>
+          <a:pathLst>
+            <a:path>
+              <a:moveTo>
+                <a:pt x="0" y="0"/>
+              </a:moveTo>
+              <a:lnTo>
+                <a:pt x="1002391" y="0"/>
+              </a:lnTo>
+            </a:path>
+          </a:pathLst>
+        </a:custGeom>
+        <a:noFill/>
+        <a:ln w="19050" cap="flat" cmpd="sng" algn="ctr">
+          <a:solidFill>
+            <a:schemeClr val="accent4">
+              <a:lumMod val="50000"/>
+            </a:schemeClr>
+          </a:solidFill>
+          <a:prstDash val="solid"/>
+        </a:ln>
+        <a:effectLst/>
+      </dsp:spPr>
+      <dsp:style>
+        <a:lnRef idx="2">
+          <a:scrgbClr r="0" g="0" b="0"/>
+        </a:lnRef>
+        <a:fillRef idx="0">
+          <a:scrgbClr r="0" g="0" b="0"/>
+        </a:fillRef>
+        <a:effectRef idx="0">
+          <a:scrgbClr r="0" g="0" b="0"/>
+        </a:effectRef>
+        <a:fontRef idx="minor"/>
+      </dsp:style>
+    </dsp:sp>
+    <dsp:sp modelId="{7C7AE3FF-4890-4434-B653-C82558B76E55}">
+      <dsp:nvSpPr>
+        <dsp:cNvPr id="0" name=""/>
+        <dsp:cNvSpPr/>
+      </dsp:nvSpPr>
+      <dsp:spPr>
+        <a:xfrm rot="15006116">
+          <a:off x="2982652" y="2626401"/>
+          <a:ext cx="1002391" cy="0"/>
+        </a:xfrm>
+        <a:custGeom>
+          <a:avLst/>
+          <a:gdLst/>
+          <a:ahLst/>
+          <a:cxnLst/>
+          <a:rect l="0" t="0" r="0" b="0"/>
+          <a:pathLst>
+            <a:path>
+              <a:moveTo>
+                <a:pt x="0" y="0"/>
+              </a:moveTo>
+              <a:lnTo>
+                <a:pt x="1002391" y="0"/>
+              </a:lnTo>
+            </a:path>
+          </a:pathLst>
+        </a:custGeom>
+        <a:noFill/>
+        <a:ln w="19050" cap="flat" cmpd="sng" algn="ctr">
+          <a:solidFill>
+            <a:schemeClr val="accent4">
+              <a:lumMod val="50000"/>
+            </a:schemeClr>
+          </a:solidFill>
+          <a:prstDash val="solid"/>
+        </a:ln>
+        <a:effectLst/>
+      </dsp:spPr>
+      <dsp:style>
+        <a:lnRef idx="2">
+          <a:scrgbClr r="0" g="0" b="0"/>
+        </a:lnRef>
+        <a:fillRef idx="0">
+          <a:scrgbClr r="0" g="0" b="0"/>
+        </a:fillRef>
+        <a:effectRef idx="0">
+          <a:scrgbClr r="0" g="0" b="0"/>
+        </a:effectRef>
+        <a:fontRef idx="minor"/>
+      </dsp:style>
+    </dsp:sp>
+    <dsp:sp modelId="{085DCA8A-DE60-4FBC-8E66-F7A9D7ADD4E6}">
+      <dsp:nvSpPr>
+        <dsp:cNvPr id="0" name=""/>
+        <dsp:cNvSpPr/>
+      </dsp:nvSpPr>
+      <dsp:spPr>
+        <a:xfrm>
+          <a:off x="1804659" y="2155127"/>
+          <a:ext cx="165946" cy="0"/>
+        </a:xfrm>
+        <a:prstGeom prst="line">
+          <a:avLst/>
+        </a:prstGeom>
+        <a:noFill/>
+        <a:ln w="19050" cap="flat" cmpd="sng" algn="ctr">
+          <a:solidFill>
+            <a:schemeClr val="accent4">
+              <a:lumMod val="50000"/>
+            </a:schemeClr>
+          </a:solidFill>
+          <a:prstDash val="solid"/>
+        </a:ln>
+        <a:effectLst/>
+      </dsp:spPr>
+      <dsp:style>
+        <a:lnRef idx="2">
+          <a:scrgbClr r="0" g="0" b="0"/>
+        </a:lnRef>
+        <a:fillRef idx="0">
+          <a:scrgbClr r="0" g="0" b="0"/>
+        </a:fillRef>
+        <a:effectRef idx="0">
+          <a:scrgbClr r="0" g="0" b="0"/>
+        </a:effectRef>
+        <a:fontRef idx="minor"/>
+      </dsp:style>
+    </dsp:sp>
+    <dsp:sp modelId="{7482445F-7F6C-4933-B758-71F4EC3AAC5F}">
+      <dsp:nvSpPr>
+        <dsp:cNvPr id="0" name=""/>
+        <dsp:cNvSpPr/>
+      </dsp:nvSpPr>
+      <dsp:spPr>
+        <a:xfrm>
+          <a:off x="1970606" y="1802113"/>
+          <a:ext cx="1176714" cy="706028"/>
+        </a:xfrm>
+        <a:prstGeom prst="rect">
+          <a:avLst/>
+        </a:prstGeom>
+        <a:noFill/>
+        <a:ln>
+          <a:noFill/>
+        </a:ln>
+        <a:effectLst/>
+        <a:sp3d/>
+      </dsp:spPr>
+      <dsp:style>
+        <a:lnRef idx="0">
+          <a:scrgbClr r="0" g="0" b="0"/>
+        </a:lnRef>
+        <a:fillRef idx="0">
+          <a:scrgbClr r="0" g="0" b="0"/>
+        </a:fillRef>
+        <a:effectRef idx="0">
+          <a:scrgbClr r="0" g="0" b="0"/>
+        </a:effectRef>
+        <a:fontRef idx="minor"/>
+      </dsp:style>
+      <dsp:txBody>
+        <a:bodyPr spcFirstLastPara="0" vert="horz" wrap="square" lIns="99568" tIns="99568" rIns="99568" bIns="99568" numCol="1" spcCol="1270" anchor="ctr" anchorCtr="0">
+          <a:noAutofit/>
+        </a:bodyPr>
+        <a:lstStyle/>
+        <a:p>
+          <a:pPr lvl="0" algn="ctr" defTabSz="622300" rtl="0">
+            <a:lnSpc>
+              <a:spcPct val="90000"/>
+            </a:lnSpc>
+            <a:spcBef>
+              <a:spcPct val="0"/>
+            </a:spcBef>
+            <a:spcAft>
+              <a:spcPct val="35000"/>
+            </a:spcAft>
+          </a:pPr>
+          <a:r>
+            <a:rPr lang="en-US" sz="1400" b="1" kern="1200" dirty="0" smtClean="0">
+              <a:solidFill>
+                <a:schemeClr val="accent4">
+                  <a:lumMod val="50000"/>
+                </a:schemeClr>
+              </a:solidFill>
+            </a:rPr>
+            <a:t>RSS</a:t>
+          </a:r>
+          <a:endParaRPr lang="en-US" sz="1400" b="1" kern="1200" dirty="0">
+            <a:solidFill>
+              <a:schemeClr val="accent4">
+                <a:lumMod val="50000"/>
+              </a:schemeClr>
+            </a:solidFill>
+          </a:endParaRPr>
+        </a:p>
+      </dsp:txBody>
+      <dsp:txXfrm>
+        <a:off x="1970606" y="1802113"/>
+        <a:ext cx="1176714" cy="706028"/>
+      </dsp:txXfrm>
+    </dsp:sp>
+    <dsp:sp modelId="{00464818-5695-499D-9C30-E83C17D66060}">
+      <dsp:nvSpPr>
+        <dsp:cNvPr id="0" name=""/>
+        <dsp:cNvSpPr/>
+      </dsp:nvSpPr>
+      <dsp:spPr>
+        <a:xfrm>
+          <a:off x="3147320" y="2155127"/>
+          <a:ext cx="165946" cy="0"/>
+        </a:xfrm>
+        <a:prstGeom prst="line">
+          <a:avLst/>
+        </a:prstGeom>
+        <a:noFill/>
+        <a:ln w="19050" cap="flat" cmpd="sng" algn="ctr">
+          <a:solidFill>
+            <a:schemeClr val="accent4">
+              <a:lumMod val="50000"/>
+            </a:schemeClr>
+          </a:solidFill>
+          <a:prstDash val="solid"/>
+        </a:ln>
+        <a:effectLst/>
+      </dsp:spPr>
+      <dsp:style>
+        <a:lnRef idx="2">
+          <a:scrgbClr r="0" g="0" b="0"/>
+        </a:lnRef>
+        <a:fillRef idx="0">
+          <a:scrgbClr r="0" g="0" b="0"/>
+        </a:fillRef>
+        <a:effectRef idx="0">
+          <a:scrgbClr r="0" g="0" b="0"/>
+        </a:effectRef>
+        <a:fontRef idx="minor"/>
+      </dsp:style>
+    </dsp:sp>
+    <dsp:sp modelId="{263C3133-C796-4F03-9601-89A19E55D668}">
+      <dsp:nvSpPr>
+        <dsp:cNvPr id="0" name=""/>
+        <dsp:cNvSpPr/>
+      </dsp:nvSpPr>
+      <dsp:spPr>
+        <a:xfrm rot="19041445">
+          <a:off x="1402182" y="3018247"/>
+          <a:ext cx="463791" cy="0"/>
+        </a:xfrm>
+        <a:custGeom>
+          <a:avLst/>
+          <a:gdLst/>
+          <a:ahLst/>
+          <a:cxnLst/>
+          <a:rect l="0" t="0" r="0" b="0"/>
+          <a:pathLst>
+            <a:path>
+              <a:moveTo>
+                <a:pt x="0" y="0"/>
+              </a:moveTo>
+              <a:lnTo>
+                <a:pt x="463791" y="0"/>
+              </a:lnTo>
+            </a:path>
+          </a:pathLst>
+        </a:custGeom>
+        <a:noFill/>
+        <a:ln w="19050" cap="flat" cmpd="sng" algn="ctr">
+          <a:solidFill>
+            <a:schemeClr val="accent4">
+              <a:lumMod val="50000"/>
+            </a:schemeClr>
+          </a:solidFill>
+          <a:prstDash val="solid"/>
+        </a:ln>
+        <a:effectLst/>
+      </dsp:spPr>
+      <dsp:style>
+        <a:lnRef idx="2">
+          <a:scrgbClr r="0" g="0" b="0"/>
+        </a:lnRef>
+        <a:fillRef idx="0">
+          <a:scrgbClr r="0" g="0" b="0"/>
+        </a:fillRef>
+        <a:effectRef idx="0">
+          <a:scrgbClr r="0" g="0" b="0"/>
+        </a:effectRef>
+        <a:fontRef idx="minor"/>
+      </dsp:style>
+    </dsp:sp>
+    <dsp:sp modelId="{AF45C643-29D5-4CEA-A90B-7C3C47C4A47A}">
+      <dsp:nvSpPr>
+        <dsp:cNvPr id="0" name=""/>
+        <dsp:cNvSpPr/>
+      </dsp:nvSpPr>
+      <dsp:spPr>
+        <a:xfrm rot="13358555">
+          <a:off x="3251952" y="3018247"/>
+          <a:ext cx="463791" cy="0"/>
+        </a:xfrm>
+        <a:custGeom>
+          <a:avLst/>
+          <a:gdLst/>
+          <a:ahLst/>
+          <a:cxnLst/>
+          <a:rect l="0" t="0" r="0" b="0"/>
+          <a:pathLst>
+            <a:path>
+              <a:moveTo>
+                <a:pt x="0" y="0"/>
+              </a:moveTo>
+              <a:lnTo>
+                <a:pt x="463791" y="0"/>
+              </a:lnTo>
+            </a:path>
+          </a:pathLst>
+        </a:custGeom>
+        <a:noFill/>
+        <a:ln w="19050" cap="flat" cmpd="sng" algn="ctr">
+          <a:solidFill>
+            <a:schemeClr val="accent4">
+              <a:lumMod val="50000"/>
+            </a:schemeClr>
+          </a:solidFill>
+          <a:prstDash val="solid"/>
+        </a:ln>
+        <a:effectLst/>
+      </dsp:spPr>
+      <dsp:style>
+        <a:lnRef idx="2">
+          <a:scrgbClr r="0" g="0" b="0"/>
+        </a:lnRef>
+        <a:fillRef idx="0">
+          <a:scrgbClr r="0" g="0" b="0"/>
+        </a:fillRef>
+        <a:effectRef idx="0">
+          <a:scrgbClr r="0" g="0" b="0"/>
+        </a:effectRef>
+        <a:fontRef idx="minor"/>
+      </dsp:style>
+    </dsp:sp>
+    <dsp:sp modelId="{084BD04E-E6FF-48DC-8E11-D91B6D91CD16}">
+      <dsp:nvSpPr>
+        <dsp:cNvPr id="0" name=""/>
+        <dsp:cNvSpPr/>
+      </dsp:nvSpPr>
+      <dsp:spPr>
+        <a:xfrm>
+          <a:off x="1804659" y="2861156"/>
+          <a:ext cx="165946" cy="0"/>
+        </a:xfrm>
+        <a:prstGeom prst="line">
+          <a:avLst/>
+        </a:prstGeom>
+        <a:noFill/>
+        <a:ln w="19050" cap="flat" cmpd="sng" algn="ctr">
+          <a:solidFill>
+            <a:schemeClr val="accent4">
+              <a:lumMod val="50000"/>
+            </a:schemeClr>
+          </a:solidFill>
+          <a:prstDash val="solid"/>
+        </a:ln>
+        <a:effectLst/>
+      </dsp:spPr>
+      <dsp:style>
+        <a:lnRef idx="2">
+          <a:scrgbClr r="0" g="0" b="0"/>
+        </a:lnRef>
+        <a:fillRef idx="0">
+          <a:scrgbClr r="0" g="0" b="0"/>
+        </a:fillRef>
+        <a:effectRef idx="0">
+          <a:scrgbClr r="0" g="0" b="0"/>
+        </a:effectRef>
+        <a:fontRef idx="minor"/>
+      </dsp:style>
+    </dsp:sp>
+    <dsp:sp modelId="{34E5B896-2B84-4236-B8FB-B24B86DAD3B1}">
+      <dsp:nvSpPr>
+        <dsp:cNvPr id="0" name=""/>
+        <dsp:cNvSpPr/>
+      </dsp:nvSpPr>
+      <dsp:spPr>
+        <a:xfrm>
+          <a:off x="1970606" y="2508141"/>
+          <a:ext cx="1176714" cy="706028"/>
+        </a:xfrm>
+        <a:prstGeom prst="rect">
+          <a:avLst/>
+        </a:prstGeom>
+        <a:noFill/>
+        <a:ln>
+          <a:noFill/>
+        </a:ln>
+        <a:effectLst/>
+        <a:sp3d/>
+      </dsp:spPr>
+      <dsp:style>
+        <a:lnRef idx="0">
+          <a:scrgbClr r="0" g="0" b="0"/>
+        </a:lnRef>
+        <a:fillRef idx="0">
+          <a:scrgbClr r="0" g="0" b="0"/>
+        </a:fillRef>
+        <a:effectRef idx="0">
+          <a:scrgbClr r="0" g="0" b="0"/>
+        </a:effectRef>
+        <a:fontRef idx="minor"/>
+      </dsp:style>
+      <dsp:txBody>
+        <a:bodyPr spcFirstLastPara="0" vert="horz" wrap="square" lIns="99568" tIns="99568" rIns="99568" bIns="99568" numCol="1" spcCol="1270" anchor="ctr" anchorCtr="0">
+          <a:noAutofit/>
+        </a:bodyPr>
+        <a:lstStyle/>
+        <a:p>
+          <a:pPr lvl="0" algn="ctr" defTabSz="622300" rtl="0">
+            <a:lnSpc>
+              <a:spcPct val="90000"/>
+            </a:lnSpc>
+            <a:spcBef>
+              <a:spcPct val="0"/>
+            </a:spcBef>
+            <a:spcAft>
+              <a:spcPct val="35000"/>
+            </a:spcAft>
+          </a:pPr>
+          <a:r>
+            <a:rPr lang="en-US" sz="1400" b="1" kern="1200" dirty="0" smtClean="0">
+              <a:solidFill>
+                <a:schemeClr val="accent4">
+                  <a:lumMod val="50000"/>
+                </a:schemeClr>
+              </a:solidFill>
+            </a:rPr>
+            <a:t>Freebase</a:t>
+          </a:r>
+          <a:endParaRPr lang="en-US" sz="1400" b="1" kern="1200" dirty="0">
+            <a:solidFill>
+              <a:schemeClr val="accent4">
+                <a:lumMod val="50000"/>
+              </a:schemeClr>
+            </a:solidFill>
+          </a:endParaRPr>
+        </a:p>
+      </dsp:txBody>
+      <dsp:txXfrm>
+        <a:off x="1970606" y="2508141"/>
+        <a:ext cx="1176714" cy="706028"/>
+      </dsp:txXfrm>
+    </dsp:sp>
+    <dsp:sp modelId="{3F774837-5289-485E-8A4B-1F01C2D379B4}">
+      <dsp:nvSpPr>
+        <dsp:cNvPr id="0" name=""/>
+        <dsp:cNvSpPr/>
+      </dsp:nvSpPr>
+      <dsp:spPr>
+        <a:xfrm>
+          <a:off x="3147320" y="2861156"/>
+          <a:ext cx="165946" cy="0"/>
+        </a:xfrm>
+        <a:prstGeom prst="line">
+          <a:avLst/>
+        </a:prstGeom>
+        <a:noFill/>
+        <a:ln w="19050" cap="flat" cmpd="sng" algn="ctr">
+          <a:solidFill>
+            <a:schemeClr val="accent4">
+              <a:lumMod val="50000"/>
+            </a:schemeClr>
+          </a:solidFill>
+          <a:prstDash val="solid"/>
+        </a:ln>
+        <a:effectLst/>
+      </dsp:spPr>
+      <dsp:style>
+        <a:lnRef idx="2">
+          <a:scrgbClr r="0" g="0" b="0"/>
+        </a:lnRef>
+        <a:fillRef idx="0">
+          <a:scrgbClr r="0" g="0" b="0"/>
+        </a:fillRef>
+        <a:effectRef idx="0">
+          <a:scrgbClr r="0" g="0" b="0"/>
+        </a:effectRef>
+        <a:fontRef idx="minor"/>
+      </dsp:style>
+    </dsp:sp>
+    <dsp:sp modelId="{6C222AC5-33D5-4EBB-9F3B-F5E4BE8D027E}">
+      <dsp:nvSpPr>
+        <dsp:cNvPr id="0" name=""/>
+        <dsp:cNvSpPr/>
+      </dsp:nvSpPr>
+      <dsp:spPr>
+        <a:xfrm rot="2558555">
+          <a:off x="1402182" y="3410093"/>
+          <a:ext cx="463791" cy="0"/>
+        </a:xfrm>
+        <a:custGeom>
+          <a:avLst/>
+          <a:gdLst/>
+          <a:ahLst/>
+          <a:cxnLst/>
+          <a:rect l="0" t="0" r="0" b="0"/>
+          <a:pathLst>
+            <a:path>
+              <a:moveTo>
+                <a:pt x="0" y="0"/>
+              </a:moveTo>
+              <a:lnTo>
+                <a:pt x="463791" y="0"/>
+              </a:lnTo>
+            </a:path>
+          </a:pathLst>
+        </a:custGeom>
+        <a:noFill/>
+        <a:ln w="19050" cap="flat" cmpd="sng" algn="ctr">
+          <a:solidFill>
+            <a:schemeClr val="accent4">
+              <a:lumMod val="50000"/>
+            </a:schemeClr>
+          </a:solidFill>
+          <a:prstDash val="solid"/>
+        </a:ln>
+        <a:effectLst/>
+      </dsp:spPr>
+      <dsp:style>
+        <a:lnRef idx="2">
+          <a:scrgbClr r="0" g="0" b="0"/>
+        </a:lnRef>
+        <a:fillRef idx="0">
+          <a:scrgbClr r="0" g="0" b="0"/>
+        </a:fillRef>
+        <a:effectRef idx="0">
+          <a:scrgbClr r="0" g="0" b="0"/>
+        </a:effectRef>
+        <a:fontRef idx="minor"/>
+      </dsp:style>
+    </dsp:sp>
+    <dsp:sp modelId="{001A2D7C-12E8-419A-BCBE-94084E74FFE3}">
+      <dsp:nvSpPr>
+        <dsp:cNvPr id="0" name=""/>
+        <dsp:cNvSpPr/>
+      </dsp:nvSpPr>
+      <dsp:spPr>
+        <a:xfrm rot="8241445">
+          <a:off x="3251952" y="3410093"/>
+          <a:ext cx="463791" cy="0"/>
+        </a:xfrm>
+        <a:custGeom>
+          <a:avLst/>
+          <a:gdLst/>
+          <a:ahLst/>
+          <a:cxnLst/>
+          <a:rect l="0" t="0" r="0" b="0"/>
+          <a:pathLst>
+            <a:path>
+              <a:moveTo>
+                <a:pt x="0" y="0"/>
+              </a:moveTo>
+              <a:lnTo>
+                <a:pt x="463791" y="0"/>
+              </a:lnTo>
+            </a:path>
+          </a:pathLst>
+        </a:custGeom>
+        <a:noFill/>
+        <a:ln w="19050" cap="flat" cmpd="sng" algn="ctr">
+          <a:solidFill>
+            <a:schemeClr val="accent4">
+              <a:lumMod val="50000"/>
+            </a:schemeClr>
+          </a:solidFill>
+          <a:prstDash val="solid"/>
+        </a:ln>
+        <a:effectLst/>
+      </dsp:spPr>
+      <dsp:style>
+        <a:lnRef idx="2">
+          <a:scrgbClr r="0" g="0" b="0"/>
+        </a:lnRef>
+        <a:fillRef idx="0">
+          <a:scrgbClr r="0" g="0" b="0"/>
+        </a:fillRef>
+        <a:effectRef idx="0">
+          <a:scrgbClr r="0" g="0" b="0"/>
+        </a:effectRef>
+        <a:fontRef idx="minor"/>
+      </dsp:style>
+    </dsp:sp>
+    <dsp:sp modelId="{BB1E9E71-D59E-4D80-A64F-A6432BB61290}">
+      <dsp:nvSpPr>
+        <dsp:cNvPr id="0" name=""/>
+        <dsp:cNvSpPr/>
+      </dsp:nvSpPr>
+      <dsp:spPr>
+        <a:xfrm>
+          <a:off x="1804659" y="3567184"/>
+          <a:ext cx="165946" cy="0"/>
+        </a:xfrm>
+        <a:prstGeom prst="line">
+          <a:avLst/>
+        </a:prstGeom>
+        <a:noFill/>
+        <a:ln w="19050" cap="flat" cmpd="sng" algn="ctr">
+          <a:solidFill>
+            <a:schemeClr val="accent4">
+              <a:lumMod val="50000"/>
+            </a:schemeClr>
+          </a:solidFill>
+          <a:prstDash val="solid"/>
+        </a:ln>
+        <a:effectLst/>
+      </dsp:spPr>
+      <dsp:style>
+        <a:lnRef idx="2">
+          <a:scrgbClr r="0" g="0" b="0"/>
+        </a:lnRef>
+        <a:fillRef idx="0">
+          <a:scrgbClr r="0" g="0" b="0"/>
+        </a:fillRef>
+        <a:effectRef idx="0">
+          <a:scrgbClr r="0" g="0" b="0"/>
+        </a:effectRef>
+        <a:fontRef idx="minor"/>
+      </dsp:style>
+    </dsp:sp>
+    <dsp:sp modelId="{8295D9B7-17EF-49AF-9E34-E14C56D25566}">
+      <dsp:nvSpPr>
+        <dsp:cNvPr id="0" name=""/>
+        <dsp:cNvSpPr/>
+      </dsp:nvSpPr>
+      <dsp:spPr>
+        <a:xfrm>
+          <a:off x="1970606" y="3214170"/>
+          <a:ext cx="1176714" cy="706028"/>
+        </a:xfrm>
+        <a:prstGeom prst="rect">
+          <a:avLst/>
+        </a:prstGeom>
+        <a:noFill/>
+        <a:ln>
+          <a:noFill/>
+        </a:ln>
+        <a:effectLst/>
+        <a:sp3d/>
+      </dsp:spPr>
+      <dsp:style>
+        <a:lnRef idx="0">
+          <a:scrgbClr r="0" g="0" b="0"/>
+        </a:lnRef>
+        <a:fillRef idx="0">
+          <a:scrgbClr r="0" g="0" b="0"/>
+        </a:fillRef>
+        <a:effectRef idx="0">
+          <a:scrgbClr r="0" g="0" b="0"/>
+        </a:effectRef>
+        <a:fontRef idx="minor"/>
+      </dsp:style>
+      <dsp:txBody>
+        <a:bodyPr spcFirstLastPara="0" vert="horz" wrap="square" lIns="99568" tIns="99568" rIns="99568" bIns="99568" numCol="1" spcCol="1270" anchor="ctr" anchorCtr="0">
+          <a:noAutofit/>
+        </a:bodyPr>
+        <a:lstStyle/>
+        <a:p>
+          <a:pPr lvl="0" algn="ctr" defTabSz="622300" rtl="0">
+            <a:lnSpc>
+              <a:spcPct val="90000"/>
+            </a:lnSpc>
+            <a:spcBef>
+              <a:spcPct val="0"/>
+            </a:spcBef>
+            <a:spcAft>
+              <a:spcPct val="35000"/>
+            </a:spcAft>
+          </a:pPr>
+          <a:r>
+            <a:rPr lang="en-US" sz="1400" b="1" kern="1200" dirty="0" smtClean="0">
+              <a:solidFill>
+                <a:schemeClr val="accent4">
+                  <a:lumMod val="50000"/>
+                </a:schemeClr>
+              </a:solidFill>
+            </a:rPr>
+            <a:t>CSV</a:t>
+          </a:r>
+          <a:endParaRPr lang="en-US" sz="1400" b="1" kern="1200" dirty="0">
+            <a:solidFill>
+              <a:schemeClr val="accent4">
+                <a:lumMod val="50000"/>
+              </a:schemeClr>
+            </a:solidFill>
+          </a:endParaRPr>
+        </a:p>
+      </dsp:txBody>
+      <dsp:txXfrm>
+        <a:off x="1970606" y="3214170"/>
+        <a:ext cx="1176714" cy="706028"/>
+      </dsp:txXfrm>
+    </dsp:sp>
+    <dsp:sp modelId="{64FE68EF-246A-4E45-82CA-2ED5CAC816C1}">
+      <dsp:nvSpPr>
+        <dsp:cNvPr id="0" name=""/>
+        <dsp:cNvSpPr/>
+      </dsp:nvSpPr>
+      <dsp:spPr>
+        <a:xfrm>
+          <a:off x="3147320" y="3567184"/>
+          <a:ext cx="165946" cy="0"/>
+        </a:xfrm>
+        <a:prstGeom prst="line">
+          <a:avLst/>
+        </a:prstGeom>
+        <a:noFill/>
+        <a:ln w="19050" cap="flat" cmpd="sng" algn="ctr">
+          <a:solidFill>
+            <a:schemeClr val="accent4">
+              <a:lumMod val="50000"/>
+            </a:schemeClr>
+          </a:solidFill>
+          <a:prstDash val="solid"/>
+        </a:ln>
+        <a:effectLst/>
+      </dsp:spPr>
+      <dsp:style>
+        <a:lnRef idx="2">
+          <a:scrgbClr r="0" g="0" b="0"/>
+        </a:lnRef>
+        <a:fillRef idx="0">
+          <a:scrgbClr r="0" g="0" b="0"/>
+        </a:fillRef>
+        <a:effectRef idx="0">
+          <a:scrgbClr r="0" g="0" b="0"/>
+        </a:effectRef>
+        <a:fontRef idx="minor"/>
+      </dsp:style>
+    </dsp:sp>
+    <dsp:sp modelId="{5B54B39D-CFFE-402B-A25D-A70AA85B6D91}">
+      <dsp:nvSpPr>
+        <dsp:cNvPr id="0" name=""/>
+        <dsp:cNvSpPr/>
+      </dsp:nvSpPr>
+      <dsp:spPr>
+        <a:xfrm rot="4206116">
+          <a:off x="1132882" y="3801939"/>
+          <a:ext cx="1002391" cy="0"/>
+        </a:xfrm>
+        <a:custGeom>
+          <a:avLst/>
+          <a:gdLst/>
+          <a:ahLst/>
+          <a:cxnLst/>
+          <a:rect l="0" t="0" r="0" b="0"/>
+          <a:pathLst>
+            <a:path>
+              <a:moveTo>
+                <a:pt x="0" y="0"/>
+              </a:moveTo>
+              <a:lnTo>
+                <a:pt x="1002391" y="0"/>
+              </a:lnTo>
+            </a:path>
+          </a:pathLst>
+        </a:custGeom>
+        <a:noFill/>
+        <a:ln w="19050" cap="flat" cmpd="sng" algn="ctr">
+          <a:solidFill>
+            <a:schemeClr val="accent4">
+              <a:lumMod val="50000"/>
+            </a:schemeClr>
+          </a:solidFill>
+          <a:prstDash val="solid"/>
+        </a:ln>
+        <a:effectLst/>
+      </dsp:spPr>
+      <dsp:style>
+        <a:lnRef idx="2">
+          <a:scrgbClr r="0" g="0" b="0"/>
+        </a:lnRef>
+        <a:fillRef idx="0">
+          <a:scrgbClr r="0" g="0" b="0"/>
+        </a:fillRef>
+        <a:effectRef idx="0">
+          <a:scrgbClr r="0" g="0" b="0"/>
+        </a:effectRef>
+        <a:fontRef idx="minor"/>
+      </dsp:style>
+    </dsp:sp>
+    <dsp:sp modelId="{43F5BDEA-DA8D-4185-BE14-552A984ED385}">
+      <dsp:nvSpPr>
+        <dsp:cNvPr id="0" name=""/>
+        <dsp:cNvSpPr/>
+      </dsp:nvSpPr>
+      <dsp:spPr>
+        <a:xfrm rot="6593884">
+          <a:off x="2982652" y="3801939"/>
+          <a:ext cx="1002391" cy="0"/>
+        </a:xfrm>
+        <a:custGeom>
+          <a:avLst/>
+          <a:gdLst/>
+          <a:ahLst/>
+          <a:cxnLst/>
+          <a:rect l="0" t="0" r="0" b="0"/>
+          <a:pathLst>
+            <a:path>
+              <a:moveTo>
+                <a:pt x="0" y="0"/>
+              </a:moveTo>
+              <a:lnTo>
+                <a:pt x="1002391" y="0"/>
+              </a:lnTo>
+            </a:path>
+          </a:pathLst>
+        </a:custGeom>
+        <a:noFill/>
+        <a:ln w="19050" cap="flat" cmpd="sng" algn="ctr">
+          <a:solidFill>
+            <a:schemeClr val="accent4">
+              <a:lumMod val="50000"/>
+            </a:schemeClr>
+          </a:solidFill>
+          <a:prstDash val="solid"/>
+        </a:ln>
+        <a:effectLst/>
+      </dsp:spPr>
+      <dsp:style>
+        <a:lnRef idx="2">
+          <a:scrgbClr r="0" g="0" b="0"/>
+        </a:lnRef>
+        <a:fillRef idx="0">
+          <a:scrgbClr r="0" g="0" b="0"/>
+        </a:fillRef>
+        <a:effectRef idx="0">
+          <a:scrgbClr r="0" g="0" b="0"/>
+        </a:effectRef>
+        <a:fontRef idx="minor"/>
+      </dsp:style>
+    </dsp:sp>
+    <dsp:sp modelId="{0B148755-450F-4812-BE23-07C8D1177CA3}">
+      <dsp:nvSpPr>
+        <dsp:cNvPr id="0" name=""/>
+        <dsp:cNvSpPr/>
+      </dsp:nvSpPr>
+      <dsp:spPr>
+        <a:xfrm>
+          <a:off x="1804659" y="4273213"/>
+          <a:ext cx="165946" cy="0"/>
+        </a:xfrm>
+        <a:prstGeom prst="line">
+          <a:avLst/>
+        </a:prstGeom>
+        <a:noFill/>
+        <a:ln w="19050" cap="flat" cmpd="sng" algn="ctr">
+          <a:solidFill>
+            <a:schemeClr val="accent4">
+              <a:lumMod val="50000"/>
+            </a:schemeClr>
+          </a:solidFill>
+          <a:prstDash val="solid"/>
+        </a:ln>
+        <a:effectLst/>
+      </dsp:spPr>
+      <dsp:style>
+        <a:lnRef idx="2">
+          <a:scrgbClr r="0" g="0" b="0"/>
+        </a:lnRef>
+        <a:fillRef idx="0">
+          <a:scrgbClr r="0" g="0" b="0"/>
+        </a:fillRef>
+        <a:effectRef idx="0">
+          <a:scrgbClr r="0" g="0" b="0"/>
+        </a:effectRef>
+        <a:fontRef idx="minor"/>
+      </dsp:style>
+    </dsp:sp>
+    <dsp:sp modelId="{B75F15B2-6D40-42F1-9D31-7D4675A2C6C7}">
+      <dsp:nvSpPr>
+        <dsp:cNvPr id="0" name=""/>
+        <dsp:cNvSpPr/>
+      </dsp:nvSpPr>
+      <dsp:spPr>
+        <a:xfrm>
+          <a:off x="1970606" y="3920199"/>
+          <a:ext cx="1176714" cy="706028"/>
+        </a:xfrm>
+        <a:prstGeom prst="rect">
+          <a:avLst/>
+        </a:prstGeom>
+        <a:noFill/>
+        <a:ln>
+          <a:noFill/>
+        </a:ln>
+        <a:effectLst/>
+        <a:sp3d/>
+      </dsp:spPr>
+      <dsp:style>
+        <a:lnRef idx="0">
+          <a:scrgbClr r="0" g="0" b="0"/>
+        </a:lnRef>
+        <a:fillRef idx="0">
+          <a:scrgbClr r="0" g="0" b="0"/>
+        </a:fillRef>
+        <a:effectRef idx="0">
+          <a:scrgbClr r="0" g="0" b="0"/>
+        </a:effectRef>
+        <a:fontRef idx="minor"/>
+      </dsp:style>
+      <dsp:txBody>
+        <a:bodyPr spcFirstLastPara="0" vert="horz" wrap="square" lIns="99568" tIns="99568" rIns="99568" bIns="99568" numCol="1" spcCol="1270" anchor="ctr" anchorCtr="0">
+          <a:noAutofit/>
+        </a:bodyPr>
+        <a:lstStyle/>
+        <a:p>
+          <a:pPr lvl="0" algn="ctr" defTabSz="622300" rtl="0">
+            <a:lnSpc>
+              <a:spcPct val="90000"/>
+            </a:lnSpc>
+            <a:spcBef>
+              <a:spcPct val="0"/>
+            </a:spcBef>
+            <a:spcAft>
+              <a:spcPct val="35000"/>
+            </a:spcAft>
+          </a:pPr>
+          <a:r>
+            <a:rPr lang="en-US" sz="1400" b="1" kern="1200" smtClean="0">
+              <a:solidFill>
+                <a:schemeClr val="accent4">
+                  <a:lumMod val="50000"/>
+                </a:schemeClr>
+              </a:solidFill>
+            </a:rPr>
+            <a:t>OData</a:t>
+          </a:r>
+          <a:endParaRPr lang="en-US" sz="1400" b="1" kern="1200">
+            <a:solidFill>
+              <a:schemeClr val="accent4">
+                <a:lumMod val="50000"/>
+              </a:schemeClr>
+            </a:solidFill>
+          </a:endParaRPr>
+        </a:p>
+      </dsp:txBody>
+      <dsp:txXfrm>
+        <a:off x="1970606" y="3920199"/>
+        <a:ext cx="1176714" cy="706028"/>
+      </dsp:txXfrm>
+    </dsp:sp>
+    <dsp:sp modelId="{484F5556-2A8D-445B-BFF0-007E6657DF92}">
+      <dsp:nvSpPr>
+        <dsp:cNvPr id="0" name=""/>
+        <dsp:cNvSpPr/>
+      </dsp:nvSpPr>
+      <dsp:spPr>
+        <a:xfrm>
+          <a:off x="3147320" y="4273213"/>
+          <a:ext cx="165946" cy="0"/>
+        </a:xfrm>
+        <a:prstGeom prst="line">
+          <a:avLst/>
+        </a:prstGeom>
+        <a:noFill/>
+        <a:ln w="19050" cap="flat" cmpd="sng" algn="ctr">
+          <a:solidFill>
+            <a:schemeClr val="accent4">
+              <a:lumMod val="50000"/>
+            </a:schemeClr>
+          </a:solidFill>
+          <a:prstDash val="solid"/>
+        </a:ln>
+        <a:effectLst/>
+      </dsp:spPr>
+      <dsp:style>
+        <a:lnRef idx="2">
+          <a:scrgbClr r="0" g="0" b="0"/>
+        </a:lnRef>
+        <a:fillRef idx="0">
+          <a:scrgbClr r="0" g="0" b="0"/>
+        </a:fillRef>
+        <a:effectRef idx="0">
+          <a:scrgbClr r="0" g="0" b="0"/>
+        </a:effectRef>
+        <a:fontRef idx="minor"/>
+      </dsp:style>
+    </dsp:sp>
+    <dsp:sp modelId="{153B4536-D6EF-44BC-809B-B2AD77460ADB}">
+      <dsp:nvSpPr>
+        <dsp:cNvPr id="0" name=""/>
+        <dsp:cNvSpPr/>
+      </dsp:nvSpPr>
+      <dsp:spPr>
+        <a:xfrm rot="4664827">
+          <a:off x="830312" y="4193785"/>
+          <a:ext cx="1607532" cy="0"/>
+        </a:xfrm>
+        <a:custGeom>
+          <a:avLst/>
+          <a:gdLst/>
+          <a:ahLst/>
+          <a:cxnLst/>
+          <a:rect l="0" t="0" r="0" b="0"/>
+          <a:pathLst>
+            <a:path>
+              <a:moveTo>
+                <a:pt x="0" y="0"/>
+              </a:moveTo>
+              <a:lnTo>
+                <a:pt x="1607532" y="0"/>
+              </a:lnTo>
+            </a:path>
+          </a:pathLst>
+        </a:custGeom>
+        <a:noFill/>
+        <a:ln w="19050" cap="flat" cmpd="sng" algn="ctr">
+          <a:solidFill>
+            <a:schemeClr val="accent4">
+              <a:lumMod val="50000"/>
+            </a:schemeClr>
+          </a:solidFill>
+          <a:prstDash val="solid"/>
+        </a:ln>
+        <a:effectLst/>
+      </dsp:spPr>
+      <dsp:style>
+        <a:lnRef idx="2">
+          <a:scrgbClr r="0" g="0" b="0"/>
+        </a:lnRef>
+        <a:fillRef idx="0">
+          <a:scrgbClr r="0" g="0" b="0"/>
+        </a:fillRef>
+        <a:effectRef idx="0">
+          <a:scrgbClr r="0" g="0" b="0"/>
+        </a:effectRef>
+        <a:fontRef idx="minor"/>
+      </dsp:style>
+    </dsp:sp>
+    <dsp:sp modelId="{8BAA3A09-F080-4508-A200-8041AB1D01BF}">
+      <dsp:nvSpPr>
+        <dsp:cNvPr id="0" name=""/>
+        <dsp:cNvSpPr/>
+      </dsp:nvSpPr>
+      <dsp:spPr>
+        <a:xfrm rot="6135173">
+          <a:off x="2680082" y="4193785"/>
+          <a:ext cx="1607532" cy="0"/>
+        </a:xfrm>
+        <a:custGeom>
+          <a:avLst/>
+          <a:gdLst/>
+          <a:ahLst/>
+          <a:cxnLst/>
+          <a:rect l="0" t="0" r="0" b="0"/>
+          <a:pathLst>
+            <a:path>
+              <a:moveTo>
+                <a:pt x="0" y="0"/>
+              </a:moveTo>
+              <a:lnTo>
+                <a:pt x="1607532" y="0"/>
+              </a:lnTo>
+            </a:path>
+          </a:pathLst>
+        </a:custGeom>
+        <a:noFill/>
+        <a:ln w="19050" cap="flat" cmpd="sng" algn="ctr">
+          <a:solidFill>
+            <a:schemeClr val="accent4">
+              <a:lumMod val="50000"/>
+            </a:schemeClr>
+          </a:solidFill>
+          <a:prstDash val="solid"/>
+        </a:ln>
+        <a:effectLst/>
+      </dsp:spPr>
+      <dsp:style>
+        <a:lnRef idx="2">
+          <a:scrgbClr r="0" g="0" b="0"/>
+        </a:lnRef>
+        <a:fillRef idx="0">
+          <a:scrgbClr r="0" g="0" b="0"/>
+        </a:fillRef>
+        <a:effectRef idx="0">
+          <a:scrgbClr r="0" g="0" b="0"/>
+        </a:effectRef>
+        <a:fontRef idx="minor"/>
+      </dsp:style>
+    </dsp:sp>
+    <dsp:sp modelId="{D2619AAE-3DF8-420B-BFF6-120B0FEC9082}">
+      <dsp:nvSpPr>
+        <dsp:cNvPr id="0" name=""/>
+        <dsp:cNvSpPr/>
+      </dsp:nvSpPr>
+      <dsp:spPr>
+        <a:xfrm>
+          <a:off x="1804659" y="4979242"/>
+          <a:ext cx="165946" cy="0"/>
+        </a:xfrm>
+        <a:prstGeom prst="line">
+          <a:avLst/>
+        </a:prstGeom>
+        <a:noFill/>
+        <a:ln w="19050" cap="flat" cmpd="sng" algn="ctr">
+          <a:solidFill>
+            <a:schemeClr val="accent4">
+              <a:lumMod val="50000"/>
+            </a:schemeClr>
+          </a:solidFill>
+          <a:prstDash val="solid"/>
+        </a:ln>
+        <a:effectLst/>
+      </dsp:spPr>
+      <dsp:style>
+        <a:lnRef idx="2">
+          <a:scrgbClr r="0" g="0" b="0"/>
+        </a:lnRef>
+        <a:fillRef idx="0">
+          <a:scrgbClr r="0" g="0" b="0"/>
+        </a:fillRef>
+        <a:effectRef idx="0">
+          <a:scrgbClr r="0" g="0" b="0"/>
+        </a:effectRef>
+        <a:fontRef idx="minor"/>
+      </dsp:style>
+    </dsp:sp>
+    <dsp:sp modelId="{5C7BCF23-559B-489D-8B2B-49ECEA2D64BC}">
+      <dsp:nvSpPr>
+        <dsp:cNvPr id="0" name=""/>
+        <dsp:cNvSpPr/>
+      </dsp:nvSpPr>
+      <dsp:spPr>
+        <a:xfrm>
+          <a:off x="1970606" y="4626227"/>
+          <a:ext cx="1176714" cy="706028"/>
+        </a:xfrm>
+        <a:prstGeom prst="rect">
+          <a:avLst/>
+        </a:prstGeom>
+        <a:noFill/>
+        <a:ln>
+          <a:noFill/>
+        </a:ln>
+        <a:effectLst/>
+        <a:sp3d/>
+      </dsp:spPr>
+      <dsp:style>
+        <a:lnRef idx="0">
+          <a:scrgbClr r="0" g="0" b="0"/>
+        </a:lnRef>
+        <a:fillRef idx="0">
+          <a:scrgbClr r="0" g="0" b="0"/>
+        </a:fillRef>
+        <a:effectRef idx="0">
+          <a:scrgbClr r="0" g="0" b="0"/>
+        </a:effectRef>
+        <a:fontRef idx="minor"/>
+      </dsp:style>
+      <dsp:txBody>
+        <a:bodyPr spcFirstLastPara="0" vert="horz" wrap="square" lIns="99568" tIns="99568" rIns="99568" bIns="99568" numCol="1" spcCol="1270" anchor="ctr" anchorCtr="0">
+          <a:noAutofit/>
+        </a:bodyPr>
+        <a:lstStyle/>
+        <a:p>
+          <a:pPr lvl="0" algn="ctr" defTabSz="622300" rtl="0">
+            <a:lnSpc>
+              <a:spcPct val="90000"/>
+            </a:lnSpc>
+            <a:spcBef>
+              <a:spcPct val="0"/>
+            </a:spcBef>
+            <a:spcAft>
+              <a:spcPct val="35000"/>
+            </a:spcAft>
+          </a:pPr>
+          <a:r>
+            <a:rPr lang="en-US" sz="1400" b="1" kern="1200" dirty="0" smtClean="0">
+              <a:solidFill>
+                <a:schemeClr val="accent4">
+                  <a:lumMod val="50000"/>
+                </a:schemeClr>
+              </a:solidFill>
+            </a:rPr>
+            <a:t>World Bank</a:t>
+          </a:r>
+          <a:endParaRPr lang="en-US" sz="1400" b="1" kern="1200" dirty="0">
+            <a:solidFill>
+              <a:schemeClr val="accent4">
+                <a:lumMod val="50000"/>
+              </a:schemeClr>
+            </a:solidFill>
+          </a:endParaRPr>
+        </a:p>
+      </dsp:txBody>
+      <dsp:txXfrm>
+        <a:off x="1970606" y="4626227"/>
+        <a:ext cx="1176714" cy="706028"/>
+      </dsp:txXfrm>
+    </dsp:sp>
+    <dsp:sp modelId="{79CF47D6-8301-4C50-8968-36FD122827F4}">
+      <dsp:nvSpPr>
+        <dsp:cNvPr id="0" name=""/>
+        <dsp:cNvSpPr/>
+      </dsp:nvSpPr>
+      <dsp:spPr>
+        <a:xfrm>
+          <a:off x="3147320" y="4979242"/>
+          <a:ext cx="165946" cy="0"/>
+        </a:xfrm>
+        <a:prstGeom prst="line">
+          <a:avLst/>
+        </a:prstGeom>
+        <a:noFill/>
+        <a:ln w="19050" cap="flat" cmpd="sng" algn="ctr">
+          <a:solidFill>
+            <a:schemeClr val="accent4">
+              <a:lumMod val="50000"/>
+            </a:schemeClr>
+          </a:solidFill>
+          <a:prstDash val="solid"/>
+        </a:ln>
+        <a:effectLst/>
+      </dsp:spPr>
+      <dsp:style>
+        <a:lnRef idx="2">
+          <a:scrgbClr r="0" g="0" b="0"/>
+        </a:lnRef>
+        <a:fillRef idx="0">
+          <a:scrgbClr r="0" g="0" b="0"/>
+        </a:fillRef>
+        <a:effectRef idx="0">
+          <a:scrgbClr r="0" g="0" b="0"/>
+        </a:effectRef>
+        <a:fontRef idx="minor"/>
+      </dsp:style>
+    </dsp:sp>
+    <dsp:sp modelId="{FEA468AC-520B-4CC8-AFD8-1EA712E045A5}">
+      <dsp:nvSpPr>
+        <dsp:cNvPr id="0" name=""/>
+        <dsp:cNvSpPr/>
+      </dsp:nvSpPr>
+      <dsp:spPr>
+        <a:xfrm rot="4870938">
+          <a:off x="521286" y="4585631"/>
+          <a:ext cx="2225583" cy="0"/>
+        </a:xfrm>
+        <a:custGeom>
+          <a:avLst/>
+          <a:gdLst/>
+          <a:ahLst/>
+          <a:cxnLst/>
+          <a:rect l="0" t="0" r="0" b="0"/>
+          <a:pathLst>
+            <a:path>
+              <a:moveTo>
+                <a:pt x="0" y="0"/>
+              </a:moveTo>
+              <a:lnTo>
+                <a:pt x="2225583" y="0"/>
+              </a:lnTo>
+            </a:path>
+          </a:pathLst>
+        </a:custGeom>
+        <a:noFill/>
+        <a:ln w="19050" cap="flat" cmpd="sng" algn="ctr">
+          <a:solidFill>
+            <a:schemeClr val="accent4">
+              <a:lumMod val="50000"/>
+            </a:schemeClr>
+          </a:solidFill>
+          <a:prstDash val="solid"/>
+        </a:ln>
+        <a:effectLst/>
+      </dsp:spPr>
+      <dsp:style>
+        <a:lnRef idx="2">
+          <a:scrgbClr r="0" g="0" b="0"/>
+        </a:lnRef>
+        <a:fillRef idx="0">
+          <a:scrgbClr r="0" g="0" b="0"/>
+        </a:fillRef>
+        <a:effectRef idx="0">
+          <a:scrgbClr r="0" g="0" b="0"/>
+        </a:effectRef>
+        <a:fontRef idx="minor"/>
+      </dsp:style>
+    </dsp:sp>
+    <dsp:sp modelId="{67F3E7A1-B6EC-4864-84BC-32C613FC25B1}">
+      <dsp:nvSpPr>
+        <dsp:cNvPr id="0" name=""/>
+        <dsp:cNvSpPr/>
+      </dsp:nvSpPr>
+      <dsp:spPr>
+        <a:xfrm rot="5929062">
+          <a:off x="2371056" y="4585631"/>
+          <a:ext cx="2225583" cy="0"/>
+        </a:xfrm>
+        <a:custGeom>
+          <a:avLst/>
+          <a:gdLst/>
+          <a:ahLst/>
+          <a:cxnLst/>
+          <a:rect l="0" t="0" r="0" b="0"/>
+          <a:pathLst>
+            <a:path>
+              <a:moveTo>
+                <a:pt x="0" y="0"/>
+              </a:moveTo>
+              <a:lnTo>
+                <a:pt x="2225583" y="0"/>
+              </a:lnTo>
+            </a:path>
+          </a:pathLst>
+        </a:custGeom>
+        <a:noFill/>
+        <a:ln w="19050" cap="flat" cmpd="sng" algn="ctr">
+          <a:solidFill>
+            <a:schemeClr val="accent4">
+              <a:lumMod val="50000"/>
+            </a:schemeClr>
+          </a:solidFill>
+          <a:prstDash val="solid"/>
+        </a:ln>
+        <a:effectLst/>
+      </dsp:spPr>
+      <dsp:style>
+        <a:lnRef idx="2">
+          <a:scrgbClr r="0" g="0" b="0"/>
+        </a:lnRef>
+        <a:fillRef idx="0">
+          <a:scrgbClr r="0" g="0" b="0"/>
+        </a:fillRef>
+        <a:effectRef idx="0">
+          <a:scrgbClr r="0" g="0" b="0"/>
+        </a:effectRef>
+        <a:fontRef idx="minor"/>
+      </dsp:style>
+    </dsp:sp>
+    <dsp:sp modelId="{1837371C-3EE9-4548-BACC-1082E2BC87BC}">
+      <dsp:nvSpPr>
+        <dsp:cNvPr id="0" name=""/>
+        <dsp:cNvSpPr/>
+      </dsp:nvSpPr>
+      <dsp:spPr>
+        <a:xfrm>
+          <a:off x="1804659" y="5685270"/>
+          <a:ext cx="165946" cy="0"/>
+        </a:xfrm>
+        <a:prstGeom prst="line">
+          <a:avLst/>
+        </a:prstGeom>
+        <a:noFill/>
+        <a:ln w="19050" cap="flat" cmpd="sng" algn="ctr">
+          <a:solidFill>
+            <a:schemeClr val="accent4">
+              <a:lumMod val="50000"/>
+            </a:schemeClr>
+          </a:solidFill>
+          <a:prstDash val="solid"/>
+        </a:ln>
+        <a:effectLst/>
+      </dsp:spPr>
+      <dsp:style>
+        <a:lnRef idx="2">
+          <a:scrgbClr r="0" g="0" b="0"/>
+        </a:lnRef>
+        <a:fillRef idx="0">
+          <a:scrgbClr r="0" g="0" b="0"/>
+        </a:fillRef>
+        <a:effectRef idx="0">
+          <a:scrgbClr r="0" g="0" b="0"/>
+        </a:effectRef>
+        <a:fontRef idx="minor"/>
+      </dsp:style>
+    </dsp:sp>
+    <dsp:sp modelId="{2C9CCBF4-DA0E-4FAC-BCCE-7F0FF9DD7C8E}">
+      <dsp:nvSpPr>
+        <dsp:cNvPr id="0" name=""/>
+        <dsp:cNvSpPr/>
+      </dsp:nvSpPr>
+      <dsp:spPr>
+        <a:xfrm>
+          <a:off x="1970606" y="5332256"/>
+          <a:ext cx="1176714" cy="706028"/>
+        </a:xfrm>
+        <a:prstGeom prst="rect">
+          <a:avLst/>
+        </a:prstGeom>
+        <a:noFill/>
+        <a:ln>
+          <a:noFill/>
+        </a:ln>
+        <a:effectLst/>
+        <a:sp3d/>
+      </dsp:spPr>
+      <dsp:style>
+        <a:lnRef idx="0">
+          <a:scrgbClr r="0" g="0" b="0"/>
+        </a:lnRef>
+        <a:fillRef idx="0">
+          <a:scrgbClr r="0" g="0" b="0"/>
+        </a:fillRef>
+        <a:effectRef idx="0">
+          <a:scrgbClr r="0" g="0" b="0"/>
+        </a:effectRef>
+        <a:fontRef idx="minor"/>
+      </dsp:style>
+      <dsp:txBody>
+        <a:bodyPr spcFirstLastPara="0" vert="horz" wrap="square" lIns="99568" tIns="99568" rIns="99568" bIns="99568" numCol="1" spcCol="1270" anchor="ctr" anchorCtr="0">
+          <a:noAutofit/>
+        </a:bodyPr>
+        <a:lstStyle/>
+        <a:p>
+          <a:pPr lvl="0" algn="ctr" defTabSz="622300" rtl="0">
+            <a:lnSpc>
+              <a:spcPct val="90000"/>
+            </a:lnSpc>
+            <a:spcBef>
+              <a:spcPct val="0"/>
+            </a:spcBef>
+            <a:spcAft>
+              <a:spcPct val="35000"/>
+            </a:spcAft>
+          </a:pPr>
+          <a:r>
+            <a:rPr lang="en-US" sz="1400" b="1" kern="1200" smtClean="0">
+              <a:solidFill>
+                <a:schemeClr val="accent4">
+                  <a:lumMod val="50000"/>
+                </a:schemeClr>
+              </a:solidFill>
+            </a:rPr>
+            <a:t>JSON</a:t>
+          </a:r>
+          <a:endParaRPr lang="en-US" sz="1400" b="1" kern="1200">
+            <a:solidFill>
+              <a:schemeClr val="accent4">
+                <a:lumMod val="50000"/>
+              </a:schemeClr>
+            </a:solidFill>
+          </a:endParaRPr>
+        </a:p>
+      </dsp:txBody>
+      <dsp:txXfrm>
+        <a:off x="1970606" y="5332256"/>
+        <a:ext cx="1176714" cy="706028"/>
+      </dsp:txXfrm>
+    </dsp:sp>
+    <dsp:sp modelId="{9F2754D6-92B7-4660-89A3-D0806CABD8DF}">
+      <dsp:nvSpPr>
+        <dsp:cNvPr id="0" name=""/>
+        <dsp:cNvSpPr/>
+      </dsp:nvSpPr>
+      <dsp:spPr>
+        <a:xfrm>
+          <a:off x="3147320" y="5685270"/>
+          <a:ext cx="165946" cy="0"/>
+        </a:xfrm>
+        <a:prstGeom prst="line">
+          <a:avLst/>
+        </a:prstGeom>
+        <a:noFill/>
+        <a:ln w="19050" cap="flat" cmpd="sng" algn="ctr">
+          <a:solidFill>
+            <a:schemeClr val="accent4">
+              <a:lumMod val="50000"/>
+            </a:schemeClr>
+          </a:solidFill>
+          <a:prstDash val="solid"/>
+        </a:ln>
+        <a:effectLst/>
+      </dsp:spPr>
+      <dsp:style>
+        <a:lnRef idx="2">
+          <a:scrgbClr r="0" g="0" b="0"/>
+        </a:lnRef>
+        <a:fillRef idx="0">
+          <a:scrgbClr r="0" g="0" b="0"/>
+        </a:fillRef>
+        <a:effectRef idx="0">
+          <a:scrgbClr r="0" g="0" b="0"/>
+        </a:effectRef>
+        <a:fontRef idx="minor"/>
+      </dsp:style>
+    </dsp:sp>
+    <dsp:sp modelId="{C9EFAC89-0FDC-4F01-98E5-527EF77F782B}">
+      <dsp:nvSpPr>
+        <dsp:cNvPr id="0" name=""/>
+        <dsp:cNvSpPr/>
+      </dsp:nvSpPr>
+      <dsp:spPr>
+        <a:xfrm>
+          <a:off x="3696595" y="2504304"/>
+          <a:ext cx="1419732" cy="1419732"/>
+        </a:xfrm>
+        <a:prstGeom prst="ellipse">
+          <a:avLst/>
+        </a:prstGeom>
+        <a:solidFill>
+          <a:schemeClr val="accent2"/>
+        </a:solidFill>
+        <a:ln w="19050" cap="flat" cmpd="sng" algn="ctr">
+          <a:solidFill>
+            <a:schemeClr val="lt1">
+              <a:hueOff val="0"/>
+              <a:satOff val="0"/>
+              <a:lumOff val="0"/>
+              <a:alphaOff val="0"/>
+            </a:schemeClr>
+          </a:solidFill>
+          <a:prstDash val="solid"/>
+        </a:ln>
+        <a:effectLst/>
+      </dsp:spPr>
+      <dsp:style>
+        <a:lnRef idx="2">
+          <a:scrgbClr r="0" g="0" b="0"/>
+        </a:lnRef>
+        <a:fillRef idx="1">
+          <a:scrgbClr r="0" g="0" b="0"/>
+        </a:fillRef>
+        <a:effectRef idx="0">
+          <a:scrgbClr r="0" g="0" b="0"/>
+        </a:effectRef>
+        <a:fontRef idx="minor">
+          <a:schemeClr val="lt1"/>
+        </a:fontRef>
+      </dsp:style>
+      <dsp:txBody>
+        <a:bodyPr spcFirstLastPara="0" vert="horz" wrap="square" lIns="0" tIns="0" rIns="0" bIns="0" numCol="1" spcCol="1270" anchor="ctr" anchorCtr="0">
+          <a:noAutofit/>
+        </a:bodyPr>
+        <a:lstStyle/>
+        <a:p>
+          <a:pPr lvl="0" algn="ctr" defTabSz="800100" rtl="0">
+            <a:lnSpc>
+              <a:spcPct val="90000"/>
+            </a:lnSpc>
+            <a:spcBef>
+              <a:spcPct val="0"/>
+            </a:spcBef>
+            <a:spcAft>
+              <a:spcPct val="35000"/>
+            </a:spcAft>
+          </a:pPr>
+          <a:r>
+            <a:rPr lang="en-US" sz="1800" b="1" kern="1200" dirty="0" smtClean="0"/>
+            <a:t>Process with </a:t>
+          </a:r>
+          <a:endParaRPr lang="en-US" sz="1800" b="1" kern="1200" dirty="0"/>
+        </a:p>
+      </dsp:txBody>
+      <dsp:txXfrm>
+        <a:off x="3904510" y="2712219"/>
+        <a:ext cx="1003902" cy="1003902"/>
+      </dsp:txXfrm>
+    </dsp:sp>
+    <dsp:sp modelId="{5929F69E-F3A8-42D4-B765-511EA42ED139}">
+      <dsp:nvSpPr>
+        <dsp:cNvPr id="0" name=""/>
+        <dsp:cNvSpPr/>
+      </dsp:nvSpPr>
+      <dsp:spPr>
+        <a:xfrm rot="17393884">
+          <a:off x="4539431" y="2038632"/>
+          <a:ext cx="2004782" cy="0"/>
+        </a:xfrm>
+        <a:custGeom>
+          <a:avLst/>
+          <a:gdLst/>
+          <a:ahLst/>
+          <a:cxnLst/>
+          <a:rect l="0" t="0" r="0" b="0"/>
+          <a:pathLst>
+            <a:path>
+              <a:moveTo>
+                <a:pt x="0" y="0"/>
+              </a:moveTo>
+              <a:lnTo>
+                <a:pt x="2004782" y="0"/>
+              </a:lnTo>
+            </a:path>
+          </a:pathLst>
+        </a:custGeom>
+        <a:noFill/>
+        <a:ln w="19050" cap="flat" cmpd="sng" algn="ctr">
+          <a:solidFill>
+            <a:schemeClr val="accent4">
+              <a:lumMod val="50000"/>
+            </a:schemeClr>
+          </a:solidFill>
+          <a:prstDash val="solid"/>
+        </a:ln>
+        <a:effectLst/>
+      </dsp:spPr>
+      <dsp:style>
+        <a:lnRef idx="2">
+          <a:scrgbClr r="0" g="0" b="0"/>
+        </a:lnRef>
+        <a:fillRef idx="0">
+          <a:scrgbClr r="0" g="0" b="0"/>
+        </a:fillRef>
+        <a:effectRef idx="0">
+          <a:scrgbClr r="0" g="0" b="0"/>
+        </a:effectRef>
+        <a:fontRef idx="minor"/>
+      </dsp:style>
+    </dsp:sp>
+    <dsp:sp modelId="{25FE8F4F-CDE3-413B-8A8D-863D718BEEB7}">
+      <dsp:nvSpPr>
+        <dsp:cNvPr id="0" name=""/>
+        <dsp:cNvSpPr/>
+      </dsp:nvSpPr>
+      <dsp:spPr>
+        <a:xfrm rot="15006116">
+          <a:off x="6730362" y="2038632"/>
+          <a:ext cx="2004782" cy="0"/>
+        </a:xfrm>
+        <a:custGeom>
+          <a:avLst/>
+          <a:gdLst/>
+          <a:ahLst/>
+          <a:cxnLst/>
+          <a:rect l="0" t="0" r="0" b="0"/>
+          <a:pathLst>
+            <a:path>
+              <a:moveTo>
+                <a:pt x="0" y="0"/>
+              </a:moveTo>
+              <a:lnTo>
+                <a:pt x="2004782" y="0"/>
+              </a:lnTo>
+            </a:path>
+          </a:pathLst>
+        </a:custGeom>
+        <a:noFill/>
+        <a:ln w="19050" cap="flat" cmpd="sng" algn="ctr">
+          <a:solidFill>
+            <a:schemeClr val="accent4">
+              <a:lumMod val="50000"/>
+            </a:schemeClr>
+          </a:solidFill>
+          <a:prstDash val="solid"/>
+        </a:ln>
+        <a:effectLst/>
+      </dsp:spPr>
+      <dsp:style>
+        <a:lnRef idx="2">
+          <a:scrgbClr r="0" g="0" b="0"/>
+        </a:lnRef>
+        <a:fillRef idx="0">
+          <a:scrgbClr r="0" g="0" b="0"/>
+        </a:fillRef>
+        <a:effectRef idx="0">
+          <a:scrgbClr r="0" g="0" b="0"/>
+        </a:effectRef>
+        <a:fontRef idx="minor"/>
+      </dsp:style>
+    </dsp:sp>
+    <dsp:sp modelId="{749FF2AB-0D53-4FFA-BA58-71D6FE7F3576}">
+      <dsp:nvSpPr>
+        <dsp:cNvPr id="0" name=""/>
+        <dsp:cNvSpPr/>
+      </dsp:nvSpPr>
+      <dsp:spPr>
+        <a:xfrm>
+          <a:off x="5882984" y="1096084"/>
+          <a:ext cx="165946" cy="0"/>
+        </a:xfrm>
+        <a:prstGeom prst="line">
+          <a:avLst/>
+        </a:prstGeom>
+        <a:noFill/>
+        <a:ln w="19050" cap="flat" cmpd="sng" algn="ctr">
+          <a:solidFill>
+            <a:schemeClr val="accent4">
+              <a:lumMod val="50000"/>
+            </a:schemeClr>
+          </a:solidFill>
+          <a:prstDash val="solid"/>
+        </a:ln>
+        <a:effectLst/>
+      </dsp:spPr>
+      <dsp:style>
+        <a:lnRef idx="2">
+          <a:scrgbClr r="0" g="0" b="0"/>
+        </a:lnRef>
+        <a:fillRef idx="0">
+          <a:scrgbClr r="0" g="0" b="0"/>
+        </a:fillRef>
+        <a:effectRef idx="0">
+          <a:scrgbClr r="0" g="0" b="0"/>
+        </a:effectRef>
+        <a:fontRef idx="minor"/>
+      </dsp:style>
+    </dsp:sp>
+    <dsp:sp modelId="{9A5CF80B-3A6A-4F03-87B4-798BEFF3F100}">
+      <dsp:nvSpPr>
+        <dsp:cNvPr id="0" name=""/>
+        <dsp:cNvSpPr/>
+      </dsp:nvSpPr>
+      <dsp:spPr>
+        <a:xfrm>
+          <a:off x="6048931" y="743070"/>
+          <a:ext cx="1176714" cy="706028"/>
+        </a:xfrm>
+        <a:prstGeom prst="rect">
+          <a:avLst/>
+        </a:prstGeom>
+        <a:noFill/>
+        <a:ln>
+          <a:noFill/>
+        </a:ln>
+        <a:effectLst/>
+        <a:sp3d/>
+      </dsp:spPr>
+      <dsp:style>
+        <a:lnRef idx="0">
+          <a:scrgbClr r="0" g="0" b="0"/>
+        </a:lnRef>
+        <a:fillRef idx="0">
+          <a:scrgbClr r="0" g="0" b="0"/>
+        </a:fillRef>
+        <a:effectRef idx="0">
+          <a:scrgbClr r="0" g="0" b="0"/>
+        </a:effectRef>
+        <a:fontRef idx="minor"/>
+      </dsp:style>
+      <dsp:txBody>
+        <a:bodyPr spcFirstLastPara="0" vert="horz" wrap="square" lIns="99568" tIns="99568" rIns="99568" bIns="99568" numCol="1" spcCol="1270" anchor="ctr" anchorCtr="0">
+          <a:noAutofit/>
+        </a:bodyPr>
+        <a:lstStyle/>
+        <a:p>
+          <a:pPr lvl="0" algn="ctr" defTabSz="622300" rtl="0">
+            <a:lnSpc>
+              <a:spcPct val="90000"/>
+            </a:lnSpc>
+            <a:spcBef>
+              <a:spcPct val="0"/>
+            </a:spcBef>
+            <a:spcAft>
+              <a:spcPct val="35000"/>
+            </a:spcAft>
+          </a:pPr>
+          <a:r>
+            <a:rPr lang="en-US" sz="1400" b="1" kern="1200" dirty="0" smtClean="0">
+              <a:solidFill>
+                <a:schemeClr val="accent4">
+                  <a:lumMod val="50000"/>
+                </a:schemeClr>
+              </a:solidFill>
+            </a:rPr>
+            <a:t>Matlab</a:t>
+          </a:r>
+          <a:endParaRPr lang="en-US" sz="1400" b="1" kern="1200" dirty="0">
+            <a:solidFill>
+              <a:schemeClr val="accent4">
+                <a:lumMod val="50000"/>
+              </a:schemeClr>
+            </a:solidFill>
+          </a:endParaRPr>
+        </a:p>
+      </dsp:txBody>
+      <dsp:txXfrm>
+        <a:off x="6048931" y="743070"/>
+        <a:ext cx="1176714" cy="706028"/>
+      </dsp:txXfrm>
+    </dsp:sp>
+    <dsp:sp modelId="{7D574453-8EA5-446C-AF16-7BCC68B528C6}">
+      <dsp:nvSpPr>
+        <dsp:cNvPr id="0" name=""/>
+        <dsp:cNvSpPr/>
+      </dsp:nvSpPr>
+      <dsp:spPr>
+        <a:xfrm>
+          <a:off x="7225645" y="1096084"/>
+          <a:ext cx="165946" cy="0"/>
+        </a:xfrm>
+        <a:prstGeom prst="line">
+          <a:avLst/>
+        </a:prstGeom>
+        <a:noFill/>
+        <a:ln w="19050" cap="flat" cmpd="sng" algn="ctr">
+          <a:solidFill>
+            <a:schemeClr val="accent4">
+              <a:lumMod val="50000"/>
+            </a:schemeClr>
+          </a:solidFill>
+          <a:prstDash val="solid"/>
+        </a:ln>
+        <a:effectLst/>
+      </dsp:spPr>
+      <dsp:style>
+        <a:lnRef idx="2">
+          <a:scrgbClr r="0" g="0" b="0"/>
+        </a:lnRef>
+        <a:fillRef idx="0">
+          <a:scrgbClr r="0" g="0" b="0"/>
+        </a:fillRef>
+        <a:effectRef idx="0">
+          <a:scrgbClr r="0" g="0" b="0"/>
+        </a:effectRef>
+        <a:fontRef idx="minor"/>
+      </dsp:style>
+    </dsp:sp>
+    <dsp:sp modelId="{EC441AD7-99FF-4E61-80C6-84C6C3A3D725}">
+      <dsp:nvSpPr>
+        <dsp:cNvPr id="0" name=""/>
+        <dsp:cNvSpPr/>
+      </dsp:nvSpPr>
+      <dsp:spPr>
+        <a:xfrm rot="17909946">
+          <a:off x="4826815" y="2430478"/>
+          <a:ext cx="1430013" cy="0"/>
+        </a:xfrm>
+        <a:custGeom>
+          <a:avLst/>
+          <a:gdLst/>
+          <a:ahLst/>
+          <a:cxnLst/>
+          <a:rect l="0" t="0" r="0" b="0"/>
+          <a:pathLst>
+            <a:path>
+              <a:moveTo>
+                <a:pt x="0" y="0"/>
+              </a:moveTo>
+              <a:lnTo>
+                <a:pt x="1430013" y="0"/>
+              </a:lnTo>
+            </a:path>
+          </a:pathLst>
+        </a:custGeom>
+        <a:noFill/>
+        <a:ln w="19050" cap="flat" cmpd="sng" algn="ctr">
+          <a:solidFill>
+            <a:schemeClr val="accent4">
+              <a:lumMod val="50000"/>
+            </a:schemeClr>
+          </a:solidFill>
+          <a:prstDash val="solid"/>
+        </a:ln>
+        <a:effectLst/>
+      </dsp:spPr>
+      <dsp:style>
+        <a:lnRef idx="2">
+          <a:scrgbClr r="0" g="0" b="0"/>
+        </a:lnRef>
+        <a:fillRef idx="0">
+          <a:scrgbClr r="0" g="0" b="0"/>
+        </a:fillRef>
+        <a:effectRef idx="0">
+          <a:scrgbClr r="0" g="0" b="0"/>
+        </a:effectRef>
+        <a:fontRef idx="minor"/>
+      </dsp:style>
+    </dsp:sp>
+    <dsp:sp modelId="{E275DBC3-4662-44E6-8716-56BB0DE2B536}">
+      <dsp:nvSpPr>
+        <dsp:cNvPr id="0" name=""/>
+        <dsp:cNvSpPr/>
+      </dsp:nvSpPr>
+      <dsp:spPr>
+        <a:xfrm rot="14490054">
+          <a:off x="7017747" y="2430478"/>
+          <a:ext cx="1430013" cy="0"/>
+        </a:xfrm>
+        <a:custGeom>
+          <a:avLst/>
+          <a:gdLst/>
+          <a:ahLst/>
+          <a:cxnLst/>
+          <a:rect l="0" t="0" r="0" b="0"/>
+          <a:pathLst>
+            <a:path>
+              <a:moveTo>
+                <a:pt x="0" y="0"/>
+              </a:moveTo>
+              <a:lnTo>
+                <a:pt x="1430013" y="0"/>
+              </a:lnTo>
+            </a:path>
+          </a:pathLst>
+        </a:custGeom>
+        <a:noFill/>
+        <a:ln w="19050" cap="flat" cmpd="sng" algn="ctr">
+          <a:solidFill>
+            <a:schemeClr val="accent4">
+              <a:lumMod val="50000"/>
+            </a:schemeClr>
+          </a:solidFill>
+          <a:prstDash val="solid"/>
+        </a:ln>
+        <a:effectLst/>
+      </dsp:spPr>
+      <dsp:style>
+        <a:lnRef idx="2">
+          <a:scrgbClr r="0" g="0" b="0"/>
+        </a:lnRef>
+        <a:fillRef idx="0">
+          <a:scrgbClr r="0" g="0" b="0"/>
+        </a:fillRef>
+        <a:effectRef idx="0">
+          <a:scrgbClr r="0" g="0" b="0"/>
+        </a:effectRef>
+        <a:fontRef idx="minor"/>
+      </dsp:style>
+    </dsp:sp>
+    <dsp:sp modelId="{C0028364-7CD3-45AE-A2F7-9621F675B2ED}">
+      <dsp:nvSpPr>
+        <dsp:cNvPr id="0" name=""/>
+        <dsp:cNvSpPr/>
+      </dsp:nvSpPr>
+      <dsp:spPr>
+        <a:xfrm>
+          <a:off x="5882984" y="1802113"/>
+          <a:ext cx="165946" cy="0"/>
+        </a:xfrm>
+        <a:prstGeom prst="line">
+          <a:avLst/>
+        </a:prstGeom>
+        <a:noFill/>
+        <a:ln w="19050" cap="flat" cmpd="sng" algn="ctr">
+          <a:solidFill>
+            <a:schemeClr val="accent4">
+              <a:lumMod val="50000"/>
+            </a:schemeClr>
+          </a:solidFill>
+          <a:prstDash val="solid"/>
+        </a:ln>
+        <a:effectLst/>
+      </dsp:spPr>
+      <dsp:style>
+        <a:lnRef idx="2">
+          <a:scrgbClr r="0" g="0" b="0"/>
+        </a:lnRef>
+        <a:fillRef idx="0">
+          <a:scrgbClr r="0" g="0" b="0"/>
+        </a:fillRef>
+        <a:effectRef idx="0">
+          <a:scrgbClr r="0" g="0" b="0"/>
+        </a:effectRef>
+        <a:fontRef idx="minor"/>
+      </dsp:style>
+    </dsp:sp>
+    <dsp:sp modelId="{010E112E-8049-4877-9024-FB13FDA43299}">
+      <dsp:nvSpPr>
+        <dsp:cNvPr id="0" name=""/>
+        <dsp:cNvSpPr/>
+      </dsp:nvSpPr>
+      <dsp:spPr>
+        <a:xfrm>
+          <a:off x="6048931" y="1449098"/>
+          <a:ext cx="1176714" cy="706028"/>
+        </a:xfrm>
+        <a:prstGeom prst="rect">
+          <a:avLst/>
+        </a:prstGeom>
+        <a:noFill/>
+        <a:ln>
+          <a:noFill/>
+        </a:ln>
+        <a:effectLst/>
+        <a:sp3d/>
+      </dsp:spPr>
+      <dsp:style>
+        <a:lnRef idx="0">
+          <a:scrgbClr r="0" g="0" b="0"/>
+        </a:lnRef>
+        <a:fillRef idx="0">
+          <a:scrgbClr r="0" g="0" b="0"/>
+        </a:fillRef>
+        <a:effectRef idx="0">
+          <a:scrgbClr r="0" g="0" b="0"/>
+        </a:effectRef>
+        <a:fontRef idx="minor"/>
+      </dsp:style>
+      <dsp:txBody>
+        <a:bodyPr spcFirstLastPara="0" vert="horz" wrap="square" lIns="99568" tIns="99568" rIns="99568" bIns="99568" numCol="1" spcCol="1270" anchor="ctr" anchorCtr="0">
+          <a:noAutofit/>
+        </a:bodyPr>
+        <a:lstStyle/>
+        <a:p>
+          <a:pPr lvl="0" algn="ctr" defTabSz="622300" rtl="0">
+            <a:lnSpc>
+              <a:spcPct val="90000"/>
+            </a:lnSpc>
+            <a:spcBef>
+              <a:spcPct val="0"/>
+            </a:spcBef>
+            <a:spcAft>
+              <a:spcPct val="35000"/>
+            </a:spcAft>
+          </a:pPr>
+          <a:r>
+            <a:rPr lang="en-US" sz="1400" b="1" kern="1200" dirty="0" smtClean="0">
+              <a:solidFill>
+                <a:schemeClr val="accent4">
+                  <a:lumMod val="50000"/>
+                </a:schemeClr>
+              </a:solidFill>
+            </a:rPr>
+            <a:t>Powershell</a:t>
+          </a:r>
+          <a:endParaRPr lang="en-US" sz="1400" b="1" kern="1200" dirty="0">
+            <a:solidFill>
+              <a:schemeClr val="accent4">
+                <a:lumMod val="50000"/>
+              </a:schemeClr>
+            </a:solidFill>
+          </a:endParaRPr>
+        </a:p>
+      </dsp:txBody>
+      <dsp:txXfrm>
+        <a:off x="6048931" y="1449098"/>
+        <a:ext cx="1176714" cy="706028"/>
+      </dsp:txXfrm>
+    </dsp:sp>
+    <dsp:sp modelId="{BD800237-A0C1-4116-8AA8-22270B4E3D6E}">
+      <dsp:nvSpPr>
+        <dsp:cNvPr id="0" name=""/>
+        <dsp:cNvSpPr/>
+      </dsp:nvSpPr>
+      <dsp:spPr>
+        <a:xfrm>
+          <a:off x="7225645" y="1802113"/>
+          <a:ext cx="165946" cy="0"/>
+        </a:xfrm>
+        <a:prstGeom prst="line">
+          <a:avLst/>
+        </a:prstGeom>
+        <a:noFill/>
+        <a:ln w="19050" cap="flat" cmpd="sng" algn="ctr">
+          <a:solidFill>
+            <a:schemeClr val="accent4">
+              <a:lumMod val="50000"/>
+            </a:schemeClr>
+          </a:solidFill>
+          <a:prstDash val="solid"/>
+        </a:ln>
+        <a:effectLst/>
+      </dsp:spPr>
+      <dsp:style>
+        <a:lnRef idx="2">
+          <a:scrgbClr r="0" g="0" b="0"/>
+        </a:lnRef>
+        <a:fillRef idx="0">
+          <a:scrgbClr r="0" g="0" b="0"/>
+        </a:fillRef>
+        <a:effectRef idx="0">
+          <a:scrgbClr r="0" g="0" b="0"/>
+        </a:effectRef>
+        <a:fontRef idx="minor"/>
+      </dsp:style>
+    </dsp:sp>
+    <dsp:sp modelId="{3133DD44-2C0C-4E6C-84C6-15F5220A01FD}">
+      <dsp:nvSpPr>
+        <dsp:cNvPr id="0" name=""/>
+        <dsp:cNvSpPr/>
+      </dsp:nvSpPr>
+      <dsp:spPr>
+        <a:xfrm rot="19041445">
+          <a:off x="5078031" y="2822324"/>
+          <a:ext cx="927582" cy="0"/>
+        </a:xfrm>
+        <a:custGeom>
+          <a:avLst/>
+          <a:gdLst/>
+          <a:ahLst/>
+          <a:cxnLst/>
+          <a:rect l="0" t="0" r="0" b="0"/>
+          <a:pathLst>
+            <a:path>
+              <a:moveTo>
+                <a:pt x="0" y="0"/>
+              </a:moveTo>
+              <a:lnTo>
+                <a:pt x="927582" y="0"/>
+              </a:lnTo>
+            </a:path>
+          </a:pathLst>
+        </a:custGeom>
+        <a:noFill/>
+        <a:ln w="19050" cap="flat" cmpd="sng" algn="ctr">
+          <a:solidFill>
+            <a:schemeClr val="accent4">
+              <a:lumMod val="50000"/>
+            </a:schemeClr>
+          </a:solidFill>
+          <a:prstDash val="solid"/>
+        </a:ln>
+        <a:effectLst/>
+      </dsp:spPr>
+      <dsp:style>
+        <a:lnRef idx="2">
+          <a:scrgbClr r="0" g="0" b="0"/>
+        </a:lnRef>
+        <a:fillRef idx="0">
+          <a:scrgbClr r="0" g="0" b="0"/>
+        </a:fillRef>
+        <a:effectRef idx="0">
+          <a:scrgbClr r="0" g="0" b="0"/>
+        </a:effectRef>
+        <a:fontRef idx="minor"/>
+      </dsp:style>
+    </dsp:sp>
+    <dsp:sp modelId="{3E58BAF0-BCCA-48FE-AD22-BA90AD7665B6}">
+      <dsp:nvSpPr>
+        <dsp:cNvPr id="0" name=""/>
+        <dsp:cNvSpPr/>
+      </dsp:nvSpPr>
+      <dsp:spPr>
+        <a:xfrm rot="13358555">
+          <a:off x="7268963" y="2822324"/>
+          <a:ext cx="927582" cy="0"/>
+        </a:xfrm>
+        <a:custGeom>
+          <a:avLst/>
+          <a:gdLst/>
+          <a:ahLst/>
+          <a:cxnLst/>
+          <a:rect l="0" t="0" r="0" b="0"/>
+          <a:pathLst>
+            <a:path>
+              <a:moveTo>
+                <a:pt x="0" y="0"/>
+              </a:moveTo>
+              <a:lnTo>
+                <a:pt x="927582" y="0"/>
+              </a:lnTo>
+            </a:path>
+          </a:pathLst>
+        </a:custGeom>
+        <a:noFill/>
+        <a:ln w="19050" cap="flat" cmpd="sng" algn="ctr">
+          <a:solidFill>
+            <a:schemeClr val="accent4">
+              <a:lumMod val="50000"/>
+            </a:schemeClr>
+          </a:solidFill>
+          <a:prstDash val="solid"/>
+        </a:ln>
+        <a:effectLst/>
+      </dsp:spPr>
+      <dsp:style>
+        <a:lnRef idx="2">
+          <a:scrgbClr r="0" g="0" b="0"/>
+        </a:lnRef>
+        <a:fillRef idx="0">
+          <a:scrgbClr r="0" g="0" b="0"/>
+        </a:fillRef>
+        <a:effectRef idx="0">
+          <a:scrgbClr r="0" g="0" b="0"/>
+        </a:effectRef>
+        <a:fontRef idx="minor"/>
+      </dsp:style>
+    </dsp:sp>
+    <dsp:sp modelId="{04875609-DF77-4860-B263-5ABC03741940}">
+      <dsp:nvSpPr>
+        <dsp:cNvPr id="0" name=""/>
+        <dsp:cNvSpPr/>
+      </dsp:nvSpPr>
+      <dsp:spPr>
+        <a:xfrm>
+          <a:off x="5882984" y="2508141"/>
+          <a:ext cx="165946" cy="0"/>
+        </a:xfrm>
+        <a:prstGeom prst="line">
+          <a:avLst/>
+        </a:prstGeom>
+        <a:noFill/>
+        <a:ln w="19050" cap="flat" cmpd="sng" algn="ctr">
+          <a:solidFill>
+            <a:schemeClr val="accent4">
+              <a:lumMod val="50000"/>
+            </a:schemeClr>
+          </a:solidFill>
+          <a:prstDash val="solid"/>
+        </a:ln>
+        <a:effectLst/>
+      </dsp:spPr>
+      <dsp:style>
+        <a:lnRef idx="2">
+          <a:scrgbClr r="0" g="0" b="0"/>
+        </a:lnRef>
+        <a:fillRef idx="0">
+          <a:scrgbClr r="0" g="0" b="0"/>
+        </a:fillRef>
+        <a:effectRef idx="0">
+          <a:scrgbClr r="0" g="0" b="0"/>
+        </a:effectRef>
+        <a:fontRef idx="minor"/>
+      </dsp:style>
+    </dsp:sp>
+    <dsp:sp modelId="{AB708D3C-BDDE-4D14-ACCE-63A152F025A8}">
+      <dsp:nvSpPr>
+        <dsp:cNvPr id="0" name=""/>
+        <dsp:cNvSpPr/>
+      </dsp:nvSpPr>
+      <dsp:spPr>
+        <a:xfrm>
+          <a:off x="6048931" y="2155127"/>
+          <a:ext cx="1176714" cy="706028"/>
+        </a:xfrm>
+        <a:prstGeom prst="rect">
+          <a:avLst/>
+        </a:prstGeom>
+        <a:noFill/>
+        <a:ln>
+          <a:noFill/>
+        </a:ln>
+        <a:effectLst/>
+        <a:sp3d/>
+      </dsp:spPr>
+      <dsp:style>
+        <a:lnRef idx="0">
+          <a:scrgbClr r="0" g="0" b="0"/>
+        </a:lnRef>
+        <a:fillRef idx="0">
+          <a:scrgbClr r="0" g="0" b="0"/>
+        </a:fillRef>
+        <a:effectRef idx="0">
+          <a:scrgbClr r="0" g="0" b="0"/>
+        </a:effectRef>
+        <a:fontRef idx="minor"/>
+      </dsp:style>
+      <dsp:txBody>
+        <a:bodyPr spcFirstLastPara="0" vert="horz" wrap="square" lIns="99568" tIns="99568" rIns="99568" bIns="99568" numCol="1" spcCol="1270" anchor="ctr" anchorCtr="0">
+          <a:noAutofit/>
+        </a:bodyPr>
+        <a:lstStyle/>
+        <a:p>
+          <a:pPr lvl="0" algn="ctr" defTabSz="622300" rtl="0">
+            <a:lnSpc>
+              <a:spcPct val="90000"/>
+            </a:lnSpc>
+            <a:spcBef>
+              <a:spcPct val="0"/>
+            </a:spcBef>
+            <a:spcAft>
+              <a:spcPct val="35000"/>
+            </a:spcAft>
+          </a:pPr>
+          <a:r>
+            <a:rPr lang="en-US" sz="1400" b="1" kern="1200" dirty="0" smtClean="0">
+              <a:solidFill>
+                <a:schemeClr val="accent4">
+                  <a:lumMod val="50000"/>
+                </a:schemeClr>
+              </a:solidFill>
+            </a:rPr>
+            <a:t>Regex</a:t>
+          </a:r>
+          <a:endParaRPr lang="en-US" sz="1400" b="1" kern="1200" dirty="0">
+            <a:solidFill>
+              <a:schemeClr val="accent4">
+                <a:lumMod val="50000"/>
+              </a:schemeClr>
+            </a:solidFill>
+          </a:endParaRPr>
+        </a:p>
+      </dsp:txBody>
+      <dsp:txXfrm>
+        <a:off x="6048931" y="2155127"/>
+        <a:ext cx="1176714" cy="706028"/>
+      </dsp:txXfrm>
+    </dsp:sp>
+    <dsp:sp modelId="{D67A9AEF-5F00-419F-AE98-1058D523496C}">
+      <dsp:nvSpPr>
+        <dsp:cNvPr id="0" name=""/>
+        <dsp:cNvSpPr/>
+      </dsp:nvSpPr>
+      <dsp:spPr>
+        <a:xfrm>
+          <a:off x="7225645" y="2508141"/>
+          <a:ext cx="165946" cy="0"/>
+        </a:xfrm>
+        <a:prstGeom prst="line">
+          <a:avLst/>
+        </a:prstGeom>
+        <a:noFill/>
+        <a:ln w="19050" cap="flat" cmpd="sng" algn="ctr">
+          <a:solidFill>
+            <a:schemeClr val="accent4">
+              <a:lumMod val="50000"/>
+            </a:schemeClr>
+          </a:solidFill>
+          <a:prstDash val="solid"/>
+        </a:ln>
+        <a:effectLst/>
+      </dsp:spPr>
+      <dsp:style>
+        <a:lnRef idx="2">
+          <a:scrgbClr r="0" g="0" b="0"/>
+        </a:lnRef>
+        <a:fillRef idx="0">
+          <a:scrgbClr r="0" g="0" b="0"/>
+        </a:fillRef>
+        <a:effectRef idx="0">
+          <a:scrgbClr r="0" g="0" b="0"/>
+        </a:effectRef>
+        <a:fontRef idx="minor"/>
+      </dsp:style>
+    </dsp:sp>
+    <dsp:sp modelId="{9A9BB694-2743-4D88-865D-D81CA7E7CC01}">
+      <dsp:nvSpPr>
+        <dsp:cNvPr id="0" name=""/>
+        <dsp:cNvSpPr/>
+      </dsp:nvSpPr>
+      <dsp:spPr>
+        <a:xfrm>
+          <a:off x="5200660" y="3214170"/>
+          <a:ext cx="682323" cy="0"/>
+        </a:xfrm>
+        <a:custGeom>
+          <a:avLst/>
+          <a:gdLst/>
+          <a:ahLst/>
+          <a:cxnLst/>
+          <a:rect l="0" t="0" r="0" b="0"/>
+          <a:pathLst>
+            <a:path>
+              <a:moveTo>
+                <a:pt x="0" y="0"/>
+              </a:moveTo>
+              <a:lnTo>
+                <a:pt x="682323" y="0"/>
+              </a:lnTo>
+            </a:path>
+          </a:pathLst>
+        </a:custGeom>
+        <a:noFill/>
+        <a:ln w="19050" cap="flat" cmpd="sng" algn="ctr">
+          <a:solidFill>
+            <a:schemeClr val="accent4">
+              <a:lumMod val="50000"/>
+            </a:schemeClr>
+          </a:solidFill>
+          <a:prstDash val="solid"/>
+        </a:ln>
+        <a:effectLst/>
+      </dsp:spPr>
+      <dsp:style>
+        <a:lnRef idx="2">
+          <a:scrgbClr r="0" g="0" b="0"/>
+        </a:lnRef>
+        <a:fillRef idx="0">
+          <a:scrgbClr r="0" g="0" b="0"/>
+        </a:fillRef>
+        <a:effectRef idx="0">
+          <a:scrgbClr r="0" g="0" b="0"/>
+        </a:effectRef>
+        <a:fontRef idx="minor"/>
+      </dsp:style>
+    </dsp:sp>
+    <dsp:sp modelId="{93F270BA-0A6A-4CD7-AC7D-65C25081B4DC}">
+      <dsp:nvSpPr>
+        <dsp:cNvPr id="0" name=""/>
+        <dsp:cNvSpPr/>
+      </dsp:nvSpPr>
+      <dsp:spPr>
+        <a:xfrm rot="10800000">
+          <a:off x="7391592" y="3214170"/>
+          <a:ext cx="682323" cy="0"/>
+        </a:xfrm>
+        <a:custGeom>
+          <a:avLst/>
+          <a:gdLst/>
+          <a:ahLst/>
+          <a:cxnLst/>
+          <a:rect l="0" t="0" r="0" b="0"/>
+          <a:pathLst>
+            <a:path>
+              <a:moveTo>
+                <a:pt x="0" y="0"/>
+              </a:moveTo>
+              <a:lnTo>
+                <a:pt x="682323" y="0"/>
+              </a:lnTo>
+            </a:path>
+          </a:pathLst>
+        </a:custGeom>
+        <a:noFill/>
+        <a:ln w="19050" cap="flat" cmpd="sng" algn="ctr">
+          <a:solidFill>
+            <a:schemeClr val="accent4">
+              <a:lumMod val="50000"/>
+            </a:schemeClr>
+          </a:solidFill>
+          <a:prstDash val="solid"/>
+        </a:ln>
+        <a:effectLst/>
+      </dsp:spPr>
+      <dsp:style>
+        <a:lnRef idx="2">
+          <a:scrgbClr r="0" g="0" b="0"/>
+        </a:lnRef>
+        <a:fillRef idx="0">
+          <a:scrgbClr r="0" g="0" b="0"/>
+        </a:fillRef>
+        <a:effectRef idx="0">
+          <a:scrgbClr r="0" g="0" b="0"/>
+        </a:effectRef>
+        <a:fontRef idx="minor"/>
+      </dsp:style>
+    </dsp:sp>
+    <dsp:sp modelId="{7707F367-E680-41D5-B6C5-72E7D5A78D89}">
+      <dsp:nvSpPr>
+        <dsp:cNvPr id="0" name=""/>
+        <dsp:cNvSpPr/>
+      </dsp:nvSpPr>
+      <dsp:spPr>
+        <a:xfrm>
+          <a:off x="5882984" y="3214170"/>
+          <a:ext cx="165946" cy="0"/>
+        </a:xfrm>
+        <a:prstGeom prst="line">
+          <a:avLst/>
+        </a:prstGeom>
+        <a:noFill/>
+        <a:ln w="19050" cap="flat" cmpd="sng" algn="ctr">
+          <a:solidFill>
+            <a:schemeClr val="accent4">
+              <a:lumMod val="50000"/>
+            </a:schemeClr>
+          </a:solidFill>
+          <a:prstDash val="solid"/>
+        </a:ln>
+        <a:effectLst/>
+      </dsp:spPr>
+      <dsp:style>
+        <a:lnRef idx="2">
+          <a:scrgbClr r="0" g="0" b="0"/>
+        </a:lnRef>
+        <a:fillRef idx="0">
+          <a:scrgbClr r="0" g="0" b="0"/>
+        </a:fillRef>
+        <a:effectRef idx="0">
+          <a:scrgbClr r="0" g="0" b="0"/>
+        </a:effectRef>
+        <a:fontRef idx="minor"/>
+      </dsp:style>
+    </dsp:sp>
+    <dsp:sp modelId="{2F25D2A5-566E-41B6-84A1-E0D9F2332F61}">
+      <dsp:nvSpPr>
+        <dsp:cNvPr id="0" name=""/>
+        <dsp:cNvSpPr/>
+      </dsp:nvSpPr>
+      <dsp:spPr>
+        <a:xfrm>
+          <a:off x="6048931" y="2861156"/>
+          <a:ext cx="1176714" cy="706028"/>
+        </a:xfrm>
+        <a:prstGeom prst="rect">
+          <a:avLst/>
+        </a:prstGeom>
+        <a:noFill/>
+        <a:ln>
+          <a:noFill/>
+        </a:ln>
+        <a:effectLst/>
+        <a:sp3d/>
+      </dsp:spPr>
+      <dsp:style>
+        <a:lnRef idx="0">
+          <a:scrgbClr r="0" g="0" b="0"/>
+        </a:lnRef>
+        <a:fillRef idx="0">
+          <a:scrgbClr r="0" g="0" b="0"/>
+        </a:fillRef>
+        <a:effectRef idx="0">
+          <a:scrgbClr r="0" g="0" b="0"/>
+        </a:effectRef>
+        <a:fontRef idx="minor"/>
+      </dsp:style>
+      <dsp:txBody>
+        <a:bodyPr spcFirstLastPara="0" vert="horz" wrap="square" lIns="99568" tIns="99568" rIns="99568" bIns="99568" numCol="1" spcCol="1270" anchor="ctr" anchorCtr="0">
+          <a:noAutofit/>
+        </a:bodyPr>
+        <a:lstStyle/>
+        <a:p>
+          <a:pPr lvl="0" algn="ctr" defTabSz="622300" rtl="0">
+            <a:lnSpc>
+              <a:spcPct val="90000"/>
+            </a:lnSpc>
+            <a:spcBef>
+              <a:spcPct val="0"/>
+            </a:spcBef>
+            <a:spcAft>
+              <a:spcPct val="35000"/>
+            </a:spcAft>
+          </a:pPr>
+          <a:r>
+            <a:rPr lang="en-US" sz="1400" b="1" kern="1200" dirty="0" smtClean="0">
+              <a:solidFill>
+                <a:schemeClr val="accent4">
+                  <a:lumMod val="50000"/>
+                </a:schemeClr>
+              </a:solidFill>
+            </a:rPr>
+            <a:t>R</a:t>
+          </a:r>
+          <a:endParaRPr lang="en-US" sz="1400" b="1" kern="1200" dirty="0">
+            <a:solidFill>
+              <a:schemeClr val="accent4">
+                <a:lumMod val="50000"/>
+              </a:schemeClr>
+            </a:solidFill>
+          </a:endParaRPr>
+        </a:p>
+      </dsp:txBody>
+      <dsp:txXfrm>
+        <a:off x="6048931" y="2861156"/>
+        <a:ext cx="1176714" cy="706028"/>
+      </dsp:txXfrm>
+    </dsp:sp>
+    <dsp:sp modelId="{5E3C6DF0-6630-4E60-8255-403157822CA9}">
+      <dsp:nvSpPr>
+        <dsp:cNvPr id="0" name=""/>
+        <dsp:cNvSpPr/>
+      </dsp:nvSpPr>
+      <dsp:spPr>
+        <a:xfrm>
+          <a:off x="7225645" y="3214170"/>
+          <a:ext cx="165946" cy="0"/>
+        </a:xfrm>
+        <a:prstGeom prst="line">
+          <a:avLst/>
+        </a:prstGeom>
+        <a:noFill/>
+        <a:ln w="19050" cap="flat" cmpd="sng" algn="ctr">
+          <a:solidFill>
+            <a:schemeClr val="accent4">
+              <a:lumMod val="50000"/>
+            </a:schemeClr>
+          </a:solidFill>
+          <a:prstDash val="solid"/>
+        </a:ln>
+        <a:effectLst/>
+      </dsp:spPr>
+      <dsp:style>
+        <a:lnRef idx="2">
+          <a:scrgbClr r="0" g="0" b="0"/>
+        </a:lnRef>
+        <a:fillRef idx="0">
+          <a:scrgbClr r="0" g="0" b="0"/>
+        </a:fillRef>
+        <a:effectRef idx="0">
+          <a:scrgbClr r="0" g="0" b="0"/>
+        </a:effectRef>
+        <a:fontRef idx="minor"/>
+      </dsp:style>
+    </dsp:sp>
+    <dsp:sp modelId="{DA7C5DDF-8A40-43A7-B844-E47D4CAD7B01}">
+      <dsp:nvSpPr>
+        <dsp:cNvPr id="0" name=""/>
+        <dsp:cNvSpPr/>
+      </dsp:nvSpPr>
+      <dsp:spPr>
+        <a:xfrm rot="2558555">
+          <a:off x="5078031" y="3606016"/>
+          <a:ext cx="927582" cy="0"/>
+        </a:xfrm>
+        <a:custGeom>
+          <a:avLst/>
+          <a:gdLst/>
+          <a:ahLst/>
+          <a:cxnLst/>
+          <a:rect l="0" t="0" r="0" b="0"/>
+          <a:pathLst>
+            <a:path>
+              <a:moveTo>
+                <a:pt x="0" y="0"/>
+              </a:moveTo>
+              <a:lnTo>
+                <a:pt x="927582" y="0"/>
+              </a:lnTo>
+            </a:path>
+          </a:pathLst>
+        </a:custGeom>
+        <a:noFill/>
+        <a:ln w="19050" cap="flat" cmpd="sng" algn="ctr">
+          <a:solidFill>
+            <a:schemeClr val="accent4">
+              <a:lumMod val="50000"/>
+            </a:schemeClr>
+          </a:solidFill>
+          <a:prstDash val="solid"/>
+        </a:ln>
+        <a:effectLst/>
+      </dsp:spPr>
+      <dsp:style>
+        <a:lnRef idx="2">
+          <a:scrgbClr r="0" g="0" b="0"/>
+        </a:lnRef>
+        <a:fillRef idx="0">
+          <a:scrgbClr r="0" g="0" b="0"/>
+        </a:fillRef>
+        <a:effectRef idx="0">
+          <a:scrgbClr r="0" g="0" b="0"/>
+        </a:effectRef>
+        <a:fontRef idx="minor"/>
+      </dsp:style>
+    </dsp:sp>
+    <dsp:sp modelId="{557CB83E-FADB-420B-8A88-B747B4108930}">
+      <dsp:nvSpPr>
+        <dsp:cNvPr id="0" name=""/>
+        <dsp:cNvSpPr/>
+      </dsp:nvSpPr>
+      <dsp:spPr>
+        <a:xfrm rot="8241445">
+          <a:off x="7268963" y="3606016"/>
+          <a:ext cx="927582" cy="0"/>
+        </a:xfrm>
+        <a:custGeom>
+          <a:avLst/>
+          <a:gdLst/>
+          <a:ahLst/>
+          <a:cxnLst/>
+          <a:rect l="0" t="0" r="0" b="0"/>
+          <a:pathLst>
+            <a:path>
+              <a:moveTo>
+                <a:pt x="0" y="0"/>
+              </a:moveTo>
+              <a:lnTo>
+                <a:pt x="927582" y="0"/>
+              </a:lnTo>
+            </a:path>
+          </a:pathLst>
+        </a:custGeom>
+        <a:noFill/>
+        <a:ln w="19050" cap="flat" cmpd="sng" algn="ctr">
+          <a:solidFill>
+            <a:schemeClr val="accent4">
+              <a:lumMod val="50000"/>
+            </a:schemeClr>
+          </a:solidFill>
+          <a:prstDash val="solid"/>
+        </a:ln>
+        <a:effectLst/>
+      </dsp:spPr>
+      <dsp:style>
+        <a:lnRef idx="2">
+          <a:scrgbClr r="0" g="0" b="0"/>
+        </a:lnRef>
+        <a:fillRef idx="0">
+          <a:scrgbClr r="0" g="0" b="0"/>
+        </a:fillRef>
+        <a:effectRef idx="0">
+          <a:scrgbClr r="0" g="0" b="0"/>
+        </a:effectRef>
+        <a:fontRef idx="minor"/>
+      </dsp:style>
+    </dsp:sp>
+    <dsp:sp modelId="{4407520A-E219-4FA1-985D-1F7A17EEF7D5}">
+      <dsp:nvSpPr>
+        <dsp:cNvPr id="0" name=""/>
+        <dsp:cNvSpPr/>
+      </dsp:nvSpPr>
+      <dsp:spPr>
+        <a:xfrm>
+          <a:off x="5882984" y="3920199"/>
+          <a:ext cx="165946" cy="0"/>
+        </a:xfrm>
+        <a:prstGeom prst="line">
+          <a:avLst/>
+        </a:prstGeom>
+        <a:noFill/>
+        <a:ln w="19050" cap="flat" cmpd="sng" algn="ctr">
+          <a:solidFill>
+            <a:schemeClr val="accent4">
+              <a:lumMod val="50000"/>
+            </a:schemeClr>
+          </a:solidFill>
+          <a:prstDash val="solid"/>
+        </a:ln>
+        <a:effectLst/>
+      </dsp:spPr>
+      <dsp:style>
+        <a:lnRef idx="2">
+          <a:scrgbClr r="0" g="0" b="0"/>
+        </a:lnRef>
+        <a:fillRef idx="0">
+          <a:scrgbClr r="0" g="0" b="0"/>
+        </a:fillRef>
+        <a:effectRef idx="0">
+          <a:scrgbClr r="0" g="0" b="0"/>
+        </a:effectRef>
+        <a:fontRef idx="minor"/>
+      </dsp:style>
+    </dsp:sp>
+    <dsp:sp modelId="{C29504D3-251D-44BE-97B7-1D550C3639A3}">
+      <dsp:nvSpPr>
+        <dsp:cNvPr id="0" name=""/>
+        <dsp:cNvSpPr/>
+      </dsp:nvSpPr>
+      <dsp:spPr>
+        <a:xfrm>
+          <a:off x="6048931" y="3567184"/>
+          <a:ext cx="1176714" cy="706028"/>
+        </a:xfrm>
+        <a:prstGeom prst="rect">
+          <a:avLst/>
+        </a:prstGeom>
+        <a:noFill/>
+        <a:ln>
+          <a:noFill/>
+        </a:ln>
+        <a:effectLst/>
+        <a:sp3d/>
+      </dsp:spPr>
+      <dsp:style>
+        <a:lnRef idx="0">
+          <a:scrgbClr r="0" g="0" b="0"/>
+        </a:lnRef>
+        <a:fillRef idx="0">
+          <a:scrgbClr r="0" g="0" b="0"/>
+        </a:fillRef>
+        <a:effectRef idx="0">
+          <a:scrgbClr r="0" g="0" b="0"/>
+        </a:effectRef>
+        <a:fontRef idx="minor"/>
+      </dsp:style>
+      <dsp:txBody>
+        <a:bodyPr spcFirstLastPara="0" vert="horz" wrap="square" lIns="99568" tIns="99568" rIns="99568" bIns="99568" numCol="1" spcCol="1270" anchor="ctr" anchorCtr="0">
+          <a:noAutofit/>
+        </a:bodyPr>
+        <a:lstStyle/>
+        <a:p>
+          <a:pPr lvl="0" algn="ctr" defTabSz="622300" rtl="0">
+            <a:lnSpc>
+              <a:spcPct val="90000"/>
+            </a:lnSpc>
+            <a:spcBef>
+              <a:spcPct val="0"/>
+            </a:spcBef>
+            <a:spcAft>
+              <a:spcPct val="35000"/>
+            </a:spcAft>
+          </a:pPr>
+          <a:r>
+            <a:rPr lang="en-US" sz="1400" b="1" kern="1200" dirty="0" smtClean="0">
+              <a:solidFill>
+                <a:schemeClr val="accent4">
+                  <a:lumMod val="50000"/>
+                </a:schemeClr>
+              </a:solidFill>
+            </a:rPr>
+            <a:t>SignalR</a:t>
+          </a:r>
+          <a:endParaRPr lang="en-US" sz="1400" b="1" kern="1200" dirty="0">
+            <a:solidFill>
+              <a:schemeClr val="accent4">
+                <a:lumMod val="50000"/>
+              </a:schemeClr>
+            </a:solidFill>
+          </a:endParaRPr>
+        </a:p>
+      </dsp:txBody>
+      <dsp:txXfrm>
+        <a:off x="6048931" y="3567184"/>
+        <a:ext cx="1176714" cy="706028"/>
+      </dsp:txXfrm>
+    </dsp:sp>
+    <dsp:sp modelId="{D9A1F54C-0E3A-4B2F-8148-ACF145932D7D}">
+      <dsp:nvSpPr>
+        <dsp:cNvPr id="0" name=""/>
+        <dsp:cNvSpPr/>
+      </dsp:nvSpPr>
+      <dsp:spPr>
+        <a:xfrm>
+          <a:off x="7225645" y="3920199"/>
+          <a:ext cx="165946" cy="0"/>
+        </a:xfrm>
+        <a:prstGeom prst="line">
+          <a:avLst/>
+        </a:prstGeom>
+        <a:noFill/>
+        <a:ln w="19050" cap="flat" cmpd="sng" algn="ctr">
+          <a:solidFill>
+            <a:schemeClr val="accent4">
+              <a:lumMod val="50000"/>
+            </a:schemeClr>
+          </a:solidFill>
+          <a:prstDash val="solid"/>
+        </a:ln>
+        <a:effectLst/>
+      </dsp:spPr>
+      <dsp:style>
+        <a:lnRef idx="2">
+          <a:scrgbClr r="0" g="0" b="0"/>
+        </a:lnRef>
+        <a:fillRef idx="0">
+          <a:scrgbClr r="0" g="0" b="0"/>
+        </a:fillRef>
+        <a:effectRef idx="0">
+          <a:scrgbClr r="0" g="0" b="0"/>
+        </a:effectRef>
+        <a:fontRef idx="minor"/>
+      </dsp:style>
+    </dsp:sp>
+    <dsp:sp modelId="{560FC70A-A4E9-483F-94CF-C915C4C22B93}">
+      <dsp:nvSpPr>
+        <dsp:cNvPr id="0" name=""/>
+        <dsp:cNvSpPr/>
+      </dsp:nvSpPr>
+      <dsp:spPr>
+        <a:xfrm rot="3690054">
+          <a:off x="4826815" y="3997862"/>
+          <a:ext cx="1430013" cy="0"/>
+        </a:xfrm>
+        <a:custGeom>
+          <a:avLst/>
+          <a:gdLst/>
+          <a:ahLst/>
+          <a:cxnLst/>
+          <a:rect l="0" t="0" r="0" b="0"/>
+          <a:pathLst>
+            <a:path>
+              <a:moveTo>
+                <a:pt x="0" y="0"/>
+              </a:moveTo>
+              <a:lnTo>
+                <a:pt x="1430013" y="0"/>
+              </a:lnTo>
+            </a:path>
+          </a:pathLst>
+        </a:custGeom>
+        <a:noFill/>
+        <a:ln w="19050" cap="flat" cmpd="sng" algn="ctr">
+          <a:solidFill>
+            <a:schemeClr val="accent4">
+              <a:lumMod val="50000"/>
+            </a:schemeClr>
+          </a:solidFill>
+          <a:prstDash val="solid"/>
+        </a:ln>
+        <a:effectLst/>
+      </dsp:spPr>
+      <dsp:style>
+        <a:lnRef idx="2">
+          <a:scrgbClr r="0" g="0" b="0"/>
+        </a:lnRef>
+        <a:fillRef idx="0">
+          <a:scrgbClr r="0" g="0" b="0"/>
+        </a:fillRef>
+        <a:effectRef idx="0">
+          <a:scrgbClr r="0" g="0" b="0"/>
+        </a:effectRef>
+        <a:fontRef idx="minor"/>
+      </dsp:style>
+    </dsp:sp>
+    <dsp:sp modelId="{A17CAEFE-7687-43D7-B09C-8A786EE919D3}">
+      <dsp:nvSpPr>
+        <dsp:cNvPr id="0" name=""/>
+        <dsp:cNvSpPr/>
+      </dsp:nvSpPr>
+      <dsp:spPr>
+        <a:xfrm rot="7109946">
+          <a:off x="7017747" y="3997862"/>
+          <a:ext cx="1430013" cy="0"/>
+        </a:xfrm>
+        <a:custGeom>
+          <a:avLst/>
+          <a:gdLst/>
+          <a:ahLst/>
+          <a:cxnLst/>
+          <a:rect l="0" t="0" r="0" b="0"/>
+          <a:pathLst>
+            <a:path>
+              <a:moveTo>
+                <a:pt x="0" y="0"/>
+              </a:moveTo>
+              <a:lnTo>
+                <a:pt x="1430013" y="0"/>
+              </a:lnTo>
+            </a:path>
+          </a:pathLst>
+        </a:custGeom>
+        <a:noFill/>
+        <a:ln w="19050" cap="flat" cmpd="sng" algn="ctr">
+          <a:solidFill>
+            <a:schemeClr val="accent4">
+              <a:lumMod val="50000"/>
+            </a:schemeClr>
+          </a:solidFill>
+          <a:prstDash val="solid"/>
+        </a:ln>
+        <a:effectLst/>
+      </dsp:spPr>
+      <dsp:style>
+        <a:lnRef idx="2">
+          <a:scrgbClr r="0" g="0" b="0"/>
+        </a:lnRef>
+        <a:fillRef idx="0">
+          <a:scrgbClr r="0" g="0" b="0"/>
+        </a:fillRef>
+        <a:effectRef idx="0">
+          <a:scrgbClr r="0" g="0" b="0"/>
+        </a:effectRef>
+        <a:fontRef idx="minor"/>
+      </dsp:style>
+    </dsp:sp>
+    <dsp:sp modelId="{4825D9DD-2635-4FB0-BB5B-BE87041BF4F1}">
+      <dsp:nvSpPr>
+        <dsp:cNvPr id="0" name=""/>
+        <dsp:cNvSpPr/>
+      </dsp:nvSpPr>
+      <dsp:spPr>
+        <a:xfrm>
+          <a:off x="5882984" y="4626227"/>
+          <a:ext cx="165946" cy="0"/>
+        </a:xfrm>
+        <a:prstGeom prst="line">
+          <a:avLst/>
+        </a:prstGeom>
+        <a:noFill/>
+        <a:ln w="19050" cap="flat" cmpd="sng" algn="ctr">
+          <a:solidFill>
+            <a:schemeClr val="accent4">
+              <a:lumMod val="50000"/>
+            </a:schemeClr>
+          </a:solidFill>
+          <a:prstDash val="solid"/>
+        </a:ln>
+        <a:effectLst/>
+      </dsp:spPr>
+      <dsp:style>
+        <a:lnRef idx="2">
+          <a:scrgbClr r="0" g="0" b="0"/>
+        </a:lnRef>
+        <a:fillRef idx="0">
+          <a:scrgbClr r="0" g="0" b="0"/>
+        </a:fillRef>
+        <a:effectRef idx="0">
+          <a:scrgbClr r="0" g="0" b="0"/>
+        </a:effectRef>
+        <a:fontRef idx="minor"/>
+      </dsp:style>
+    </dsp:sp>
+    <dsp:sp modelId="{D5B1D052-BB80-45F3-9FDD-67126FC0DACE}">
+      <dsp:nvSpPr>
+        <dsp:cNvPr id="0" name=""/>
+        <dsp:cNvSpPr/>
+      </dsp:nvSpPr>
+      <dsp:spPr>
+        <a:xfrm>
+          <a:off x="6048931" y="4273213"/>
+          <a:ext cx="1176714" cy="706028"/>
+        </a:xfrm>
+        <a:prstGeom prst="rect">
+          <a:avLst/>
+        </a:prstGeom>
+        <a:noFill/>
+        <a:ln>
+          <a:noFill/>
+        </a:ln>
+        <a:effectLst/>
+        <a:sp3d/>
+      </dsp:spPr>
+      <dsp:style>
+        <a:lnRef idx="0">
+          <a:scrgbClr r="0" g="0" b="0"/>
+        </a:lnRef>
+        <a:fillRef idx="0">
+          <a:scrgbClr r="0" g="0" b="0"/>
+        </a:fillRef>
+        <a:effectRef idx="0">
+          <a:scrgbClr r="0" g="0" b="0"/>
+        </a:effectRef>
+        <a:fontRef idx="minor"/>
+      </dsp:style>
+      <dsp:txBody>
+        <a:bodyPr spcFirstLastPara="0" vert="horz" wrap="square" lIns="99568" tIns="99568" rIns="99568" bIns="99568" numCol="1" spcCol="1270" anchor="ctr" anchorCtr="0">
+          <a:noAutofit/>
+        </a:bodyPr>
+        <a:lstStyle/>
+        <a:p>
+          <a:pPr lvl="0" algn="ctr" defTabSz="622300" rtl="0">
+            <a:lnSpc>
+              <a:spcPct val="90000"/>
+            </a:lnSpc>
+            <a:spcBef>
+              <a:spcPct val="0"/>
+            </a:spcBef>
+            <a:spcAft>
+              <a:spcPct val="35000"/>
+            </a:spcAft>
+          </a:pPr>
+          <a:r>
+            <a:rPr lang="en-US" sz="1400" b="1" kern="1200" dirty="0" smtClean="0">
+              <a:solidFill>
+                <a:schemeClr val="accent4">
+                  <a:lumMod val="50000"/>
+                </a:schemeClr>
+              </a:solidFill>
+            </a:rPr>
+            <a:t>Python</a:t>
+          </a:r>
+          <a:endParaRPr lang="en-US" sz="1400" b="1" kern="1200" dirty="0">
+            <a:solidFill>
+              <a:schemeClr val="accent4">
+                <a:lumMod val="50000"/>
+              </a:schemeClr>
+            </a:solidFill>
+          </a:endParaRPr>
+        </a:p>
+      </dsp:txBody>
+      <dsp:txXfrm>
+        <a:off x="6048931" y="4273213"/>
+        <a:ext cx="1176714" cy="706028"/>
+      </dsp:txXfrm>
+    </dsp:sp>
+    <dsp:sp modelId="{77365C05-6E8A-4C9B-AD7B-3AA3341F9D8E}">
+      <dsp:nvSpPr>
+        <dsp:cNvPr id="0" name=""/>
+        <dsp:cNvSpPr/>
+      </dsp:nvSpPr>
+      <dsp:spPr>
+        <a:xfrm>
+          <a:off x="7225645" y="4626227"/>
+          <a:ext cx="165946" cy="0"/>
+        </a:xfrm>
+        <a:prstGeom prst="line">
+          <a:avLst/>
+        </a:prstGeom>
+        <a:noFill/>
+        <a:ln w="19050" cap="flat" cmpd="sng" algn="ctr">
+          <a:solidFill>
+            <a:schemeClr val="accent4">
+              <a:lumMod val="50000"/>
+            </a:schemeClr>
+          </a:solidFill>
+          <a:prstDash val="solid"/>
+        </a:ln>
+        <a:effectLst/>
+      </dsp:spPr>
+      <dsp:style>
+        <a:lnRef idx="2">
+          <a:scrgbClr r="0" g="0" b="0"/>
+        </a:lnRef>
+        <a:fillRef idx="0">
+          <a:scrgbClr r="0" g="0" b="0"/>
+        </a:fillRef>
+        <a:effectRef idx="0">
+          <a:scrgbClr r="0" g="0" b="0"/>
+        </a:effectRef>
+        <a:fontRef idx="minor"/>
+      </dsp:style>
+    </dsp:sp>
+    <dsp:sp modelId="{C4FADA27-4F94-4287-8C9C-326FC54DAB65}">
+      <dsp:nvSpPr>
+        <dsp:cNvPr id="0" name=""/>
+        <dsp:cNvSpPr/>
+      </dsp:nvSpPr>
+      <dsp:spPr>
+        <a:xfrm rot="4206116">
+          <a:off x="4539431" y="4389708"/>
+          <a:ext cx="2004782" cy="0"/>
+        </a:xfrm>
+        <a:custGeom>
+          <a:avLst/>
+          <a:gdLst/>
+          <a:ahLst/>
+          <a:cxnLst/>
+          <a:rect l="0" t="0" r="0" b="0"/>
+          <a:pathLst>
+            <a:path>
+              <a:moveTo>
+                <a:pt x="0" y="0"/>
+              </a:moveTo>
+              <a:lnTo>
+                <a:pt x="2004782" y="0"/>
+              </a:lnTo>
+            </a:path>
+          </a:pathLst>
+        </a:custGeom>
+        <a:noFill/>
+        <a:ln w="19050" cap="flat" cmpd="sng" algn="ctr">
+          <a:solidFill>
+            <a:schemeClr val="accent4">
+              <a:lumMod val="50000"/>
+            </a:schemeClr>
+          </a:solidFill>
+          <a:prstDash val="solid"/>
+        </a:ln>
+        <a:effectLst/>
+      </dsp:spPr>
+      <dsp:style>
+        <a:lnRef idx="2">
+          <a:scrgbClr r="0" g="0" b="0"/>
+        </a:lnRef>
+        <a:fillRef idx="0">
+          <a:scrgbClr r="0" g="0" b="0"/>
+        </a:fillRef>
+        <a:effectRef idx="0">
+          <a:scrgbClr r="0" g="0" b="0"/>
+        </a:effectRef>
+        <a:fontRef idx="minor"/>
+      </dsp:style>
+    </dsp:sp>
+    <dsp:sp modelId="{CE1CE96D-192D-48FB-AF8B-A7407DB2EC7B}">
+      <dsp:nvSpPr>
+        <dsp:cNvPr id="0" name=""/>
+        <dsp:cNvSpPr/>
+      </dsp:nvSpPr>
+      <dsp:spPr>
+        <a:xfrm rot="6593884">
+          <a:off x="6730362" y="4389708"/>
+          <a:ext cx="2004782" cy="0"/>
+        </a:xfrm>
+        <a:custGeom>
+          <a:avLst/>
+          <a:gdLst/>
+          <a:ahLst/>
+          <a:cxnLst/>
+          <a:rect l="0" t="0" r="0" b="0"/>
+          <a:pathLst>
+            <a:path>
+              <a:moveTo>
+                <a:pt x="0" y="0"/>
+              </a:moveTo>
+              <a:lnTo>
+                <a:pt x="2004782" y="0"/>
+              </a:lnTo>
+            </a:path>
+          </a:pathLst>
+        </a:custGeom>
+        <a:noFill/>
+        <a:ln w="19050" cap="flat" cmpd="sng" algn="ctr">
+          <a:solidFill>
+            <a:schemeClr val="accent4">
+              <a:lumMod val="50000"/>
+            </a:schemeClr>
+          </a:solidFill>
+          <a:prstDash val="solid"/>
+        </a:ln>
+        <a:effectLst/>
+      </dsp:spPr>
+      <dsp:style>
+        <a:lnRef idx="2">
+          <a:scrgbClr r="0" g="0" b="0"/>
+        </a:lnRef>
+        <a:fillRef idx="0">
+          <a:scrgbClr r="0" g="0" b="0"/>
+        </a:fillRef>
+        <a:effectRef idx="0">
+          <a:scrgbClr r="0" g="0" b="0"/>
+        </a:effectRef>
+        <a:fontRef idx="minor"/>
+      </dsp:style>
+    </dsp:sp>
+    <dsp:sp modelId="{9239EA62-46F7-4986-8576-6E2D0CAC4920}">
+      <dsp:nvSpPr>
+        <dsp:cNvPr id="0" name=""/>
+        <dsp:cNvSpPr/>
+      </dsp:nvSpPr>
+      <dsp:spPr>
+        <a:xfrm>
+          <a:off x="5882984" y="5332256"/>
+          <a:ext cx="165946" cy="0"/>
+        </a:xfrm>
+        <a:prstGeom prst="line">
+          <a:avLst/>
+        </a:prstGeom>
+        <a:noFill/>
+        <a:ln w="19050" cap="flat" cmpd="sng" algn="ctr">
+          <a:solidFill>
+            <a:schemeClr val="accent4">
+              <a:lumMod val="50000"/>
+            </a:schemeClr>
+          </a:solidFill>
+          <a:prstDash val="solid"/>
+        </a:ln>
+        <a:effectLst/>
+      </dsp:spPr>
+      <dsp:style>
+        <a:lnRef idx="2">
+          <a:scrgbClr r="0" g="0" b="0"/>
+        </a:lnRef>
+        <a:fillRef idx="0">
+          <a:scrgbClr r="0" g="0" b="0"/>
+        </a:fillRef>
+        <a:effectRef idx="0">
+          <a:scrgbClr r="0" g="0" b="0"/>
+        </a:effectRef>
+        <a:fontRef idx="minor"/>
+      </dsp:style>
+    </dsp:sp>
+    <dsp:sp modelId="{6AB24E81-9AEA-4431-B4B6-5604CC5A3EA1}">
+      <dsp:nvSpPr>
+        <dsp:cNvPr id="0" name=""/>
+        <dsp:cNvSpPr/>
+      </dsp:nvSpPr>
+      <dsp:spPr>
+        <a:xfrm>
+          <a:off x="6048931" y="4979242"/>
+          <a:ext cx="1176714" cy="706028"/>
+        </a:xfrm>
+        <a:prstGeom prst="rect">
+          <a:avLst/>
+        </a:prstGeom>
+        <a:noFill/>
+        <a:ln>
+          <a:noFill/>
+        </a:ln>
+        <a:effectLst/>
+        <a:sp3d/>
+      </dsp:spPr>
+      <dsp:style>
+        <a:lnRef idx="0">
+          <a:scrgbClr r="0" g="0" b="0"/>
+        </a:lnRef>
+        <a:fillRef idx="0">
+          <a:scrgbClr r="0" g="0" b="0"/>
+        </a:fillRef>
+        <a:effectRef idx="0">
+          <a:scrgbClr r="0" g="0" b="0"/>
+        </a:effectRef>
+        <a:fontRef idx="minor"/>
+      </dsp:style>
+      <dsp:txBody>
+        <a:bodyPr spcFirstLastPara="0" vert="horz" wrap="square" lIns="99568" tIns="99568" rIns="99568" bIns="99568" numCol="1" spcCol="1270" anchor="ctr" anchorCtr="0">
+          <a:noAutofit/>
+        </a:bodyPr>
+        <a:lstStyle/>
+        <a:p>
+          <a:pPr lvl="0" algn="ctr" defTabSz="622300" rtl="0">
+            <a:lnSpc>
+              <a:spcPct val="90000"/>
+            </a:lnSpc>
+            <a:spcBef>
+              <a:spcPct val="0"/>
+            </a:spcBef>
+            <a:spcAft>
+              <a:spcPct val="35000"/>
+            </a:spcAft>
+          </a:pPr>
+          <a:r>
+            <a:rPr lang="en-US" sz="1400" b="1" kern="1200" dirty="0" smtClean="0">
+              <a:solidFill>
+                <a:schemeClr val="accent4">
+                  <a:lumMod val="50000"/>
+                </a:schemeClr>
+              </a:solidFill>
+            </a:rPr>
+            <a:t>LINQ</a:t>
+          </a:r>
+          <a:endParaRPr lang="en-US" sz="1400" b="1" kern="1200" dirty="0">
+            <a:solidFill>
+              <a:schemeClr val="accent4">
+                <a:lumMod val="50000"/>
+              </a:schemeClr>
+            </a:solidFill>
+          </a:endParaRPr>
+        </a:p>
+      </dsp:txBody>
+      <dsp:txXfrm>
+        <a:off x="6048931" y="4979242"/>
+        <a:ext cx="1176714" cy="706028"/>
+      </dsp:txXfrm>
+    </dsp:sp>
+    <dsp:sp modelId="{BE52E739-7D27-4E45-831B-0E2523D0459D}">
+      <dsp:nvSpPr>
+        <dsp:cNvPr id="0" name=""/>
+        <dsp:cNvSpPr/>
+      </dsp:nvSpPr>
+      <dsp:spPr>
+        <a:xfrm>
+          <a:off x="7225645" y="5332256"/>
+          <a:ext cx="165946" cy="0"/>
+        </a:xfrm>
+        <a:prstGeom prst="line">
+          <a:avLst/>
+        </a:prstGeom>
+        <a:noFill/>
+        <a:ln w="19050" cap="flat" cmpd="sng" algn="ctr">
+          <a:solidFill>
+            <a:schemeClr val="accent4">
+              <a:lumMod val="50000"/>
+            </a:schemeClr>
+          </a:solidFill>
+          <a:prstDash val="solid"/>
+        </a:ln>
+        <a:effectLst/>
+      </dsp:spPr>
+      <dsp:style>
+        <a:lnRef idx="2">
+          <a:scrgbClr r="0" g="0" b="0"/>
+        </a:lnRef>
+        <a:fillRef idx="0">
+          <a:scrgbClr r="0" g="0" b="0"/>
+        </a:fillRef>
+        <a:effectRef idx="0">
+          <a:scrgbClr r="0" g="0" b="0"/>
+        </a:effectRef>
+        <a:fontRef idx="minor"/>
+      </dsp:style>
+    </dsp:sp>
+    <dsp:sp modelId="{25865E55-DD3C-4D5B-A42B-5405C63B0E3E}">
+      <dsp:nvSpPr>
+        <dsp:cNvPr id="0" name=""/>
+        <dsp:cNvSpPr/>
+      </dsp:nvSpPr>
+      <dsp:spPr>
+        <a:xfrm>
+          <a:off x="8158248" y="2504304"/>
+          <a:ext cx="1419732" cy="1419732"/>
+        </a:xfrm>
+        <a:prstGeom prst="ellipse">
+          <a:avLst/>
+        </a:prstGeom>
+        <a:solidFill>
+          <a:schemeClr val="accent2"/>
+        </a:solidFill>
+        <a:ln w="19050" cap="flat" cmpd="sng" algn="ctr">
+          <a:solidFill>
+            <a:schemeClr val="lt1">
+              <a:hueOff val="0"/>
+              <a:satOff val="0"/>
+              <a:lumOff val="0"/>
+              <a:alphaOff val="0"/>
+            </a:schemeClr>
+          </a:solidFill>
+          <a:prstDash val="solid"/>
+        </a:ln>
+        <a:effectLst/>
+      </dsp:spPr>
+      <dsp:style>
+        <a:lnRef idx="2">
+          <a:scrgbClr r="0" g="0" b="0"/>
+        </a:lnRef>
+        <a:fillRef idx="1">
+          <a:scrgbClr r="0" g="0" b="0"/>
+        </a:fillRef>
+        <a:effectRef idx="0">
+          <a:scrgbClr r="0" g="0" b="0"/>
+        </a:effectRef>
+        <a:fontRef idx="minor">
+          <a:schemeClr val="lt1"/>
+        </a:fontRef>
+      </dsp:style>
+      <dsp:txBody>
+        <a:bodyPr spcFirstLastPara="0" vert="horz" wrap="square" lIns="0" tIns="0" rIns="0" bIns="0" numCol="1" spcCol="1270" anchor="ctr" anchorCtr="0">
+          <a:noAutofit/>
+        </a:bodyPr>
+        <a:lstStyle/>
+        <a:p>
+          <a:pPr lvl="0" algn="ctr" defTabSz="800100" rtl="0">
+            <a:lnSpc>
+              <a:spcPct val="90000"/>
+            </a:lnSpc>
+            <a:spcBef>
+              <a:spcPct val="0"/>
+            </a:spcBef>
+            <a:spcAft>
+              <a:spcPct val="35000"/>
+            </a:spcAft>
+          </a:pPr>
+          <a:r>
+            <a:rPr lang="en-US" sz="1800" b="1" kern="1200" dirty="0" smtClean="0"/>
+            <a:t>Visualize with</a:t>
+          </a:r>
+          <a:endParaRPr lang="en-US" sz="1800" b="1" kern="1200" dirty="0"/>
+        </a:p>
+      </dsp:txBody>
+      <dsp:txXfrm>
+        <a:off x="8366163" y="2712219"/>
+        <a:ext cx="1003902" cy="1003902"/>
+      </dsp:txXfrm>
+    </dsp:sp>
+    <dsp:sp modelId="{516C0902-9215-4C87-B418-0FC089E72483}">
+      <dsp:nvSpPr>
+        <dsp:cNvPr id="0" name=""/>
+        <dsp:cNvSpPr/>
+      </dsp:nvSpPr>
+      <dsp:spPr>
+        <a:xfrm rot="19041445">
+          <a:off x="9539684" y="2822324"/>
+          <a:ext cx="927582" cy="0"/>
+        </a:xfrm>
+        <a:custGeom>
+          <a:avLst/>
+          <a:gdLst/>
+          <a:ahLst/>
+          <a:cxnLst/>
+          <a:rect l="0" t="0" r="0" b="0"/>
+          <a:pathLst>
+            <a:path>
+              <a:moveTo>
+                <a:pt x="0" y="0"/>
+              </a:moveTo>
+              <a:lnTo>
+                <a:pt x="927582" y="0"/>
+              </a:lnTo>
+            </a:path>
+          </a:pathLst>
+        </a:custGeom>
+        <a:noFill/>
+        <a:ln w="19050" cap="flat" cmpd="sng" algn="ctr">
+          <a:solidFill>
+            <a:schemeClr val="accent4">
+              <a:lumMod val="50000"/>
+            </a:schemeClr>
+          </a:solidFill>
+          <a:prstDash val="solid"/>
+        </a:ln>
+        <a:effectLst/>
+      </dsp:spPr>
+      <dsp:style>
+        <a:lnRef idx="2">
+          <a:scrgbClr r="0" g="0" b="0"/>
+        </a:lnRef>
+        <a:fillRef idx="0">
+          <a:scrgbClr r="0" g="0" b="0"/>
+        </a:fillRef>
+        <a:effectRef idx="0">
+          <a:scrgbClr r="0" g="0" b="0"/>
+        </a:effectRef>
+        <a:fontRef idx="minor"/>
+      </dsp:style>
+    </dsp:sp>
+    <dsp:sp modelId="{6B2C27FD-7970-43EB-AF4F-2E71A1C1BCFF}">
+      <dsp:nvSpPr>
+        <dsp:cNvPr id="0" name=""/>
+        <dsp:cNvSpPr/>
+      </dsp:nvSpPr>
+      <dsp:spPr>
+        <a:xfrm>
+          <a:off x="10344637" y="2508141"/>
+          <a:ext cx="165946" cy="0"/>
+        </a:xfrm>
+        <a:prstGeom prst="line">
+          <a:avLst/>
+        </a:prstGeom>
+        <a:noFill/>
+        <a:ln w="19050" cap="flat" cmpd="sng" algn="ctr">
+          <a:solidFill>
+            <a:schemeClr val="accent4">
+              <a:lumMod val="50000"/>
+            </a:schemeClr>
+          </a:solidFill>
+          <a:prstDash val="solid"/>
+        </a:ln>
+        <a:effectLst/>
+      </dsp:spPr>
+      <dsp:style>
+        <a:lnRef idx="2">
+          <a:scrgbClr r="0" g="0" b="0"/>
+        </a:lnRef>
+        <a:fillRef idx="0">
+          <a:scrgbClr r="0" g="0" b="0"/>
+        </a:fillRef>
+        <a:effectRef idx="0">
+          <a:scrgbClr r="0" g="0" b="0"/>
+        </a:effectRef>
+        <a:fontRef idx="minor"/>
+      </dsp:style>
+    </dsp:sp>
+    <dsp:sp modelId="{EB66AC91-F0D0-473D-8CE0-8CB2300A31DD}">
+      <dsp:nvSpPr>
+        <dsp:cNvPr id="0" name=""/>
+        <dsp:cNvSpPr/>
+      </dsp:nvSpPr>
+      <dsp:spPr>
+        <a:xfrm>
+          <a:off x="10510584" y="2155127"/>
+          <a:ext cx="1176714" cy="706028"/>
+        </a:xfrm>
+        <a:prstGeom prst="rect">
+          <a:avLst/>
+        </a:prstGeom>
+        <a:noFill/>
+        <a:ln>
+          <a:noFill/>
+        </a:ln>
+        <a:effectLst/>
+        <a:sp3d/>
+      </dsp:spPr>
+      <dsp:style>
+        <a:lnRef idx="0">
+          <a:scrgbClr r="0" g="0" b="0"/>
+        </a:lnRef>
+        <a:fillRef idx="0">
+          <a:scrgbClr r="0" g="0" b="0"/>
+        </a:fillRef>
+        <a:effectRef idx="0">
+          <a:scrgbClr r="0" g="0" b="0"/>
+        </a:effectRef>
+        <a:fontRef idx="minor"/>
+      </dsp:style>
+      <dsp:txBody>
+        <a:bodyPr spcFirstLastPara="0" vert="horz" wrap="square" lIns="99568" tIns="99568" rIns="99568" bIns="99568" numCol="1" spcCol="1270" anchor="ctr" anchorCtr="0">
+          <a:noAutofit/>
+        </a:bodyPr>
+        <a:lstStyle/>
+        <a:p>
+          <a:pPr lvl="0" algn="ctr" defTabSz="622300" rtl="0">
+            <a:lnSpc>
+              <a:spcPct val="90000"/>
+            </a:lnSpc>
+            <a:spcBef>
+              <a:spcPct val="0"/>
+            </a:spcBef>
+            <a:spcAft>
+              <a:spcPct val="35000"/>
+            </a:spcAft>
+          </a:pPr>
+          <a:r>
+            <a:rPr lang="en-US" sz="1400" b="1" kern="1200" dirty="0" smtClean="0">
+              <a:solidFill>
+                <a:schemeClr val="accent4">
+                  <a:lumMod val="50000"/>
+                </a:schemeClr>
+              </a:solidFill>
+            </a:rPr>
+            <a:t>F#</a:t>
+          </a:r>
+          <a:endParaRPr lang="en-US" sz="1400" b="1" kern="1200" dirty="0">
+            <a:solidFill>
+              <a:schemeClr val="accent4">
+                <a:lumMod val="50000"/>
+              </a:schemeClr>
+            </a:solidFill>
+          </a:endParaRPr>
+        </a:p>
+      </dsp:txBody>
+      <dsp:txXfrm>
+        <a:off x="10510584" y="2155127"/>
+        <a:ext cx="1176714" cy="706028"/>
+      </dsp:txXfrm>
+    </dsp:sp>
+    <dsp:sp modelId="{E51C02B1-5AC7-4AFF-8300-2851BA3C0A78}">
+      <dsp:nvSpPr>
+        <dsp:cNvPr id="0" name=""/>
+        <dsp:cNvSpPr/>
+      </dsp:nvSpPr>
+      <dsp:spPr>
+        <a:xfrm>
+          <a:off x="9662313" y="3214170"/>
+          <a:ext cx="682323" cy="0"/>
+        </a:xfrm>
+        <a:custGeom>
+          <a:avLst/>
+          <a:gdLst/>
+          <a:ahLst/>
+          <a:cxnLst/>
+          <a:rect l="0" t="0" r="0" b="0"/>
+          <a:pathLst>
+            <a:path>
+              <a:moveTo>
+                <a:pt x="0" y="0"/>
+              </a:moveTo>
+              <a:lnTo>
+                <a:pt x="682323" y="0"/>
+              </a:lnTo>
+            </a:path>
+          </a:pathLst>
+        </a:custGeom>
+        <a:noFill/>
+        <a:ln w="19050" cap="flat" cmpd="sng" algn="ctr">
+          <a:solidFill>
+            <a:schemeClr val="accent4">
+              <a:lumMod val="50000"/>
+            </a:schemeClr>
+          </a:solidFill>
+          <a:prstDash val="solid"/>
+        </a:ln>
+        <a:effectLst/>
+      </dsp:spPr>
+      <dsp:style>
+        <a:lnRef idx="2">
+          <a:scrgbClr r="0" g="0" b="0"/>
+        </a:lnRef>
+        <a:fillRef idx="0">
+          <a:scrgbClr r="0" g="0" b="0"/>
+        </a:fillRef>
+        <a:effectRef idx="0">
+          <a:scrgbClr r="0" g="0" b="0"/>
+        </a:effectRef>
+        <a:fontRef idx="minor"/>
+      </dsp:style>
+    </dsp:sp>
+    <dsp:sp modelId="{2A62AC2C-7BE6-4BA7-86D0-8A6AE565ACA3}">
+      <dsp:nvSpPr>
+        <dsp:cNvPr id="0" name=""/>
+        <dsp:cNvSpPr/>
+      </dsp:nvSpPr>
+      <dsp:spPr>
+        <a:xfrm>
+          <a:off x="10344637" y="3214170"/>
+          <a:ext cx="165946" cy="0"/>
+        </a:xfrm>
+        <a:prstGeom prst="line">
+          <a:avLst/>
+        </a:prstGeom>
+        <a:noFill/>
+        <a:ln w="19050" cap="flat" cmpd="sng" algn="ctr">
+          <a:solidFill>
+            <a:schemeClr val="accent4">
+              <a:lumMod val="50000"/>
+            </a:schemeClr>
+          </a:solidFill>
+          <a:prstDash val="solid"/>
+        </a:ln>
+        <a:effectLst/>
+      </dsp:spPr>
+      <dsp:style>
+        <a:lnRef idx="2">
+          <a:scrgbClr r="0" g="0" b="0"/>
+        </a:lnRef>
+        <a:fillRef idx="0">
+          <a:scrgbClr r="0" g="0" b="0"/>
+        </a:fillRef>
+        <a:effectRef idx="0">
+          <a:scrgbClr r="0" g="0" b="0"/>
+        </a:effectRef>
+        <a:fontRef idx="minor"/>
+      </dsp:style>
+    </dsp:sp>
+    <dsp:sp modelId="{C8548DA5-27E7-4A78-A521-70CFCE2E57F6}">
+      <dsp:nvSpPr>
+        <dsp:cNvPr id="0" name=""/>
+        <dsp:cNvSpPr/>
+      </dsp:nvSpPr>
+      <dsp:spPr>
+        <a:xfrm>
+          <a:off x="10510584" y="2861156"/>
+          <a:ext cx="1176714" cy="706028"/>
+        </a:xfrm>
+        <a:prstGeom prst="rect">
+          <a:avLst/>
+        </a:prstGeom>
+        <a:noFill/>
+        <a:ln>
+          <a:noFill/>
+        </a:ln>
+        <a:effectLst/>
+        <a:sp3d/>
+      </dsp:spPr>
+      <dsp:style>
+        <a:lnRef idx="0">
+          <a:scrgbClr r="0" g="0" b="0"/>
+        </a:lnRef>
+        <a:fillRef idx="0">
+          <a:scrgbClr r="0" g="0" b="0"/>
+        </a:fillRef>
+        <a:effectRef idx="0">
+          <a:scrgbClr r="0" g="0" b="0"/>
+        </a:effectRef>
+        <a:fontRef idx="minor"/>
+      </dsp:style>
+      <dsp:txBody>
+        <a:bodyPr spcFirstLastPara="0" vert="horz" wrap="square" lIns="99568" tIns="99568" rIns="99568" bIns="99568" numCol="1" spcCol="1270" anchor="ctr" anchorCtr="0">
+          <a:noAutofit/>
+        </a:bodyPr>
+        <a:lstStyle/>
+        <a:p>
+          <a:pPr lvl="0" algn="ctr" defTabSz="622300" rtl="0">
+            <a:lnSpc>
+              <a:spcPct val="90000"/>
+            </a:lnSpc>
+            <a:spcBef>
+              <a:spcPct val="0"/>
+            </a:spcBef>
+            <a:spcAft>
+              <a:spcPct val="35000"/>
+            </a:spcAft>
+          </a:pPr>
+          <a:r>
+            <a:rPr lang="en-US" sz="1400" b="1" kern="1200" dirty="0" smtClean="0">
+              <a:solidFill>
+                <a:schemeClr val="accent4">
+                  <a:lumMod val="50000"/>
+                </a:schemeClr>
+              </a:solidFill>
+            </a:rPr>
+            <a:t>Matlab</a:t>
+          </a:r>
+          <a:endParaRPr lang="en-US" sz="1400" b="1" kern="1200" dirty="0">
+            <a:solidFill>
+              <a:schemeClr val="accent4">
+                <a:lumMod val="50000"/>
+              </a:schemeClr>
+            </a:solidFill>
+          </a:endParaRPr>
+        </a:p>
+      </dsp:txBody>
+      <dsp:txXfrm>
+        <a:off x="10510584" y="2861156"/>
+        <a:ext cx="1176714" cy="706028"/>
+      </dsp:txXfrm>
+    </dsp:sp>
+    <dsp:sp modelId="{2D4E3B46-274D-41C9-A405-EE9C4DFCAE88}">
+      <dsp:nvSpPr>
+        <dsp:cNvPr id="0" name=""/>
+        <dsp:cNvSpPr/>
+      </dsp:nvSpPr>
+      <dsp:spPr>
+        <a:xfrm rot="2558555">
+          <a:off x="9539684" y="3606016"/>
+          <a:ext cx="927582" cy="0"/>
+        </a:xfrm>
+        <a:custGeom>
+          <a:avLst/>
+          <a:gdLst/>
+          <a:ahLst/>
+          <a:cxnLst/>
+          <a:rect l="0" t="0" r="0" b="0"/>
+          <a:pathLst>
+            <a:path>
+              <a:moveTo>
+                <a:pt x="0" y="0"/>
+              </a:moveTo>
+              <a:lnTo>
+                <a:pt x="927582" y="0"/>
+              </a:lnTo>
+            </a:path>
+          </a:pathLst>
+        </a:custGeom>
+        <a:noFill/>
+        <a:ln w="19050" cap="flat" cmpd="sng" algn="ctr">
+          <a:solidFill>
+            <a:schemeClr val="accent4">
+              <a:lumMod val="50000"/>
+            </a:schemeClr>
+          </a:solidFill>
+          <a:prstDash val="solid"/>
+        </a:ln>
+        <a:effectLst/>
+      </dsp:spPr>
+      <dsp:style>
+        <a:lnRef idx="2">
+          <a:scrgbClr r="0" g="0" b="0"/>
+        </a:lnRef>
+        <a:fillRef idx="0">
+          <a:scrgbClr r="0" g="0" b="0"/>
+        </a:fillRef>
+        <a:effectRef idx="0">
+          <a:scrgbClr r="0" g="0" b="0"/>
+        </a:effectRef>
+        <a:fontRef idx="minor"/>
+      </dsp:style>
+    </dsp:sp>
+    <dsp:sp modelId="{33389D76-AAF6-49EE-9D34-24DA68352EA1}">
+      <dsp:nvSpPr>
+        <dsp:cNvPr id="0" name=""/>
+        <dsp:cNvSpPr/>
+      </dsp:nvSpPr>
+      <dsp:spPr>
+        <a:xfrm>
+          <a:off x="10344637" y="3920199"/>
+          <a:ext cx="165946" cy="0"/>
+        </a:xfrm>
+        <a:prstGeom prst="line">
+          <a:avLst/>
+        </a:prstGeom>
+        <a:noFill/>
+        <a:ln w="19050" cap="flat" cmpd="sng" algn="ctr">
+          <a:solidFill>
+            <a:schemeClr val="accent4">
+              <a:lumMod val="50000"/>
+            </a:schemeClr>
+          </a:solidFill>
+          <a:prstDash val="solid"/>
+        </a:ln>
+        <a:effectLst/>
+      </dsp:spPr>
+      <dsp:style>
+        <a:lnRef idx="2">
+          <a:scrgbClr r="0" g="0" b="0"/>
+        </a:lnRef>
+        <a:fillRef idx="0">
+          <a:scrgbClr r="0" g="0" b="0"/>
+        </a:fillRef>
+        <a:effectRef idx="0">
+          <a:scrgbClr r="0" g="0" b="0"/>
+        </a:effectRef>
+        <a:fontRef idx="minor"/>
+      </dsp:style>
+    </dsp:sp>
+    <dsp:sp modelId="{B21442F9-A06F-4630-B09F-3A54EED0F62D}">
+      <dsp:nvSpPr>
+        <dsp:cNvPr id="0" name=""/>
+        <dsp:cNvSpPr/>
+      </dsp:nvSpPr>
+      <dsp:spPr>
+        <a:xfrm>
+          <a:off x="10510584" y="3567184"/>
+          <a:ext cx="1176714" cy="706028"/>
+        </a:xfrm>
+        <a:prstGeom prst="rect">
+          <a:avLst/>
+        </a:prstGeom>
+        <a:noFill/>
+        <a:ln>
+          <a:noFill/>
+        </a:ln>
+        <a:effectLst/>
+        <a:sp3d/>
+      </dsp:spPr>
+      <dsp:style>
+        <a:lnRef idx="0">
+          <a:scrgbClr r="0" g="0" b="0"/>
+        </a:lnRef>
+        <a:fillRef idx="0">
+          <a:scrgbClr r="0" g="0" b="0"/>
+        </a:fillRef>
+        <a:effectRef idx="0">
+          <a:scrgbClr r="0" g="0" b="0"/>
+        </a:effectRef>
+        <a:fontRef idx="minor"/>
+      </dsp:style>
+      <dsp:txBody>
+        <a:bodyPr spcFirstLastPara="0" vert="horz" wrap="square" lIns="99568" tIns="99568" rIns="99568" bIns="99568" numCol="1" spcCol="1270" anchor="ctr" anchorCtr="0">
+          <a:noAutofit/>
+        </a:bodyPr>
+        <a:lstStyle/>
+        <a:p>
+          <a:pPr lvl="0" algn="ctr" defTabSz="622300" rtl="0">
+            <a:lnSpc>
+              <a:spcPct val="90000"/>
+            </a:lnSpc>
+            <a:spcBef>
+              <a:spcPct val="0"/>
+            </a:spcBef>
+            <a:spcAft>
+              <a:spcPct val="35000"/>
+            </a:spcAft>
+          </a:pPr>
+          <a:r>
+            <a:rPr lang="en-US" sz="1400" b="1" kern="1200" dirty="0" smtClean="0">
+              <a:solidFill>
+                <a:schemeClr val="accent4">
+                  <a:lumMod val="50000"/>
+                </a:schemeClr>
+              </a:solidFill>
+            </a:rPr>
+            <a:t>R</a:t>
+          </a:r>
+          <a:endParaRPr lang="en-US" sz="1400" b="1" kern="1200" dirty="0">
+            <a:solidFill>
+              <a:schemeClr val="accent4">
+                <a:lumMod val="50000"/>
+              </a:schemeClr>
+            </a:solidFill>
+          </a:endParaRPr>
+        </a:p>
+      </dsp:txBody>
+      <dsp:txXfrm>
+        <a:off x="10510584" y="3567184"/>
+        <a:ext cx="1176714" cy="706028"/>
+      </dsp:txXfrm>
+    </dsp:sp>
   </dsp:spTree>
 </dsp:drawing>
 </file>
@@ -18604,7 +26973,7 @@
           <a:p>
             <a:fld id="{B29F3420-C2EF-4F9B-B7E0-7B1D6CD072D5}" type="datetimeFigureOut">
               <a:rPr lang="en-US" smtClean="0"/>
-              <a:t>7/11/2014</a:t>
+              <a:t>7/10/14</a:t>
             </a:fld>
             <a:endParaRPr lang="en-US" dirty="0"/>
           </a:p>
@@ -18769,7 +27138,7 @@
           <a:p>
             <a:fld id="{F81B89EF-20F4-41E1-849C-92F341F1F0A0}" type="datetimeFigureOut">
               <a:rPr lang="en-US" smtClean="0"/>
-              <a:t>7/11/2014</a:t>
+              <a:t>7/10/14</a:t>
             </a:fld>
             <a:endParaRPr lang="en-US" dirty="0"/>
           </a:p>
@@ -19081,6 +27450,39 @@
           <a:bodyPr/>
           <a:lstStyle/>
           <a:p>
+            <a:r>
+              <a:rPr lang="en-US" dirty="0" smtClean="0"/>
+              <a:t>F# MVP</a:t>
+            </a:r>
+          </a:p>
+          <a:p>
+            <a:r>
+              <a:rPr lang="en-US" dirty="0" smtClean="0"/>
+              <a:t>co-run Nashville</a:t>
+            </a:r>
+            <a:r>
+              <a:rPr lang="en-US" baseline="0" dirty="0" smtClean="0"/>
+              <a:t> F# user group</a:t>
+            </a:r>
+          </a:p>
+          <a:p>
+            <a:endParaRPr lang="en-US" dirty="0" smtClean="0"/>
+          </a:p>
+          <a:p>
+            <a:r>
+              <a:rPr lang="en-US" dirty="0" smtClean="0"/>
+              <a:t>Who has worked with F#?</a:t>
+            </a:r>
+            <a:r>
+              <a:rPr lang="en-US" baseline="0" dirty="0" smtClean="0"/>
+              <a:t> </a:t>
+            </a:r>
+          </a:p>
+          <a:p>
+            <a:r>
+              <a:rPr lang="en-US" baseline="0" dirty="0" smtClean="0"/>
+              <a:t>Who has used type providers? </a:t>
+            </a:r>
             <a:endParaRPr lang="en-US" dirty="0"/>
           </a:p>
         </p:txBody>
@@ -19287,7 +27689,7 @@
     </p:spTree>
     <p:extLst>
       <p:ext uri="{BB962C8B-B14F-4D97-AF65-F5344CB8AC3E}">
-        <p14:creationId xmlns:p14="http://schemas.microsoft.com/office/powerpoint/2010/main" val="4232610686"/>
+        <p14:creationId xmlns:p14="http://schemas.microsoft.com/office/powerpoint/2010/main" val="1296594726"/>
       </p:ext>
     </p:extLst>
   </p:cSld>
@@ -19341,7 +27743,55 @@
           <a:bodyPr/>
           <a:lstStyle/>
           <a:p>
-            <a:endParaRPr lang="en-US" dirty="0"/>
+            <a:r>
+              <a:rPr lang="en-US" dirty="0" smtClean="0"/>
+              <a:t>Simple</a:t>
+            </a:r>
+            <a:r>
+              <a:rPr lang="en-US" baseline="0" dirty="0" smtClean="0"/>
+              <a:t> code -&gt; deceptively simple. Few lines of code to manipulate &amp; graph data. </a:t>
+            </a:r>
+          </a:p>
+          <a:p>
+            <a:endParaRPr lang="en-US" baseline="0" dirty="0" smtClean="0"/>
+          </a:p>
+          <a:p>
+            <a:r>
+              <a:rPr lang="en-US" baseline="0" dirty="0" smtClean="0"/>
+              <a:t>Simple means less code means fewer bugs. No need to open 30 files to fix a bug. </a:t>
+            </a:r>
+          </a:p>
+          <a:p>
+            <a:r>
+              <a:rPr lang="en-US" baseline="0" dirty="0" smtClean="0"/>
+              <a:t>Simon Cousin’s blog post. </a:t>
+            </a:r>
+          </a:p>
+          <a:p>
+            <a:endParaRPr lang="en-US" baseline="0" dirty="0" smtClean="0"/>
+          </a:p>
+          <a:p>
+            <a:r>
+              <a:rPr lang="en-US" baseline="0" dirty="0" smtClean="0"/>
+              <a:t>Units of measure -&gt; </a:t>
+            </a:r>
+            <a:r>
+              <a:rPr lang="en-US" baseline="0" dirty="0" err="1" smtClean="0"/>
+              <a:t>Xamarin</a:t>
+            </a:r>
+            <a:r>
+              <a:rPr lang="en-US" baseline="0" dirty="0" smtClean="0"/>
+              <a:t> talk. Scientific/Financial/Game programming. </a:t>
+            </a:r>
+          </a:p>
+          <a:p>
+            <a:endParaRPr lang="en-US" baseline="0" dirty="0" smtClean="0"/>
+          </a:p>
+          <a:p>
+            <a:r>
+              <a:rPr lang="en-US" baseline="0" dirty="0" smtClean="0"/>
+              <a:t>Parallelization -&gt; Specifically last. Very important, but don’t over-emphasize &amp; lose the others. </a:t>
+            </a:r>
           </a:p>
         </p:txBody>
       </p:sp>
@@ -19425,6 +27875,28 @@
           <a:bodyPr/>
           <a:lstStyle/>
           <a:p>
+            <a:r>
+              <a:rPr lang="en-US" dirty="0" smtClean="0"/>
+              <a:t>Get</a:t>
+            </a:r>
+            <a:r>
+              <a:rPr lang="en-US" baseline="0" dirty="0" smtClean="0"/>
+              <a:t> typed data into your code at compile time.</a:t>
+            </a:r>
+          </a:p>
+          <a:p>
+            <a:r>
+              <a:rPr lang="en-US" dirty="0" smtClean="0"/>
+              <a:t>Provide </a:t>
+            </a:r>
+            <a:r>
+              <a:rPr lang="en-US" dirty="0" err="1" smtClean="0"/>
+              <a:t>intellisense</a:t>
+            </a:r>
+            <a:r>
+              <a:rPr lang="en-US" dirty="0" smtClean="0"/>
+              <a:t>. </a:t>
+            </a:r>
             <a:endParaRPr lang="en-US" dirty="0"/>
           </a:p>
         </p:txBody>
@@ -19522,6 +27994,11 @@
               <a:rPr lang="en-US" dirty="0" smtClean="0"/>
               <a:t>World is information-rich! Exploration is fun! </a:t>
             </a:r>
+            <a:r>
+              <a:rPr lang="en-US" dirty="0" smtClean="0"/>
+              <a:t>Big data! </a:t>
+            </a:r>
+            <a:endParaRPr lang="en-US" dirty="0" smtClean="0"/>
           </a:p>
           <a:p>
             <a:endParaRPr lang="en-US" dirty="0" smtClean="0"/>
@@ -19637,6 +28114,14 @@
           <a:bodyPr/>
           <a:lstStyle/>
           <a:p>
+            <a:r>
+              <a:rPr lang="en-US" dirty="0" smtClean="0"/>
+              <a:t>Type providers are literally 1-2 lines of set</a:t>
+            </a:r>
+            <a:r>
+              <a:rPr lang="en-US" baseline="0" dirty="0" smtClean="0"/>
+              <a:t> up. </a:t>
+            </a:r>
             <a:endParaRPr lang="en-US" dirty="0"/>
           </a:p>
         </p:txBody>
@@ -20235,7 +28720,7 @@
                 </a:solidFill>
               </a:rPr>
               <a:pPr/>
-              <a:t>7/11/2014</a:t>
+              <a:t>7/10/14</a:t>
             </a:fld>
             <a:endParaRPr lang="en-US" dirty="0">
               <a:solidFill>
@@ -20370,7 +28855,7 @@
   </p:clrMapOvr>
   <p:extLst mod="1">
     <p:ext uri="{DCECCB84-F9BA-43D5-87BE-67443E8EF086}">
-      <p15:sldGuideLst xmlns:p15="http://schemas.microsoft.com/office/powerpoint/2012/main"/>
+      <p15:sldGuideLst xmlns:p15="http://schemas.microsoft.com/office/powerpoint/2012/main" xmlns=""/>
     </p:ext>
   </p:extLst>
 </p:sldLayout>
@@ -20492,7 +28977,7 @@
                 </a:solidFill>
               </a:rPr>
               <a:pPr/>
-              <a:t>7/11/2014</a:t>
+              <a:t>7/10/14</a:t>
             </a:fld>
             <a:endParaRPr lang="en-US" dirty="0">
               <a:solidFill>
@@ -20704,7 +29189,7 @@
                 </a:solidFill>
               </a:rPr>
               <a:pPr/>
-              <a:t>7/11/2014</a:t>
+              <a:t>7/10/14</a:t>
             </a:fld>
             <a:endParaRPr lang="en-US" dirty="0">
               <a:solidFill>
@@ -20987,7 +29472,7 @@
                 </a:solidFill>
               </a:rPr>
               <a:pPr/>
-              <a:t>7/11/2014</a:t>
+              <a:t>7/10/14</a:t>
             </a:fld>
             <a:endParaRPr lang="en-US" dirty="0">
               <a:solidFill>
@@ -21274,7 +29759,7 @@
                 </a:solidFill>
               </a:rPr>
               <a:pPr/>
-              <a:t>7/11/2014</a:t>
+              <a:t>7/10/14</a:t>
             </a:fld>
             <a:endParaRPr lang="en-US" dirty="0">
               <a:solidFill>
@@ -21628,7 +30113,7 @@
                 </a:solidFill>
               </a:rPr>
               <a:pPr/>
-              <a:t>7/11/2014</a:t>
+              <a:t>7/10/14</a:t>
             </a:fld>
             <a:endParaRPr lang="en-US" dirty="0">
               <a:solidFill>
@@ -22084,7 +30569,7 @@
                 </a:solidFill>
               </a:rPr>
               <a:pPr/>
-              <a:t>7/11/2014</a:t>
+              <a:t>7/10/14</a:t>
             </a:fld>
             <a:endParaRPr lang="en-US" dirty="0">
               <a:solidFill>
@@ -22234,7 +30719,7 @@
                 </a:solidFill>
               </a:rPr>
               <a:pPr/>
-              <a:t>7/11/2014</a:t>
+              <a:t>7/10/14</a:t>
             </a:fld>
             <a:endParaRPr lang="en-US" dirty="0">
               <a:solidFill>
@@ -22361,7 +30846,7 @@
                 </a:solidFill>
               </a:rPr>
               <a:pPr/>
-              <a:t>7/11/2014</a:t>
+              <a:t>7/10/14</a:t>
             </a:fld>
             <a:endParaRPr lang="en-US" dirty="0">
               <a:solidFill>
@@ -22646,7 +31131,7 @@
                 </a:solidFill>
               </a:rPr>
               <a:pPr/>
-              <a:t>7/11/2014</a:t>
+              <a:t>7/10/14</a:t>
             </a:fld>
             <a:endParaRPr lang="en-US" dirty="0">
               <a:solidFill>
@@ -22769,7 +31254,7 @@
   <p:timing>
     <p:tnLst>
       <p:par>
-        <p:cTn id="1" dur="indefinite" restart="never" nodeType="tmRoot"/>
+        <p:cTn xmlns:p14="http://schemas.microsoft.com/office/powerpoint/2010/main" id="1" dur="indefinite" restart="never" nodeType="tmRoot"/>
       </p:par>
     </p:tnLst>
   </p:timing>
@@ -22957,7 +31442,7 @@
                 </a:solidFill>
               </a:rPr>
               <a:pPr/>
-              <a:t>7/11/2014</a:t>
+              <a:t>7/10/14</a:t>
             </a:fld>
             <a:endParaRPr lang="en-US" dirty="0">
               <a:solidFill>
@@ -23079,7 +31564,7 @@
   </p:clrMapOvr>
   <p:extLst mod="1">
     <p:ext uri="{DCECCB84-F9BA-43D5-87BE-67443E8EF086}">
-      <p15:sldGuideLst xmlns:p15="http://schemas.microsoft.com/office/powerpoint/2012/main">
+      <p15:sldGuideLst xmlns:p15="http://schemas.microsoft.com/office/powerpoint/2012/main" xmlns="">
         <p15:guide id="1" orient="horz" pos="144" userDrawn="1">
           <p15:clr>
             <a:srgbClr val="FBAE40"/>
@@ -23327,7 +31812,7 @@
                 </a:solidFill>
               </a:rPr>
               <a:pPr defTabSz="914126"/>
-              <a:t>7/11/2014</a:t>
+              <a:t>7/10/14</a:t>
             </a:fld>
             <a:endParaRPr lang="en-US" dirty="0">
               <a:solidFill>
@@ -23458,7 +31943,7 @@
   <p:timing>
     <p:tnLst>
       <p:par>
-        <p:cTn id="1" dur="indefinite" restart="never" nodeType="tmRoot"/>
+        <p:cTn xmlns:p14="http://schemas.microsoft.com/office/powerpoint/2010/main" id="1" dur="indefinite" restart="never" nodeType="tmRoot"/>
       </p:par>
     </p:tnLst>
   </p:timing>
@@ -23814,7 +32299,7 @@
   </p:txStyles>
   <p:extLst mod="1">
     <p:ext uri="{27BBF7A9-308A-43DC-89C8-2F10F3537804}">
-      <p15:sldGuideLst xmlns:p15="http://schemas.microsoft.com/office/powerpoint/2012/main">
+      <p15:sldGuideLst xmlns:p15="http://schemas.microsoft.com/office/powerpoint/2012/main" xmlns="">
         <p15:guide id="1" orient="horz" pos="3912" userDrawn="1">
           <p15:clr>
             <a:srgbClr val="F26B43"/>
@@ -23873,15 +32358,8 @@
           <a:lstStyle/>
           <a:p>
             <a:r>
-              <a:rPr lang="en-US" dirty="0" smtClean="0"/>
+              <a:rPr lang="en-US" sz="7000" dirty="0" smtClean="0"/>
               <a:t>Consuming Data </a:t>
-            </a:r>
-            <a:br>
-              <a:rPr lang="en-US" dirty="0" smtClean="0"/>
-            </a:br>
-            <a:r>
-              <a:rPr lang="en-US" sz="5400" dirty="0" smtClean="0"/>
-              <a:t>with </a:t>
             </a:r>
             <a:r>
               <a:rPr lang="en-US" dirty="0" smtClean="0"/>
@@ -23891,10 +32369,25 @@
               <a:rPr lang="en-US" dirty="0" smtClean="0"/>
             </a:br>
             <a:r>
+              <a:rPr lang="en-US" sz="4200" dirty="0" smtClean="0"/>
+              <a:t>with</a:t>
+            </a:r>
+            <a:r>
+              <a:rPr lang="en-US" sz="5400" dirty="0" smtClean="0"/>
+              <a:t> </a:t>
+            </a:r>
+            <a:r>
               <a:rPr lang="en-US" dirty="0" smtClean="0"/>
+              <a:t/>
+            </a:r>
+            <a:br>
+              <a:rPr lang="en-US" dirty="0" smtClean="0"/>
+            </a:br>
+            <a:r>
+              <a:rPr lang="en-US" sz="7000" dirty="0" smtClean="0"/>
               <a:t>F# Type Providers</a:t>
             </a:r>
-            <a:endParaRPr lang="en-US" dirty="0"/>
+            <a:endParaRPr lang="en-US" sz="7000" dirty="0"/>
           </a:p>
         </p:txBody>
       </p:sp>
@@ -24005,7 +32498,7 @@
   <p:timing>
     <p:tnLst>
       <p:par>
-        <p:cTn id="1" dur="indefinite" restart="never" nodeType="tmRoot"/>
+        <p:cTn xmlns:p14="http://schemas.microsoft.com/office/powerpoint/2010/main" id="1" dur="indefinite" restart="never" nodeType="tmRoot"/>
       </p:par>
     </p:tnLst>
   </p:timing>
@@ -24088,7 +32581,7 @@
   <p:timing>
     <p:tnLst>
       <p:par>
-        <p:cTn id="1" dur="indefinite" restart="never" nodeType="tmRoot"/>
+        <p:cTn xmlns:p14="http://schemas.microsoft.com/office/powerpoint/2010/main" id="1" dur="indefinite" restart="never" nodeType="tmRoot"/>
       </p:par>
     </p:tnLst>
   </p:timing>
@@ -24270,7 +32763,7 @@
   <p:timing>
     <p:tnLst>
       <p:par>
-        <p:cTn id="1" dur="indefinite" restart="never" nodeType="tmRoot">
+        <p:cTn xmlns:p14="http://schemas.microsoft.com/office/powerpoint/2010/main" id="1" dur="indefinite" restart="never" nodeType="tmRoot">
           <p:childTnLst>
             <p:seq concurrent="1" nextAc="seek">
               <p:cTn id="2" dur="indefinite" nodeType="mainSeq">
@@ -24478,7 +32971,7 @@
   <p:timing>
     <p:tnLst>
       <p:par>
-        <p:cTn id="1" dur="indefinite" restart="never" nodeType="tmRoot"/>
+        <p:cTn xmlns:p14="http://schemas.microsoft.com/office/powerpoint/2010/main" id="1" dur="indefinite" restart="never" nodeType="tmRoot"/>
       </p:par>
     </p:tnLst>
   </p:timing>
@@ -24522,15 +33015,8 @@
           <a:lstStyle/>
           <a:p>
             <a:r>
-              <a:rPr lang="en-US" dirty="0" smtClean="0"/>
+              <a:rPr lang="en-US" sz="7000" dirty="0" smtClean="0"/>
               <a:t>Consuming Data </a:t>
-            </a:r>
-            <a:br>
-              <a:rPr lang="en-US" dirty="0" smtClean="0"/>
-            </a:br>
-            <a:r>
-              <a:rPr lang="en-US" sz="5400" dirty="0" smtClean="0"/>
-              <a:t>with </a:t>
             </a:r>
             <a:r>
               <a:rPr lang="en-US" dirty="0" smtClean="0"/>
@@ -24540,10 +33026,25 @@
               <a:rPr lang="en-US" dirty="0" smtClean="0"/>
             </a:br>
             <a:r>
+              <a:rPr lang="en-US" sz="4200" dirty="0" smtClean="0"/>
+              <a:t>with</a:t>
+            </a:r>
+            <a:r>
+              <a:rPr lang="en-US" sz="5400" dirty="0" smtClean="0"/>
+              <a:t> </a:t>
+            </a:r>
+            <a:r>
               <a:rPr lang="en-US" dirty="0" smtClean="0"/>
+              <a:t/>
+            </a:r>
+            <a:br>
+              <a:rPr lang="en-US" dirty="0" smtClean="0"/>
+            </a:br>
+            <a:r>
+              <a:rPr lang="en-US" sz="7000" dirty="0" smtClean="0"/>
               <a:t>F# Type Providers</a:t>
             </a:r>
-            <a:endParaRPr lang="en-US" dirty="0"/>
+            <a:endParaRPr lang="en-US" sz="7000" dirty="0"/>
           </a:p>
         </p:txBody>
       </p:sp>
@@ -24644,7 +33145,7 @@
     </p:spTree>
     <p:extLst>
       <p:ext uri="{BB962C8B-B14F-4D97-AF65-F5344CB8AC3E}">
-        <p14:creationId xmlns:p14="http://schemas.microsoft.com/office/powerpoint/2010/main" val="1746321122"/>
+        <p14:creationId xmlns:p14="http://schemas.microsoft.com/office/powerpoint/2010/main" val="3236799852"/>
       </p:ext>
     </p:extLst>
   </p:cSld>
@@ -24654,7 +33155,7 @@
   <p:timing>
     <p:tnLst>
       <p:par>
-        <p:cTn id="1" dur="indefinite" restart="never" nodeType="tmRoot"/>
+        <p:cTn xmlns:p14="http://schemas.microsoft.com/office/powerpoint/2010/main" id="1" dur="indefinite" restart="never" nodeType="tmRoot"/>
       </p:par>
     </p:tnLst>
   </p:timing>
@@ -24744,7 +33245,7 @@
   <p:timing>
     <p:tnLst>
       <p:par>
-        <p:cTn id="1" dur="indefinite" restart="never" nodeType="tmRoot"/>
+        <p:cTn xmlns:p14="http://schemas.microsoft.com/office/powerpoint/2010/main" id="1" dur="indefinite" restart="never" nodeType="tmRoot"/>
       </p:par>
     </p:tnLst>
   </p:timing>
@@ -25150,7 +33651,7 @@
   <p:timing>
     <p:tnLst>
       <p:par>
-        <p:cTn id="1" dur="indefinite" restart="never" nodeType="tmRoot">
+        <p:cTn xmlns:p14="http://schemas.microsoft.com/office/powerpoint/2010/main" id="1" dur="indefinite" restart="never" nodeType="tmRoot">
           <p:childTnLst>
             <p:seq concurrent="1" nextAc="seek">
               <p:cTn id="2" dur="indefinite" nodeType="mainSeq">
@@ -25423,7 +33924,7 @@
   <p:timing>
     <p:tnLst>
       <p:par>
-        <p:cTn id="1" dur="indefinite" restart="never" nodeType="tmRoot">
+        <p:cTn xmlns:p14="http://schemas.microsoft.com/office/powerpoint/2010/main" id="1" dur="indefinite" restart="never" nodeType="tmRoot">
           <p:childTnLst>
             <p:seq concurrent="1" nextAc="seek">
               <p:cTn id="2" dur="indefinite" nodeType="mainSeq">
@@ -25692,7 +34193,7 @@
           <p:nvPr>
             <p:extLst>
               <p:ext uri="{D42A27DB-BD31-4B8C-83A1-F6EECF244321}">
-                <p14:modId xmlns:p14="http://schemas.microsoft.com/office/powerpoint/2010/main" val="564839067"/>
+                <p14:modId xmlns:p14="http://schemas.microsoft.com/office/powerpoint/2010/main" val="2727349124"/>
               </p:ext>
             </p:extLst>
           </p:nvPr>
@@ -25757,7 +34258,7 @@
   <p:timing>
     <p:tnLst>
       <p:par>
-        <p:cTn id="1" dur="indefinite" restart="never" nodeType="tmRoot">
+        <p:cTn xmlns:p14="http://schemas.microsoft.com/office/powerpoint/2010/main" id="1" dur="indefinite" restart="never" nodeType="tmRoot">
           <p:childTnLst>
             <p:seq concurrent="1" nextAc="seek">
               <p:cTn id="2" dur="indefinite" nodeType="mainSeq">
@@ -26266,7 +34767,7 @@
   <p:timing>
     <p:tnLst>
       <p:par>
-        <p:cTn id="1" dur="indefinite" restart="never" nodeType="tmRoot">
+        <p:cTn xmlns:p14="http://schemas.microsoft.com/office/powerpoint/2010/main" id="1" dur="indefinite" restart="never" nodeType="tmRoot">
           <p:childTnLst>
             <p:seq concurrent="1" nextAc="seek">
               <p:cTn id="2" dur="indefinite" nodeType="mainSeq">
@@ -26770,7 +35271,7 @@
   <p:timing>
     <p:tnLst>
       <p:par>
-        <p:cTn id="1" dur="indefinite" restart="never" nodeType="tmRoot"/>
+        <p:cTn xmlns:p14="http://schemas.microsoft.com/office/powerpoint/2010/main" id="1" dur="indefinite" restart="never" nodeType="tmRoot"/>
       </p:par>
     </p:tnLst>
   </p:timing>
@@ -26896,7 +35397,7 @@
   <p:timing>
     <p:tnLst>
       <p:par>
-        <p:cTn id="1" dur="indefinite" restart="never" nodeType="tmRoot"/>
+        <p:cTn xmlns:p14="http://schemas.microsoft.com/office/powerpoint/2010/main" id="1" dur="indefinite" restart="never" nodeType="tmRoot"/>
       </p:par>
     </p:tnLst>
   </p:timing>
@@ -26991,7 +35492,7 @@
   <p:timing>
     <p:tnLst>
       <p:par>
-        <p:cTn id="1" dur="indefinite" restart="never" nodeType="tmRoot"/>
+        <p:cTn xmlns:p14="http://schemas.microsoft.com/office/powerpoint/2010/main" id="1" dur="indefinite" restart="never" nodeType="tmRoot"/>
       </p:par>
     </p:tnLst>
   </p:timing>
@@ -27169,7 +35670,7 @@
   <a:extraClrSchemeLst/>
   <a:extLst>
     <a:ext uri="{05A4C25C-085E-4340-85A3-A5531E510DB2}">
-      <thm15:themeFamily xmlns:thm15="http://schemas.microsoft.com/office/thememl/2012/main" name="Basis" id="{5665723A-49BA-4B57-8411-A56F8F207965}" vid="{90E45F77-AEFC-46EF-A7C1-5B338C297B02}"/>
+      <thm15:themeFamily xmlns:thm15="http://schemas.microsoft.com/office/thememl/2012/main" xmlns="" name="Basis" id="{5665723A-49BA-4B57-8411-A56F8F207965}" vid="{90E45F77-AEFC-46EF-A7C1-5B338C297B02}"/>
     </a:ext>
   </a:extLst>
 </a:theme>
@@ -27218,7 +35719,7 @@
     </a:clrScheme>
     <a:fontScheme name="Office">
       <a:majorFont>
-        <a:latin typeface="Calibri Light" panose="020F0302020204030204"/>
+        <a:latin typeface="Calibri Light"/>
         <a:ea typeface=""/>
         <a:cs typeface=""/>
         <a:font script="Jpan" typeface="ＭＳ ゴシック"/>
@@ -27253,7 +35754,7 @@
         <a:font script="Geor" typeface="Sylfaen"/>
       </a:majorFont>
       <a:minorFont>
-        <a:latin typeface="Calibri" panose="020F0502020204030204"/>
+        <a:latin typeface="Calibri"/>
         <a:ea typeface=""/>
         <a:cs typeface=""/>
         <a:font script="Jpan" typeface="ＭＳ ゴシック"/>
@@ -27430,7 +35931,7 @@
   <a:extraClrSchemeLst/>
   <a:extLst>
     <a:ext uri="{05A4C25C-085E-4340-85A3-A5531E510DB2}">
-      <thm15:themeFamily xmlns:thm15="http://schemas.microsoft.com/office/thememl/2012/main" name="Office Theme" id="{62F939B6-93AF-4DB8-9C6B-D6C7DFDC589F}" vid="{4A3C46E8-61CC-4603-A589-7422A47A8E4A}"/>
+      <thm15:themeFamily xmlns:thm15="http://schemas.microsoft.com/office/thememl/2012/main" xmlns="" name="Office Theme" id="{62F939B6-93AF-4DB8-9C6B-D6C7DFDC589F}" vid="{4A3C46E8-61CC-4603-A589-7422A47A8E4A}"/>
     </a:ext>
   </a:extLst>
 </a:theme>
@@ -27479,7 +35980,7 @@
     </a:clrScheme>
     <a:fontScheme name="Office">
       <a:majorFont>
-        <a:latin typeface="Calibri Light" panose="020F0302020204030204"/>
+        <a:latin typeface="Calibri Light"/>
         <a:ea typeface=""/>
         <a:cs typeface=""/>
         <a:font script="Jpan" typeface="ＭＳ Ｐゴシック"/>
@@ -27514,7 +36015,7 @@
         <a:font script="Geor" typeface="Sylfaen"/>
       </a:majorFont>
       <a:minorFont>
-        <a:latin typeface="Calibri" panose="020F0502020204030204"/>
+        <a:latin typeface="Calibri"/>
         <a:ea typeface=""/>
         <a:cs typeface=""/>
         <a:font script="Jpan" typeface="ＭＳ Ｐゴシック"/>
@@ -27691,7 +36192,7 @@
   <a:extraClrSchemeLst/>
   <a:extLst>
     <a:ext uri="{05A4C25C-085E-4340-85A3-A5531E510DB2}">
-      <thm15:themeFamily xmlns:thm15="http://schemas.microsoft.com/office/thememl/2012/main" name="Office Theme" id="{62F939B6-93AF-4DB8-9C6B-D6C7DFDC589F}" vid="{4A3C46E8-61CC-4603-A589-7422A47A8E4A}"/>
+      <thm15:themeFamily xmlns:thm15="http://schemas.microsoft.com/office/thememl/2012/main" xmlns="" name="Office Theme" id="{62F939B6-93AF-4DB8-9C6B-D6C7DFDC589F}" vid="{4A3C46E8-61CC-4603-A589-7422A47A8E4A}"/>
     </a:ext>
   </a:extLst>
 </a:theme>

--- a/Type Providers/Type Providers.pptx
+++ b/Type Providers/Type Providers.pptx
@@ -165,7 +165,7 @@
       </p14:sectionLst>
     </p:ext>
     <p:ext uri="{EFAFB233-063F-42B5-8137-9DF3F51BA10A}">
-      <p15:sldGuideLst xmlns:p15="http://schemas.microsoft.com/office/powerpoint/2012/main" xmlns="">
+      <p15:sldGuideLst xmlns:p15="http://schemas.microsoft.com/office/powerpoint/2012/main">
         <p15:guide id="1" pos="3383" userDrawn="1">
           <p15:clr>
             <a:srgbClr val="A4A3A4"/>
@@ -184,7 +184,7 @@
       </p15:sldGuideLst>
     </p:ext>
     <p:ext uri="{2D200454-40CA-4A62-9FC3-DE9A4176ACB9}">
-      <p15:notesGuideLst xmlns:p15="http://schemas.microsoft.com/office/powerpoint/2012/main" xmlns=""/>
+      <p15:notesGuideLst xmlns:p15="http://schemas.microsoft.com/office/powerpoint/2012/main"/>
     </p:ext>
   </p:extLst>
 </p:presentation>
@@ -5406,8 +5406,8 @@
     <dgm:cxn modelId="{D56EB2D8-5FDF-4692-9920-FD79A3311815}" type="presOf" srcId="{0B1D3EB6-DDAD-4074-AD89-1328ED184427}" destId="{00C18325-64BA-4230-8D42-A8CBBE2E541A}" srcOrd="0" destOrd="0" presId="urn:microsoft.com/office/officeart/2008/layout/AlternatingPictureBlocks"/>
     <dgm:cxn modelId="{5605B05D-9DD7-4070-B3CE-BAEE4864C5BE}" type="presOf" srcId="{F48CB2E3-D8BE-404E-A0D2-EEB3E1242A50}" destId="{538C1F93-2633-4DB7-AA7D-A5DE4FC8CB5A}" srcOrd="0" destOrd="0" presId="urn:microsoft.com/office/officeart/2008/layout/AlternatingPictureBlocks"/>
     <dgm:cxn modelId="{9725BDCF-4BB2-42FD-A2FB-17C284C08CD7}" srcId="{4E1E4C3E-5D80-4250-A36F-E2D6F8CE2114}" destId="{0B1D3EB6-DDAD-4074-AD89-1328ED184427}" srcOrd="1" destOrd="0" parTransId="{A0B0BA24-7BBD-4169-A6E4-C30BE3C7D4C6}" sibTransId="{02B22490-15FC-4C3F-8863-8A3E5A29C80C}"/>
+    <dgm:cxn modelId="{B3060CEB-B955-4ABF-8714-857ED9A2A44F}" srcId="{0B1D3EB6-DDAD-4074-AD89-1328ED184427}" destId="{B5557B3C-A729-44E7-B06E-8E406FFFF1BD}" srcOrd="1" destOrd="0" parTransId="{9B0ACE6D-CF28-47A6-BE42-2EE8D0A3E2E5}" sibTransId="{138A8399-7FDA-4CA4-AB2B-D6D64FA5D682}"/>
     <dgm:cxn modelId="{DF629EDD-CDDD-4422-BD5A-CACB7A74E2A8}" srcId="{0B1D3EB6-DDAD-4074-AD89-1328ED184427}" destId="{B9CFF899-EA87-447F-8310-377F7EA336B9}" srcOrd="0" destOrd="0" parTransId="{516D0FCC-58B7-4A3F-875C-505C5BEE0B2A}" sibTransId="{DDC7F697-1D79-4A68-AD43-E40B28D1EE4E}"/>
-    <dgm:cxn modelId="{B3060CEB-B955-4ABF-8714-857ED9A2A44F}" srcId="{0B1D3EB6-DDAD-4074-AD89-1328ED184427}" destId="{B5557B3C-A729-44E7-B06E-8E406FFFF1BD}" srcOrd="1" destOrd="0" parTransId="{9B0ACE6D-CF28-47A6-BE42-2EE8D0A3E2E5}" sibTransId="{138A8399-7FDA-4CA4-AB2B-D6D64FA5D682}"/>
     <dgm:cxn modelId="{E1B13E87-781A-4F9F-97A0-C3B2392EABE4}" srcId="{4E1E4C3E-5D80-4250-A36F-E2D6F8CE2114}" destId="{F48CB2E3-D8BE-404E-A0D2-EEB3E1242A50}" srcOrd="0" destOrd="0" parTransId="{6CF4DB19-53FF-4B32-AC92-262597995234}" sibTransId="{82AB8F63-BF4E-41E3-9A9D-3BCBF2FE527C}"/>
     <dgm:cxn modelId="{3A6F834D-3602-42EA-AFA3-C4E4D706522C}" type="presOf" srcId="{B9CFF899-EA87-447F-8310-377F7EA336B9}" destId="{00C18325-64BA-4230-8D42-A8CBBE2E541A}" srcOrd="0" destOrd="1" presId="urn:microsoft.com/office/officeart/2008/layout/AlternatingPictureBlocks"/>
     <dgm:cxn modelId="{ACE51563-F509-4B08-90DE-35F8A1487771}" type="presOf" srcId="{1B025A62-D98E-488F-8749-BA0463D60F82}" destId="{00C18325-64BA-4230-8D42-A8CBBE2E541A}" srcOrd="0" destOrd="3" presId="urn:microsoft.com/office/officeart/2008/layout/AlternatingPictureBlocks"/>
@@ -10332,769 +10332,6 @@
       <dsp:cNvGrpSpPr/>
     </dsp:nvGrpSpPr>
     <dsp:grpSpPr/>
-    <dsp:sp modelId="{A879180F-50BF-4B32-B90B-DFC2404A1B47}">
-      <dsp:nvSpPr>
-        <dsp:cNvPr id="0" name=""/>
-        <dsp:cNvSpPr/>
-      </dsp:nvSpPr>
-      <dsp:spPr>
-        <a:xfrm>
-          <a:off x="136015" y="1421"/>
-          <a:ext cx="814433" cy="771419"/>
-        </a:xfrm>
-        <a:prstGeom prst="ellipse">
-          <a:avLst/>
-        </a:prstGeom>
-        <a:solidFill>
-          <a:schemeClr val="accent2"/>
-        </a:solidFill>
-        <a:ln w="19050" cap="flat" cmpd="sng" algn="ctr">
-          <a:noFill/>
-          <a:prstDash val="solid"/>
-        </a:ln>
-        <a:effectLst/>
-      </dsp:spPr>
-      <dsp:style>
-        <a:lnRef idx="2">
-          <a:scrgbClr r="0" g="0" b="0"/>
-        </a:lnRef>
-        <a:fillRef idx="1">
-          <a:scrgbClr r="0" g="0" b="0"/>
-        </a:fillRef>
-        <a:effectRef idx="0">
-          <a:scrgbClr r="0" g="0" b="0"/>
-        </a:effectRef>
-        <a:fontRef idx="minor">
-          <a:schemeClr val="tx1"/>
-        </a:fontRef>
-      </dsp:style>
-    </dsp:sp>
-    <dsp:sp modelId="{9D7505BE-E95B-4782-B800-B4F8FA270A88}">
-      <dsp:nvSpPr>
-        <dsp:cNvPr id="0" name=""/>
-        <dsp:cNvSpPr/>
-      </dsp:nvSpPr>
-      <dsp:spPr>
-        <a:xfrm>
-          <a:off x="498387" y="1421"/>
-          <a:ext cx="6106248" cy="771419"/>
-        </a:xfrm>
-        <a:prstGeom prst="rect">
-          <a:avLst/>
-        </a:prstGeom>
-        <a:noFill/>
-        <a:ln>
-          <a:noFill/>
-        </a:ln>
-        <a:effectLst/>
-      </dsp:spPr>
-      <dsp:style>
-        <a:lnRef idx="0">
-          <a:scrgbClr r="0" g="0" b="0"/>
-        </a:lnRef>
-        <a:fillRef idx="0">
-          <a:scrgbClr r="0" g="0" b="0"/>
-        </a:fillRef>
-        <a:effectRef idx="0">
-          <a:scrgbClr r="0" g="0" b="0"/>
-        </a:effectRef>
-        <a:fontRef idx="minor"/>
-      </dsp:style>
-      <dsp:txBody>
-        <a:bodyPr spcFirstLastPara="0" vert="horz" wrap="square" lIns="0" tIns="0" rIns="0" bIns="0" numCol="1" spcCol="1270" anchor="ctr" anchorCtr="0">
-          <a:noAutofit/>
-        </a:bodyPr>
-        <a:lstStyle/>
-        <a:p>
-          <a:pPr lvl="0" algn="l" defTabSz="1200150" rtl="0">
-            <a:lnSpc>
-              <a:spcPct val="90000"/>
-            </a:lnSpc>
-            <a:spcBef>
-              <a:spcPct val="0"/>
-            </a:spcBef>
-            <a:spcAft>
-              <a:spcPct val="35000"/>
-            </a:spcAft>
-          </a:pPr>
-          <a:r>
-            <a:rPr lang="en-US" sz="2700" b="1" kern="1200" dirty="0" smtClean="0">
-              <a:solidFill>
-                <a:schemeClr val="accent4">
-                  <a:lumMod val="50000"/>
-                </a:schemeClr>
-              </a:solidFill>
-            </a:rPr>
-            <a:t>Simple code to solve complex problems</a:t>
-          </a:r>
-          <a:endParaRPr lang="en-US" sz="2700" b="1" kern="1200" dirty="0">
-            <a:solidFill>
-              <a:schemeClr val="accent4">
-                <a:lumMod val="50000"/>
-              </a:schemeClr>
-            </a:solidFill>
-          </a:endParaRPr>
-        </a:p>
-      </dsp:txBody>
-      <dsp:txXfrm>
-        <a:off x="498387" y="1421"/>
-        <a:ext cx="6106248" cy="771419"/>
-      </dsp:txXfrm>
-    </dsp:sp>
-    <dsp:sp modelId="{D3E27A4E-39E7-4FDF-A936-91F7C6FB0D5B}">
-      <dsp:nvSpPr>
-        <dsp:cNvPr id="0" name=""/>
-        <dsp:cNvSpPr/>
-      </dsp:nvSpPr>
-      <dsp:spPr>
-        <a:xfrm>
-          <a:off x="136017" y="772840"/>
-          <a:ext cx="814433" cy="771419"/>
-        </a:xfrm>
-        <a:prstGeom prst="ellipse">
-          <a:avLst/>
-        </a:prstGeom>
-        <a:solidFill>
-          <a:schemeClr val="accent2"/>
-        </a:solidFill>
-        <a:ln w="19050" cap="flat" cmpd="sng" algn="ctr">
-          <a:noFill/>
-          <a:prstDash val="solid"/>
-        </a:ln>
-        <a:effectLst/>
-      </dsp:spPr>
-      <dsp:style>
-        <a:lnRef idx="2">
-          <a:scrgbClr r="0" g="0" b="0"/>
-        </a:lnRef>
-        <a:fillRef idx="1">
-          <a:scrgbClr r="0" g="0" b="0"/>
-        </a:fillRef>
-        <a:effectRef idx="0">
-          <a:scrgbClr r="0" g="0" b="0"/>
-        </a:effectRef>
-        <a:fontRef idx="minor">
-          <a:schemeClr val="tx1"/>
-        </a:fontRef>
-      </dsp:style>
-    </dsp:sp>
-    <dsp:sp modelId="{4F0E6DBE-4889-4DBE-88ED-815075711E9C}">
-      <dsp:nvSpPr>
-        <dsp:cNvPr id="0" name=""/>
-        <dsp:cNvSpPr/>
-      </dsp:nvSpPr>
-      <dsp:spPr>
-        <a:xfrm>
-          <a:off x="500295" y="772840"/>
-          <a:ext cx="4345301" cy="771419"/>
-        </a:xfrm>
-        <a:prstGeom prst="rect">
-          <a:avLst/>
-        </a:prstGeom>
-        <a:noFill/>
-        <a:ln>
-          <a:noFill/>
-        </a:ln>
-        <a:effectLst/>
-      </dsp:spPr>
-      <dsp:style>
-        <a:lnRef idx="0">
-          <a:scrgbClr r="0" g="0" b="0"/>
-        </a:lnRef>
-        <a:fillRef idx="0">
-          <a:scrgbClr r="0" g="0" b="0"/>
-        </a:fillRef>
-        <a:effectRef idx="0">
-          <a:scrgbClr r="0" g="0" b="0"/>
-        </a:effectRef>
-        <a:fontRef idx="minor"/>
-      </dsp:style>
-      <dsp:txBody>
-        <a:bodyPr spcFirstLastPara="0" vert="horz" wrap="square" lIns="0" tIns="0" rIns="0" bIns="0" numCol="1" spcCol="1270" anchor="ctr" anchorCtr="0">
-          <a:noAutofit/>
-        </a:bodyPr>
-        <a:lstStyle/>
-        <a:p>
-          <a:pPr lvl="0" algn="l" defTabSz="1200150" rtl="0">
-            <a:lnSpc>
-              <a:spcPct val="90000"/>
-            </a:lnSpc>
-            <a:spcBef>
-              <a:spcPct val="0"/>
-            </a:spcBef>
-            <a:spcAft>
-              <a:spcPct val="35000"/>
-            </a:spcAft>
-          </a:pPr>
-          <a:r>
-            <a:rPr lang="en-US" sz="2700" b="1" kern="1200" dirty="0" smtClean="0">
-              <a:solidFill>
-                <a:schemeClr val="accent4">
-                  <a:lumMod val="50000"/>
-                </a:schemeClr>
-              </a:solidFill>
-            </a:rPr>
-            <a:t>Less code</a:t>
-          </a:r>
-          <a:endParaRPr lang="en-US" sz="2700" b="1" kern="1200" dirty="0">
-            <a:solidFill>
-              <a:schemeClr val="accent4">
-                <a:lumMod val="50000"/>
-              </a:schemeClr>
-            </a:solidFill>
-          </a:endParaRPr>
-        </a:p>
-      </dsp:txBody>
-      <dsp:txXfrm>
-        <a:off x="500295" y="772840"/>
-        <a:ext cx="4345301" cy="771419"/>
-      </dsp:txXfrm>
-    </dsp:sp>
-    <dsp:sp modelId="{D78072D7-B72F-4A31-9BF4-6881136300DE}">
-      <dsp:nvSpPr>
-        <dsp:cNvPr id="0" name=""/>
-        <dsp:cNvSpPr/>
-      </dsp:nvSpPr>
-      <dsp:spPr>
-        <a:xfrm>
-          <a:off x="136017" y="1544259"/>
-          <a:ext cx="814433" cy="771419"/>
-        </a:xfrm>
-        <a:prstGeom prst="ellipse">
-          <a:avLst/>
-        </a:prstGeom>
-        <a:solidFill>
-          <a:schemeClr val="accent2"/>
-        </a:solidFill>
-        <a:ln w="19050" cap="flat" cmpd="sng" algn="ctr">
-          <a:noFill/>
-          <a:prstDash val="solid"/>
-        </a:ln>
-        <a:effectLst/>
-      </dsp:spPr>
-      <dsp:style>
-        <a:lnRef idx="2">
-          <a:scrgbClr r="0" g="0" b="0"/>
-        </a:lnRef>
-        <a:fillRef idx="1">
-          <a:scrgbClr r="0" g="0" b="0"/>
-        </a:fillRef>
-        <a:effectRef idx="0">
-          <a:scrgbClr r="0" g="0" b="0"/>
-        </a:effectRef>
-        <a:fontRef idx="minor">
-          <a:schemeClr val="tx1"/>
-        </a:fontRef>
-      </dsp:style>
-    </dsp:sp>
-    <dsp:sp modelId="{4BAB954E-B909-4E4F-B8BA-DD439451962C}">
-      <dsp:nvSpPr>
-        <dsp:cNvPr id="0" name=""/>
-        <dsp:cNvSpPr/>
-      </dsp:nvSpPr>
-      <dsp:spPr>
-        <a:xfrm>
-          <a:off x="500295" y="1544259"/>
-          <a:ext cx="4345301" cy="771419"/>
-        </a:xfrm>
-        <a:prstGeom prst="rect">
-          <a:avLst/>
-        </a:prstGeom>
-        <a:noFill/>
-        <a:ln>
-          <a:noFill/>
-        </a:ln>
-        <a:effectLst/>
-      </dsp:spPr>
-      <dsp:style>
-        <a:lnRef idx="0">
-          <a:scrgbClr r="0" g="0" b="0"/>
-        </a:lnRef>
-        <a:fillRef idx="0">
-          <a:scrgbClr r="0" g="0" b="0"/>
-        </a:fillRef>
-        <a:effectRef idx="0">
-          <a:scrgbClr r="0" g="0" b="0"/>
-        </a:effectRef>
-        <a:fontRef idx="minor"/>
-      </dsp:style>
-      <dsp:txBody>
-        <a:bodyPr spcFirstLastPara="0" vert="horz" wrap="square" lIns="0" tIns="0" rIns="0" bIns="0" numCol="1" spcCol="1270" anchor="ctr" anchorCtr="0">
-          <a:noAutofit/>
-        </a:bodyPr>
-        <a:lstStyle/>
-        <a:p>
-          <a:pPr lvl="0" algn="l" defTabSz="1200150" rtl="0">
-            <a:lnSpc>
-              <a:spcPct val="90000"/>
-            </a:lnSpc>
-            <a:spcBef>
-              <a:spcPct val="0"/>
-            </a:spcBef>
-            <a:spcAft>
-              <a:spcPct val="35000"/>
-            </a:spcAft>
-          </a:pPr>
-          <a:r>
-            <a:rPr lang="en-US" sz="2700" b="1" kern="1200" dirty="0" smtClean="0">
-              <a:solidFill>
-                <a:schemeClr val="accent4">
-                  <a:lumMod val="50000"/>
-                </a:schemeClr>
-              </a:solidFill>
-            </a:rPr>
-            <a:t>Fewer bugs</a:t>
-          </a:r>
-          <a:endParaRPr lang="en-US" sz="2700" b="1" kern="1200" dirty="0">
-            <a:solidFill>
-              <a:schemeClr val="accent4">
-                <a:lumMod val="50000"/>
-              </a:schemeClr>
-            </a:solidFill>
-          </a:endParaRPr>
-        </a:p>
-      </dsp:txBody>
-      <dsp:txXfrm>
-        <a:off x="500295" y="1544259"/>
-        <a:ext cx="4345301" cy="771419"/>
-      </dsp:txXfrm>
-    </dsp:sp>
-    <dsp:sp modelId="{950A4424-4E27-4346-BE1F-8A1BDC0825E5}">
-      <dsp:nvSpPr>
-        <dsp:cNvPr id="0" name=""/>
-        <dsp:cNvSpPr/>
-      </dsp:nvSpPr>
-      <dsp:spPr>
-        <a:xfrm>
-          <a:off x="136017" y="2315679"/>
-          <a:ext cx="814433" cy="771419"/>
-        </a:xfrm>
-        <a:prstGeom prst="ellipse">
-          <a:avLst/>
-        </a:prstGeom>
-        <a:solidFill>
-          <a:schemeClr val="accent2"/>
-        </a:solidFill>
-        <a:ln w="19050" cap="flat" cmpd="sng" algn="ctr">
-          <a:noFill/>
-          <a:prstDash val="solid"/>
-        </a:ln>
-        <a:effectLst/>
-      </dsp:spPr>
-      <dsp:style>
-        <a:lnRef idx="2">
-          <a:scrgbClr r="0" g="0" b="0"/>
-        </a:lnRef>
-        <a:fillRef idx="1">
-          <a:scrgbClr r="0" g="0" b="0"/>
-        </a:fillRef>
-        <a:effectRef idx="0">
-          <a:scrgbClr r="0" g="0" b="0"/>
-        </a:effectRef>
-        <a:fontRef idx="minor">
-          <a:schemeClr val="tx1"/>
-        </a:fontRef>
-      </dsp:style>
-    </dsp:sp>
-    <dsp:sp modelId="{490A854D-8ABF-439C-B4F8-D9B8E7761A81}">
-      <dsp:nvSpPr>
-        <dsp:cNvPr id="0" name=""/>
-        <dsp:cNvSpPr/>
-      </dsp:nvSpPr>
-      <dsp:spPr>
-        <a:xfrm>
-          <a:off x="500295" y="2315679"/>
-          <a:ext cx="4345301" cy="771419"/>
-        </a:xfrm>
-        <a:prstGeom prst="rect">
-          <a:avLst/>
-        </a:prstGeom>
-        <a:noFill/>
-        <a:ln>
-          <a:noFill/>
-        </a:ln>
-        <a:effectLst/>
-      </dsp:spPr>
-      <dsp:style>
-        <a:lnRef idx="0">
-          <a:scrgbClr r="0" g="0" b="0"/>
-        </a:lnRef>
-        <a:fillRef idx="0">
-          <a:scrgbClr r="0" g="0" b="0"/>
-        </a:fillRef>
-        <a:effectRef idx="0">
-          <a:scrgbClr r="0" g="0" b="0"/>
-        </a:effectRef>
-        <a:fontRef idx="minor"/>
-      </dsp:style>
-      <dsp:txBody>
-        <a:bodyPr spcFirstLastPara="0" vert="horz" wrap="square" lIns="0" tIns="0" rIns="0" bIns="0" numCol="1" spcCol="1270" anchor="ctr" anchorCtr="0">
-          <a:noAutofit/>
-        </a:bodyPr>
-        <a:lstStyle/>
-        <a:p>
-          <a:pPr lvl="0" algn="l" defTabSz="1200150" rtl="0">
-            <a:lnSpc>
-              <a:spcPct val="90000"/>
-            </a:lnSpc>
-            <a:spcBef>
-              <a:spcPct val="0"/>
-            </a:spcBef>
-            <a:spcAft>
-              <a:spcPct val="35000"/>
-            </a:spcAft>
-          </a:pPr>
-          <a:r>
-            <a:rPr lang="en-US" sz="2700" b="1" kern="1200" dirty="0" smtClean="0">
-              <a:solidFill>
-                <a:schemeClr val="accent4">
-                  <a:lumMod val="50000"/>
-                </a:schemeClr>
-              </a:solidFill>
-            </a:rPr>
-            <a:t>Units of measure</a:t>
-          </a:r>
-          <a:endParaRPr lang="en-US" sz="2700" b="1" kern="1200" dirty="0">
-            <a:solidFill>
-              <a:schemeClr val="accent4">
-                <a:lumMod val="50000"/>
-              </a:schemeClr>
-            </a:solidFill>
-          </a:endParaRPr>
-        </a:p>
-      </dsp:txBody>
-      <dsp:txXfrm>
-        <a:off x="500295" y="2315679"/>
-        <a:ext cx="4345301" cy="771419"/>
-      </dsp:txXfrm>
-    </dsp:sp>
-    <dsp:sp modelId="{594F943D-AFBC-456B-BDAE-9096C4CB6DA3}">
-      <dsp:nvSpPr>
-        <dsp:cNvPr id="0" name=""/>
-        <dsp:cNvSpPr/>
-      </dsp:nvSpPr>
-      <dsp:spPr>
-        <a:xfrm>
-          <a:off x="136017" y="3087098"/>
-          <a:ext cx="814433" cy="771419"/>
-        </a:xfrm>
-        <a:prstGeom prst="ellipse">
-          <a:avLst/>
-        </a:prstGeom>
-        <a:solidFill>
-          <a:schemeClr val="accent2"/>
-        </a:solidFill>
-        <a:ln w="19050" cap="flat" cmpd="sng" algn="ctr">
-          <a:noFill/>
-          <a:prstDash val="solid"/>
-        </a:ln>
-        <a:effectLst/>
-      </dsp:spPr>
-      <dsp:style>
-        <a:lnRef idx="2">
-          <a:scrgbClr r="0" g="0" b="0"/>
-        </a:lnRef>
-        <a:fillRef idx="1">
-          <a:scrgbClr r="0" g="0" b="0"/>
-        </a:fillRef>
-        <a:effectRef idx="0">
-          <a:scrgbClr r="0" g="0" b="0"/>
-        </a:effectRef>
-        <a:fontRef idx="minor">
-          <a:schemeClr val="tx1"/>
-        </a:fontRef>
-      </dsp:style>
-    </dsp:sp>
-    <dsp:sp modelId="{4A41BB03-62B6-44FE-B321-9ED22AD17D79}">
-      <dsp:nvSpPr>
-        <dsp:cNvPr id="0" name=""/>
-        <dsp:cNvSpPr/>
-      </dsp:nvSpPr>
-      <dsp:spPr>
-        <a:xfrm>
-          <a:off x="500295" y="3087098"/>
-          <a:ext cx="4345301" cy="771419"/>
-        </a:xfrm>
-        <a:prstGeom prst="rect">
-          <a:avLst/>
-        </a:prstGeom>
-        <a:noFill/>
-        <a:ln>
-          <a:noFill/>
-        </a:ln>
-        <a:effectLst/>
-      </dsp:spPr>
-      <dsp:style>
-        <a:lnRef idx="0">
-          <a:scrgbClr r="0" g="0" b="0"/>
-        </a:lnRef>
-        <a:fillRef idx="0">
-          <a:scrgbClr r="0" g="0" b="0"/>
-        </a:fillRef>
-        <a:effectRef idx="0">
-          <a:scrgbClr r="0" g="0" b="0"/>
-        </a:effectRef>
-        <a:fontRef idx="minor"/>
-      </dsp:style>
-      <dsp:txBody>
-        <a:bodyPr spcFirstLastPara="0" vert="horz" wrap="square" lIns="0" tIns="0" rIns="0" bIns="0" numCol="1" spcCol="1270" anchor="ctr" anchorCtr="0">
-          <a:noAutofit/>
-        </a:bodyPr>
-        <a:lstStyle/>
-        <a:p>
-          <a:pPr lvl="0" algn="l" defTabSz="1200150" rtl="0">
-            <a:lnSpc>
-              <a:spcPct val="90000"/>
-            </a:lnSpc>
-            <a:spcBef>
-              <a:spcPct val="0"/>
-            </a:spcBef>
-            <a:spcAft>
-              <a:spcPct val="35000"/>
-            </a:spcAft>
-          </a:pPr>
-          <a:r>
-            <a:rPr lang="en-US" sz="2700" b="1" kern="1200" smtClean="0">
-              <a:solidFill>
-                <a:schemeClr val="accent4">
-                  <a:lumMod val="50000"/>
-                </a:schemeClr>
-              </a:solidFill>
-            </a:rPr>
-            <a:t>Interoperability with .NET</a:t>
-          </a:r>
-          <a:endParaRPr lang="en-US" sz="2700" b="1" kern="1200" dirty="0">
-            <a:solidFill>
-              <a:schemeClr val="accent4">
-                <a:lumMod val="50000"/>
-              </a:schemeClr>
-            </a:solidFill>
-          </a:endParaRPr>
-        </a:p>
-      </dsp:txBody>
-      <dsp:txXfrm>
-        <a:off x="500295" y="3087098"/>
-        <a:ext cx="4345301" cy="771419"/>
-      </dsp:txXfrm>
-    </dsp:sp>
-    <dsp:sp modelId="{A1597A0B-AF1F-4B77-AB01-A97FE66BD3DC}">
-      <dsp:nvSpPr>
-        <dsp:cNvPr id="0" name=""/>
-        <dsp:cNvSpPr/>
-      </dsp:nvSpPr>
-      <dsp:spPr>
-        <a:xfrm>
-          <a:off x="136017" y="3858518"/>
-          <a:ext cx="814433" cy="771419"/>
-        </a:xfrm>
-        <a:prstGeom prst="ellipse">
-          <a:avLst/>
-        </a:prstGeom>
-        <a:solidFill>
-          <a:schemeClr val="accent2"/>
-        </a:solidFill>
-        <a:ln w="19050" cap="flat" cmpd="sng" algn="ctr">
-          <a:noFill/>
-          <a:prstDash val="solid"/>
-        </a:ln>
-        <a:effectLst/>
-      </dsp:spPr>
-      <dsp:style>
-        <a:lnRef idx="2">
-          <a:scrgbClr r="0" g="0" b="0"/>
-        </a:lnRef>
-        <a:fillRef idx="1">
-          <a:scrgbClr r="0" g="0" b="0"/>
-        </a:fillRef>
-        <a:effectRef idx="0">
-          <a:scrgbClr r="0" g="0" b="0"/>
-        </a:effectRef>
-        <a:fontRef idx="minor">
-          <a:schemeClr val="tx1"/>
-        </a:fontRef>
-      </dsp:style>
-    </dsp:sp>
-    <dsp:sp modelId="{3D807FEC-5F41-45B9-B3B0-6C48F535CB2B}">
-      <dsp:nvSpPr>
-        <dsp:cNvPr id="0" name=""/>
-        <dsp:cNvSpPr/>
-      </dsp:nvSpPr>
-      <dsp:spPr>
-        <a:xfrm>
-          <a:off x="500295" y="3858518"/>
-          <a:ext cx="4345301" cy="771419"/>
-        </a:xfrm>
-        <a:prstGeom prst="rect">
-          <a:avLst/>
-        </a:prstGeom>
-        <a:noFill/>
-        <a:ln>
-          <a:noFill/>
-        </a:ln>
-        <a:effectLst/>
-      </dsp:spPr>
-      <dsp:style>
-        <a:lnRef idx="0">
-          <a:scrgbClr r="0" g="0" b="0"/>
-        </a:lnRef>
-        <a:fillRef idx="0">
-          <a:scrgbClr r="0" g="0" b="0"/>
-        </a:fillRef>
-        <a:effectRef idx="0">
-          <a:scrgbClr r="0" g="0" b="0"/>
-        </a:effectRef>
-        <a:fontRef idx="minor"/>
-      </dsp:style>
-      <dsp:txBody>
-        <a:bodyPr spcFirstLastPara="0" vert="horz" wrap="square" lIns="0" tIns="0" rIns="0" bIns="0" numCol="1" spcCol="1270" anchor="ctr" anchorCtr="0">
-          <a:noAutofit/>
-        </a:bodyPr>
-        <a:lstStyle/>
-        <a:p>
-          <a:pPr lvl="0" algn="l" defTabSz="1200150" rtl="0">
-            <a:lnSpc>
-              <a:spcPct val="90000"/>
-            </a:lnSpc>
-            <a:spcBef>
-              <a:spcPct val="0"/>
-            </a:spcBef>
-            <a:spcAft>
-              <a:spcPct val="35000"/>
-            </a:spcAft>
-          </a:pPr>
-          <a:r>
-            <a:rPr lang="en-US" sz="2700" b="1" kern="1200" dirty="0" smtClean="0">
-              <a:solidFill>
-                <a:schemeClr val="accent4">
-                  <a:lumMod val="50000"/>
-                </a:schemeClr>
-              </a:solidFill>
-            </a:rPr>
-            <a:t>Parallelization</a:t>
-          </a:r>
-          <a:endParaRPr lang="en-US" sz="2700" b="1" kern="1200" dirty="0">
-            <a:solidFill>
-              <a:schemeClr val="accent4">
-                <a:lumMod val="50000"/>
-              </a:schemeClr>
-            </a:solidFill>
-          </a:endParaRPr>
-        </a:p>
-      </dsp:txBody>
-      <dsp:txXfrm>
-        <a:off x="500295" y="3858518"/>
-        <a:ext cx="4345301" cy="771419"/>
-      </dsp:txXfrm>
-    </dsp:sp>
-    <dsp:sp modelId="{9B63CDD7-1E5F-4159-8758-F2D52869D0FE}">
-      <dsp:nvSpPr>
-        <dsp:cNvPr id="0" name=""/>
-        <dsp:cNvSpPr/>
-      </dsp:nvSpPr>
-      <dsp:spPr>
-        <a:xfrm>
-          <a:off x="136017" y="4629937"/>
-          <a:ext cx="814433" cy="771419"/>
-        </a:xfrm>
-        <a:prstGeom prst="ellipse">
-          <a:avLst/>
-        </a:prstGeom>
-        <a:solidFill>
-          <a:schemeClr val="accent2"/>
-        </a:solidFill>
-        <a:ln w="19050" cap="flat" cmpd="sng" algn="ctr">
-          <a:noFill/>
-          <a:prstDash val="solid"/>
-        </a:ln>
-        <a:effectLst/>
-      </dsp:spPr>
-      <dsp:style>
-        <a:lnRef idx="2">
-          <a:scrgbClr r="0" g="0" b="0"/>
-        </a:lnRef>
-        <a:fillRef idx="1">
-          <a:scrgbClr r="0" g="0" b="0"/>
-        </a:fillRef>
-        <a:effectRef idx="0">
-          <a:scrgbClr r="0" g="0" b="0"/>
-        </a:effectRef>
-        <a:fontRef idx="minor">
-          <a:schemeClr val="tx1"/>
-        </a:fontRef>
-      </dsp:style>
-    </dsp:sp>
-    <dsp:sp modelId="{7336C414-45B5-45BB-84AF-46370F92F60C}">
-      <dsp:nvSpPr>
-        <dsp:cNvPr id="0" name=""/>
-        <dsp:cNvSpPr/>
-      </dsp:nvSpPr>
-      <dsp:spPr>
-        <a:xfrm>
-          <a:off x="500295" y="4629937"/>
-          <a:ext cx="4345301" cy="771419"/>
-        </a:xfrm>
-        <a:prstGeom prst="rect">
-          <a:avLst/>
-        </a:prstGeom>
-        <a:noFill/>
-        <a:ln>
-          <a:noFill/>
-        </a:ln>
-        <a:effectLst/>
-      </dsp:spPr>
-      <dsp:style>
-        <a:lnRef idx="0">
-          <a:scrgbClr r="0" g="0" b="0"/>
-        </a:lnRef>
-        <a:fillRef idx="0">
-          <a:scrgbClr r="0" g="0" b="0"/>
-        </a:fillRef>
-        <a:effectRef idx="0">
-          <a:scrgbClr r="0" g="0" b="0"/>
-        </a:effectRef>
-        <a:fontRef idx="minor"/>
-      </dsp:style>
-      <dsp:txBody>
-        <a:bodyPr spcFirstLastPara="0" vert="horz" wrap="square" lIns="0" tIns="0" rIns="0" bIns="0" numCol="1" spcCol="1270" anchor="ctr" anchorCtr="0">
-          <a:noAutofit/>
-        </a:bodyPr>
-        <a:lstStyle/>
-        <a:p>
-          <a:pPr lvl="0" algn="l" defTabSz="1422400" rtl="0">
-            <a:lnSpc>
-              <a:spcPct val="90000"/>
-            </a:lnSpc>
-            <a:spcBef>
-              <a:spcPct val="0"/>
-            </a:spcBef>
-            <a:spcAft>
-              <a:spcPct val="35000"/>
-            </a:spcAft>
-          </a:pPr>
-          <a:r>
-            <a:rPr lang="en-US" sz="3200" b="1" kern="1200" dirty="0" smtClean="0">
-              <a:solidFill>
-                <a:schemeClr val="accent4">
-                  <a:lumMod val="50000"/>
-                </a:schemeClr>
-              </a:solidFill>
-            </a:rPr>
-            <a:t>Type Providers! </a:t>
-          </a:r>
-          <a:endParaRPr lang="en-US" sz="3200" b="1" kern="1200" dirty="0">
-            <a:solidFill>
-              <a:schemeClr val="accent4">
-                <a:lumMod val="50000"/>
-              </a:schemeClr>
-            </a:solidFill>
-          </a:endParaRPr>
-        </a:p>
-      </dsp:txBody>
-      <dsp:txXfrm>
-        <a:off x="500295" y="4629937"/>
-        <a:ext cx="4345301" cy="771419"/>
-      </dsp:txXfrm>
-    </dsp:sp>
   </dsp:spTree>
 </dsp:drawing>
 </file>
@@ -11177,8 +10414,8 @@
       </dsp:nvSpPr>
       <dsp:spPr>
         <a:xfrm>
-          <a:off x="188401" y="859391"/>
-          <a:ext cx="1538659" cy="1152169"/>
+          <a:off x="2868" y="859391"/>
+          <a:ext cx="1624317" cy="1152169"/>
         </a:xfrm>
         <a:prstGeom prst="roundRect">
           <a:avLst/>
@@ -11277,8 +10514,8 @@
         </a:p>
       </dsp:txBody>
       <dsp:txXfrm>
-        <a:off x="244645" y="915635"/>
-        <a:ext cx="1426171" cy="1039681"/>
+        <a:off x="59112" y="915635"/>
+        <a:ext cx="1511829" cy="1039681"/>
       </dsp:txXfrm>
     </dsp:sp>
     <dsp:sp modelId="{64B1E964-3DC6-4415-9A5E-A83325ACA918}">
@@ -11288,8 +10525,8 @@
       </dsp:nvSpPr>
       <dsp:spPr>
         <a:xfrm>
-          <a:off x="1914633" y="859391"/>
-          <a:ext cx="1072387" cy="1152169"/>
+          <a:off x="1825200" y="859391"/>
+          <a:ext cx="1132087" cy="1152169"/>
         </a:xfrm>
         <a:prstGeom prst="roundRect">
           <a:avLst/>
@@ -11388,8 +10625,8 @@
         </a:p>
       </dsp:txBody>
       <dsp:txXfrm>
-        <a:off x="1966983" y="911741"/>
-        <a:ext cx="967687" cy="1047469"/>
+        <a:off x="1880464" y="914655"/>
+        <a:ext cx="1021559" cy="1041641"/>
       </dsp:txXfrm>
     </dsp:sp>
     <dsp:sp modelId="{CD60A385-9B88-44DC-960E-2CDB3996E30E}">
@@ -11399,8 +10636,8 @@
       </dsp:nvSpPr>
       <dsp:spPr>
         <a:xfrm>
-          <a:off x="3174594" y="862445"/>
-          <a:ext cx="1832288" cy="1152169"/>
+          <a:off x="3155303" y="862445"/>
+          <a:ext cx="1934292" cy="1152169"/>
         </a:xfrm>
         <a:prstGeom prst="roundRect">
           <a:avLst/>
@@ -11499,8 +10736,8 @@
         </a:p>
       </dsp:txBody>
       <dsp:txXfrm>
-        <a:off x="3230838" y="918689"/>
-        <a:ext cx="1719800" cy="1039681"/>
+        <a:off x="3211547" y="918689"/>
+        <a:ext cx="1821804" cy="1039681"/>
       </dsp:txXfrm>
     </dsp:sp>
     <dsp:sp modelId="{A0DBA043-27DC-495C-B1C4-80BB13CF934D}">
@@ -11510,8 +10747,8 @@
       </dsp:nvSpPr>
       <dsp:spPr>
         <a:xfrm>
-          <a:off x="5194458" y="862445"/>
-          <a:ext cx="1481403" cy="1152169"/>
+          <a:off x="5287613" y="862445"/>
+          <a:ext cx="1563873" cy="1152169"/>
         </a:xfrm>
         <a:prstGeom prst="roundRect">
           <a:avLst/>
@@ -11610,8 +10847,8 @@
         </a:p>
       </dsp:txBody>
       <dsp:txXfrm>
-        <a:off x="5250702" y="918689"/>
-        <a:ext cx="1368915" cy="1039681"/>
+        <a:off x="5343857" y="918689"/>
+        <a:ext cx="1451385" cy="1039681"/>
       </dsp:txXfrm>
     </dsp:sp>
   </dsp:spTree>
@@ -14319,4440 +13556,6 @@
       <dsp:cNvGrpSpPr/>
     </dsp:nvGrpSpPr>
     <dsp:grpSpPr/>
-    <dsp:sp modelId="{752440A0-3DF6-4D6F-A607-CF9A844D3CB6}">
-      <dsp:nvSpPr>
-        <dsp:cNvPr id="0" name=""/>
-        <dsp:cNvSpPr/>
-      </dsp:nvSpPr>
-      <dsp:spPr>
-        <a:xfrm>
-          <a:off x="1598" y="2504304"/>
-          <a:ext cx="1419732" cy="1419732"/>
-        </a:xfrm>
-        <a:prstGeom prst="ellipse">
-          <a:avLst/>
-        </a:prstGeom>
-        <a:solidFill>
-          <a:schemeClr val="accent2"/>
-        </a:solidFill>
-        <a:ln w="19050" cap="flat" cmpd="sng" algn="ctr">
-          <a:solidFill>
-            <a:schemeClr val="lt1">
-              <a:hueOff val="0"/>
-              <a:satOff val="0"/>
-              <a:lumOff val="0"/>
-              <a:alphaOff val="0"/>
-            </a:schemeClr>
-          </a:solidFill>
-          <a:prstDash val="solid"/>
-        </a:ln>
-        <a:effectLst/>
-      </dsp:spPr>
-      <dsp:style>
-        <a:lnRef idx="2">
-          <a:scrgbClr r="0" g="0" b="0"/>
-        </a:lnRef>
-        <a:fillRef idx="1">
-          <a:scrgbClr r="0" g="0" b="0"/>
-        </a:fillRef>
-        <a:effectRef idx="0">
-          <a:scrgbClr r="0" g="0" b="0"/>
-        </a:effectRef>
-        <a:fontRef idx="minor">
-          <a:schemeClr val="lt1"/>
-        </a:fontRef>
-      </dsp:style>
-      <dsp:txBody>
-        <a:bodyPr spcFirstLastPara="0" vert="horz" wrap="square" lIns="0" tIns="0" rIns="0" bIns="0" numCol="1" spcCol="1270" anchor="ctr" anchorCtr="0">
-          <a:noAutofit/>
-        </a:bodyPr>
-        <a:lstStyle/>
-        <a:p>
-          <a:pPr lvl="0" algn="ctr" defTabSz="800100" rtl="0">
-            <a:lnSpc>
-              <a:spcPct val="90000"/>
-            </a:lnSpc>
-            <a:spcBef>
-              <a:spcPct val="0"/>
-            </a:spcBef>
-            <a:spcAft>
-              <a:spcPct val="35000"/>
-            </a:spcAft>
-          </a:pPr>
-          <a:r>
-            <a:rPr lang="en-US" sz="1800" b="1" kern="1200" dirty="0" smtClean="0"/>
-            <a:t>Get data from </a:t>
-          </a:r>
-          <a:endParaRPr lang="en-US" sz="1800" b="1" kern="1200" dirty="0"/>
-        </a:p>
-      </dsp:txBody>
-      <dsp:txXfrm>
-        <a:off x="209513" y="2712219"/>
-        <a:ext cx="1003902" cy="1003902"/>
-      </dsp:txXfrm>
-    </dsp:sp>
-    <dsp:sp modelId="{942F2F83-B542-450B-87AA-D917E960036B}">
-      <dsp:nvSpPr>
-        <dsp:cNvPr id="0" name=""/>
-        <dsp:cNvSpPr/>
-      </dsp:nvSpPr>
-      <dsp:spPr>
-        <a:xfrm rot="16729062">
-          <a:off x="521286" y="1842709"/>
-          <a:ext cx="2225583" cy="0"/>
-        </a:xfrm>
-        <a:custGeom>
-          <a:avLst/>
-          <a:gdLst/>
-          <a:ahLst/>
-          <a:cxnLst/>
-          <a:rect l="0" t="0" r="0" b="0"/>
-          <a:pathLst>
-            <a:path>
-              <a:moveTo>
-                <a:pt x="0" y="0"/>
-              </a:moveTo>
-              <a:lnTo>
-                <a:pt x="2225583" y="0"/>
-              </a:lnTo>
-            </a:path>
-          </a:pathLst>
-        </a:custGeom>
-        <a:noFill/>
-        <a:ln w="19050" cap="flat" cmpd="sng" algn="ctr">
-          <a:solidFill>
-            <a:schemeClr val="accent4">
-              <a:lumMod val="50000"/>
-            </a:schemeClr>
-          </a:solidFill>
-          <a:prstDash val="solid"/>
-        </a:ln>
-        <a:effectLst/>
-      </dsp:spPr>
-      <dsp:style>
-        <a:lnRef idx="2">
-          <a:scrgbClr r="0" g="0" b="0"/>
-        </a:lnRef>
-        <a:fillRef idx="0">
-          <a:scrgbClr r="0" g="0" b="0"/>
-        </a:fillRef>
-        <a:effectRef idx="0">
-          <a:scrgbClr r="0" g="0" b="0"/>
-        </a:effectRef>
-        <a:fontRef idx="minor"/>
-      </dsp:style>
-    </dsp:sp>
-    <dsp:sp modelId="{34EF5BBE-CDAB-4BCA-9D9E-F44B0C8297F9}">
-      <dsp:nvSpPr>
-        <dsp:cNvPr id="0" name=""/>
-        <dsp:cNvSpPr/>
-      </dsp:nvSpPr>
-      <dsp:spPr>
-        <a:xfrm rot="15670938">
-          <a:off x="2371056" y="1842709"/>
-          <a:ext cx="2225583" cy="0"/>
-        </a:xfrm>
-        <a:custGeom>
-          <a:avLst/>
-          <a:gdLst/>
-          <a:ahLst/>
-          <a:cxnLst/>
-          <a:rect l="0" t="0" r="0" b="0"/>
-          <a:pathLst>
-            <a:path>
-              <a:moveTo>
-                <a:pt x="0" y="0"/>
-              </a:moveTo>
-              <a:lnTo>
-                <a:pt x="2225583" y="0"/>
-              </a:lnTo>
-            </a:path>
-          </a:pathLst>
-        </a:custGeom>
-        <a:noFill/>
-        <a:ln w="19050" cap="flat" cmpd="sng" algn="ctr">
-          <a:solidFill>
-            <a:schemeClr val="accent4">
-              <a:lumMod val="50000"/>
-            </a:schemeClr>
-          </a:solidFill>
-          <a:prstDash val="solid"/>
-        </a:ln>
-        <a:effectLst/>
-      </dsp:spPr>
-      <dsp:style>
-        <a:lnRef idx="2">
-          <a:scrgbClr r="0" g="0" b="0"/>
-        </a:lnRef>
-        <a:fillRef idx="0">
-          <a:scrgbClr r="0" g="0" b="0"/>
-        </a:fillRef>
-        <a:effectRef idx="0">
-          <a:scrgbClr r="0" g="0" b="0"/>
-        </a:effectRef>
-        <a:fontRef idx="minor"/>
-      </dsp:style>
-    </dsp:sp>
-    <dsp:sp modelId="{7252D9E2-2A23-4BF0-9B1D-07EA5F2AB602}">
-      <dsp:nvSpPr>
-        <dsp:cNvPr id="0" name=""/>
-        <dsp:cNvSpPr/>
-      </dsp:nvSpPr>
-      <dsp:spPr>
-        <a:xfrm>
-          <a:off x="1804659" y="743070"/>
-          <a:ext cx="165946" cy="0"/>
-        </a:xfrm>
-        <a:prstGeom prst="line">
-          <a:avLst/>
-        </a:prstGeom>
-        <a:noFill/>
-        <a:ln w="19050" cap="flat" cmpd="sng" algn="ctr">
-          <a:solidFill>
-            <a:schemeClr val="accent4">
-              <a:lumMod val="50000"/>
-            </a:schemeClr>
-          </a:solidFill>
-          <a:prstDash val="solid"/>
-        </a:ln>
-        <a:effectLst/>
-      </dsp:spPr>
-      <dsp:style>
-        <a:lnRef idx="2">
-          <a:scrgbClr r="0" g="0" b="0"/>
-        </a:lnRef>
-        <a:fillRef idx="0">
-          <a:scrgbClr r="0" g="0" b="0"/>
-        </a:fillRef>
-        <a:effectRef idx="0">
-          <a:scrgbClr r="0" g="0" b="0"/>
-        </a:effectRef>
-        <a:fontRef idx="minor"/>
-      </dsp:style>
-    </dsp:sp>
-    <dsp:sp modelId="{0974E0EE-197E-46E7-AAEF-C4EE10C5D9B7}">
-      <dsp:nvSpPr>
-        <dsp:cNvPr id="0" name=""/>
-        <dsp:cNvSpPr/>
-      </dsp:nvSpPr>
-      <dsp:spPr>
-        <a:xfrm>
-          <a:off x="1970606" y="390055"/>
-          <a:ext cx="1176714" cy="706028"/>
-        </a:xfrm>
-        <a:prstGeom prst="rect">
-          <a:avLst/>
-        </a:prstGeom>
-        <a:noFill/>
-        <a:ln>
-          <a:noFill/>
-        </a:ln>
-        <a:effectLst/>
-        <a:sp3d/>
-      </dsp:spPr>
-      <dsp:style>
-        <a:lnRef idx="0">
-          <a:scrgbClr r="0" g="0" b="0"/>
-        </a:lnRef>
-        <a:fillRef idx="0">
-          <a:scrgbClr r="0" g="0" b="0"/>
-        </a:fillRef>
-        <a:effectRef idx="0">
-          <a:scrgbClr r="0" g="0" b="0"/>
-        </a:effectRef>
-        <a:fontRef idx="minor"/>
-      </dsp:style>
-      <dsp:txBody>
-        <a:bodyPr spcFirstLastPara="0" vert="horz" wrap="square" lIns="99568" tIns="99568" rIns="99568" bIns="99568" numCol="1" spcCol="1270" anchor="ctr" anchorCtr="0">
-          <a:noAutofit/>
-        </a:bodyPr>
-        <a:lstStyle/>
-        <a:p>
-          <a:pPr lvl="0" algn="ctr" defTabSz="622300" rtl="0">
-            <a:lnSpc>
-              <a:spcPct val="90000"/>
-            </a:lnSpc>
-            <a:spcBef>
-              <a:spcPct val="0"/>
-            </a:spcBef>
-            <a:spcAft>
-              <a:spcPct val="35000"/>
-            </a:spcAft>
-          </a:pPr>
-          <a:r>
-            <a:rPr lang="en-US" sz="1400" b="1" kern="1200" dirty="0" smtClean="0">
-              <a:solidFill>
-                <a:schemeClr val="accent4">
-                  <a:lumMod val="50000"/>
-                </a:schemeClr>
-              </a:solidFill>
-            </a:rPr>
-            <a:t>Hadoop </a:t>
-          </a:r>
-          <a:endParaRPr lang="en-US" sz="1400" b="1" kern="1200" dirty="0">
-            <a:solidFill>
-              <a:schemeClr val="accent4">
-                <a:lumMod val="50000"/>
-              </a:schemeClr>
-            </a:solidFill>
-          </a:endParaRPr>
-        </a:p>
-      </dsp:txBody>
-      <dsp:txXfrm>
-        <a:off x="1970606" y="390055"/>
-        <a:ext cx="1176714" cy="706028"/>
-      </dsp:txXfrm>
-    </dsp:sp>
-    <dsp:sp modelId="{2871E134-BC9C-4218-925B-074C08D7ACEA}">
-      <dsp:nvSpPr>
-        <dsp:cNvPr id="0" name=""/>
-        <dsp:cNvSpPr/>
-      </dsp:nvSpPr>
-      <dsp:spPr>
-        <a:xfrm>
-          <a:off x="3147320" y="743070"/>
-          <a:ext cx="165946" cy="0"/>
-        </a:xfrm>
-        <a:prstGeom prst="line">
-          <a:avLst/>
-        </a:prstGeom>
-        <a:noFill/>
-        <a:ln w="19050" cap="flat" cmpd="sng" algn="ctr">
-          <a:solidFill>
-            <a:schemeClr val="accent4">
-              <a:lumMod val="50000"/>
-            </a:schemeClr>
-          </a:solidFill>
-          <a:prstDash val="solid"/>
-        </a:ln>
-        <a:effectLst/>
-      </dsp:spPr>
-      <dsp:style>
-        <a:lnRef idx="2">
-          <a:scrgbClr r="0" g="0" b="0"/>
-        </a:lnRef>
-        <a:fillRef idx="0">
-          <a:scrgbClr r="0" g="0" b="0"/>
-        </a:fillRef>
-        <a:effectRef idx="0">
-          <a:scrgbClr r="0" g="0" b="0"/>
-        </a:effectRef>
-        <a:fontRef idx="minor"/>
-      </dsp:style>
-    </dsp:sp>
-    <dsp:sp modelId="{C2E23544-0430-4A5E-92C8-84E101C567AB}">
-      <dsp:nvSpPr>
-        <dsp:cNvPr id="0" name=""/>
-        <dsp:cNvSpPr/>
-      </dsp:nvSpPr>
-      <dsp:spPr>
-        <a:xfrm rot="16935173">
-          <a:off x="830312" y="2234555"/>
-          <a:ext cx="1607532" cy="0"/>
-        </a:xfrm>
-        <a:custGeom>
-          <a:avLst/>
-          <a:gdLst/>
-          <a:ahLst/>
-          <a:cxnLst/>
-          <a:rect l="0" t="0" r="0" b="0"/>
-          <a:pathLst>
-            <a:path>
-              <a:moveTo>
-                <a:pt x="0" y="0"/>
-              </a:moveTo>
-              <a:lnTo>
-                <a:pt x="1607532" y="0"/>
-              </a:lnTo>
-            </a:path>
-          </a:pathLst>
-        </a:custGeom>
-        <a:noFill/>
-        <a:ln w="19050" cap="flat" cmpd="sng" algn="ctr">
-          <a:solidFill>
-            <a:schemeClr val="accent4">
-              <a:lumMod val="50000"/>
-            </a:schemeClr>
-          </a:solidFill>
-          <a:prstDash val="solid"/>
-        </a:ln>
-        <a:effectLst/>
-      </dsp:spPr>
-      <dsp:style>
-        <a:lnRef idx="2">
-          <a:scrgbClr r="0" g="0" b="0"/>
-        </a:lnRef>
-        <a:fillRef idx="0">
-          <a:scrgbClr r="0" g="0" b="0"/>
-        </a:fillRef>
-        <a:effectRef idx="0">
-          <a:scrgbClr r="0" g="0" b="0"/>
-        </a:effectRef>
-        <a:fontRef idx="minor"/>
-      </dsp:style>
-    </dsp:sp>
-    <dsp:sp modelId="{535FC9F5-974B-4885-9026-EEA1269D15A8}">
-      <dsp:nvSpPr>
-        <dsp:cNvPr id="0" name=""/>
-        <dsp:cNvSpPr/>
-      </dsp:nvSpPr>
-      <dsp:spPr>
-        <a:xfrm rot="15464827">
-          <a:off x="2680082" y="2234555"/>
-          <a:ext cx="1607532" cy="0"/>
-        </a:xfrm>
-        <a:custGeom>
-          <a:avLst/>
-          <a:gdLst/>
-          <a:ahLst/>
-          <a:cxnLst/>
-          <a:rect l="0" t="0" r="0" b="0"/>
-          <a:pathLst>
-            <a:path>
-              <a:moveTo>
-                <a:pt x="0" y="0"/>
-              </a:moveTo>
-              <a:lnTo>
-                <a:pt x="1607532" y="0"/>
-              </a:lnTo>
-            </a:path>
-          </a:pathLst>
-        </a:custGeom>
-        <a:noFill/>
-        <a:ln w="19050" cap="flat" cmpd="sng" algn="ctr">
-          <a:solidFill>
-            <a:schemeClr val="accent4">
-              <a:lumMod val="50000"/>
-            </a:schemeClr>
-          </a:solidFill>
-          <a:prstDash val="solid"/>
-        </a:ln>
-        <a:effectLst/>
-      </dsp:spPr>
-      <dsp:style>
-        <a:lnRef idx="2">
-          <a:scrgbClr r="0" g="0" b="0"/>
-        </a:lnRef>
-        <a:fillRef idx="0">
-          <a:scrgbClr r="0" g="0" b="0"/>
-        </a:fillRef>
-        <a:effectRef idx="0">
-          <a:scrgbClr r="0" g="0" b="0"/>
-        </a:effectRef>
-        <a:fontRef idx="minor"/>
-      </dsp:style>
-    </dsp:sp>
-    <dsp:sp modelId="{2E5C7773-E28D-426D-BB69-5163C3AFDBBE}">
-      <dsp:nvSpPr>
-        <dsp:cNvPr id="0" name=""/>
-        <dsp:cNvSpPr/>
-      </dsp:nvSpPr>
-      <dsp:spPr>
-        <a:xfrm>
-          <a:off x="1804659" y="1449098"/>
-          <a:ext cx="165946" cy="0"/>
-        </a:xfrm>
-        <a:prstGeom prst="line">
-          <a:avLst/>
-        </a:prstGeom>
-        <a:noFill/>
-        <a:ln w="19050" cap="flat" cmpd="sng" algn="ctr">
-          <a:solidFill>
-            <a:schemeClr val="accent4">
-              <a:lumMod val="50000"/>
-            </a:schemeClr>
-          </a:solidFill>
-          <a:prstDash val="solid"/>
-        </a:ln>
-        <a:effectLst/>
-      </dsp:spPr>
-      <dsp:style>
-        <a:lnRef idx="2">
-          <a:scrgbClr r="0" g="0" b="0"/>
-        </a:lnRef>
-        <a:fillRef idx="0">
-          <a:scrgbClr r="0" g="0" b="0"/>
-        </a:fillRef>
-        <a:effectRef idx="0">
-          <a:scrgbClr r="0" g="0" b="0"/>
-        </a:effectRef>
-        <a:fontRef idx="minor"/>
-      </dsp:style>
-    </dsp:sp>
-    <dsp:sp modelId="{FAE639A6-974B-416A-A0F6-C434B49BD7C5}">
-      <dsp:nvSpPr>
-        <dsp:cNvPr id="0" name=""/>
-        <dsp:cNvSpPr/>
-      </dsp:nvSpPr>
-      <dsp:spPr>
-        <a:xfrm>
-          <a:off x="1970606" y="1096084"/>
-          <a:ext cx="1176714" cy="706028"/>
-        </a:xfrm>
-        <a:prstGeom prst="rect">
-          <a:avLst/>
-        </a:prstGeom>
-        <a:noFill/>
-        <a:ln>
-          <a:noFill/>
-        </a:ln>
-        <a:effectLst/>
-        <a:sp3d/>
-      </dsp:spPr>
-      <dsp:style>
-        <a:lnRef idx="0">
-          <a:scrgbClr r="0" g="0" b="0"/>
-        </a:lnRef>
-        <a:fillRef idx="0">
-          <a:scrgbClr r="0" g="0" b="0"/>
-        </a:fillRef>
-        <a:effectRef idx="0">
-          <a:scrgbClr r="0" g="0" b="0"/>
-        </a:effectRef>
-        <a:fontRef idx="minor"/>
-      </dsp:style>
-      <dsp:txBody>
-        <a:bodyPr spcFirstLastPara="0" vert="horz" wrap="square" lIns="99568" tIns="99568" rIns="99568" bIns="99568" numCol="1" spcCol="1270" anchor="ctr" anchorCtr="0">
-          <a:noAutofit/>
-        </a:bodyPr>
-        <a:lstStyle/>
-        <a:p>
-          <a:pPr lvl="0" algn="ctr" defTabSz="622300" rtl="0">
-            <a:lnSpc>
-              <a:spcPct val="90000"/>
-            </a:lnSpc>
-            <a:spcBef>
-              <a:spcPct val="0"/>
-            </a:spcBef>
-            <a:spcAft>
-              <a:spcPct val="35000"/>
-            </a:spcAft>
-          </a:pPr>
-          <a:r>
-            <a:rPr lang="en-US" sz="1400" b="1" kern="1200" dirty="0" smtClean="0">
-              <a:solidFill>
-                <a:schemeClr val="accent4">
-                  <a:lumMod val="50000"/>
-                </a:schemeClr>
-              </a:solidFill>
-            </a:rPr>
-            <a:t>SQL Server</a:t>
-          </a:r>
-          <a:endParaRPr lang="en-US" sz="1400" b="1" kern="1200" dirty="0">
-            <a:solidFill>
-              <a:schemeClr val="accent4">
-                <a:lumMod val="50000"/>
-              </a:schemeClr>
-            </a:solidFill>
-          </a:endParaRPr>
-        </a:p>
-      </dsp:txBody>
-      <dsp:txXfrm>
-        <a:off x="1970606" y="1096084"/>
-        <a:ext cx="1176714" cy="706028"/>
-      </dsp:txXfrm>
-    </dsp:sp>
-    <dsp:sp modelId="{EDDDD4A5-D902-4474-B9A2-E022FD77356B}">
-      <dsp:nvSpPr>
-        <dsp:cNvPr id="0" name=""/>
-        <dsp:cNvSpPr/>
-      </dsp:nvSpPr>
-      <dsp:spPr>
-        <a:xfrm>
-          <a:off x="3147320" y="1449098"/>
-          <a:ext cx="165946" cy="0"/>
-        </a:xfrm>
-        <a:prstGeom prst="line">
-          <a:avLst/>
-        </a:prstGeom>
-        <a:noFill/>
-        <a:ln w="19050" cap="flat" cmpd="sng" algn="ctr">
-          <a:solidFill>
-            <a:schemeClr val="accent4">
-              <a:lumMod val="50000"/>
-            </a:schemeClr>
-          </a:solidFill>
-          <a:prstDash val="solid"/>
-        </a:ln>
-        <a:effectLst/>
-      </dsp:spPr>
-      <dsp:style>
-        <a:lnRef idx="2">
-          <a:scrgbClr r="0" g="0" b="0"/>
-        </a:lnRef>
-        <a:fillRef idx="0">
-          <a:scrgbClr r="0" g="0" b="0"/>
-        </a:fillRef>
-        <a:effectRef idx="0">
-          <a:scrgbClr r="0" g="0" b="0"/>
-        </a:effectRef>
-        <a:fontRef idx="minor"/>
-      </dsp:style>
-    </dsp:sp>
-    <dsp:sp modelId="{5D310087-83B3-4F0A-A8A5-EFA6C0E753E4}">
-      <dsp:nvSpPr>
-        <dsp:cNvPr id="0" name=""/>
-        <dsp:cNvSpPr/>
-      </dsp:nvSpPr>
-      <dsp:spPr>
-        <a:xfrm rot="17393884">
-          <a:off x="1132882" y="2626401"/>
-          <a:ext cx="1002391" cy="0"/>
-        </a:xfrm>
-        <a:custGeom>
-          <a:avLst/>
-          <a:gdLst/>
-          <a:ahLst/>
-          <a:cxnLst/>
-          <a:rect l="0" t="0" r="0" b="0"/>
-          <a:pathLst>
-            <a:path>
-              <a:moveTo>
-                <a:pt x="0" y="0"/>
-              </a:moveTo>
-              <a:lnTo>
-                <a:pt x="1002391" y="0"/>
-              </a:lnTo>
-            </a:path>
-          </a:pathLst>
-        </a:custGeom>
-        <a:noFill/>
-        <a:ln w="19050" cap="flat" cmpd="sng" algn="ctr">
-          <a:solidFill>
-            <a:schemeClr val="accent4">
-              <a:lumMod val="50000"/>
-            </a:schemeClr>
-          </a:solidFill>
-          <a:prstDash val="solid"/>
-        </a:ln>
-        <a:effectLst/>
-      </dsp:spPr>
-      <dsp:style>
-        <a:lnRef idx="2">
-          <a:scrgbClr r="0" g="0" b="0"/>
-        </a:lnRef>
-        <a:fillRef idx="0">
-          <a:scrgbClr r="0" g="0" b="0"/>
-        </a:fillRef>
-        <a:effectRef idx="0">
-          <a:scrgbClr r="0" g="0" b="0"/>
-        </a:effectRef>
-        <a:fontRef idx="minor"/>
-      </dsp:style>
-    </dsp:sp>
-    <dsp:sp modelId="{7C7AE3FF-4890-4434-B653-C82558B76E55}">
-      <dsp:nvSpPr>
-        <dsp:cNvPr id="0" name=""/>
-        <dsp:cNvSpPr/>
-      </dsp:nvSpPr>
-      <dsp:spPr>
-        <a:xfrm rot="15006116">
-          <a:off x="2982652" y="2626401"/>
-          <a:ext cx="1002391" cy="0"/>
-        </a:xfrm>
-        <a:custGeom>
-          <a:avLst/>
-          <a:gdLst/>
-          <a:ahLst/>
-          <a:cxnLst/>
-          <a:rect l="0" t="0" r="0" b="0"/>
-          <a:pathLst>
-            <a:path>
-              <a:moveTo>
-                <a:pt x="0" y="0"/>
-              </a:moveTo>
-              <a:lnTo>
-                <a:pt x="1002391" y="0"/>
-              </a:lnTo>
-            </a:path>
-          </a:pathLst>
-        </a:custGeom>
-        <a:noFill/>
-        <a:ln w="19050" cap="flat" cmpd="sng" algn="ctr">
-          <a:solidFill>
-            <a:schemeClr val="accent4">
-              <a:lumMod val="50000"/>
-            </a:schemeClr>
-          </a:solidFill>
-          <a:prstDash val="solid"/>
-        </a:ln>
-        <a:effectLst/>
-      </dsp:spPr>
-      <dsp:style>
-        <a:lnRef idx="2">
-          <a:scrgbClr r="0" g="0" b="0"/>
-        </a:lnRef>
-        <a:fillRef idx="0">
-          <a:scrgbClr r="0" g="0" b="0"/>
-        </a:fillRef>
-        <a:effectRef idx="0">
-          <a:scrgbClr r="0" g="0" b="0"/>
-        </a:effectRef>
-        <a:fontRef idx="minor"/>
-      </dsp:style>
-    </dsp:sp>
-    <dsp:sp modelId="{085DCA8A-DE60-4FBC-8E66-F7A9D7ADD4E6}">
-      <dsp:nvSpPr>
-        <dsp:cNvPr id="0" name=""/>
-        <dsp:cNvSpPr/>
-      </dsp:nvSpPr>
-      <dsp:spPr>
-        <a:xfrm>
-          <a:off x="1804659" y="2155127"/>
-          <a:ext cx="165946" cy="0"/>
-        </a:xfrm>
-        <a:prstGeom prst="line">
-          <a:avLst/>
-        </a:prstGeom>
-        <a:noFill/>
-        <a:ln w="19050" cap="flat" cmpd="sng" algn="ctr">
-          <a:solidFill>
-            <a:schemeClr val="accent4">
-              <a:lumMod val="50000"/>
-            </a:schemeClr>
-          </a:solidFill>
-          <a:prstDash val="solid"/>
-        </a:ln>
-        <a:effectLst/>
-      </dsp:spPr>
-      <dsp:style>
-        <a:lnRef idx="2">
-          <a:scrgbClr r="0" g="0" b="0"/>
-        </a:lnRef>
-        <a:fillRef idx="0">
-          <a:scrgbClr r="0" g="0" b="0"/>
-        </a:fillRef>
-        <a:effectRef idx="0">
-          <a:scrgbClr r="0" g="0" b="0"/>
-        </a:effectRef>
-        <a:fontRef idx="minor"/>
-      </dsp:style>
-    </dsp:sp>
-    <dsp:sp modelId="{7482445F-7F6C-4933-B758-71F4EC3AAC5F}">
-      <dsp:nvSpPr>
-        <dsp:cNvPr id="0" name=""/>
-        <dsp:cNvSpPr/>
-      </dsp:nvSpPr>
-      <dsp:spPr>
-        <a:xfrm>
-          <a:off x="1970606" y="1802113"/>
-          <a:ext cx="1176714" cy="706028"/>
-        </a:xfrm>
-        <a:prstGeom prst="rect">
-          <a:avLst/>
-        </a:prstGeom>
-        <a:noFill/>
-        <a:ln>
-          <a:noFill/>
-        </a:ln>
-        <a:effectLst/>
-        <a:sp3d/>
-      </dsp:spPr>
-      <dsp:style>
-        <a:lnRef idx="0">
-          <a:scrgbClr r="0" g="0" b="0"/>
-        </a:lnRef>
-        <a:fillRef idx="0">
-          <a:scrgbClr r="0" g="0" b="0"/>
-        </a:fillRef>
-        <a:effectRef idx="0">
-          <a:scrgbClr r="0" g="0" b="0"/>
-        </a:effectRef>
-        <a:fontRef idx="minor"/>
-      </dsp:style>
-      <dsp:txBody>
-        <a:bodyPr spcFirstLastPara="0" vert="horz" wrap="square" lIns="99568" tIns="99568" rIns="99568" bIns="99568" numCol="1" spcCol="1270" anchor="ctr" anchorCtr="0">
-          <a:noAutofit/>
-        </a:bodyPr>
-        <a:lstStyle/>
-        <a:p>
-          <a:pPr lvl="0" algn="ctr" defTabSz="622300" rtl="0">
-            <a:lnSpc>
-              <a:spcPct val="90000"/>
-            </a:lnSpc>
-            <a:spcBef>
-              <a:spcPct val="0"/>
-            </a:spcBef>
-            <a:spcAft>
-              <a:spcPct val="35000"/>
-            </a:spcAft>
-          </a:pPr>
-          <a:r>
-            <a:rPr lang="en-US" sz="1400" b="1" kern="1200" dirty="0" smtClean="0">
-              <a:solidFill>
-                <a:schemeClr val="accent4">
-                  <a:lumMod val="50000"/>
-                </a:schemeClr>
-              </a:solidFill>
-            </a:rPr>
-            <a:t>RSS</a:t>
-          </a:r>
-          <a:endParaRPr lang="en-US" sz="1400" b="1" kern="1200" dirty="0">
-            <a:solidFill>
-              <a:schemeClr val="accent4">
-                <a:lumMod val="50000"/>
-              </a:schemeClr>
-            </a:solidFill>
-          </a:endParaRPr>
-        </a:p>
-      </dsp:txBody>
-      <dsp:txXfrm>
-        <a:off x="1970606" y="1802113"/>
-        <a:ext cx="1176714" cy="706028"/>
-      </dsp:txXfrm>
-    </dsp:sp>
-    <dsp:sp modelId="{00464818-5695-499D-9C30-E83C17D66060}">
-      <dsp:nvSpPr>
-        <dsp:cNvPr id="0" name=""/>
-        <dsp:cNvSpPr/>
-      </dsp:nvSpPr>
-      <dsp:spPr>
-        <a:xfrm>
-          <a:off x="3147320" y="2155127"/>
-          <a:ext cx="165946" cy="0"/>
-        </a:xfrm>
-        <a:prstGeom prst="line">
-          <a:avLst/>
-        </a:prstGeom>
-        <a:noFill/>
-        <a:ln w="19050" cap="flat" cmpd="sng" algn="ctr">
-          <a:solidFill>
-            <a:schemeClr val="accent4">
-              <a:lumMod val="50000"/>
-            </a:schemeClr>
-          </a:solidFill>
-          <a:prstDash val="solid"/>
-        </a:ln>
-        <a:effectLst/>
-      </dsp:spPr>
-      <dsp:style>
-        <a:lnRef idx="2">
-          <a:scrgbClr r="0" g="0" b="0"/>
-        </a:lnRef>
-        <a:fillRef idx="0">
-          <a:scrgbClr r="0" g="0" b="0"/>
-        </a:fillRef>
-        <a:effectRef idx="0">
-          <a:scrgbClr r="0" g="0" b="0"/>
-        </a:effectRef>
-        <a:fontRef idx="minor"/>
-      </dsp:style>
-    </dsp:sp>
-    <dsp:sp modelId="{263C3133-C796-4F03-9601-89A19E55D668}">
-      <dsp:nvSpPr>
-        <dsp:cNvPr id="0" name=""/>
-        <dsp:cNvSpPr/>
-      </dsp:nvSpPr>
-      <dsp:spPr>
-        <a:xfrm rot="19041445">
-          <a:off x="1402182" y="3018247"/>
-          <a:ext cx="463791" cy="0"/>
-        </a:xfrm>
-        <a:custGeom>
-          <a:avLst/>
-          <a:gdLst/>
-          <a:ahLst/>
-          <a:cxnLst/>
-          <a:rect l="0" t="0" r="0" b="0"/>
-          <a:pathLst>
-            <a:path>
-              <a:moveTo>
-                <a:pt x="0" y="0"/>
-              </a:moveTo>
-              <a:lnTo>
-                <a:pt x="463791" y="0"/>
-              </a:lnTo>
-            </a:path>
-          </a:pathLst>
-        </a:custGeom>
-        <a:noFill/>
-        <a:ln w="19050" cap="flat" cmpd="sng" algn="ctr">
-          <a:solidFill>
-            <a:schemeClr val="accent4">
-              <a:lumMod val="50000"/>
-            </a:schemeClr>
-          </a:solidFill>
-          <a:prstDash val="solid"/>
-        </a:ln>
-        <a:effectLst/>
-      </dsp:spPr>
-      <dsp:style>
-        <a:lnRef idx="2">
-          <a:scrgbClr r="0" g="0" b="0"/>
-        </a:lnRef>
-        <a:fillRef idx="0">
-          <a:scrgbClr r="0" g="0" b="0"/>
-        </a:fillRef>
-        <a:effectRef idx="0">
-          <a:scrgbClr r="0" g="0" b="0"/>
-        </a:effectRef>
-        <a:fontRef idx="minor"/>
-      </dsp:style>
-    </dsp:sp>
-    <dsp:sp modelId="{AF45C643-29D5-4CEA-A90B-7C3C47C4A47A}">
-      <dsp:nvSpPr>
-        <dsp:cNvPr id="0" name=""/>
-        <dsp:cNvSpPr/>
-      </dsp:nvSpPr>
-      <dsp:spPr>
-        <a:xfrm rot="13358555">
-          <a:off x="3251952" y="3018247"/>
-          <a:ext cx="463791" cy="0"/>
-        </a:xfrm>
-        <a:custGeom>
-          <a:avLst/>
-          <a:gdLst/>
-          <a:ahLst/>
-          <a:cxnLst/>
-          <a:rect l="0" t="0" r="0" b="0"/>
-          <a:pathLst>
-            <a:path>
-              <a:moveTo>
-                <a:pt x="0" y="0"/>
-              </a:moveTo>
-              <a:lnTo>
-                <a:pt x="463791" y="0"/>
-              </a:lnTo>
-            </a:path>
-          </a:pathLst>
-        </a:custGeom>
-        <a:noFill/>
-        <a:ln w="19050" cap="flat" cmpd="sng" algn="ctr">
-          <a:solidFill>
-            <a:schemeClr val="accent4">
-              <a:lumMod val="50000"/>
-            </a:schemeClr>
-          </a:solidFill>
-          <a:prstDash val="solid"/>
-        </a:ln>
-        <a:effectLst/>
-      </dsp:spPr>
-      <dsp:style>
-        <a:lnRef idx="2">
-          <a:scrgbClr r="0" g="0" b="0"/>
-        </a:lnRef>
-        <a:fillRef idx="0">
-          <a:scrgbClr r="0" g="0" b="0"/>
-        </a:fillRef>
-        <a:effectRef idx="0">
-          <a:scrgbClr r="0" g="0" b="0"/>
-        </a:effectRef>
-        <a:fontRef idx="minor"/>
-      </dsp:style>
-    </dsp:sp>
-    <dsp:sp modelId="{084BD04E-E6FF-48DC-8E11-D91B6D91CD16}">
-      <dsp:nvSpPr>
-        <dsp:cNvPr id="0" name=""/>
-        <dsp:cNvSpPr/>
-      </dsp:nvSpPr>
-      <dsp:spPr>
-        <a:xfrm>
-          <a:off x="1804659" y="2861156"/>
-          <a:ext cx="165946" cy="0"/>
-        </a:xfrm>
-        <a:prstGeom prst="line">
-          <a:avLst/>
-        </a:prstGeom>
-        <a:noFill/>
-        <a:ln w="19050" cap="flat" cmpd="sng" algn="ctr">
-          <a:solidFill>
-            <a:schemeClr val="accent4">
-              <a:lumMod val="50000"/>
-            </a:schemeClr>
-          </a:solidFill>
-          <a:prstDash val="solid"/>
-        </a:ln>
-        <a:effectLst/>
-      </dsp:spPr>
-      <dsp:style>
-        <a:lnRef idx="2">
-          <a:scrgbClr r="0" g="0" b="0"/>
-        </a:lnRef>
-        <a:fillRef idx="0">
-          <a:scrgbClr r="0" g="0" b="0"/>
-        </a:fillRef>
-        <a:effectRef idx="0">
-          <a:scrgbClr r="0" g="0" b="0"/>
-        </a:effectRef>
-        <a:fontRef idx="minor"/>
-      </dsp:style>
-    </dsp:sp>
-    <dsp:sp modelId="{34E5B896-2B84-4236-B8FB-B24B86DAD3B1}">
-      <dsp:nvSpPr>
-        <dsp:cNvPr id="0" name=""/>
-        <dsp:cNvSpPr/>
-      </dsp:nvSpPr>
-      <dsp:spPr>
-        <a:xfrm>
-          <a:off x="1970606" y="2508141"/>
-          <a:ext cx="1176714" cy="706028"/>
-        </a:xfrm>
-        <a:prstGeom prst="rect">
-          <a:avLst/>
-        </a:prstGeom>
-        <a:noFill/>
-        <a:ln>
-          <a:noFill/>
-        </a:ln>
-        <a:effectLst/>
-        <a:sp3d/>
-      </dsp:spPr>
-      <dsp:style>
-        <a:lnRef idx="0">
-          <a:scrgbClr r="0" g="0" b="0"/>
-        </a:lnRef>
-        <a:fillRef idx="0">
-          <a:scrgbClr r="0" g="0" b="0"/>
-        </a:fillRef>
-        <a:effectRef idx="0">
-          <a:scrgbClr r="0" g="0" b="0"/>
-        </a:effectRef>
-        <a:fontRef idx="minor"/>
-      </dsp:style>
-      <dsp:txBody>
-        <a:bodyPr spcFirstLastPara="0" vert="horz" wrap="square" lIns="99568" tIns="99568" rIns="99568" bIns="99568" numCol="1" spcCol="1270" anchor="ctr" anchorCtr="0">
-          <a:noAutofit/>
-        </a:bodyPr>
-        <a:lstStyle/>
-        <a:p>
-          <a:pPr lvl="0" algn="ctr" defTabSz="622300" rtl="0">
-            <a:lnSpc>
-              <a:spcPct val="90000"/>
-            </a:lnSpc>
-            <a:spcBef>
-              <a:spcPct val="0"/>
-            </a:spcBef>
-            <a:spcAft>
-              <a:spcPct val="35000"/>
-            </a:spcAft>
-          </a:pPr>
-          <a:r>
-            <a:rPr lang="en-US" sz="1400" b="1" kern="1200" dirty="0" smtClean="0">
-              <a:solidFill>
-                <a:schemeClr val="accent4">
-                  <a:lumMod val="50000"/>
-                </a:schemeClr>
-              </a:solidFill>
-            </a:rPr>
-            <a:t>Freebase</a:t>
-          </a:r>
-          <a:endParaRPr lang="en-US" sz="1400" b="1" kern="1200" dirty="0">
-            <a:solidFill>
-              <a:schemeClr val="accent4">
-                <a:lumMod val="50000"/>
-              </a:schemeClr>
-            </a:solidFill>
-          </a:endParaRPr>
-        </a:p>
-      </dsp:txBody>
-      <dsp:txXfrm>
-        <a:off x="1970606" y="2508141"/>
-        <a:ext cx="1176714" cy="706028"/>
-      </dsp:txXfrm>
-    </dsp:sp>
-    <dsp:sp modelId="{3F774837-5289-485E-8A4B-1F01C2D379B4}">
-      <dsp:nvSpPr>
-        <dsp:cNvPr id="0" name=""/>
-        <dsp:cNvSpPr/>
-      </dsp:nvSpPr>
-      <dsp:spPr>
-        <a:xfrm>
-          <a:off x="3147320" y="2861156"/>
-          <a:ext cx="165946" cy="0"/>
-        </a:xfrm>
-        <a:prstGeom prst="line">
-          <a:avLst/>
-        </a:prstGeom>
-        <a:noFill/>
-        <a:ln w="19050" cap="flat" cmpd="sng" algn="ctr">
-          <a:solidFill>
-            <a:schemeClr val="accent4">
-              <a:lumMod val="50000"/>
-            </a:schemeClr>
-          </a:solidFill>
-          <a:prstDash val="solid"/>
-        </a:ln>
-        <a:effectLst/>
-      </dsp:spPr>
-      <dsp:style>
-        <a:lnRef idx="2">
-          <a:scrgbClr r="0" g="0" b="0"/>
-        </a:lnRef>
-        <a:fillRef idx="0">
-          <a:scrgbClr r="0" g="0" b="0"/>
-        </a:fillRef>
-        <a:effectRef idx="0">
-          <a:scrgbClr r="0" g="0" b="0"/>
-        </a:effectRef>
-        <a:fontRef idx="minor"/>
-      </dsp:style>
-    </dsp:sp>
-    <dsp:sp modelId="{6C222AC5-33D5-4EBB-9F3B-F5E4BE8D027E}">
-      <dsp:nvSpPr>
-        <dsp:cNvPr id="0" name=""/>
-        <dsp:cNvSpPr/>
-      </dsp:nvSpPr>
-      <dsp:spPr>
-        <a:xfrm rot="2558555">
-          <a:off x="1402182" y="3410093"/>
-          <a:ext cx="463791" cy="0"/>
-        </a:xfrm>
-        <a:custGeom>
-          <a:avLst/>
-          <a:gdLst/>
-          <a:ahLst/>
-          <a:cxnLst/>
-          <a:rect l="0" t="0" r="0" b="0"/>
-          <a:pathLst>
-            <a:path>
-              <a:moveTo>
-                <a:pt x="0" y="0"/>
-              </a:moveTo>
-              <a:lnTo>
-                <a:pt x="463791" y="0"/>
-              </a:lnTo>
-            </a:path>
-          </a:pathLst>
-        </a:custGeom>
-        <a:noFill/>
-        <a:ln w="19050" cap="flat" cmpd="sng" algn="ctr">
-          <a:solidFill>
-            <a:schemeClr val="accent4">
-              <a:lumMod val="50000"/>
-            </a:schemeClr>
-          </a:solidFill>
-          <a:prstDash val="solid"/>
-        </a:ln>
-        <a:effectLst/>
-      </dsp:spPr>
-      <dsp:style>
-        <a:lnRef idx="2">
-          <a:scrgbClr r="0" g="0" b="0"/>
-        </a:lnRef>
-        <a:fillRef idx="0">
-          <a:scrgbClr r="0" g="0" b="0"/>
-        </a:fillRef>
-        <a:effectRef idx="0">
-          <a:scrgbClr r="0" g="0" b="0"/>
-        </a:effectRef>
-        <a:fontRef idx="minor"/>
-      </dsp:style>
-    </dsp:sp>
-    <dsp:sp modelId="{001A2D7C-12E8-419A-BCBE-94084E74FFE3}">
-      <dsp:nvSpPr>
-        <dsp:cNvPr id="0" name=""/>
-        <dsp:cNvSpPr/>
-      </dsp:nvSpPr>
-      <dsp:spPr>
-        <a:xfrm rot="8241445">
-          <a:off x="3251952" y="3410093"/>
-          <a:ext cx="463791" cy="0"/>
-        </a:xfrm>
-        <a:custGeom>
-          <a:avLst/>
-          <a:gdLst/>
-          <a:ahLst/>
-          <a:cxnLst/>
-          <a:rect l="0" t="0" r="0" b="0"/>
-          <a:pathLst>
-            <a:path>
-              <a:moveTo>
-                <a:pt x="0" y="0"/>
-              </a:moveTo>
-              <a:lnTo>
-                <a:pt x="463791" y="0"/>
-              </a:lnTo>
-            </a:path>
-          </a:pathLst>
-        </a:custGeom>
-        <a:noFill/>
-        <a:ln w="19050" cap="flat" cmpd="sng" algn="ctr">
-          <a:solidFill>
-            <a:schemeClr val="accent4">
-              <a:lumMod val="50000"/>
-            </a:schemeClr>
-          </a:solidFill>
-          <a:prstDash val="solid"/>
-        </a:ln>
-        <a:effectLst/>
-      </dsp:spPr>
-      <dsp:style>
-        <a:lnRef idx="2">
-          <a:scrgbClr r="0" g="0" b="0"/>
-        </a:lnRef>
-        <a:fillRef idx="0">
-          <a:scrgbClr r="0" g="0" b="0"/>
-        </a:fillRef>
-        <a:effectRef idx="0">
-          <a:scrgbClr r="0" g="0" b="0"/>
-        </a:effectRef>
-        <a:fontRef idx="minor"/>
-      </dsp:style>
-    </dsp:sp>
-    <dsp:sp modelId="{BB1E9E71-D59E-4D80-A64F-A6432BB61290}">
-      <dsp:nvSpPr>
-        <dsp:cNvPr id="0" name=""/>
-        <dsp:cNvSpPr/>
-      </dsp:nvSpPr>
-      <dsp:spPr>
-        <a:xfrm>
-          <a:off x="1804659" y="3567184"/>
-          <a:ext cx="165946" cy="0"/>
-        </a:xfrm>
-        <a:prstGeom prst="line">
-          <a:avLst/>
-        </a:prstGeom>
-        <a:noFill/>
-        <a:ln w="19050" cap="flat" cmpd="sng" algn="ctr">
-          <a:solidFill>
-            <a:schemeClr val="accent4">
-              <a:lumMod val="50000"/>
-            </a:schemeClr>
-          </a:solidFill>
-          <a:prstDash val="solid"/>
-        </a:ln>
-        <a:effectLst/>
-      </dsp:spPr>
-      <dsp:style>
-        <a:lnRef idx="2">
-          <a:scrgbClr r="0" g="0" b="0"/>
-        </a:lnRef>
-        <a:fillRef idx="0">
-          <a:scrgbClr r="0" g="0" b="0"/>
-        </a:fillRef>
-        <a:effectRef idx="0">
-          <a:scrgbClr r="0" g="0" b="0"/>
-        </a:effectRef>
-        <a:fontRef idx="minor"/>
-      </dsp:style>
-    </dsp:sp>
-    <dsp:sp modelId="{8295D9B7-17EF-49AF-9E34-E14C56D25566}">
-      <dsp:nvSpPr>
-        <dsp:cNvPr id="0" name=""/>
-        <dsp:cNvSpPr/>
-      </dsp:nvSpPr>
-      <dsp:spPr>
-        <a:xfrm>
-          <a:off x="1970606" y="3214170"/>
-          <a:ext cx="1176714" cy="706028"/>
-        </a:xfrm>
-        <a:prstGeom prst="rect">
-          <a:avLst/>
-        </a:prstGeom>
-        <a:noFill/>
-        <a:ln>
-          <a:noFill/>
-        </a:ln>
-        <a:effectLst/>
-        <a:sp3d/>
-      </dsp:spPr>
-      <dsp:style>
-        <a:lnRef idx="0">
-          <a:scrgbClr r="0" g="0" b="0"/>
-        </a:lnRef>
-        <a:fillRef idx="0">
-          <a:scrgbClr r="0" g="0" b="0"/>
-        </a:fillRef>
-        <a:effectRef idx="0">
-          <a:scrgbClr r="0" g="0" b="0"/>
-        </a:effectRef>
-        <a:fontRef idx="minor"/>
-      </dsp:style>
-      <dsp:txBody>
-        <a:bodyPr spcFirstLastPara="0" vert="horz" wrap="square" lIns="99568" tIns="99568" rIns="99568" bIns="99568" numCol="1" spcCol="1270" anchor="ctr" anchorCtr="0">
-          <a:noAutofit/>
-        </a:bodyPr>
-        <a:lstStyle/>
-        <a:p>
-          <a:pPr lvl="0" algn="ctr" defTabSz="622300" rtl="0">
-            <a:lnSpc>
-              <a:spcPct val="90000"/>
-            </a:lnSpc>
-            <a:spcBef>
-              <a:spcPct val="0"/>
-            </a:spcBef>
-            <a:spcAft>
-              <a:spcPct val="35000"/>
-            </a:spcAft>
-          </a:pPr>
-          <a:r>
-            <a:rPr lang="en-US" sz="1400" b="1" kern="1200" dirty="0" smtClean="0">
-              <a:solidFill>
-                <a:schemeClr val="accent4">
-                  <a:lumMod val="50000"/>
-                </a:schemeClr>
-              </a:solidFill>
-            </a:rPr>
-            <a:t>CSV</a:t>
-          </a:r>
-          <a:endParaRPr lang="en-US" sz="1400" b="1" kern="1200" dirty="0">
-            <a:solidFill>
-              <a:schemeClr val="accent4">
-                <a:lumMod val="50000"/>
-              </a:schemeClr>
-            </a:solidFill>
-          </a:endParaRPr>
-        </a:p>
-      </dsp:txBody>
-      <dsp:txXfrm>
-        <a:off x="1970606" y="3214170"/>
-        <a:ext cx="1176714" cy="706028"/>
-      </dsp:txXfrm>
-    </dsp:sp>
-    <dsp:sp modelId="{64FE68EF-246A-4E45-82CA-2ED5CAC816C1}">
-      <dsp:nvSpPr>
-        <dsp:cNvPr id="0" name=""/>
-        <dsp:cNvSpPr/>
-      </dsp:nvSpPr>
-      <dsp:spPr>
-        <a:xfrm>
-          <a:off x="3147320" y="3567184"/>
-          <a:ext cx="165946" cy="0"/>
-        </a:xfrm>
-        <a:prstGeom prst="line">
-          <a:avLst/>
-        </a:prstGeom>
-        <a:noFill/>
-        <a:ln w="19050" cap="flat" cmpd="sng" algn="ctr">
-          <a:solidFill>
-            <a:schemeClr val="accent4">
-              <a:lumMod val="50000"/>
-            </a:schemeClr>
-          </a:solidFill>
-          <a:prstDash val="solid"/>
-        </a:ln>
-        <a:effectLst/>
-      </dsp:spPr>
-      <dsp:style>
-        <a:lnRef idx="2">
-          <a:scrgbClr r="0" g="0" b="0"/>
-        </a:lnRef>
-        <a:fillRef idx="0">
-          <a:scrgbClr r="0" g="0" b="0"/>
-        </a:fillRef>
-        <a:effectRef idx="0">
-          <a:scrgbClr r="0" g="0" b="0"/>
-        </a:effectRef>
-        <a:fontRef idx="minor"/>
-      </dsp:style>
-    </dsp:sp>
-    <dsp:sp modelId="{5B54B39D-CFFE-402B-A25D-A70AA85B6D91}">
-      <dsp:nvSpPr>
-        <dsp:cNvPr id="0" name=""/>
-        <dsp:cNvSpPr/>
-      </dsp:nvSpPr>
-      <dsp:spPr>
-        <a:xfrm rot="4206116">
-          <a:off x="1132882" y="3801939"/>
-          <a:ext cx="1002391" cy="0"/>
-        </a:xfrm>
-        <a:custGeom>
-          <a:avLst/>
-          <a:gdLst/>
-          <a:ahLst/>
-          <a:cxnLst/>
-          <a:rect l="0" t="0" r="0" b="0"/>
-          <a:pathLst>
-            <a:path>
-              <a:moveTo>
-                <a:pt x="0" y="0"/>
-              </a:moveTo>
-              <a:lnTo>
-                <a:pt x="1002391" y="0"/>
-              </a:lnTo>
-            </a:path>
-          </a:pathLst>
-        </a:custGeom>
-        <a:noFill/>
-        <a:ln w="19050" cap="flat" cmpd="sng" algn="ctr">
-          <a:solidFill>
-            <a:schemeClr val="accent4">
-              <a:lumMod val="50000"/>
-            </a:schemeClr>
-          </a:solidFill>
-          <a:prstDash val="solid"/>
-        </a:ln>
-        <a:effectLst/>
-      </dsp:spPr>
-      <dsp:style>
-        <a:lnRef idx="2">
-          <a:scrgbClr r="0" g="0" b="0"/>
-        </a:lnRef>
-        <a:fillRef idx="0">
-          <a:scrgbClr r="0" g="0" b="0"/>
-        </a:fillRef>
-        <a:effectRef idx="0">
-          <a:scrgbClr r="0" g="0" b="0"/>
-        </a:effectRef>
-        <a:fontRef idx="minor"/>
-      </dsp:style>
-    </dsp:sp>
-    <dsp:sp modelId="{43F5BDEA-DA8D-4185-BE14-552A984ED385}">
-      <dsp:nvSpPr>
-        <dsp:cNvPr id="0" name=""/>
-        <dsp:cNvSpPr/>
-      </dsp:nvSpPr>
-      <dsp:spPr>
-        <a:xfrm rot="6593884">
-          <a:off x="2982652" y="3801939"/>
-          <a:ext cx="1002391" cy="0"/>
-        </a:xfrm>
-        <a:custGeom>
-          <a:avLst/>
-          <a:gdLst/>
-          <a:ahLst/>
-          <a:cxnLst/>
-          <a:rect l="0" t="0" r="0" b="0"/>
-          <a:pathLst>
-            <a:path>
-              <a:moveTo>
-                <a:pt x="0" y="0"/>
-              </a:moveTo>
-              <a:lnTo>
-                <a:pt x="1002391" y="0"/>
-              </a:lnTo>
-            </a:path>
-          </a:pathLst>
-        </a:custGeom>
-        <a:noFill/>
-        <a:ln w="19050" cap="flat" cmpd="sng" algn="ctr">
-          <a:solidFill>
-            <a:schemeClr val="accent4">
-              <a:lumMod val="50000"/>
-            </a:schemeClr>
-          </a:solidFill>
-          <a:prstDash val="solid"/>
-        </a:ln>
-        <a:effectLst/>
-      </dsp:spPr>
-      <dsp:style>
-        <a:lnRef idx="2">
-          <a:scrgbClr r="0" g="0" b="0"/>
-        </a:lnRef>
-        <a:fillRef idx="0">
-          <a:scrgbClr r="0" g="0" b="0"/>
-        </a:fillRef>
-        <a:effectRef idx="0">
-          <a:scrgbClr r="0" g="0" b="0"/>
-        </a:effectRef>
-        <a:fontRef idx="minor"/>
-      </dsp:style>
-    </dsp:sp>
-    <dsp:sp modelId="{0B148755-450F-4812-BE23-07C8D1177CA3}">
-      <dsp:nvSpPr>
-        <dsp:cNvPr id="0" name=""/>
-        <dsp:cNvSpPr/>
-      </dsp:nvSpPr>
-      <dsp:spPr>
-        <a:xfrm>
-          <a:off x="1804659" y="4273213"/>
-          <a:ext cx="165946" cy="0"/>
-        </a:xfrm>
-        <a:prstGeom prst="line">
-          <a:avLst/>
-        </a:prstGeom>
-        <a:noFill/>
-        <a:ln w="19050" cap="flat" cmpd="sng" algn="ctr">
-          <a:solidFill>
-            <a:schemeClr val="accent4">
-              <a:lumMod val="50000"/>
-            </a:schemeClr>
-          </a:solidFill>
-          <a:prstDash val="solid"/>
-        </a:ln>
-        <a:effectLst/>
-      </dsp:spPr>
-      <dsp:style>
-        <a:lnRef idx="2">
-          <a:scrgbClr r="0" g="0" b="0"/>
-        </a:lnRef>
-        <a:fillRef idx="0">
-          <a:scrgbClr r="0" g="0" b="0"/>
-        </a:fillRef>
-        <a:effectRef idx="0">
-          <a:scrgbClr r="0" g="0" b="0"/>
-        </a:effectRef>
-        <a:fontRef idx="minor"/>
-      </dsp:style>
-    </dsp:sp>
-    <dsp:sp modelId="{B75F15B2-6D40-42F1-9D31-7D4675A2C6C7}">
-      <dsp:nvSpPr>
-        <dsp:cNvPr id="0" name=""/>
-        <dsp:cNvSpPr/>
-      </dsp:nvSpPr>
-      <dsp:spPr>
-        <a:xfrm>
-          <a:off x="1970606" y="3920199"/>
-          <a:ext cx="1176714" cy="706028"/>
-        </a:xfrm>
-        <a:prstGeom prst="rect">
-          <a:avLst/>
-        </a:prstGeom>
-        <a:noFill/>
-        <a:ln>
-          <a:noFill/>
-        </a:ln>
-        <a:effectLst/>
-        <a:sp3d/>
-      </dsp:spPr>
-      <dsp:style>
-        <a:lnRef idx="0">
-          <a:scrgbClr r="0" g="0" b="0"/>
-        </a:lnRef>
-        <a:fillRef idx="0">
-          <a:scrgbClr r="0" g="0" b="0"/>
-        </a:fillRef>
-        <a:effectRef idx="0">
-          <a:scrgbClr r="0" g="0" b="0"/>
-        </a:effectRef>
-        <a:fontRef idx="minor"/>
-      </dsp:style>
-      <dsp:txBody>
-        <a:bodyPr spcFirstLastPara="0" vert="horz" wrap="square" lIns="99568" tIns="99568" rIns="99568" bIns="99568" numCol="1" spcCol="1270" anchor="ctr" anchorCtr="0">
-          <a:noAutofit/>
-        </a:bodyPr>
-        <a:lstStyle/>
-        <a:p>
-          <a:pPr lvl="0" algn="ctr" defTabSz="622300" rtl="0">
-            <a:lnSpc>
-              <a:spcPct val="90000"/>
-            </a:lnSpc>
-            <a:spcBef>
-              <a:spcPct val="0"/>
-            </a:spcBef>
-            <a:spcAft>
-              <a:spcPct val="35000"/>
-            </a:spcAft>
-          </a:pPr>
-          <a:r>
-            <a:rPr lang="en-US" sz="1400" b="1" kern="1200" smtClean="0">
-              <a:solidFill>
-                <a:schemeClr val="accent4">
-                  <a:lumMod val="50000"/>
-                </a:schemeClr>
-              </a:solidFill>
-            </a:rPr>
-            <a:t>OData</a:t>
-          </a:r>
-          <a:endParaRPr lang="en-US" sz="1400" b="1" kern="1200">
-            <a:solidFill>
-              <a:schemeClr val="accent4">
-                <a:lumMod val="50000"/>
-              </a:schemeClr>
-            </a:solidFill>
-          </a:endParaRPr>
-        </a:p>
-      </dsp:txBody>
-      <dsp:txXfrm>
-        <a:off x="1970606" y="3920199"/>
-        <a:ext cx="1176714" cy="706028"/>
-      </dsp:txXfrm>
-    </dsp:sp>
-    <dsp:sp modelId="{484F5556-2A8D-445B-BFF0-007E6657DF92}">
-      <dsp:nvSpPr>
-        <dsp:cNvPr id="0" name=""/>
-        <dsp:cNvSpPr/>
-      </dsp:nvSpPr>
-      <dsp:spPr>
-        <a:xfrm>
-          <a:off x="3147320" y="4273213"/>
-          <a:ext cx="165946" cy="0"/>
-        </a:xfrm>
-        <a:prstGeom prst="line">
-          <a:avLst/>
-        </a:prstGeom>
-        <a:noFill/>
-        <a:ln w="19050" cap="flat" cmpd="sng" algn="ctr">
-          <a:solidFill>
-            <a:schemeClr val="accent4">
-              <a:lumMod val="50000"/>
-            </a:schemeClr>
-          </a:solidFill>
-          <a:prstDash val="solid"/>
-        </a:ln>
-        <a:effectLst/>
-      </dsp:spPr>
-      <dsp:style>
-        <a:lnRef idx="2">
-          <a:scrgbClr r="0" g="0" b="0"/>
-        </a:lnRef>
-        <a:fillRef idx="0">
-          <a:scrgbClr r="0" g="0" b="0"/>
-        </a:fillRef>
-        <a:effectRef idx="0">
-          <a:scrgbClr r="0" g="0" b="0"/>
-        </a:effectRef>
-        <a:fontRef idx="minor"/>
-      </dsp:style>
-    </dsp:sp>
-    <dsp:sp modelId="{153B4536-D6EF-44BC-809B-B2AD77460ADB}">
-      <dsp:nvSpPr>
-        <dsp:cNvPr id="0" name=""/>
-        <dsp:cNvSpPr/>
-      </dsp:nvSpPr>
-      <dsp:spPr>
-        <a:xfrm rot="4664827">
-          <a:off x="830312" y="4193785"/>
-          <a:ext cx="1607532" cy="0"/>
-        </a:xfrm>
-        <a:custGeom>
-          <a:avLst/>
-          <a:gdLst/>
-          <a:ahLst/>
-          <a:cxnLst/>
-          <a:rect l="0" t="0" r="0" b="0"/>
-          <a:pathLst>
-            <a:path>
-              <a:moveTo>
-                <a:pt x="0" y="0"/>
-              </a:moveTo>
-              <a:lnTo>
-                <a:pt x="1607532" y="0"/>
-              </a:lnTo>
-            </a:path>
-          </a:pathLst>
-        </a:custGeom>
-        <a:noFill/>
-        <a:ln w="19050" cap="flat" cmpd="sng" algn="ctr">
-          <a:solidFill>
-            <a:schemeClr val="accent4">
-              <a:lumMod val="50000"/>
-            </a:schemeClr>
-          </a:solidFill>
-          <a:prstDash val="solid"/>
-        </a:ln>
-        <a:effectLst/>
-      </dsp:spPr>
-      <dsp:style>
-        <a:lnRef idx="2">
-          <a:scrgbClr r="0" g="0" b="0"/>
-        </a:lnRef>
-        <a:fillRef idx="0">
-          <a:scrgbClr r="0" g="0" b="0"/>
-        </a:fillRef>
-        <a:effectRef idx="0">
-          <a:scrgbClr r="0" g="0" b="0"/>
-        </a:effectRef>
-        <a:fontRef idx="minor"/>
-      </dsp:style>
-    </dsp:sp>
-    <dsp:sp modelId="{8BAA3A09-F080-4508-A200-8041AB1D01BF}">
-      <dsp:nvSpPr>
-        <dsp:cNvPr id="0" name=""/>
-        <dsp:cNvSpPr/>
-      </dsp:nvSpPr>
-      <dsp:spPr>
-        <a:xfrm rot="6135173">
-          <a:off x="2680082" y="4193785"/>
-          <a:ext cx="1607532" cy="0"/>
-        </a:xfrm>
-        <a:custGeom>
-          <a:avLst/>
-          <a:gdLst/>
-          <a:ahLst/>
-          <a:cxnLst/>
-          <a:rect l="0" t="0" r="0" b="0"/>
-          <a:pathLst>
-            <a:path>
-              <a:moveTo>
-                <a:pt x="0" y="0"/>
-              </a:moveTo>
-              <a:lnTo>
-                <a:pt x="1607532" y="0"/>
-              </a:lnTo>
-            </a:path>
-          </a:pathLst>
-        </a:custGeom>
-        <a:noFill/>
-        <a:ln w="19050" cap="flat" cmpd="sng" algn="ctr">
-          <a:solidFill>
-            <a:schemeClr val="accent4">
-              <a:lumMod val="50000"/>
-            </a:schemeClr>
-          </a:solidFill>
-          <a:prstDash val="solid"/>
-        </a:ln>
-        <a:effectLst/>
-      </dsp:spPr>
-      <dsp:style>
-        <a:lnRef idx="2">
-          <a:scrgbClr r="0" g="0" b="0"/>
-        </a:lnRef>
-        <a:fillRef idx="0">
-          <a:scrgbClr r="0" g="0" b="0"/>
-        </a:fillRef>
-        <a:effectRef idx="0">
-          <a:scrgbClr r="0" g="0" b="0"/>
-        </a:effectRef>
-        <a:fontRef idx="minor"/>
-      </dsp:style>
-    </dsp:sp>
-    <dsp:sp modelId="{D2619AAE-3DF8-420B-BFF6-120B0FEC9082}">
-      <dsp:nvSpPr>
-        <dsp:cNvPr id="0" name=""/>
-        <dsp:cNvSpPr/>
-      </dsp:nvSpPr>
-      <dsp:spPr>
-        <a:xfrm>
-          <a:off x="1804659" y="4979242"/>
-          <a:ext cx="165946" cy="0"/>
-        </a:xfrm>
-        <a:prstGeom prst="line">
-          <a:avLst/>
-        </a:prstGeom>
-        <a:noFill/>
-        <a:ln w="19050" cap="flat" cmpd="sng" algn="ctr">
-          <a:solidFill>
-            <a:schemeClr val="accent4">
-              <a:lumMod val="50000"/>
-            </a:schemeClr>
-          </a:solidFill>
-          <a:prstDash val="solid"/>
-        </a:ln>
-        <a:effectLst/>
-      </dsp:spPr>
-      <dsp:style>
-        <a:lnRef idx="2">
-          <a:scrgbClr r="0" g="0" b="0"/>
-        </a:lnRef>
-        <a:fillRef idx="0">
-          <a:scrgbClr r="0" g="0" b="0"/>
-        </a:fillRef>
-        <a:effectRef idx="0">
-          <a:scrgbClr r="0" g="0" b="0"/>
-        </a:effectRef>
-        <a:fontRef idx="minor"/>
-      </dsp:style>
-    </dsp:sp>
-    <dsp:sp modelId="{5C7BCF23-559B-489D-8B2B-49ECEA2D64BC}">
-      <dsp:nvSpPr>
-        <dsp:cNvPr id="0" name=""/>
-        <dsp:cNvSpPr/>
-      </dsp:nvSpPr>
-      <dsp:spPr>
-        <a:xfrm>
-          <a:off x="1970606" y="4626227"/>
-          <a:ext cx="1176714" cy="706028"/>
-        </a:xfrm>
-        <a:prstGeom prst="rect">
-          <a:avLst/>
-        </a:prstGeom>
-        <a:noFill/>
-        <a:ln>
-          <a:noFill/>
-        </a:ln>
-        <a:effectLst/>
-        <a:sp3d/>
-      </dsp:spPr>
-      <dsp:style>
-        <a:lnRef idx="0">
-          <a:scrgbClr r="0" g="0" b="0"/>
-        </a:lnRef>
-        <a:fillRef idx="0">
-          <a:scrgbClr r="0" g="0" b="0"/>
-        </a:fillRef>
-        <a:effectRef idx="0">
-          <a:scrgbClr r="0" g="0" b="0"/>
-        </a:effectRef>
-        <a:fontRef idx="minor"/>
-      </dsp:style>
-      <dsp:txBody>
-        <a:bodyPr spcFirstLastPara="0" vert="horz" wrap="square" lIns="99568" tIns="99568" rIns="99568" bIns="99568" numCol="1" spcCol="1270" anchor="ctr" anchorCtr="0">
-          <a:noAutofit/>
-        </a:bodyPr>
-        <a:lstStyle/>
-        <a:p>
-          <a:pPr lvl="0" algn="ctr" defTabSz="622300" rtl="0">
-            <a:lnSpc>
-              <a:spcPct val="90000"/>
-            </a:lnSpc>
-            <a:spcBef>
-              <a:spcPct val="0"/>
-            </a:spcBef>
-            <a:spcAft>
-              <a:spcPct val="35000"/>
-            </a:spcAft>
-          </a:pPr>
-          <a:r>
-            <a:rPr lang="en-US" sz="1400" b="1" kern="1200" dirty="0" smtClean="0">
-              <a:solidFill>
-                <a:schemeClr val="accent4">
-                  <a:lumMod val="50000"/>
-                </a:schemeClr>
-              </a:solidFill>
-            </a:rPr>
-            <a:t>World Bank</a:t>
-          </a:r>
-          <a:endParaRPr lang="en-US" sz="1400" b="1" kern="1200" dirty="0">
-            <a:solidFill>
-              <a:schemeClr val="accent4">
-                <a:lumMod val="50000"/>
-              </a:schemeClr>
-            </a:solidFill>
-          </a:endParaRPr>
-        </a:p>
-      </dsp:txBody>
-      <dsp:txXfrm>
-        <a:off x="1970606" y="4626227"/>
-        <a:ext cx="1176714" cy="706028"/>
-      </dsp:txXfrm>
-    </dsp:sp>
-    <dsp:sp modelId="{79CF47D6-8301-4C50-8968-36FD122827F4}">
-      <dsp:nvSpPr>
-        <dsp:cNvPr id="0" name=""/>
-        <dsp:cNvSpPr/>
-      </dsp:nvSpPr>
-      <dsp:spPr>
-        <a:xfrm>
-          <a:off x="3147320" y="4979242"/>
-          <a:ext cx="165946" cy="0"/>
-        </a:xfrm>
-        <a:prstGeom prst="line">
-          <a:avLst/>
-        </a:prstGeom>
-        <a:noFill/>
-        <a:ln w="19050" cap="flat" cmpd="sng" algn="ctr">
-          <a:solidFill>
-            <a:schemeClr val="accent4">
-              <a:lumMod val="50000"/>
-            </a:schemeClr>
-          </a:solidFill>
-          <a:prstDash val="solid"/>
-        </a:ln>
-        <a:effectLst/>
-      </dsp:spPr>
-      <dsp:style>
-        <a:lnRef idx="2">
-          <a:scrgbClr r="0" g="0" b="0"/>
-        </a:lnRef>
-        <a:fillRef idx="0">
-          <a:scrgbClr r="0" g="0" b="0"/>
-        </a:fillRef>
-        <a:effectRef idx="0">
-          <a:scrgbClr r="0" g="0" b="0"/>
-        </a:effectRef>
-        <a:fontRef idx="minor"/>
-      </dsp:style>
-    </dsp:sp>
-    <dsp:sp modelId="{FEA468AC-520B-4CC8-AFD8-1EA712E045A5}">
-      <dsp:nvSpPr>
-        <dsp:cNvPr id="0" name=""/>
-        <dsp:cNvSpPr/>
-      </dsp:nvSpPr>
-      <dsp:spPr>
-        <a:xfrm rot="4870938">
-          <a:off x="521286" y="4585631"/>
-          <a:ext cx="2225583" cy="0"/>
-        </a:xfrm>
-        <a:custGeom>
-          <a:avLst/>
-          <a:gdLst/>
-          <a:ahLst/>
-          <a:cxnLst/>
-          <a:rect l="0" t="0" r="0" b="0"/>
-          <a:pathLst>
-            <a:path>
-              <a:moveTo>
-                <a:pt x="0" y="0"/>
-              </a:moveTo>
-              <a:lnTo>
-                <a:pt x="2225583" y="0"/>
-              </a:lnTo>
-            </a:path>
-          </a:pathLst>
-        </a:custGeom>
-        <a:noFill/>
-        <a:ln w="19050" cap="flat" cmpd="sng" algn="ctr">
-          <a:solidFill>
-            <a:schemeClr val="accent4">
-              <a:lumMod val="50000"/>
-            </a:schemeClr>
-          </a:solidFill>
-          <a:prstDash val="solid"/>
-        </a:ln>
-        <a:effectLst/>
-      </dsp:spPr>
-      <dsp:style>
-        <a:lnRef idx="2">
-          <a:scrgbClr r="0" g="0" b="0"/>
-        </a:lnRef>
-        <a:fillRef idx="0">
-          <a:scrgbClr r="0" g="0" b="0"/>
-        </a:fillRef>
-        <a:effectRef idx="0">
-          <a:scrgbClr r="0" g="0" b="0"/>
-        </a:effectRef>
-        <a:fontRef idx="minor"/>
-      </dsp:style>
-    </dsp:sp>
-    <dsp:sp modelId="{67F3E7A1-B6EC-4864-84BC-32C613FC25B1}">
-      <dsp:nvSpPr>
-        <dsp:cNvPr id="0" name=""/>
-        <dsp:cNvSpPr/>
-      </dsp:nvSpPr>
-      <dsp:spPr>
-        <a:xfrm rot="5929062">
-          <a:off x="2371056" y="4585631"/>
-          <a:ext cx="2225583" cy="0"/>
-        </a:xfrm>
-        <a:custGeom>
-          <a:avLst/>
-          <a:gdLst/>
-          <a:ahLst/>
-          <a:cxnLst/>
-          <a:rect l="0" t="0" r="0" b="0"/>
-          <a:pathLst>
-            <a:path>
-              <a:moveTo>
-                <a:pt x="0" y="0"/>
-              </a:moveTo>
-              <a:lnTo>
-                <a:pt x="2225583" y="0"/>
-              </a:lnTo>
-            </a:path>
-          </a:pathLst>
-        </a:custGeom>
-        <a:noFill/>
-        <a:ln w="19050" cap="flat" cmpd="sng" algn="ctr">
-          <a:solidFill>
-            <a:schemeClr val="accent4">
-              <a:lumMod val="50000"/>
-            </a:schemeClr>
-          </a:solidFill>
-          <a:prstDash val="solid"/>
-        </a:ln>
-        <a:effectLst/>
-      </dsp:spPr>
-      <dsp:style>
-        <a:lnRef idx="2">
-          <a:scrgbClr r="0" g="0" b="0"/>
-        </a:lnRef>
-        <a:fillRef idx="0">
-          <a:scrgbClr r="0" g="0" b="0"/>
-        </a:fillRef>
-        <a:effectRef idx="0">
-          <a:scrgbClr r="0" g="0" b="0"/>
-        </a:effectRef>
-        <a:fontRef idx="minor"/>
-      </dsp:style>
-    </dsp:sp>
-    <dsp:sp modelId="{1837371C-3EE9-4548-BACC-1082E2BC87BC}">
-      <dsp:nvSpPr>
-        <dsp:cNvPr id="0" name=""/>
-        <dsp:cNvSpPr/>
-      </dsp:nvSpPr>
-      <dsp:spPr>
-        <a:xfrm>
-          <a:off x="1804659" y="5685270"/>
-          <a:ext cx="165946" cy="0"/>
-        </a:xfrm>
-        <a:prstGeom prst="line">
-          <a:avLst/>
-        </a:prstGeom>
-        <a:noFill/>
-        <a:ln w="19050" cap="flat" cmpd="sng" algn="ctr">
-          <a:solidFill>
-            <a:schemeClr val="accent4">
-              <a:lumMod val="50000"/>
-            </a:schemeClr>
-          </a:solidFill>
-          <a:prstDash val="solid"/>
-        </a:ln>
-        <a:effectLst/>
-      </dsp:spPr>
-      <dsp:style>
-        <a:lnRef idx="2">
-          <a:scrgbClr r="0" g="0" b="0"/>
-        </a:lnRef>
-        <a:fillRef idx="0">
-          <a:scrgbClr r="0" g="0" b="0"/>
-        </a:fillRef>
-        <a:effectRef idx="0">
-          <a:scrgbClr r="0" g="0" b="0"/>
-        </a:effectRef>
-        <a:fontRef idx="minor"/>
-      </dsp:style>
-    </dsp:sp>
-    <dsp:sp modelId="{2C9CCBF4-DA0E-4FAC-BCCE-7F0FF9DD7C8E}">
-      <dsp:nvSpPr>
-        <dsp:cNvPr id="0" name=""/>
-        <dsp:cNvSpPr/>
-      </dsp:nvSpPr>
-      <dsp:spPr>
-        <a:xfrm>
-          <a:off x="1970606" y="5332256"/>
-          <a:ext cx="1176714" cy="706028"/>
-        </a:xfrm>
-        <a:prstGeom prst="rect">
-          <a:avLst/>
-        </a:prstGeom>
-        <a:noFill/>
-        <a:ln>
-          <a:noFill/>
-        </a:ln>
-        <a:effectLst/>
-        <a:sp3d/>
-      </dsp:spPr>
-      <dsp:style>
-        <a:lnRef idx="0">
-          <a:scrgbClr r="0" g="0" b="0"/>
-        </a:lnRef>
-        <a:fillRef idx="0">
-          <a:scrgbClr r="0" g="0" b="0"/>
-        </a:fillRef>
-        <a:effectRef idx="0">
-          <a:scrgbClr r="0" g="0" b="0"/>
-        </a:effectRef>
-        <a:fontRef idx="minor"/>
-      </dsp:style>
-      <dsp:txBody>
-        <a:bodyPr spcFirstLastPara="0" vert="horz" wrap="square" lIns="99568" tIns="99568" rIns="99568" bIns="99568" numCol="1" spcCol="1270" anchor="ctr" anchorCtr="0">
-          <a:noAutofit/>
-        </a:bodyPr>
-        <a:lstStyle/>
-        <a:p>
-          <a:pPr lvl="0" algn="ctr" defTabSz="622300" rtl="0">
-            <a:lnSpc>
-              <a:spcPct val="90000"/>
-            </a:lnSpc>
-            <a:spcBef>
-              <a:spcPct val="0"/>
-            </a:spcBef>
-            <a:spcAft>
-              <a:spcPct val="35000"/>
-            </a:spcAft>
-          </a:pPr>
-          <a:r>
-            <a:rPr lang="en-US" sz="1400" b="1" kern="1200" smtClean="0">
-              <a:solidFill>
-                <a:schemeClr val="accent4">
-                  <a:lumMod val="50000"/>
-                </a:schemeClr>
-              </a:solidFill>
-            </a:rPr>
-            <a:t>JSON</a:t>
-          </a:r>
-          <a:endParaRPr lang="en-US" sz="1400" b="1" kern="1200">
-            <a:solidFill>
-              <a:schemeClr val="accent4">
-                <a:lumMod val="50000"/>
-              </a:schemeClr>
-            </a:solidFill>
-          </a:endParaRPr>
-        </a:p>
-      </dsp:txBody>
-      <dsp:txXfrm>
-        <a:off x="1970606" y="5332256"/>
-        <a:ext cx="1176714" cy="706028"/>
-      </dsp:txXfrm>
-    </dsp:sp>
-    <dsp:sp modelId="{9F2754D6-92B7-4660-89A3-D0806CABD8DF}">
-      <dsp:nvSpPr>
-        <dsp:cNvPr id="0" name=""/>
-        <dsp:cNvSpPr/>
-      </dsp:nvSpPr>
-      <dsp:spPr>
-        <a:xfrm>
-          <a:off x="3147320" y="5685270"/>
-          <a:ext cx="165946" cy="0"/>
-        </a:xfrm>
-        <a:prstGeom prst="line">
-          <a:avLst/>
-        </a:prstGeom>
-        <a:noFill/>
-        <a:ln w="19050" cap="flat" cmpd="sng" algn="ctr">
-          <a:solidFill>
-            <a:schemeClr val="accent4">
-              <a:lumMod val="50000"/>
-            </a:schemeClr>
-          </a:solidFill>
-          <a:prstDash val="solid"/>
-        </a:ln>
-        <a:effectLst/>
-      </dsp:spPr>
-      <dsp:style>
-        <a:lnRef idx="2">
-          <a:scrgbClr r="0" g="0" b="0"/>
-        </a:lnRef>
-        <a:fillRef idx="0">
-          <a:scrgbClr r="0" g="0" b="0"/>
-        </a:fillRef>
-        <a:effectRef idx="0">
-          <a:scrgbClr r="0" g="0" b="0"/>
-        </a:effectRef>
-        <a:fontRef idx="minor"/>
-      </dsp:style>
-    </dsp:sp>
-    <dsp:sp modelId="{C9EFAC89-0FDC-4F01-98E5-527EF77F782B}">
-      <dsp:nvSpPr>
-        <dsp:cNvPr id="0" name=""/>
-        <dsp:cNvSpPr/>
-      </dsp:nvSpPr>
-      <dsp:spPr>
-        <a:xfrm>
-          <a:off x="3696595" y="2504304"/>
-          <a:ext cx="1419732" cy="1419732"/>
-        </a:xfrm>
-        <a:prstGeom prst="ellipse">
-          <a:avLst/>
-        </a:prstGeom>
-        <a:solidFill>
-          <a:schemeClr val="accent2"/>
-        </a:solidFill>
-        <a:ln w="19050" cap="flat" cmpd="sng" algn="ctr">
-          <a:solidFill>
-            <a:schemeClr val="lt1">
-              <a:hueOff val="0"/>
-              <a:satOff val="0"/>
-              <a:lumOff val="0"/>
-              <a:alphaOff val="0"/>
-            </a:schemeClr>
-          </a:solidFill>
-          <a:prstDash val="solid"/>
-        </a:ln>
-        <a:effectLst/>
-      </dsp:spPr>
-      <dsp:style>
-        <a:lnRef idx="2">
-          <a:scrgbClr r="0" g="0" b="0"/>
-        </a:lnRef>
-        <a:fillRef idx="1">
-          <a:scrgbClr r="0" g="0" b="0"/>
-        </a:fillRef>
-        <a:effectRef idx="0">
-          <a:scrgbClr r="0" g="0" b="0"/>
-        </a:effectRef>
-        <a:fontRef idx="minor">
-          <a:schemeClr val="lt1"/>
-        </a:fontRef>
-      </dsp:style>
-      <dsp:txBody>
-        <a:bodyPr spcFirstLastPara="0" vert="horz" wrap="square" lIns="0" tIns="0" rIns="0" bIns="0" numCol="1" spcCol="1270" anchor="ctr" anchorCtr="0">
-          <a:noAutofit/>
-        </a:bodyPr>
-        <a:lstStyle/>
-        <a:p>
-          <a:pPr lvl="0" algn="ctr" defTabSz="800100" rtl="0">
-            <a:lnSpc>
-              <a:spcPct val="90000"/>
-            </a:lnSpc>
-            <a:spcBef>
-              <a:spcPct val="0"/>
-            </a:spcBef>
-            <a:spcAft>
-              <a:spcPct val="35000"/>
-            </a:spcAft>
-          </a:pPr>
-          <a:r>
-            <a:rPr lang="en-US" sz="1800" b="1" kern="1200" dirty="0" smtClean="0"/>
-            <a:t>Process with </a:t>
-          </a:r>
-          <a:endParaRPr lang="en-US" sz="1800" b="1" kern="1200" dirty="0"/>
-        </a:p>
-      </dsp:txBody>
-      <dsp:txXfrm>
-        <a:off x="3904510" y="2712219"/>
-        <a:ext cx="1003902" cy="1003902"/>
-      </dsp:txXfrm>
-    </dsp:sp>
-    <dsp:sp modelId="{5929F69E-F3A8-42D4-B765-511EA42ED139}">
-      <dsp:nvSpPr>
-        <dsp:cNvPr id="0" name=""/>
-        <dsp:cNvSpPr/>
-      </dsp:nvSpPr>
-      <dsp:spPr>
-        <a:xfrm rot="17393884">
-          <a:off x="4539431" y="2038632"/>
-          <a:ext cx="2004782" cy="0"/>
-        </a:xfrm>
-        <a:custGeom>
-          <a:avLst/>
-          <a:gdLst/>
-          <a:ahLst/>
-          <a:cxnLst/>
-          <a:rect l="0" t="0" r="0" b="0"/>
-          <a:pathLst>
-            <a:path>
-              <a:moveTo>
-                <a:pt x="0" y="0"/>
-              </a:moveTo>
-              <a:lnTo>
-                <a:pt x="2004782" y="0"/>
-              </a:lnTo>
-            </a:path>
-          </a:pathLst>
-        </a:custGeom>
-        <a:noFill/>
-        <a:ln w="19050" cap="flat" cmpd="sng" algn="ctr">
-          <a:solidFill>
-            <a:schemeClr val="accent4">
-              <a:lumMod val="50000"/>
-            </a:schemeClr>
-          </a:solidFill>
-          <a:prstDash val="solid"/>
-        </a:ln>
-        <a:effectLst/>
-      </dsp:spPr>
-      <dsp:style>
-        <a:lnRef idx="2">
-          <a:scrgbClr r="0" g="0" b="0"/>
-        </a:lnRef>
-        <a:fillRef idx="0">
-          <a:scrgbClr r="0" g="0" b="0"/>
-        </a:fillRef>
-        <a:effectRef idx="0">
-          <a:scrgbClr r="0" g="0" b="0"/>
-        </a:effectRef>
-        <a:fontRef idx="minor"/>
-      </dsp:style>
-    </dsp:sp>
-    <dsp:sp modelId="{25FE8F4F-CDE3-413B-8A8D-863D718BEEB7}">
-      <dsp:nvSpPr>
-        <dsp:cNvPr id="0" name=""/>
-        <dsp:cNvSpPr/>
-      </dsp:nvSpPr>
-      <dsp:spPr>
-        <a:xfrm rot="15006116">
-          <a:off x="6730362" y="2038632"/>
-          <a:ext cx="2004782" cy="0"/>
-        </a:xfrm>
-        <a:custGeom>
-          <a:avLst/>
-          <a:gdLst/>
-          <a:ahLst/>
-          <a:cxnLst/>
-          <a:rect l="0" t="0" r="0" b="0"/>
-          <a:pathLst>
-            <a:path>
-              <a:moveTo>
-                <a:pt x="0" y="0"/>
-              </a:moveTo>
-              <a:lnTo>
-                <a:pt x="2004782" y="0"/>
-              </a:lnTo>
-            </a:path>
-          </a:pathLst>
-        </a:custGeom>
-        <a:noFill/>
-        <a:ln w="19050" cap="flat" cmpd="sng" algn="ctr">
-          <a:solidFill>
-            <a:schemeClr val="accent4">
-              <a:lumMod val="50000"/>
-            </a:schemeClr>
-          </a:solidFill>
-          <a:prstDash val="solid"/>
-        </a:ln>
-        <a:effectLst/>
-      </dsp:spPr>
-      <dsp:style>
-        <a:lnRef idx="2">
-          <a:scrgbClr r="0" g="0" b="0"/>
-        </a:lnRef>
-        <a:fillRef idx="0">
-          <a:scrgbClr r="0" g="0" b="0"/>
-        </a:fillRef>
-        <a:effectRef idx="0">
-          <a:scrgbClr r="0" g="0" b="0"/>
-        </a:effectRef>
-        <a:fontRef idx="minor"/>
-      </dsp:style>
-    </dsp:sp>
-    <dsp:sp modelId="{749FF2AB-0D53-4FFA-BA58-71D6FE7F3576}">
-      <dsp:nvSpPr>
-        <dsp:cNvPr id="0" name=""/>
-        <dsp:cNvSpPr/>
-      </dsp:nvSpPr>
-      <dsp:spPr>
-        <a:xfrm>
-          <a:off x="5882984" y="1096084"/>
-          <a:ext cx="165946" cy="0"/>
-        </a:xfrm>
-        <a:prstGeom prst="line">
-          <a:avLst/>
-        </a:prstGeom>
-        <a:noFill/>
-        <a:ln w="19050" cap="flat" cmpd="sng" algn="ctr">
-          <a:solidFill>
-            <a:schemeClr val="accent4">
-              <a:lumMod val="50000"/>
-            </a:schemeClr>
-          </a:solidFill>
-          <a:prstDash val="solid"/>
-        </a:ln>
-        <a:effectLst/>
-      </dsp:spPr>
-      <dsp:style>
-        <a:lnRef idx="2">
-          <a:scrgbClr r="0" g="0" b="0"/>
-        </a:lnRef>
-        <a:fillRef idx="0">
-          <a:scrgbClr r="0" g="0" b="0"/>
-        </a:fillRef>
-        <a:effectRef idx="0">
-          <a:scrgbClr r="0" g="0" b="0"/>
-        </a:effectRef>
-        <a:fontRef idx="minor"/>
-      </dsp:style>
-    </dsp:sp>
-    <dsp:sp modelId="{9A5CF80B-3A6A-4F03-87B4-798BEFF3F100}">
-      <dsp:nvSpPr>
-        <dsp:cNvPr id="0" name=""/>
-        <dsp:cNvSpPr/>
-      </dsp:nvSpPr>
-      <dsp:spPr>
-        <a:xfrm>
-          <a:off x="6048931" y="743070"/>
-          <a:ext cx="1176714" cy="706028"/>
-        </a:xfrm>
-        <a:prstGeom prst="rect">
-          <a:avLst/>
-        </a:prstGeom>
-        <a:noFill/>
-        <a:ln>
-          <a:noFill/>
-        </a:ln>
-        <a:effectLst/>
-        <a:sp3d/>
-      </dsp:spPr>
-      <dsp:style>
-        <a:lnRef idx="0">
-          <a:scrgbClr r="0" g="0" b="0"/>
-        </a:lnRef>
-        <a:fillRef idx="0">
-          <a:scrgbClr r="0" g="0" b="0"/>
-        </a:fillRef>
-        <a:effectRef idx="0">
-          <a:scrgbClr r="0" g="0" b="0"/>
-        </a:effectRef>
-        <a:fontRef idx="minor"/>
-      </dsp:style>
-      <dsp:txBody>
-        <a:bodyPr spcFirstLastPara="0" vert="horz" wrap="square" lIns="99568" tIns="99568" rIns="99568" bIns="99568" numCol="1" spcCol="1270" anchor="ctr" anchorCtr="0">
-          <a:noAutofit/>
-        </a:bodyPr>
-        <a:lstStyle/>
-        <a:p>
-          <a:pPr lvl="0" algn="ctr" defTabSz="622300" rtl="0">
-            <a:lnSpc>
-              <a:spcPct val="90000"/>
-            </a:lnSpc>
-            <a:spcBef>
-              <a:spcPct val="0"/>
-            </a:spcBef>
-            <a:spcAft>
-              <a:spcPct val="35000"/>
-            </a:spcAft>
-          </a:pPr>
-          <a:r>
-            <a:rPr lang="en-US" sz="1400" b="1" kern="1200" dirty="0" smtClean="0">
-              <a:solidFill>
-                <a:schemeClr val="accent4">
-                  <a:lumMod val="50000"/>
-                </a:schemeClr>
-              </a:solidFill>
-            </a:rPr>
-            <a:t>Matlab</a:t>
-          </a:r>
-          <a:endParaRPr lang="en-US" sz="1400" b="1" kern="1200" dirty="0">
-            <a:solidFill>
-              <a:schemeClr val="accent4">
-                <a:lumMod val="50000"/>
-              </a:schemeClr>
-            </a:solidFill>
-          </a:endParaRPr>
-        </a:p>
-      </dsp:txBody>
-      <dsp:txXfrm>
-        <a:off x="6048931" y="743070"/>
-        <a:ext cx="1176714" cy="706028"/>
-      </dsp:txXfrm>
-    </dsp:sp>
-    <dsp:sp modelId="{7D574453-8EA5-446C-AF16-7BCC68B528C6}">
-      <dsp:nvSpPr>
-        <dsp:cNvPr id="0" name=""/>
-        <dsp:cNvSpPr/>
-      </dsp:nvSpPr>
-      <dsp:spPr>
-        <a:xfrm>
-          <a:off x="7225645" y="1096084"/>
-          <a:ext cx="165946" cy="0"/>
-        </a:xfrm>
-        <a:prstGeom prst="line">
-          <a:avLst/>
-        </a:prstGeom>
-        <a:noFill/>
-        <a:ln w="19050" cap="flat" cmpd="sng" algn="ctr">
-          <a:solidFill>
-            <a:schemeClr val="accent4">
-              <a:lumMod val="50000"/>
-            </a:schemeClr>
-          </a:solidFill>
-          <a:prstDash val="solid"/>
-        </a:ln>
-        <a:effectLst/>
-      </dsp:spPr>
-      <dsp:style>
-        <a:lnRef idx="2">
-          <a:scrgbClr r="0" g="0" b="0"/>
-        </a:lnRef>
-        <a:fillRef idx="0">
-          <a:scrgbClr r="0" g="0" b="0"/>
-        </a:fillRef>
-        <a:effectRef idx="0">
-          <a:scrgbClr r="0" g="0" b="0"/>
-        </a:effectRef>
-        <a:fontRef idx="minor"/>
-      </dsp:style>
-    </dsp:sp>
-    <dsp:sp modelId="{EC441AD7-99FF-4E61-80C6-84C6C3A3D725}">
-      <dsp:nvSpPr>
-        <dsp:cNvPr id="0" name=""/>
-        <dsp:cNvSpPr/>
-      </dsp:nvSpPr>
-      <dsp:spPr>
-        <a:xfrm rot="17909946">
-          <a:off x="4826815" y="2430478"/>
-          <a:ext cx="1430013" cy="0"/>
-        </a:xfrm>
-        <a:custGeom>
-          <a:avLst/>
-          <a:gdLst/>
-          <a:ahLst/>
-          <a:cxnLst/>
-          <a:rect l="0" t="0" r="0" b="0"/>
-          <a:pathLst>
-            <a:path>
-              <a:moveTo>
-                <a:pt x="0" y="0"/>
-              </a:moveTo>
-              <a:lnTo>
-                <a:pt x="1430013" y="0"/>
-              </a:lnTo>
-            </a:path>
-          </a:pathLst>
-        </a:custGeom>
-        <a:noFill/>
-        <a:ln w="19050" cap="flat" cmpd="sng" algn="ctr">
-          <a:solidFill>
-            <a:schemeClr val="accent4">
-              <a:lumMod val="50000"/>
-            </a:schemeClr>
-          </a:solidFill>
-          <a:prstDash val="solid"/>
-        </a:ln>
-        <a:effectLst/>
-      </dsp:spPr>
-      <dsp:style>
-        <a:lnRef idx="2">
-          <a:scrgbClr r="0" g="0" b="0"/>
-        </a:lnRef>
-        <a:fillRef idx="0">
-          <a:scrgbClr r="0" g="0" b="0"/>
-        </a:fillRef>
-        <a:effectRef idx="0">
-          <a:scrgbClr r="0" g="0" b="0"/>
-        </a:effectRef>
-        <a:fontRef idx="minor"/>
-      </dsp:style>
-    </dsp:sp>
-    <dsp:sp modelId="{E275DBC3-4662-44E6-8716-56BB0DE2B536}">
-      <dsp:nvSpPr>
-        <dsp:cNvPr id="0" name=""/>
-        <dsp:cNvSpPr/>
-      </dsp:nvSpPr>
-      <dsp:spPr>
-        <a:xfrm rot="14490054">
-          <a:off x="7017747" y="2430478"/>
-          <a:ext cx="1430013" cy="0"/>
-        </a:xfrm>
-        <a:custGeom>
-          <a:avLst/>
-          <a:gdLst/>
-          <a:ahLst/>
-          <a:cxnLst/>
-          <a:rect l="0" t="0" r="0" b="0"/>
-          <a:pathLst>
-            <a:path>
-              <a:moveTo>
-                <a:pt x="0" y="0"/>
-              </a:moveTo>
-              <a:lnTo>
-                <a:pt x="1430013" y="0"/>
-              </a:lnTo>
-            </a:path>
-          </a:pathLst>
-        </a:custGeom>
-        <a:noFill/>
-        <a:ln w="19050" cap="flat" cmpd="sng" algn="ctr">
-          <a:solidFill>
-            <a:schemeClr val="accent4">
-              <a:lumMod val="50000"/>
-            </a:schemeClr>
-          </a:solidFill>
-          <a:prstDash val="solid"/>
-        </a:ln>
-        <a:effectLst/>
-      </dsp:spPr>
-      <dsp:style>
-        <a:lnRef idx="2">
-          <a:scrgbClr r="0" g="0" b="0"/>
-        </a:lnRef>
-        <a:fillRef idx="0">
-          <a:scrgbClr r="0" g="0" b="0"/>
-        </a:fillRef>
-        <a:effectRef idx="0">
-          <a:scrgbClr r="0" g="0" b="0"/>
-        </a:effectRef>
-        <a:fontRef idx="minor"/>
-      </dsp:style>
-    </dsp:sp>
-    <dsp:sp modelId="{C0028364-7CD3-45AE-A2F7-9621F675B2ED}">
-      <dsp:nvSpPr>
-        <dsp:cNvPr id="0" name=""/>
-        <dsp:cNvSpPr/>
-      </dsp:nvSpPr>
-      <dsp:spPr>
-        <a:xfrm>
-          <a:off x="5882984" y="1802113"/>
-          <a:ext cx="165946" cy="0"/>
-        </a:xfrm>
-        <a:prstGeom prst="line">
-          <a:avLst/>
-        </a:prstGeom>
-        <a:noFill/>
-        <a:ln w="19050" cap="flat" cmpd="sng" algn="ctr">
-          <a:solidFill>
-            <a:schemeClr val="accent4">
-              <a:lumMod val="50000"/>
-            </a:schemeClr>
-          </a:solidFill>
-          <a:prstDash val="solid"/>
-        </a:ln>
-        <a:effectLst/>
-      </dsp:spPr>
-      <dsp:style>
-        <a:lnRef idx="2">
-          <a:scrgbClr r="0" g="0" b="0"/>
-        </a:lnRef>
-        <a:fillRef idx="0">
-          <a:scrgbClr r="0" g="0" b="0"/>
-        </a:fillRef>
-        <a:effectRef idx="0">
-          <a:scrgbClr r="0" g="0" b="0"/>
-        </a:effectRef>
-        <a:fontRef idx="minor"/>
-      </dsp:style>
-    </dsp:sp>
-    <dsp:sp modelId="{010E112E-8049-4877-9024-FB13FDA43299}">
-      <dsp:nvSpPr>
-        <dsp:cNvPr id="0" name=""/>
-        <dsp:cNvSpPr/>
-      </dsp:nvSpPr>
-      <dsp:spPr>
-        <a:xfrm>
-          <a:off x="6048931" y="1449098"/>
-          <a:ext cx="1176714" cy="706028"/>
-        </a:xfrm>
-        <a:prstGeom prst="rect">
-          <a:avLst/>
-        </a:prstGeom>
-        <a:noFill/>
-        <a:ln>
-          <a:noFill/>
-        </a:ln>
-        <a:effectLst/>
-        <a:sp3d/>
-      </dsp:spPr>
-      <dsp:style>
-        <a:lnRef idx="0">
-          <a:scrgbClr r="0" g="0" b="0"/>
-        </a:lnRef>
-        <a:fillRef idx="0">
-          <a:scrgbClr r="0" g="0" b="0"/>
-        </a:fillRef>
-        <a:effectRef idx="0">
-          <a:scrgbClr r="0" g="0" b="0"/>
-        </a:effectRef>
-        <a:fontRef idx="minor"/>
-      </dsp:style>
-      <dsp:txBody>
-        <a:bodyPr spcFirstLastPara="0" vert="horz" wrap="square" lIns="99568" tIns="99568" rIns="99568" bIns="99568" numCol="1" spcCol="1270" anchor="ctr" anchorCtr="0">
-          <a:noAutofit/>
-        </a:bodyPr>
-        <a:lstStyle/>
-        <a:p>
-          <a:pPr lvl="0" algn="ctr" defTabSz="622300" rtl="0">
-            <a:lnSpc>
-              <a:spcPct val="90000"/>
-            </a:lnSpc>
-            <a:spcBef>
-              <a:spcPct val="0"/>
-            </a:spcBef>
-            <a:spcAft>
-              <a:spcPct val="35000"/>
-            </a:spcAft>
-          </a:pPr>
-          <a:r>
-            <a:rPr lang="en-US" sz="1400" b="1" kern="1200" dirty="0" smtClean="0">
-              <a:solidFill>
-                <a:schemeClr val="accent4">
-                  <a:lumMod val="50000"/>
-                </a:schemeClr>
-              </a:solidFill>
-            </a:rPr>
-            <a:t>Powershell</a:t>
-          </a:r>
-          <a:endParaRPr lang="en-US" sz="1400" b="1" kern="1200" dirty="0">
-            <a:solidFill>
-              <a:schemeClr val="accent4">
-                <a:lumMod val="50000"/>
-              </a:schemeClr>
-            </a:solidFill>
-          </a:endParaRPr>
-        </a:p>
-      </dsp:txBody>
-      <dsp:txXfrm>
-        <a:off x="6048931" y="1449098"/>
-        <a:ext cx="1176714" cy="706028"/>
-      </dsp:txXfrm>
-    </dsp:sp>
-    <dsp:sp modelId="{BD800237-A0C1-4116-8AA8-22270B4E3D6E}">
-      <dsp:nvSpPr>
-        <dsp:cNvPr id="0" name=""/>
-        <dsp:cNvSpPr/>
-      </dsp:nvSpPr>
-      <dsp:spPr>
-        <a:xfrm>
-          <a:off x="7225645" y="1802113"/>
-          <a:ext cx="165946" cy="0"/>
-        </a:xfrm>
-        <a:prstGeom prst="line">
-          <a:avLst/>
-        </a:prstGeom>
-        <a:noFill/>
-        <a:ln w="19050" cap="flat" cmpd="sng" algn="ctr">
-          <a:solidFill>
-            <a:schemeClr val="accent4">
-              <a:lumMod val="50000"/>
-            </a:schemeClr>
-          </a:solidFill>
-          <a:prstDash val="solid"/>
-        </a:ln>
-        <a:effectLst/>
-      </dsp:spPr>
-      <dsp:style>
-        <a:lnRef idx="2">
-          <a:scrgbClr r="0" g="0" b="0"/>
-        </a:lnRef>
-        <a:fillRef idx="0">
-          <a:scrgbClr r="0" g="0" b="0"/>
-        </a:fillRef>
-        <a:effectRef idx="0">
-          <a:scrgbClr r="0" g="0" b="0"/>
-        </a:effectRef>
-        <a:fontRef idx="minor"/>
-      </dsp:style>
-    </dsp:sp>
-    <dsp:sp modelId="{3133DD44-2C0C-4E6C-84C6-15F5220A01FD}">
-      <dsp:nvSpPr>
-        <dsp:cNvPr id="0" name=""/>
-        <dsp:cNvSpPr/>
-      </dsp:nvSpPr>
-      <dsp:spPr>
-        <a:xfrm rot="19041445">
-          <a:off x="5078031" y="2822324"/>
-          <a:ext cx="927582" cy="0"/>
-        </a:xfrm>
-        <a:custGeom>
-          <a:avLst/>
-          <a:gdLst/>
-          <a:ahLst/>
-          <a:cxnLst/>
-          <a:rect l="0" t="0" r="0" b="0"/>
-          <a:pathLst>
-            <a:path>
-              <a:moveTo>
-                <a:pt x="0" y="0"/>
-              </a:moveTo>
-              <a:lnTo>
-                <a:pt x="927582" y="0"/>
-              </a:lnTo>
-            </a:path>
-          </a:pathLst>
-        </a:custGeom>
-        <a:noFill/>
-        <a:ln w="19050" cap="flat" cmpd="sng" algn="ctr">
-          <a:solidFill>
-            <a:schemeClr val="accent4">
-              <a:lumMod val="50000"/>
-            </a:schemeClr>
-          </a:solidFill>
-          <a:prstDash val="solid"/>
-        </a:ln>
-        <a:effectLst/>
-      </dsp:spPr>
-      <dsp:style>
-        <a:lnRef idx="2">
-          <a:scrgbClr r="0" g="0" b="0"/>
-        </a:lnRef>
-        <a:fillRef idx="0">
-          <a:scrgbClr r="0" g="0" b="0"/>
-        </a:fillRef>
-        <a:effectRef idx="0">
-          <a:scrgbClr r="0" g="0" b="0"/>
-        </a:effectRef>
-        <a:fontRef idx="minor"/>
-      </dsp:style>
-    </dsp:sp>
-    <dsp:sp modelId="{3E58BAF0-BCCA-48FE-AD22-BA90AD7665B6}">
-      <dsp:nvSpPr>
-        <dsp:cNvPr id="0" name=""/>
-        <dsp:cNvSpPr/>
-      </dsp:nvSpPr>
-      <dsp:spPr>
-        <a:xfrm rot="13358555">
-          <a:off x="7268963" y="2822324"/>
-          <a:ext cx="927582" cy="0"/>
-        </a:xfrm>
-        <a:custGeom>
-          <a:avLst/>
-          <a:gdLst/>
-          <a:ahLst/>
-          <a:cxnLst/>
-          <a:rect l="0" t="0" r="0" b="0"/>
-          <a:pathLst>
-            <a:path>
-              <a:moveTo>
-                <a:pt x="0" y="0"/>
-              </a:moveTo>
-              <a:lnTo>
-                <a:pt x="927582" y="0"/>
-              </a:lnTo>
-            </a:path>
-          </a:pathLst>
-        </a:custGeom>
-        <a:noFill/>
-        <a:ln w="19050" cap="flat" cmpd="sng" algn="ctr">
-          <a:solidFill>
-            <a:schemeClr val="accent4">
-              <a:lumMod val="50000"/>
-            </a:schemeClr>
-          </a:solidFill>
-          <a:prstDash val="solid"/>
-        </a:ln>
-        <a:effectLst/>
-      </dsp:spPr>
-      <dsp:style>
-        <a:lnRef idx="2">
-          <a:scrgbClr r="0" g="0" b="0"/>
-        </a:lnRef>
-        <a:fillRef idx="0">
-          <a:scrgbClr r="0" g="0" b="0"/>
-        </a:fillRef>
-        <a:effectRef idx="0">
-          <a:scrgbClr r="0" g="0" b="0"/>
-        </a:effectRef>
-        <a:fontRef idx="minor"/>
-      </dsp:style>
-    </dsp:sp>
-    <dsp:sp modelId="{04875609-DF77-4860-B263-5ABC03741940}">
-      <dsp:nvSpPr>
-        <dsp:cNvPr id="0" name=""/>
-        <dsp:cNvSpPr/>
-      </dsp:nvSpPr>
-      <dsp:spPr>
-        <a:xfrm>
-          <a:off x="5882984" y="2508141"/>
-          <a:ext cx="165946" cy="0"/>
-        </a:xfrm>
-        <a:prstGeom prst="line">
-          <a:avLst/>
-        </a:prstGeom>
-        <a:noFill/>
-        <a:ln w="19050" cap="flat" cmpd="sng" algn="ctr">
-          <a:solidFill>
-            <a:schemeClr val="accent4">
-              <a:lumMod val="50000"/>
-            </a:schemeClr>
-          </a:solidFill>
-          <a:prstDash val="solid"/>
-        </a:ln>
-        <a:effectLst/>
-      </dsp:spPr>
-      <dsp:style>
-        <a:lnRef idx="2">
-          <a:scrgbClr r="0" g="0" b="0"/>
-        </a:lnRef>
-        <a:fillRef idx="0">
-          <a:scrgbClr r="0" g="0" b="0"/>
-        </a:fillRef>
-        <a:effectRef idx="0">
-          <a:scrgbClr r="0" g="0" b="0"/>
-        </a:effectRef>
-        <a:fontRef idx="minor"/>
-      </dsp:style>
-    </dsp:sp>
-    <dsp:sp modelId="{AB708D3C-BDDE-4D14-ACCE-63A152F025A8}">
-      <dsp:nvSpPr>
-        <dsp:cNvPr id="0" name=""/>
-        <dsp:cNvSpPr/>
-      </dsp:nvSpPr>
-      <dsp:spPr>
-        <a:xfrm>
-          <a:off x="6048931" y="2155127"/>
-          <a:ext cx="1176714" cy="706028"/>
-        </a:xfrm>
-        <a:prstGeom prst="rect">
-          <a:avLst/>
-        </a:prstGeom>
-        <a:noFill/>
-        <a:ln>
-          <a:noFill/>
-        </a:ln>
-        <a:effectLst/>
-        <a:sp3d/>
-      </dsp:spPr>
-      <dsp:style>
-        <a:lnRef idx="0">
-          <a:scrgbClr r="0" g="0" b="0"/>
-        </a:lnRef>
-        <a:fillRef idx="0">
-          <a:scrgbClr r="0" g="0" b="0"/>
-        </a:fillRef>
-        <a:effectRef idx="0">
-          <a:scrgbClr r="0" g="0" b="0"/>
-        </a:effectRef>
-        <a:fontRef idx="minor"/>
-      </dsp:style>
-      <dsp:txBody>
-        <a:bodyPr spcFirstLastPara="0" vert="horz" wrap="square" lIns="99568" tIns="99568" rIns="99568" bIns="99568" numCol="1" spcCol="1270" anchor="ctr" anchorCtr="0">
-          <a:noAutofit/>
-        </a:bodyPr>
-        <a:lstStyle/>
-        <a:p>
-          <a:pPr lvl="0" algn="ctr" defTabSz="622300" rtl="0">
-            <a:lnSpc>
-              <a:spcPct val="90000"/>
-            </a:lnSpc>
-            <a:spcBef>
-              <a:spcPct val="0"/>
-            </a:spcBef>
-            <a:spcAft>
-              <a:spcPct val="35000"/>
-            </a:spcAft>
-          </a:pPr>
-          <a:r>
-            <a:rPr lang="en-US" sz="1400" b="1" kern="1200" dirty="0" smtClean="0">
-              <a:solidFill>
-                <a:schemeClr val="accent4">
-                  <a:lumMod val="50000"/>
-                </a:schemeClr>
-              </a:solidFill>
-            </a:rPr>
-            <a:t>Regex</a:t>
-          </a:r>
-          <a:endParaRPr lang="en-US" sz="1400" b="1" kern="1200" dirty="0">
-            <a:solidFill>
-              <a:schemeClr val="accent4">
-                <a:lumMod val="50000"/>
-              </a:schemeClr>
-            </a:solidFill>
-          </a:endParaRPr>
-        </a:p>
-      </dsp:txBody>
-      <dsp:txXfrm>
-        <a:off x="6048931" y="2155127"/>
-        <a:ext cx="1176714" cy="706028"/>
-      </dsp:txXfrm>
-    </dsp:sp>
-    <dsp:sp modelId="{D67A9AEF-5F00-419F-AE98-1058D523496C}">
-      <dsp:nvSpPr>
-        <dsp:cNvPr id="0" name=""/>
-        <dsp:cNvSpPr/>
-      </dsp:nvSpPr>
-      <dsp:spPr>
-        <a:xfrm>
-          <a:off x="7225645" y="2508141"/>
-          <a:ext cx="165946" cy="0"/>
-        </a:xfrm>
-        <a:prstGeom prst="line">
-          <a:avLst/>
-        </a:prstGeom>
-        <a:noFill/>
-        <a:ln w="19050" cap="flat" cmpd="sng" algn="ctr">
-          <a:solidFill>
-            <a:schemeClr val="accent4">
-              <a:lumMod val="50000"/>
-            </a:schemeClr>
-          </a:solidFill>
-          <a:prstDash val="solid"/>
-        </a:ln>
-        <a:effectLst/>
-      </dsp:spPr>
-      <dsp:style>
-        <a:lnRef idx="2">
-          <a:scrgbClr r="0" g="0" b="0"/>
-        </a:lnRef>
-        <a:fillRef idx="0">
-          <a:scrgbClr r="0" g="0" b="0"/>
-        </a:fillRef>
-        <a:effectRef idx="0">
-          <a:scrgbClr r="0" g="0" b="0"/>
-        </a:effectRef>
-        <a:fontRef idx="minor"/>
-      </dsp:style>
-    </dsp:sp>
-    <dsp:sp modelId="{9A9BB694-2743-4D88-865D-D81CA7E7CC01}">
-      <dsp:nvSpPr>
-        <dsp:cNvPr id="0" name=""/>
-        <dsp:cNvSpPr/>
-      </dsp:nvSpPr>
-      <dsp:spPr>
-        <a:xfrm>
-          <a:off x="5200660" y="3214170"/>
-          <a:ext cx="682323" cy="0"/>
-        </a:xfrm>
-        <a:custGeom>
-          <a:avLst/>
-          <a:gdLst/>
-          <a:ahLst/>
-          <a:cxnLst/>
-          <a:rect l="0" t="0" r="0" b="0"/>
-          <a:pathLst>
-            <a:path>
-              <a:moveTo>
-                <a:pt x="0" y="0"/>
-              </a:moveTo>
-              <a:lnTo>
-                <a:pt x="682323" y="0"/>
-              </a:lnTo>
-            </a:path>
-          </a:pathLst>
-        </a:custGeom>
-        <a:noFill/>
-        <a:ln w="19050" cap="flat" cmpd="sng" algn="ctr">
-          <a:solidFill>
-            <a:schemeClr val="accent4">
-              <a:lumMod val="50000"/>
-            </a:schemeClr>
-          </a:solidFill>
-          <a:prstDash val="solid"/>
-        </a:ln>
-        <a:effectLst/>
-      </dsp:spPr>
-      <dsp:style>
-        <a:lnRef idx="2">
-          <a:scrgbClr r="0" g="0" b="0"/>
-        </a:lnRef>
-        <a:fillRef idx="0">
-          <a:scrgbClr r="0" g="0" b="0"/>
-        </a:fillRef>
-        <a:effectRef idx="0">
-          <a:scrgbClr r="0" g="0" b="0"/>
-        </a:effectRef>
-        <a:fontRef idx="minor"/>
-      </dsp:style>
-    </dsp:sp>
-    <dsp:sp modelId="{93F270BA-0A6A-4CD7-AC7D-65C25081B4DC}">
-      <dsp:nvSpPr>
-        <dsp:cNvPr id="0" name=""/>
-        <dsp:cNvSpPr/>
-      </dsp:nvSpPr>
-      <dsp:spPr>
-        <a:xfrm rot="10800000">
-          <a:off x="7391592" y="3214170"/>
-          <a:ext cx="682323" cy="0"/>
-        </a:xfrm>
-        <a:custGeom>
-          <a:avLst/>
-          <a:gdLst/>
-          <a:ahLst/>
-          <a:cxnLst/>
-          <a:rect l="0" t="0" r="0" b="0"/>
-          <a:pathLst>
-            <a:path>
-              <a:moveTo>
-                <a:pt x="0" y="0"/>
-              </a:moveTo>
-              <a:lnTo>
-                <a:pt x="682323" y="0"/>
-              </a:lnTo>
-            </a:path>
-          </a:pathLst>
-        </a:custGeom>
-        <a:noFill/>
-        <a:ln w="19050" cap="flat" cmpd="sng" algn="ctr">
-          <a:solidFill>
-            <a:schemeClr val="accent4">
-              <a:lumMod val="50000"/>
-            </a:schemeClr>
-          </a:solidFill>
-          <a:prstDash val="solid"/>
-        </a:ln>
-        <a:effectLst/>
-      </dsp:spPr>
-      <dsp:style>
-        <a:lnRef idx="2">
-          <a:scrgbClr r="0" g="0" b="0"/>
-        </a:lnRef>
-        <a:fillRef idx="0">
-          <a:scrgbClr r="0" g="0" b="0"/>
-        </a:fillRef>
-        <a:effectRef idx="0">
-          <a:scrgbClr r="0" g="0" b="0"/>
-        </a:effectRef>
-        <a:fontRef idx="minor"/>
-      </dsp:style>
-    </dsp:sp>
-    <dsp:sp modelId="{7707F367-E680-41D5-B6C5-72E7D5A78D89}">
-      <dsp:nvSpPr>
-        <dsp:cNvPr id="0" name=""/>
-        <dsp:cNvSpPr/>
-      </dsp:nvSpPr>
-      <dsp:spPr>
-        <a:xfrm>
-          <a:off x="5882984" y="3214170"/>
-          <a:ext cx="165946" cy="0"/>
-        </a:xfrm>
-        <a:prstGeom prst="line">
-          <a:avLst/>
-        </a:prstGeom>
-        <a:noFill/>
-        <a:ln w="19050" cap="flat" cmpd="sng" algn="ctr">
-          <a:solidFill>
-            <a:schemeClr val="accent4">
-              <a:lumMod val="50000"/>
-            </a:schemeClr>
-          </a:solidFill>
-          <a:prstDash val="solid"/>
-        </a:ln>
-        <a:effectLst/>
-      </dsp:spPr>
-      <dsp:style>
-        <a:lnRef idx="2">
-          <a:scrgbClr r="0" g="0" b="0"/>
-        </a:lnRef>
-        <a:fillRef idx="0">
-          <a:scrgbClr r="0" g="0" b="0"/>
-        </a:fillRef>
-        <a:effectRef idx="0">
-          <a:scrgbClr r="0" g="0" b="0"/>
-        </a:effectRef>
-        <a:fontRef idx="minor"/>
-      </dsp:style>
-    </dsp:sp>
-    <dsp:sp modelId="{2F25D2A5-566E-41B6-84A1-E0D9F2332F61}">
-      <dsp:nvSpPr>
-        <dsp:cNvPr id="0" name=""/>
-        <dsp:cNvSpPr/>
-      </dsp:nvSpPr>
-      <dsp:spPr>
-        <a:xfrm>
-          <a:off x="6048931" y="2861156"/>
-          <a:ext cx="1176714" cy="706028"/>
-        </a:xfrm>
-        <a:prstGeom prst="rect">
-          <a:avLst/>
-        </a:prstGeom>
-        <a:noFill/>
-        <a:ln>
-          <a:noFill/>
-        </a:ln>
-        <a:effectLst/>
-        <a:sp3d/>
-      </dsp:spPr>
-      <dsp:style>
-        <a:lnRef idx="0">
-          <a:scrgbClr r="0" g="0" b="0"/>
-        </a:lnRef>
-        <a:fillRef idx="0">
-          <a:scrgbClr r="0" g="0" b="0"/>
-        </a:fillRef>
-        <a:effectRef idx="0">
-          <a:scrgbClr r="0" g="0" b="0"/>
-        </a:effectRef>
-        <a:fontRef idx="minor"/>
-      </dsp:style>
-      <dsp:txBody>
-        <a:bodyPr spcFirstLastPara="0" vert="horz" wrap="square" lIns="99568" tIns="99568" rIns="99568" bIns="99568" numCol="1" spcCol="1270" anchor="ctr" anchorCtr="0">
-          <a:noAutofit/>
-        </a:bodyPr>
-        <a:lstStyle/>
-        <a:p>
-          <a:pPr lvl="0" algn="ctr" defTabSz="622300" rtl="0">
-            <a:lnSpc>
-              <a:spcPct val="90000"/>
-            </a:lnSpc>
-            <a:spcBef>
-              <a:spcPct val="0"/>
-            </a:spcBef>
-            <a:spcAft>
-              <a:spcPct val="35000"/>
-            </a:spcAft>
-          </a:pPr>
-          <a:r>
-            <a:rPr lang="en-US" sz="1400" b="1" kern="1200" dirty="0" smtClean="0">
-              <a:solidFill>
-                <a:schemeClr val="accent4">
-                  <a:lumMod val="50000"/>
-                </a:schemeClr>
-              </a:solidFill>
-            </a:rPr>
-            <a:t>R</a:t>
-          </a:r>
-          <a:endParaRPr lang="en-US" sz="1400" b="1" kern="1200" dirty="0">
-            <a:solidFill>
-              <a:schemeClr val="accent4">
-                <a:lumMod val="50000"/>
-              </a:schemeClr>
-            </a:solidFill>
-          </a:endParaRPr>
-        </a:p>
-      </dsp:txBody>
-      <dsp:txXfrm>
-        <a:off x="6048931" y="2861156"/>
-        <a:ext cx="1176714" cy="706028"/>
-      </dsp:txXfrm>
-    </dsp:sp>
-    <dsp:sp modelId="{5E3C6DF0-6630-4E60-8255-403157822CA9}">
-      <dsp:nvSpPr>
-        <dsp:cNvPr id="0" name=""/>
-        <dsp:cNvSpPr/>
-      </dsp:nvSpPr>
-      <dsp:spPr>
-        <a:xfrm>
-          <a:off x="7225645" y="3214170"/>
-          <a:ext cx="165946" cy="0"/>
-        </a:xfrm>
-        <a:prstGeom prst="line">
-          <a:avLst/>
-        </a:prstGeom>
-        <a:noFill/>
-        <a:ln w="19050" cap="flat" cmpd="sng" algn="ctr">
-          <a:solidFill>
-            <a:schemeClr val="accent4">
-              <a:lumMod val="50000"/>
-            </a:schemeClr>
-          </a:solidFill>
-          <a:prstDash val="solid"/>
-        </a:ln>
-        <a:effectLst/>
-      </dsp:spPr>
-      <dsp:style>
-        <a:lnRef idx="2">
-          <a:scrgbClr r="0" g="0" b="0"/>
-        </a:lnRef>
-        <a:fillRef idx="0">
-          <a:scrgbClr r="0" g="0" b="0"/>
-        </a:fillRef>
-        <a:effectRef idx="0">
-          <a:scrgbClr r="0" g="0" b="0"/>
-        </a:effectRef>
-        <a:fontRef idx="minor"/>
-      </dsp:style>
-    </dsp:sp>
-    <dsp:sp modelId="{DA7C5DDF-8A40-43A7-B844-E47D4CAD7B01}">
-      <dsp:nvSpPr>
-        <dsp:cNvPr id="0" name=""/>
-        <dsp:cNvSpPr/>
-      </dsp:nvSpPr>
-      <dsp:spPr>
-        <a:xfrm rot="2558555">
-          <a:off x="5078031" y="3606016"/>
-          <a:ext cx="927582" cy="0"/>
-        </a:xfrm>
-        <a:custGeom>
-          <a:avLst/>
-          <a:gdLst/>
-          <a:ahLst/>
-          <a:cxnLst/>
-          <a:rect l="0" t="0" r="0" b="0"/>
-          <a:pathLst>
-            <a:path>
-              <a:moveTo>
-                <a:pt x="0" y="0"/>
-              </a:moveTo>
-              <a:lnTo>
-                <a:pt x="927582" y="0"/>
-              </a:lnTo>
-            </a:path>
-          </a:pathLst>
-        </a:custGeom>
-        <a:noFill/>
-        <a:ln w="19050" cap="flat" cmpd="sng" algn="ctr">
-          <a:solidFill>
-            <a:schemeClr val="accent4">
-              <a:lumMod val="50000"/>
-            </a:schemeClr>
-          </a:solidFill>
-          <a:prstDash val="solid"/>
-        </a:ln>
-        <a:effectLst/>
-      </dsp:spPr>
-      <dsp:style>
-        <a:lnRef idx="2">
-          <a:scrgbClr r="0" g="0" b="0"/>
-        </a:lnRef>
-        <a:fillRef idx="0">
-          <a:scrgbClr r="0" g="0" b="0"/>
-        </a:fillRef>
-        <a:effectRef idx="0">
-          <a:scrgbClr r="0" g="0" b="0"/>
-        </a:effectRef>
-        <a:fontRef idx="minor"/>
-      </dsp:style>
-    </dsp:sp>
-    <dsp:sp modelId="{557CB83E-FADB-420B-8A88-B747B4108930}">
-      <dsp:nvSpPr>
-        <dsp:cNvPr id="0" name=""/>
-        <dsp:cNvSpPr/>
-      </dsp:nvSpPr>
-      <dsp:spPr>
-        <a:xfrm rot="8241445">
-          <a:off x="7268963" y="3606016"/>
-          <a:ext cx="927582" cy="0"/>
-        </a:xfrm>
-        <a:custGeom>
-          <a:avLst/>
-          <a:gdLst/>
-          <a:ahLst/>
-          <a:cxnLst/>
-          <a:rect l="0" t="0" r="0" b="0"/>
-          <a:pathLst>
-            <a:path>
-              <a:moveTo>
-                <a:pt x="0" y="0"/>
-              </a:moveTo>
-              <a:lnTo>
-                <a:pt x="927582" y="0"/>
-              </a:lnTo>
-            </a:path>
-          </a:pathLst>
-        </a:custGeom>
-        <a:noFill/>
-        <a:ln w="19050" cap="flat" cmpd="sng" algn="ctr">
-          <a:solidFill>
-            <a:schemeClr val="accent4">
-              <a:lumMod val="50000"/>
-            </a:schemeClr>
-          </a:solidFill>
-          <a:prstDash val="solid"/>
-        </a:ln>
-        <a:effectLst/>
-      </dsp:spPr>
-      <dsp:style>
-        <a:lnRef idx="2">
-          <a:scrgbClr r="0" g="0" b="0"/>
-        </a:lnRef>
-        <a:fillRef idx="0">
-          <a:scrgbClr r="0" g="0" b="0"/>
-        </a:fillRef>
-        <a:effectRef idx="0">
-          <a:scrgbClr r="0" g="0" b="0"/>
-        </a:effectRef>
-        <a:fontRef idx="minor"/>
-      </dsp:style>
-    </dsp:sp>
-    <dsp:sp modelId="{4407520A-E219-4FA1-985D-1F7A17EEF7D5}">
-      <dsp:nvSpPr>
-        <dsp:cNvPr id="0" name=""/>
-        <dsp:cNvSpPr/>
-      </dsp:nvSpPr>
-      <dsp:spPr>
-        <a:xfrm>
-          <a:off x="5882984" y="3920199"/>
-          <a:ext cx="165946" cy="0"/>
-        </a:xfrm>
-        <a:prstGeom prst="line">
-          <a:avLst/>
-        </a:prstGeom>
-        <a:noFill/>
-        <a:ln w="19050" cap="flat" cmpd="sng" algn="ctr">
-          <a:solidFill>
-            <a:schemeClr val="accent4">
-              <a:lumMod val="50000"/>
-            </a:schemeClr>
-          </a:solidFill>
-          <a:prstDash val="solid"/>
-        </a:ln>
-        <a:effectLst/>
-      </dsp:spPr>
-      <dsp:style>
-        <a:lnRef idx="2">
-          <a:scrgbClr r="0" g="0" b="0"/>
-        </a:lnRef>
-        <a:fillRef idx="0">
-          <a:scrgbClr r="0" g="0" b="0"/>
-        </a:fillRef>
-        <a:effectRef idx="0">
-          <a:scrgbClr r="0" g="0" b="0"/>
-        </a:effectRef>
-        <a:fontRef idx="minor"/>
-      </dsp:style>
-    </dsp:sp>
-    <dsp:sp modelId="{C29504D3-251D-44BE-97B7-1D550C3639A3}">
-      <dsp:nvSpPr>
-        <dsp:cNvPr id="0" name=""/>
-        <dsp:cNvSpPr/>
-      </dsp:nvSpPr>
-      <dsp:spPr>
-        <a:xfrm>
-          <a:off x="6048931" y="3567184"/>
-          <a:ext cx="1176714" cy="706028"/>
-        </a:xfrm>
-        <a:prstGeom prst="rect">
-          <a:avLst/>
-        </a:prstGeom>
-        <a:noFill/>
-        <a:ln>
-          <a:noFill/>
-        </a:ln>
-        <a:effectLst/>
-        <a:sp3d/>
-      </dsp:spPr>
-      <dsp:style>
-        <a:lnRef idx="0">
-          <a:scrgbClr r="0" g="0" b="0"/>
-        </a:lnRef>
-        <a:fillRef idx="0">
-          <a:scrgbClr r="0" g="0" b="0"/>
-        </a:fillRef>
-        <a:effectRef idx="0">
-          <a:scrgbClr r="0" g="0" b="0"/>
-        </a:effectRef>
-        <a:fontRef idx="minor"/>
-      </dsp:style>
-      <dsp:txBody>
-        <a:bodyPr spcFirstLastPara="0" vert="horz" wrap="square" lIns="99568" tIns="99568" rIns="99568" bIns="99568" numCol="1" spcCol="1270" anchor="ctr" anchorCtr="0">
-          <a:noAutofit/>
-        </a:bodyPr>
-        <a:lstStyle/>
-        <a:p>
-          <a:pPr lvl="0" algn="ctr" defTabSz="622300" rtl="0">
-            <a:lnSpc>
-              <a:spcPct val="90000"/>
-            </a:lnSpc>
-            <a:spcBef>
-              <a:spcPct val="0"/>
-            </a:spcBef>
-            <a:spcAft>
-              <a:spcPct val="35000"/>
-            </a:spcAft>
-          </a:pPr>
-          <a:r>
-            <a:rPr lang="en-US" sz="1400" b="1" kern="1200" dirty="0" smtClean="0">
-              <a:solidFill>
-                <a:schemeClr val="accent4">
-                  <a:lumMod val="50000"/>
-                </a:schemeClr>
-              </a:solidFill>
-            </a:rPr>
-            <a:t>SignalR</a:t>
-          </a:r>
-          <a:endParaRPr lang="en-US" sz="1400" b="1" kern="1200" dirty="0">
-            <a:solidFill>
-              <a:schemeClr val="accent4">
-                <a:lumMod val="50000"/>
-              </a:schemeClr>
-            </a:solidFill>
-          </a:endParaRPr>
-        </a:p>
-      </dsp:txBody>
-      <dsp:txXfrm>
-        <a:off x="6048931" y="3567184"/>
-        <a:ext cx="1176714" cy="706028"/>
-      </dsp:txXfrm>
-    </dsp:sp>
-    <dsp:sp modelId="{D9A1F54C-0E3A-4B2F-8148-ACF145932D7D}">
-      <dsp:nvSpPr>
-        <dsp:cNvPr id="0" name=""/>
-        <dsp:cNvSpPr/>
-      </dsp:nvSpPr>
-      <dsp:spPr>
-        <a:xfrm>
-          <a:off x="7225645" y="3920199"/>
-          <a:ext cx="165946" cy="0"/>
-        </a:xfrm>
-        <a:prstGeom prst="line">
-          <a:avLst/>
-        </a:prstGeom>
-        <a:noFill/>
-        <a:ln w="19050" cap="flat" cmpd="sng" algn="ctr">
-          <a:solidFill>
-            <a:schemeClr val="accent4">
-              <a:lumMod val="50000"/>
-            </a:schemeClr>
-          </a:solidFill>
-          <a:prstDash val="solid"/>
-        </a:ln>
-        <a:effectLst/>
-      </dsp:spPr>
-      <dsp:style>
-        <a:lnRef idx="2">
-          <a:scrgbClr r="0" g="0" b="0"/>
-        </a:lnRef>
-        <a:fillRef idx="0">
-          <a:scrgbClr r="0" g="0" b="0"/>
-        </a:fillRef>
-        <a:effectRef idx="0">
-          <a:scrgbClr r="0" g="0" b="0"/>
-        </a:effectRef>
-        <a:fontRef idx="minor"/>
-      </dsp:style>
-    </dsp:sp>
-    <dsp:sp modelId="{560FC70A-A4E9-483F-94CF-C915C4C22B93}">
-      <dsp:nvSpPr>
-        <dsp:cNvPr id="0" name=""/>
-        <dsp:cNvSpPr/>
-      </dsp:nvSpPr>
-      <dsp:spPr>
-        <a:xfrm rot="3690054">
-          <a:off x="4826815" y="3997862"/>
-          <a:ext cx="1430013" cy="0"/>
-        </a:xfrm>
-        <a:custGeom>
-          <a:avLst/>
-          <a:gdLst/>
-          <a:ahLst/>
-          <a:cxnLst/>
-          <a:rect l="0" t="0" r="0" b="0"/>
-          <a:pathLst>
-            <a:path>
-              <a:moveTo>
-                <a:pt x="0" y="0"/>
-              </a:moveTo>
-              <a:lnTo>
-                <a:pt x="1430013" y="0"/>
-              </a:lnTo>
-            </a:path>
-          </a:pathLst>
-        </a:custGeom>
-        <a:noFill/>
-        <a:ln w="19050" cap="flat" cmpd="sng" algn="ctr">
-          <a:solidFill>
-            <a:schemeClr val="accent4">
-              <a:lumMod val="50000"/>
-            </a:schemeClr>
-          </a:solidFill>
-          <a:prstDash val="solid"/>
-        </a:ln>
-        <a:effectLst/>
-      </dsp:spPr>
-      <dsp:style>
-        <a:lnRef idx="2">
-          <a:scrgbClr r="0" g="0" b="0"/>
-        </a:lnRef>
-        <a:fillRef idx="0">
-          <a:scrgbClr r="0" g="0" b="0"/>
-        </a:fillRef>
-        <a:effectRef idx="0">
-          <a:scrgbClr r="0" g="0" b="0"/>
-        </a:effectRef>
-        <a:fontRef idx="minor"/>
-      </dsp:style>
-    </dsp:sp>
-    <dsp:sp modelId="{A17CAEFE-7687-43D7-B09C-8A786EE919D3}">
-      <dsp:nvSpPr>
-        <dsp:cNvPr id="0" name=""/>
-        <dsp:cNvSpPr/>
-      </dsp:nvSpPr>
-      <dsp:spPr>
-        <a:xfrm rot="7109946">
-          <a:off x="7017747" y="3997862"/>
-          <a:ext cx="1430013" cy="0"/>
-        </a:xfrm>
-        <a:custGeom>
-          <a:avLst/>
-          <a:gdLst/>
-          <a:ahLst/>
-          <a:cxnLst/>
-          <a:rect l="0" t="0" r="0" b="0"/>
-          <a:pathLst>
-            <a:path>
-              <a:moveTo>
-                <a:pt x="0" y="0"/>
-              </a:moveTo>
-              <a:lnTo>
-                <a:pt x="1430013" y="0"/>
-              </a:lnTo>
-            </a:path>
-          </a:pathLst>
-        </a:custGeom>
-        <a:noFill/>
-        <a:ln w="19050" cap="flat" cmpd="sng" algn="ctr">
-          <a:solidFill>
-            <a:schemeClr val="accent4">
-              <a:lumMod val="50000"/>
-            </a:schemeClr>
-          </a:solidFill>
-          <a:prstDash val="solid"/>
-        </a:ln>
-        <a:effectLst/>
-      </dsp:spPr>
-      <dsp:style>
-        <a:lnRef idx="2">
-          <a:scrgbClr r="0" g="0" b="0"/>
-        </a:lnRef>
-        <a:fillRef idx="0">
-          <a:scrgbClr r="0" g="0" b="0"/>
-        </a:fillRef>
-        <a:effectRef idx="0">
-          <a:scrgbClr r="0" g="0" b="0"/>
-        </a:effectRef>
-        <a:fontRef idx="minor"/>
-      </dsp:style>
-    </dsp:sp>
-    <dsp:sp modelId="{4825D9DD-2635-4FB0-BB5B-BE87041BF4F1}">
-      <dsp:nvSpPr>
-        <dsp:cNvPr id="0" name=""/>
-        <dsp:cNvSpPr/>
-      </dsp:nvSpPr>
-      <dsp:spPr>
-        <a:xfrm>
-          <a:off x="5882984" y="4626227"/>
-          <a:ext cx="165946" cy="0"/>
-        </a:xfrm>
-        <a:prstGeom prst="line">
-          <a:avLst/>
-        </a:prstGeom>
-        <a:noFill/>
-        <a:ln w="19050" cap="flat" cmpd="sng" algn="ctr">
-          <a:solidFill>
-            <a:schemeClr val="accent4">
-              <a:lumMod val="50000"/>
-            </a:schemeClr>
-          </a:solidFill>
-          <a:prstDash val="solid"/>
-        </a:ln>
-        <a:effectLst/>
-      </dsp:spPr>
-      <dsp:style>
-        <a:lnRef idx="2">
-          <a:scrgbClr r="0" g="0" b="0"/>
-        </a:lnRef>
-        <a:fillRef idx="0">
-          <a:scrgbClr r="0" g="0" b="0"/>
-        </a:fillRef>
-        <a:effectRef idx="0">
-          <a:scrgbClr r="0" g="0" b="0"/>
-        </a:effectRef>
-        <a:fontRef idx="minor"/>
-      </dsp:style>
-    </dsp:sp>
-    <dsp:sp modelId="{D5B1D052-BB80-45F3-9FDD-67126FC0DACE}">
-      <dsp:nvSpPr>
-        <dsp:cNvPr id="0" name=""/>
-        <dsp:cNvSpPr/>
-      </dsp:nvSpPr>
-      <dsp:spPr>
-        <a:xfrm>
-          <a:off x="6048931" y="4273213"/>
-          <a:ext cx="1176714" cy="706028"/>
-        </a:xfrm>
-        <a:prstGeom prst="rect">
-          <a:avLst/>
-        </a:prstGeom>
-        <a:noFill/>
-        <a:ln>
-          <a:noFill/>
-        </a:ln>
-        <a:effectLst/>
-        <a:sp3d/>
-      </dsp:spPr>
-      <dsp:style>
-        <a:lnRef idx="0">
-          <a:scrgbClr r="0" g="0" b="0"/>
-        </a:lnRef>
-        <a:fillRef idx="0">
-          <a:scrgbClr r="0" g="0" b="0"/>
-        </a:fillRef>
-        <a:effectRef idx="0">
-          <a:scrgbClr r="0" g="0" b="0"/>
-        </a:effectRef>
-        <a:fontRef idx="minor"/>
-      </dsp:style>
-      <dsp:txBody>
-        <a:bodyPr spcFirstLastPara="0" vert="horz" wrap="square" lIns="99568" tIns="99568" rIns="99568" bIns="99568" numCol="1" spcCol="1270" anchor="ctr" anchorCtr="0">
-          <a:noAutofit/>
-        </a:bodyPr>
-        <a:lstStyle/>
-        <a:p>
-          <a:pPr lvl="0" algn="ctr" defTabSz="622300" rtl="0">
-            <a:lnSpc>
-              <a:spcPct val="90000"/>
-            </a:lnSpc>
-            <a:spcBef>
-              <a:spcPct val="0"/>
-            </a:spcBef>
-            <a:spcAft>
-              <a:spcPct val="35000"/>
-            </a:spcAft>
-          </a:pPr>
-          <a:r>
-            <a:rPr lang="en-US" sz="1400" b="1" kern="1200" dirty="0" smtClean="0">
-              <a:solidFill>
-                <a:schemeClr val="accent4">
-                  <a:lumMod val="50000"/>
-                </a:schemeClr>
-              </a:solidFill>
-            </a:rPr>
-            <a:t>Python</a:t>
-          </a:r>
-          <a:endParaRPr lang="en-US" sz="1400" b="1" kern="1200" dirty="0">
-            <a:solidFill>
-              <a:schemeClr val="accent4">
-                <a:lumMod val="50000"/>
-              </a:schemeClr>
-            </a:solidFill>
-          </a:endParaRPr>
-        </a:p>
-      </dsp:txBody>
-      <dsp:txXfrm>
-        <a:off x="6048931" y="4273213"/>
-        <a:ext cx="1176714" cy="706028"/>
-      </dsp:txXfrm>
-    </dsp:sp>
-    <dsp:sp modelId="{77365C05-6E8A-4C9B-AD7B-3AA3341F9D8E}">
-      <dsp:nvSpPr>
-        <dsp:cNvPr id="0" name=""/>
-        <dsp:cNvSpPr/>
-      </dsp:nvSpPr>
-      <dsp:spPr>
-        <a:xfrm>
-          <a:off x="7225645" y="4626227"/>
-          <a:ext cx="165946" cy="0"/>
-        </a:xfrm>
-        <a:prstGeom prst="line">
-          <a:avLst/>
-        </a:prstGeom>
-        <a:noFill/>
-        <a:ln w="19050" cap="flat" cmpd="sng" algn="ctr">
-          <a:solidFill>
-            <a:schemeClr val="accent4">
-              <a:lumMod val="50000"/>
-            </a:schemeClr>
-          </a:solidFill>
-          <a:prstDash val="solid"/>
-        </a:ln>
-        <a:effectLst/>
-      </dsp:spPr>
-      <dsp:style>
-        <a:lnRef idx="2">
-          <a:scrgbClr r="0" g="0" b="0"/>
-        </a:lnRef>
-        <a:fillRef idx="0">
-          <a:scrgbClr r="0" g="0" b="0"/>
-        </a:fillRef>
-        <a:effectRef idx="0">
-          <a:scrgbClr r="0" g="0" b="0"/>
-        </a:effectRef>
-        <a:fontRef idx="minor"/>
-      </dsp:style>
-    </dsp:sp>
-    <dsp:sp modelId="{C4FADA27-4F94-4287-8C9C-326FC54DAB65}">
-      <dsp:nvSpPr>
-        <dsp:cNvPr id="0" name=""/>
-        <dsp:cNvSpPr/>
-      </dsp:nvSpPr>
-      <dsp:spPr>
-        <a:xfrm rot="4206116">
-          <a:off x="4539431" y="4389708"/>
-          <a:ext cx="2004782" cy="0"/>
-        </a:xfrm>
-        <a:custGeom>
-          <a:avLst/>
-          <a:gdLst/>
-          <a:ahLst/>
-          <a:cxnLst/>
-          <a:rect l="0" t="0" r="0" b="0"/>
-          <a:pathLst>
-            <a:path>
-              <a:moveTo>
-                <a:pt x="0" y="0"/>
-              </a:moveTo>
-              <a:lnTo>
-                <a:pt x="2004782" y="0"/>
-              </a:lnTo>
-            </a:path>
-          </a:pathLst>
-        </a:custGeom>
-        <a:noFill/>
-        <a:ln w="19050" cap="flat" cmpd="sng" algn="ctr">
-          <a:solidFill>
-            <a:schemeClr val="accent4">
-              <a:lumMod val="50000"/>
-            </a:schemeClr>
-          </a:solidFill>
-          <a:prstDash val="solid"/>
-        </a:ln>
-        <a:effectLst/>
-      </dsp:spPr>
-      <dsp:style>
-        <a:lnRef idx="2">
-          <a:scrgbClr r="0" g="0" b="0"/>
-        </a:lnRef>
-        <a:fillRef idx="0">
-          <a:scrgbClr r="0" g="0" b="0"/>
-        </a:fillRef>
-        <a:effectRef idx="0">
-          <a:scrgbClr r="0" g="0" b="0"/>
-        </a:effectRef>
-        <a:fontRef idx="minor"/>
-      </dsp:style>
-    </dsp:sp>
-    <dsp:sp modelId="{CE1CE96D-192D-48FB-AF8B-A7407DB2EC7B}">
-      <dsp:nvSpPr>
-        <dsp:cNvPr id="0" name=""/>
-        <dsp:cNvSpPr/>
-      </dsp:nvSpPr>
-      <dsp:spPr>
-        <a:xfrm rot="6593884">
-          <a:off x="6730362" y="4389708"/>
-          <a:ext cx="2004782" cy="0"/>
-        </a:xfrm>
-        <a:custGeom>
-          <a:avLst/>
-          <a:gdLst/>
-          <a:ahLst/>
-          <a:cxnLst/>
-          <a:rect l="0" t="0" r="0" b="0"/>
-          <a:pathLst>
-            <a:path>
-              <a:moveTo>
-                <a:pt x="0" y="0"/>
-              </a:moveTo>
-              <a:lnTo>
-                <a:pt x="2004782" y="0"/>
-              </a:lnTo>
-            </a:path>
-          </a:pathLst>
-        </a:custGeom>
-        <a:noFill/>
-        <a:ln w="19050" cap="flat" cmpd="sng" algn="ctr">
-          <a:solidFill>
-            <a:schemeClr val="accent4">
-              <a:lumMod val="50000"/>
-            </a:schemeClr>
-          </a:solidFill>
-          <a:prstDash val="solid"/>
-        </a:ln>
-        <a:effectLst/>
-      </dsp:spPr>
-      <dsp:style>
-        <a:lnRef idx="2">
-          <a:scrgbClr r="0" g="0" b="0"/>
-        </a:lnRef>
-        <a:fillRef idx="0">
-          <a:scrgbClr r="0" g="0" b="0"/>
-        </a:fillRef>
-        <a:effectRef idx="0">
-          <a:scrgbClr r="0" g="0" b="0"/>
-        </a:effectRef>
-        <a:fontRef idx="minor"/>
-      </dsp:style>
-    </dsp:sp>
-    <dsp:sp modelId="{9239EA62-46F7-4986-8576-6E2D0CAC4920}">
-      <dsp:nvSpPr>
-        <dsp:cNvPr id="0" name=""/>
-        <dsp:cNvSpPr/>
-      </dsp:nvSpPr>
-      <dsp:spPr>
-        <a:xfrm>
-          <a:off x="5882984" y="5332256"/>
-          <a:ext cx="165946" cy="0"/>
-        </a:xfrm>
-        <a:prstGeom prst="line">
-          <a:avLst/>
-        </a:prstGeom>
-        <a:noFill/>
-        <a:ln w="19050" cap="flat" cmpd="sng" algn="ctr">
-          <a:solidFill>
-            <a:schemeClr val="accent4">
-              <a:lumMod val="50000"/>
-            </a:schemeClr>
-          </a:solidFill>
-          <a:prstDash val="solid"/>
-        </a:ln>
-        <a:effectLst/>
-      </dsp:spPr>
-      <dsp:style>
-        <a:lnRef idx="2">
-          <a:scrgbClr r="0" g="0" b="0"/>
-        </a:lnRef>
-        <a:fillRef idx="0">
-          <a:scrgbClr r="0" g="0" b="0"/>
-        </a:fillRef>
-        <a:effectRef idx="0">
-          <a:scrgbClr r="0" g="0" b="0"/>
-        </a:effectRef>
-        <a:fontRef idx="minor"/>
-      </dsp:style>
-    </dsp:sp>
-    <dsp:sp modelId="{6AB24E81-9AEA-4431-B4B6-5604CC5A3EA1}">
-      <dsp:nvSpPr>
-        <dsp:cNvPr id="0" name=""/>
-        <dsp:cNvSpPr/>
-      </dsp:nvSpPr>
-      <dsp:spPr>
-        <a:xfrm>
-          <a:off x="6048931" y="4979242"/>
-          <a:ext cx="1176714" cy="706028"/>
-        </a:xfrm>
-        <a:prstGeom prst="rect">
-          <a:avLst/>
-        </a:prstGeom>
-        <a:noFill/>
-        <a:ln>
-          <a:noFill/>
-        </a:ln>
-        <a:effectLst/>
-        <a:sp3d/>
-      </dsp:spPr>
-      <dsp:style>
-        <a:lnRef idx="0">
-          <a:scrgbClr r="0" g="0" b="0"/>
-        </a:lnRef>
-        <a:fillRef idx="0">
-          <a:scrgbClr r="0" g="0" b="0"/>
-        </a:fillRef>
-        <a:effectRef idx="0">
-          <a:scrgbClr r="0" g="0" b="0"/>
-        </a:effectRef>
-        <a:fontRef idx="minor"/>
-      </dsp:style>
-      <dsp:txBody>
-        <a:bodyPr spcFirstLastPara="0" vert="horz" wrap="square" lIns="99568" tIns="99568" rIns="99568" bIns="99568" numCol="1" spcCol="1270" anchor="ctr" anchorCtr="0">
-          <a:noAutofit/>
-        </a:bodyPr>
-        <a:lstStyle/>
-        <a:p>
-          <a:pPr lvl="0" algn="ctr" defTabSz="622300" rtl="0">
-            <a:lnSpc>
-              <a:spcPct val="90000"/>
-            </a:lnSpc>
-            <a:spcBef>
-              <a:spcPct val="0"/>
-            </a:spcBef>
-            <a:spcAft>
-              <a:spcPct val="35000"/>
-            </a:spcAft>
-          </a:pPr>
-          <a:r>
-            <a:rPr lang="en-US" sz="1400" b="1" kern="1200" dirty="0" smtClean="0">
-              <a:solidFill>
-                <a:schemeClr val="accent4">
-                  <a:lumMod val="50000"/>
-                </a:schemeClr>
-              </a:solidFill>
-            </a:rPr>
-            <a:t>LINQ</a:t>
-          </a:r>
-          <a:endParaRPr lang="en-US" sz="1400" b="1" kern="1200" dirty="0">
-            <a:solidFill>
-              <a:schemeClr val="accent4">
-                <a:lumMod val="50000"/>
-              </a:schemeClr>
-            </a:solidFill>
-          </a:endParaRPr>
-        </a:p>
-      </dsp:txBody>
-      <dsp:txXfrm>
-        <a:off x="6048931" y="4979242"/>
-        <a:ext cx="1176714" cy="706028"/>
-      </dsp:txXfrm>
-    </dsp:sp>
-    <dsp:sp modelId="{BE52E739-7D27-4E45-831B-0E2523D0459D}">
-      <dsp:nvSpPr>
-        <dsp:cNvPr id="0" name=""/>
-        <dsp:cNvSpPr/>
-      </dsp:nvSpPr>
-      <dsp:spPr>
-        <a:xfrm>
-          <a:off x="7225645" y="5332256"/>
-          <a:ext cx="165946" cy="0"/>
-        </a:xfrm>
-        <a:prstGeom prst="line">
-          <a:avLst/>
-        </a:prstGeom>
-        <a:noFill/>
-        <a:ln w="19050" cap="flat" cmpd="sng" algn="ctr">
-          <a:solidFill>
-            <a:schemeClr val="accent4">
-              <a:lumMod val="50000"/>
-            </a:schemeClr>
-          </a:solidFill>
-          <a:prstDash val="solid"/>
-        </a:ln>
-        <a:effectLst/>
-      </dsp:spPr>
-      <dsp:style>
-        <a:lnRef idx="2">
-          <a:scrgbClr r="0" g="0" b="0"/>
-        </a:lnRef>
-        <a:fillRef idx="0">
-          <a:scrgbClr r="0" g="0" b="0"/>
-        </a:fillRef>
-        <a:effectRef idx="0">
-          <a:scrgbClr r="0" g="0" b="0"/>
-        </a:effectRef>
-        <a:fontRef idx="minor"/>
-      </dsp:style>
-    </dsp:sp>
-    <dsp:sp modelId="{25865E55-DD3C-4D5B-A42B-5405C63B0E3E}">
-      <dsp:nvSpPr>
-        <dsp:cNvPr id="0" name=""/>
-        <dsp:cNvSpPr/>
-      </dsp:nvSpPr>
-      <dsp:spPr>
-        <a:xfrm>
-          <a:off x="8158248" y="2504304"/>
-          <a:ext cx="1419732" cy="1419732"/>
-        </a:xfrm>
-        <a:prstGeom prst="ellipse">
-          <a:avLst/>
-        </a:prstGeom>
-        <a:solidFill>
-          <a:schemeClr val="accent2"/>
-        </a:solidFill>
-        <a:ln w="19050" cap="flat" cmpd="sng" algn="ctr">
-          <a:solidFill>
-            <a:schemeClr val="lt1">
-              <a:hueOff val="0"/>
-              <a:satOff val="0"/>
-              <a:lumOff val="0"/>
-              <a:alphaOff val="0"/>
-            </a:schemeClr>
-          </a:solidFill>
-          <a:prstDash val="solid"/>
-        </a:ln>
-        <a:effectLst/>
-      </dsp:spPr>
-      <dsp:style>
-        <a:lnRef idx="2">
-          <a:scrgbClr r="0" g="0" b="0"/>
-        </a:lnRef>
-        <a:fillRef idx="1">
-          <a:scrgbClr r="0" g="0" b="0"/>
-        </a:fillRef>
-        <a:effectRef idx="0">
-          <a:scrgbClr r="0" g="0" b="0"/>
-        </a:effectRef>
-        <a:fontRef idx="minor">
-          <a:schemeClr val="lt1"/>
-        </a:fontRef>
-      </dsp:style>
-      <dsp:txBody>
-        <a:bodyPr spcFirstLastPara="0" vert="horz" wrap="square" lIns="0" tIns="0" rIns="0" bIns="0" numCol="1" spcCol="1270" anchor="ctr" anchorCtr="0">
-          <a:noAutofit/>
-        </a:bodyPr>
-        <a:lstStyle/>
-        <a:p>
-          <a:pPr lvl="0" algn="ctr" defTabSz="800100" rtl="0">
-            <a:lnSpc>
-              <a:spcPct val="90000"/>
-            </a:lnSpc>
-            <a:spcBef>
-              <a:spcPct val="0"/>
-            </a:spcBef>
-            <a:spcAft>
-              <a:spcPct val="35000"/>
-            </a:spcAft>
-          </a:pPr>
-          <a:r>
-            <a:rPr lang="en-US" sz="1800" b="1" kern="1200" dirty="0" smtClean="0"/>
-            <a:t>Visualize with</a:t>
-          </a:r>
-          <a:endParaRPr lang="en-US" sz="1800" b="1" kern="1200" dirty="0"/>
-        </a:p>
-      </dsp:txBody>
-      <dsp:txXfrm>
-        <a:off x="8366163" y="2712219"/>
-        <a:ext cx="1003902" cy="1003902"/>
-      </dsp:txXfrm>
-    </dsp:sp>
-    <dsp:sp modelId="{516C0902-9215-4C87-B418-0FC089E72483}">
-      <dsp:nvSpPr>
-        <dsp:cNvPr id="0" name=""/>
-        <dsp:cNvSpPr/>
-      </dsp:nvSpPr>
-      <dsp:spPr>
-        <a:xfrm rot="19041445">
-          <a:off x="9539684" y="2822324"/>
-          <a:ext cx="927582" cy="0"/>
-        </a:xfrm>
-        <a:custGeom>
-          <a:avLst/>
-          <a:gdLst/>
-          <a:ahLst/>
-          <a:cxnLst/>
-          <a:rect l="0" t="0" r="0" b="0"/>
-          <a:pathLst>
-            <a:path>
-              <a:moveTo>
-                <a:pt x="0" y="0"/>
-              </a:moveTo>
-              <a:lnTo>
-                <a:pt x="927582" y="0"/>
-              </a:lnTo>
-            </a:path>
-          </a:pathLst>
-        </a:custGeom>
-        <a:noFill/>
-        <a:ln w="19050" cap="flat" cmpd="sng" algn="ctr">
-          <a:solidFill>
-            <a:schemeClr val="accent4">
-              <a:lumMod val="50000"/>
-            </a:schemeClr>
-          </a:solidFill>
-          <a:prstDash val="solid"/>
-        </a:ln>
-        <a:effectLst/>
-      </dsp:spPr>
-      <dsp:style>
-        <a:lnRef idx="2">
-          <a:scrgbClr r="0" g="0" b="0"/>
-        </a:lnRef>
-        <a:fillRef idx="0">
-          <a:scrgbClr r="0" g="0" b="0"/>
-        </a:fillRef>
-        <a:effectRef idx="0">
-          <a:scrgbClr r="0" g="0" b="0"/>
-        </a:effectRef>
-        <a:fontRef idx="minor"/>
-      </dsp:style>
-    </dsp:sp>
-    <dsp:sp modelId="{6B2C27FD-7970-43EB-AF4F-2E71A1C1BCFF}">
-      <dsp:nvSpPr>
-        <dsp:cNvPr id="0" name=""/>
-        <dsp:cNvSpPr/>
-      </dsp:nvSpPr>
-      <dsp:spPr>
-        <a:xfrm>
-          <a:off x="10344637" y="2508141"/>
-          <a:ext cx="165946" cy="0"/>
-        </a:xfrm>
-        <a:prstGeom prst="line">
-          <a:avLst/>
-        </a:prstGeom>
-        <a:noFill/>
-        <a:ln w="19050" cap="flat" cmpd="sng" algn="ctr">
-          <a:solidFill>
-            <a:schemeClr val="accent4">
-              <a:lumMod val="50000"/>
-            </a:schemeClr>
-          </a:solidFill>
-          <a:prstDash val="solid"/>
-        </a:ln>
-        <a:effectLst/>
-      </dsp:spPr>
-      <dsp:style>
-        <a:lnRef idx="2">
-          <a:scrgbClr r="0" g="0" b="0"/>
-        </a:lnRef>
-        <a:fillRef idx="0">
-          <a:scrgbClr r="0" g="0" b="0"/>
-        </a:fillRef>
-        <a:effectRef idx="0">
-          <a:scrgbClr r="0" g="0" b="0"/>
-        </a:effectRef>
-        <a:fontRef idx="minor"/>
-      </dsp:style>
-    </dsp:sp>
-    <dsp:sp modelId="{EB66AC91-F0D0-473D-8CE0-8CB2300A31DD}">
-      <dsp:nvSpPr>
-        <dsp:cNvPr id="0" name=""/>
-        <dsp:cNvSpPr/>
-      </dsp:nvSpPr>
-      <dsp:spPr>
-        <a:xfrm>
-          <a:off x="10510584" y="2155127"/>
-          <a:ext cx="1176714" cy="706028"/>
-        </a:xfrm>
-        <a:prstGeom prst="rect">
-          <a:avLst/>
-        </a:prstGeom>
-        <a:noFill/>
-        <a:ln>
-          <a:noFill/>
-        </a:ln>
-        <a:effectLst/>
-        <a:sp3d/>
-      </dsp:spPr>
-      <dsp:style>
-        <a:lnRef idx="0">
-          <a:scrgbClr r="0" g="0" b="0"/>
-        </a:lnRef>
-        <a:fillRef idx="0">
-          <a:scrgbClr r="0" g="0" b="0"/>
-        </a:fillRef>
-        <a:effectRef idx="0">
-          <a:scrgbClr r="0" g="0" b="0"/>
-        </a:effectRef>
-        <a:fontRef idx="minor"/>
-      </dsp:style>
-      <dsp:txBody>
-        <a:bodyPr spcFirstLastPara="0" vert="horz" wrap="square" lIns="99568" tIns="99568" rIns="99568" bIns="99568" numCol="1" spcCol="1270" anchor="ctr" anchorCtr="0">
-          <a:noAutofit/>
-        </a:bodyPr>
-        <a:lstStyle/>
-        <a:p>
-          <a:pPr lvl="0" algn="ctr" defTabSz="622300" rtl="0">
-            <a:lnSpc>
-              <a:spcPct val="90000"/>
-            </a:lnSpc>
-            <a:spcBef>
-              <a:spcPct val="0"/>
-            </a:spcBef>
-            <a:spcAft>
-              <a:spcPct val="35000"/>
-            </a:spcAft>
-          </a:pPr>
-          <a:r>
-            <a:rPr lang="en-US" sz="1400" b="1" kern="1200" dirty="0" smtClean="0">
-              <a:solidFill>
-                <a:schemeClr val="accent4">
-                  <a:lumMod val="50000"/>
-                </a:schemeClr>
-              </a:solidFill>
-            </a:rPr>
-            <a:t>F#</a:t>
-          </a:r>
-          <a:endParaRPr lang="en-US" sz="1400" b="1" kern="1200" dirty="0">
-            <a:solidFill>
-              <a:schemeClr val="accent4">
-                <a:lumMod val="50000"/>
-              </a:schemeClr>
-            </a:solidFill>
-          </a:endParaRPr>
-        </a:p>
-      </dsp:txBody>
-      <dsp:txXfrm>
-        <a:off x="10510584" y="2155127"/>
-        <a:ext cx="1176714" cy="706028"/>
-      </dsp:txXfrm>
-    </dsp:sp>
-    <dsp:sp modelId="{E51C02B1-5AC7-4AFF-8300-2851BA3C0A78}">
-      <dsp:nvSpPr>
-        <dsp:cNvPr id="0" name=""/>
-        <dsp:cNvSpPr/>
-      </dsp:nvSpPr>
-      <dsp:spPr>
-        <a:xfrm>
-          <a:off x="9662313" y="3214170"/>
-          <a:ext cx="682323" cy="0"/>
-        </a:xfrm>
-        <a:custGeom>
-          <a:avLst/>
-          <a:gdLst/>
-          <a:ahLst/>
-          <a:cxnLst/>
-          <a:rect l="0" t="0" r="0" b="0"/>
-          <a:pathLst>
-            <a:path>
-              <a:moveTo>
-                <a:pt x="0" y="0"/>
-              </a:moveTo>
-              <a:lnTo>
-                <a:pt x="682323" y="0"/>
-              </a:lnTo>
-            </a:path>
-          </a:pathLst>
-        </a:custGeom>
-        <a:noFill/>
-        <a:ln w="19050" cap="flat" cmpd="sng" algn="ctr">
-          <a:solidFill>
-            <a:schemeClr val="accent4">
-              <a:lumMod val="50000"/>
-            </a:schemeClr>
-          </a:solidFill>
-          <a:prstDash val="solid"/>
-        </a:ln>
-        <a:effectLst/>
-      </dsp:spPr>
-      <dsp:style>
-        <a:lnRef idx="2">
-          <a:scrgbClr r="0" g="0" b="0"/>
-        </a:lnRef>
-        <a:fillRef idx="0">
-          <a:scrgbClr r="0" g="0" b="0"/>
-        </a:fillRef>
-        <a:effectRef idx="0">
-          <a:scrgbClr r="0" g="0" b="0"/>
-        </a:effectRef>
-        <a:fontRef idx="minor"/>
-      </dsp:style>
-    </dsp:sp>
-    <dsp:sp modelId="{2A62AC2C-7BE6-4BA7-86D0-8A6AE565ACA3}">
-      <dsp:nvSpPr>
-        <dsp:cNvPr id="0" name=""/>
-        <dsp:cNvSpPr/>
-      </dsp:nvSpPr>
-      <dsp:spPr>
-        <a:xfrm>
-          <a:off x="10344637" y="3214170"/>
-          <a:ext cx="165946" cy="0"/>
-        </a:xfrm>
-        <a:prstGeom prst="line">
-          <a:avLst/>
-        </a:prstGeom>
-        <a:noFill/>
-        <a:ln w="19050" cap="flat" cmpd="sng" algn="ctr">
-          <a:solidFill>
-            <a:schemeClr val="accent4">
-              <a:lumMod val="50000"/>
-            </a:schemeClr>
-          </a:solidFill>
-          <a:prstDash val="solid"/>
-        </a:ln>
-        <a:effectLst/>
-      </dsp:spPr>
-      <dsp:style>
-        <a:lnRef idx="2">
-          <a:scrgbClr r="0" g="0" b="0"/>
-        </a:lnRef>
-        <a:fillRef idx="0">
-          <a:scrgbClr r="0" g="0" b="0"/>
-        </a:fillRef>
-        <a:effectRef idx="0">
-          <a:scrgbClr r="0" g="0" b="0"/>
-        </a:effectRef>
-        <a:fontRef idx="minor"/>
-      </dsp:style>
-    </dsp:sp>
-    <dsp:sp modelId="{C8548DA5-27E7-4A78-A521-70CFCE2E57F6}">
-      <dsp:nvSpPr>
-        <dsp:cNvPr id="0" name=""/>
-        <dsp:cNvSpPr/>
-      </dsp:nvSpPr>
-      <dsp:spPr>
-        <a:xfrm>
-          <a:off x="10510584" y="2861156"/>
-          <a:ext cx="1176714" cy="706028"/>
-        </a:xfrm>
-        <a:prstGeom prst="rect">
-          <a:avLst/>
-        </a:prstGeom>
-        <a:noFill/>
-        <a:ln>
-          <a:noFill/>
-        </a:ln>
-        <a:effectLst/>
-        <a:sp3d/>
-      </dsp:spPr>
-      <dsp:style>
-        <a:lnRef idx="0">
-          <a:scrgbClr r="0" g="0" b="0"/>
-        </a:lnRef>
-        <a:fillRef idx="0">
-          <a:scrgbClr r="0" g="0" b="0"/>
-        </a:fillRef>
-        <a:effectRef idx="0">
-          <a:scrgbClr r="0" g="0" b="0"/>
-        </a:effectRef>
-        <a:fontRef idx="minor"/>
-      </dsp:style>
-      <dsp:txBody>
-        <a:bodyPr spcFirstLastPara="0" vert="horz" wrap="square" lIns="99568" tIns="99568" rIns="99568" bIns="99568" numCol="1" spcCol="1270" anchor="ctr" anchorCtr="0">
-          <a:noAutofit/>
-        </a:bodyPr>
-        <a:lstStyle/>
-        <a:p>
-          <a:pPr lvl="0" algn="ctr" defTabSz="622300" rtl="0">
-            <a:lnSpc>
-              <a:spcPct val="90000"/>
-            </a:lnSpc>
-            <a:spcBef>
-              <a:spcPct val="0"/>
-            </a:spcBef>
-            <a:spcAft>
-              <a:spcPct val="35000"/>
-            </a:spcAft>
-          </a:pPr>
-          <a:r>
-            <a:rPr lang="en-US" sz="1400" b="1" kern="1200" dirty="0" smtClean="0">
-              <a:solidFill>
-                <a:schemeClr val="accent4">
-                  <a:lumMod val="50000"/>
-                </a:schemeClr>
-              </a:solidFill>
-            </a:rPr>
-            <a:t>Matlab</a:t>
-          </a:r>
-          <a:endParaRPr lang="en-US" sz="1400" b="1" kern="1200" dirty="0">
-            <a:solidFill>
-              <a:schemeClr val="accent4">
-                <a:lumMod val="50000"/>
-              </a:schemeClr>
-            </a:solidFill>
-          </a:endParaRPr>
-        </a:p>
-      </dsp:txBody>
-      <dsp:txXfrm>
-        <a:off x="10510584" y="2861156"/>
-        <a:ext cx="1176714" cy="706028"/>
-      </dsp:txXfrm>
-    </dsp:sp>
-    <dsp:sp modelId="{2D4E3B46-274D-41C9-A405-EE9C4DFCAE88}">
-      <dsp:nvSpPr>
-        <dsp:cNvPr id="0" name=""/>
-        <dsp:cNvSpPr/>
-      </dsp:nvSpPr>
-      <dsp:spPr>
-        <a:xfrm rot="2558555">
-          <a:off x="9539684" y="3606016"/>
-          <a:ext cx="927582" cy="0"/>
-        </a:xfrm>
-        <a:custGeom>
-          <a:avLst/>
-          <a:gdLst/>
-          <a:ahLst/>
-          <a:cxnLst/>
-          <a:rect l="0" t="0" r="0" b="0"/>
-          <a:pathLst>
-            <a:path>
-              <a:moveTo>
-                <a:pt x="0" y="0"/>
-              </a:moveTo>
-              <a:lnTo>
-                <a:pt x="927582" y="0"/>
-              </a:lnTo>
-            </a:path>
-          </a:pathLst>
-        </a:custGeom>
-        <a:noFill/>
-        <a:ln w="19050" cap="flat" cmpd="sng" algn="ctr">
-          <a:solidFill>
-            <a:schemeClr val="accent4">
-              <a:lumMod val="50000"/>
-            </a:schemeClr>
-          </a:solidFill>
-          <a:prstDash val="solid"/>
-        </a:ln>
-        <a:effectLst/>
-      </dsp:spPr>
-      <dsp:style>
-        <a:lnRef idx="2">
-          <a:scrgbClr r="0" g="0" b="0"/>
-        </a:lnRef>
-        <a:fillRef idx="0">
-          <a:scrgbClr r="0" g="0" b="0"/>
-        </a:fillRef>
-        <a:effectRef idx="0">
-          <a:scrgbClr r="0" g="0" b="0"/>
-        </a:effectRef>
-        <a:fontRef idx="minor"/>
-      </dsp:style>
-    </dsp:sp>
-    <dsp:sp modelId="{33389D76-AAF6-49EE-9D34-24DA68352EA1}">
-      <dsp:nvSpPr>
-        <dsp:cNvPr id="0" name=""/>
-        <dsp:cNvSpPr/>
-      </dsp:nvSpPr>
-      <dsp:spPr>
-        <a:xfrm>
-          <a:off x="10344637" y="3920199"/>
-          <a:ext cx="165946" cy="0"/>
-        </a:xfrm>
-        <a:prstGeom prst="line">
-          <a:avLst/>
-        </a:prstGeom>
-        <a:noFill/>
-        <a:ln w="19050" cap="flat" cmpd="sng" algn="ctr">
-          <a:solidFill>
-            <a:schemeClr val="accent4">
-              <a:lumMod val="50000"/>
-            </a:schemeClr>
-          </a:solidFill>
-          <a:prstDash val="solid"/>
-        </a:ln>
-        <a:effectLst/>
-      </dsp:spPr>
-      <dsp:style>
-        <a:lnRef idx="2">
-          <a:scrgbClr r="0" g="0" b="0"/>
-        </a:lnRef>
-        <a:fillRef idx="0">
-          <a:scrgbClr r="0" g="0" b="0"/>
-        </a:fillRef>
-        <a:effectRef idx="0">
-          <a:scrgbClr r="0" g="0" b="0"/>
-        </a:effectRef>
-        <a:fontRef idx="minor"/>
-      </dsp:style>
-    </dsp:sp>
-    <dsp:sp modelId="{B21442F9-A06F-4630-B09F-3A54EED0F62D}">
-      <dsp:nvSpPr>
-        <dsp:cNvPr id="0" name=""/>
-        <dsp:cNvSpPr/>
-      </dsp:nvSpPr>
-      <dsp:spPr>
-        <a:xfrm>
-          <a:off x="10510584" y="3567184"/>
-          <a:ext cx="1176714" cy="706028"/>
-        </a:xfrm>
-        <a:prstGeom prst="rect">
-          <a:avLst/>
-        </a:prstGeom>
-        <a:noFill/>
-        <a:ln>
-          <a:noFill/>
-        </a:ln>
-        <a:effectLst/>
-        <a:sp3d/>
-      </dsp:spPr>
-      <dsp:style>
-        <a:lnRef idx="0">
-          <a:scrgbClr r="0" g="0" b="0"/>
-        </a:lnRef>
-        <a:fillRef idx="0">
-          <a:scrgbClr r="0" g="0" b="0"/>
-        </a:fillRef>
-        <a:effectRef idx="0">
-          <a:scrgbClr r="0" g="0" b="0"/>
-        </a:effectRef>
-        <a:fontRef idx="minor"/>
-      </dsp:style>
-      <dsp:txBody>
-        <a:bodyPr spcFirstLastPara="0" vert="horz" wrap="square" lIns="99568" tIns="99568" rIns="99568" bIns="99568" numCol="1" spcCol="1270" anchor="ctr" anchorCtr="0">
-          <a:noAutofit/>
-        </a:bodyPr>
-        <a:lstStyle/>
-        <a:p>
-          <a:pPr lvl="0" algn="ctr" defTabSz="622300" rtl="0">
-            <a:lnSpc>
-              <a:spcPct val="90000"/>
-            </a:lnSpc>
-            <a:spcBef>
-              <a:spcPct val="0"/>
-            </a:spcBef>
-            <a:spcAft>
-              <a:spcPct val="35000"/>
-            </a:spcAft>
-          </a:pPr>
-          <a:r>
-            <a:rPr lang="en-US" sz="1400" b="1" kern="1200" dirty="0" smtClean="0">
-              <a:solidFill>
-                <a:schemeClr val="accent4">
-                  <a:lumMod val="50000"/>
-                </a:schemeClr>
-              </a:solidFill>
-            </a:rPr>
-            <a:t>R</a:t>
-          </a:r>
-          <a:endParaRPr lang="en-US" sz="1400" b="1" kern="1200" dirty="0">
-            <a:solidFill>
-              <a:schemeClr val="accent4">
-                <a:lumMod val="50000"/>
-              </a:schemeClr>
-            </a:solidFill>
-          </a:endParaRPr>
-        </a:p>
-      </dsp:txBody>
-      <dsp:txXfrm>
-        <a:off x="10510584" y="3567184"/>
-        <a:ext cx="1176714" cy="706028"/>
-      </dsp:txXfrm>
-    </dsp:sp>
   </dsp:spTree>
 </dsp:drawing>
 </file>
@@ -26973,7 +21776,7 @@
           <a:p>
             <a:fld id="{B29F3420-C2EF-4F9B-B7E0-7B1D6CD072D5}" type="datetimeFigureOut">
               <a:rPr lang="en-US" smtClean="0"/>
-              <a:t>7/10/14</a:t>
+              <a:t>7/11/2014</a:t>
             </a:fld>
             <a:endParaRPr lang="en-US" dirty="0"/>
           </a:p>
@@ -27138,7 +21941,7 @@
           <a:p>
             <a:fld id="{F81B89EF-20F4-41E1-849C-92F341F1F0A0}" type="datetimeFigureOut">
               <a:rPr lang="en-US" smtClean="0"/>
-              <a:t>7/10/14</a:t>
+              <a:t>7/11/2014</a:t>
             </a:fld>
             <a:endParaRPr lang="en-US" dirty="0"/>
           </a:p>
@@ -27569,11 +22372,28 @@
           <a:p>
             <a:r>
               <a:rPr lang="en-US" dirty="0" smtClean="0"/>
+              <a:t>Just implemen</a:t>
+            </a:r>
+            <a:r>
+              <a:rPr lang="en-US" baseline="0" dirty="0" smtClean="0"/>
+              <a:t>ting an interface. Serious bit of code. If just a one-off, don’t do it. </a:t>
+            </a:r>
+          </a:p>
+          <a:p>
+            <a:endParaRPr lang="en-US" baseline="0" dirty="0" smtClean="0"/>
+          </a:p>
+          <a:p>
+            <a:r>
+              <a:rPr lang="en-US" dirty="0" smtClean="0"/>
               <a:t>Stable</a:t>
             </a:r>
             <a:r>
               <a:rPr lang="en-US" baseline="0" dirty="0" smtClean="0"/>
-              <a:t> at runtime is recommended. </a:t>
+              <a:t> </a:t>
+            </a:r>
+            <a:r>
+              <a:rPr lang="en-US" baseline="0" dirty="0" smtClean="0"/>
+              <a:t>at runtime is recommended. </a:t>
             </a:r>
             <a:endParaRPr lang="en-US" dirty="0"/>
           </a:p>
@@ -27992,13 +22812,8 @@
           <a:p>
             <a:r>
               <a:rPr lang="en-US" dirty="0" smtClean="0"/>
-              <a:t>World is information-rich! Exploration is fun! </a:t>
+              <a:t>World is information-rich! Exploration is fun! Big data! </a:t>
             </a:r>
-            <a:r>
-              <a:rPr lang="en-US" dirty="0" smtClean="0"/>
-              <a:t>Big data! </a:t>
-            </a:r>
-            <a:endParaRPr lang="en-US" dirty="0" smtClean="0"/>
           </a:p>
           <a:p>
             <a:endParaRPr lang="en-US" dirty="0" smtClean="0"/>
@@ -28206,6 +23021,20 @@
           <a:bodyPr/>
           <a:lstStyle/>
           <a:p>
+            <a:r>
+              <a:rPr lang="en-US" dirty="0" smtClean="0"/>
+              <a:t>REPL -&gt; Discovery.</a:t>
+            </a:r>
+          </a:p>
+          <a:p>
+            <a:r>
+              <a:rPr lang="en-US" dirty="0" smtClean="0"/>
+              <a:t>No Code Gen -&gt;</a:t>
+            </a:r>
+            <a:r>
+              <a:rPr lang="en-US" baseline="0" dirty="0" smtClean="0"/>
+              <a:t> EF </a:t>
+            </a:r>
             <a:endParaRPr lang="en-US" dirty="0"/>
           </a:p>
         </p:txBody>
@@ -28298,6 +23127,12 @@
         <p:txBody>
           <a:bodyPr/>
           <a:lstStyle/>
+          <a:p>
+            <a:r>
+              <a:rPr lang="en-US" smtClean="0"/>
+              <a:t>https://github.com/fsprojects/FSharp.TypeProviders.StarterPack</a:t>
+            </a:r>
+          </a:p>
           <a:p>
             <a:endParaRPr lang="en-US" dirty="0"/>
           </a:p>
@@ -28720,7 +23555,7 @@
                 </a:solidFill>
               </a:rPr>
               <a:pPr/>
-              <a:t>7/10/14</a:t>
+              <a:t>7/11/2014</a:t>
             </a:fld>
             <a:endParaRPr lang="en-US" dirty="0">
               <a:solidFill>
@@ -28855,7 +23690,7 @@
   </p:clrMapOvr>
   <p:extLst mod="1">
     <p:ext uri="{DCECCB84-F9BA-43D5-87BE-67443E8EF086}">
-      <p15:sldGuideLst xmlns:p15="http://schemas.microsoft.com/office/powerpoint/2012/main" xmlns=""/>
+      <p15:sldGuideLst xmlns:p15="http://schemas.microsoft.com/office/powerpoint/2012/main"/>
     </p:ext>
   </p:extLst>
 </p:sldLayout>
@@ -28977,7 +23812,7 @@
                 </a:solidFill>
               </a:rPr>
               <a:pPr/>
-              <a:t>7/10/14</a:t>
+              <a:t>7/11/2014</a:t>
             </a:fld>
             <a:endParaRPr lang="en-US" dirty="0">
               <a:solidFill>
@@ -29189,7 +24024,7 @@
                 </a:solidFill>
               </a:rPr>
               <a:pPr/>
-              <a:t>7/10/14</a:t>
+              <a:t>7/11/2014</a:t>
             </a:fld>
             <a:endParaRPr lang="en-US" dirty="0">
               <a:solidFill>
@@ -29472,7 +24307,7 @@
                 </a:solidFill>
               </a:rPr>
               <a:pPr/>
-              <a:t>7/10/14</a:t>
+              <a:t>7/11/2014</a:t>
             </a:fld>
             <a:endParaRPr lang="en-US" dirty="0">
               <a:solidFill>
@@ -29759,7 +24594,7 @@
                 </a:solidFill>
               </a:rPr>
               <a:pPr/>
-              <a:t>7/10/14</a:t>
+              <a:t>7/11/2014</a:t>
             </a:fld>
             <a:endParaRPr lang="en-US" dirty="0">
               <a:solidFill>
@@ -30113,7 +24948,7 @@
                 </a:solidFill>
               </a:rPr>
               <a:pPr/>
-              <a:t>7/10/14</a:t>
+              <a:t>7/11/2014</a:t>
             </a:fld>
             <a:endParaRPr lang="en-US" dirty="0">
               <a:solidFill>
@@ -30569,7 +25404,7 @@
                 </a:solidFill>
               </a:rPr>
               <a:pPr/>
-              <a:t>7/10/14</a:t>
+              <a:t>7/11/2014</a:t>
             </a:fld>
             <a:endParaRPr lang="en-US" dirty="0">
               <a:solidFill>
@@ -30719,7 +25554,7 @@
                 </a:solidFill>
               </a:rPr>
               <a:pPr/>
-              <a:t>7/10/14</a:t>
+              <a:t>7/11/2014</a:t>
             </a:fld>
             <a:endParaRPr lang="en-US" dirty="0">
               <a:solidFill>
@@ -30846,7 +25681,7 @@
                 </a:solidFill>
               </a:rPr>
               <a:pPr/>
-              <a:t>7/10/14</a:t>
+              <a:t>7/11/2014</a:t>
             </a:fld>
             <a:endParaRPr lang="en-US" dirty="0">
               <a:solidFill>
@@ -31131,7 +25966,7 @@
                 </a:solidFill>
               </a:rPr>
               <a:pPr/>
-              <a:t>7/10/14</a:t>
+              <a:t>7/11/2014</a:t>
             </a:fld>
             <a:endParaRPr lang="en-US" dirty="0">
               <a:solidFill>
@@ -31254,7 +26089,7 @@
   <p:timing>
     <p:tnLst>
       <p:par>
-        <p:cTn xmlns:p14="http://schemas.microsoft.com/office/powerpoint/2010/main" id="1" dur="indefinite" restart="never" nodeType="tmRoot"/>
+        <p:cTn id="1" dur="indefinite" restart="never" nodeType="tmRoot"/>
       </p:par>
     </p:tnLst>
   </p:timing>
@@ -31442,7 +26277,7 @@
                 </a:solidFill>
               </a:rPr>
               <a:pPr/>
-              <a:t>7/10/14</a:t>
+              <a:t>7/11/2014</a:t>
             </a:fld>
             <a:endParaRPr lang="en-US" dirty="0">
               <a:solidFill>
@@ -31564,7 +26399,7 @@
   </p:clrMapOvr>
   <p:extLst mod="1">
     <p:ext uri="{DCECCB84-F9BA-43D5-87BE-67443E8EF086}">
-      <p15:sldGuideLst xmlns:p15="http://schemas.microsoft.com/office/powerpoint/2012/main" xmlns="">
+      <p15:sldGuideLst xmlns:p15="http://schemas.microsoft.com/office/powerpoint/2012/main">
         <p15:guide id="1" orient="horz" pos="144" userDrawn="1">
           <p15:clr>
             <a:srgbClr val="FBAE40"/>
@@ -31812,7 +26647,7 @@
                 </a:solidFill>
               </a:rPr>
               <a:pPr defTabSz="914126"/>
-              <a:t>7/10/14</a:t>
+              <a:t>7/11/2014</a:t>
             </a:fld>
             <a:endParaRPr lang="en-US" dirty="0">
               <a:solidFill>
@@ -31943,7 +26778,7 @@
   <p:timing>
     <p:tnLst>
       <p:par>
-        <p:cTn xmlns:p14="http://schemas.microsoft.com/office/powerpoint/2010/main" id="1" dur="indefinite" restart="never" nodeType="tmRoot"/>
+        <p:cTn id="1" dur="indefinite" restart="never" nodeType="tmRoot"/>
       </p:par>
     </p:tnLst>
   </p:timing>
@@ -32299,7 +27134,7 @@
   </p:txStyles>
   <p:extLst mod="1">
     <p:ext uri="{27BBF7A9-308A-43DC-89C8-2F10F3537804}">
-      <p15:sldGuideLst xmlns:p15="http://schemas.microsoft.com/office/powerpoint/2012/main" xmlns="">
+      <p15:sldGuideLst xmlns:p15="http://schemas.microsoft.com/office/powerpoint/2012/main">
         <p15:guide id="1" orient="horz" pos="3912" userDrawn="1">
           <p15:clr>
             <a:srgbClr val="F26B43"/>
@@ -32498,7 +27333,7 @@
   <p:timing>
     <p:tnLst>
       <p:par>
-        <p:cTn xmlns:p14="http://schemas.microsoft.com/office/powerpoint/2010/main" id="1" dur="indefinite" restart="never" nodeType="tmRoot"/>
+        <p:cTn id="1" dur="indefinite" restart="never" nodeType="tmRoot"/>
       </p:par>
     </p:tnLst>
   </p:timing>
@@ -32581,7 +27416,7 @@
   <p:timing>
     <p:tnLst>
       <p:par>
-        <p:cTn xmlns:p14="http://schemas.microsoft.com/office/powerpoint/2010/main" id="1" dur="indefinite" restart="never" nodeType="tmRoot"/>
+        <p:cTn id="1" dur="indefinite" restart="never" nodeType="tmRoot"/>
       </p:par>
     </p:tnLst>
   </p:timing>
@@ -32763,7 +27598,7 @@
   <p:timing>
     <p:tnLst>
       <p:par>
-        <p:cTn xmlns:p14="http://schemas.microsoft.com/office/powerpoint/2010/main" id="1" dur="indefinite" restart="never" nodeType="tmRoot">
+        <p:cTn id="1" dur="indefinite" restart="never" nodeType="tmRoot">
           <p:childTnLst>
             <p:seq concurrent="1" nextAc="seek">
               <p:cTn id="2" dur="indefinite" nodeType="mainSeq">
@@ -32971,7 +27806,7 @@
   <p:timing>
     <p:tnLst>
       <p:par>
-        <p:cTn xmlns:p14="http://schemas.microsoft.com/office/powerpoint/2010/main" id="1" dur="indefinite" restart="never" nodeType="tmRoot"/>
+        <p:cTn id="1" dur="indefinite" restart="never" nodeType="tmRoot"/>
       </p:par>
     </p:tnLst>
   </p:timing>
@@ -33155,7 +27990,7 @@
   <p:timing>
     <p:tnLst>
       <p:par>
-        <p:cTn xmlns:p14="http://schemas.microsoft.com/office/powerpoint/2010/main" id="1" dur="indefinite" restart="never" nodeType="tmRoot"/>
+        <p:cTn id="1" dur="indefinite" restart="never" nodeType="tmRoot"/>
       </p:par>
     </p:tnLst>
   </p:timing>
@@ -33245,7 +28080,7 @@
   <p:timing>
     <p:tnLst>
       <p:par>
-        <p:cTn xmlns:p14="http://schemas.microsoft.com/office/powerpoint/2010/main" id="1" dur="indefinite" restart="never" nodeType="tmRoot"/>
+        <p:cTn id="1" dur="indefinite" restart="never" nodeType="tmRoot"/>
       </p:par>
     </p:tnLst>
   </p:timing>
@@ -33651,7 +28486,7 @@
   <p:timing>
     <p:tnLst>
       <p:par>
-        <p:cTn xmlns:p14="http://schemas.microsoft.com/office/powerpoint/2010/main" id="1" dur="indefinite" restart="never" nodeType="tmRoot">
+        <p:cTn id="1" dur="indefinite" restart="never" nodeType="tmRoot">
           <p:childTnLst>
             <p:seq concurrent="1" nextAc="seek">
               <p:cTn id="2" dur="indefinite" nodeType="mainSeq">
@@ -33924,7 +28759,7 @@
   <p:timing>
     <p:tnLst>
       <p:par>
-        <p:cTn xmlns:p14="http://schemas.microsoft.com/office/powerpoint/2010/main" id="1" dur="indefinite" restart="never" nodeType="tmRoot">
+        <p:cTn id="1" dur="indefinite" restart="never" nodeType="tmRoot">
           <p:childTnLst>
             <p:seq concurrent="1" nextAc="seek">
               <p:cTn id="2" dur="indefinite" nodeType="mainSeq">
@@ -34258,7 +29093,7 @@
   <p:timing>
     <p:tnLst>
       <p:par>
-        <p:cTn xmlns:p14="http://schemas.microsoft.com/office/powerpoint/2010/main" id="1" dur="indefinite" restart="never" nodeType="tmRoot">
+        <p:cTn id="1" dur="indefinite" restart="never" nodeType="tmRoot">
           <p:childTnLst>
             <p:seq concurrent="1" nextAc="seek">
               <p:cTn id="2" dur="indefinite" nodeType="mainSeq">
@@ -34767,7 +29602,7 @@
   <p:timing>
     <p:tnLst>
       <p:par>
-        <p:cTn xmlns:p14="http://schemas.microsoft.com/office/powerpoint/2010/main" id="1" dur="indefinite" restart="never" nodeType="tmRoot">
+        <p:cTn id="1" dur="indefinite" restart="never" nodeType="tmRoot">
           <p:childTnLst>
             <p:seq concurrent="1" nextAc="seek">
               <p:cTn id="2" dur="indefinite" nodeType="mainSeq">
@@ -35152,48 +29987,67 @@
         </p:nvSpPr>
         <p:spPr/>
         <p:txBody>
-          <a:bodyPr/>
+          <a:bodyPr>
+            <a:normAutofit lnSpcReduction="10000"/>
+          </a:bodyPr>
           <a:lstStyle/>
           <a:p>
             <a:pPr lvl="0"/>
             <a:r>
-              <a:rPr lang="en-US" smtClean="0"/>
+              <a:rPr lang="en-US" dirty="0" smtClean="0"/>
               <a:t>WSDL Mash-up</a:t>
             </a:r>
           </a:p>
           <a:p>
             <a:pPr lvl="0"/>
             <a:r>
-              <a:rPr lang="en-US" smtClean="0"/>
+              <a:rPr lang="en-US" dirty="0" err="1" smtClean="0"/>
               <a:t>SQLDataConnection</a:t>
             </a:r>
+            <a:endParaRPr lang="en-US" dirty="0" smtClean="0"/>
           </a:p>
           <a:p>
             <a:pPr lvl="0"/>
             <a:r>
-              <a:rPr lang="en-US" smtClean="0"/>
+              <a:rPr lang="en-US" dirty="0" err="1" smtClean="0"/>
               <a:t>SQLEntityConnection</a:t>
             </a:r>
+            <a:endParaRPr lang="en-US" dirty="0" smtClean="0"/>
           </a:p>
           <a:p>
             <a:pPr lvl="0"/>
             <a:r>
-              <a:rPr lang="en-US" smtClean="0"/>
+              <a:rPr lang="en-US" dirty="0" err="1" smtClean="0"/>
               <a:t>Powershell</a:t>
             </a:r>
+            <a:endParaRPr lang="en-US" dirty="0" smtClean="0"/>
           </a:p>
           <a:p>
             <a:pPr lvl="0"/>
             <a:r>
-              <a:rPr lang="en-US" smtClean="0"/>
+              <a:rPr lang="en-US" dirty="0" smtClean="0"/>
               <a:t>World Bank/R Mash-up</a:t>
             </a:r>
           </a:p>
           <a:p>
             <a:pPr lvl="0"/>
             <a:r>
-              <a:rPr lang="en-US" smtClean="0"/>
+              <a:rPr lang="en-US" dirty="0" smtClean="0"/>
               <a:t>Freebase</a:t>
+            </a:r>
+          </a:p>
+          <a:p>
+            <a:pPr lvl="0"/>
+            <a:r>
+              <a:rPr lang="en-US" dirty="0" smtClean="0"/>
+              <a:t>XAML</a:t>
+            </a:r>
+          </a:p>
+          <a:p>
+            <a:pPr lvl="0"/>
+            <a:r>
+              <a:rPr lang="en-US" dirty="0" smtClean="0"/>
+              <a:t>SQLite</a:t>
             </a:r>
             <a:endParaRPr lang="en-US" dirty="0" smtClean="0"/>
           </a:p>
@@ -35271,7 +30125,7 @@
   <p:timing>
     <p:tnLst>
       <p:par>
-        <p:cTn xmlns:p14="http://schemas.microsoft.com/office/powerpoint/2010/main" id="1" dur="indefinite" restart="never" nodeType="tmRoot"/>
+        <p:cTn id="1" dur="indefinite" restart="never" nodeType="tmRoot"/>
       </p:par>
     </p:tnLst>
   </p:timing>
@@ -35397,7 +30251,7 @@
   <p:timing>
     <p:tnLst>
       <p:par>
-        <p:cTn xmlns:p14="http://schemas.microsoft.com/office/powerpoint/2010/main" id="1" dur="indefinite" restart="never" nodeType="tmRoot"/>
+        <p:cTn id="1" dur="indefinite" restart="never" nodeType="tmRoot"/>
       </p:par>
     </p:tnLst>
   </p:timing>
@@ -35492,7 +30346,7 @@
   <p:timing>
     <p:tnLst>
       <p:par>
-        <p:cTn xmlns:p14="http://schemas.microsoft.com/office/powerpoint/2010/main" id="1" dur="indefinite" restart="never" nodeType="tmRoot"/>
+        <p:cTn id="1" dur="indefinite" restart="never" nodeType="tmRoot"/>
       </p:par>
     </p:tnLst>
   </p:timing>
@@ -35670,7 +30524,7 @@
   <a:extraClrSchemeLst/>
   <a:extLst>
     <a:ext uri="{05A4C25C-085E-4340-85A3-A5531E510DB2}">
-      <thm15:themeFamily xmlns:thm15="http://schemas.microsoft.com/office/thememl/2012/main" xmlns="" name="Basis" id="{5665723A-49BA-4B57-8411-A56F8F207965}" vid="{90E45F77-AEFC-46EF-A7C1-5B338C297B02}"/>
+      <thm15:themeFamily xmlns:thm15="http://schemas.microsoft.com/office/thememl/2012/main" name="Basis" id="{5665723A-49BA-4B57-8411-A56F8F207965}" vid="{90E45F77-AEFC-46EF-A7C1-5B338C297B02}"/>
     </a:ext>
   </a:extLst>
 </a:theme>
@@ -35931,7 +30785,7 @@
   <a:extraClrSchemeLst/>
   <a:extLst>
     <a:ext uri="{05A4C25C-085E-4340-85A3-A5531E510DB2}">
-      <thm15:themeFamily xmlns:thm15="http://schemas.microsoft.com/office/thememl/2012/main" xmlns="" name="Office Theme" id="{62F939B6-93AF-4DB8-9C6B-D6C7DFDC589F}" vid="{4A3C46E8-61CC-4603-A589-7422A47A8E4A}"/>
+      <thm15:themeFamily xmlns:thm15="http://schemas.microsoft.com/office/thememl/2012/main" name="Office Theme" id="{62F939B6-93AF-4DB8-9C6B-D6C7DFDC589F}" vid="{4A3C46E8-61CC-4603-A589-7422A47A8E4A}"/>
     </a:ext>
   </a:extLst>
 </a:theme>
@@ -36192,7 +31046,7 @@
   <a:extraClrSchemeLst/>
   <a:extLst>
     <a:ext uri="{05A4C25C-085E-4340-85A3-A5531E510DB2}">
-      <thm15:themeFamily xmlns:thm15="http://schemas.microsoft.com/office/thememl/2012/main" xmlns="" name="Office Theme" id="{62F939B6-93AF-4DB8-9C6B-D6C7DFDC589F}" vid="{4A3C46E8-61CC-4603-A589-7422A47A8E4A}"/>
+      <thm15:themeFamily xmlns:thm15="http://schemas.microsoft.com/office/thememl/2012/main" name="Office Theme" id="{62F939B6-93AF-4DB8-9C6B-D6C7DFDC589F}" vid="{4A3C46E8-61CC-4603-A589-7422A47A8E4A}"/>
     </a:ext>
   </a:extLst>
 </a:theme>

--- a/Type Providers/Type Providers.pptx
+++ b/Type Providers/Type Providers.pptx
@@ -165,7 +165,7 @@
       </p14:sectionLst>
     </p:ext>
     <p:ext uri="{EFAFB233-063F-42B5-8137-9DF3F51BA10A}">
-      <p15:sldGuideLst xmlns:p15="http://schemas.microsoft.com/office/powerpoint/2012/main">
+      <p15:sldGuideLst xmlns:p15="http://schemas.microsoft.com/office/powerpoint/2012/main" xmlns="">
         <p15:guide id="1" pos="3383" userDrawn="1">
           <p15:clr>
             <a:srgbClr val="A4A3A4"/>
@@ -184,7 +184,7 @@
       </p15:sldGuideLst>
     </p:ext>
     <p:ext uri="{2D200454-40CA-4A62-9FC3-DE9A4176ACB9}">
-      <p15:notesGuideLst xmlns:p15="http://schemas.microsoft.com/office/powerpoint/2012/main"/>
+      <p15:notesGuideLst xmlns:p15="http://schemas.microsoft.com/office/powerpoint/2012/main" xmlns=""/>
     </p:ext>
   </p:extLst>
 </p:presentation>
@@ -5406,8 +5406,8 @@
     <dgm:cxn modelId="{D56EB2D8-5FDF-4692-9920-FD79A3311815}" type="presOf" srcId="{0B1D3EB6-DDAD-4074-AD89-1328ED184427}" destId="{00C18325-64BA-4230-8D42-A8CBBE2E541A}" srcOrd="0" destOrd="0" presId="urn:microsoft.com/office/officeart/2008/layout/AlternatingPictureBlocks"/>
     <dgm:cxn modelId="{5605B05D-9DD7-4070-B3CE-BAEE4864C5BE}" type="presOf" srcId="{F48CB2E3-D8BE-404E-A0D2-EEB3E1242A50}" destId="{538C1F93-2633-4DB7-AA7D-A5DE4FC8CB5A}" srcOrd="0" destOrd="0" presId="urn:microsoft.com/office/officeart/2008/layout/AlternatingPictureBlocks"/>
     <dgm:cxn modelId="{9725BDCF-4BB2-42FD-A2FB-17C284C08CD7}" srcId="{4E1E4C3E-5D80-4250-A36F-E2D6F8CE2114}" destId="{0B1D3EB6-DDAD-4074-AD89-1328ED184427}" srcOrd="1" destOrd="0" parTransId="{A0B0BA24-7BBD-4169-A6E4-C30BE3C7D4C6}" sibTransId="{02B22490-15FC-4C3F-8863-8A3E5A29C80C}"/>
+    <dgm:cxn modelId="{DF629EDD-CDDD-4422-BD5A-CACB7A74E2A8}" srcId="{0B1D3EB6-DDAD-4074-AD89-1328ED184427}" destId="{B9CFF899-EA87-447F-8310-377F7EA336B9}" srcOrd="0" destOrd="0" parTransId="{516D0FCC-58B7-4A3F-875C-505C5BEE0B2A}" sibTransId="{DDC7F697-1D79-4A68-AD43-E40B28D1EE4E}"/>
     <dgm:cxn modelId="{B3060CEB-B955-4ABF-8714-857ED9A2A44F}" srcId="{0B1D3EB6-DDAD-4074-AD89-1328ED184427}" destId="{B5557B3C-A729-44E7-B06E-8E406FFFF1BD}" srcOrd="1" destOrd="0" parTransId="{9B0ACE6D-CF28-47A6-BE42-2EE8D0A3E2E5}" sibTransId="{138A8399-7FDA-4CA4-AB2B-D6D64FA5D682}"/>
-    <dgm:cxn modelId="{DF629EDD-CDDD-4422-BD5A-CACB7A74E2A8}" srcId="{0B1D3EB6-DDAD-4074-AD89-1328ED184427}" destId="{B9CFF899-EA87-447F-8310-377F7EA336B9}" srcOrd="0" destOrd="0" parTransId="{516D0FCC-58B7-4A3F-875C-505C5BEE0B2A}" sibTransId="{DDC7F697-1D79-4A68-AD43-E40B28D1EE4E}"/>
     <dgm:cxn modelId="{E1B13E87-781A-4F9F-97A0-C3B2392EABE4}" srcId="{4E1E4C3E-5D80-4250-A36F-E2D6F8CE2114}" destId="{F48CB2E3-D8BE-404E-A0D2-EEB3E1242A50}" srcOrd="0" destOrd="0" parTransId="{6CF4DB19-53FF-4B32-AC92-262597995234}" sibTransId="{82AB8F63-BF4E-41E3-9A9D-3BCBF2FE527C}"/>
     <dgm:cxn modelId="{3A6F834D-3602-42EA-AFA3-C4E4D706522C}" type="presOf" srcId="{B9CFF899-EA87-447F-8310-377F7EA336B9}" destId="{00C18325-64BA-4230-8D42-A8CBBE2E541A}" srcOrd="0" destOrd="1" presId="urn:microsoft.com/office/officeart/2008/layout/AlternatingPictureBlocks"/>
     <dgm:cxn modelId="{ACE51563-F509-4B08-90DE-35F8A1487771}" type="presOf" srcId="{1B025A62-D98E-488F-8749-BA0463D60F82}" destId="{00C18325-64BA-4230-8D42-A8CBBE2E541A}" srcOrd="0" destOrd="3" presId="urn:microsoft.com/office/officeart/2008/layout/AlternatingPictureBlocks"/>
@@ -10332,6 +10332,769 @@
       <dsp:cNvGrpSpPr/>
     </dsp:nvGrpSpPr>
     <dsp:grpSpPr/>
+    <dsp:sp modelId="{A879180F-50BF-4B32-B90B-DFC2404A1B47}">
+      <dsp:nvSpPr>
+        <dsp:cNvPr id="0" name=""/>
+        <dsp:cNvSpPr/>
+      </dsp:nvSpPr>
+      <dsp:spPr>
+        <a:xfrm>
+          <a:off x="136015" y="1421"/>
+          <a:ext cx="814433" cy="771419"/>
+        </a:xfrm>
+        <a:prstGeom prst="ellipse">
+          <a:avLst/>
+        </a:prstGeom>
+        <a:solidFill>
+          <a:schemeClr val="accent2"/>
+        </a:solidFill>
+        <a:ln w="19050" cap="flat" cmpd="sng" algn="ctr">
+          <a:noFill/>
+          <a:prstDash val="solid"/>
+        </a:ln>
+        <a:effectLst/>
+      </dsp:spPr>
+      <dsp:style>
+        <a:lnRef idx="2">
+          <a:scrgbClr r="0" g="0" b="0"/>
+        </a:lnRef>
+        <a:fillRef idx="1">
+          <a:scrgbClr r="0" g="0" b="0"/>
+        </a:fillRef>
+        <a:effectRef idx="0">
+          <a:scrgbClr r="0" g="0" b="0"/>
+        </a:effectRef>
+        <a:fontRef idx="minor">
+          <a:schemeClr val="tx1"/>
+        </a:fontRef>
+      </dsp:style>
+    </dsp:sp>
+    <dsp:sp modelId="{9D7505BE-E95B-4782-B800-B4F8FA270A88}">
+      <dsp:nvSpPr>
+        <dsp:cNvPr id="0" name=""/>
+        <dsp:cNvSpPr/>
+      </dsp:nvSpPr>
+      <dsp:spPr>
+        <a:xfrm>
+          <a:off x="498387" y="1421"/>
+          <a:ext cx="6106248" cy="771419"/>
+        </a:xfrm>
+        <a:prstGeom prst="rect">
+          <a:avLst/>
+        </a:prstGeom>
+        <a:noFill/>
+        <a:ln>
+          <a:noFill/>
+        </a:ln>
+        <a:effectLst/>
+      </dsp:spPr>
+      <dsp:style>
+        <a:lnRef idx="0">
+          <a:scrgbClr r="0" g="0" b="0"/>
+        </a:lnRef>
+        <a:fillRef idx="0">
+          <a:scrgbClr r="0" g="0" b="0"/>
+        </a:fillRef>
+        <a:effectRef idx="0">
+          <a:scrgbClr r="0" g="0" b="0"/>
+        </a:effectRef>
+        <a:fontRef idx="minor"/>
+      </dsp:style>
+      <dsp:txBody>
+        <a:bodyPr spcFirstLastPara="0" vert="horz" wrap="square" lIns="0" tIns="0" rIns="0" bIns="0" numCol="1" spcCol="1270" anchor="ctr" anchorCtr="0">
+          <a:noAutofit/>
+        </a:bodyPr>
+        <a:lstStyle/>
+        <a:p>
+          <a:pPr lvl="0" algn="l" defTabSz="1200150" rtl="0">
+            <a:lnSpc>
+              <a:spcPct val="90000"/>
+            </a:lnSpc>
+            <a:spcBef>
+              <a:spcPct val="0"/>
+            </a:spcBef>
+            <a:spcAft>
+              <a:spcPct val="35000"/>
+            </a:spcAft>
+          </a:pPr>
+          <a:r>
+            <a:rPr lang="en-US" sz="2700" b="1" kern="1200" dirty="0" smtClean="0">
+              <a:solidFill>
+                <a:schemeClr val="accent4">
+                  <a:lumMod val="50000"/>
+                </a:schemeClr>
+              </a:solidFill>
+            </a:rPr>
+            <a:t>Simple code to solve complex problems</a:t>
+          </a:r>
+          <a:endParaRPr lang="en-US" sz="2700" b="1" kern="1200" dirty="0">
+            <a:solidFill>
+              <a:schemeClr val="accent4">
+                <a:lumMod val="50000"/>
+              </a:schemeClr>
+            </a:solidFill>
+          </a:endParaRPr>
+        </a:p>
+      </dsp:txBody>
+      <dsp:txXfrm>
+        <a:off x="498387" y="1421"/>
+        <a:ext cx="6106248" cy="771419"/>
+      </dsp:txXfrm>
+    </dsp:sp>
+    <dsp:sp modelId="{D3E27A4E-39E7-4FDF-A936-91F7C6FB0D5B}">
+      <dsp:nvSpPr>
+        <dsp:cNvPr id="0" name=""/>
+        <dsp:cNvSpPr/>
+      </dsp:nvSpPr>
+      <dsp:spPr>
+        <a:xfrm>
+          <a:off x="136017" y="772840"/>
+          <a:ext cx="814433" cy="771419"/>
+        </a:xfrm>
+        <a:prstGeom prst="ellipse">
+          <a:avLst/>
+        </a:prstGeom>
+        <a:solidFill>
+          <a:schemeClr val="accent2"/>
+        </a:solidFill>
+        <a:ln w="19050" cap="flat" cmpd="sng" algn="ctr">
+          <a:noFill/>
+          <a:prstDash val="solid"/>
+        </a:ln>
+        <a:effectLst/>
+      </dsp:spPr>
+      <dsp:style>
+        <a:lnRef idx="2">
+          <a:scrgbClr r="0" g="0" b="0"/>
+        </a:lnRef>
+        <a:fillRef idx="1">
+          <a:scrgbClr r="0" g="0" b="0"/>
+        </a:fillRef>
+        <a:effectRef idx="0">
+          <a:scrgbClr r="0" g="0" b="0"/>
+        </a:effectRef>
+        <a:fontRef idx="minor">
+          <a:schemeClr val="tx1"/>
+        </a:fontRef>
+      </dsp:style>
+    </dsp:sp>
+    <dsp:sp modelId="{4F0E6DBE-4889-4DBE-88ED-815075711E9C}">
+      <dsp:nvSpPr>
+        <dsp:cNvPr id="0" name=""/>
+        <dsp:cNvSpPr/>
+      </dsp:nvSpPr>
+      <dsp:spPr>
+        <a:xfrm>
+          <a:off x="500295" y="772840"/>
+          <a:ext cx="4345301" cy="771419"/>
+        </a:xfrm>
+        <a:prstGeom prst="rect">
+          <a:avLst/>
+        </a:prstGeom>
+        <a:noFill/>
+        <a:ln>
+          <a:noFill/>
+        </a:ln>
+        <a:effectLst/>
+      </dsp:spPr>
+      <dsp:style>
+        <a:lnRef idx="0">
+          <a:scrgbClr r="0" g="0" b="0"/>
+        </a:lnRef>
+        <a:fillRef idx="0">
+          <a:scrgbClr r="0" g="0" b="0"/>
+        </a:fillRef>
+        <a:effectRef idx="0">
+          <a:scrgbClr r="0" g="0" b="0"/>
+        </a:effectRef>
+        <a:fontRef idx="minor"/>
+      </dsp:style>
+      <dsp:txBody>
+        <a:bodyPr spcFirstLastPara="0" vert="horz" wrap="square" lIns="0" tIns="0" rIns="0" bIns="0" numCol="1" spcCol="1270" anchor="ctr" anchorCtr="0">
+          <a:noAutofit/>
+        </a:bodyPr>
+        <a:lstStyle/>
+        <a:p>
+          <a:pPr lvl="0" algn="l" defTabSz="1200150" rtl="0">
+            <a:lnSpc>
+              <a:spcPct val="90000"/>
+            </a:lnSpc>
+            <a:spcBef>
+              <a:spcPct val="0"/>
+            </a:spcBef>
+            <a:spcAft>
+              <a:spcPct val="35000"/>
+            </a:spcAft>
+          </a:pPr>
+          <a:r>
+            <a:rPr lang="en-US" sz="2700" b="1" kern="1200" dirty="0" smtClean="0">
+              <a:solidFill>
+                <a:schemeClr val="accent4">
+                  <a:lumMod val="50000"/>
+                </a:schemeClr>
+              </a:solidFill>
+            </a:rPr>
+            <a:t>Less code</a:t>
+          </a:r>
+          <a:endParaRPr lang="en-US" sz="2700" b="1" kern="1200" dirty="0">
+            <a:solidFill>
+              <a:schemeClr val="accent4">
+                <a:lumMod val="50000"/>
+              </a:schemeClr>
+            </a:solidFill>
+          </a:endParaRPr>
+        </a:p>
+      </dsp:txBody>
+      <dsp:txXfrm>
+        <a:off x="500295" y="772840"/>
+        <a:ext cx="4345301" cy="771419"/>
+      </dsp:txXfrm>
+    </dsp:sp>
+    <dsp:sp modelId="{D78072D7-B72F-4A31-9BF4-6881136300DE}">
+      <dsp:nvSpPr>
+        <dsp:cNvPr id="0" name=""/>
+        <dsp:cNvSpPr/>
+      </dsp:nvSpPr>
+      <dsp:spPr>
+        <a:xfrm>
+          <a:off x="136017" y="1544259"/>
+          <a:ext cx="814433" cy="771419"/>
+        </a:xfrm>
+        <a:prstGeom prst="ellipse">
+          <a:avLst/>
+        </a:prstGeom>
+        <a:solidFill>
+          <a:schemeClr val="accent2"/>
+        </a:solidFill>
+        <a:ln w="19050" cap="flat" cmpd="sng" algn="ctr">
+          <a:noFill/>
+          <a:prstDash val="solid"/>
+        </a:ln>
+        <a:effectLst/>
+      </dsp:spPr>
+      <dsp:style>
+        <a:lnRef idx="2">
+          <a:scrgbClr r="0" g="0" b="0"/>
+        </a:lnRef>
+        <a:fillRef idx="1">
+          <a:scrgbClr r="0" g="0" b="0"/>
+        </a:fillRef>
+        <a:effectRef idx="0">
+          <a:scrgbClr r="0" g="0" b="0"/>
+        </a:effectRef>
+        <a:fontRef idx="minor">
+          <a:schemeClr val="tx1"/>
+        </a:fontRef>
+      </dsp:style>
+    </dsp:sp>
+    <dsp:sp modelId="{4BAB954E-B909-4E4F-B8BA-DD439451962C}">
+      <dsp:nvSpPr>
+        <dsp:cNvPr id="0" name=""/>
+        <dsp:cNvSpPr/>
+      </dsp:nvSpPr>
+      <dsp:spPr>
+        <a:xfrm>
+          <a:off x="500295" y="1544259"/>
+          <a:ext cx="4345301" cy="771419"/>
+        </a:xfrm>
+        <a:prstGeom prst="rect">
+          <a:avLst/>
+        </a:prstGeom>
+        <a:noFill/>
+        <a:ln>
+          <a:noFill/>
+        </a:ln>
+        <a:effectLst/>
+      </dsp:spPr>
+      <dsp:style>
+        <a:lnRef idx="0">
+          <a:scrgbClr r="0" g="0" b="0"/>
+        </a:lnRef>
+        <a:fillRef idx="0">
+          <a:scrgbClr r="0" g="0" b="0"/>
+        </a:fillRef>
+        <a:effectRef idx="0">
+          <a:scrgbClr r="0" g="0" b="0"/>
+        </a:effectRef>
+        <a:fontRef idx="minor"/>
+      </dsp:style>
+      <dsp:txBody>
+        <a:bodyPr spcFirstLastPara="0" vert="horz" wrap="square" lIns="0" tIns="0" rIns="0" bIns="0" numCol="1" spcCol="1270" anchor="ctr" anchorCtr="0">
+          <a:noAutofit/>
+        </a:bodyPr>
+        <a:lstStyle/>
+        <a:p>
+          <a:pPr lvl="0" algn="l" defTabSz="1200150" rtl="0">
+            <a:lnSpc>
+              <a:spcPct val="90000"/>
+            </a:lnSpc>
+            <a:spcBef>
+              <a:spcPct val="0"/>
+            </a:spcBef>
+            <a:spcAft>
+              <a:spcPct val="35000"/>
+            </a:spcAft>
+          </a:pPr>
+          <a:r>
+            <a:rPr lang="en-US" sz="2700" b="1" kern="1200" dirty="0" smtClean="0">
+              <a:solidFill>
+                <a:schemeClr val="accent4">
+                  <a:lumMod val="50000"/>
+                </a:schemeClr>
+              </a:solidFill>
+            </a:rPr>
+            <a:t>Fewer bugs</a:t>
+          </a:r>
+          <a:endParaRPr lang="en-US" sz="2700" b="1" kern="1200" dirty="0">
+            <a:solidFill>
+              <a:schemeClr val="accent4">
+                <a:lumMod val="50000"/>
+              </a:schemeClr>
+            </a:solidFill>
+          </a:endParaRPr>
+        </a:p>
+      </dsp:txBody>
+      <dsp:txXfrm>
+        <a:off x="500295" y="1544259"/>
+        <a:ext cx="4345301" cy="771419"/>
+      </dsp:txXfrm>
+    </dsp:sp>
+    <dsp:sp modelId="{950A4424-4E27-4346-BE1F-8A1BDC0825E5}">
+      <dsp:nvSpPr>
+        <dsp:cNvPr id="0" name=""/>
+        <dsp:cNvSpPr/>
+      </dsp:nvSpPr>
+      <dsp:spPr>
+        <a:xfrm>
+          <a:off x="136017" y="2315679"/>
+          <a:ext cx="814433" cy="771419"/>
+        </a:xfrm>
+        <a:prstGeom prst="ellipse">
+          <a:avLst/>
+        </a:prstGeom>
+        <a:solidFill>
+          <a:schemeClr val="accent2"/>
+        </a:solidFill>
+        <a:ln w="19050" cap="flat" cmpd="sng" algn="ctr">
+          <a:noFill/>
+          <a:prstDash val="solid"/>
+        </a:ln>
+        <a:effectLst/>
+      </dsp:spPr>
+      <dsp:style>
+        <a:lnRef idx="2">
+          <a:scrgbClr r="0" g="0" b="0"/>
+        </a:lnRef>
+        <a:fillRef idx="1">
+          <a:scrgbClr r="0" g="0" b="0"/>
+        </a:fillRef>
+        <a:effectRef idx="0">
+          <a:scrgbClr r="0" g="0" b="0"/>
+        </a:effectRef>
+        <a:fontRef idx="minor">
+          <a:schemeClr val="tx1"/>
+        </a:fontRef>
+      </dsp:style>
+    </dsp:sp>
+    <dsp:sp modelId="{490A854D-8ABF-439C-B4F8-D9B8E7761A81}">
+      <dsp:nvSpPr>
+        <dsp:cNvPr id="0" name=""/>
+        <dsp:cNvSpPr/>
+      </dsp:nvSpPr>
+      <dsp:spPr>
+        <a:xfrm>
+          <a:off x="500295" y="2315679"/>
+          <a:ext cx="4345301" cy="771419"/>
+        </a:xfrm>
+        <a:prstGeom prst="rect">
+          <a:avLst/>
+        </a:prstGeom>
+        <a:noFill/>
+        <a:ln>
+          <a:noFill/>
+        </a:ln>
+        <a:effectLst/>
+      </dsp:spPr>
+      <dsp:style>
+        <a:lnRef idx="0">
+          <a:scrgbClr r="0" g="0" b="0"/>
+        </a:lnRef>
+        <a:fillRef idx="0">
+          <a:scrgbClr r="0" g="0" b="0"/>
+        </a:fillRef>
+        <a:effectRef idx="0">
+          <a:scrgbClr r="0" g="0" b="0"/>
+        </a:effectRef>
+        <a:fontRef idx="minor"/>
+      </dsp:style>
+      <dsp:txBody>
+        <a:bodyPr spcFirstLastPara="0" vert="horz" wrap="square" lIns="0" tIns="0" rIns="0" bIns="0" numCol="1" spcCol="1270" anchor="ctr" anchorCtr="0">
+          <a:noAutofit/>
+        </a:bodyPr>
+        <a:lstStyle/>
+        <a:p>
+          <a:pPr lvl="0" algn="l" defTabSz="1200150" rtl="0">
+            <a:lnSpc>
+              <a:spcPct val="90000"/>
+            </a:lnSpc>
+            <a:spcBef>
+              <a:spcPct val="0"/>
+            </a:spcBef>
+            <a:spcAft>
+              <a:spcPct val="35000"/>
+            </a:spcAft>
+          </a:pPr>
+          <a:r>
+            <a:rPr lang="en-US" sz="2700" b="1" kern="1200" dirty="0" smtClean="0">
+              <a:solidFill>
+                <a:schemeClr val="accent4">
+                  <a:lumMod val="50000"/>
+                </a:schemeClr>
+              </a:solidFill>
+            </a:rPr>
+            <a:t>Units of measure</a:t>
+          </a:r>
+          <a:endParaRPr lang="en-US" sz="2700" b="1" kern="1200" dirty="0">
+            <a:solidFill>
+              <a:schemeClr val="accent4">
+                <a:lumMod val="50000"/>
+              </a:schemeClr>
+            </a:solidFill>
+          </a:endParaRPr>
+        </a:p>
+      </dsp:txBody>
+      <dsp:txXfrm>
+        <a:off x="500295" y="2315679"/>
+        <a:ext cx="4345301" cy="771419"/>
+      </dsp:txXfrm>
+    </dsp:sp>
+    <dsp:sp modelId="{594F943D-AFBC-456B-BDAE-9096C4CB6DA3}">
+      <dsp:nvSpPr>
+        <dsp:cNvPr id="0" name=""/>
+        <dsp:cNvSpPr/>
+      </dsp:nvSpPr>
+      <dsp:spPr>
+        <a:xfrm>
+          <a:off x="136017" y="3087098"/>
+          <a:ext cx="814433" cy="771419"/>
+        </a:xfrm>
+        <a:prstGeom prst="ellipse">
+          <a:avLst/>
+        </a:prstGeom>
+        <a:solidFill>
+          <a:schemeClr val="accent2"/>
+        </a:solidFill>
+        <a:ln w="19050" cap="flat" cmpd="sng" algn="ctr">
+          <a:noFill/>
+          <a:prstDash val="solid"/>
+        </a:ln>
+        <a:effectLst/>
+      </dsp:spPr>
+      <dsp:style>
+        <a:lnRef idx="2">
+          <a:scrgbClr r="0" g="0" b="0"/>
+        </a:lnRef>
+        <a:fillRef idx="1">
+          <a:scrgbClr r="0" g="0" b="0"/>
+        </a:fillRef>
+        <a:effectRef idx="0">
+          <a:scrgbClr r="0" g="0" b="0"/>
+        </a:effectRef>
+        <a:fontRef idx="minor">
+          <a:schemeClr val="tx1"/>
+        </a:fontRef>
+      </dsp:style>
+    </dsp:sp>
+    <dsp:sp modelId="{4A41BB03-62B6-44FE-B321-9ED22AD17D79}">
+      <dsp:nvSpPr>
+        <dsp:cNvPr id="0" name=""/>
+        <dsp:cNvSpPr/>
+      </dsp:nvSpPr>
+      <dsp:spPr>
+        <a:xfrm>
+          <a:off x="500295" y="3087098"/>
+          <a:ext cx="4345301" cy="771419"/>
+        </a:xfrm>
+        <a:prstGeom prst="rect">
+          <a:avLst/>
+        </a:prstGeom>
+        <a:noFill/>
+        <a:ln>
+          <a:noFill/>
+        </a:ln>
+        <a:effectLst/>
+      </dsp:spPr>
+      <dsp:style>
+        <a:lnRef idx="0">
+          <a:scrgbClr r="0" g="0" b="0"/>
+        </a:lnRef>
+        <a:fillRef idx="0">
+          <a:scrgbClr r="0" g="0" b="0"/>
+        </a:fillRef>
+        <a:effectRef idx="0">
+          <a:scrgbClr r="0" g="0" b="0"/>
+        </a:effectRef>
+        <a:fontRef idx="minor"/>
+      </dsp:style>
+      <dsp:txBody>
+        <a:bodyPr spcFirstLastPara="0" vert="horz" wrap="square" lIns="0" tIns="0" rIns="0" bIns="0" numCol="1" spcCol="1270" anchor="ctr" anchorCtr="0">
+          <a:noAutofit/>
+        </a:bodyPr>
+        <a:lstStyle/>
+        <a:p>
+          <a:pPr lvl="0" algn="l" defTabSz="1200150" rtl="0">
+            <a:lnSpc>
+              <a:spcPct val="90000"/>
+            </a:lnSpc>
+            <a:spcBef>
+              <a:spcPct val="0"/>
+            </a:spcBef>
+            <a:spcAft>
+              <a:spcPct val="35000"/>
+            </a:spcAft>
+          </a:pPr>
+          <a:r>
+            <a:rPr lang="en-US" sz="2700" b="1" kern="1200" smtClean="0">
+              <a:solidFill>
+                <a:schemeClr val="accent4">
+                  <a:lumMod val="50000"/>
+                </a:schemeClr>
+              </a:solidFill>
+            </a:rPr>
+            <a:t>Interoperability with .NET</a:t>
+          </a:r>
+          <a:endParaRPr lang="en-US" sz="2700" b="1" kern="1200" dirty="0">
+            <a:solidFill>
+              <a:schemeClr val="accent4">
+                <a:lumMod val="50000"/>
+              </a:schemeClr>
+            </a:solidFill>
+          </a:endParaRPr>
+        </a:p>
+      </dsp:txBody>
+      <dsp:txXfrm>
+        <a:off x="500295" y="3087098"/>
+        <a:ext cx="4345301" cy="771419"/>
+      </dsp:txXfrm>
+    </dsp:sp>
+    <dsp:sp modelId="{A1597A0B-AF1F-4B77-AB01-A97FE66BD3DC}">
+      <dsp:nvSpPr>
+        <dsp:cNvPr id="0" name=""/>
+        <dsp:cNvSpPr/>
+      </dsp:nvSpPr>
+      <dsp:spPr>
+        <a:xfrm>
+          <a:off x="136017" y="3858518"/>
+          <a:ext cx="814433" cy="771419"/>
+        </a:xfrm>
+        <a:prstGeom prst="ellipse">
+          <a:avLst/>
+        </a:prstGeom>
+        <a:solidFill>
+          <a:schemeClr val="accent2"/>
+        </a:solidFill>
+        <a:ln w="19050" cap="flat" cmpd="sng" algn="ctr">
+          <a:noFill/>
+          <a:prstDash val="solid"/>
+        </a:ln>
+        <a:effectLst/>
+      </dsp:spPr>
+      <dsp:style>
+        <a:lnRef idx="2">
+          <a:scrgbClr r="0" g="0" b="0"/>
+        </a:lnRef>
+        <a:fillRef idx="1">
+          <a:scrgbClr r="0" g="0" b="0"/>
+        </a:fillRef>
+        <a:effectRef idx="0">
+          <a:scrgbClr r="0" g="0" b="0"/>
+        </a:effectRef>
+        <a:fontRef idx="minor">
+          <a:schemeClr val="tx1"/>
+        </a:fontRef>
+      </dsp:style>
+    </dsp:sp>
+    <dsp:sp modelId="{3D807FEC-5F41-45B9-B3B0-6C48F535CB2B}">
+      <dsp:nvSpPr>
+        <dsp:cNvPr id="0" name=""/>
+        <dsp:cNvSpPr/>
+      </dsp:nvSpPr>
+      <dsp:spPr>
+        <a:xfrm>
+          <a:off x="500295" y="3858518"/>
+          <a:ext cx="4345301" cy="771419"/>
+        </a:xfrm>
+        <a:prstGeom prst="rect">
+          <a:avLst/>
+        </a:prstGeom>
+        <a:noFill/>
+        <a:ln>
+          <a:noFill/>
+        </a:ln>
+        <a:effectLst/>
+      </dsp:spPr>
+      <dsp:style>
+        <a:lnRef idx="0">
+          <a:scrgbClr r="0" g="0" b="0"/>
+        </a:lnRef>
+        <a:fillRef idx="0">
+          <a:scrgbClr r="0" g="0" b="0"/>
+        </a:fillRef>
+        <a:effectRef idx="0">
+          <a:scrgbClr r="0" g="0" b="0"/>
+        </a:effectRef>
+        <a:fontRef idx="minor"/>
+      </dsp:style>
+      <dsp:txBody>
+        <a:bodyPr spcFirstLastPara="0" vert="horz" wrap="square" lIns="0" tIns="0" rIns="0" bIns="0" numCol="1" spcCol="1270" anchor="ctr" anchorCtr="0">
+          <a:noAutofit/>
+        </a:bodyPr>
+        <a:lstStyle/>
+        <a:p>
+          <a:pPr lvl="0" algn="l" defTabSz="1200150" rtl="0">
+            <a:lnSpc>
+              <a:spcPct val="90000"/>
+            </a:lnSpc>
+            <a:spcBef>
+              <a:spcPct val="0"/>
+            </a:spcBef>
+            <a:spcAft>
+              <a:spcPct val="35000"/>
+            </a:spcAft>
+          </a:pPr>
+          <a:r>
+            <a:rPr lang="en-US" sz="2700" b="1" kern="1200" dirty="0" smtClean="0">
+              <a:solidFill>
+                <a:schemeClr val="accent4">
+                  <a:lumMod val="50000"/>
+                </a:schemeClr>
+              </a:solidFill>
+            </a:rPr>
+            <a:t>Parallelization</a:t>
+          </a:r>
+          <a:endParaRPr lang="en-US" sz="2700" b="1" kern="1200" dirty="0">
+            <a:solidFill>
+              <a:schemeClr val="accent4">
+                <a:lumMod val="50000"/>
+              </a:schemeClr>
+            </a:solidFill>
+          </a:endParaRPr>
+        </a:p>
+      </dsp:txBody>
+      <dsp:txXfrm>
+        <a:off x="500295" y="3858518"/>
+        <a:ext cx="4345301" cy="771419"/>
+      </dsp:txXfrm>
+    </dsp:sp>
+    <dsp:sp modelId="{9B63CDD7-1E5F-4159-8758-F2D52869D0FE}">
+      <dsp:nvSpPr>
+        <dsp:cNvPr id="0" name=""/>
+        <dsp:cNvSpPr/>
+      </dsp:nvSpPr>
+      <dsp:spPr>
+        <a:xfrm>
+          <a:off x="136017" y="4629937"/>
+          <a:ext cx="814433" cy="771419"/>
+        </a:xfrm>
+        <a:prstGeom prst="ellipse">
+          <a:avLst/>
+        </a:prstGeom>
+        <a:solidFill>
+          <a:schemeClr val="accent2"/>
+        </a:solidFill>
+        <a:ln w="19050" cap="flat" cmpd="sng" algn="ctr">
+          <a:noFill/>
+          <a:prstDash val="solid"/>
+        </a:ln>
+        <a:effectLst/>
+      </dsp:spPr>
+      <dsp:style>
+        <a:lnRef idx="2">
+          <a:scrgbClr r="0" g="0" b="0"/>
+        </a:lnRef>
+        <a:fillRef idx="1">
+          <a:scrgbClr r="0" g="0" b="0"/>
+        </a:fillRef>
+        <a:effectRef idx="0">
+          <a:scrgbClr r="0" g="0" b="0"/>
+        </a:effectRef>
+        <a:fontRef idx="minor">
+          <a:schemeClr val="tx1"/>
+        </a:fontRef>
+      </dsp:style>
+    </dsp:sp>
+    <dsp:sp modelId="{7336C414-45B5-45BB-84AF-46370F92F60C}">
+      <dsp:nvSpPr>
+        <dsp:cNvPr id="0" name=""/>
+        <dsp:cNvSpPr/>
+      </dsp:nvSpPr>
+      <dsp:spPr>
+        <a:xfrm>
+          <a:off x="500295" y="4629937"/>
+          <a:ext cx="4345301" cy="771419"/>
+        </a:xfrm>
+        <a:prstGeom prst="rect">
+          <a:avLst/>
+        </a:prstGeom>
+        <a:noFill/>
+        <a:ln>
+          <a:noFill/>
+        </a:ln>
+        <a:effectLst/>
+      </dsp:spPr>
+      <dsp:style>
+        <a:lnRef idx="0">
+          <a:scrgbClr r="0" g="0" b="0"/>
+        </a:lnRef>
+        <a:fillRef idx="0">
+          <a:scrgbClr r="0" g="0" b="0"/>
+        </a:fillRef>
+        <a:effectRef idx="0">
+          <a:scrgbClr r="0" g="0" b="0"/>
+        </a:effectRef>
+        <a:fontRef idx="minor"/>
+      </dsp:style>
+      <dsp:txBody>
+        <a:bodyPr spcFirstLastPara="0" vert="horz" wrap="square" lIns="0" tIns="0" rIns="0" bIns="0" numCol="1" spcCol="1270" anchor="ctr" anchorCtr="0">
+          <a:noAutofit/>
+        </a:bodyPr>
+        <a:lstStyle/>
+        <a:p>
+          <a:pPr lvl="0" algn="l" defTabSz="1422400" rtl="0">
+            <a:lnSpc>
+              <a:spcPct val="90000"/>
+            </a:lnSpc>
+            <a:spcBef>
+              <a:spcPct val="0"/>
+            </a:spcBef>
+            <a:spcAft>
+              <a:spcPct val="35000"/>
+            </a:spcAft>
+          </a:pPr>
+          <a:r>
+            <a:rPr lang="en-US" sz="3200" b="1" kern="1200" dirty="0" smtClean="0">
+              <a:solidFill>
+                <a:schemeClr val="accent4">
+                  <a:lumMod val="50000"/>
+                </a:schemeClr>
+              </a:solidFill>
+            </a:rPr>
+            <a:t>Type Providers! </a:t>
+          </a:r>
+          <a:endParaRPr lang="en-US" sz="3200" b="1" kern="1200" dirty="0">
+            <a:solidFill>
+              <a:schemeClr val="accent4">
+                <a:lumMod val="50000"/>
+              </a:schemeClr>
+            </a:solidFill>
+          </a:endParaRPr>
+        </a:p>
+      </dsp:txBody>
+      <dsp:txXfrm>
+        <a:off x="500295" y="4629937"/>
+        <a:ext cx="4345301" cy="771419"/>
+      </dsp:txXfrm>
+    </dsp:sp>
   </dsp:spTree>
 </dsp:drawing>
 </file>
@@ -10414,8 +11177,8 @@
       </dsp:nvSpPr>
       <dsp:spPr>
         <a:xfrm>
-          <a:off x="2868" y="859391"/>
-          <a:ext cx="1624317" cy="1152169"/>
+          <a:off x="188401" y="859391"/>
+          <a:ext cx="1538659" cy="1152169"/>
         </a:xfrm>
         <a:prstGeom prst="roundRect">
           <a:avLst/>
@@ -10514,8 +11277,8 @@
         </a:p>
       </dsp:txBody>
       <dsp:txXfrm>
-        <a:off x="59112" y="915635"/>
-        <a:ext cx="1511829" cy="1039681"/>
+        <a:off x="244645" y="915635"/>
+        <a:ext cx="1426171" cy="1039681"/>
       </dsp:txXfrm>
     </dsp:sp>
     <dsp:sp modelId="{64B1E964-3DC6-4415-9A5E-A83325ACA918}">
@@ -10525,8 +11288,8 @@
       </dsp:nvSpPr>
       <dsp:spPr>
         <a:xfrm>
-          <a:off x="1825200" y="859391"/>
-          <a:ext cx="1132087" cy="1152169"/>
+          <a:off x="1914633" y="859391"/>
+          <a:ext cx="1072387" cy="1152169"/>
         </a:xfrm>
         <a:prstGeom prst="roundRect">
           <a:avLst/>
@@ -10625,8 +11388,8 @@
         </a:p>
       </dsp:txBody>
       <dsp:txXfrm>
-        <a:off x="1880464" y="914655"/>
-        <a:ext cx="1021559" cy="1041641"/>
+        <a:off x="1966983" y="911741"/>
+        <a:ext cx="967687" cy="1047469"/>
       </dsp:txXfrm>
     </dsp:sp>
     <dsp:sp modelId="{CD60A385-9B88-44DC-960E-2CDB3996E30E}">
@@ -10636,8 +11399,8 @@
       </dsp:nvSpPr>
       <dsp:spPr>
         <a:xfrm>
-          <a:off x="3155303" y="862445"/>
-          <a:ext cx="1934292" cy="1152169"/>
+          <a:off x="3174594" y="862445"/>
+          <a:ext cx="1832288" cy="1152169"/>
         </a:xfrm>
         <a:prstGeom prst="roundRect">
           <a:avLst/>
@@ -10736,8 +11499,8 @@
         </a:p>
       </dsp:txBody>
       <dsp:txXfrm>
-        <a:off x="3211547" y="918689"/>
-        <a:ext cx="1821804" cy="1039681"/>
+        <a:off x="3230838" y="918689"/>
+        <a:ext cx="1719800" cy="1039681"/>
       </dsp:txXfrm>
     </dsp:sp>
     <dsp:sp modelId="{A0DBA043-27DC-495C-B1C4-80BB13CF934D}">
@@ -10747,8 +11510,8 @@
       </dsp:nvSpPr>
       <dsp:spPr>
         <a:xfrm>
-          <a:off x="5287613" y="862445"/>
-          <a:ext cx="1563873" cy="1152169"/>
+          <a:off x="5194458" y="862445"/>
+          <a:ext cx="1481403" cy="1152169"/>
         </a:xfrm>
         <a:prstGeom prst="roundRect">
           <a:avLst/>
@@ -10847,8 +11610,8 @@
         </a:p>
       </dsp:txBody>
       <dsp:txXfrm>
-        <a:off x="5343857" y="918689"/>
-        <a:ext cx="1451385" cy="1039681"/>
+        <a:off x="5250702" y="918689"/>
+        <a:ext cx="1368915" cy="1039681"/>
       </dsp:txXfrm>
     </dsp:sp>
   </dsp:spTree>
@@ -13556,6 +14319,4440 @@
       <dsp:cNvGrpSpPr/>
     </dsp:nvGrpSpPr>
     <dsp:grpSpPr/>
+    <dsp:sp modelId="{752440A0-3DF6-4D6F-A607-CF9A844D3CB6}">
+      <dsp:nvSpPr>
+        <dsp:cNvPr id="0" name=""/>
+        <dsp:cNvSpPr/>
+      </dsp:nvSpPr>
+      <dsp:spPr>
+        <a:xfrm>
+          <a:off x="1598" y="2504304"/>
+          <a:ext cx="1419732" cy="1419732"/>
+        </a:xfrm>
+        <a:prstGeom prst="ellipse">
+          <a:avLst/>
+        </a:prstGeom>
+        <a:solidFill>
+          <a:schemeClr val="accent2"/>
+        </a:solidFill>
+        <a:ln w="19050" cap="flat" cmpd="sng" algn="ctr">
+          <a:solidFill>
+            <a:schemeClr val="lt1">
+              <a:hueOff val="0"/>
+              <a:satOff val="0"/>
+              <a:lumOff val="0"/>
+              <a:alphaOff val="0"/>
+            </a:schemeClr>
+          </a:solidFill>
+          <a:prstDash val="solid"/>
+        </a:ln>
+        <a:effectLst/>
+      </dsp:spPr>
+      <dsp:style>
+        <a:lnRef idx="2">
+          <a:scrgbClr r="0" g="0" b="0"/>
+        </a:lnRef>
+        <a:fillRef idx="1">
+          <a:scrgbClr r="0" g="0" b="0"/>
+        </a:fillRef>
+        <a:effectRef idx="0">
+          <a:scrgbClr r="0" g="0" b="0"/>
+        </a:effectRef>
+        <a:fontRef idx="minor">
+          <a:schemeClr val="lt1"/>
+        </a:fontRef>
+      </dsp:style>
+      <dsp:txBody>
+        <a:bodyPr spcFirstLastPara="0" vert="horz" wrap="square" lIns="0" tIns="0" rIns="0" bIns="0" numCol="1" spcCol="1270" anchor="ctr" anchorCtr="0">
+          <a:noAutofit/>
+        </a:bodyPr>
+        <a:lstStyle/>
+        <a:p>
+          <a:pPr lvl="0" algn="ctr" defTabSz="800100" rtl="0">
+            <a:lnSpc>
+              <a:spcPct val="90000"/>
+            </a:lnSpc>
+            <a:spcBef>
+              <a:spcPct val="0"/>
+            </a:spcBef>
+            <a:spcAft>
+              <a:spcPct val="35000"/>
+            </a:spcAft>
+          </a:pPr>
+          <a:r>
+            <a:rPr lang="en-US" sz="1800" b="1" kern="1200" dirty="0" smtClean="0"/>
+            <a:t>Get data from </a:t>
+          </a:r>
+          <a:endParaRPr lang="en-US" sz="1800" b="1" kern="1200" dirty="0"/>
+        </a:p>
+      </dsp:txBody>
+      <dsp:txXfrm>
+        <a:off x="209513" y="2712219"/>
+        <a:ext cx="1003902" cy="1003902"/>
+      </dsp:txXfrm>
+    </dsp:sp>
+    <dsp:sp modelId="{942F2F83-B542-450B-87AA-D917E960036B}">
+      <dsp:nvSpPr>
+        <dsp:cNvPr id="0" name=""/>
+        <dsp:cNvSpPr/>
+      </dsp:nvSpPr>
+      <dsp:spPr>
+        <a:xfrm rot="16729062">
+          <a:off x="521286" y="1842709"/>
+          <a:ext cx="2225583" cy="0"/>
+        </a:xfrm>
+        <a:custGeom>
+          <a:avLst/>
+          <a:gdLst/>
+          <a:ahLst/>
+          <a:cxnLst/>
+          <a:rect l="0" t="0" r="0" b="0"/>
+          <a:pathLst>
+            <a:path>
+              <a:moveTo>
+                <a:pt x="0" y="0"/>
+              </a:moveTo>
+              <a:lnTo>
+                <a:pt x="2225583" y="0"/>
+              </a:lnTo>
+            </a:path>
+          </a:pathLst>
+        </a:custGeom>
+        <a:noFill/>
+        <a:ln w="19050" cap="flat" cmpd="sng" algn="ctr">
+          <a:solidFill>
+            <a:schemeClr val="accent4">
+              <a:lumMod val="50000"/>
+            </a:schemeClr>
+          </a:solidFill>
+          <a:prstDash val="solid"/>
+        </a:ln>
+        <a:effectLst/>
+      </dsp:spPr>
+      <dsp:style>
+        <a:lnRef idx="2">
+          <a:scrgbClr r="0" g="0" b="0"/>
+        </a:lnRef>
+        <a:fillRef idx="0">
+          <a:scrgbClr r="0" g="0" b="0"/>
+        </a:fillRef>
+        <a:effectRef idx="0">
+          <a:scrgbClr r="0" g="0" b="0"/>
+        </a:effectRef>
+        <a:fontRef idx="minor"/>
+      </dsp:style>
+    </dsp:sp>
+    <dsp:sp modelId="{34EF5BBE-CDAB-4BCA-9D9E-F44B0C8297F9}">
+      <dsp:nvSpPr>
+        <dsp:cNvPr id="0" name=""/>
+        <dsp:cNvSpPr/>
+      </dsp:nvSpPr>
+      <dsp:spPr>
+        <a:xfrm rot="15670938">
+          <a:off x="2371056" y="1842709"/>
+          <a:ext cx="2225583" cy="0"/>
+        </a:xfrm>
+        <a:custGeom>
+          <a:avLst/>
+          <a:gdLst/>
+          <a:ahLst/>
+          <a:cxnLst/>
+          <a:rect l="0" t="0" r="0" b="0"/>
+          <a:pathLst>
+            <a:path>
+              <a:moveTo>
+                <a:pt x="0" y="0"/>
+              </a:moveTo>
+              <a:lnTo>
+                <a:pt x="2225583" y="0"/>
+              </a:lnTo>
+            </a:path>
+          </a:pathLst>
+        </a:custGeom>
+        <a:noFill/>
+        <a:ln w="19050" cap="flat" cmpd="sng" algn="ctr">
+          <a:solidFill>
+            <a:schemeClr val="accent4">
+              <a:lumMod val="50000"/>
+            </a:schemeClr>
+          </a:solidFill>
+          <a:prstDash val="solid"/>
+        </a:ln>
+        <a:effectLst/>
+      </dsp:spPr>
+      <dsp:style>
+        <a:lnRef idx="2">
+          <a:scrgbClr r="0" g="0" b="0"/>
+        </a:lnRef>
+        <a:fillRef idx="0">
+          <a:scrgbClr r="0" g="0" b="0"/>
+        </a:fillRef>
+        <a:effectRef idx="0">
+          <a:scrgbClr r="0" g="0" b="0"/>
+        </a:effectRef>
+        <a:fontRef idx="minor"/>
+      </dsp:style>
+    </dsp:sp>
+    <dsp:sp modelId="{7252D9E2-2A23-4BF0-9B1D-07EA5F2AB602}">
+      <dsp:nvSpPr>
+        <dsp:cNvPr id="0" name=""/>
+        <dsp:cNvSpPr/>
+      </dsp:nvSpPr>
+      <dsp:spPr>
+        <a:xfrm>
+          <a:off x="1804659" y="743070"/>
+          <a:ext cx="165946" cy="0"/>
+        </a:xfrm>
+        <a:prstGeom prst="line">
+          <a:avLst/>
+        </a:prstGeom>
+        <a:noFill/>
+        <a:ln w="19050" cap="flat" cmpd="sng" algn="ctr">
+          <a:solidFill>
+            <a:schemeClr val="accent4">
+              <a:lumMod val="50000"/>
+            </a:schemeClr>
+          </a:solidFill>
+          <a:prstDash val="solid"/>
+        </a:ln>
+        <a:effectLst/>
+      </dsp:spPr>
+      <dsp:style>
+        <a:lnRef idx="2">
+          <a:scrgbClr r="0" g="0" b="0"/>
+        </a:lnRef>
+        <a:fillRef idx="0">
+          <a:scrgbClr r="0" g="0" b="0"/>
+        </a:fillRef>
+        <a:effectRef idx="0">
+          <a:scrgbClr r="0" g="0" b="0"/>
+        </a:effectRef>
+        <a:fontRef idx="minor"/>
+      </dsp:style>
+    </dsp:sp>
+    <dsp:sp modelId="{0974E0EE-197E-46E7-AAEF-C4EE10C5D9B7}">
+      <dsp:nvSpPr>
+        <dsp:cNvPr id="0" name=""/>
+        <dsp:cNvSpPr/>
+      </dsp:nvSpPr>
+      <dsp:spPr>
+        <a:xfrm>
+          <a:off x="1970606" y="390055"/>
+          <a:ext cx="1176714" cy="706028"/>
+        </a:xfrm>
+        <a:prstGeom prst="rect">
+          <a:avLst/>
+        </a:prstGeom>
+        <a:noFill/>
+        <a:ln>
+          <a:noFill/>
+        </a:ln>
+        <a:effectLst/>
+        <a:sp3d/>
+      </dsp:spPr>
+      <dsp:style>
+        <a:lnRef idx="0">
+          <a:scrgbClr r="0" g="0" b="0"/>
+        </a:lnRef>
+        <a:fillRef idx="0">
+          <a:scrgbClr r="0" g="0" b="0"/>
+        </a:fillRef>
+        <a:effectRef idx="0">
+          <a:scrgbClr r="0" g="0" b="0"/>
+        </a:effectRef>
+        <a:fontRef idx="minor"/>
+      </dsp:style>
+      <dsp:txBody>
+        <a:bodyPr spcFirstLastPara="0" vert="horz" wrap="square" lIns="99568" tIns="99568" rIns="99568" bIns="99568" numCol="1" spcCol="1270" anchor="ctr" anchorCtr="0">
+          <a:noAutofit/>
+        </a:bodyPr>
+        <a:lstStyle/>
+        <a:p>
+          <a:pPr lvl="0" algn="ctr" defTabSz="622300" rtl="0">
+            <a:lnSpc>
+              <a:spcPct val="90000"/>
+            </a:lnSpc>
+            <a:spcBef>
+              <a:spcPct val="0"/>
+            </a:spcBef>
+            <a:spcAft>
+              <a:spcPct val="35000"/>
+            </a:spcAft>
+          </a:pPr>
+          <a:r>
+            <a:rPr lang="en-US" sz="1400" b="1" kern="1200" dirty="0" smtClean="0">
+              <a:solidFill>
+                <a:schemeClr val="accent4">
+                  <a:lumMod val="50000"/>
+                </a:schemeClr>
+              </a:solidFill>
+            </a:rPr>
+            <a:t>Hadoop </a:t>
+          </a:r>
+          <a:endParaRPr lang="en-US" sz="1400" b="1" kern="1200" dirty="0">
+            <a:solidFill>
+              <a:schemeClr val="accent4">
+                <a:lumMod val="50000"/>
+              </a:schemeClr>
+            </a:solidFill>
+          </a:endParaRPr>
+        </a:p>
+      </dsp:txBody>
+      <dsp:txXfrm>
+        <a:off x="1970606" y="390055"/>
+        <a:ext cx="1176714" cy="706028"/>
+      </dsp:txXfrm>
+    </dsp:sp>
+    <dsp:sp modelId="{2871E134-BC9C-4218-925B-074C08D7ACEA}">
+      <dsp:nvSpPr>
+        <dsp:cNvPr id="0" name=""/>
+        <dsp:cNvSpPr/>
+      </dsp:nvSpPr>
+      <dsp:spPr>
+        <a:xfrm>
+          <a:off x="3147320" y="743070"/>
+          <a:ext cx="165946" cy="0"/>
+        </a:xfrm>
+        <a:prstGeom prst="line">
+          <a:avLst/>
+        </a:prstGeom>
+        <a:noFill/>
+        <a:ln w="19050" cap="flat" cmpd="sng" algn="ctr">
+          <a:solidFill>
+            <a:schemeClr val="accent4">
+              <a:lumMod val="50000"/>
+            </a:schemeClr>
+          </a:solidFill>
+          <a:prstDash val="solid"/>
+        </a:ln>
+        <a:effectLst/>
+      </dsp:spPr>
+      <dsp:style>
+        <a:lnRef idx="2">
+          <a:scrgbClr r="0" g="0" b="0"/>
+        </a:lnRef>
+        <a:fillRef idx="0">
+          <a:scrgbClr r="0" g="0" b="0"/>
+        </a:fillRef>
+        <a:effectRef idx="0">
+          <a:scrgbClr r="0" g="0" b="0"/>
+        </a:effectRef>
+        <a:fontRef idx="minor"/>
+      </dsp:style>
+    </dsp:sp>
+    <dsp:sp modelId="{C2E23544-0430-4A5E-92C8-84E101C567AB}">
+      <dsp:nvSpPr>
+        <dsp:cNvPr id="0" name=""/>
+        <dsp:cNvSpPr/>
+      </dsp:nvSpPr>
+      <dsp:spPr>
+        <a:xfrm rot="16935173">
+          <a:off x="830312" y="2234555"/>
+          <a:ext cx="1607532" cy="0"/>
+        </a:xfrm>
+        <a:custGeom>
+          <a:avLst/>
+          <a:gdLst/>
+          <a:ahLst/>
+          <a:cxnLst/>
+          <a:rect l="0" t="0" r="0" b="0"/>
+          <a:pathLst>
+            <a:path>
+              <a:moveTo>
+                <a:pt x="0" y="0"/>
+              </a:moveTo>
+              <a:lnTo>
+                <a:pt x="1607532" y="0"/>
+              </a:lnTo>
+            </a:path>
+          </a:pathLst>
+        </a:custGeom>
+        <a:noFill/>
+        <a:ln w="19050" cap="flat" cmpd="sng" algn="ctr">
+          <a:solidFill>
+            <a:schemeClr val="accent4">
+              <a:lumMod val="50000"/>
+            </a:schemeClr>
+          </a:solidFill>
+          <a:prstDash val="solid"/>
+        </a:ln>
+        <a:effectLst/>
+      </dsp:spPr>
+      <dsp:style>
+        <a:lnRef idx="2">
+          <a:scrgbClr r="0" g="0" b="0"/>
+        </a:lnRef>
+        <a:fillRef idx="0">
+          <a:scrgbClr r="0" g="0" b="0"/>
+        </a:fillRef>
+        <a:effectRef idx="0">
+          <a:scrgbClr r="0" g="0" b="0"/>
+        </a:effectRef>
+        <a:fontRef idx="minor"/>
+      </dsp:style>
+    </dsp:sp>
+    <dsp:sp modelId="{535FC9F5-974B-4885-9026-EEA1269D15A8}">
+      <dsp:nvSpPr>
+        <dsp:cNvPr id="0" name=""/>
+        <dsp:cNvSpPr/>
+      </dsp:nvSpPr>
+      <dsp:spPr>
+        <a:xfrm rot="15464827">
+          <a:off x="2680082" y="2234555"/>
+          <a:ext cx="1607532" cy="0"/>
+        </a:xfrm>
+        <a:custGeom>
+          <a:avLst/>
+          <a:gdLst/>
+          <a:ahLst/>
+          <a:cxnLst/>
+          <a:rect l="0" t="0" r="0" b="0"/>
+          <a:pathLst>
+            <a:path>
+              <a:moveTo>
+                <a:pt x="0" y="0"/>
+              </a:moveTo>
+              <a:lnTo>
+                <a:pt x="1607532" y="0"/>
+              </a:lnTo>
+            </a:path>
+          </a:pathLst>
+        </a:custGeom>
+        <a:noFill/>
+        <a:ln w="19050" cap="flat" cmpd="sng" algn="ctr">
+          <a:solidFill>
+            <a:schemeClr val="accent4">
+              <a:lumMod val="50000"/>
+            </a:schemeClr>
+          </a:solidFill>
+          <a:prstDash val="solid"/>
+        </a:ln>
+        <a:effectLst/>
+      </dsp:spPr>
+      <dsp:style>
+        <a:lnRef idx="2">
+          <a:scrgbClr r="0" g="0" b="0"/>
+        </a:lnRef>
+        <a:fillRef idx="0">
+          <a:scrgbClr r="0" g="0" b="0"/>
+        </a:fillRef>
+        <a:effectRef idx="0">
+          <a:scrgbClr r="0" g="0" b="0"/>
+        </a:effectRef>
+        <a:fontRef idx="minor"/>
+      </dsp:style>
+    </dsp:sp>
+    <dsp:sp modelId="{2E5C7773-E28D-426D-BB69-5163C3AFDBBE}">
+      <dsp:nvSpPr>
+        <dsp:cNvPr id="0" name=""/>
+        <dsp:cNvSpPr/>
+      </dsp:nvSpPr>
+      <dsp:spPr>
+        <a:xfrm>
+          <a:off x="1804659" y="1449098"/>
+          <a:ext cx="165946" cy="0"/>
+        </a:xfrm>
+        <a:prstGeom prst="line">
+          <a:avLst/>
+        </a:prstGeom>
+        <a:noFill/>
+        <a:ln w="19050" cap="flat" cmpd="sng" algn="ctr">
+          <a:solidFill>
+            <a:schemeClr val="accent4">
+              <a:lumMod val="50000"/>
+            </a:schemeClr>
+          </a:solidFill>
+          <a:prstDash val="solid"/>
+        </a:ln>
+        <a:effectLst/>
+      </dsp:spPr>
+      <dsp:style>
+        <a:lnRef idx="2">
+          <a:scrgbClr r="0" g="0" b="0"/>
+        </a:lnRef>
+        <a:fillRef idx="0">
+          <a:scrgbClr r="0" g="0" b="0"/>
+        </a:fillRef>
+        <a:effectRef idx="0">
+          <a:scrgbClr r="0" g="0" b="0"/>
+        </a:effectRef>
+        <a:fontRef idx="minor"/>
+      </dsp:style>
+    </dsp:sp>
+    <dsp:sp modelId="{FAE639A6-974B-416A-A0F6-C434B49BD7C5}">
+      <dsp:nvSpPr>
+        <dsp:cNvPr id="0" name=""/>
+        <dsp:cNvSpPr/>
+      </dsp:nvSpPr>
+      <dsp:spPr>
+        <a:xfrm>
+          <a:off x="1970606" y="1096084"/>
+          <a:ext cx="1176714" cy="706028"/>
+        </a:xfrm>
+        <a:prstGeom prst="rect">
+          <a:avLst/>
+        </a:prstGeom>
+        <a:noFill/>
+        <a:ln>
+          <a:noFill/>
+        </a:ln>
+        <a:effectLst/>
+        <a:sp3d/>
+      </dsp:spPr>
+      <dsp:style>
+        <a:lnRef idx="0">
+          <a:scrgbClr r="0" g="0" b="0"/>
+        </a:lnRef>
+        <a:fillRef idx="0">
+          <a:scrgbClr r="0" g="0" b="0"/>
+        </a:fillRef>
+        <a:effectRef idx="0">
+          <a:scrgbClr r="0" g="0" b="0"/>
+        </a:effectRef>
+        <a:fontRef idx="minor"/>
+      </dsp:style>
+      <dsp:txBody>
+        <a:bodyPr spcFirstLastPara="0" vert="horz" wrap="square" lIns="99568" tIns="99568" rIns="99568" bIns="99568" numCol="1" spcCol="1270" anchor="ctr" anchorCtr="0">
+          <a:noAutofit/>
+        </a:bodyPr>
+        <a:lstStyle/>
+        <a:p>
+          <a:pPr lvl="0" algn="ctr" defTabSz="622300" rtl="0">
+            <a:lnSpc>
+              <a:spcPct val="90000"/>
+            </a:lnSpc>
+            <a:spcBef>
+              <a:spcPct val="0"/>
+            </a:spcBef>
+            <a:spcAft>
+              <a:spcPct val="35000"/>
+            </a:spcAft>
+          </a:pPr>
+          <a:r>
+            <a:rPr lang="en-US" sz="1400" b="1" kern="1200" dirty="0" smtClean="0">
+              <a:solidFill>
+                <a:schemeClr val="accent4">
+                  <a:lumMod val="50000"/>
+                </a:schemeClr>
+              </a:solidFill>
+            </a:rPr>
+            <a:t>SQL Server</a:t>
+          </a:r>
+          <a:endParaRPr lang="en-US" sz="1400" b="1" kern="1200" dirty="0">
+            <a:solidFill>
+              <a:schemeClr val="accent4">
+                <a:lumMod val="50000"/>
+              </a:schemeClr>
+            </a:solidFill>
+          </a:endParaRPr>
+        </a:p>
+      </dsp:txBody>
+      <dsp:txXfrm>
+        <a:off x="1970606" y="1096084"/>
+        <a:ext cx="1176714" cy="706028"/>
+      </dsp:txXfrm>
+    </dsp:sp>
+    <dsp:sp modelId="{EDDDD4A5-D902-4474-B9A2-E022FD77356B}">
+      <dsp:nvSpPr>
+        <dsp:cNvPr id="0" name=""/>
+        <dsp:cNvSpPr/>
+      </dsp:nvSpPr>
+      <dsp:spPr>
+        <a:xfrm>
+          <a:off x="3147320" y="1449098"/>
+          <a:ext cx="165946" cy="0"/>
+        </a:xfrm>
+        <a:prstGeom prst="line">
+          <a:avLst/>
+        </a:prstGeom>
+        <a:noFill/>
+        <a:ln w="19050" cap="flat" cmpd="sng" algn="ctr">
+          <a:solidFill>
+            <a:schemeClr val="accent4">
+              <a:lumMod val="50000"/>
+            </a:schemeClr>
+          </a:solidFill>
+          <a:prstDash val="solid"/>
+        </a:ln>
+        <a:effectLst/>
+      </dsp:spPr>
+      <dsp:style>
+        <a:lnRef idx="2">
+          <a:scrgbClr r="0" g="0" b="0"/>
+        </a:lnRef>
+        <a:fillRef idx="0">
+          <a:scrgbClr r="0" g="0" b="0"/>
+        </a:fillRef>
+        <a:effectRef idx="0">
+          <a:scrgbClr r="0" g="0" b="0"/>
+        </a:effectRef>
+        <a:fontRef idx="minor"/>
+      </dsp:style>
+    </dsp:sp>
+    <dsp:sp modelId="{5D310087-83B3-4F0A-A8A5-EFA6C0E753E4}">
+      <dsp:nvSpPr>
+        <dsp:cNvPr id="0" name=""/>
+        <dsp:cNvSpPr/>
+      </dsp:nvSpPr>
+      <dsp:spPr>
+        <a:xfrm rot="17393884">
+          <a:off x="1132882" y="2626401"/>
+          <a:ext cx="1002391" cy="0"/>
+        </a:xfrm>
+        <a:custGeom>
+          <a:avLst/>
+          <a:gdLst/>
+          <a:ahLst/>
+          <a:cxnLst/>
+          <a:rect l="0" t="0" r="0" b="0"/>
+          <a:pathLst>
+            <a:path>
+              <a:moveTo>
+                <a:pt x="0" y="0"/>
+              </a:moveTo>
+              <a:lnTo>
+                <a:pt x="1002391" y="0"/>
+              </a:lnTo>
+            </a:path>
+          </a:pathLst>
+        </a:custGeom>
+        <a:noFill/>
+        <a:ln w="19050" cap="flat" cmpd="sng" algn="ctr">
+          <a:solidFill>
+            <a:schemeClr val="accent4">
+              <a:lumMod val="50000"/>
+            </a:schemeClr>
+          </a:solidFill>
+          <a:prstDash val="solid"/>
+        </a:ln>
+        <a:effectLst/>
+      </dsp:spPr>
+      <dsp:style>
+        <a:lnRef idx="2">
+          <a:scrgbClr r="0" g="0" b="0"/>
+        </a:lnRef>
+        <a:fillRef idx="0">
+          <a:scrgbClr r="0" g="0" b="0"/>
+        </a:fillRef>
+        <a:effectRef idx="0">
+          <a:scrgbClr r="0" g="0" b="0"/>
+        </a:effectRef>
+        <a:fontRef idx="minor"/>
+      </dsp:style>
+    </dsp:sp>
+    <dsp:sp modelId="{7C7AE3FF-4890-4434-B653-C82558B76E55}">
+      <dsp:nvSpPr>
+        <dsp:cNvPr id="0" name=""/>
+        <dsp:cNvSpPr/>
+      </dsp:nvSpPr>
+      <dsp:spPr>
+        <a:xfrm rot="15006116">
+          <a:off x="2982652" y="2626401"/>
+          <a:ext cx="1002391" cy="0"/>
+        </a:xfrm>
+        <a:custGeom>
+          <a:avLst/>
+          <a:gdLst/>
+          <a:ahLst/>
+          <a:cxnLst/>
+          <a:rect l="0" t="0" r="0" b="0"/>
+          <a:pathLst>
+            <a:path>
+              <a:moveTo>
+                <a:pt x="0" y="0"/>
+              </a:moveTo>
+              <a:lnTo>
+                <a:pt x="1002391" y="0"/>
+              </a:lnTo>
+            </a:path>
+          </a:pathLst>
+        </a:custGeom>
+        <a:noFill/>
+        <a:ln w="19050" cap="flat" cmpd="sng" algn="ctr">
+          <a:solidFill>
+            <a:schemeClr val="accent4">
+              <a:lumMod val="50000"/>
+            </a:schemeClr>
+          </a:solidFill>
+          <a:prstDash val="solid"/>
+        </a:ln>
+        <a:effectLst/>
+      </dsp:spPr>
+      <dsp:style>
+        <a:lnRef idx="2">
+          <a:scrgbClr r="0" g="0" b="0"/>
+        </a:lnRef>
+        <a:fillRef idx="0">
+          <a:scrgbClr r="0" g="0" b="0"/>
+        </a:fillRef>
+        <a:effectRef idx="0">
+          <a:scrgbClr r="0" g="0" b="0"/>
+        </a:effectRef>
+        <a:fontRef idx="minor"/>
+      </dsp:style>
+    </dsp:sp>
+    <dsp:sp modelId="{085DCA8A-DE60-4FBC-8E66-F7A9D7ADD4E6}">
+      <dsp:nvSpPr>
+        <dsp:cNvPr id="0" name=""/>
+        <dsp:cNvSpPr/>
+      </dsp:nvSpPr>
+      <dsp:spPr>
+        <a:xfrm>
+          <a:off x="1804659" y="2155127"/>
+          <a:ext cx="165946" cy="0"/>
+        </a:xfrm>
+        <a:prstGeom prst="line">
+          <a:avLst/>
+        </a:prstGeom>
+        <a:noFill/>
+        <a:ln w="19050" cap="flat" cmpd="sng" algn="ctr">
+          <a:solidFill>
+            <a:schemeClr val="accent4">
+              <a:lumMod val="50000"/>
+            </a:schemeClr>
+          </a:solidFill>
+          <a:prstDash val="solid"/>
+        </a:ln>
+        <a:effectLst/>
+      </dsp:spPr>
+      <dsp:style>
+        <a:lnRef idx="2">
+          <a:scrgbClr r="0" g="0" b="0"/>
+        </a:lnRef>
+        <a:fillRef idx="0">
+          <a:scrgbClr r="0" g="0" b="0"/>
+        </a:fillRef>
+        <a:effectRef idx="0">
+          <a:scrgbClr r="0" g="0" b="0"/>
+        </a:effectRef>
+        <a:fontRef idx="minor"/>
+      </dsp:style>
+    </dsp:sp>
+    <dsp:sp modelId="{7482445F-7F6C-4933-B758-71F4EC3AAC5F}">
+      <dsp:nvSpPr>
+        <dsp:cNvPr id="0" name=""/>
+        <dsp:cNvSpPr/>
+      </dsp:nvSpPr>
+      <dsp:spPr>
+        <a:xfrm>
+          <a:off x="1970606" y="1802113"/>
+          <a:ext cx="1176714" cy="706028"/>
+        </a:xfrm>
+        <a:prstGeom prst="rect">
+          <a:avLst/>
+        </a:prstGeom>
+        <a:noFill/>
+        <a:ln>
+          <a:noFill/>
+        </a:ln>
+        <a:effectLst/>
+        <a:sp3d/>
+      </dsp:spPr>
+      <dsp:style>
+        <a:lnRef idx="0">
+          <a:scrgbClr r="0" g="0" b="0"/>
+        </a:lnRef>
+        <a:fillRef idx="0">
+          <a:scrgbClr r="0" g="0" b="0"/>
+        </a:fillRef>
+        <a:effectRef idx="0">
+          <a:scrgbClr r="0" g="0" b="0"/>
+        </a:effectRef>
+        <a:fontRef idx="minor"/>
+      </dsp:style>
+      <dsp:txBody>
+        <a:bodyPr spcFirstLastPara="0" vert="horz" wrap="square" lIns="99568" tIns="99568" rIns="99568" bIns="99568" numCol="1" spcCol="1270" anchor="ctr" anchorCtr="0">
+          <a:noAutofit/>
+        </a:bodyPr>
+        <a:lstStyle/>
+        <a:p>
+          <a:pPr lvl="0" algn="ctr" defTabSz="622300" rtl="0">
+            <a:lnSpc>
+              <a:spcPct val="90000"/>
+            </a:lnSpc>
+            <a:spcBef>
+              <a:spcPct val="0"/>
+            </a:spcBef>
+            <a:spcAft>
+              <a:spcPct val="35000"/>
+            </a:spcAft>
+          </a:pPr>
+          <a:r>
+            <a:rPr lang="en-US" sz="1400" b="1" kern="1200" dirty="0" smtClean="0">
+              <a:solidFill>
+                <a:schemeClr val="accent4">
+                  <a:lumMod val="50000"/>
+                </a:schemeClr>
+              </a:solidFill>
+            </a:rPr>
+            <a:t>RSS</a:t>
+          </a:r>
+          <a:endParaRPr lang="en-US" sz="1400" b="1" kern="1200" dirty="0">
+            <a:solidFill>
+              <a:schemeClr val="accent4">
+                <a:lumMod val="50000"/>
+              </a:schemeClr>
+            </a:solidFill>
+          </a:endParaRPr>
+        </a:p>
+      </dsp:txBody>
+      <dsp:txXfrm>
+        <a:off x="1970606" y="1802113"/>
+        <a:ext cx="1176714" cy="706028"/>
+      </dsp:txXfrm>
+    </dsp:sp>
+    <dsp:sp modelId="{00464818-5695-499D-9C30-E83C17D66060}">
+      <dsp:nvSpPr>
+        <dsp:cNvPr id="0" name=""/>
+        <dsp:cNvSpPr/>
+      </dsp:nvSpPr>
+      <dsp:spPr>
+        <a:xfrm>
+          <a:off x="3147320" y="2155127"/>
+          <a:ext cx="165946" cy="0"/>
+        </a:xfrm>
+        <a:prstGeom prst="line">
+          <a:avLst/>
+        </a:prstGeom>
+        <a:noFill/>
+        <a:ln w="19050" cap="flat" cmpd="sng" algn="ctr">
+          <a:solidFill>
+            <a:schemeClr val="accent4">
+              <a:lumMod val="50000"/>
+            </a:schemeClr>
+          </a:solidFill>
+          <a:prstDash val="solid"/>
+        </a:ln>
+        <a:effectLst/>
+      </dsp:spPr>
+      <dsp:style>
+        <a:lnRef idx="2">
+          <a:scrgbClr r="0" g="0" b="0"/>
+        </a:lnRef>
+        <a:fillRef idx="0">
+          <a:scrgbClr r="0" g="0" b="0"/>
+        </a:fillRef>
+        <a:effectRef idx="0">
+          <a:scrgbClr r="0" g="0" b="0"/>
+        </a:effectRef>
+        <a:fontRef idx="minor"/>
+      </dsp:style>
+    </dsp:sp>
+    <dsp:sp modelId="{263C3133-C796-4F03-9601-89A19E55D668}">
+      <dsp:nvSpPr>
+        <dsp:cNvPr id="0" name=""/>
+        <dsp:cNvSpPr/>
+      </dsp:nvSpPr>
+      <dsp:spPr>
+        <a:xfrm rot="19041445">
+          <a:off x="1402182" y="3018247"/>
+          <a:ext cx="463791" cy="0"/>
+        </a:xfrm>
+        <a:custGeom>
+          <a:avLst/>
+          <a:gdLst/>
+          <a:ahLst/>
+          <a:cxnLst/>
+          <a:rect l="0" t="0" r="0" b="0"/>
+          <a:pathLst>
+            <a:path>
+              <a:moveTo>
+                <a:pt x="0" y="0"/>
+              </a:moveTo>
+              <a:lnTo>
+                <a:pt x="463791" y="0"/>
+              </a:lnTo>
+            </a:path>
+          </a:pathLst>
+        </a:custGeom>
+        <a:noFill/>
+        <a:ln w="19050" cap="flat" cmpd="sng" algn="ctr">
+          <a:solidFill>
+            <a:schemeClr val="accent4">
+              <a:lumMod val="50000"/>
+            </a:schemeClr>
+          </a:solidFill>
+          <a:prstDash val="solid"/>
+        </a:ln>
+        <a:effectLst/>
+      </dsp:spPr>
+      <dsp:style>
+        <a:lnRef idx="2">
+          <a:scrgbClr r="0" g="0" b="0"/>
+        </a:lnRef>
+        <a:fillRef idx="0">
+          <a:scrgbClr r="0" g="0" b="0"/>
+        </a:fillRef>
+        <a:effectRef idx="0">
+          <a:scrgbClr r="0" g="0" b="0"/>
+        </a:effectRef>
+        <a:fontRef idx="minor"/>
+      </dsp:style>
+    </dsp:sp>
+    <dsp:sp modelId="{AF45C643-29D5-4CEA-A90B-7C3C47C4A47A}">
+      <dsp:nvSpPr>
+        <dsp:cNvPr id="0" name=""/>
+        <dsp:cNvSpPr/>
+      </dsp:nvSpPr>
+      <dsp:spPr>
+        <a:xfrm rot="13358555">
+          <a:off x="3251952" y="3018247"/>
+          <a:ext cx="463791" cy="0"/>
+        </a:xfrm>
+        <a:custGeom>
+          <a:avLst/>
+          <a:gdLst/>
+          <a:ahLst/>
+          <a:cxnLst/>
+          <a:rect l="0" t="0" r="0" b="0"/>
+          <a:pathLst>
+            <a:path>
+              <a:moveTo>
+                <a:pt x="0" y="0"/>
+              </a:moveTo>
+              <a:lnTo>
+                <a:pt x="463791" y="0"/>
+              </a:lnTo>
+            </a:path>
+          </a:pathLst>
+        </a:custGeom>
+        <a:noFill/>
+        <a:ln w="19050" cap="flat" cmpd="sng" algn="ctr">
+          <a:solidFill>
+            <a:schemeClr val="accent4">
+              <a:lumMod val="50000"/>
+            </a:schemeClr>
+          </a:solidFill>
+          <a:prstDash val="solid"/>
+        </a:ln>
+        <a:effectLst/>
+      </dsp:spPr>
+      <dsp:style>
+        <a:lnRef idx="2">
+          <a:scrgbClr r="0" g="0" b="0"/>
+        </a:lnRef>
+        <a:fillRef idx="0">
+          <a:scrgbClr r="0" g="0" b="0"/>
+        </a:fillRef>
+        <a:effectRef idx="0">
+          <a:scrgbClr r="0" g="0" b="0"/>
+        </a:effectRef>
+        <a:fontRef idx="minor"/>
+      </dsp:style>
+    </dsp:sp>
+    <dsp:sp modelId="{084BD04E-E6FF-48DC-8E11-D91B6D91CD16}">
+      <dsp:nvSpPr>
+        <dsp:cNvPr id="0" name=""/>
+        <dsp:cNvSpPr/>
+      </dsp:nvSpPr>
+      <dsp:spPr>
+        <a:xfrm>
+          <a:off x="1804659" y="2861156"/>
+          <a:ext cx="165946" cy="0"/>
+        </a:xfrm>
+        <a:prstGeom prst="line">
+          <a:avLst/>
+        </a:prstGeom>
+        <a:noFill/>
+        <a:ln w="19050" cap="flat" cmpd="sng" algn="ctr">
+          <a:solidFill>
+            <a:schemeClr val="accent4">
+              <a:lumMod val="50000"/>
+            </a:schemeClr>
+          </a:solidFill>
+          <a:prstDash val="solid"/>
+        </a:ln>
+        <a:effectLst/>
+      </dsp:spPr>
+      <dsp:style>
+        <a:lnRef idx="2">
+          <a:scrgbClr r="0" g="0" b="0"/>
+        </a:lnRef>
+        <a:fillRef idx="0">
+          <a:scrgbClr r="0" g="0" b="0"/>
+        </a:fillRef>
+        <a:effectRef idx="0">
+          <a:scrgbClr r="0" g="0" b="0"/>
+        </a:effectRef>
+        <a:fontRef idx="minor"/>
+      </dsp:style>
+    </dsp:sp>
+    <dsp:sp modelId="{34E5B896-2B84-4236-B8FB-B24B86DAD3B1}">
+      <dsp:nvSpPr>
+        <dsp:cNvPr id="0" name=""/>
+        <dsp:cNvSpPr/>
+      </dsp:nvSpPr>
+      <dsp:spPr>
+        <a:xfrm>
+          <a:off x="1970606" y="2508141"/>
+          <a:ext cx="1176714" cy="706028"/>
+        </a:xfrm>
+        <a:prstGeom prst="rect">
+          <a:avLst/>
+        </a:prstGeom>
+        <a:noFill/>
+        <a:ln>
+          <a:noFill/>
+        </a:ln>
+        <a:effectLst/>
+        <a:sp3d/>
+      </dsp:spPr>
+      <dsp:style>
+        <a:lnRef idx="0">
+          <a:scrgbClr r="0" g="0" b="0"/>
+        </a:lnRef>
+        <a:fillRef idx="0">
+          <a:scrgbClr r="0" g="0" b="0"/>
+        </a:fillRef>
+        <a:effectRef idx="0">
+          <a:scrgbClr r="0" g="0" b="0"/>
+        </a:effectRef>
+        <a:fontRef idx="minor"/>
+      </dsp:style>
+      <dsp:txBody>
+        <a:bodyPr spcFirstLastPara="0" vert="horz" wrap="square" lIns="99568" tIns="99568" rIns="99568" bIns="99568" numCol="1" spcCol="1270" anchor="ctr" anchorCtr="0">
+          <a:noAutofit/>
+        </a:bodyPr>
+        <a:lstStyle/>
+        <a:p>
+          <a:pPr lvl="0" algn="ctr" defTabSz="622300" rtl="0">
+            <a:lnSpc>
+              <a:spcPct val="90000"/>
+            </a:lnSpc>
+            <a:spcBef>
+              <a:spcPct val="0"/>
+            </a:spcBef>
+            <a:spcAft>
+              <a:spcPct val="35000"/>
+            </a:spcAft>
+          </a:pPr>
+          <a:r>
+            <a:rPr lang="en-US" sz="1400" b="1" kern="1200" dirty="0" smtClean="0">
+              <a:solidFill>
+                <a:schemeClr val="accent4">
+                  <a:lumMod val="50000"/>
+                </a:schemeClr>
+              </a:solidFill>
+            </a:rPr>
+            <a:t>Freebase</a:t>
+          </a:r>
+          <a:endParaRPr lang="en-US" sz="1400" b="1" kern="1200" dirty="0">
+            <a:solidFill>
+              <a:schemeClr val="accent4">
+                <a:lumMod val="50000"/>
+              </a:schemeClr>
+            </a:solidFill>
+          </a:endParaRPr>
+        </a:p>
+      </dsp:txBody>
+      <dsp:txXfrm>
+        <a:off x="1970606" y="2508141"/>
+        <a:ext cx="1176714" cy="706028"/>
+      </dsp:txXfrm>
+    </dsp:sp>
+    <dsp:sp modelId="{3F774837-5289-485E-8A4B-1F01C2D379B4}">
+      <dsp:nvSpPr>
+        <dsp:cNvPr id="0" name=""/>
+        <dsp:cNvSpPr/>
+      </dsp:nvSpPr>
+      <dsp:spPr>
+        <a:xfrm>
+          <a:off x="3147320" y="2861156"/>
+          <a:ext cx="165946" cy="0"/>
+        </a:xfrm>
+        <a:prstGeom prst="line">
+          <a:avLst/>
+        </a:prstGeom>
+        <a:noFill/>
+        <a:ln w="19050" cap="flat" cmpd="sng" algn="ctr">
+          <a:solidFill>
+            <a:schemeClr val="accent4">
+              <a:lumMod val="50000"/>
+            </a:schemeClr>
+          </a:solidFill>
+          <a:prstDash val="solid"/>
+        </a:ln>
+        <a:effectLst/>
+      </dsp:spPr>
+      <dsp:style>
+        <a:lnRef idx="2">
+          <a:scrgbClr r="0" g="0" b="0"/>
+        </a:lnRef>
+        <a:fillRef idx="0">
+          <a:scrgbClr r="0" g="0" b="0"/>
+        </a:fillRef>
+        <a:effectRef idx="0">
+          <a:scrgbClr r="0" g="0" b="0"/>
+        </a:effectRef>
+        <a:fontRef idx="minor"/>
+      </dsp:style>
+    </dsp:sp>
+    <dsp:sp modelId="{6C222AC5-33D5-4EBB-9F3B-F5E4BE8D027E}">
+      <dsp:nvSpPr>
+        <dsp:cNvPr id="0" name=""/>
+        <dsp:cNvSpPr/>
+      </dsp:nvSpPr>
+      <dsp:spPr>
+        <a:xfrm rot="2558555">
+          <a:off x="1402182" y="3410093"/>
+          <a:ext cx="463791" cy="0"/>
+        </a:xfrm>
+        <a:custGeom>
+          <a:avLst/>
+          <a:gdLst/>
+          <a:ahLst/>
+          <a:cxnLst/>
+          <a:rect l="0" t="0" r="0" b="0"/>
+          <a:pathLst>
+            <a:path>
+              <a:moveTo>
+                <a:pt x="0" y="0"/>
+              </a:moveTo>
+              <a:lnTo>
+                <a:pt x="463791" y="0"/>
+              </a:lnTo>
+            </a:path>
+          </a:pathLst>
+        </a:custGeom>
+        <a:noFill/>
+        <a:ln w="19050" cap="flat" cmpd="sng" algn="ctr">
+          <a:solidFill>
+            <a:schemeClr val="accent4">
+              <a:lumMod val="50000"/>
+            </a:schemeClr>
+          </a:solidFill>
+          <a:prstDash val="solid"/>
+        </a:ln>
+        <a:effectLst/>
+      </dsp:spPr>
+      <dsp:style>
+        <a:lnRef idx="2">
+          <a:scrgbClr r="0" g="0" b="0"/>
+        </a:lnRef>
+        <a:fillRef idx="0">
+          <a:scrgbClr r="0" g="0" b="0"/>
+        </a:fillRef>
+        <a:effectRef idx="0">
+          <a:scrgbClr r="0" g="0" b="0"/>
+        </a:effectRef>
+        <a:fontRef idx="minor"/>
+      </dsp:style>
+    </dsp:sp>
+    <dsp:sp modelId="{001A2D7C-12E8-419A-BCBE-94084E74FFE3}">
+      <dsp:nvSpPr>
+        <dsp:cNvPr id="0" name=""/>
+        <dsp:cNvSpPr/>
+      </dsp:nvSpPr>
+      <dsp:spPr>
+        <a:xfrm rot="8241445">
+          <a:off x="3251952" y="3410093"/>
+          <a:ext cx="463791" cy="0"/>
+        </a:xfrm>
+        <a:custGeom>
+          <a:avLst/>
+          <a:gdLst/>
+          <a:ahLst/>
+          <a:cxnLst/>
+          <a:rect l="0" t="0" r="0" b="0"/>
+          <a:pathLst>
+            <a:path>
+              <a:moveTo>
+                <a:pt x="0" y="0"/>
+              </a:moveTo>
+              <a:lnTo>
+                <a:pt x="463791" y="0"/>
+              </a:lnTo>
+            </a:path>
+          </a:pathLst>
+        </a:custGeom>
+        <a:noFill/>
+        <a:ln w="19050" cap="flat" cmpd="sng" algn="ctr">
+          <a:solidFill>
+            <a:schemeClr val="accent4">
+              <a:lumMod val="50000"/>
+            </a:schemeClr>
+          </a:solidFill>
+          <a:prstDash val="solid"/>
+        </a:ln>
+        <a:effectLst/>
+      </dsp:spPr>
+      <dsp:style>
+        <a:lnRef idx="2">
+          <a:scrgbClr r="0" g="0" b="0"/>
+        </a:lnRef>
+        <a:fillRef idx="0">
+          <a:scrgbClr r="0" g="0" b="0"/>
+        </a:fillRef>
+        <a:effectRef idx="0">
+          <a:scrgbClr r="0" g="0" b="0"/>
+        </a:effectRef>
+        <a:fontRef idx="minor"/>
+      </dsp:style>
+    </dsp:sp>
+    <dsp:sp modelId="{BB1E9E71-D59E-4D80-A64F-A6432BB61290}">
+      <dsp:nvSpPr>
+        <dsp:cNvPr id="0" name=""/>
+        <dsp:cNvSpPr/>
+      </dsp:nvSpPr>
+      <dsp:spPr>
+        <a:xfrm>
+          <a:off x="1804659" y="3567184"/>
+          <a:ext cx="165946" cy="0"/>
+        </a:xfrm>
+        <a:prstGeom prst="line">
+          <a:avLst/>
+        </a:prstGeom>
+        <a:noFill/>
+        <a:ln w="19050" cap="flat" cmpd="sng" algn="ctr">
+          <a:solidFill>
+            <a:schemeClr val="accent4">
+              <a:lumMod val="50000"/>
+            </a:schemeClr>
+          </a:solidFill>
+          <a:prstDash val="solid"/>
+        </a:ln>
+        <a:effectLst/>
+      </dsp:spPr>
+      <dsp:style>
+        <a:lnRef idx="2">
+          <a:scrgbClr r="0" g="0" b="0"/>
+        </a:lnRef>
+        <a:fillRef idx="0">
+          <a:scrgbClr r="0" g="0" b="0"/>
+        </a:fillRef>
+        <a:effectRef idx="0">
+          <a:scrgbClr r="0" g="0" b="0"/>
+        </a:effectRef>
+        <a:fontRef idx="minor"/>
+      </dsp:style>
+    </dsp:sp>
+    <dsp:sp modelId="{8295D9B7-17EF-49AF-9E34-E14C56D25566}">
+      <dsp:nvSpPr>
+        <dsp:cNvPr id="0" name=""/>
+        <dsp:cNvSpPr/>
+      </dsp:nvSpPr>
+      <dsp:spPr>
+        <a:xfrm>
+          <a:off x="1970606" y="3214170"/>
+          <a:ext cx="1176714" cy="706028"/>
+        </a:xfrm>
+        <a:prstGeom prst="rect">
+          <a:avLst/>
+        </a:prstGeom>
+        <a:noFill/>
+        <a:ln>
+          <a:noFill/>
+        </a:ln>
+        <a:effectLst/>
+        <a:sp3d/>
+      </dsp:spPr>
+      <dsp:style>
+        <a:lnRef idx="0">
+          <a:scrgbClr r="0" g="0" b="0"/>
+        </a:lnRef>
+        <a:fillRef idx="0">
+          <a:scrgbClr r="0" g="0" b="0"/>
+        </a:fillRef>
+        <a:effectRef idx="0">
+          <a:scrgbClr r="0" g="0" b="0"/>
+        </a:effectRef>
+        <a:fontRef idx="minor"/>
+      </dsp:style>
+      <dsp:txBody>
+        <a:bodyPr spcFirstLastPara="0" vert="horz" wrap="square" lIns="99568" tIns="99568" rIns="99568" bIns="99568" numCol="1" spcCol="1270" anchor="ctr" anchorCtr="0">
+          <a:noAutofit/>
+        </a:bodyPr>
+        <a:lstStyle/>
+        <a:p>
+          <a:pPr lvl="0" algn="ctr" defTabSz="622300" rtl="0">
+            <a:lnSpc>
+              <a:spcPct val="90000"/>
+            </a:lnSpc>
+            <a:spcBef>
+              <a:spcPct val="0"/>
+            </a:spcBef>
+            <a:spcAft>
+              <a:spcPct val="35000"/>
+            </a:spcAft>
+          </a:pPr>
+          <a:r>
+            <a:rPr lang="en-US" sz="1400" b="1" kern="1200" dirty="0" smtClean="0">
+              <a:solidFill>
+                <a:schemeClr val="accent4">
+                  <a:lumMod val="50000"/>
+                </a:schemeClr>
+              </a:solidFill>
+            </a:rPr>
+            <a:t>CSV</a:t>
+          </a:r>
+          <a:endParaRPr lang="en-US" sz="1400" b="1" kern="1200" dirty="0">
+            <a:solidFill>
+              <a:schemeClr val="accent4">
+                <a:lumMod val="50000"/>
+              </a:schemeClr>
+            </a:solidFill>
+          </a:endParaRPr>
+        </a:p>
+      </dsp:txBody>
+      <dsp:txXfrm>
+        <a:off x="1970606" y="3214170"/>
+        <a:ext cx="1176714" cy="706028"/>
+      </dsp:txXfrm>
+    </dsp:sp>
+    <dsp:sp modelId="{64FE68EF-246A-4E45-82CA-2ED5CAC816C1}">
+      <dsp:nvSpPr>
+        <dsp:cNvPr id="0" name=""/>
+        <dsp:cNvSpPr/>
+      </dsp:nvSpPr>
+      <dsp:spPr>
+        <a:xfrm>
+          <a:off x="3147320" y="3567184"/>
+          <a:ext cx="165946" cy="0"/>
+        </a:xfrm>
+        <a:prstGeom prst="line">
+          <a:avLst/>
+        </a:prstGeom>
+        <a:noFill/>
+        <a:ln w="19050" cap="flat" cmpd="sng" algn="ctr">
+          <a:solidFill>
+            <a:schemeClr val="accent4">
+              <a:lumMod val="50000"/>
+            </a:schemeClr>
+          </a:solidFill>
+          <a:prstDash val="solid"/>
+        </a:ln>
+        <a:effectLst/>
+      </dsp:spPr>
+      <dsp:style>
+        <a:lnRef idx="2">
+          <a:scrgbClr r="0" g="0" b="0"/>
+        </a:lnRef>
+        <a:fillRef idx="0">
+          <a:scrgbClr r="0" g="0" b="0"/>
+        </a:fillRef>
+        <a:effectRef idx="0">
+          <a:scrgbClr r="0" g="0" b="0"/>
+        </a:effectRef>
+        <a:fontRef idx="minor"/>
+      </dsp:style>
+    </dsp:sp>
+    <dsp:sp modelId="{5B54B39D-CFFE-402B-A25D-A70AA85B6D91}">
+      <dsp:nvSpPr>
+        <dsp:cNvPr id="0" name=""/>
+        <dsp:cNvSpPr/>
+      </dsp:nvSpPr>
+      <dsp:spPr>
+        <a:xfrm rot="4206116">
+          <a:off x="1132882" y="3801939"/>
+          <a:ext cx="1002391" cy="0"/>
+        </a:xfrm>
+        <a:custGeom>
+          <a:avLst/>
+          <a:gdLst/>
+          <a:ahLst/>
+          <a:cxnLst/>
+          <a:rect l="0" t="0" r="0" b="0"/>
+          <a:pathLst>
+            <a:path>
+              <a:moveTo>
+                <a:pt x="0" y="0"/>
+              </a:moveTo>
+              <a:lnTo>
+                <a:pt x="1002391" y="0"/>
+              </a:lnTo>
+            </a:path>
+          </a:pathLst>
+        </a:custGeom>
+        <a:noFill/>
+        <a:ln w="19050" cap="flat" cmpd="sng" algn="ctr">
+          <a:solidFill>
+            <a:schemeClr val="accent4">
+              <a:lumMod val="50000"/>
+            </a:schemeClr>
+          </a:solidFill>
+          <a:prstDash val="solid"/>
+        </a:ln>
+        <a:effectLst/>
+      </dsp:spPr>
+      <dsp:style>
+        <a:lnRef idx="2">
+          <a:scrgbClr r="0" g="0" b="0"/>
+        </a:lnRef>
+        <a:fillRef idx="0">
+          <a:scrgbClr r="0" g="0" b="0"/>
+        </a:fillRef>
+        <a:effectRef idx="0">
+          <a:scrgbClr r="0" g="0" b="0"/>
+        </a:effectRef>
+        <a:fontRef idx="minor"/>
+      </dsp:style>
+    </dsp:sp>
+    <dsp:sp modelId="{43F5BDEA-DA8D-4185-BE14-552A984ED385}">
+      <dsp:nvSpPr>
+        <dsp:cNvPr id="0" name=""/>
+        <dsp:cNvSpPr/>
+      </dsp:nvSpPr>
+      <dsp:spPr>
+        <a:xfrm rot="6593884">
+          <a:off x="2982652" y="3801939"/>
+          <a:ext cx="1002391" cy="0"/>
+        </a:xfrm>
+        <a:custGeom>
+          <a:avLst/>
+          <a:gdLst/>
+          <a:ahLst/>
+          <a:cxnLst/>
+          <a:rect l="0" t="0" r="0" b="0"/>
+          <a:pathLst>
+            <a:path>
+              <a:moveTo>
+                <a:pt x="0" y="0"/>
+              </a:moveTo>
+              <a:lnTo>
+                <a:pt x="1002391" y="0"/>
+              </a:lnTo>
+            </a:path>
+          </a:pathLst>
+        </a:custGeom>
+        <a:noFill/>
+        <a:ln w="19050" cap="flat" cmpd="sng" algn="ctr">
+          <a:solidFill>
+            <a:schemeClr val="accent4">
+              <a:lumMod val="50000"/>
+            </a:schemeClr>
+          </a:solidFill>
+          <a:prstDash val="solid"/>
+        </a:ln>
+        <a:effectLst/>
+      </dsp:spPr>
+      <dsp:style>
+        <a:lnRef idx="2">
+          <a:scrgbClr r="0" g="0" b="0"/>
+        </a:lnRef>
+        <a:fillRef idx="0">
+          <a:scrgbClr r="0" g="0" b="0"/>
+        </a:fillRef>
+        <a:effectRef idx="0">
+          <a:scrgbClr r="0" g="0" b="0"/>
+        </a:effectRef>
+        <a:fontRef idx="minor"/>
+      </dsp:style>
+    </dsp:sp>
+    <dsp:sp modelId="{0B148755-450F-4812-BE23-07C8D1177CA3}">
+      <dsp:nvSpPr>
+        <dsp:cNvPr id="0" name=""/>
+        <dsp:cNvSpPr/>
+      </dsp:nvSpPr>
+      <dsp:spPr>
+        <a:xfrm>
+          <a:off x="1804659" y="4273213"/>
+          <a:ext cx="165946" cy="0"/>
+        </a:xfrm>
+        <a:prstGeom prst="line">
+          <a:avLst/>
+        </a:prstGeom>
+        <a:noFill/>
+        <a:ln w="19050" cap="flat" cmpd="sng" algn="ctr">
+          <a:solidFill>
+            <a:schemeClr val="accent4">
+              <a:lumMod val="50000"/>
+            </a:schemeClr>
+          </a:solidFill>
+          <a:prstDash val="solid"/>
+        </a:ln>
+        <a:effectLst/>
+      </dsp:spPr>
+      <dsp:style>
+        <a:lnRef idx="2">
+          <a:scrgbClr r="0" g="0" b="0"/>
+        </a:lnRef>
+        <a:fillRef idx="0">
+          <a:scrgbClr r="0" g="0" b="0"/>
+        </a:fillRef>
+        <a:effectRef idx="0">
+          <a:scrgbClr r="0" g="0" b="0"/>
+        </a:effectRef>
+        <a:fontRef idx="minor"/>
+      </dsp:style>
+    </dsp:sp>
+    <dsp:sp modelId="{B75F15B2-6D40-42F1-9D31-7D4675A2C6C7}">
+      <dsp:nvSpPr>
+        <dsp:cNvPr id="0" name=""/>
+        <dsp:cNvSpPr/>
+      </dsp:nvSpPr>
+      <dsp:spPr>
+        <a:xfrm>
+          <a:off x="1970606" y="3920199"/>
+          <a:ext cx="1176714" cy="706028"/>
+        </a:xfrm>
+        <a:prstGeom prst="rect">
+          <a:avLst/>
+        </a:prstGeom>
+        <a:noFill/>
+        <a:ln>
+          <a:noFill/>
+        </a:ln>
+        <a:effectLst/>
+        <a:sp3d/>
+      </dsp:spPr>
+      <dsp:style>
+        <a:lnRef idx="0">
+          <a:scrgbClr r="0" g="0" b="0"/>
+        </a:lnRef>
+        <a:fillRef idx="0">
+          <a:scrgbClr r="0" g="0" b="0"/>
+        </a:fillRef>
+        <a:effectRef idx="0">
+          <a:scrgbClr r="0" g="0" b="0"/>
+        </a:effectRef>
+        <a:fontRef idx="minor"/>
+      </dsp:style>
+      <dsp:txBody>
+        <a:bodyPr spcFirstLastPara="0" vert="horz" wrap="square" lIns="99568" tIns="99568" rIns="99568" bIns="99568" numCol="1" spcCol="1270" anchor="ctr" anchorCtr="0">
+          <a:noAutofit/>
+        </a:bodyPr>
+        <a:lstStyle/>
+        <a:p>
+          <a:pPr lvl="0" algn="ctr" defTabSz="622300" rtl="0">
+            <a:lnSpc>
+              <a:spcPct val="90000"/>
+            </a:lnSpc>
+            <a:spcBef>
+              <a:spcPct val="0"/>
+            </a:spcBef>
+            <a:spcAft>
+              <a:spcPct val="35000"/>
+            </a:spcAft>
+          </a:pPr>
+          <a:r>
+            <a:rPr lang="en-US" sz="1400" b="1" kern="1200" smtClean="0">
+              <a:solidFill>
+                <a:schemeClr val="accent4">
+                  <a:lumMod val="50000"/>
+                </a:schemeClr>
+              </a:solidFill>
+            </a:rPr>
+            <a:t>OData</a:t>
+          </a:r>
+          <a:endParaRPr lang="en-US" sz="1400" b="1" kern="1200">
+            <a:solidFill>
+              <a:schemeClr val="accent4">
+                <a:lumMod val="50000"/>
+              </a:schemeClr>
+            </a:solidFill>
+          </a:endParaRPr>
+        </a:p>
+      </dsp:txBody>
+      <dsp:txXfrm>
+        <a:off x="1970606" y="3920199"/>
+        <a:ext cx="1176714" cy="706028"/>
+      </dsp:txXfrm>
+    </dsp:sp>
+    <dsp:sp modelId="{484F5556-2A8D-445B-BFF0-007E6657DF92}">
+      <dsp:nvSpPr>
+        <dsp:cNvPr id="0" name=""/>
+        <dsp:cNvSpPr/>
+      </dsp:nvSpPr>
+      <dsp:spPr>
+        <a:xfrm>
+          <a:off x="3147320" y="4273213"/>
+          <a:ext cx="165946" cy="0"/>
+        </a:xfrm>
+        <a:prstGeom prst="line">
+          <a:avLst/>
+        </a:prstGeom>
+        <a:noFill/>
+        <a:ln w="19050" cap="flat" cmpd="sng" algn="ctr">
+          <a:solidFill>
+            <a:schemeClr val="accent4">
+              <a:lumMod val="50000"/>
+            </a:schemeClr>
+          </a:solidFill>
+          <a:prstDash val="solid"/>
+        </a:ln>
+        <a:effectLst/>
+      </dsp:spPr>
+      <dsp:style>
+        <a:lnRef idx="2">
+          <a:scrgbClr r="0" g="0" b="0"/>
+        </a:lnRef>
+        <a:fillRef idx="0">
+          <a:scrgbClr r="0" g="0" b="0"/>
+        </a:fillRef>
+        <a:effectRef idx="0">
+          <a:scrgbClr r="0" g="0" b="0"/>
+        </a:effectRef>
+        <a:fontRef idx="minor"/>
+      </dsp:style>
+    </dsp:sp>
+    <dsp:sp modelId="{153B4536-D6EF-44BC-809B-B2AD77460ADB}">
+      <dsp:nvSpPr>
+        <dsp:cNvPr id="0" name=""/>
+        <dsp:cNvSpPr/>
+      </dsp:nvSpPr>
+      <dsp:spPr>
+        <a:xfrm rot="4664827">
+          <a:off x="830312" y="4193785"/>
+          <a:ext cx="1607532" cy="0"/>
+        </a:xfrm>
+        <a:custGeom>
+          <a:avLst/>
+          <a:gdLst/>
+          <a:ahLst/>
+          <a:cxnLst/>
+          <a:rect l="0" t="0" r="0" b="0"/>
+          <a:pathLst>
+            <a:path>
+              <a:moveTo>
+                <a:pt x="0" y="0"/>
+              </a:moveTo>
+              <a:lnTo>
+                <a:pt x="1607532" y="0"/>
+              </a:lnTo>
+            </a:path>
+          </a:pathLst>
+        </a:custGeom>
+        <a:noFill/>
+        <a:ln w="19050" cap="flat" cmpd="sng" algn="ctr">
+          <a:solidFill>
+            <a:schemeClr val="accent4">
+              <a:lumMod val="50000"/>
+            </a:schemeClr>
+          </a:solidFill>
+          <a:prstDash val="solid"/>
+        </a:ln>
+        <a:effectLst/>
+      </dsp:spPr>
+      <dsp:style>
+        <a:lnRef idx="2">
+          <a:scrgbClr r="0" g="0" b="0"/>
+        </a:lnRef>
+        <a:fillRef idx="0">
+          <a:scrgbClr r="0" g="0" b="0"/>
+        </a:fillRef>
+        <a:effectRef idx="0">
+          <a:scrgbClr r="0" g="0" b="0"/>
+        </a:effectRef>
+        <a:fontRef idx="minor"/>
+      </dsp:style>
+    </dsp:sp>
+    <dsp:sp modelId="{8BAA3A09-F080-4508-A200-8041AB1D01BF}">
+      <dsp:nvSpPr>
+        <dsp:cNvPr id="0" name=""/>
+        <dsp:cNvSpPr/>
+      </dsp:nvSpPr>
+      <dsp:spPr>
+        <a:xfrm rot="6135173">
+          <a:off x="2680082" y="4193785"/>
+          <a:ext cx="1607532" cy="0"/>
+        </a:xfrm>
+        <a:custGeom>
+          <a:avLst/>
+          <a:gdLst/>
+          <a:ahLst/>
+          <a:cxnLst/>
+          <a:rect l="0" t="0" r="0" b="0"/>
+          <a:pathLst>
+            <a:path>
+              <a:moveTo>
+                <a:pt x="0" y="0"/>
+              </a:moveTo>
+              <a:lnTo>
+                <a:pt x="1607532" y="0"/>
+              </a:lnTo>
+            </a:path>
+          </a:pathLst>
+        </a:custGeom>
+        <a:noFill/>
+        <a:ln w="19050" cap="flat" cmpd="sng" algn="ctr">
+          <a:solidFill>
+            <a:schemeClr val="accent4">
+              <a:lumMod val="50000"/>
+            </a:schemeClr>
+          </a:solidFill>
+          <a:prstDash val="solid"/>
+        </a:ln>
+        <a:effectLst/>
+      </dsp:spPr>
+      <dsp:style>
+        <a:lnRef idx="2">
+          <a:scrgbClr r="0" g="0" b="0"/>
+        </a:lnRef>
+        <a:fillRef idx="0">
+          <a:scrgbClr r="0" g="0" b="0"/>
+        </a:fillRef>
+        <a:effectRef idx="0">
+          <a:scrgbClr r="0" g="0" b="0"/>
+        </a:effectRef>
+        <a:fontRef idx="minor"/>
+      </dsp:style>
+    </dsp:sp>
+    <dsp:sp modelId="{D2619AAE-3DF8-420B-BFF6-120B0FEC9082}">
+      <dsp:nvSpPr>
+        <dsp:cNvPr id="0" name=""/>
+        <dsp:cNvSpPr/>
+      </dsp:nvSpPr>
+      <dsp:spPr>
+        <a:xfrm>
+          <a:off x="1804659" y="4979242"/>
+          <a:ext cx="165946" cy="0"/>
+        </a:xfrm>
+        <a:prstGeom prst="line">
+          <a:avLst/>
+        </a:prstGeom>
+        <a:noFill/>
+        <a:ln w="19050" cap="flat" cmpd="sng" algn="ctr">
+          <a:solidFill>
+            <a:schemeClr val="accent4">
+              <a:lumMod val="50000"/>
+            </a:schemeClr>
+          </a:solidFill>
+          <a:prstDash val="solid"/>
+        </a:ln>
+        <a:effectLst/>
+      </dsp:spPr>
+      <dsp:style>
+        <a:lnRef idx="2">
+          <a:scrgbClr r="0" g="0" b="0"/>
+        </a:lnRef>
+        <a:fillRef idx="0">
+          <a:scrgbClr r="0" g="0" b="0"/>
+        </a:fillRef>
+        <a:effectRef idx="0">
+          <a:scrgbClr r="0" g="0" b="0"/>
+        </a:effectRef>
+        <a:fontRef idx="minor"/>
+      </dsp:style>
+    </dsp:sp>
+    <dsp:sp modelId="{5C7BCF23-559B-489D-8B2B-49ECEA2D64BC}">
+      <dsp:nvSpPr>
+        <dsp:cNvPr id="0" name=""/>
+        <dsp:cNvSpPr/>
+      </dsp:nvSpPr>
+      <dsp:spPr>
+        <a:xfrm>
+          <a:off x="1970606" y="4626227"/>
+          <a:ext cx="1176714" cy="706028"/>
+        </a:xfrm>
+        <a:prstGeom prst="rect">
+          <a:avLst/>
+        </a:prstGeom>
+        <a:noFill/>
+        <a:ln>
+          <a:noFill/>
+        </a:ln>
+        <a:effectLst/>
+        <a:sp3d/>
+      </dsp:spPr>
+      <dsp:style>
+        <a:lnRef idx="0">
+          <a:scrgbClr r="0" g="0" b="0"/>
+        </a:lnRef>
+        <a:fillRef idx="0">
+          <a:scrgbClr r="0" g="0" b="0"/>
+        </a:fillRef>
+        <a:effectRef idx="0">
+          <a:scrgbClr r="0" g="0" b="0"/>
+        </a:effectRef>
+        <a:fontRef idx="minor"/>
+      </dsp:style>
+      <dsp:txBody>
+        <a:bodyPr spcFirstLastPara="0" vert="horz" wrap="square" lIns="99568" tIns="99568" rIns="99568" bIns="99568" numCol="1" spcCol="1270" anchor="ctr" anchorCtr="0">
+          <a:noAutofit/>
+        </a:bodyPr>
+        <a:lstStyle/>
+        <a:p>
+          <a:pPr lvl="0" algn="ctr" defTabSz="622300" rtl="0">
+            <a:lnSpc>
+              <a:spcPct val="90000"/>
+            </a:lnSpc>
+            <a:spcBef>
+              <a:spcPct val="0"/>
+            </a:spcBef>
+            <a:spcAft>
+              <a:spcPct val="35000"/>
+            </a:spcAft>
+          </a:pPr>
+          <a:r>
+            <a:rPr lang="en-US" sz="1400" b="1" kern="1200" dirty="0" smtClean="0">
+              <a:solidFill>
+                <a:schemeClr val="accent4">
+                  <a:lumMod val="50000"/>
+                </a:schemeClr>
+              </a:solidFill>
+            </a:rPr>
+            <a:t>World Bank</a:t>
+          </a:r>
+          <a:endParaRPr lang="en-US" sz="1400" b="1" kern="1200" dirty="0">
+            <a:solidFill>
+              <a:schemeClr val="accent4">
+                <a:lumMod val="50000"/>
+              </a:schemeClr>
+            </a:solidFill>
+          </a:endParaRPr>
+        </a:p>
+      </dsp:txBody>
+      <dsp:txXfrm>
+        <a:off x="1970606" y="4626227"/>
+        <a:ext cx="1176714" cy="706028"/>
+      </dsp:txXfrm>
+    </dsp:sp>
+    <dsp:sp modelId="{79CF47D6-8301-4C50-8968-36FD122827F4}">
+      <dsp:nvSpPr>
+        <dsp:cNvPr id="0" name=""/>
+        <dsp:cNvSpPr/>
+      </dsp:nvSpPr>
+      <dsp:spPr>
+        <a:xfrm>
+          <a:off x="3147320" y="4979242"/>
+          <a:ext cx="165946" cy="0"/>
+        </a:xfrm>
+        <a:prstGeom prst="line">
+          <a:avLst/>
+        </a:prstGeom>
+        <a:noFill/>
+        <a:ln w="19050" cap="flat" cmpd="sng" algn="ctr">
+          <a:solidFill>
+            <a:schemeClr val="accent4">
+              <a:lumMod val="50000"/>
+            </a:schemeClr>
+          </a:solidFill>
+          <a:prstDash val="solid"/>
+        </a:ln>
+        <a:effectLst/>
+      </dsp:spPr>
+      <dsp:style>
+        <a:lnRef idx="2">
+          <a:scrgbClr r="0" g="0" b="0"/>
+        </a:lnRef>
+        <a:fillRef idx="0">
+          <a:scrgbClr r="0" g="0" b="0"/>
+        </a:fillRef>
+        <a:effectRef idx="0">
+          <a:scrgbClr r="0" g="0" b="0"/>
+        </a:effectRef>
+        <a:fontRef idx="minor"/>
+      </dsp:style>
+    </dsp:sp>
+    <dsp:sp modelId="{FEA468AC-520B-4CC8-AFD8-1EA712E045A5}">
+      <dsp:nvSpPr>
+        <dsp:cNvPr id="0" name=""/>
+        <dsp:cNvSpPr/>
+      </dsp:nvSpPr>
+      <dsp:spPr>
+        <a:xfrm rot="4870938">
+          <a:off x="521286" y="4585631"/>
+          <a:ext cx="2225583" cy="0"/>
+        </a:xfrm>
+        <a:custGeom>
+          <a:avLst/>
+          <a:gdLst/>
+          <a:ahLst/>
+          <a:cxnLst/>
+          <a:rect l="0" t="0" r="0" b="0"/>
+          <a:pathLst>
+            <a:path>
+              <a:moveTo>
+                <a:pt x="0" y="0"/>
+              </a:moveTo>
+              <a:lnTo>
+                <a:pt x="2225583" y="0"/>
+              </a:lnTo>
+            </a:path>
+          </a:pathLst>
+        </a:custGeom>
+        <a:noFill/>
+        <a:ln w="19050" cap="flat" cmpd="sng" algn="ctr">
+          <a:solidFill>
+            <a:schemeClr val="accent4">
+              <a:lumMod val="50000"/>
+            </a:schemeClr>
+          </a:solidFill>
+          <a:prstDash val="solid"/>
+        </a:ln>
+        <a:effectLst/>
+      </dsp:spPr>
+      <dsp:style>
+        <a:lnRef idx="2">
+          <a:scrgbClr r="0" g="0" b="0"/>
+        </a:lnRef>
+        <a:fillRef idx="0">
+          <a:scrgbClr r="0" g="0" b="0"/>
+        </a:fillRef>
+        <a:effectRef idx="0">
+          <a:scrgbClr r="0" g="0" b="0"/>
+        </a:effectRef>
+        <a:fontRef idx="minor"/>
+      </dsp:style>
+    </dsp:sp>
+    <dsp:sp modelId="{67F3E7A1-B6EC-4864-84BC-32C613FC25B1}">
+      <dsp:nvSpPr>
+        <dsp:cNvPr id="0" name=""/>
+        <dsp:cNvSpPr/>
+      </dsp:nvSpPr>
+      <dsp:spPr>
+        <a:xfrm rot="5929062">
+          <a:off x="2371056" y="4585631"/>
+          <a:ext cx="2225583" cy="0"/>
+        </a:xfrm>
+        <a:custGeom>
+          <a:avLst/>
+          <a:gdLst/>
+          <a:ahLst/>
+          <a:cxnLst/>
+          <a:rect l="0" t="0" r="0" b="0"/>
+          <a:pathLst>
+            <a:path>
+              <a:moveTo>
+                <a:pt x="0" y="0"/>
+              </a:moveTo>
+              <a:lnTo>
+                <a:pt x="2225583" y="0"/>
+              </a:lnTo>
+            </a:path>
+          </a:pathLst>
+        </a:custGeom>
+        <a:noFill/>
+        <a:ln w="19050" cap="flat" cmpd="sng" algn="ctr">
+          <a:solidFill>
+            <a:schemeClr val="accent4">
+              <a:lumMod val="50000"/>
+            </a:schemeClr>
+          </a:solidFill>
+          <a:prstDash val="solid"/>
+        </a:ln>
+        <a:effectLst/>
+      </dsp:spPr>
+      <dsp:style>
+        <a:lnRef idx="2">
+          <a:scrgbClr r="0" g="0" b="0"/>
+        </a:lnRef>
+        <a:fillRef idx="0">
+          <a:scrgbClr r="0" g="0" b="0"/>
+        </a:fillRef>
+        <a:effectRef idx="0">
+          <a:scrgbClr r="0" g="0" b="0"/>
+        </a:effectRef>
+        <a:fontRef idx="minor"/>
+      </dsp:style>
+    </dsp:sp>
+    <dsp:sp modelId="{1837371C-3EE9-4548-BACC-1082E2BC87BC}">
+      <dsp:nvSpPr>
+        <dsp:cNvPr id="0" name=""/>
+        <dsp:cNvSpPr/>
+      </dsp:nvSpPr>
+      <dsp:spPr>
+        <a:xfrm>
+          <a:off x="1804659" y="5685270"/>
+          <a:ext cx="165946" cy="0"/>
+        </a:xfrm>
+        <a:prstGeom prst="line">
+          <a:avLst/>
+        </a:prstGeom>
+        <a:noFill/>
+        <a:ln w="19050" cap="flat" cmpd="sng" algn="ctr">
+          <a:solidFill>
+            <a:schemeClr val="accent4">
+              <a:lumMod val="50000"/>
+            </a:schemeClr>
+          </a:solidFill>
+          <a:prstDash val="solid"/>
+        </a:ln>
+        <a:effectLst/>
+      </dsp:spPr>
+      <dsp:style>
+        <a:lnRef idx="2">
+          <a:scrgbClr r="0" g="0" b="0"/>
+        </a:lnRef>
+        <a:fillRef idx="0">
+          <a:scrgbClr r="0" g="0" b="0"/>
+        </a:fillRef>
+        <a:effectRef idx="0">
+          <a:scrgbClr r="0" g="0" b="0"/>
+        </a:effectRef>
+        <a:fontRef idx="minor"/>
+      </dsp:style>
+    </dsp:sp>
+    <dsp:sp modelId="{2C9CCBF4-DA0E-4FAC-BCCE-7F0FF9DD7C8E}">
+      <dsp:nvSpPr>
+        <dsp:cNvPr id="0" name=""/>
+        <dsp:cNvSpPr/>
+      </dsp:nvSpPr>
+      <dsp:spPr>
+        <a:xfrm>
+          <a:off x="1970606" y="5332256"/>
+          <a:ext cx="1176714" cy="706028"/>
+        </a:xfrm>
+        <a:prstGeom prst="rect">
+          <a:avLst/>
+        </a:prstGeom>
+        <a:noFill/>
+        <a:ln>
+          <a:noFill/>
+        </a:ln>
+        <a:effectLst/>
+        <a:sp3d/>
+      </dsp:spPr>
+      <dsp:style>
+        <a:lnRef idx="0">
+          <a:scrgbClr r="0" g="0" b="0"/>
+        </a:lnRef>
+        <a:fillRef idx="0">
+          <a:scrgbClr r="0" g="0" b="0"/>
+        </a:fillRef>
+        <a:effectRef idx="0">
+          <a:scrgbClr r="0" g="0" b="0"/>
+        </a:effectRef>
+        <a:fontRef idx="minor"/>
+      </dsp:style>
+      <dsp:txBody>
+        <a:bodyPr spcFirstLastPara="0" vert="horz" wrap="square" lIns="99568" tIns="99568" rIns="99568" bIns="99568" numCol="1" spcCol="1270" anchor="ctr" anchorCtr="0">
+          <a:noAutofit/>
+        </a:bodyPr>
+        <a:lstStyle/>
+        <a:p>
+          <a:pPr lvl="0" algn="ctr" defTabSz="622300" rtl="0">
+            <a:lnSpc>
+              <a:spcPct val="90000"/>
+            </a:lnSpc>
+            <a:spcBef>
+              <a:spcPct val="0"/>
+            </a:spcBef>
+            <a:spcAft>
+              <a:spcPct val="35000"/>
+            </a:spcAft>
+          </a:pPr>
+          <a:r>
+            <a:rPr lang="en-US" sz="1400" b="1" kern="1200" smtClean="0">
+              <a:solidFill>
+                <a:schemeClr val="accent4">
+                  <a:lumMod val="50000"/>
+                </a:schemeClr>
+              </a:solidFill>
+            </a:rPr>
+            <a:t>JSON</a:t>
+          </a:r>
+          <a:endParaRPr lang="en-US" sz="1400" b="1" kern="1200">
+            <a:solidFill>
+              <a:schemeClr val="accent4">
+                <a:lumMod val="50000"/>
+              </a:schemeClr>
+            </a:solidFill>
+          </a:endParaRPr>
+        </a:p>
+      </dsp:txBody>
+      <dsp:txXfrm>
+        <a:off x="1970606" y="5332256"/>
+        <a:ext cx="1176714" cy="706028"/>
+      </dsp:txXfrm>
+    </dsp:sp>
+    <dsp:sp modelId="{9F2754D6-92B7-4660-89A3-D0806CABD8DF}">
+      <dsp:nvSpPr>
+        <dsp:cNvPr id="0" name=""/>
+        <dsp:cNvSpPr/>
+      </dsp:nvSpPr>
+      <dsp:spPr>
+        <a:xfrm>
+          <a:off x="3147320" y="5685270"/>
+          <a:ext cx="165946" cy="0"/>
+        </a:xfrm>
+        <a:prstGeom prst="line">
+          <a:avLst/>
+        </a:prstGeom>
+        <a:noFill/>
+        <a:ln w="19050" cap="flat" cmpd="sng" algn="ctr">
+          <a:solidFill>
+            <a:schemeClr val="accent4">
+              <a:lumMod val="50000"/>
+            </a:schemeClr>
+          </a:solidFill>
+          <a:prstDash val="solid"/>
+        </a:ln>
+        <a:effectLst/>
+      </dsp:spPr>
+      <dsp:style>
+        <a:lnRef idx="2">
+          <a:scrgbClr r="0" g="0" b="0"/>
+        </a:lnRef>
+        <a:fillRef idx="0">
+          <a:scrgbClr r="0" g="0" b="0"/>
+        </a:fillRef>
+        <a:effectRef idx="0">
+          <a:scrgbClr r="0" g="0" b="0"/>
+        </a:effectRef>
+        <a:fontRef idx="minor"/>
+      </dsp:style>
+    </dsp:sp>
+    <dsp:sp modelId="{C9EFAC89-0FDC-4F01-98E5-527EF77F782B}">
+      <dsp:nvSpPr>
+        <dsp:cNvPr id="0" name=""/>
+        <dsp:cNvSpPr/>
+      </dsp:nvSpPr>
+      <dsp:spPr>
+        <a:xfrm>
+          <a:off x="3696595" y="2504304"/>
+          <a:ext cx="1419732" cy="1419732"/>
+        </a:xfrm>
+        <a:prstGeom prst="ellipse">
+          <a:avLst/>
+        </a:prstGeom>
+        <a:solidFill>
+          <a:schemeClr val="accent2"/>
+        </a:solidFill>
+        <a:ln w="19050" cap="flat" cmpd="sng" algn="ctr">
+          <a:solidFill>
+            <a:schemeClr val="lt1">
+              <a:hueOff val="0"/>
+              <a:satOff val="0"/>
+              <a:lumOff val="0"/>
+              <a:alphaOff val="0"/>
+            </a:schemeClr>
+          </a:solidFill>
+          <a:prstDash val="solid"/>
+        </a:ln>
+        <a:effectLst/>
+      </dsp:spPr>
+      <dsp:style>
+        <a:lnRef idx="2">
+          <a:scrgbClr r="0" g="0" b="0"/>
+        </a:lnRef>
+        <a:fillRef idx="1">
+          <a:scrgbClr r="0" g="0" b="0"/>
+        </a:fillRef>
+        <a:effectRef idx="0">
+          <a:scrgbClr r="0" g="0" b="0"/>
+        </a:effectRef>
+        <a:fontRef idx="minor">
+          <a:schemeClr val="lt1"/>
+        </a:fontRef>
+      </dsp:style>
+      <dsp:txBody>
+        <a:bodyPr spcFirstLastPara="0" vert="horz" wrap="square" lIns="0" tIns="0" rIns="0" bIns="0" numCol="1" spcCol="1270" anchor="ctr" anchorCtr="0">
+          <a:noAutofit/>
+        </a:bodyPr>
+        <a:lstStyle/>
+        <a:p>
+          <a:pPr lvl="0" algn="ctr" defTabSz="800100" rtl="0">
+            <a:lnSpc>
+              <a:spcPct val="90000"/>
+            </a:lnSpc>
+            <a:spcBef>
+              <a:spcPct val="0"/>
+            </a:spcBef>
+            <a:spcAft>
+              <a:spcPct val="35000"/>
+            </a:spcAft>
+          </a:pPr>
+          <a:r>
+            <a:rPr lang="en-US" sz="1800" b="1" kern="1200" dirty="0" smtClean="0"/>
+            <a:t>Process with </a:t>
+          </a:r>
+          <a:endParaRPr lang="en-US" sz="1800" b="1" kern="1200" dirty="0"/>
+        </a:p>
+      </dsp:txBody>
+      <dsp:txXfrm>
+        <a:off x="3904510" y="2712219"/>
+        <a:ext cx="1003902" cy="1003902"/>
+      </dsp:txXfrm>
+    </dsp:sp>
+    <dsp:sp modelId="{5929F69E-F3A8-42D4-B765-511EA42ED139}">
+      <dsp:nvSpPr>
+        <dsp:cNvPr id="0" name=""/>
+        <dsp:cNvSpPr/>
+      </dsp:nvSpPr>
+      <dsp:spPr>
+        <a:xfrm rot="17393884">
+          <a:off x="4539431" y="2038632"/>
+          <a:ext cx="2004782" cy="0"/>
+        </a:xfrm>
+        <a:custGeom>
+          <a:avLst/>
+          <a:gdLst/>
+          <a:ahLst/>
+          <a:cxnLst/>
+          <a:rect l="0" t="0" r="0" b="0"/>
+          <a:pathLst>
+            <a:path>
+              <a:moveTo>
+                <a:pt x="0" y="0"/>
+              </a:moveTo>
+              <a:lnTo>
+                <a:pt x="2004782" y="0"/>
+              </a:lnTo>
+            </a:path>
+          </a:pathLst>
+        </a:custGeom>
+        <a:noFill/>
+        <a:ln w="19050" cap="flat" cmpd="sng" algn="ctr">
+          <a:solidFill>
+            <a:schemeClr val="accent4">
+              <a:lumMod val="50000"/>
+            </a:schemeClr>
+          </a:solidFill>
+          <a:prstDash val="solid"/>
+        </a:ln>
+        <a:effectLst/>
+      </dsp:spPr>
+      <dsp:style>
+        <a:lnRef idx="2">
+          <a:scrgbClr r="0" g="0" b="0"/>
+        </a:lnRef>
+        <a:fillRef idx="0">
+          <a:scrgbClr r="0" g="0" b="0"/>
+        </a:fillRef>
+        <a:effectRef idx="0">
+          <a:scrgbClr r="0" g="0" b="0"/>
+        </a:effectRef>
+        <a:fontRef idx="minor"/>
+      </dsp:style>
+    </dsp:sp>
+    <dsp:sp modelId="{25FE8F4F-CDE3-413B-8A8D-863D718BEEB7}">
+      <dsp:nvSpPr>
+        <dsp:cNvPr id="0" name=""/>
+        <dsp:cNvSpPr/>
+      </dsp:nvSpPr>
+      <dsp:spPr>
+        <a:xfrm rot="15006116">
+          <a:off x="6730362" y="2038632"/>
+          <a:ext cx="2004782" cy="0"/>
+        </a:xfrm>
+        <a:custGeom>
+          <a:avLst/>
+          <a:gdLst/>
+          <a:ahLst/>
+          <a:cxnLst/>
+          <a:rect l="0" t="0" r="0" b="0"/>
+          <a:pathLst>
+            <a:path>
+              <a:moveTo>
+                <a:pt x="0" y="0"/>
+              </a:moveTo>
+              <a:lnTo>
+                <a:pt x="2004782" y="0"/>
+              </a:lnTo>
+            </a:path>
+          </a:pathLst>
+        </a:custGeom>
+        <a:noFill/>
+        <a:ln w="19050" cap="flat" cmpd="sng" algn="ctr">
+          <a:solidFill>
+            <a:schemeClr val="accent4">
+              <a:lumMod val="50000"/>
+            </a:schemeClr>
+          </a:solidFill>
+          <a:prstDash val="solid"/>
+        </a:ln>
+        <a:effectLst/>
+      </dsp:spPr>
+      <dsp:style>
+        <a:lnRef idx="2">
+          <a:scrgbClr r="0" g="0" b="0"/>
+        </a:lnRef>
+        <a:fillRef idx="0">
+          <a:scrgbClr r="0" g="0" b="0"/>
+        </a:fillRef>
+        <a:effectRef idx="0">
+          <a:scrgbClr r="0" g="0" b="0"/>
+        </a:effectRef>
+        <a:fontRef idx="minor"/>
+      </dsp:style>
+    </dsp:sp>
+    <dsp:sp modelId="{749FF2AB-0D53-4FFA-BA58-71D6FE7F3576}">
+      <dsp:nvSpPr>
+        <dsp:cNvPr id="0" name=""/>
+        <dsp:cNvSpPr/>
+      </dsp:nvSpPr>
+      <dsp:spPr>
+        <a:xfrm>
+          <a:off x="5882984" y="1096084"/>
+          <a:ext cx="165946" cy="0"/>
+        </a:xfrm>
+        <a:prstGeom prst="line">
+          <a:avLst/>
+        </a:prstGeom>
+        <a:noFill/>
+        <a:ln w="19050" cap="flat" cmpd="sng" algn="ctr">
+          <a:solidFill>
+            <a:schemeClr val="accent4">
+              <a:lumMod val="50000"/>
+            </a:schemeClr>
+          </a:solidFill>
+          <a:prstDash val="solid"/>
+        </a:ln>
+        <a:effectLst/>
+      </dsp:spPr>
+      <dsp:style>
+        <a:lnRef idx="2">
+          <a:scrgbClr r="0" g="0" b="0"/>
+        </a:lnRef>
+        <a:fillRef idx="0">
+          <a:scrgbClr r="0" g="0" b="0"/>
+        </a:fillRef>
+        <a:effectRef idx="0">
+          <a:scrgbClr r="0" g="0" b="0"/>
+        </a:effectRef>
+        <a:fontRef idx="minor"/>
+      </dsp:style>
+    </dsp:sp>
+    <dsp:sp modelId="{9A5CF80B-3A6A-4F03-87B4-798BEFF3F100}">
+      <dsp:nvSpPr>
+        <dsp:cNvPr id="0" name=""/>
+        <dsp:cNvSpPr/>
+      </dsp:nvSpPr>
+      <dsp:spPr>
+        <a:xfrm>
+          <a:off x="6048931" y="743070"/>
+          <a:ext cx="1176714" cy="706028"/>
+        </a:xfrm>
+        <a:prstGeom prst="rect">
+          <a:avLst/>
+        </a:prstGeom>
+        <a:noFill/>
+        <a:ln>
+          <a:noFill/>
+        </a:ln>
+        <a:effectLst/>
+        <a:sp3d/>
+      </dsp:spPr>
+      <dsp:style>
+        <a:lnRef idx="0">
+          <a:scrgbClr r="0" g="0" b="0"/>
+        </a:lnRef>
+        <a:fillRef idx="0">
+          <a:scrgbClr r="0" g="0" b="0"/>
+        </a:fillRef>
+        <a:effectRef idx="0">
+          <a:scrgbClr r="0" g="0" b="0"/>
+        </a:effectRef>
+        <a:fontRef idx="minor"/>
+      </dsp:style>
+      <dsp:txBody>
+        <a:bodyPr spcFirstLastPara="0" vert="horz" wrap="square" lIns="99568" tIns="99568" rIns="99568" bIns="99568" numCol="1" spcCol="1270" anchor="ctr" anchorCtr="0">
+          <a:noAutofit/>
+        </a:bodyPr>
+        <a:lstStyle/>
+        <a:p>
+          <a:pPr lvl="0" algn="ctr" defTabSz="622300" rtl="0">
+            <a:lnSpc>
+              <a:spcPct val="90000"/>
+            </a:lnSpc>
+            <a:spcBef>
+              <a:spcPct val="0"/>
+            </a:spcBef>
+            <a:spcAft>
+              <a:spcPct val="35000"/>
+            </a:spcAft>
+          </a:pPr>
+          <a:r>
+            <a:rPr lang="en-US" sz="1400" b="1" kern="1200" dirty="0" smtClean="0">
+              <a:solidFill>
+                <a:schemeClr val="accent4">
+                  <a:lumMod val="50000"/>
+                </a:schemeClr>
+              </a:solidFill>
+            </a:rPr>
+            <a:t>Matlab</a:t>
+          </a:r>
+          <a:endParaRPr lang="en-US" sz="1400" b="1" kern="1200" dirty="0">
+            <a:solidFill>
+              <a:schemeClr val="accent4">
+                <a:lumMod val="50000"/>
+              </a:schemeClr>
+            </a:solidFill>
+          </a:endParaRPr>
+        </a:p>
+      </dsp:txBody>
+      <dsp:txXfrm>
+        <a:off x="6048931" y="743070"/>
+        <a:ext cx="1176714" cy="706028"/>
+      </dsp:txXfrm>
+    </dsp:sp>
+    <dsp:sp modelId="{7D574453-8EA5-446C-AF16-7BCC68B528C6}">
+      <dsp:nvSpPr>
+        <dsp:cNvPr id="0" name=""/>
+        <dsp:cNvSpPr/>
+      </dsp:nvSpPr>
+      <dsp:spPr>
+        <a:xfrm>
+          <a:off x="7225645" y="1096084"/>
+          <a:ext cx="165946" cy="0"/>
+        </a:xfrm>
+        <a:prstGeom prst="line">
+          <a:avLst/>
+        </a:prstGeom>
+        <a:noFill/>
+        <a:ln w="19050" cap="flat" cmpd="sng" algn="ctr">
+          <a:solidFill>
+            <a:schemeClr val="accent4">
+              <a:lumMod val="50000"/>
+            </a:schemeClr>
+          </a:solidFill>
+          <a:prstDash val="solid"/>
+        </a:ln>
+        <a:effectLst/>
+      </dsp:spPr>
+      <dsp:style>
+        <a:lnRef idx="2">
+          <a:scrgbClr r="0" g="0" b="0"/>
+        </a:lnRef>
+        <a:fillRef idx="0">
+          <a:scrgbClr r="0" g="0" b="0"/>
+        </a:fillRef>
+        <a:effectRef idx="0">
+          <a:scrgbClr r="0" g="0" b="0"/>
+        </a:effectRef>
+        <a:fontRef idx="minor"/>
+      </dsp:style>
+    </dsp:sp>
+    <dsp:sp modelId="{EC441AD7-99FF-4E61-80C6-84C6C3A3D725}">
+      <dsp:nvSpPr>
+        <dsp:cNvPr id="0" name=""/>
+        <dsp:cNvSpPr/>
+      </dsp:nvSpPr>
+      <dsp:spPr>
+        <a:xfrm rot="17909946">
+          <a:off x="4826815" y="2430478"/>
+          <a:ext cx="1430013" cy="0"/>
+        </a:xfrm>
+        <a:custGeom>
+          <a:avLst/>
+          <a:gdLst/>
+          <a:ahLst/>
+          <a:cxnLst/>
+          <a:rect l="0" t="0" r="0" b="0"/>
+          <a:pathLst>
+            <a:path>
+              <a:moveTo>
+                <a:pt x="0" y="0"/>
+              </a:moveTo>
+              <a:lnTo>
+                <a:pt x="1430013" y="0"/>
+              </a:lnTo>
+            </a:path>
+          </a:pathLst>
+        </a:custGeom>
+        <a:noFill/>
+        <a:ln w="19050" cap="flat" cmpd="sng" algn="ctr">
+          <a:solidFill>
+            <a:schemeClr val="accent4">
+              <a:lumMod val="50000"/>
+            </a:schemeClr>
+          </a:solidFill>
+          <a:prstDash val="solid"/>
+        </a:ln>
+        <a:effectLst/>
+      </dsp:spPr>
+      <dsp:style>
+        <a:lnRef idx="2">
+          <a:scrgbClr r="0" g="0" b="0"/>
+        </a:lnRef>
+        <a:fillRef idx="0">
+          <a:scrgbClr r="0" g="0" b="0"/>
+        </a:fillRef>
+        <a:effectRef idx="0">
+          <a:scrgbClr r="0" g="0" b="0"/>
+        </a:effectRef>
+        <a:fontRef idx="minor"/>
+      </dsp:style>
+    </dsp:sp>
+    <dsp:sp modelId="{E275DBC3-4662-44E6-8716-56BB0DE2B536}">
+      <dsp:nvSpPr>
+        <dsp:cNvPr id="0" name=""/>
+        <dsp:cNvSpPr/>
+      </dsp:nvSpPr>
+      <dsp:spPr>
+        <a:xfrm rot="14490054">
+          <a:off x="7017747" y="2430478"/>
+          <a:ext cx="1430013" cy="0"/>
+        </a:xfrm>
+        <a:custGeom>
+          <a:avLst/>
+          <a:gdLst/>
+          <a:ahLst/>
+          <a:cxnLst/>
+          <a:rect l="0" t="0" r="0" b="0"/>
+          <a:pathLst>
+            <a:path>
+              <a:moveTo>
+                <a:pt x="0" y="0"/>
+              </a:moveTo>
+              <a:lnTo>
+                <a:pt x="1430013" y="0"/>
+              </a:lnTo>
+            </a:path>
+          </a:pathLst>
+        </a:custGeom>
+        <a:noFill/>
+        <a:ln w="19050" cap="flat" cmpd="sng" algn="ctr">
+          <a:solidFill>
+            <a:schemeClr val="accent4">
+              <a:lumMod val="50000"/>
+            </a:schemeClr>
+          </a:solidFill>
+          <a:prstDash val="solid"/>
+        </a:ln>
+        <a:effectLst/>
+      </dsp:spPr>
+      <dsp:style>
+        <a:lnRef idx="2">
+          <a:scrgbClr r="0" g="0" b="0"/>
+        </a:lnRef>
+        <a:fillRef idx="0">
+          <a:scrgbClr r="0" g="0" b="0"/>
+        </a:fillRef>
+        <a:effectRef idx="0">
+          <a:scrgbClr r="0" g="0" b="0"/>
+        </a:effectRef>
+        <a:fontRef idx="minor"/>
+      </dsp:style>
+    </dsp:sp>
+    <dsp:sp modelId="{C0028364-7CD3-45AE-A2F7-9621F675B2ED}">
+      <dsp:nvSpPr>
+        <dsp:cNvPr id="0" name=""/>
+        <dsp:cNvSpPr/>
+      </dsp:nvSpPr>
+      <dsp:spPr>
+        <a:xfrm>
+          <a:off x="5882984" y="1802113"/>
+          <a:ext cx="165946" cy="0"/>
+        </a:xfrm>
+        <a:prstGeom prst="line">
+          <a:avLst/>
+        </a:prstGeom>
+        <a:noFill/>
+        <a:ln w="19050" cap="flat" cmpd="sng" algn="ctr">
+          <a:solidFill>
+            <a:schemeClr val="accent4">
+              <a:lumMod val="50000"/>
+            </a:schemeClr>
+          </a:solidFill>
+          <a:prstDash val="solid"/>
+        </a:ln>
+        <a:effectLst/>
+      </dsp:spPr>
+      <dsp:style>
+        <a:lnRef idx="2">
+          <a:scrgbClr r="0" g="0" b="0"/>
+        </a:lnRef>
+        <a:fillRef idx="0">
+          <a:scrgbClr r="0" g="0" b="0"/>
+        </a:fillRef>
+        <a:effectRef idx="0">
+          <a:scrgbClr r="0" g="0" b="0"/>
+        </a:effectRef>
+        <a:fontRef idx="minor"/>
+      </dsp:style>
+    </dsp:sp>
+    <dsp:sp modelId="{010E112E-8049-4877-9024-FB13FDA43299}">
+      <dsp:nvSpPr>
+        <dsp:cNvPr id="0" name=""/>
+        <dsp:cNvSpPr/>
+      </dsp:nvSpPr>
+      <dsp:spPr>
+        <a:xfrm>
+          <a:off x="6048931" y="1449098"/>
+          <a:ext cx="1176714" cy="706028"/>
+        </a:xfrm>
+        <a:prstGeom prst="rect">
+          <a:avLst/>
+        </a:prstGeom>
+        <a:noFill/>
+        <a:ln>
+          <a:noFill/>
+        </a:ln>
+        <a:effectLst/>
+        <a:sp3d/>
+      </dsp:spPr>
+      <dsp:style>
+        <a:lnRef idx="0">
+          <a:scrgbClr r="0" g="0" b="0"/>
+        </a:lnRef>
+        <a:fillRef idx="0">
+          <a:scrgbClr r="0" g="0" b="0"/>
+        </a:fillRef>
+        <a:effectRef idx="0">
+          <a:scrgbClr r="0" g="0" b="0"/>
+        </a:effectRef>
+        <a:fontRef idx="minor"/>
+      </dsp:style>
+      <dsp:txBody>
+        <a:bodyPr spcFirstLastPara="0" vert="horz" wrap="square" lIns="99568" tIns="99568" rIns="99568" bIns="99568" numCol="1" spcCol="1270" anchor="ctr" anchorCtr="0">
+          <a:noAutofit/>
+        </a:bodyPr>
+        <a:lstStyle/>
+        <a:p>
+          <a:pPr lvl="0" algn="ctr" defTabSz="622300" rtl="0">
+            <a:lnSpc>
+              <a:spcPct val="90000"/>
+            </a:lnSpc>
+            <a:spcBef>
+              <a:spcPct val="0"/>
+            </a:spcBef>
+            <a:spcAft>
+              <a:spcPct val="35000"/>
+            </a:spcAft>
+          </a:pPr>
+          <a:r>
+            <a:rPr lang="en-US" sz="1400" b="1" kern="1200" dirty="0" smtClean="0">
+              <a:solidFill>
+                <a:schemeClr val="accent4">
+                  <a:lumMod val="50000"/>
+                </a:schemeClr>
+              </a:solidFill>
+            </a:rPr>
+            <a:t>Powershell</a:t>
+          </a:r>
+          <a:endParaRPr lang="en-US" sz="1400" b="1" kern="1200" dirty="0">
+            <a:solidFill>
+              <a:schemeClr val="accent4">
+                <a:lumMod val="50000"/>
+              </a:schemeClr>
+            </a:solidFill>
+          </a:endParaRPr>
+        </a:p>
+      </dsp:txBody>
+      <dsp:txXfrm>
+        <a:off x="6048931" y="1449098"/>
+        <a:ext cx="1176714" cy="706028"/>
+      </dsp:txXfrm>
+    </dsp:sp>
+    <dsp:sp modelId="{BD800237-A0C1-4116-8AA8-22270B4E3D6E}">
+      <dsp:nvSpPr>
+        <dsp:cNvPr id="0" name=""/>
+        <dsp:cNvSpPr/>
+      </dsp:nvSpPr>
+      <dsp:spPr>
+        <a:xfrm>
+          <a:off x="7225645" y="1802113"/>
+          <a:ext cx="165946" cy="0"/>
+        </a:xfrm>
+        <a:prstGeom prst="line">
+          <a:avLst/>
+        </a:prstGeom>
+        <a:noFill/>
+        <a:ln w="19050" cap="flat" cmpd="sng" algn="ctr">
+          <a:solidFill>
+            <a:schemeClr val="accent4">
+              <a:lumMod val="50000"/>
+            </a:schemeClr>
+          </a:solidFill>
+          <a:prstDash val="solid"/>
+        </a:ln>
+        <a:effectLst/>
+      </dsp:spPr>
+      <dsp:style>
+        <a:lnRef idx="2">
+          <a:scrgbClr r="0" g="0" b="0"/>
+        </a:lnRef>
+        <a:fillRef idx="0">
+          <a:scrgbClr r="0" g="0" b="0"/>
+        </a:fillRef>
+        <a:effectRef idx="0">
+          <a:scrgbClr r="0" g="0" b="0"/>
+        </a:effectRef>
+        <a:fontRef idx="minor"/>
+      </dsp:style>
+    </dsp:sp>
+    <dsp:sp modelId="{3133DD44-2C0C-4E6C-84C6-15F5220A01FD}">
+      <dsp:nvSpPr>
+        <dsp:cNvPr id="0" name=""/>
+        <dsp:cNvSpPr/>
+      </dsp:nvSpPr>
+      <dsp:spPr>
+        <a:xfrm rot="19041445">
+          <a:off x="5078031" y="2822324"/>
+          <a:ext cx="927582" cy="0"/>
+        </a:xfrm>
+        <a:custGeom>
+          <a:avLst/>
+          <a:gdLst/>
+          <a:ahLst/>
+          <a:cxnLst/>
+          <a:rect l="0" t="0" r="0" b="0"/>
+          <a:pathLst>
+            <a:path>
+              <a:moveTo>
+                <a:pt x="0" y="0"/>
+              </a:moveTo>
+              <a:lnTo>
+                <a:pt x="927582" y="0"/>
+              </a:lnTo>
+            </a:path>
+          </a:pathLst>
+        </a:custGeom>
+        <a:noFill/>
+        <a:ln w="19050" cap="flat" cmpd="sng" algn="ctr">
+          <a:solidFill>
+            <a:schemeClr val="accent4">
+              <a:lumMod val="50000"/>
+            </a:schemeClr>
+          </a:solidFill>
+          <a:prstDash val="solid"/>
+        </a:ln>
+        <a:effectLst/>
+      </dsp:spPr>
+      <dsp:style>
+        <a:lnRef idx="2">
+          <a:scrgbClr r="0" g="0" b="0"/>
+        </a:lnRef>
+        <a:fillRef idx="0">
+          <a:scrgbClr r="0" g="0" b="0"/>
+        </a:fillRef>
+        <a:effectRef idx="0">
+          <a:scrgbClr r="0" g="0" b="0"/>
+        </a:effectRef>
+        <a:fontRef idx="minor"/>
+      </dsp:style>
+    </dsp:sp>
+    <dsp:sp modelId="{3E58BAF0-BCCA-48FE-AD22-BA90AD7665B6}">
+      <dsp:nvSpPr>
+        <dsp:cNvPr id="0" name=""/>
+        <dsp:cNvSpPr/>
+      </dsp:nvSpPr>
+      <dsp:spPr>
+        <a:xfrm rot="13358555">
+          <a:off x="7268963" y="2822324"/>
+          <a:ext cx="927582" cy="0"/>
+        </a:xfrm>
+        <a:custGeom>
+          <a:avLst/>
+          <a:gdLst/>
+          <a:ahLst/>
+          <a:cxnLst/>
+          <a:rect l="0" t="0" r="0" b="0"/>
+          <a:pathLst>
+            <a:path>
+              <a:moveTo>
+                <a:pt x="0" y="0"/>
+              </a:moveTo>
+              <a:lnTo>
+                <a:pt x="927582" y="0"/>
+              </a:lnTo>
+            </a:path>
+          </a:pathLst>
+        </a:custGeom>
+        <a:noFill/>
+        <a:ln w="19050" cap="flat" cmpd="sng" algn="ctr">
+          <a:solidFill>
+            <a:schemeClr val="accent4">
+              <a:lumMod val="50000"/>
+            </a:schemeClr>
+          </a:solidFill>
+          <a:prstDash val="solid"/>
+        </a:ln>
+        <a:effectLst/>
+      </dsp:spPr>
+      <dsp:style>
+        <a:lnRef idx="2">
+          <a:scrgbClr r="0" g="0" b="0"/>
+        </a:lnRef>
+        <a:fillRef idx="0">
+          <a:scrgbClr r="0" g="0" b="0"/>
+        </a:fillRef>
+        <a:effectRef idx="0">
+          <a:scrgbClr r="0" g="0" b="0"/>
+        </a:effectRef>
+        <a:fontRef idx="minor"/>
+      </dsp:style>
+    </dsp:sp>
+    <dsp:sp modelId="{04875609-DF77-4860-B263-5ABC03741940}">
+      <dsp:nvSpPr>
+        <dsp:cNvPr id="0" name=""/>
+        <dsp:cNvSpPr/>
+      </dsp:nvSpPr>
+      <dsp:spPr>
+        <a:xfrm>
+          <a:off x="5882984" y="2508141"/>
+          <a:ext cx="165946" cy="0"/>
+        </a:xfrm>
+        <a:prstGeom prst="line">
+          <a:avLst/>
+        </a:prstGeom>
+        <a:noFill/>
+        <a:ln w="19050" cap="flat" cmpd="sng" algn="ctr">
+          <a:solidFill>
+            <a:schemeClr val="accent4">
+              <a:lumMod val="50000"/>
+            </a:schemeClr>
+          </a:solidFill>
+          <a:prstDash val="solid"/>
+        </a:ln>
+        <a:effectLst/>
+      </dsp:spPr>
+      <dsp:style>
+        <a:lnRef idx="2">
+          <a:scrgbClr r="0" g="0" b="0"/>
+        </a:lnRef>
+        <a:fillRef idx="0">
+          <a:scrgbClr r="0" g="0" b="0"/>
+        </a:fillRef>
+        <a:effectRef idx="0">
+          <a:scrgbClr r="0" g="0" b="0"/>
+        </a:effectRef>
+        <a:fontRef idx="minor"/>
+      </dsp:style>
+    </dsp:sp>
+    <dsp:sp modelId="{AB708D3C-BDDE-4D14-ACCE-63A152F025A8}">
+      <dsp:nvSpPr>
+        <dsp:cNvPr id="0" name=""/>
+        <dsp:cNvSpPr/>
+      </dsp:nvSpPr>
+      <dsp:spPr>
+        <a:xfrm>
+          <a:off x="6048931" y="2155127"/>
+          <a:ext cx="1176714" cy="706028"/>
+        </a:xfrm>
+        <a:prstGeom prst="rect">
+          <a:avLst/>
+        </a:prstGeom>
+        <a:noFill/>
+        <a:ln>
+          <a:noFill/>
+        </a:ln>
+        <a:effectLst/>
+        <a:sp3d/>
+      </dsp:spPr>
+      <dsp:style>
+        <a:lnRef idx="0">
+          <a:scrgbClr r="0" g="0" b="0"/>
+        </a:lnRef>
+        <a:fillRef idx="0">
+          <a:scrgbClr r="0" g="0" b="0"/>
+        </a:fillRef>
+        <a:effectRef idx="0">
+          <a:scrgbClr r="0" g="0" b="0"/>
+        </a:effectRef>
+        <a:fontRef idx="minor"/>
+      </dsp:style>
+      <dsp:txBody>
+        <a:bodyPr spcFirstLastPara="0" vert="horz" wrap="square" lIns="99568" tIns="99568" rIns="99568" bIns="99568" numCol="1" spcCol="1270" anchor="ctr" anchorCtr="0">
+          <a:noAutofit/>
+        </a:bodyPr>
+        <a:lstStyle/>
+        <a:p>
+          <a:pPr lvl="0" algn="ctr" defTabSz="622300" rtl="0">
+            <a:lnSpc>
+              <a:spcPct val="90000"/>
+            </a:lnSpc>
+            <a:spcBef>
+              <a:spcPct val="0"/>
+            </a:spcBef>
+            <a:spcAft>
+              <a:spcPct val="35000"/>
+            </a:spcAft>
+          </a:pPr>
+          <a:r>
+            <a:rPr lang="en-US" sz="1400" b="1" kern="1200" dirty="0" smtClean="0">
+              <a:solidFill>
+                <a:schemeClr val="accent4">
+                  <a:lumMod val="50000"/>
+                </a:schemeClr>
+              </a:solidFill>
+            </a:rPr>
+            <a:t>Regex</a:t>
+          </a:r>
+          <a:endParaRPr lang="en-US" sz="1400" b="1" kern="1200" dirty="0">
+            <a:solidFill>
+              <a:schemeClr val="accent4">
+                <a:lumMod val="50000"/>
+              </a:schemeClr>
+            </a:solidFill>
+          </a:endParaRPr>
+        </a:p>
+      </dsp:txBody>
+      <dsp:txXfrm>
+        <a:off x="6048931" y="2155127"/>
+        <a:ext cx="1176714" cy="706028"/>
+      </dsp:txXfrm>
+    </dsp:sp>
+    <dsp:sp modelId="{D67A9AEF-5F00-419F-AE98-1058D523496C}">
+      <dsp:nvSpPr>
+        <dsp:cNvPr id="0" name=""/>
+        <dsp:cNvSpPr/>
+      </dsp:nvSpPr>
+      <dsp:spPr>
+        <a:xfrm>
+          <a:off x="7225645" y="2508141"/>
+          <a:ext cx="165946" cy="0"/>
+        </a:xfrm>
+        <a:prstGeom prst="line">
+          <a:avLst/>
+        </a:prstGeom>
+        <a:noFill/>
+        <a:ln w="19050" cap="flat" cmpd="sng" algn="ctr">
+          <a:solidFill>
+            <a:schemeClr val="accent4">
+              <a:lumMod val="50000"/>
+            </a:schemeClr>
+          </a:solidFill>
+          <a:prstDash val="solid"/>
+        </a:ln>
+        <a:effectLst/>
+      </dsp:spPr>
+      <dsp:style>
+        <a:lnRef idx="2">
+          <a:scrgbClr r="0" g="0" b="0"/>
+        </a:lnRef>
+        <a:fillRef idx="0">
+          <a:scrgbClr r="0" g="0" b="0"/>
+        </a:fillRef>
+        <a:effectRef idx="0">
+          <a:scrgbClr r="0" g="0" b="0"/>
+        </a:effectRef>
+        <a:fontRef idx="minor"/>
+      </dsp:style>
+    </dsp:sp>
+    <dsp:sp modelId="{9A9BB694-2743-4D88-865D-D81CA7E7CC01}">
+      <dsp:nvSpPr>
+        <dsp:cNvPr id="0" name=""/>
+        <dsp:cNvSpPr/>
+      </dsp:nvSpPr>
+      <dsp:spPr>
+        <a:xfrm>
+          <a:off x="5200660" y="3214170"/>
+          <a:ext cx="682323" cy="0"/>
+        </a:xfrm>
+        <a:custGeom>
+          <a:avLst/>
+          <a:gdLst/>
+          <a:ahLst/>
+          <a:cxnLst/>
+          <a:rect l="0" t="0" r="0" b="0"/>
+          <a:pathLst>
+            <a:path>
+              <a:moveTo>
+                <a:pt x="0" y="0"/>
+              </a:moveTo>
+              <a:lnTo>
+                <a:pt x="682323" y="0"/>
+              </a:lnTo>
+            </a:path>
+          </a:pathLst>
+        </a:custGeom>
+        <a:noFill/>
+        <a:ln w="19050" cap="flat" cmpd="sng" algn="ctr">
+          <a:solidFill>
+            <a:schemeClr val="accent4">
+              <a:lumMod val="50000"/>
+            </a:schemeClr>
+          </a:solidFill>
+          <a:prstDash val="solid"/>
+        </a:ln>
+        <a:effectLst/>
+      </dsp:spPr>
+      <dsp:style>
+        <a:lnRef idx="2">
+          <a:scrgbClr r="0" g="0" b="0"/>
+        </a:lnRef>
+        <a:fillRef idx="0">
+          <a:scrgbClr r="0" g="0" b="0"/>
+        </a:fillRef>
+        <a:effectRef idx="0">
+          <a:scrgbClr r="0" g="0" b="0"/>
+        </a:effectRef>
+        <a:fontRef idx="minor"/>
+      </dsp:style>
+    </dsp:sp>
+    <dsp:sp modelId="{93F270BA-0A6A-4CD7-AC7D-65C25081B4DC}">
+      <dsp:nvSpPr>
+        <dsp:cNvPr id="0" name=""/>
+        <dsp:cNvSpPr/>
+      </dsp:nvSpPr>
+      <dsp:spPr>
+        <a:xfrm rot="10800000">
+          <a:off x="7391592" y="3214170"/>
+          <a:ext cx="682323" cy="0"/>
+        </a:xfrm>
+        <a:custGeom>
+          <a:avLst/>
+          <a:gdLst/>
+          <a:ahLst/>
+          <a:cxnLst/>
+          <a:rect l="0" t="0" r="0" b="0"/>
+          <a:pathLst>
+            <a:path>
+              <a:moveTo>
+                <a:pt x="0" y="0"/>
+              </a:moveTo>
+              <a:lnTo>
+                <a:pt x="682323" y="0"/>
+              </a:lnTo>
+            </a:path>
+          </a:pathLst>
+        </a:custGeom>
+        <a:noFill/>
+        <a:ln w="19050" cap="flat" cmpd="sng" algn="ctr">
+          <a:solidFill>
+            <a:schemeClr val="accent4">
+              <a:lumMod val="50000"/>
+            </a:schemeClr>
+          </a:solidFill>
+          <a:prstDash val="solid"/>
+        </a:ln>
+        <a:effectLst/>
+      </dsp:spPr>
+      <dsp:style>
+        <a:lnRef idx="2">
+          <a:scrgbClr r="0" g="0" b="0"/>
+        </a:lnRef>
+        <a:fillRef idx="0">
+          <a:scrgbClr r="0" g="0" b="0"/>
+        </a:fillRef>
+        <a:effectRef idx="0">
+          <a:scrgbClr r="0" g="0" b="0"/>
+        </a:effectRef>
+        <a:fontRef idx="minor"/>
+      </dsp:style>
+    </dsp:sp>
+    <dsp:sp modelId="{7707F367-E680-41D5-B6C5-72E7D5A78D89}">
+      <dsp:nvSpPr>
+        <dsp:cNvPr id="0" name=""/>
+        <dsp:cNvSpPr/>
+      </dsp:nvSpPr>
+      <dsp:spPr>
+        <a:xfrm>
+          <a:off x="5882984" y="3214170"/>
+          <a:ext cx="165946" cy="0"/>
+        </a:xfrm>
+        <a:prstGeom prst="line">
+          <a:avLst/>
+        </a:prstGeom>
+        <a:noFill/>
+        <a:ln w="19050" cap="flat" cmpd="sng" algn="ctr">
+          <a:solidFill>
+            <a:schemeClr val="accent4">
+              <a:lumMod val="50000"/>
+            </a:schemeClr>
+          </a:solidFill>
+          <a:prstDash val="solid"/>
+        </a:ln>
+        <a:effectLst/>
+      </dsp:spPr>
+      <dsp:style>
+        <a:lnRef idx="2">
+          <a:scrgbClr r="0" g="0" b="0"/>
+        </a:lnRef>
+        <a:fillRef idx="0">
+          <a:scrgbClr r="0" g="0" b="0"/>
+        </a:fillRef>
+        <a:effectRef idx="0">
+          <a:scrgbClr r="0" g="0" b="0"/>
+        </a:effectRef>
+        <a:fontRef idx="minor"/>
+      </dsp:style>
+    </dsp:sp>
+    <dsp:sp modelId="{2F25D2A5-566E-41B6-84A1-E0D9F2332F61}">
+      <dsp:nvSpPr>
+        <dsp:cNvPr id="0" name=""/>
+        <dsp:cNvSpPr/>
+      </dsp:nvSpPr>
+      <dsp:spPr>
+        <a:xfrm>
+          <a:off x="6048931" y="2861156"/>
+          <a:ext cx="1176714" cy="706028"/>
+        </a:xfrm>
+        <a:prstGeom prst="rect">
+          <a:avLst/>
+        </a:prstGeom>
+        <a:noFill/>
+        <a:ln>
+          <a:noFill/>
+        </a:ln>
+        <a:effectLst/>
+        <a:sp3d/>
+      </dsp:spPr>
+      <dsp:style>
+        <a:lnRef idx="0">
+          <a:scrgbClr r="0" g="0" b="0"/>
+        </a:lnRef>
+        <a:fillRef idx="0">
+          <a:scrgbClr r="0" g="0" b="0"/>
+        </a:fillRef>
+        <a:effectRef idx="0">
+          <a:scrgbClr r="0" g="0" b="0"/>
+        </a:effectRef>
+        <a:fontRef idx="minor"/>
+      </dsp:style>
+      <dsp:txBody>
+        <a:bodyPr spcFirstLastPara="0" vert="horz" wrap="square" lIns="99568" tIns="99568" rIns="99568" bIns="99568" numCol="1" spcCol="1270" anchor="ctr" anchorCtr="0">
+          <a:noAutofit/>
+        </a:bodyPr>
+        <a:lstStyle/>
+        <a:p>
+          <a:pPr lvl="0" algn="ctr" defTabSz="622300" rtl="0">
+            <a:lnSpc>
+              <a:spcPct val="90000"/>
+            </a:lnSpc>
+            <a:spcBef>
+              <a:spcPct val="0"/>
+            </a:spcBef>
+            <a:spcAft>
+              <a:spcPct val="35000"/>
+            </a:spcAft>
+          </a:pPr>
+          <a:r>
+            <a:rPr lang="en-US" sz="1400" b="1" kern="1200" dirty="0" smtClean="0">
+              <a:solidFill>
+                <a:schemeClr val="accent4">
+                  <a:lumMod val="50000"/>
+                </a:schemeClr>
+              </a:solidFill>
+            </a:rPr>
+            <a:t>R</a:t>
+          </a:r>
+          <a:endParaRPr lang="en-US" sz="1400" b="1" kern="1200" dirty="0">
+            <a:solidFill>
+              <a:schemeClr val="accent4">
+                <a:lumMod val="50000"/>
+              </a:schemeClr>
+            </a:solidFill>
+          </a:endParaRPr>
+        </a:p>
+      </dsp:txBody>
+      <dsp:txXfrm>
+        <a:off x="6048931" y="2861156"/>
+        <a:ext cx="1176714" cy="706028"/>
+      </dsp:txXfrm>
+    </dsp:sp>
+    <dsp:sp modelId="{5E3C6DF0-6630-4E60-8255-403157822CA9}">
+      <dsp:nvSpPr>
+        <dsp:cNvPr id="0" name=""/>
+        <dsp:cNvSpPr/>
+      </dsp:nvSpPr>
+      <dsp:spPr>
+        <a:xfrm>
+          <a:off x="7225645" y="3214170"/>
+          <a:ext cx="165946" cy="0"/>
+        </a:xfrm>
+        <a:prstGeom prst="line">
+          <a:avLst/>
+        </a:prstGeom>
+        <a:noFill/>
+        <a:ln w="19050" cap="flat" cmpd="sng" algn="ctr">
+          <a:solidFill>
+            <a:schemeClr val="accent4">
+              <a:lumMod val="50000"/>
+            </a:schemeClr>
+          </a:solidFill>
+          <a:prstDash val="solid"/>
+        </a:ln>
+        <a:effectLst/>
+      </dsp:spPr>
+      <dsp:style>
+        <a:lnRef idx="2">
+          <a:scrgbClr r="0" g="0" b="0"/>
+        </a:lnRef>
+        <a:fillRef idx="0">
+          <a:scrgbClr r="0" g="0" b="0"/>
+        </a:fillRef>
+        <a:effectRef idx="0">
+          <a:scrgbClr r="0" g="0" b="0"/>
+        </a:effectRef>
+        <a:fontRef idx="minor"/>
+      </dsp:style>
+    </dsp:sp>
+    <dsp:sp modelId="{DA7C5DDF-8A40-43A7-B844-E47D4CAD7B01}">
+      <dsp:nvSpPr>
+        <dsp:cNvPr id="0" name=""/>
+        <dsp:cNvSpPr/>
+      </dsp:nvSpPr>
+      <dsp:spPr>
+        <a:xfrm rot="2558555">
+          <a:off x="5078031" y="3606016"/>
+          <a:ext cx="927582" cy="0"/>
+        </a:xfrm>
+        <a:custGeom>
+          <a:avLst/>
+          <a:gdLst/>
+          <a:ahLst/>
+          <a:cxnLst/>
+          <a:rect l="0" t="0" r="0" b="0"/>
+          <a:pathLst>
+            <a:path>
+              <a:moveTo>
+                <a:pt x="0" y="0"/>
+              </a:moveTo>
+              <a:lnTo>
+                <a:pt x="927582" y="0"/>
+              </a:lnTo>
+            </a:path>
+          </a:pathLst>
+        </a:custGeom>
+        <a:noFill/>
+        <a:ln w="19050" cap="flat" cmpd="sng" algn="ctr">
+          <a:solidFill>
+            <a:schemeClr val="accent4">
+              <a:lumMod val="50000"/>
+            </a:schemeClr>
+          </a:solidFill>
+          <a:prstDash val="solid"/>
+        </a:ln>
+        <a:effectLst/>
+      </dsp:spPr>
+      <dsp:style>
+        <a:lnRef idx="2">
+          <a:scrgbClr r="0" g="0" b="0"/>
+        </a:lnRef>
+        <a:fillRef idx="0">
+          <a:scrgbClr r="0" g="0" b="0"/>
+        </a:fillRef>
+        <a:effectRef idx="0">
+          <a:scrgbClr r="0" g="0" b="0"/>
+        </a:effectRef>
+        <a:fontRef idx="minor"/>
+      </dsp:style>
+    </dsp:sp>
+    <dsp:sp modelId="{557CB83E-FADB-420B-8A88-B747B4108930}">
+      <dsp:nvSpPr>
+        <dsp:cNvPr id="0" name=""/>
+        <dsp:cNvSpPr/>
+      </dsp:nvSpPr>
+      <dsp:spPr>
+        <a:xfrm rot="8241445">
+          <a:off x="7268963" y="3606016"/>
+          <a:ext cx="927582" cy="0"/>
+        </a:xfrm>
+        <a:custGeom>
+          <a:avLst/>
+          <a:gdLst/>
+          <a:ahLst/>
+          <a:cxnLst/>
+          <a:rect l="0" t="0" r="0" b="0"/>
+          <a:pathLst>
+            <a:path>
+              <a:moveTo>
+                <a:pt x="0" y="0"/>
+              </a:moveTo>
+              <a:lnTo>
+                <a:pt x="927582" y="0"/>
+              </a:lnTo>
+            </a:path>
+          </a:pathLst>
+        </a:custGeom>
+        <a:noFill/>
+        <a:ln w="19050" cap="flat" cmpd="sng" algn="ctr">
+          <a:solidFill>
+            <a:schemeClr val="accent4">
+              <a:lumMod val="50000"/>
+            </a:schemeClr>
+          </a:solidFill>
+          <a:prstDash val="solid"/>
+        </a:ln>
+        <a:effectLst/>
+      </dsp:spPr>
+      <dsp:style>
+        <a:lnRef idx="2">
+          <a:scrgbClr r="0" g="0" b="0"/>
+        </a:lnRef>
+        <a:fillRef idx="0">
+          <a:scrgbClr r="0" g="0" b="0"/>
+        </a:fillRef>
+        <a:effectRef idx="0">
+          <a:scrgbClr r="0" g="0" b="0"/>
+        </a:effectRef>
+        <a:fontRef idx="minor"/>
+      </dsp:style>
+    </dsp:sp>
+    <dsp:sp modelId="{4407520A-E219-4FA1-985D-1F7A17EEF7D5}">
+      <dsp:nvSpPr>
+        <dsp:cNvPr id="0" name=""/>
+        <dsp:cNvSpPr/>
+      </dsp:nvSpPr>
+      <dsp:spPr>
+        <a:xfrm>
+          <a:off x="5882984" y="3920199"/>
+          <a:ext cx="165946" cy="0"/>
+        </a:xfrm>
+        <a:prstGeom prst="line">
+          <a:avLst/>
+        </a:prstGeom>
+        <a:noFill/>
+        <a:ln w="19050" cap="flat" cmpd="sng" algn="ctr">
+          <a:solidFill>
+            <a:schemeClr val="accent4">
+              <a:lumMod val="50000"/>
+            </a:schemeClr>
+          </a:solidFill>
+          <a:prstDash val="solid"/>
+        </a:ln>
+        <a:effectLst/>
+      </dsp:spPr>
+      <dsp:style>
+        <a:lnRef idx="2">
+          <a:scrgbClr r="0" g="0" b="0"/>
+        </a:lnRef>
+        <a:fillRef idx="0">
+          <a:scrgbClr r="0" g="0" b="0"/>
+        </a:fillRef>
+        <a:effectRef idx="0">
+          <a:scrgbClr r="0" g="0" b="0"/>
+        </a:effectRef>
+        <a:fontRef idx="minor"/>
+      </dsp:style>
+    </dsp:sp>
+    <dsp:sp modelId="{C29504D3-251D-44BE-97B7-1D550C3639A3}">
+      <dsp:nvSpPr>
+        <dsp:cNvPr id="0" name=""/>
+        <dsp:cNvSpPr/>
+      </dsp:nvSpPr>
+      <dsp:spPr>
+        <a:xfrm>
+          <a:off x="6048931" y="3567184"/>
+          <a:ext cx="1176714" cy="706028"/>
+        </a:xfrm>
+        <a:prstGeom prst="rect">
+          <a:avLst/>
+        </a:prstGeom>
+        <a:noFill/>
+        <a:ln>
+          <a:noFill/>
+        </a:ln>
+        <a:effectLst/>
+        <a:sp3d/>
+      </dsp:spPr>
+      <dsp:style>
+        <a:lnRef idx="0">
+          <a:scrgbClr r="0" g="0" b="0"/>
+        </a:lnRef>
+        <a:fillRef idx="0">
+          <a:scrgbClr r="0" g="0" b="0"/>
+        </a:fillRef>
+        <a:effectRef idx="0">
+          <a:scrgbClr r="0" g="0" b="0"/>
+        </a:effectRef>
+        <a:fontRef idx="minor"/>
+      </dsp:style>
+      <dsp:txBody>
+        <a:bodyPr spcFirstLastPara="0" vert="horz" wrap="square" lIns="99568" tIns="99568" rIns="99568" bIns="99568" numCol="1" spcCol="1270" anchor="ctr" anchorCtr="0">
+          <a:noAutofit/>
+        </a:bodyPr>
+        <a:lstStyle/>
+        <a:p>
+          <a:pPr lvl="0" algn="ctr" defTabSz="622300" rtl="0">
+            <a:lnSpc>
+              <a:spcPct val="90000"/>
+            </a:lnSpc>
+            <a:spcBef>
+              <a:spcPct val="0"/>
+            </a:spcBef>
+            <a:spcAft>
+              <a:spcPct val="35000"/>
+            </a:spcAft>
+          </a:pPr>
+          <a:r>
+            <a:rPr lang="en-US" sz="1400" b="1" kern="1200" dirty="0" smtClean="0">
+              <a:solidFill>
+                <a:schemeClr val="accent4">
+                  <a:lumMod val="50000"/>
+                </a:schemeClr>
+              </a:solidFill>
+            </a:rPr>
+            <a:t>SignalR</a:t>
+          </a:r>
+          <a:endParaRPr lang="en-US" sz="1400" b="1" kern="1200" dirty="0">
+            <a:solidFill>
+              <a:schemeClr val="accent4">
+                <a:lumMod val="50000"/>
+              </a:schemeClr>
+            </a:solidFill>
+          </a:endParaRPr>
+        </a:p>
+      </dsp:txBody>
+      <dsp:txXfrm>
+        <a:off x="6048931" y="3567184"/>
+        <a:ext cx="1176714" cy="706028"/>
+      </dsp:txXfrm>
+    </dsp:sp>
+    <dsp:sp modelId="{D9A1F54C-0E3A-4B2F-8148-ACF145932D7D}">
+      <dsp:nvSpPr>
+        <dsp:cNvPr id="0" name=""/>
+        <dsp:cNvSpPr/>
+      </dsp:nvSpPr>
+      <dsp:spPr>
+        <a:xfrm>
+          <a:off x="7225645" y="3920199"/>
+          <a:ext cx="165946" cy="0"/>
+        </a:xfrm>
+        <a:prstGeom prst="line">
+          <a:avLst/>
+        </a:prstGeom>
+        <a:noFill/>
+        <a:ln w="19050" cap="flat" cmpd="sng" algn="ctr">
+          <a:solidFill>
+            <a:schemeClr val="accent4">
+              <a:lumMod val="50000"/>
+            </a:schemeClr>
+          </a:solidFill>
+          <a:prstDash val="solid"/>
+        </a:ln>
+        <a:effectLst/>
+      </dsp:spPr>
+      <dsp:style>
+        <a:lnRef idx="2">
+          <a:scrgbClr r="0" g="0" b="0"/>
+        </a:lnRef>
+        <a:fillRef idx="0">
+          <a:scrgbClr r="0" g="0" b="0"/>
+        </a:fillRef>
+        <a:effectRef idx="0">
+          <a:scrgbClr r="0" g="0" b="0"/>
+        </a:effectRef>
+        <a:fontRef idx="minor"/>
+      </dsp:style>
+    </dsp:sp>
+    <dsp:sp modelId="{560FC70A-A4E9-483F-94CF-C915C4C22B93}">
+      <dsp:nvSpPr>
+        <dsp:cNvPr id="0" name=""/>
+        <dsp:cNvSpPr/>
+      </dsp:nvSpPr>
+      <dsp:spPr>
+        <a:xfrm rot="3690054">
+          <a:off x="4826815" y="3997862"/>
+          <a:ext cx="1430013" cy="0"/>
+        </a:xfrm>
+        <a:custGeom>
+          <a:avLst/>
+          <a:gdLst/>
+          <a:ahLst/>
+          <a:cxnLst/>
+          <a:rect l="0" t="0" r="0" b="0"/>
+          <a:pathLst>
+            <a:path>
+              <a:moveTo>
+                <a:pt x="0" y="0"/>
+              </a:moveTo>
+              <a:lnTo>
+                <a:pt x="1430013" y="0"/>
+              </a:lnTo>
+            </a:path>
+          </a:pathLst>
+        </a:custGeom>
+        <a:noFill/>
+        <a:ln w="19050" cap="flat" cmpd="sng" algn="ctr">
+          <a:solidFill>
+            <a:schemeClr val="accent4">
+              <a:lumMod val="50000"/>
+            </a:schemeClr>
+          </a:solidFill>
+          <a:prstDash val="solid"/>
+        </a:ln>
+        <a:effectLst/>
+      </dsp:spPr>
+      <dsp:style>
+        <a:lnRef idx="2">
+          <a:scrgbClr r="0" g="0" b="0"/>
+        </a:lnRef>
+        <a:fillRef idx="0">
+          <a:scrgbClr r="0" g="0" b="0"/>
+        </a:fillRef>
+        <a:effectRef idx="0">
+          <a:scrgbClr r="0" g="0" b="0"/>
+        </a:effectRef>
+        <a:fontRef idx="minor"/>
+      </dsp:style>
+    </dsp:sp>
+    <dsp:sp modelId="{A17CAEFE-7687-43D7-B09C-8A786EE919D3}">
+      <dsp:nvSpPr>
+        <dsp:cNvPr id="0" name=""/>
+        <dsp:cNvSpPr/>
+      </dsp:nvSpPr>
+      <dsp:spPr>
+        <a:xfrm rot="7109946">
+          <a:off x="7017747" y="3997862"/>
+          <a:ext cx="1430013" cy="0"/>
+        </a:xfrm>
+        <a:custGeom>
+          <a:avLst/>
+          <a:gdLst/>
+          <a:ahLst/>
+          <a:cxnLst/>
+          <a:rect l="0" t="0" r="0" b="0"/>
+          <a:pathLst>
+            <a:path>
+              <a:moveTo>
+                <a:pt x="0" y="0"/>
+              </a:moveTo>
+              <a:lnTo>
+                <a:pt x="1430013" y="0"/>
+              </a:lnTo>
+            </a:path>
+          </a:pathLst>
+        </a:custGeom>
+        <a:noFill/>
+        <a:ln w="19050" cap="flat" cmpd="sng" algn="ctr">
+          <a:solidFill>
+            <a:schemeClr val="accent4">
+              <a:lumMod val="50000"/>
+            </a:schemeClr>
+          </a:solidFill>
+          <a:prstDash val="solid"/>
+        </a:ln>
+        <a:effectLst/>
+      </dsp:spPr>
+      <dsp:style>
+        <a:lnRef idx="2">
+          <a:scrgbClr r="0" g="0" b="0"/>
+        </a:lnRef>
+        <a:fillRef idx="0">
+          <a:scrgbClr r="0" g="0" b="0"/>
+        </a:fillRef>
+        <a:effectRef idx="0">
+          <a:scrgbClr r="0" g="0" b="0"/>
+        </a:effectRef>
+        <a:fontRef idx="minor"/>
+      </dsp:style>
+    </dsp:sp>
+    <dsp:sp modelId="{4825D9DD-2635-4FB0-BB5B-BE87041BF4F1}">
+      <dsp:nvSpPr>
+        <dsp:cNvPr id="0" name=""/>
+        <dsp:cNvSpPr/>
+      </dsp:nvSpPr>
+      <dsp:spPr>
+        <a:xfrm>
+          <a:off x="5882984" y="4626227"/>
+          <a:ext cx="165946" cy="0"/>
+        </a:xfrm>
+        <a:prstGeom prst="line">
+          <a:avLst/>
+        </a:prstGeom>
+        <a:noFill/>
+        <a:ln w="19050" cap="flat" cmpd="sng" algn="ctr">
+          <a:solidFill>
+            <a:schemeClr val="accent4">
+              <a:lumMod val="50000"/>
+            </a:schemeClr>
+          </a:solidFill>
+          <a:prstDash val="solid"/>
+        </a:ln>
+        <a:effectLst/>
+      </dsp:spPr>
+      <dsp:style>
+        <a:lnRef idx="2">
+          <a:scrgbClr r="0" g="0" b="0"/>
+        </a:lnRef>
+        <a:fillRef idx="0">
+          <a:scrgbClr r="0" g="0" b="0"/>
+        </a:fillRef>
+        <a:effectRef idx="0">
+          <a:scrgbClr r="0" g="0" b="0"/>
+        </a:effectRef>
+        <a:fontRef idx="minor"/>
+      </dsp:style>
+    </dsp:sp>
+    <dsp:sp modelId="{D5B1D052-BB80-45F3-9FDD-67126FC0DACE}">
+      <dsp:nvSpPr>
+        <dsp:cNvPr id="0" name=""/>
+        <dsp:cNvSpPr/>
+      </dsp:nvSpPr>
+      <dsp:spPr>
+        <a:xfrm>
+          <a:off x="6048931" y="4273213"/>
+          <a:ext cx="1176714" cy="706028"/>
+        </a:xfrm>
+        <a:prstGeom prst="rect">
+          <a:avLst/>
+        </a:prstGeom>
+        <a:noFill/>
+        <a:ln>
+          <a:noFill/>
+        </a:ln>
+        <a:effectLst/>
+        <a:sp3d/>
+      </dsp:spPr>
+      <dsp:style>
+        <a:lnRef idx="0">
+          <a:scrgbClr r="0" g="0" b="0"/>
+        </a:lnRef>
+        <a:fillRef idx="0">
+          <a:scrgbClr r="0" g="0" b="0"/>
+        </a:fillRef>
+        <a:effectRef idx="0">
+          <a:scrgbClr r="0" g="0" b="0"/>
+        </a:effectRef>
+        <a:fontRef idx="minor"/>
+      </dsp:style>
+      <dsp:txBody>
+        <a:bodyPr spcFirstLastPara="0" vert="horz" wrap="square" lIns="99568" tIns="99568" rIns="99568" bIns="99568" numCol="1" spcCol="1270" anchor="ctr" anchorCtr="0">
+          <a:noAutofit/>
+        </a:bodyPr>
+        <a:lstStyle/>
+        <a:p>
+          <a:pPr lvl="0" algn="ctr" defTabSz="622300" rtl="0">
+            <a:lnSpc>
+              <a:spcPct val="90000"/>
+            </a:lnSpc>
+            <a:spcBef>
+              <a:spcPct val="0"/>
+            </a:spcBef>
+            <a:spcAft>
+              <a:spcPct val="35000"/>
+            </a:spcAft>
+          </a:pPr>
+          <a:r>
+            <a:rPr lang="en-US" sz="1400" b="1" kern="1200" dirty="0" smtClean="0">
+              <a:solidFill>
+                <a:schemeClr val="accent4">
+                  <a:lumMod val="50000"/>
+                </a:schemeClr>
+              </a:solidFill>
+            </a:rPr>
+            <a:t>Python</a:t>
+          </a:r>
+          <a:endParaRPr lang="en-US" sz="1400" b="1" kern="1200" dirty="0">
+            <a:solidFill>
+              <a:schemeClr val="accent4">
+                <a:lumMod val="50000"/>
+              </a:schemeClr>
+            </a:solidFill>
+          </a:endParaRPr>
+        </a:p>
+      </dsp:txBody>
+      <dsp:txXfrm>
+        <a:off x="6048931" y="4273213"/>
+        <a:ext cx="1176714" cy="706028"/>
+      </dsp:txXfrm>
+    </dsp:sp>
+    <dsp:sp modelId="{77365C05-6E8A-4C9B-AD7B-3AA3341F9D8E}">
+      <dsp:nvSpPr>
+        <dsp:cNvPr id="0" name=""/>
+        <dsp:cNvSpPr/>
+      </dsp:nvSpPr>
+      <dsp:spPr>
+        <a:xfrm>
+          <a:off x="7225645" y="4626227"/>
+          <a:ext cx="165946" cy="0"/>
+        </a:xfrm>
+        <a:prstGeom prst="line">
+          <a:avLst/>
+        </a:prstGeom>
+        <a:noFill/>
+        <a:ln w="19050" cap="flat" cmpd="sng" algn="ctr">
+          <a:solidFill>
+            <a:schemeClr val="accent4">
+              <a:lumMod val="50000"/>
+            </a:schemeClr>
+          </a:solidFill>
+          <a:prstDash val="solid"/>
+        </a:ln>
+        <a:effectLst/>
+      </dsp:spPr>
+      <dsp:style>
+        <a:lnRef idx="2">
+          <a:scrgbClr r="0" g="0" b="0"/>
+        </a:lnRef>
+        <a:fillRef idx="0">
+          <a:scrgbClr r="0" g="0" b="0"/>
+        </a:fillRef>
+        <a:effectRef idx="0">
+          <a:scrgbClr r="0" g="0" b="0"/>
+        </a:effectRef>
+        <a:fontRef idx="minor"/>
+      </dsp:style>
+    </dsp:sp>
+    <dsp:sp modelId="{C4FADA27-4F94-4287-8C9C-326FC54DAB65}">
+      <dsp:nvSpPr>
+        <dsp:cNvPr id="0" name=""/>
+        <dsp:cNvSpPr/>
+      </dsp:nvSpPr>
+      <dsp:spPr>
+        <a:xfrm rot="4206116">
+          <a:off x="4539431" y="4389708"/>
+          <a:ext cx="2004782" cy="0"/>
+        </a:xfrm>
+        <a:custGeom>
+          <a:avLst/>
+          <a:gdLst/>
+          <a:ahLst/>
+          <a:cxnLst/>
+          <a:rect l="0" t="0" r="0" b="0"/>
+          <a:pathLst>
+            <a:path>
+              <a:moveTo>
+                <a:pt x="0" y="0"/>
+              </a:moveTo>
+              <a:lnTo>
+                <a:pt x="2004782" y="0"/>
+              </a:lnTo>
+            </a:path>
+          </a:pathLst>
+        </a:custGeom>
+        <a:noFill/>
+        <a:ln w="19050" cap="flat" cmpd="sng" algn="ctr">
+          <a:solidFill>
+            <a:schemeClr val="accent4">
+              <a:lumMod val="50000"/>
+            </a:schemeClr>
+          </a:solidFill>
+          <a:prstDash val="solid"/>
+        </a:ln>
+        <a:effectLst/>
+      </dsp:spPr>
+      <dsp:style>
+        <a:lnRef idx="2">
+          <a:scrgbClr r="0" g="0" b="0"/>
+        </a:lnRef>
+        <a:fillRef idx="0">
+          <a:scrgbClr r="0" g="0" b="0"/>
+        </a:fillRef>
+        <a:effectRef idx="0">
+          <a:scrgbClr r="0" g="0" b="0"/>
+        </a:effectRef>
+        <a:fontRef idx="minor"/>
+      </dsp:style>
+    </dsp:sp>
+    <dsp:sp modelId="{CE1CE96D-192D-48FB-AF8B-A7407DB2EC7B}">
+      <dsp:nvSpPr>
+        <dsp:cNvPr id="0" name=""/>
+        <dsp:cNvSpPr/>
+      </dsp:nvSpPr>
+      <dsp:spPr>
+        <a:xfrm rot="6593884">
+          <a:off x="6730362" y="4389708"/>
+          <a:ext cx="2004782" cy="0"/>
+        </a:xfrm>
+        <a:custGeom>
+          <a:avLst/>
+          <a:gdLst/>
+          <a:ahLst/>
+          <a:cxnLst/>
+          <a:rect l="0" t="0" r="0" b="0"/>
+          <a:pathLst>
+            <a:path>
+              <a:moveTo>
+                <a:pt x="0" y="0"/>
+              </a:moveTo>
+              <a:lnTo>
+                <a:pt x="2004782" y="0"/>
+              </a:lnTo>
+            </a:path>
+          </a:pathLst>
+        </a:custGeom>
+        <a:noFill/>
+        <a:ln w="19050" cap="flat" cmpd="sng" algn="ctr">
+          <a:solidFill>
+            <a:schemeClr val="accent4">
+              <a:lumMod val="50000"/>
+            </a:schemeClr>
+          </a:solidFill>
+          <a:prstDash val="solid"/>
+        </a:ln>
+        <a:effectLst/>
+      </dsp:spPr>
+      <dsp:style>
+        <a:lnRef idx="2">
+          <a:scrgbClr r="0" g="0" b="0"/>
+        </a:lnRef>
+        <a:fillRef idx="0">
+          <a:scrgbClr r="0" g="0" b="0"/>
+        </a:fillRef>
+        <a:effectRef idx="0">
+          <a:scrgbClr r="0" g="0" b="0"/>
+        </a:effectRef>
+        <a:fontRef idx="minor"/>
+      </dsp:style>
+    </dsp:sp>
+    <dsp:sp modelId="{9239EA62-46F7-4986-8576-6E2D0CAC4920}">
+      <dsp:nvSpPr>
+        <dsp:cNvPr id="0" name=""/>
+        <dsp:cNvSpPr/>
+      </dsp:nvSpPr>
+      <dsp:spPr>
+        <a:xfrm>
+          <a:off x="5882984" y="5332256"/>
+          <a:ext cx="165946" cy="0"/>
+        </a:xfrm>
+        <a:prstGeom prst="line">
+          <a:avLst/>
+        </a:prstGeom>
+        <a:noFill/>
+        <a:ln w="19050" cap="flat" cmpd="sng" algn="ctr">
+          <a:solidFill>
+            <a:schemeClr val="accent4">
+              <a:lumMod val="50000"/>
+            </a:schemeClr>
+          </a:solidFill>
+          <a:prstDash val="solid"/>
+        </a:ln>
+        <a:effectLst/>
+      </dsp:spPr>
+      <dsp:style>
+        <a:lnRef idx="2">
+          <a:scrgbClr r="0" g="0" b="0"/>
+        </a:lnRef>
+        <a:fillRef idx="0">
+          <a:scrgbClr r="0" g="0" b="0"/>
+        </a:fillRef>
+        <a:effectRef idx="0">
+          <a:scrgbClr r="0" g="0" b="0"/>
+        </a:effectRef>
+        <a:fontRef idx="minor"/>
+      </dsp:style>
+    </dsp:sp>
+    <dsp:sp modelId="{6AB24E81-9AEA-4431-B4B6-5604CC5A3EA1}">
+      <dsp:nvSpPr>
+        <dsp:cNvPr id="0" name=""/>
+        <dsp:cNvSpPr/>
+      </dsp:nvSpPr>
+      <dsp:spPr>
+        <a:xfrm>
+          <a:off x="6048931" y="4979242"/>
+          <a:ext cx="1176714" cy="706028"/>
+        </a:xfrm>
+        <a:prstGeom prst="rect">
+          <a:avLst/>
+        </a:prstGeom>
+        <a:noFill/>
+        <a:ln>
+          <a:noFill/>
+        </a:ln>
+        <a:effectLst/>
+        <a:sp3d/>
+      </dsp:spPr>
+      <dsp:style>
+        <a:lnRef idx="0">
+          <a:scrgbClr r="0" g="0" b="0"/>
+        </a:lnRef>
+        <a:fillRef idx="0">
+          <a:scrgbClr r="0" g="0" b="0"/>
+        </a:fillRef>
+        <a:effectRef idx="0">
+          <a:scrgbClr r="0" g="0" b="0"/>
+        </a:effectRef>
+        <a:fontRef idx="minor"/>
+      </dsp:style>
+      <dsp:txBody>
+        <a:bodyPr spcFirstLastPara="0" vert="horz" wrap="square" lIns="99568" tIns="99568" rIns="99568" bIns="99568" numCol="1" spcCol="1270" anchor="ctr" anchorCtr="0">
+          <a:noAutofit/>
+        </a:bodyPr>
+        <a:lstStyle/>
+        <a:p>
+          <a:pPr lvl="0" algn="ctr" defTabSz="622300" rtl="0">
+            <a:lnSpc>
+              <a:spcPct val="90000"/>
+            </a:lnSpc>
+            <a:spcBef>
+              <a:spcPct val="0"/>
+            </a:spcBef>
+            <a:spcAft>
+              <a:spcPct val="35000"/>
+            </a:spcAft>
+          </a:pPr>
+          <a:r>
+            <a:rPr lang="en-US" sz="1400" b="1" kern="1200" dirty="0" smtClean="0">
+              <a:solidFill>
+                <a:schemeClr val="accent4">
+                  <a:lumMod val="50000"/>
+                </a:schemeClr>
+              </a:solidFill>
+            </a:rPr>
+            <a:t>LINQ</a:t>
+          </a:r>
+          <a:endParaRPr lang="en-US" sz="1400" b="1" kern="1200" dirty="0">
+            <a:solidFill>
+              <a:schemeClr val="accent4">
+                <a:lumMod val="50000"/>
+              </a:schemeClr>
+            </a:solidFill>
+          </a:endParaRPr>
+        </a:p>
+      </dsp:txBody>
+      <dsp:txXfrm>
+        <a:off x="6048931" y="4979242"/>
+        <a:ext cx="1176714" cy="706028"/>
+      </dsp:txXfrm>
+    </dsp:sp>
+    <dsp:sp modelId="{BE52E739-7D27-4E45-831B-0E2523D0459D}">
+      <dsp:nvSpPr>
+        <dsp:cNvPr id="0" name=""/>
+        <dsp:cNvSpPr/>
+      </dsp:nvSpPr>
+      <dsp:spPr>
+        <a:xfrm>
+          <a:off x="7225645" y="5332256"/>
+          <a:ext cx="165946" cy="0"/>
+        </a:xfrm>
+        <a:prstGeom prst="line">
+          <a:avLst/>
+        </a:prstGeom>
+        <a:noFill/>
+        <a:ln w="19050" cap="flat" cmpd="sng" algn="ctr">
+          <a:solidFill>
+            <a:schemeClr val="accent4">
+              <a:lumMod val="50000"/>
+            </a:schemeClr>
+          </a:solidFill>
+          <a:prstDash val="solid"/>
+        </a:ln>
+        <a:effectLst/>
+      </dsp:spPr>
+      <dsp:style>
+        <a:lnRef idx="2">
+          <a:scrgbClr r="0" g="0" b="0"/>
+        </a:lnRef>
+        <a:fillRef idx="0">
+          <a:scrgbClr r="0" g="0" b="0"/>
+        </a:fillRef>
+        <a:effectRef idx="0">
+          <a:scrgbClr r="0" g="0" b="0"/>
+        </a:effectRef>
+        <a:fontRef idx="minor"/>
+      </dsp:style>
+    </dsp:sp>
+    <dsp:sp modelId="{25865E55-DD3C-4D5B-A42B-5405C63B0E3E}">
+      <dsp:nvSpPr>
+        <dsp:cNvPr id="0" name=""/>
+        <dsp:cNvSpPr/>
+      </dsp:nvSpPr>
+      <dsp:spPr>
+        <a:xfrm>
+          <a:off x="8158248" y="2504304"/>
+          <a:ext cx="1419732" cy="1419732"/>
+        </a:xfrm>
+        <a:prstGeom prst="ellipse">
+          <a:avLst/>
+        </a:prstGeom>
+        <a:solidFill>
+          <a:schemeClr val="accent2"/>
+        </a:solidFill>
+        <a:ln w="19050" cap="flat" cmpd="sng" algn="ctr">
+          <a:solidFill>
+            <a:schemeClr val="lt1">
+              <a:hueOff val="0"/>
+              <a:satOff val="0"/>
+              <a:lumOff val="0"/>
+              <a:alphaOff val="0"/>
+            </a:schemeClr>
+          </a:solidFill>
+          <a:prstDash val="solid"/>
+        </a:ln>
+        <a:effectLst/>
+      </dsp:spPr>
+      <dsp:style>
+        <a:lnRef idx="2">
+          <a:scrgbClr r="0" g="0" b="0"/>
+        </a:lnRef>
+        <a:fillRef idx="1">
+          <a:scrgbClr r="0" g="0" b="0"/>
+        </a:fillRef>
+        <a:effectRef idx="0">
+          <a:scrgbClr r="0" g="0" b="0"/>
+        </a:effectRef>
+        <a:fontRef idx="minor">
+          <a:schemeClr val="lt1"/>
+        </a:fontRef>
+      </dsp:style>
+      <dsp:txBody>
+        <a:bodyPr spcFirstLastPara="0" vert="horz" wrap="square" lIns="0" tIns="0" rIns="0" bIns="0" numCol="1" spcCol="1270" anchor="ctr" anchorCtr="0">
+          <a:noAutofit/>
+        </a:bodyPr>
+        <a:lstStyle/>
+        <a:p>
+          <a:pPr lvl="0" algn="ctr" defTabSz="800100" rtl="0">
+            <a:lnSpc>
+              <a:spcPct val="90000"/>
+            </a:lnSpc>
+            <a:spcBef>
+              <a:spcPct val="0"/>
+            </a:spcBef>
+            <a:spcAft>
+              <a:spcPct val="35000"/>
+            </a:spcAft>
+          </a:pPr>
+          <a:r>
+            <a:rPr lang="en-US" sz="1800" b="1" kern="1200" dirty="0" smtClean="0"/>
+            <a:t>Visualize with</a:t>
+          </a:r>
+          <a:endParaRPr lang="en-US" sz="1800" b="1" kern="1200" dirty="0"/>
+        </a:p>
+      </dsp:txBody>
+      <dsp:txXfrm>
+        <a:off x="8366163" y="2712219"/>
+        <a:ext cx="1003902" cy="1003902"/>
+      </dsp:txXfrm>
+    </dsp:sp>
+    <dsp:sp modelId="{516C0902-9215-4C87-B418-0FC089E72483}">
+      <dsp:nvSpPr>
+        <dsp:cNvPr id="0" name=""/>
+        <dsp:cNvSpPr/>
+      </dsp:nvSpPr>
+      <dsp:spPr>
+        <a:xfrm rot="19041445">
+          <a:off x="9539684" y="2822324"/>
+          <a:ext cx="927582" cy="0"/>
+        </a:xfrm>
+        <a:custGeom>
+          <a:avLst/>
+          <a:gdLst/>
+          <a:ahLst/>
+          <a:cxnLst/>
+          <a:rect l="0" t="0" r="0" b="0"/>
+          <a:pathLst>
+            <a:path>
+              <a:moveTo>
+                <a:pt x="0" y="0"/>
+              </a:moveTo>
+              <a:lnTo>
+                <a:pt x="927582" y="0"/>
+              </a:lnTo>
+            </a:path>
+          </a:pathLst>
+        </a:custGeom>
+        <a:noFill/>
+        <a:ln w="19050" cap="flat" cmpd="sng" algn="ctr">
+          <a:solidFill>
+            <a:schemeClr val="accent4">
+              <a:lumMod val="50000"/>
+            </a:schemeClr>
+          </a:solidFill>
+          <a:prstDash val="solid"/>
+        </a:ln>
+        <a:effectLst/>
+      </dsp:spPr>
+      <dsp:style>
+        <a:lnRef idx="2">
+          <a:scrgbClr r="0" g="0" b="0"/>
+        </a:lnRef>
+        <a:fillRef idx="0">
+          <a:scrgbClr r="0" g="0" b="0"/>
+        </a:fillRef>
+        <a:effectRef idx="0">
+          <a:scrgbClr r="0" g="0" b="0"/>
+        </a:effectRef>
+        <a:fontRef idx="minor"/>
+      </dsp:style>
+    </dsp:sp>
+    <dsp:sp modelId="{6B2C27FD-7970-43EB-AF4F-2E71A1C1BCFF}">
+      <dsp:nvSpPr>
+        <dsp:cNvPr id="0" name=""/>
+        <dsp:cNvSpPr/>
+      </dsp:nvSpPr>
+      <dsp:spPr>
+        <a:xfrm>
+          <a:off x="10344637" y="2508141"/>
+          <a:ext cx="165946" cy="0"/>
+        </a:xfrm>
+        <a:prstGeom prst="line">
+          <a:avLst/>
+        </a:prstGeom>
+        <a:noFill/>
+        <a:ln w="19050" cap="flat" cmpd="sng" algn="ctr">
+          <a:solidFill>
+            <a:schemeClr val="accent4">
+              <a:lumMod val="50000"/>
+            </a:schemeClr>
+          </a:solidFill>
+          <a:prstDash val="solid"/>
+        </a:ln>
+        <a:effectLst/>
+      </dsp:spPr>
+      <dsp:style>
+        <a:lnRef idx="2">
+          <a:scrgbClr r="0" g="0" b="0"/>
+        </a:lnRef>
+        <a:fillRef idx="0">
+          <a:scrgbClr r="0" g="0" b="0"/>
+        </a:fillRef>
+        <a:effectRef idx="0">
+          <a:scrgbClr r="0" g="0" b="0"/>
+        </a:effectRef>
+        <a:fontRef idx="minor"/>
+      </dsp:style>
+    </dsp:sp>
+    <dsp:sp modelId="{EB66AC91-F0D0-473D-8CE0-8CB2300A31DD}">
+      <dsp:nvSpPr>
+        <dsp:cNvPr id="0" name=""/>
+        <dsp:cNvSpPr/>
+      </dsp:nvSpPr>
+      <dsp:spPr>
+        <a:xfrm>
+          <a:off x="10510584" y="2155127"/>
+          <a:ext cx="1176714" cy="706028"/>
+        </a:xfrm>
+        <a:prstGeom prst="rect">
+          <a:avLst/>
+        </a:prstGeom>
+        <a:noFill/>
+        <a:ln>
+          <a:noFill/>
+        </a:ln>
+        <a:effectLst/>
+        <a:sp3d/>
+      </dsp:spPr>
+      <dsp:style>
+        <a:lnRef idx="0">
+          <a:scrgbClr r="0" g="0" b="0"/>
+        </a:lnRef>
+        <a:fillRef idx="0">
+          <a:scrgbClr r="0" g="0" b="0"/>
+        </a:fillRef>
+        <a:effectRef idx="0">
+          <a:scrgbClr r="0" g="0" b="0"/>
+        </a:effectRef>
+        <a:fontRef idx="minor"/>
+      </dsp:style>
+      <dsp:txBody>
+        <a:bodyPr spcFirstLastPara="0" vert="horz" wrap="square" lIns="99568" tIns="99568" rIns="99568" bIns="99568" numCol="1" spcCol="1270" anchor="ctr" anchorCtr="0">
+          <a:noAutofit/>
+        </a:bodyPr>
+        <a:lstStyle/>
+        <a:p>
+          <a:pPr lvl="0" algn="ctr" defTabSz="622300" rtl="0">
+            <a:lnSpc>
+              <a:spcPct val="90000"/>
+            </a:lnSpc>
+            <a:spcBef>
+              <a:spcPct val="0"/>
+            </a:spcBef>
+            <a:spcAft>
+              <a:spcPct val="35000"/>
+            </a:spcAft>
+          </a:pPr>
+          <a:r>
+            <a:rPr lang="en-US" sz="1400" b="1" kern="1200" dirty="0" smtClean="0">
+              <a:solidFill>
+                <a:schemeClr val="accent4">
+                  <a:lumMod val="50000"/>
+                </a:schemeClr>
+              </a:solidFill>
+            </a:rPr>
+            <a:t>F#</a:t>
+          </a:r>
+          <a:endParaRPr lang="en-US" sz="1400" b="1" kern="1200" dirty="0">
+            <a:solidFill>
+              <a:schemeClr val="accent4">
+                <a:lumMod val="50000"/>
+              </a:schemeClr>
+            </a:solidFill>
+          </a:endParaRPr>
+        </a:p>
+      </dsp:txBody>
+      <dsp:txXfrm>
+        <a:off x="10510584" y="2155127"/>
+        <a:ext cx="1176714" cy="706028"/>
+      </dsp:txXfrm>
+    </dsp:sp>
+    <dsp:sp modelId="{E51C02B1-5AC7-4AFF-8300-2851BA3C0A78}">
+      <dsp:nvSpPr>
+        <dsp:cNvPr id="0" name=""/>
+        <dsp:cNvSpPr/>
+      </dsp:nvSpPr>
+      <dsp:spPr>
+        <a:xfrm>
+          <a:off x="9662313" y="3214170"/>
+          <a:ext cx="682323" cy="0"/>
+        </a:xfrm>
+        <a:custGeom>
+          <a:avLst/>
+          <a:gdLst/>
+          <a:ahLst/>
+          <a:cxnLst/>
+          <a:rect l="0" t="0" r="0" b="0"/>
+          <a:pathLst>
+            <a:path>
+              <a:moveTo>
+                <a:pt x="0" y="0"/>
+              </a:moveTo>
+              <a:lnTo>
+                <a:pt x="682323" y="0"/>
+              </a:lnTo>
+            </a:path>
+          </a:pathLst>
+        </a:custGeom>
+        <a:noFill/>
+        <a:ln w="19050" cap="flat" cmpd="sng" algn="ctr">
+          <a:solidFill>
+            <a:schemeClr val="accent4">
+              <a:lumMod val="50000"/>
+            </a:schemeClr>
+          </a:solidFill>
+          <a:prstDash val="solid"/>
+        </a:ln>
+        <a:effectLst/>
+      </dsp:spPr>
+      <dsp:style>
+        <a:lnRef idx="2">
+          <a:scrgbClr r="0" g="0" b="0"/>
+        </a:lnRef>
+        <a:fillRef idx="0">
+          <a:scrgbClr r="0" g="0" b="0"/>
+        </a:fillRef>
+        <a:effectRef idx="0">
+          <a:scrgbClr r="0" g="0" b="0"/>
+        </a:effectRef>
+        <a:fontRef idx="minor"/>
+      </dsp:style>
+    </dsp:sp>
+    <dsp:sp modelId="{2A62AC2C-7BE6-4BA7-86D0-8A6AE565ACA3}">
+      <dsp:nvSpPr>
+        <dsp:cNvPr id="0" name=""/>
+        <dsp:cNvSpPr/>
+      </dsp:nvSpPr>
+      <dsp:spPr>
+        <a:xfrm>
+          <a:off x="10344637" y="3214170"/>
+          <a:ext cx="165946" cy="0"/>
+        </a:xfrm>
+        <a:prstGeom prst="line">
+          <a:avLst/>
+        </a:prstGeom>
+        <a:noFill/>
+        <a:ln w="19050" cap="flat" cmpd="sng" algn="ctr">
+          <a:solidFill>
+            <a:schemeClr val="accent4">
+              <a:lumMod val="50000"/>
+            </a:schemeClr>
+          </a:solidFill>
+          <a:prstDash val="solid"/>
+        </a:ln>
+        <a:effectLst/>
+      </dsp:spPr>
+      <dsp:style>
+        <a:lnRef idx="2">
+          <a:scrgbClr r="0" g="0" b="0"/>
+        </a:lnRef>
+        <a:fillRef idx="0">
+          <a:scrgbClr r="0" g="0" b="0"/>
+        </a:fillRef>
+        <a:effectRef idx="0">
+          <a:scrgbClr r="0" g="0" b="0"/>
+        </a:effectRef>
+        <a:fontRef idx="minor"/>
+      </dsp:style>
+    </dsp:sp>
+    <dsp:sp modelId="{C8548DA5-27E7-4A78-A521-70CFCE2E57F6}">
+      <dsp:nvSpPr>
+        <dsp:cNvPr id="0" name=""/>
+        <dsp:cNvSpPr/>
+      </dsp:nvSpPr>
+      <dsp:spPr>
+        <a:xfrm>
+          <a:off x="10510584" y="2861156"/>
+          <a:ext cx="1176714" cy="706028"/>
+        </a:xfrm>
+        <a:prstGeom prst="rect">
+          <a:avLst/>
+        </a:prstGeom>
+        <a:noFill/>
+        <a:ln>
+          <a:noFill/>
+        </a:ln>
+        <a:effectLst/>
+        <a:sp3d/>
+      </dsp:spPr>
+      <dsp:style>
+        <a:lnRef idx="0">
+          <a:scrgbClr r="0" g="0" b="0"/>
+        </a:lnRef>
+        <a:fillRef idx="0">
+          <a:scrgbClr r="0" g="0" b="0"/>
+        </a:fillRef>
+        <a:effectRef idx="0">
+          <a:scrgbClr r="0" g="0" b="0"/>
+        </a:effectRef>
+        <a:fontRef idx="minor"/>
+      </dsp:style>
+      <dsp:txBody>
+        <a:bodyPr spcFirstLastPara="0" vert="horz" wrap="square" lIns="99568" tIns="99568" rIns="99568" bIns="99568" numCol="1" spcCol="1270" anchor="ctr" anchorCtr="0">
+          <a:noAutofit/>
+        </a:bodyPr>
+        <a:lstStyle/>
+        <a:p>
+          <a:pPr lvl="0" algn="ctr" defTabSz="622300" rtl="0">
+            <a:lnSpc>
+              <a:spcPct val="90000"/>
+            </a:lnSpc>
+            <a:spcBef>
+              <a:spcPct val="0"/>
+            </a:spcBef>
+            <a:spcAft>
+              <a:spcPct val="35000"/>
+            </a:spcAft>
+          </a:pPr>
+          <a:r>
+            <a:rPr lang="en-US" sz="1400" b="1" kern="1200" dirty="0" smtClean="0">
+              <a:solidFill>
+                <a:schemeClr val="accent4">
+                  <a:lumMod val="50000"/>
+                </a:schemeClr>
+              </a:solidFill>
+            </a:rPr>
+            <a:t>Matlab</a:t>
+          </a:r>
+          <a:endParaRPr lang="en-US" sz="1400" b="1" kern="1200" dirty="0">
+            <a:solidFill>
+              <a:schemeClr val="accent4">
+                <a:lumMod val="50000"/>
+              </a:schemeClr>
+            </a:solidFill>
+          </a:endParaRPr>
+        </a:p>
+      </dsp:txBody>
+      <dsp:txXfrm>
+        <a:off x="10510584" y="2861156"/>
+        <a:ext cx="1176714" cy="706028"/>
+      </dsp:txXfrm>
+    </dsp:sp>
+    <dsp:sp modelId="{2D4E3B46-274D-41C9-A405-EE9C4DFCAE88}">
+      <dsp:nvSpPr>
+        <dsp:cNvPr id="0" name=""/>
+        <dsp:cNvSpPr/>
+      </dsp:nvSpPr>
+      <dsp:spPr>
+        <a:xfrm rot="2558555">
+          <a:off x="9539684" y="3606016"/>
+          <a:ext cx="927582" cy="0"/>
+        </a:xfrm>
+        <a:custGeom>
+          <a:avLst/>
+          <a:gdLst/>
+          <a:ahLst/>
+          <a:cxnLst/>
+          <a:rect l="0" t="0" r="0" b="0"/>
+          <a:pathLst>
+            <a:path>
+              <a:moveTo>
+                <a:pt x="0" y="0"/>
+              </a:moveTo>
+              <a:lnTo>
+                <a:pt x="927582" y="0"/>
+              </a:lnTo>
+            </a:path>
+          </a:pathLst>
+        </a:custGeom>
+        <a:noFill/>
+        <a:ln w="19050" cap="flat" cmpd="sng" algn="ctr">
+          <a:solidFill>
+            <a:schemeClr val="accent4">
+              <a:lumMod val="50000"/>
+            </a:schemeClr>
+          </a:solidFill>
+          <a:prstDash val="solid"/>
+        </a:ln>
+        <a:effectLst/>
+      </dsp:spPr>
+      <dsp:style>
+        <a:lnRef idx="2">
+          <a:scrgbClr r="0" g="0" b="0"/>
+        </a:lnRef>
+        <a:fillRef idx="0">
+          <a:scrgbClr r="0" g="0" b="0"/>
+        </a:fillRef>
+        <a:effectRef idx="0">
+          <a:scrgbClr r="0" g="0" b="0"/>
+        </a:effectRef>
+        <a:fontRef idx="minor"/>
+      </dsp:style>
+    </dsp:sp>
+    <dsp:sp modelId="{33389D76-AAF6-49EE-9D34-24DA68352EA1}">
+      <dsp:nvSpPr>
+        <dsp:cNvPr id="0" name=""/>
+        <dsp:cNvSpPr/>
+      </dsp:nvSpPr>
+      <dsp:spPr>
+        <a:xfrm>
+          <a:off x="10344637" y="3920199"/>
+          <a:ext cx="165946" cy="0"/>
+        </a:xfrm>
+        <a:prstGeom prst="line">
+          <a:avLst/>
+        </a:prstGeom>
+        <a:noFill/>
+        <a:ln w="19050" cap="flat" cmpd="sng" algn="ctr">
+          <a:solidFill>
+            <a:schemeClr val="accent4">
+              <a:lumMod val="50000"/>
+            </a:schemeClr>
+          </a:solidFill>
+          <a:prstDash val="solid"/>
+        </a:ln>
+        <a:effectLst/>
+      </dsp:spPr>
+      <dsp:style>
+        <a:lnRef idx="2">
+          <a:scrgbClr r="0" g="0" b="0"/>
+        </a:lnRef>
+        <a:fillRef idx="0">
+          <a:scrgbClr r="0" g="0" b="0"/>
+        </a:fillRef>
+        <a:effectRef idx="0">
+          <a:scrgbClr r="0" g="0" b="0"/>
+        </a:effectRef>
+        <a:fontRef idx="minor"/>
+      </dsp:style>
+    </dsp:sp>
+    <dsp:sp modelId="{B21442F9-A06F-4630-B09F-3A54EED0F62D}">
+      <dsp:nvSpPr>
+        <dsp:cNvPr id="0" name=""/>
+        <dsp:cNvSpPr/>
+      </dsp:nvSpPr>
+      <dsp:spPr>
+        <a:xfrm>
+          <a:off x="10510584" y="3567184"/>
+          <a:ext cx="1176714" cy="706028"/>
+        </a:xfrm>
+        <a:prstGeom prst="rect">
+          <a:avLst/>
+        </a:prstGeom>
+        <a:noFill/>
+        <a:ln>
+          <a:noFill/>
+        </a:ln>
+        <a:effectLst/>
+        <a:sp3d/>
+      </dsp:spPr>
+      <dsp:style>
+        <a:lnRef idx="0">
+          <a:scrgbClr r="0" g="0" b="0"/>
+        </a:lnRef>
+        <a:fillRef idx="0">
+          <a:scrgbClr r="0" g="0" b="0"/>
+        </a:fillRef>
+        <a:effectRef idx="0">
+          <a:scrgbClr r="0" g="0" b="0"/>
+        </a:effectRef>
+        <a:fontRef idx="minor"/>
+      </dsp:style>
+      <dsp:txBody>
+        <a:bodyPr spcFirstLastPara="0" vert="horz" wrap="square" lIns="99568" tIns="99568" rIns="99568" bIns="99568" numCol="1" spcCol="1270" anchor="ctr" anchorCtr="0">
+          <a:noAutofit/>
+        </a:bodyPr>
+        <a:lstStyle/>
+        <a:p>
+          <a:pPr lvl="0" algn="ctr" defTabSz="622300" rtl="0">
+            <a:lnSpc>
+              <a:spcPct val="90000"/>
+            </a:lnSpc>
+            <a:spcBef>
+              <a:spcPct val="0"/>
+            </a:spcBef>
+            <a:spcAft>
+              <a:spcPct val="35000"/>
+            </a:spcAft>
+          </a:pPr>
+          <a:r>
+            <a:rPr lang="en-US" sz="1400" b="1" kern="1200" dirty="0" smtClean="0">
+              <a:solidFill>
+                <a:schemeClr val="accent4">
+                  <a:lumMod val="50000"/>
+                </a:schemeClr>
+              </a:solidFill>
+            </a:rPr>
+            <a:t>R</a:t>
+          </a:r>
+          <a:endParaRPr lang="en-US" sz="1400" b="1" kern="1200" dirty="0">
+            <a:solidFill>
+              <a:schemeClr val="accent4">
+                <a:lumMod val="50000"/>
+              </a:schemeClr>
+            </a:solidFill>
+          </a:endParaRPr>
+        </a:p>
+      </dsp:txBody>
+      <dsp:txXfrm>
+        <a:off x="10510584" y="3567184"/>
+        <a:ext cx="1176714" cy="706028"/>
+      </dsp:txXfrm>
+    </dsp:sp>
   </dsp:spTree>
 </dsp:drawing>
 </file>
@@ -21776,7 +26973,7 @@
           <a:p>
             <a:fld id="{B29F3420-C2EF-4F9B-B7E0-7B1D6CD072D5}" type="datetimeFigureOut">
               <a:rPr lang="en-US" smtClean="0"/>
-              <a:t>7/11/2014</a:t>
+              <a:t>8/27/14</a:t>
             </a:fld>
             <a:endParaRPr lang="en-US" dirty="0"/>
           </a:p>
@@ -21941,7 +27138,7 @@
           <a:p>
             <a:fld id="{F81B89EF-20F4-41E1-849C-92F341F1F0A0}" type="datetimeFigureOut">
               <a:rPr lang="en-US" smtClean="0"/>
-              <a:t>7/11/2014</a:t>
+              <a:t>8/27/14</a:t>
             </a:fld>
             <a:endParaRPr lang="en-US" dirty="0"/>
           </a:p>
@@ -22389,11 +27586,7 @@
             </a:r>
             <a:r>
               <a:rPr lang="en-US" baseline="0" dirty="0" smtClean="0"/>
-              <a:t> </a:t>
-            </a:r>
-            <a:r>
-              <a:rPr lang="en-US" baseline="0" dirty="0" smtClean="0"/>
-              <a:t>at runtime is recommended. </a:t>
+              <a:t> at runtime is recommended. </a:t>
             </a:r>
             <a:endParaRPr lang="en-US" dirty="0"/>
           </a:p>
@@ -22573,6 +27766,12 @@
             </a:r>
           </a:p>
           <a:p>
+            <a:r>
+              <a:rPr lang="en-US" baseline="0" dirty="0" smtClean="0"/>
+              <a:t>“If this is what I can do in 10 lines of code, what happens at 10k? Does F# become self-aware?”</a:t>
+            </a:r>
+          </a:p>
+          <a:p>
             <a:endParaRPr lang="en-US" baseline="0" dirty="0" smtClean="0"/>
           </a:p>
           <a:p>
@@ -22586,6 +27785,11 @@
               <a:rPr lang="en-US" baseline="0" dirty="0" smtClean="0"/>
               <a:t>Simon Cousin’s blog post. </a:t>
             </a:r>
+            <a:r>
+              <a:rPr lang="en-US" baseline="0" smtClean="0"/>
+              <a:t>.?</a:t>
+            </a:r>
+            <a:endParaRPr lang="en-US" baseline="0" dirty="0" smtClean="0"/>
           </a:p>
           <a:p>
             <a:endParaRPr lang="en-US" baseline="0" dirty="0" smtClean="0"/>
@@ -23555,7 +28759,7 @@
                 </a:solidFill>
               </a:rPr>
               <a:pPr/>
-              <a:t>7/11/2014</a:t>
+              <a:t>8/27/14</a:t>
             </a:fld>
             <a:endParaRPr lang="en-US" dirty="0">
               <a:solidFill>
@@ -23690,7 +28894,7 @@
   </p:clrMapOvr>
   <p:extLst mod="1">
     <p:ext uri="{DCECCB84-F9BA-43D5-87BE-67443E8EF086}">
-      <p15:sldGuideLst xmlns:p15="http://schemas.microsoft.com/office/powerpoint/2012/main"/>
+      <p15:sldGuideLst xmlns:p15="http://schemas.microsoft.com/office/powerpoint/2012/main" xmlns=""/>
     </p:ext>
   </p:extLst>
 </p:sldLayout>
@@ -23812,7 +29016,7 @@
                 </a:solidFill>
               </a:rPr>
               <a:pPr/>
-              <a:t>7/11/2014</a:t>
+              <a:t>8/27/14</a:t>
             </a:fld>
             <a:endParaRPr lang="en-US" dirty="0">
               <a:solidFill>
@@ -24024,7 +29228,7 @@
                 </a:solidFill>
               </a:rPr>
               <a:pPr/>
-              <a:t>7/11/2014</a:t>
+              <a:t>8/27/14</a:t>
             </a:fld>
             <a:endParaRPr lang="en-US" dirty="0">
               <a:solidFill>
@@ -24307,7 +29511,7 @@
                 </a:solidFill>
               </a:rPr>
               <a:pPr/>
-              <a:t>7/11/2014</a:t>
+              <a:t>8/27/14</a:t>
             </a:fld>
             <a:endParaRPr lang="en-US" dirty="0">
               <a:solidFill>
@@ -24594,7 +29798,7 @@
                 </a:solidFill>
               </a:rPr>
               <a:pPr/>
-              <a:t>7/11/2014</a:t>
+              <a:t>8/27/14</a:t>
             </a:fld>
             <a:endParaRPr lang="en-US" dirty="0">
               <a:solidFill>
@@ -24948,7 +30152,7 @@
                 </a:solidFill>
               </a:rPr>
               <a:pPr/>
-              <a:t>7/11/2014</a:t>
+              <a:t>8/27/14</a:t>
             </a:fld>
             <a:endParaRPr lang="en-US" dirty="0">
               <a:solidFill>
@@ -25404,7 +30608,7 @@
                 </a:solidFill>
               </a:rPr>
               <a:pPr/>
-              <a:t>7/11/2014</a:t>
+              <a:t>8/27/14</a:t>
             </a:fld>
             <a:endParaRPr lang="en-US" dirty="0">
               <a:solidFill>
@@ -25554,7 +30758,7 @@
                 </a:solidFill>
               </a:rPr>
               <a:pPr/>
-              <a:t>7/11/2014</a:t>
+              <a:t>8/27/14</a:t>
             </a:fld>
             <a:endParaRPr lang="en-US" dirty="0">
               <a:solidFill>
@@ -25681,7 +30885,7 @@
                 </a:solidFill>
               </a:rPr>
               <a:pPr/>
-              <a:t>7/11/2014</a:t>
+              <a:t>8/27/14</a:t>
             </a:fld>
             <a:endParaRPr lang="en-US" dirty="0">
               <a:solidFill>
@@ -25966,7 +31170,7 @@
                 </a:solidFill>
               </a:rPr>
               <a:pPr/>
-              <a:t>7/11/2014</a:t>
+              <a:t>8/27/14</a:t>
             </a:fld>
             <a:endParaRPr lang="en-US" dirty="0">
               <a:solidFill>
@@ -26089,7 +31293,7 @@
   <p:timing>
     <p:tnLst>
       <p:par>
-        <p:cTn id="1" dur="indefinite" restart="never" nodeType="tmRoot"/>
+        <p:cTn xmlns:p14="http://schemas.microsoft.com/office/powerpoint/2010/main" id="1" dur="indefinite" restart="never" nodeType="tmRoot"/>
       </p:par>
     </p:tnLst>
   </p:timing>
@@ -26277,7 +31481,7 @@
                 </a:solidFill>
               </a:rPr>
               <a:pPr/>
-              <a:t>7/11/2014</a:t>
+              <a:t>8/27/14</a:t>
             </a:fld>
             <a:endParaRPr lang="en-US" dirty="0">
               <a:solidFill>
@@ -26399,7 +31603,7 @@
   </p:clrMapOvr>
   <p:extLst mod="1">
     <p:ext uri="{DCECCB84-F9BA-43D5-87BE-67443E8EF086}">
-      <p15:sldGuideLst xmlns:p15="http://schemas.microsoft.com/office/powerpoint/2012/main">
+      <p15:sldGuideLst xmlns:p15="http://schemas.microsoft.com/office/powerpoint/2012/main" xmlns="">
         <p15:guide id="1" orient="horz" pos="144" userDrawn="1">
           <p15:clr>
             <a:srgbClr val="FBAE40"/>
@@ -26647,7 +31851,7 @@
                 </a:solidFill>
               </a:rPr>
               <a:pPr defTabSz="914126"/>
-              <a:t>7/11/2014</a:t>
+              <a:t>8/27/14</a:t>
             </a:fld>
             <a:endParaRPr lang="en-US" dirty="0">
               <a:solidFill>
@@ -26778,7 +31982,7 @@
   <p:timing>
     <p:tnLst>
       <p:par>
-        <p:cTn id="1" dur="indefinite" restart="never" nodeType="tmRoot"/>
+        <p:cTn xmlns:p14="http://schemas.microsoft.com/office/powerpoint/2010/main" id="1" dur="indefinite" restart="never" nodeType="tmRoot"/>
       </p:par>
     </p:tnLst>
   </p:timing>
@@ -27134,7 +32338,7 @@
   </p:txStyles>
   <p:extLst mod="1">
     <p:ext uri="{27BBF7A9-308A-43DC-89C8-2F10F3537804}">
-      <p15:sldGuideLst xmlns:p15="http://schemas.microsoft.com/office/powerpoint/2012/main">
+      <p15:sldGuideLst xmlns:p15="http://schemas.microsoft.com/office/powerpoint/2012/main" xmlns="">
         <p15:guide id="1" orient="horz" pos="3912" userDrawn="1">
           <p15:clr>
             <a:srgbClr val="F26B43"/>
@@ -27333,7 +32537,7 @@
   <p:timing>
     <p:tnLst>
       <p:par>
-        <p:cTn id="1" dur="indefinite" restart="never" nodeType="tmRoot"/>
+        <p:cTn xmlns:p14="http://schemas.microsoft.com/office/powerpoint/2010/main" id="1" dur="indefinite" restart="never" nodeType="tmRoot"/>
       </p:par>
     </p:tnLst>
   </p:timing>
@@ -27416,7 +32620,7 @@
   <p:timing>
     <p:tnLst>
       <p:par>
-        <p:cTn id="1" dur="indefinite" restart="never" nodeType="tmRoot"/>
+        <p:cTn xmlns:p14="http://schemas.microsoft.com/office/powerpoint/2010/main" id="1" dur="indefinite" restart="never" nodeType="tmRoot"/>
       </p:par>
     </p:tnLst>
   </p:timing>
@@ -27598,7 +32802,7 @@
   <p:timing>
     <p:tnLst>
       <p:par>
-        <p:cTn id="1" dur="indefinite" restart="never" nodeType="tmRoot">
+        <p:cTn xmlns:p14="http://schemas.microsoft.com/office/powerpoint/2010/main" id="1" dur="indefinite" restart="never" nodeType="tmRoot">
           <p:childTnLst>
             <p:seq concurrent="1" nextAc="seek">
               <p:cTn id="2" dur="indefinite" nodeType="mainSeq">
@@ -27806,7 +33010,7 @@
   <p:timing>
     <p:tnLst>
       <p:par>
-        <p:cTn id="1" dur="indefinite" restart="never" nodeType="tmRoot"/>
+        <p:cTn xmlns:p14="http://schemas.microsoft.com/office/powerpoint/2010/main" id="1" dur="indefinite" restart="never" nodeType="tmRoot"/>
       </p:par>
     </p:tnLst>
   </p:timing>
@@ -27990,7 +33194,7 @@
   <p:timing>
     <p:tnLst>
       <p:par>
-        <p:cTn id="1" dur="indefinite" restart="never" nodeType="tmRoot"/>
+        <p:cTn xmlns:p14="http://schemas.microsoft.com/office/powerpoint/2010/main" id="1" dur="indefinite" restart="never" nodeType="tmRoot"/>
       </p:par>
     </p:tnLst>
   </p:timing>
@@ -28080,7 +33284,7 @@
   <p:timing>
     <p:tnLst>
       <p:par>
-        <p:cTn id="1" dur="indefinite" restart="never" nodeType="tmRoot"/>
+        <p:cTn xmlns:p14="http://schemas.microsoft.com/office/powerpoint/2010/main" id="1" dur="indefinite" restart="never" nodeType="tmRoot"/>
       </p:par>
     </p:tnLst>
   </p:timing>
@@ -28486,7 +33690,7 @@
   <p:timing>
     <p:tnLst>
       <p:par>
-        <p:cTn id="1" dur="indefinite" restart="never" nodeType="tmRoot">
+        <p:cTn xmlns:p14="http://schemas.microsoft.com/office/powerpoint/2010/main" id="1" dur="indefinite" restart="never" nodeType="tmRoot">
           <p:childTnLst>
             <p:seq concurrent="1" nextAc="seek">
               <p:cTn id="2" dur="indefinite" nodeType="mainSeq">
@@ -28759,7 +33963,7 @@
   <p:timing>
     <p:tnLst>
       <p:par>
-        <p:cTn id="1" dur="indefinite" restart="never" nodeType="tmRoot">
+        <p:cTn xmlns:p14="http://schemas.microsoft.com/office/powerpoint/2010/main" id="1" dur="indefinite" restart="never" nodeType="tmRoot">
           <p:childTnLst>
             <p:seq concurrent="1" nextAc="seek">
               <p:cTn id="2" dur="indefinite" nodeType="mainSeq">
@@ -29093,7 +34297,7 @@
   <p:timing>
     <p:tnLst>
       <p:par>
-        <p:cTn id="1" dur="indefinite" restart="never" nodeType="tmRoot">
+        <p:cTn xmlns:p14="http://schemas.microsoft.com/office/powerpoint/2010/main" id="1" dur="indefinite" restart="never" nodeType="tmRoot">
           <p:childTnLst>
             <p:seq concurrent="1" nextAc="seek">
               <p:cTn id="2" dur="indefinite" nodeType="mainSeq">
@@ -29602,7 +34806,7 @@
   <p:timing>
     <p:tnLst>
       <p:par>
-        <p:cTn id="1" dur="indefinite" restart="never" nodeType="tmRoot">
+        <p:cTn xmlns:p14="http://schemas.microsoft.com/office/powerpoint/2010/main" id="1" dur="indefinite" restart="never" nodeType="tmRoot">
           <p:childTnLst>
             <p:seq concurrent="1" nextAc="seek">
               <p:cTn id="2" dur="indefinite" nodeType="mainSeq">
@@ -30049,7 +35253,6 @@
               <a:rPr lang="en-US" dirty="0" smtClean="0"/>
               <a:t>SQLite</a:t>
             </a:r>
-            <a:endParaRPr lang="en-US" dirty="0" smtClean="0"/>
           </a:p>
         </p:txBody>
       </p:sp>
@@ -30125,7 +35328,7 @@
   <p:timing>
     <p:tnLst>
       <p:par>
-        <p:cTn id="1" dur="indefinite" restart="never" nodeType="tmRoot"/>
+        <p:cTn xmlns:p14="http://schemas.microsoft.com/office/powerpoint/2010/main" id="1" dur="indefinite" restart="never" nodeType="tmRoot"/>
       </p:par>
     </p:tnLst>
   </p:timing>
@@ -30251,7 +35454,7 @@
   <p:timing>
     <p:tnLst>
       <p:par>
-        <p:cTn id="1" dur="indefinite" restart="never" nodeType="tmRoot"/>
+        <p:cTn xmlns:p14="http://schemas.microsoft.com/office/powerpoint/2010/main" id="1" dur="indefinite" restart="never" nodeType="tmRoot"/>
       </p:par>
     </p:tnLst>
   </p:timing>
@@ -30346,7 +35549,7 @@
   <p:timing>
     <p:tnLst>
       <p:par>
-        <p:cTn id="1" dur="indefinite" restart="never" nodeType="tmRoot"/>
+        <p:cTn xmlns:p14="http://schemas.microsoft.com/office/powerpoint/2010/main" id="1" dur="indefinite" restart="never" nodeType="tmRoot"/>
       </p:par>
     </p:tnLst>
   </p:timing>
@@ -30524,7 +35727,7 @@
   <a:extraClrSchemeLst/>
   <a:extLst>
     <a:ext uri="{05A4C25C-085E-4340-85A3-A5531E510DB2}">
-      <thm15:themeFamily xmlns:thm15="http://schemas.microsoft.com/office/thememl/2012/main" name="Basis" id="{5665723A-49BA-4B57-8411-A56F8F207965}" vid="{90E45F77-AEFC-46EF-A7C1-5B338C297B02}"/>
+      <thm15:themeFamily xmlns:thm15="http://schemas.microsoft.com/office/thememl/2012/main" xmlns="" name="Basis" id="{5665723A-49BA-4B57-8411-A56F8F207965}" vid="{90E45F77-AEFC-46EF-A7C1-5B338C297B02}"/>
     </a:ext>
   </a:extLst>
 </a:theme>
@@ -30785,7 +35988,7 @@
   <a:extraClrSchemeLst/>
   <a:extLst>
     <a:ext uri="{05A4C25C-085E-4340-85A3-A5531E510DB2}">
-      <thm15:themeFamily xmlns:thm15="http://schemas.microsoft.com/office/thememl/2012/main" name="Office Theme" id="{62F939B6-93AF-4DB8-9C6B-D6C7DFDC589F}" vid="{4A3C46E8-61CC-4603-A589-7422A47A8E4A}"/>
+      <thm15:themeFamily xmlns:thm15="http://schemas.microsoft.com/office/thememl/2012/main" xmlns="" name="Office Theme" id="{62F939B6-93AF-4DB8-9C6B-D6C7DFDC589F}" vid="{4A3C46E8-61CC-4603-A589-7422A47A8E4A}"/>
     </a:ext>
   </a:extLst>
 </a:theme>
@@ -31046,7 +36249,7 @@
   <a:extraClrSchemeLst/>
   <a:extLst>
     <a:ext uri="{05A4C25C-085E-4340-85A3-A5531E510DB2}">
-      <thm15:themeFamily xmlns:thm15="http://schemas.microsoft.com/office/thememl/2012/main" name="Office Theme" id="{62F939B6-93AF-4DB8-9C6B-D6C7DFDC589F}" vid="{4A3C46E8-61CC-4603-A589-7422A47A8E4A}"/>
+      <thm15:themeFamily xmlns:thm15="http://schemas.microsoft.com/office/thememl/2012/main" xmlns="" name="Office Theme" id="{62F939B6-93AF-4DB8-9C6B-D6C7DFDC589F}" vid="{4A3C46E8-61CC-4603-A589-7422A47A8E4A}"/>
     </a:ext>
   </a:extLst>
 </a:theme>
